--- a/Robustness-SSSG.pptx
+++ b/Robustness-SSSG.pptx
@@ -5,7 +5,7 @@
     <p:sldMasterId id="2147483659" r:id="rId1"/>
   </p:sldMasterIdLst>
   <p:notesMasterIdLst>
-    <p:notesMasterId r:id="rId49"/>
+    <p:notesMasterId r:id="rId48"/>
   </p:notesMasterIdLst>
   <p:sldIdLst>
     <p:sldId id="256" r:id="rId2"/>
@@ -40,53 +40,48 @@
     <p:sldId id="324" r:id="rId31"/>
     <p:sldId id="282" r:id="rId32"/>
     <p:sldId id="377" r:id="rId33"/>
-    <p:sldId id="375" r:id="rId34"/>
-    <p:sldId id="334" r:id="rId35"/>
-    <p:sldId id="335" r:id="rId36"/>
-    <p:sldId id="349" r:id="rId37"/>
-    <p:sldId id="337" r:id="rId38"/>
-    <p:sldId id="350" r:id="rId39"/>
+    <p:sldId id="378" r:id="rId34"/>
+    <p:sldId id="379" r:id="rId35"/>
+    <p:sldId id="380" r:id="rId36"/>
+    <p:sldId id="334" r:id="rId37"/>
+    <p:sldId id="335" r:id="rId38"/>
+    <p:sldId id="337" r:id="rId39"/>
     <p:sldId id="338" r:id="rId40"/>
     <p:sldId id="340" r:id="rId41"/>
     <p:sldId id="341" r:id="rId42"/>
     <p:sldId id="342" r:id="rId43"/>
-    <p:sldId id="345" r:id="rId44"/>
-    <p:sldId id="351" r:id="rId45"/>
-    <p:sldId id="296" r:id="rId46"/>
-    <p:sldId id="346" r:id="rId47"/>
-    <p:sldId id="347" r:id="rId48"/>
+    <p:sldId id="350" r:id="rId44"/>
+    <p:sldId id="296" r:id="rId45"/>
+    <p:sldId id="346" r:id="rId46"/>
+    <p:sldId id="347" r:id="rId47"/>
   </p:sldIdLst>
   <p:sldSz cx="9144000" cy="5143500" type="screen16x9"/>
   <p:notesSz cx="6858000" cy="9144000"/>
   <p:embeddedFontLst>
     <p:embeddedFont>
-      <p:font typeface="Open Sans Light" panose="020B0604020202020204" charset="0"/>
+      <p:font typeface="Cambria Math" panose="02040503050406030204" pitchFamily="18" charset="0"/>
+      <p:regular r:id="rId49"/>
+    </p:embeddedFont>
+    <p:embeddedFont>
+      <p:font typeface="Open Sans" panose="02010600030101010101" charset="0"/>
       <p:regular r:id="rId50"/>
       <p:bold r:id="rId51"/>
       <p:italic r:id="rId52"/>
       <p:boldItalic r:id="rId53"/>
     </p:embeddedFont>
     <p:embeddedFont>
-      <p:font typeface="Cambria Math" panose="02040503050406030204" pitchFamily="18" charset="0"/>
+      <p:font typeface="Open Sans Light" panose="02010600030101010101" charset="0"/>
       <p:regular r:id="rId54"/>
+      <p:bold r:id="rId55"/>
+      <p:italic r:id="rId56"/>
+      <p:boldItalic r:id="rId57"/>
     </p:embeddedFont>
     <p:embeddedFont>
-      <p:font typeface="Open Sans SemiBold" panose="020B0604020202020204" charset="0"/>
-      <p:regular r:id="rId55"/>
-      <p:bold r:id="rId56"/>
-      <p:italic r:id="rId57"/>
-      <p:boldItalic r:id="rId58"/>
-    </p:embeddedFont>
-    <p:embeddedFont>
-      <p:font typeface="Open Sans" panose="020B0604020202020204" charset="0"/>
-      <p:regular r:id="rId59"/>
-      <p:bold r:id="rId60"/>
-      <p:italic r:id="rId61"/>
-      <p:boldItalic r:id="rId62"/>
-    </p:embeddedFont>
-    <p:embeddedFont>
-      <p:font typeface="宋体" panose="02010600030101010101" pitchFamily="2" charset="-122"/>
-      <p:regular r:id="rId63"/>
+      <p:font typeface="Open Sans SemiBold" panose="02010600030101010101" charset="0"/>
+      <p:regular r:id="rId58"/>
+      <p:bold r:id="rId59"/>
+      <p:italic r:id="rId60"/>
+      <p:boldItalic r:id="rId61"/>
     </p:embeddedFont>
   </p:embeddedFontLst>
   <p:defaultTextStyle>
@@ -1115,10 +1110,9 @@
         <a:lstStyle/>
         <a:p>
           <a:r>
-            <a:rPr lang="en-US" dirty="0" smtClean="0"/>
+            <a:rPr lang="en-US" dirty="0"/>
             <a:t>System Spec</a:t>
           </a:r>
-          <a:endParaRPr lang="en-US" dirty="0"/>
         </a:p>
       </dgm:t>
     </dgm:pt>
@@ -1182,14 +1176,13 @@
         <a:lstStyle/>
         <a:p>
           <a:r>
-            <a:rPr lang="en-US" dirty="0" err="1" smtClean="0"/>
+            <a:rPr lang="en-US" dirty="0" err="1"/>
             <a:t>Env</a:t>
           </a:r>
           <a:r>
-            <a:rPr lang="en-US" dirty="0" smtClean="0"/>
+            <a:rPr lang="en-US" dirty="0"/>
             <a:t> Spec</a:t>
           </a:r>
-          <a:endParaRPr lang="en-US" dirty="0"/>
         </a:p>
       </dgm:t>
     </dgm:pt>
@@ -1253,10 +1246,9 @@
         <a:lstStyle/>
         <a:p>
           <a:r>
-            <a:rPr lang="en-US" dirty="0" smtClean="0"/>
+            <a:rPr lang="en-US" dirty="0"/>
             <a:t>Safety Property</a:t>
           </a:r>
-          <a:endParaRPr lang="en-US" dirty="0"/>
         </a:p>
       </dgm:t>
     </dgm:pt>
@@ -1320,10 +1312,9 @@
         <a:lstStyle/>
         <a:p>
           <a:r>
-            <a:rPr lang="en-US" dirty="0" smtClean="0"/>
+            <a:rPr lang="en-US" dirty="0"/>
             <a:t>Weakest Assumption</a:t>
           </a:r>
-          <a:endParaRPr lang="en-US" dirty="0"/>
         </a:p>
       </dgm:t>
     </dgm:pt>
@@ -1389,13 +1380,6 @@
         </dgm:presLayoutVars>
       </dgm:prSet>
       <dgm:spPr/>
-      <dgm:t>
-        <a:bodyPr/>
-        <a:lstStyle/>
-        <a:p>
-          <a:endParaRPr lang="en-US"/>
-        </a:p>
-      </dgm:t>
     </dgm:pt>
     <dgm:pt modelId="{37E56C71-CDC9-4B39-92CB-FECEABBAF583}" type="pres">
       <dgm:prSet presAssocID="{22CC6DC0-3F9A-46C5-B765-A8692E00B968}" presName="spacerT" presStyleCnt="0"/>
@@ -1416,13 +1400,6 @@
         </dgm:presLayoutVars>
       </dgm:prSet>
       <dgm:spPr/>
-      <dgm:t>
-        <a:bodyPr/>
-        <a:lstStyle/>
-        <a:p>
-          <a:endParaRPr lang="en-US"/>
-        </a:p>
-      </dgm:t>
     </dgm:pt>
     <dgm:pt modelId="{8C167BF4-3B48-4E48-B7EB-402E1EBCD4C4}" type="pres">
       <dgm:prSet presAssocID="{7F6B5A0A-0F54-4B18-951E-1A0CFC44F6C4}" presName="sibTransLast" presStyleLbl="sibTrans2D1" presStyleIdx="2" presStyleCnt="3"/>
@@ -1439,29 +1416,22 @@
         </dgm:presLayoutVars>
       </dgm:prSet>
       <dgm:spPr/>
-      <dgm:t>
-        <a:bodyPr/>
-        <a:lstStyle/>
-        <a:p>
-          <a:endParaRPr lang="en-US"/>
-        </a:p>
-      </dgm:t>
     </dgm:pt>
   </dgm:ptLst>
   <dgm:cxnLst>
+    <dgm:cxn modelId="{3074BA33-5E6B-4CD8-B00C-4B1D75F82156}" type="presOf" srcId="{22CC6DC0-3F9A-46C5-B765-A8692E00B968}" destId="{A4F524BC-5044-43E9-9ED4-F28F50329C8E}" srcOrd="0" destOrd="0" presId="urn:microsoft.com/office/officeart/2005/8/layout/equation2"/>
+    <dgm:cxn modelId="{129B2235-A666-4972-9C81-A32268B29CC3}" srcId="{7F6B5A0A-0F54-4B18-951E-1A0CFC44F6C4}" destId="{788FFD9D-7404-4CCE-A245-0BD6B0E93B24}" srcOrd="0" destOrd="0" parTransId="{5E24E0D7-ADE3-4230-995A-808460C79C74}" sibTransId="{3D7B3E38-995E-45E6-B8E3-FB502DA80652}"/>
+    <dgm:cxn modelId="{204A073C-B394-4995-92B2-29EDC5B85EE2}" type="presOf" srcId="{13DFDD1A-F857-4873-9289-F89CB29F0AE3}" destId="{CEF2E0B5-9AB4-4780-9ABF-357ADA3D91CB}" srcOrd="0" destOrd="0" presId="urn:microsoft.com/office/officeart/2005/8/layout/equation2"/>
+    <dgm:cxn modelId="{19C8C83D-641A-494E-A8D8-62E4FE557EF4}" srcId="{7F6B5A0A-0F54-4B18-951E-1A0CFC44F6C4}" destId="{CDEEB3D3-689E-413A-B48B-3B4C259D2CDA}" srcOrd="1" destOrd="0" parTransId="{F27EFF3B-7C66-4921-A60B-0490F7F05817}" sibTransId="{22CC6DC0-3F9A-46C5-B765-A8692E00B968}"/>
+    <dgm:cxn modelId="{9DF4F15D-83DA-4A81-AC99-DAAA7154E8FC}" type="presOf" srcId="{3D7B3E38-995E-45E6-B8E3-FB502DA80652}" destId="{CAE67F45-C242-4CA0-9A93-1CF54DC6A4B2}" srcOrd="0" destOrd="0" presId="urn:microsoft.com/office/officeart/2005/8/layout/equation2"/>
+    <dgm:cxn modelId="{8A82D260-762D-4E67-B9C2-EE27803E73AC}" type="presOf" srcId="{CDEEB3D3-689E-413A-B48B-3B4C259D2CDA}" destId="{19F58809-13FA-49CC-AECD-B6EA26B8D0F9}" srcOrd="0" destOrd="0" presId="urn:microsoft.com/office/officeart/2005/8/layout/equation2"/>
+    <dgm:cxn modelId="{2E697D6D-F056-4088-9E32-833B4B75A03C}" type="presOf" srcId="{09353CC5-9DAE-40D9-A6ED-AC3D6931F2A5}" destId="{019AF5E6-0576-4F30-AF54-C6ABA9F8714D}" srcOrd="0" destOrd="0" presId="urn:microsoft.com/office/officeart/2005/8/layout/equation2"/>
+    <dgm:cxn modelId="{DA7D3650-E88E-4310-A3CB-787262591F55}" type="presOf" srcId="{E7CA5D59-5D6A-4850-A24E-CB6E32D1EA89}" destId="{8C167BF4-3B48-4E48-B7EB-402E1EBCD4C4}" srcOrd="0" destOrd="0" presId="urn:microsoft.com/office/officeart/2005/8/layout/equation2"/>
     <dgm:cxn modelId="{C4EE0257-8F26-40B8-98FD-28E7D13A18FE}" type="presOf" srcId="{788FFD9D-7404-4CCE-A245-0BD6B0E93B24}" destId="{ADDE6D51-0326-48FC-8262-22DC9FF00928}" srcOrd="0" destOrd="0" presId="urn:microsoft.com/office/officeart/2005/8/layout/equation2"/>
-    <dgm:cxn modelId="{DA7D3650-E88E-4310-A3CB-787262591F55}" type="presOf" srcId="{E7CA5D59-5D6A-4850-A24E-CB6E32D1EA89}" destId="{8C167BF4-3B48-4E48-B7EB-402E1EBCD4C4}" srcOrd="0" destOrd="0" presId="urn:microsoft.com/office/officeart/2005/8/layout/equation2"/>
+    <dgm:cxn modelId="{1BFB0EA2-22FF-498D-A19E-FD59F187BE85}" type="presOf" srcId="{7F6B5A0A-0F54-4B18-951E-1A0CFC44F6C4}" destId="{600386E9-DD67-4413-8FD7-D7B9E299B8F1}" srcOrd="0" destOrd="0" presId="urn:microsoft.com/office/officeart/2005/8/layout/equation2"/>
+    <dgm:cxn modelId="{683C64B8-0BF0-4A2E-9133-256426DBA86B}" srcId="{7F6B5A0A-0F54-4B18-951E-1A0CFC44F6C4}" destId="{09353CC5-9DAE-40D9-A6ED-AC3D6931F2A5}" srcOrd="3" destOrd="0" parTransId="{DAF3A442-BF4D-4AC2-A3B6-6C05624A55CE}" sibTransId="{00373967-E678-4682-81B8-B346B7B1880E}"/>
+    <dgm:cxn modelId="{CC6B26CB-7305-494E-80B1-A99DB7744352}" srcId="{7F6B5A0A-0F54-4B18-951E-1A0CFC44F6C4}" destId="{13DFDD1A-F857-4873-9289-F89CB29F0AE3}" srcOrd="2" destOrd="0" parTransId="{35071CC0-26AC-4257-906B-C57E6550F4D8}" sibTransId="{E7CA5D59-5D6A-4850-A24E-CB6E32D1EA89}"/>
     <dgm:cxn modelId="{348596DD-86F7-4CC5-9998-9E16C8F5357F}" type="presOf" srcId="{E7CA5D59-5D6A-4850-A24E-CB6E32D1EA89}" destId="{6D3D89C7-2463-4B65-8B98-57E4FF79799E}" srcOrd="1" destOrd="0" presId="urn:microsoft.com/office/officeart/2005/8/layout/equation2"/>
-    <dgm:cxn modelId="{129B2235-A666-4972-9C81-A32268B29CC3}" srcId="{7F6B5A0A-0F54-4B18-951E-1A0CFC44F6C4}" destId="{788FFD9D-7404-4CCE-A245-0BD6B0E93B24}" srcOrd="0" destOrd="0" parTransId="{5E24E0D7-ADE3-4230-995A-808460C79C74}" sibTransId="{3D7B3E38-995E-45E6-B8E3-FB502DA80652}"/>
-    <dgm:cxn modelId="{3074BA33-5E6B-4CD8-B00C-4B1D75F82156}" type="presOf" srcId="{22CC6DC0-3F9A-46C5-B765-A8692E00B968}" destId="{A4F524BC-5044-43E9-9ED4-F28F50329C8E}" srcOrd="0" destOrd="0" presId="urn:microsoft.com/office/officeart/2005/8/layout/equation2"/>
-    <dgm:cxn modelId="{8A82D260-762D-4E67-B9C2-EE27803E73AC}" type="presOf" srcId="{CDEEB3D3-689E-413A-B48B-3B4C259D2CDA}" destId="{19F58809-13FA-49CC-AECD-B6EA26B8D0F9}" srcOrd="0" destOrd="0" presId="urn:microsoft.com/office/officeart/2005/8/layout/equation2"/>
-    <dgm:cxn modelId="{CC6B26CB-7305-494E-80B1-A99DB7744352}" srcId="{7F6B5A0A-0F54-4B18-951E-1A0CFC44F6C4}" destId="{13DFDD1A-F857-4873-9289-F89CB29F0AE3}" srcOrd="2" destOrd="0" parTransId="{35071CC0-26AC-4257-906B-C57E6550F4D8}" sibTransId="{E7CA5D59-5D6A-4850-A24E-CB6E32D1EA89}"/>
-    <dgm:cxn modelId="{683C64B8-0BF0-4A2E-9133-256426DBA86B}" srcId="{7F6B5A0A-0F54-4B18-951E-1A0CFC44F6C4}" destId="{09353CC5-9DAE-40D9-A6ED-AC3D6931F2A5}" srcOrd="3" destOrd="0" parTransId="{DAF3A442-BF4D-4AC2-A3B6-6C05624A55CE}" sibTransId="{00373967-E678-4682-81B8-B346B7B1880E}"/>
-    <dgm:cxn modelId="{1BFB0EA2-22FF-498D-A19E-FD59F187BE85}" type="presOf" srcId="{7F6B5A0A-0F54-4B18-951E-1A0CFC44F6C4}" destId="{600386E9-DD67-4413-8FD7-D7B9E299B8F1}" srcOrd="0" destOrd="0" presId="urn:microsoft.com/office/officeart/2005/8/layout/equation2"/>
-    <dgm:cxn modelId="{204A073C-B394-4995-92B2-29EDC5B85EE2}" type="presOf" srcId="{13DFDD1A-F857-4873-9289-F89CB29F0AE3}" destId="{CEF2E0B5-9AB4-4780-9ABF-357ADA3D91CB}" srcOrd="0" destOrd="0" presId="urn:microsoft.com/office/officeart/2005/8/layout/equation2"/>
-    <dgm:cxn modelId="{9DF4F15D-83DA-4A81-AC99-DAAA7154E8FC}" type="presOf" srcId="{3D7B3E38-995E-45E6-B8E3-FB502DA80652}" destId="{CAE67F45-C242-4CA0-9A93-1CF54DC6A4B2}" srcOrd="0" destOrd="0" presId="urn:microsoft.com/office/officeart/2005/8/layout/equation2"/>
-    <dgm:cxn modelId="{2E697D6D-F056-4088-9E32-833B4B75A03C}" type="presOf" srcId="{09353CC5-9DAE-40D9-A6ED-AC3D6931F2A5}" destId="{019AF5E6-0576-4F30-AF54-C6ABA9F8714D}" srcOrd="0" destOrd="0" presId="urn:microsoft.com/office/officeart/2005/8/layout/equation2"/>
-    <dgm:cxn modelId="{19C8C83D-641A-494E-A8D8-62E4FE557EF4}" srcId="{7F6B5A0A-0F54-4B18-951E-1A0CFC44F6C4}" destId="{CDEEB3D3-689E-413A-B48B-3B4C259D2CDA}" srcOrd="1" destOrd="0" parTransId="{F27EFF3B-7C66-4921-A60B-0490F7F05817}" sibTransId="{22CC6DC0-3F9A-46C5-B765-A8692E00B968}"/>
     <dgm:cxn modelId="{814D597A-20A3-45B0-BCA8-CE4F71C3F6F8}" type="presParOf" srcId="{600386E9-DD67-4413-8FD7-D7B9E299B8F1}" destId="{19697C7A-B482-43A6-ADF5-AAB6958C65CD}" srcOrd="0" destOrd="0" presId="urn:microsoft.com/office/officeart/2005/8/layout/equation2"/>
     <dgm:cxn modelId="{7433A93E-5832-4E98-A452-511F15FD99D7}" type="presParOf" srcId="{19697C7A-B482-43A6-ADF5-AAB6958C65CD}" destId="{ADDE6D51-0326-48FC-8262-22DC9FF00928}" srcOrd="0" destOrd="0" presId="urn:microsoft.com/office/officeart/2005/8/layout/equation2"/>
     <dgm:cxn modelId="{DD4AE222-CE87-40E7-ACA8-0B228B1FEF42}" type="presParOf" srcId="{19697C7A-B482-43A6-ADF5-AAB6958C65CD}" destId="{FE9B7B2D-6E0A-451B-A6B6-B7A47F0A4ED4}" srcOrd="1" destOrd="0" presId="urn:microsoft.com/office/officeart/2005/8/layout/equation2"/>
@@ -1480,7 +1450,7 @@
   <dgm:whole/>
   <dgm:extLst>
     <a:ext uri="http://schemas.microsoft.com/office/drawing/2008/diagram">
-      <dsp:dataModelExt xmlns:dsp="http://schemas.microsoft.com/office/drawing/2008/diagram" relId="rId7" minVer="http://schemas.openxmlformats.org/drawingml/2006/diagram"/>
+      <dsp:dataModelExt xmlns:dsp="http://schemas.microsoft.com/office/drawing/2008/diagram" relId="rId8" minVer="http://schemas.openxmlformats.org/drawingml/2006/diagram"/>
     </a:ext>
   </dgm:extLst>
 </dgm:dataModel>
@@ -1544,7 +1514,7 @@
         </a:bodyPr>
         <a:lstStyle/>
         <a:p>
-          <a:pPr lvl="0" algn="ctr" defTabSz="355600">
+          <a:pPr marL="0" lvl="0" indent="0" algn="ctr" defTabSz="355600">
             <a:lnSpc>
               <a:spcPct val="90000"/>
             </a:lnSpc>
@@ -1554,12 +1524,12 @@
             <a:spcAft>
               <a:spcPct val="35000"/>
             </a:spcAft>
+            <a:buNone/>
           </a:pPr>
           <a:r>
-            <a:rPr lang="en-US" sz="800" kern="1200" dirty="0" smtClean="0"/>
+            <a:rPr lang="en-US" sz="800" kern="1200" dirty="0"/>
             <a:t>System Spec</a:t>
           </a:r>
-          <a:endParaRPr lang="en-US" sz="800" kern="1200" dirty="0"/>
         </a:p>
       </dsp:txBody>
       <dsp:txXfrm>
@@ -1617,7 +1587,7 @@
         </a:bodyPr>
         <a:lstStyle/>
         <a:p>
-          <a:pPr lvl="0" algn="ctr" defTabSz="266700">
+          <a:pPr marL="0" lvl="0" indent="0" algn="ctr" defTabSz="266700">
             <a:lnSpc>
               <a:spcPct val="90000"/>
             </a:lnSpc>
@@ -1627,6 +1597,7 @@
             <a:spcAft>
               <a:spcPct val="35000"/>
             </a:spcAft>
+            <a:buNone/>
           </a:pPr>
           <a:endParaRPr lang="en-US" sz="600" kern="1200"/>
         </a:p>
@@ -1686,7 +1657,7 @@
         </a:bodyPr>
         <a:lstStyle/>
         <a:p>
-          <a:pPr lvl="0" algn="ctr" defTabSz="355600">
+          <a:pPr marL="0" lvl="0" indent="0" algn="ctr" defTabSz="355600">
             <a:lnSpc>
               <a:spcPct val="90000"/>
             </a:lnSpc>
@@ -1696,16 +1667,16 @@
             <a:spcAft>
               <a:spcPct val="35000"/>
             </a:spcAft>
+            <a:buNone/>
           </a:pPr>
           <a:r>
-            <a:rPr lang="en-US" sz="800" kern="1200" dirty="0" err="1" smtClean="0"/>
+            <a:rPr lang="en-US" sz="800" kern="1200" dirty="0" err="1"/>
             <a:t>Env</a:t>
           </a:r>
           <a:r>
-            <a:rPr lang="en-US" sz="800" kern="1200" dirty="0" smtClean="0"/>
+            <a:rPr lang="en-US" sz="800" kern="1200" dirty="0"/>
             <a:t> Spec</a:t>
           </a:r>
-          <a:endParaRPr lang="en-US" sz="800" kern="1200" dirty="0"/>
         </a:p>
       </dsp:txBody>
       <dsp:txXfrm>
@@ -1763,7 +1734,7 @@
         </a:bodyPr>
         <a:lstStyle/>
         <a:p>
-          <a:pPr lvl="0" algn="ctr" defTabSz="266700">
+          <a:pPr marL="0" lvl="0" indent="0" algn="ctr" defTabSz="266700">
             <a:lnSpc>
               <a:spcPct val="90000"/>
             </a:lnSpc>
@@ -1773,6 +1744,7 @@
             <a:spcAft>
               <a:spcPct val="35000"/>
             </a:spcAft>
+            <a:buNone/>
           </a:pPr>
           <a:endParaRPr lang="en-US" sz="600" kern="1200"/>
         </a:p>
@@ -1832,7 +1804,7 @@
         </a:bodyPr>
         <a:lstStyle/>
         <a:p>
-          <a:pPr lvl="0" algn="ctr" defTabSz="355600">
+          <a:pPr marL="0" lvl="0" indent="0" algn="ctr" defTabSz="355600">
             <a:lnSpc>
               <a:spcPct val="90000"/>
             </a:lnSpc>
@@ -1842,12 +1814,12 @@
             <a:spcAft>
               <a:spcPct val="35000"/>
             </a:spcAft>
+            <a:buNone/>
           </a:pPr>
           <a:r>
-            <a:rPr lang="en-US" sz="800" kern="1200" dirty="0" smtClean="0"/>
+            <a:rPr lang="en-US" sz="800" kern="1200" dirty="0"/>
             <a:t>Safety Property</a:t>
           </a:r>
-          <a:endParaRPr lang="en-US" sz="800" kern="1200" dirty="0"/>
         </a:p>
       </dsp:txBody>
       <dsp:txXfrm>
@@ -1908,7 +1880,7 @@
         </a:bodyPr>
         <a:lstStyle/>
         <a:p>
-          <a:pPr lvl="0" algn="ctr" defTabSz="311150">
+          <a:pPr marL="0" lvl="0" indent="0" algn="ctr" defTabSz="311150">
             <a:lnSpc>
               <a:spcPct val="90000"/>
             </a:lnSpc>
@@ -1918,6 +1890,7 @@
             <a:spcAft>
               <a:spcPct val="35000"/>
             </a:spcAft>
+            <a:buNone/>
           </a:pPr>
           <a:endParaRPr lang="en-US" sz="700" kern="1200"/>
         </a:p>
@@ -1977,7 +1950,7 @@
         </a:bodyPr>
         <a:lstStyle/>
         <a:p>
-          <a:pPr lvl="0" algn="ctr" defTabSz="533400">
+          <a:pPr marL="0" lvl="0" indent="0" algn="ctr" defTabSz="533400">
             <a:lnSpc>
               <a:spcPct val="90000"/>
             </a:lnSpc>
@@ -1987,12 +1960,12 @@
             <a:spcAft>
               <a:spcPct val="35000"/>
             </a:spcAft>
+            <a:buNone/>
           </a:pPr>
           <a:r>
-            <a:rPr lang="en-US" sz="1200" kern="1200" dirty="0" smtClean="0"/>
+            <a:rPr lang="en-US" sz="1200" kern="1200" dirty="0"/>
             <a:t>Weakest Assumption</a:t>
           </a:r>
-          <a:endParaRPr lang="en-US" sz="1200" kern="1200" dirty="0"/>
         </a:p>
       </dsp:txBody>
       <dsp:txXfrm>
@@ -3897,31 +3870,6 @@
           <a:bodyPr/>
           <a:lstStyle/>
           <a:p>
-            <a:r>
-              <a:rPr lang="en-US" altLang="zh-CN" dirty="0" smtClean="0"/>
-              <a:t>In the coffee machine example, we developed an erroneous environment model and verified that it does not satisfy the property.</a:t>
-            </a:r>
-          </a:p>
-          <a:p>
-            <a:r>
-              <a:rPr lang="en-US" altLang="zh-CN" dirty="0" smtClean="0"/>
-              <a:t>However, this is just one case, it is often impossible to enumerate all the human behaviors.</a:t>
-            </a:r>
-          </a:p>
-          <a:p>
-            <a:r>
-              <a:rPr lang="en-US" altLang="zh-CN" dirty="0" smtClean="0"/>
-              <a:t>Thus, we cannot tell what kind of errors the system can handle and what it cannot.</a:t>
-            </a:r>
-            <a:endParaRPr lang="zh-CN" altLang="en-US" dirty="0" smtClean="0"/>
-          </a:p>
-          <a:p>
-            <a:pPr marL="158750" indent="0">
-              <a:buNone/>
-            </a:pPr>
-            <a:endParaRPr lang="zh-CN" altLang="en-US" dirty="0" smtClean="0"/>
-          </a:p>
-          <a:p>
             <a:pPr marL="158750" indent="0">
               <a:buNone/>
             </a:pPr>
@@ -3932,7 +3880,7 @@
     </p:spTree>
     <p:extLst>
       <p:ext uri="{BB962C8B-B14F-4D97-AF65-F5344CB8AC3E}">
-        <p14:creationId xmlns:p14="http://schemas.microsoft.com/office/powerpoint/2010/main" val="963913028"/>
+        <p14:creationId xmlns:p14="http://schemas.microsoft.com/office/powerpoint/2010/main" val="1174819320"/>
       </p:ext>
     </p:extLst>
   </p:cSld>
@@ -3991,6 +3939,31 @@
           <a:bodyPr/>
           <a:lstStyle/>
           <a:p>
+            <a:r>
+              <a:rPr lang="en-US" altLang="zh-CN" dirty="0"/>
+              <a:t>In the coffee machine example, we developed an erroneous environment model and verified that it does not satisfy the property.</a:t>
+            </a:r>
+          </a:p>
+          <a:p>
+            <a:r>
+              <a:rPr lang="en-US" altLang="zh-CN" dirty="0"/>
+              <a:t>However, this is just one case, it is often impossible to enumerate all the human behaviors.</a:t>
+            </a:r>
+          </a:p>
+          <a:p>
+            <a:r>
+              <a:rPr lang="en-US" altLang="zh-CN" dirty="0"/>
+              <a:t>Thus, we cannot tell what kind of errors the system can handle and what it cannot.</a:t>
+            </a:r>
+            <a:endParaRPr lang="zh-CN" altLang="en-US" dirty="0"/>
+          </a:p>
+          <a:p>
+            <a:pPr marL="158750" indent="0">
+              <a:buNone/>
+            </a:pPr>
+            <a:endParaRPr lang="zh-CN" altLang="en-US" dirty="0"/>
+          </a:p>
+          <a:p>
             <a:pPr marL="158750" indent="0">
               <a:buNone/>
             </a:pPr>
@@ -4001,7 +3974,7 @@
     </p:spTree>
     <p:extLst>
       <p:ext uri="{BB962C8B-B14F-4D97-AF65-F5344CB8AC3E}">
-        <p14:creationId xmlns:p14="http://schemas.microsoft.com/office/powerpoint/2010/main" val="2882009939"/>
+        <p14:creationId xmlns:p14="http://schemas.microsoft.com/office/powerpoint/2010/main" val="963913028"/>
       </p:ext>
     </p:extLst>
   </p:cSld>
@@ -4060,14 +4033,17 @@
           <a:bodyPr/>
           <a:lstStyle/>
           <a:p>
-            <a:endParaRPr lang="en-US" dirty="0"/>
+            <a:pPr marL="158750" indent="0">
+              <a:buNone/>
+            </a:pPr>
+            <a:endParaRPr lang="zh-CN" altLang="en-US" dirty="0"/>
           </a:p>
         </p:txBody>
       </p:sp>
     </p:spTree>
     <p:extLst>
       <p:ext uri="{BB962C8B-B14F-4D97-AF65-F5344CB8AC3E}">
-        <p14:creationId xmlns:p14="http://schemas.microsoft.com/office/powerpoint/2010/main" val="1191776298"/>
+        <p14:creationId xmlns:p14="http://schemas.microsoft.com/office/powerpoint/2010/main" val="2882009939"/>
       </p:ext>
     </p:extLst>
   </p:cSld>
@@ -4126,18 +4102,14 @@
           <a:bodyPr/>
           <a:lstStyle/>
           <a:p>
-            <a:r>
-              <a:rPr lang="en-US" altLang="zh-CN" dirty="0"/>
-              <a:t>In our context, the representation of errors and the representation of robustness refer to the same thing.</a:t>
-            </a:r>
-            <a:endParaRPr lang="zh-CN" altLang="en-US" dirty="0"/>
+            <a:endParaRPr lang="en-US" dirty="0"/>
           </a:p>
         </p:txBody>
       </p:sp>
     </p:spTree>
     <p:extLst>
       <p:ext uri="{BB962C8B-B14F-4D97-AF65-F5344CB8AC3E}">
-        <p14:creationId xmlns:p14="http://schemas.microsoft.com/office/powerpoint/2010/main" val="1883646462"/>
+        <p14:creationId xmlns:p14="http://schemas.microsoft.com/office/powerpoint/2010/main" val="1191776298"/>
       </p:ext>
     </p:extLst>
   </p:cSld>
@@ -4196,18 +4168,54 @@
           <a:bodyPr/>
           <a:lstStyle/>
           <a:p>
+            <a:pPr marL="457200" indent="-298450"/>
             <a:r>
               <a:rPr lang="en-US" altLang="zh-CN" dirty="0"/>
-              <a:t>In our context, the representation of errors and the representation of robustness refer to the same thing.</a:t>
+              <a:t>Why this is useful?</a:t>
             </a:r>
-            <a:endParaRPr lang="zh-CN" altLang="en-US" dirty="0"/>
+          </a:p>
+          <a:p>
+            <a:pPr marL="457200" indent="-298450"/>
+            <a:r>
+              <a:rPr lang="en-US" altLang="zh-CN" dirty="0"/>
+              <a:t>One use case: there’s always a cost to make a system more robust!</a:t>
+            </a:r>
+          </a:p>
+          <a:p>
+            <a:pPr marL="457200" indent="-298450"/>
+            <a:r>
+              <a:rPr lang="en-US" altLang="zh-CN" dirty="0"/>
+              <a:t>In the coffee machine example,</a:t>
+            </a:r>
+          </a:p>
+          <a:p>
+            <a:pPr marL="457200" indent="-298450"/>
+            <a:r>
+              <a:rPr lang="en-US" altLang="zh-CN" dirty="0"/>
+              <a:t>what kind of human error we’d like to prevent?</a:t>
+            </a:r>
+            <a:r>
+              <a:rPr lang="zh-CN" altLang="en-US" dirty="0"/>
+              <a:t> </a:t>
+            </a:r>
+            <a:r>
+              <a:rPr lang="en-US" altLang="zh-CN" dirty="0"/>
+              <a:t>Forgetting to place the mug seems not a valuable error to invest on.</a:t>
+            </a:r>
+          </a:p>
+          <a:p>
+            <a:pPr marL="457200" indent="-298450"/>
+            <a:r>
+              <a:rPr lang="en-US" altLang="zh-CN" dirty="0"/>
+              <a:t>Is the design consistent with our intention? Do we address all the errors we’d like to deal with?</a:t>
+            </a:r>
           </a:p>
         </p:txBody>
       </p:sp>
     </p:spTree>
     <p:extLst>
       <p:ext uri="{BB962C8B-B14F-4D97-AF65-F5344CB8AC3E}">
-        <p14:creationId xmlns:p14="http://schemas.microsoft.com/office/powerpoint/2010/main" val="2253185417"/>
+        <p14:creationId xmlns:p14="http://schemas.microsoft.com/office/powerpoint/2010/main" val="1883646462"/>
       </p:ext>
     </p:extLst>
   </p:cSld>
@@ -4350,82 +4358,6 @@
           <a:p>
             <a:r>
               <a:rPr lang="en-US" altLang="zh-CN" dirty="0"/>
-              <a:t>Can we extract the design decisions with respect to the robustness of an infusion pump.</a:t>
-            </a:r>
-          </a:p>
-          <a:p>
-            <a:r>
-              <a:rPr lang="en-US" altLang="zh-CN" dirty="0"/>
-              <a:t>Can we map the delta traces we found in the weakest assumption back to the human behavior model.</a:t>
-            </a:r>
-            <a:endParaRPr lang="zh-CN" altLang="en-US" dirty="0"/>
-          </a:p>
-        </p:txBody>
-      </p:sp>
-    </p:spTree>
-    <p:extLst>
-      <p:ext uri="{BB962C8B-B14F-4D97-AF65-F5344CB8AC3E}">
-        <p14:creationId xmlns:p14="http://schemas.microsoft.com/office/powerpoint/2010/main" val="3159736694"/>
-      </p:ext>
-    </p:extLst>
-  </p:cSld>
-  <p:clrMapOvr>
-    <a:masterClrMapping/>
-  </p:clrMapOvr>
-</p:notes>
-</file>
-
-<file path=ppt/notesSlides/notesSlide17.xml><?xml version="1.0" encoding="utf-8"?>
-<p:notes xmlns:a="http://schemas.openxmlformats.org/drawingml/2006/main" xmlns:r="http://schemas.openxmlformats.org/officeDocument/2006/relationships" xmlns:p="http://schemas.openxmlformats.org/presentationml/2006/main">
-  <p:cSld>
-    <p:spTree>
-      <p:nvGrpSpPr>
-        <p:cNvPr id="1" name=""/>
-        <p:cNvGrpSpPr/>
-        <p:nvPr/>
-      </p:nvGrpSpPr>
-      <p:grpSpPr>
-        <a:xfrm>
-          <a:off x="0" y="0"/>
-          <a:ext cx="0" cy="0"/>
-          <a:chOff x="0" y="0"/>
-          <a:chExt cx="0" cy="0"/>
-        </a:xfrm>
-      </p:grpSpPr>
-      <p:sp>
-        <p:nvSpPr>
-          <p:cNvPr id="2" name="Slide Image Placeholder 1"/>
-          <p:cNvSpPr>
-            <a:spLocks noGrp="1" noRot="1" noChangeAspect="1"/>
-          </p:cNvSpPr>
-          <p:nvPr>
-            <p:ph type="sldImg"/>
-          </p:nvPr>
-        </p:nvSpPr>
-        <p:spPr>
-          <a:xfrm>
-            <a:off x="381000" y="685800"/>
-            <a:ext cx="6096000" cy="3429000"/>
-          </a:xfrm>
-        </p:spPr>
-      </p:sp>
-      <p:sp>
-        <p:nvSpPr>
-          <p:cNvPr id="3" name="Notes Placeholder 2"/>
-          <p:cNvSpPr>
-            <a:spLocks noGrp="1"/>
-          </p:cNvSpPr>
-          <p:nvPr>
-            <p:ph type="body" idx="1"/>
-          </p:nvPr>
-        </p:nvSpPr>
-        <p:spPr/>
-        <p:txBody>
-          <a:bodyPr/>
-          <a:lstStyle/>
-          <a:p>
-            <a:r>
-              <a:rPr lang="en-US" altLang="zh-CN" dirty="0"/>
               <a:t>In event-based model, we are talking about after doing a, we should do b.</a:t>
             </a:r>
           </a:p>
@@ -4584,20 +4516,16 @@
           <a:p>
             <a:r>
               <a:rPr lang="en-US" altLang="zh-CN" dirty="0"/>
-              <a:t>Uncertainty comes from the differences between expected versus </a:t>
+              <a:t>Uncertainty comes from the differences between expected versus reality</a:t>
             </a:r>
+          </a:p>
+          <a:p>
             <a:r>
-              <a:rPr lang="en-US" altLang="zh-CN" dirty="0" smtClean="0"/>
-              <a:t>reality</a:t>
-            </a:r>
-          </a:p>
-          <a:p>
-            <a:r>
-              <a:rPr lang="en-US" altLang="zh-CN" dirty="0" smtClean="0"/>
+              <a:rPr lang="en-US" altLang="zh-CN" dirty="0"/>
               <a:t>Might be unknown events, or</a:t>
             </a:r>
             <a:r>
-              <a:rPr lang="en-US" altLang="zh-CN" baseline="0" dirty="0" smtClean="0"/>
+              <a:rPr lang="en-US" altLang="zh-CN" baseline="0" dirty="0"/>
               <a:t> known events coming in unknown order, and so on</a:t>
             </a:r>
             <a:endParaRPr lang="en-US" altLang="zh-CN" dirty="0"/>
@@ -4717,11 +4645,7 @@
             </a:pPr>
             <a:r>
               <a:rPr lang="en-US" dirty="0"/>
-              <a:t>IEEE definition OK, but what is correct function, invalid inputs, and stressful env. Need more </a:t>
-            </a:r>
-            <a:r>
-              <a:rPr lang="en-US" dirty="0" smtClean="0"/>
-              <a:t>context</a:t>
+              <a:t>IEEE definition OK, but what is correct function, invalid inputs, and stressful env. Need more context</a:t>
             </a:r>
           </a:p>
           <a:p>
@@ -4734,11 +4658,11 @@
               </a:spcAft>
             </a:pPr>
             <a:r>
-              <a:rPr lang="en-US" dirty="0" smtClean="0"/>
+              <a:rPr lang="en-US" dirty="0"/>
               <a:t>Also, for correct function, what about</a:t>
             </a:r>
             <a:r>
-              <a:rPr lang="en-US" baseline="0" dirty="0" smtClean="0"/>
+              <a:rPr lang="en-US" baseline="0" dirty="0"/>
               <a:t> graceful degradation, is it considered as correct function?</a:t>
             </a:r>
             <a:endParaRPr lang="en-US" dirty="0"/>
@@ -4967,6 +4891,16 @@
           <a:bodyPr/>
           <a:lstStyle/>
           <a:p>
+            <a:r>
+              <a:rPr lang="en-US" altLang="zh-CN" dirty="0"/>
+              <a:t>Of course, ultimately, we want a system to work under any environment.</a:t>
+            </a:r>
+          </a:p>
+          <a:p>
+            <a:r>
+              <a:rPr lang="en-US" altLang="zh-CN" dirty="0"/>
+              <a:t>But that is often impossible. Thus, we often focus on certain error types, and want the system to be robust against them.</a:t>
+            </a:r>
             <a:endParaRPr lang="zh-CN" altLang="en-US" dirty="0"/>
           </a:p>
         </p:txBody>
@@ -4974,7 +4908,7 @@
     </p:spTree>
     <p:extLst>
       <p:ext uri="{BB962C8B-B14F-4D97-AF65-F5344CB8AC3E}">
-        <p14:creationId xmlns:p14="http://schemas.microsoft.com/office/powerpoint/2010/main" val="3132018796"/>
+        <p14:creationId xmlns:p14="http://schemas.microsoft.com/office/powerpoint/2010/main" val="3651031619"/>
       </p:ext>
     </p:extLst>
   </p:cSld>
@@ -5040,7 +4974,7 @@
     </p:spTree>
     <p:extLst>
       <p:ext uri="{BB962C8B-B14F-4D97-AF65-F5344CB8AC3E}">
-        <p14:creationId xmlns:p14="http://schemas.microsoft.com/office/powerpoint/2010/main" val="3270550227"/>
+        <p14:creationId xmlns:p14="http://schemas.microsoft.com/office/powerpoint/2010/main" val="3132018796"/>
       </p:ext>
     </p:extLst>
   </p:cSld>
@@ -5106,7 +5040,7 @@
     </p:spTree>
     <p:extLst>
       <p:ext uri="{BB962C8B-B14F-4D97-AF65-F5344CB8AC3E}">
-        <p14:creationId xmlns:p14="http://schemas.microsoft.com/office/powerpoint/2010/main" val="1561140675"/>
+        <p14:creationId xmlns:p14="http://schemas.microsoft.com/office/powerpoint/2010/main" val="3270550227"/>
       </p:ext>
     </p:extLst>
   </p:cSld>
@@ -5165,9 +5099,6 @@
           <a:bodyPr/>
           <a:lstStyle/>
           <a:p>
-            <a:pPr marL="158750" indent="0">
-              <a:buNone/>
-            </a:pPr>
             <a:endParaRPr lang="zh-CN" altLang="en-US" dirty="0"/>
           </a:p>
         </p:txBody>
@@ -5175,7 +5106,7 @@
     </p:spTree>
     <p:extLst>
       <p:ext uri="{BB962C8B-B14F-4D97-AF65-F5344CB8AC3E}">
-        <p14:creationId xmlns:p14="http://schemas.microsoft.com/office/powerpoint/2010/main" val="1174819320"/>
+        <p14:creationId xmlns:p14="http://schemas.microsoft.com/office/powerpoint/2010/main" val="1561140675"/>
       </p:ext>
     </p:extLst>
   </p:cSld>
@@ -10691,13 +10622,6 @@
   <p:clrMapOvr>
     <a:masterClrMapping/>
   </p:clrMapOvr>
-  <p:timing>
-    <p:tnLst>
-      <p:par>
-        <p:cTn id="1" dur="indefinite" restart="never" nodeType="tmRoot"/>
-      </p:par>
-    </p:tnLst>
-  </p:timing>
 </p:sld>
 </file>
 
@@ -10775,55 +10699,38 @@
           <a:p>
             <a:r>
               <a:rPr lang="en-US" altLang="zh-CN" dirty="0"/>
-              <a:t>System: </a:t>
+              <a:t>System: The coffee machine.</a:t>
             </a:r>
-            <a:r>
-              <a:rPr lang="en-US" altLang="zh-CN" dirty="0" smtClean="0"/>
-              <a:t>The </a:t>
-            </a:r>
+          </a:p>
+          <a:p>
             <a:r>
               <a:rPr lang="en-US" altLang="zh-CN" dirty="0"/>
-              <a:t>coffee machine.</a:t>
+              <a:t>Environment: Human operator.</a:t>
             </a:r>
+          </a:p>
+          <a:p>
+            <a:endParaRPr lang="en-US" altLang="zh-CN" dirty="0"/>
           </a:p>
           <a:p>
             <a:r>
               <a:rPr lang="en-US" altLang="zh-CN" dirty="0"/>
-              <a:t>Environment: Human </a:t>
-            </a:r>
-            <a:r>
-              <a:rPr lang="en-US" altLang="zh-CN" dirty="0"/>
-              <a:t>o</a:t>
-            </a:r>
-            <a:r>
-              <a:rPr lang="en-US" altLang="zh-CN" dirty="0" smtClean="0"/>
-              <a:t>perator.</a:t>
-            </a:r>
-            <a:endParaRPr lang="en-US" altLang="zh-CN" dirty="0"/>
-          </a:p>
-          <a:p>
-            <a:endParaRPr lang="en-US" altLang="zh-CN" dirty="0"/>
-          </a:p>
-          <a:p>
-            <a:r>
-              <a:rPr lang="en-US" altLang="zh-CN" dirty="0"/>
-              <a:t>A system is correct when it satisfies certain properties.</a:t>
+              <a:t>A system is correct if it satisfies certain properties.</a:t>
             </a:r>
           </a:p>
           <a:p>
             <a:pPr lvl="1"/>
             <a:r>
-              <a:rPr lang="en-US" altLang="zh-CN" dirty="0"/>
+              <a:rPr lang="en-US" altLang="zh-CN" sz="1600" dirty="0"/>
               <a:t>Safety Property: the system should not do something.</a:t>
             </a:r>
           </a:p>
           <a:p>
             <a:pPr lvl="1"/>
             <a:r>
-              <a:rPr lang="en-US" altLang="zh-CN" dirty="0"/>
+              <a:rPr lang="en-US" altLang="zh-CN" sz="1600" dirty="0"/>
               <a:t>Liveness Property: the system should do something.</a:t>
             </a:r>
-            <a:endParaRPr lang="zh-CN" altLang="en-US" dirty="0"/>
+            <a:endParaRPr lang="zh-CN" altLang="en-US" sz="1600" dirty="0"/>
           </a:p>
         </p:txBody>
       </p:sp>
@@ -10904,13 +10811,6 @@
   <p:clrMapOvr>
     <a:masterClrMapping/>
   </p:clrMapOvr>
-  <p:timing>
-    <p:tnLst>
-      <p:par>
-        <p:cTn id="1" dur="indefinite" restart="never" nodeType="tmRoot"/>
-      </p:par>
-    </p:tnLst>
-  </p:timing>
 </p:sld>
 </file>
 
@@ -10986,6 +10886,9 @@
           <a:bodyPr/>
           <a:lstStyle/>
           <a:p>
+            <a:pPr marL="114300" indent="0">
+              <a:buNone/>
+            </a:pPr>
             <a:r>
               <a:rPr lang="en-US" altLang="zh-CN" dirty="0"/>
               <a:t>Use </a:t>
@@ -11148,13 +11051,6 @@
   <p:clrMapOvr>
     <a:masterClrMapping/>
   </p:clrMapOvr>
-  <p:timing>
-    <p:tnLst>
-      <p:par>
-        <p:cTn id="1" dur="indefinite" restart="never" nodeType="tmRoot"/>
-      </p:par>
-    </p:tnLst>
-  </p:timing>
 </p:sld>
 </file>
 
@@ -11230,6 +11126,9 @@
           <a:bodyPr/>
           <a:lstStyle/>
           <a:p>
+            <a:pPr marL="114300" indent="0">
+              <a:buNone/>
+            </a:pPr>
             <a:r>
               <a:rPr lang="en-US" altLang="zh-CN" dirty="0"/>
               <a:t>Use </a:t>
@@ -11456,13 +11355,6 @@
   <p:clrMapOvr>
     <a:masterClrMapping/>
   </p:clrMapOvr>
-  <p:timing>
-    <p:tnLst>
-      <p:par>
-        <p:cTn id="1" dur="indefinite" restart="never" nodeType="tmRoot"/>
-      </p:par>
-    </p:tnLst>
-  </p:timing>
 </p:sld>
 </file>
 
@@ -11538,6 +11430,9 @@
           <a:bodyPr/>
           <a:lstStyle/>
           <a:p>
+            <a:pPr marL="114300" indent="0">
+              <a:buNone/>
+            </a:pPr>
             <a:r>
               <a:rPr lang="en-US" altLang="zh-CN" dirty="0"/>
               <a:t>Use </a:t>
@@ -11849,13 +11744,6 @@
   <p:clrMapOvr>
     <a:masterClrMapping/>
   </p:clrMapOvr>
-  <p:timing>
-    <p:tnLst>
-      <p:par>
-        <p:cTn id="1" dur="indefinite" restart="never" nodeType="tmRoot"/>
-      </p:par>
-    </p:tnLst>
-  </p:timing>
 </p:sld>
 </file>
 
@@ -12060,13 +11948,6 @@
   <p:clrMapOvr>
     <a:masterClrMapping/>
   </p:clrMapOvr>
-  <p:timing>
-    <p:tnLst>
-      <p:par>
-        <p:cTn id="1" dur="indefinite" restart="never" nodeType="tmRoot"/>
-      </p:par>
-    </p:tnLst>
-  </p:timing>
 </p:sld>
 </file>
 
@@ -12335,13 +12216,6 @@
   <p:clrMapOvr>
     <a:masterClrMapping/>
   </p:clrMapOvr>
-  <p:timing>
-    <p:tnLst>
-      <p:par>
-        <p:cTn id="1" dur="indefinite" restart="never" nodeType="tmRoot"/>
-      </p:par>
-    </p:tnLst>
-  </p:timing>
 </p:sld>
 </file>
 
@@ -12567,13 +12441,6 @@
   <p:clrMapOvr>
     <a:masterClrMapping/>
   </p:clrMapOvr>
-  <p:timing>
-    <p:tnLst>
-      <p:par>
-        <p:cTn id="1" dur="indefinite" restart="never" nodeType="tmRoot"/>
-      </p:par>
-    </p:tnLst>
-  </p:timing>
 </p:sld>
 </file>
 
@@ -12769,8 +12636,8 @@
           </a:xfrm>
           <a:prstGeom prst="wedgeEllipseCallout">
             <a:avLst>
-              <a:gd name="adj1" fmla="val 68110"/>
-              <a:gd name="adj2" fmla="val 68684"/>
+              <a:gd name="adj1" fmla="val 63442"/>
+              <a:gd name="adj2" fmla="val 64047"/>
             </a:avLst>
           </a:prstGeom>
         </p:spPr>
@@ -12811,13 +12678,6 @@
   <p:clrMapOvr>
     <a:masterClrMapping/>
   </p:clrMapOvr>
-  <p:timing>
-    <p:tnLst>
-      <p:par>
-        <p:cTn id="1" dur="indefinite" restart="never" nodeType="tmRoot"/>
-      </p:par>
-    </p:tnLst>
-  </p:timing>
 </p:sld>
 </file>
 
@@ -13004,13 +12864,6 @@
   <p:clrMapOvr>
     <a:masterClrMapping/>
   </p:clrMapOvr>
-  <p:timing>
-    <p:tnLst>
-      <p:par>
-        <p:cTn id="1" dur="indefinite" restart="never" nodeType="tmRoot"/>
-      </p:par>
-    </p:tnLst>
-  </p:timing>
 </p:sld>
 </file>
 
@@ -13392,13 +13245,6 @@
   <p:clrMapOvr>
     <a:masterClrMapping/>
   </p:clrMapOvr>
-  <p:timing>
-    <p:tnLst>
-      <p:par>
-        <p:cTn id="1" dur="indefinite" restart="never" nodeType="tmRoot"/>
-      </p:par>
-    </p:tnLst>
-  </p:timing>
 </p:sld>
 </file>
 
@@ -13585,13 +13431,6 @@
   <p:clrMapOvr>
     <a:masterClrMapping/>
   </p:clrMapOvr>
-  <p:timing>
-    <p:tnLst>
-      <p:par>
-        <p:cTn id="1" dur="indefinite" restart="never" nodeType="tmRoot"/>
-      </p:par>
-    </p:tnLst>
-  </p:timing>
 </p:sld>
 </file>
 
@@ -13778,13 +13617,6 @@
   <p:clrMapOvr>
     <a:masterClrMapping/>
   </p:clrMapOvr>
-  <p:timing>
-    <p:tnLst>
-      <p:par>
-        <p:cTn id="1" dur="indefinite" restart="never" nodeType="tmRoot"/>
-      </p:par>
-    </p:tnLst>
-  </p:timing>
 </p:sld>
 </file>
 
@@ -13972,13 +13804,6 @@
   <p:clrMapOvr>
     <a:masterClrMapping/>
   </p:clrMapOvr>
-  <p:timing>
-    <p:tnLst>
-      <p:par>
-        <p:cTn id="1" dur="indefinite" restart="never" nodeType="tmRoot"/>
-      </p:par>
-    </p:tnLst>
-  </p:timing>
 </p:sld>
 </file>
 
@@ -14349,13 +14174,6 @@
   <p:clrMapOvr>
     <a:masterClrMapping/>
   </p:clrMapOvr>
-  <p:timing>
-    <p:tnLst>
-      <p:par>
-        <p:cTn id="1" dur="indefinite" restart="never" nodeType="tmRoot"/>
-      </p:par>
-    </p:tnLst>
-  </p:timing>
 </p:sld>
 </file>
 
@@ -14405,8 +14223,8 @@
           </a:p>
         </p:txBody>
       </p:sp>
-      <mc:AlternateContent xmlns:mc="http://schemas.openxmlformats.org/markup-compatibility/2006">
-        <mc:Choice xmlns:a14="http://schemas.microsoft.com/office/drawing/2010/main" Requires="a14">
+      <mc:AlternateContent xmlns:mc="http://schemas.openxmlformats.org/markup-compatibility/2006" xmlns:a14="http://schemas.microsoft.com/office/drawing/2010/main">
+        <mc:Choice Requires="a14">
           <p:sp>
             <p:nvSpPr>
               <p:cNvPr id="3" name="Text Placeholder 2">
@@ -14452,15 +14270,7 @@
                 </a14:m>
                 <a:r>
                   <a:rPr lang="en-US" altLang="zh-CN" sz="1400" dirty="0"/>
-                  <a:t> be </a:t>
-                </a:r>
-                <a:r>
-                  <a:rPr lang="en-US" altLang="zh-CN" sz="1400" dirty="0" smtClean="0"/>
-                  <a:t>the spec </a:t>
-                </a:r>
-                <a:r>
-                  <a:rPr lang="en-US" altLang="zh-CN" sz="1400" dirty="0"/>
-                  <a:t>of the system, </a:t>
+                  <a:t> be the spec of the system, </a:t>
                 </a:r>
                 <a14:m>
                   <m:oMath xmlns:m="http://schemas.openxmlformats.org/officeDocument/2006/math">
@@ -14582,11 +14392,7 @@
                 </a:pPr>
                 <a:r>
                   <a:rPr lang="en-US" altLang="zh-CN" sz="1400" dirty="0"/>
-                  <a:t>Then, </a:t>
-                </a:r>
-                <a:r>
-                  <a:rPr lang="en-US" altLang="zh-CN" sz="1400" dirty="0" smtClean="0"/>
-                  <a:t>let </a:t>
+                  <a:t>Then, let </a:t>
                 </a:r>
                 <a14:m>
                   <m:oMath xmlns:m="http://schemas.openxmlformats.org/officeDocument/2006/math">
@@ -14804,7 +14610,7 @@
             </p:txBody>
           </p:sp>
         </mc:Choice>
-        <mc:Fallback>
+        <mc:Fallback xmlns="">
           <p:sp>
             <p:nvSpPr>
               <p:cNvPr id="3" name="Text Placeholder 2">
@@ -14998,13 +14804,6 @@
   <p:clrMapOvr>
     <a:masterClrMapping/>
   </p:clrMapOvr>
-  <p:timing>
-    <p:tnLst>
-      <p:par>
-        <p:cTn id="1" dur="indefinite" restart="never" nodeType="tmRoot"/>
-      </p:par>
-    </p:tnLst>
-  </p:timing>
 </p:sld>
 </file>
 
@@ -15054,8 +14853,8 @@
           </a:p>
         </p:txBody>
       </p:sp>
-      <mc:AlternateContent xmlns:mc="http://schemas.openxmlformats.org/markup-compatibility/2006">
-        <mc:Choice xmlns:a14="http://schemas.microsoft.com/office/drawing/2010/main" Requires="a14">
+      <mc:AlternateContent xmlns:mc="http://schemas.openxmlformats.org/markup-compatibility/2006" xmlns:a14="http://schemas.microsoft.com/office/drawing/2010/main">
+        <mc:Choice Requires="a14">
           <p:sp>
             <p:nvSpPr>
               <p:cNvPr id="3" name="Text Placeholder 2">
@@ -15101,15 +14900,7 @@
                 </a14:m>
                 <a:r>
                   <a:rPr lang="en-US" altLang="zh-CN" sz="1400" dirty="0"/>
-                  <a:t> be </a:t>
-                </a:r>
-                <a:r>
-                  <a:rPr lang="en-US" altLang="zh-CN" sz="1400" dirty="0" smtClean="0"/>
-                  <a:t>the spec </a:t>
-                </a:r>
-                <a:r>
-                  <a:rPr lang="en-US" altLang="zh-CN" sz="1400" dirty="0"/>
-                  <a:t>of the system, </a:t>
+                  <a:t> be the spec of the system, </a:t>
                 </a:r>
                 <a14:m>
                   <m:oMath xmlns:m="http://schemas.openxmlformats.org/officeDocument/2006/math">
@@ -15231,11 +15022,7 @@
                 </a:pPr>
                 <a:r>
                   <a:rPr lang="en-US" altLang="zh-CN" sz="1400" dirty="0"/>
-                  <a:t>Then, </a:t>
-                </a:r>
-                <a:r>
-                  <a:rPr lang="en-US" altLang="zh-CN" sz="1400" dirty="0" smtClean="0"/>
-                  <a:t>let </a:t>
+                  <a:t>Then, let </a:t>
                 </a:r>
                 <a14:m>
                   <m:oMath xmlns:m="http://schemas.openxmlformats.org/officeDocument/2006/math">
@@ -15453,7 +15240,7 @@
             </p:txBody>
           </p:sp>
         </mc:Choice>
-        <mc:Fallback>
+        <mc:Fallback xmlns="">
           <p:sp>
             <p:nvSpPr>
               <p:cNvPr id="3" name="Text Placeholder 2">
@@ -15637,8 +15424,8 @@
           </a:prstGeom>
         </p:spPr>
       </p:pic>
-      <mc:AlternateContent xmlns:mc="http://schemas.openxmlformats.org/markup-compatibility/2006">
-        <mc:Choice xmlns:a14="http://schemas.microsoft.com/office/drawing/2010/main" Requires="a14">
+      <mc:AlternateContent xmlns:mc="http://schemas.openxmlformats.org/markup-compatibility/2006" xmlns:a14="http://schemas.microsoft.com/office/drawing/2010/main">
+        <mc:Choice Requires="a14">
           <p:sp>
             <p:nvSpPr>
               <p:cNvPr id="8" name="Speech Bubble: Oval 7">
@@ -15725,7 +15512,7 @@
             </p:txBody>
           </p:sp>
         </mc:Choice>
-        <mc:Fallback>
+        <mc:Fallback xmlns="">
           <p:sp>
             <p:nvSpPr>
               <p:cNvPr id="8" name="Speech Bubble: Oval 7">
@@ -15834,13 +15621,6 @@
   <p:clrMapOvr>
     <a:masterClrMapping/>
   </p:clrMapOvr>
-  <p:timing>
-    <p:tnLst>
-      <p:par>
-        <p:cTn id="1" dur="indefinite" restart="never" nodeType="tmRoot"/>
-      </p:par>
-    </p:tnLst>
-  </p:timing>
 </p:sld>
 </file>
 
@@ -15890,8 +15670,8 @@
           </a:p>
         </p:txBody>
       </p:sp>
-      <mc:AlternateContent xmlns:mc="http://schemas.openxmlformats.org/markup-compatibility/2006">
-        <mc:Choice xmlns:a14="http://schemas.microsoft.com/office/drawing/2010/main" Requires="a14">
+      <mc:AlternateContent xmlns:mc="http://schemas.openxmlformats.org/markup-compatibility/2006" xmlns:a14="http://schemas.microsoft.com/office/drawing/2010/main">
+        <mc:Choice Requires="a14">
           <p:sp>
             <p:nvSpPr>
               <p:cNvPr id="3" name="Text Placeholder 2">
@@ -15922,7 +15702,7 @@
                   <a:buNone/>
                 </a:pPr>
                 <a:r>
-                  <a:rPr lang="en-US" altLang="zh-CN" sz="1400" dirty="0" smtClean="0"/>
+                  <a:rPr lang="en-US" altLang="zh-CN" sz="1400" dirty="0"/>
                   <a:t>Let </a:t>
                 </a:r>
                 <a14:m>
@@ -16142,7 +15922,7 @@
             </p:txBody>
           </p:sp>
         </mc:Choice>
-        <mc:Fallback>
+        <mc:Fallback xmlns="">
           <p:sp>
             <p:nvSpPr>
               <p:cNvPr id="3" name="Text Placeholder 2">
@@ -17498,6 +17278,51 @@
           <a:chExt cx="0" cy="0"/>
         </a:xfrm>
       </p:grpSpPr>
+      <p:pic>
+        <p:nvPicPr>
+          <p:cNvPr id="1026" name="Picture 2">
+            <a:extLst>
+              <a:ext uri="{FF2B5EF4-FFF2-40B4-BE49-F238E27FC236}">
+                <a16:creationId xmlns:a16="http://schemas.microsoft.com/office/drawing/2014/main" id="{1930665B-5FD9-47E6-B678-A01E93DE5E91}"/>
+              </a:ext>
+            </a:extLst>
+          </p:cNvPr>
+          <p:cNvPicPr>
+            <a:picLocks noChangeAspect="1" noChangeArrowheads="1"/>
+          </p:cNvPicPr>
+          <p:nvPr/>
+        </p:nvPicPr>
+        <p:blipFill rotWithShape="1">
+          <a:blip r:embed="rId3">
+            <a:extLst>
+              <a:ext uri="{28A0092B-C50C-407E-A947-70E740481C1C}">
+                <a14:useLocalDpi xmlns:a14="http://schemas.microsoft.com/office/drawing/2010/main" val="0"/>
+              </a:ext>
+            </a:extLst>
+          </a:blip>
+          <a:srcRect l="3881" r="3767"/>
+          <a:stretch/>
+        </p:blipFill>
+        <p:spPr bwMode="auto">
+          <a:xfrm>
+            <a:off x="3007500" y="1479323"/>
+            <a:ext cx="6013658" cy="2878261"/>
+          </a:xfrm>
+          <a:prstGeom prst="rect">
+            <a:avLst/>
+          </a:prstGeom>
+          <a:noFill/>
+          <a:extLst>
+            <a:ext uri="{909E8E84-426E-40DD-AFC4-6F175D3DCCD1}">
+              <a14:hiddenFill xmlns:a14="http://schemas.microsoft.com/office/drawing/2010/main">
+                <a:solidFill>
+                  <a:srgbClr val="FFFFFF"/>
+                </a:solidFill>
+              </a14:hiddenFill>
+            </a:ext>
+          </a:extLst>
+        </p:spPr>
+      </p:pic>
       <p:sp>
         <p:nvSpPr>
           <p:cNvPr id="2" name="Title 1"/>
@@ -17678,34 +17503,69 @@
         </p:xfrm>
         <a:graphic>
           <a:graphicData uri="http://schemas.openxmlformats.org/drawingml/2006/diagram">
-            <dgm:relIds xmlns:dgm="http://schemas.openxmlformats.org/drawingml/2006/diagram" xmlns:r="http://schemas.openxmlformats.org/officeDocument/2006/relationships" r:dm="rId3" r:lo="rId4" r:qs="rId5" r:cs="rId6"/>
+            <dgm:relIds xmlns:dgm="http://schemas.openxmlformats.org/drawingml/2006/diagram" xmlns:r="http://schemas.openxmlformats.org/officeDocument/2006/relationships" r:dm="rId4" r:lo="rId5" r:qs="rId6" r:cs="rId7"/>
           </a:graphicData>
         </a:graphic>
       </p:graphicFrame>
-      <p:pic>
-        <p:nvPicPr>
-          <p:cNvPr id="11" name="Picture 10"/>
-          <p:cNvPicPr>
-            <a:picLocks noChangeAspect="1"/>
-          </p:cNvPicPr>
+      <p:sp>
+        <p:nvSpPr>
+          <p:cNvPr id="7" name="Speech Bubble: Oval 6">
+            <a:extLst>
+              <a:ext uri="{FF2B5EF4-FFF2-40B4-BE49-F238E27FC236}">
+                <a16:creationId xmlns:a16="http://schemas.microsoft.com/office/drawing/2014/main" id="{E6C4B99A-B297-421C-BBA6-8CB952EB6EBF}"/>
+              </a:ext>
+            </a:extLst>
+          </p:cNvPr>
+          <p:cNvSpPr/>
           <p:nvPr/>
-        </p:nvPicPr>
-        <p:blipFill>
-          <a:blip r:embed="rId8"/>
-          <a:stretch>
-            <a:fillRect/>
-          </a:stretch>
-        </p:blipFill>
+        </p:nvSpPr>
         <p:spPr>
           <a:xfrm>
-            <a:off x="3184828" y="1814421"/>
-            <a:ext cx="5647472" cy="2208065"/>
+            <a:off x="6275922" y="3016400"/>
+            <a:ext cx="2458129" cy="1260536"/>
           </a:xfrm>
-          <a:prstGeom prst="rect">
-            <a:avLst/>
+          <a:prstGeom prst="wedgeEllipseCallout">
+            <a:avLst>
+              <a:gd name="adj1" fmla="val -53053"/>
+              <a:gd name="adj2" fmla="val -59734"/>
+            </a:avLst>
           </a:prstGeom>
         </p:spPr>
-      </p:pic>
+        <p:style>
+          <a:lnRef idx="3">
+            <a:schemeClr val="lt1"/>
+          </a:lnRef>
+          <a:fillRef idx="1">
+            <a:schemeClr val="accent3"/>
+          </a:fillRef>
+          <a:effectRef idx="1">
+            <a:schemeClr val="accent3"/>
+          </a:effectRef>
+          <a:fontRef idx="minor">
+            <a:schemeClr val="lt1"/>
+          </a:fontRef>
+        </p:style>
+        <p:txBody>
+          <a:bodyPr rtlCol="0" anchor="ctr"/>
+          <a:lstStyle/>
+          <a:p>
+            <a:pPr algn="ctr"/>
+            <a:r>
+              <a:rPr lang="en-US" altLang="zh-CN" sz="1800" dirty="0"/>
+              <a:t>Does not allow </a:t>
+            </a:r>
+            <a:r>
+              <a:rPr lang="en-US" altLang="zh-CN" sz="1800" dirty="0" err="1"/>
+              <a:t>hPressBrew</a:t>
+            </a:r>
+            <a:r>
+              <a:rPr lang="en-US" altLang="zh-CN" sz="1800" dirty="0"/>
+              <a:t>!</a:t>
+            </a:r>
+            <a:endParaRPr lang="zh-CN" altLang="en-US" sz="1800" dirty="0"/>
+          </a:p>
+        </p:txBody>
+      </p:sp>
     </p:spTree>
     <p:extLst>
       <p:ext uri="{BB962C8B-B14F-4D97-AF65-F5344CB8AC3E}">
@@ -17716,6 +17576,84 @@
   <p:clrMapOvr>
     <a:masterClrMapping/>
   </p:clrMapOvr>
+  <p:timing>
+    <p:tnLst>
+      <p:par>
+        <p:cTn id="1" dur="indefinite" restart="never" nodeType="tmRoot">
+          <p:childTnLst>
+            <p:seq concurrent="1" nextAc="seek">
+              <p:cTn id="2" dur="indefinite" nodeType="mainSeq">
+                <p:childTnLst>
+                  <p:par>
+                    <p:cTn id="3" fill="hold">
+                      <p:stCondLst>
+                        <p:cond delay="indefinite"/>
+                      </p:stCondLst>
+                      <p:childTnLst>
+                        <p:par>
+                          <p:cTn id="4" fill="hold">
+                            <p:stCondLst>
+                              <p:cond delay="0"/>
+                            </p:stCondLst>
+                            <p:childTnLst>
+                              <p:par>
+                                <p:cTn id="5" presetID="1" presetClass="entr" presetSubtype="0" fill="hold" grpId="0" nodeType="clickEffect">
+                                  <p:stCondLst>
+                                    <p:cond delay="0"/>
+                                  </p:stCondLst>
+                                  <p:childTnLst>
+                                    <p:set>
+                                      <p:cBhvr>
+                                        <p:cTn id="6" dur="1" fill="hold">
+                                          <p:stCondLst>
+                                            <p:cond delay="0"/>
+                                          </p:stCondLst>
+                                        </p:cTn>
+                                        <p:tgtEl>
+                                          <p:spTgt spid="7"/>
+                                        </p:tgtEl>
+                                        <p:attrNameLst>
+                                          <p:attrName>style.visibility</p:attrName>
+                                        </p:attrNameLst>
+                                      </p:cBhvr>
+                                      <p:to>
+                                        <p:strVal val="visible"/>
+                                      </p:to>
+                                    </p:set>
+                                  </p:childTnLst>
+                                </p:cTn>
+                              </p:par>
+                            </p:childTnLst>
+                          </p:cTn>
+                        </p:par>
+                      </p:childTnLst>
+                    </p:cTn>
+                  </p:par>
+                </p:childTnLst>
+              </p:cTn>
+              <p:prevCondLst>
+                <p:cond evt="onPrev" delay="0">
+                  <p:tgtEl>
+                    <p:sldTgt/>
+                  </p:tgtEl>
+                </p:cond>
+              </p:prevCondLst>
+              <p:nextCondLst>
+                <p:cond evt="onNext" delay="0">
+                  <p:tgtEl>
+                    <p:sldTgt/>
+                  </p:tgtEl>
+                </p:cond>
+              </p:nextCondLst>
+            </p:seq>
+          </p:childTnLst>
+        </p:cTn>
+      </p:par>
+    </p:tnLst>
+    <p:bldLst>
+      <p:bldP spid="7" grpId="0" animBg="1"/>
+    </p:bldLst>
+  </p:timing>
 </p:sld>
 </file>
 
@@ -17738,7 +17676,13 @@
       </p:grpSpPr>
       <p:sp>
         <p:nvSpPr>
-          <p:cNvPr id="2" name="Title 1"/>
+          <p:cNvPr id="2" name="Title 1">
+            <a:extLst>
+              <a:ext uri="{FF2B5EF4-FFF2-40B4-BE49-F238E27FC236}">
+                <a16:creationId xmlns:a16="http://schemas.microsoft.com/office/drawing/2014/main" id="{E5ECE839-A85A-4346-8890-BB956A117681}"/>
+              </a:ext>
+            </a:extLst>
+          </p:cNvPr>
           <p:cNvSpPr>
             <a:spLocks noGrp="1"/>
           </p:cNvSpPr>
@@ -17751,13 +17695,23 @@
           <a:bodyPr/>
           <a:lstStyle/>
           <a:p>
-            <a:endParaRPr lang="en-US" dirty="0"/>
+            <a:r>
+              <a:rPr lang="en-US" altLang="zh-CN" dirty="0"/>
+              <a:t>A Robust Version</a:t>
+            </a:r>
+            <a:endParaRPr lang="zh-CN" altLang="en-US" dirty="0"/>
           </a:p>
         </p:txBody>
       </p:sp>
       <p:sp>
         <p:nvSpPr>
-          <p:cNvPr id="3" name="Text Placeholder 2"/>
+          <p:cNvPr id="3" name="Text Placeholder 2">
+            <a:extLst>
+              <a:ext uri="{FF2B5EF4-FFF2-40B4-BE49-F238E27FC236}">
+                <a16:creationId xmlns:a16="http://schemas.microsoft.com/office/drawing/2014/main" id="{D2122807-5636-41CD-B2EA-01BF60265B85}"/>
+              </a:ext>
+            </a:extLst>
+          </p:cNvPr>
           <p:cNvSpPr>
             <a:spLocks noGrp="1"/>
           </p:cNvSpPr>
@@ -17770,13 +17724,23 @@
           <a:bodyPr/>
           <a:lstStyle/>
           <a:p>
-            <a:endParaRPr lang="en-US"/>
+            <a:r>
+              <a:rPr lang="en-US" altLang="zh-CN" dirty="0"/>
+              <a:t>Add additional sensor to detect the mug.</a:t>
+            </a:r>
+            <a:endParaRPr lang="zh-CN" altLang="en-US" dirty="0"/>
           </a:p>
         </p:txBody>
       </p:sp>
       <p:sp>
         <p:nvSpPr>
-          <p:cNvPr id="4" name="Slide Number Placeholder 3"/>
+          <p:cNvPr id="4" name="Slide Number Placeholder 3">
+            <a:extLst>
+              <a:ext uri="{FF2B5EF4-FFF2-40B4-BE49-F238E27FC236}">
+                <a16:creationId xmlns:a16="http://schemas.microsoft.com/office/drawing/2014/main" id="{30C733E5-02C6-4AF7-8962-4DD5474473DA}"/>
+              </a:ext>
+            </a:extLst>
+          </p:cNvPr>
           <p:cNvSpPr>
             <a:spLocks noGrp="1"/>
           </p:cNvSpPr>
@@ -17806,16 +17770,175 @@
           </a:p>
         </p:txBody>
       </p:sp>
+      <p:pic>
+        <p:nvPicPr>
+          <p:cNvPr id="5" name="Picture 4">
+            <a:extLst>
+              <a:ext uri="{FF2B5EF4-FFF2-40B4-BE49-F238E27FC236}">
+                <a16:creationId xmlns:a16="http://schemas.microsoft.com/office/drawing/2014/main" id="{63A9FF00-2F65-4FDC-B884-0B4836DE035C}"/>
+              </a:ext>
+            </a:extLst>
+          </p:cNvPr>
+          <p:cNvPicPr>
+            <a:picLocks noChangeAspect="1"/>
+          </p:cNvPicPr>
+          <p:nvPr/>
+        </p:nvPicPr>
+        <p:blipFill>
+          <a:blip r:embed="rId2"/>
+          <a:stretch>
+            <a:fillRect/>
+          </a:stretch>
+        </p:blipFill>
+        <p:spPr>
+          <a:xfrm>
+            <a:off x="1469151" y="1750518"/>
+            <a:ext cx="6205697" cy="2708907"/>
+          </a:xfrm>
+          <a:prstGeom prst="rect">
+            <a:avLst/>
+          </a:prstGeom>
+        </p:spPr>
+      </p:pic>
+      <p:sp>
+        <p:nvSpPr>
+          <p:cNvPr id="6" name="Speech Bubble: Oval 5">
+            <a:extLst>
+              <a:ext uri="{FF2B5EF4-FFF2-40B4-BE49-F238E27FC236}">
+                <a16:creationId xmlns:a16="http://schemas.microsoft.com/office/drawing/2014/main" id="{570E6080-8725-421D-8492-CC7C24D30C6B}"/>
+              </a:ext>
+            </a:extLst>
+          </p:cNvPr>
+          <p:cNvSpPr/>
+          <p:nvPr/>
+        </p:nvSpPr>
+        <p:spPr>
+          <a:xfrm>
+            <a:off x="4785522" y="2108306"/>
+            <a:ext cx="2889326" cy="1664493"/>
+          </a:xfrm>
+          <a:prstGeom prst="wedgeEllipseCallout">
+            <a:avLst>
+              <a:gd name="adj1" fmla="val -53053"/>
+              <a:gd name="adj2" fmla="val -59734"/>
+            </a:avLst>
+          </a:prstGeom>
+        </p:spPr>
+        <p:style>
+          <a:lnRef idx="3">
+            <a:schemeClr val="lt1"/>
+          </a:lnRef>
+          <a:fillRef idx="1">
+            <a:schemeClr val="accent3"/>
+          </a:fillRef>
+          <a:effectRef idx="1">
+            <a:schemeClr val="accent3"/>
+          </a:effectRef>
+          <a:fontRef idx="minor">
+            <a:schemeClr val="lt1"/>
+          </a:fontRef>
+        </p:style>
+        <p:txBody>
+          <a:bodyPr rtlCol="0" anchor="ctr"/>
+          <a:lstStyle/>
+          <a:p>
+            <a:pPr algn="ctr"/>
+            <a:r>
+              <a:rPr lang="en-US" altLang="zh-CN" sz="1800" dirty="0"/>
+              <a:t>Key Diff: the system is aware of placing/taking the mug.</a:t>
+            </a:r>
+            <a:endParaRPr lang="zh-CN" altLang="en-US" sz="1800" dirty="0"/>
+          </a:p>
+        </p:txBody>
+      </p:sp>
     </p:spTree>
     <p:extLst>
       <p:ext uri="{BB962C8B-B14F-4D97-AF65-F5344CB8AC3E}">
-        <p14:creationId xmlns:p14="http://schemas.microsoft.com/office/powerpoint/2010/main" val="4179879167"/>
+        <p14:creationId xmlns:p14="http://schemas.microsoft.com/office/powerpoint/2010/main" val="677503577"/>
       </p:ext>
     </p:extLst>
   </p:cSld>
   <p:clrMapOvr>
     <a:masterClrMapping/>
   </p:clrMapOvr>
+  <p:timing>
+    <p:tnLst>
+      <p:par>
+        <p:cTn id="1" dur="indefinite" restart="never" nodeType="tmRoot">
+          <p:childTnLst>
+            <p:seq concurrent="1" nextAc="seek">
+              <p:cTn id="2" dur="indefinite" nodeType="mainSeq">
+                <p:childTnLst>
+                  <p:par>
+                    <p:cTn id="3" fill="hold">
+                      <p:stCondLst>
+                        <p:cond delay="indefinite"/>
+                      </p:stCondLst>
+                      <p:childTnLst>
+                        <p:par>
+                          <p:cTn id="4" fill="hold">
+                            <p:stCondLst>
+                              <p:cond delay="0"/>
+                            </p:stCondLst>
+                            <p:childTnLst>
+                              <p:par>
+                                <p:cTn id="5" presetID="1" presetClass="entr" presetSubtype="0" fill="hold" grpId="0" nodeType="clickEffect">
+                                  <p:stCondLst>
+                                    <p:cond delay="0"/>
+                                  </p:stCondLst>
+                                  <p:childTnLst>
+                                    <p:set>
+                                      <p:cBhvr>
+                                        <p:cTn id="6" dur="1" fill="hold">
+                                          <p:stCondLst>
+                                            <p:cond delay="0"/>
+                                          </p:stCondLst>
+                                        </p:cTn>
+                                        <p:tgtEl>
+                                          <p:spTgt spid="6"/>
+                                        </p:tgtEl>
+                                        <p:attrNameLst>
+                                          <p:attrName>style.visibility</p:attrName>
+                                        </p:attrNameLst>
+                                      </p:cBhvr>
+                                      <p:to>
+                                        <p:strVal val="visible"/>
+                                      </p:to>
+                                    </p:set>
+                                  </p:childTnLst>
+                                </p:cTn>
+                              </p:par>
+                            </p:childTnLst>
+                          </p:cTn>
+                        </p:par>
+                      </p:childTnLst>
+                    </p:cTn>
+                  </p:par>
+                </p:childTnLst>
+              </p:cTn>
+              <p:prevCondLst>
+                <p:cond evt="onPrev" delay="0">
+                  <p:tgtEl>
+                    <p:sldTgt/>
+                  </p:tgtEl>
+                </p:cond>
+              </p:prevCondLst>
+              <p:nextCondLst>
+                <p:cond evt="onNext" delay="0">
+                  <p:tgtEl>
+                    <p:sldTgt/>
+                  </p:tgtEl>
+                </p:cond>
+              </p:nextCondLst>
+            </p:seq>
+          </p:childTnLst>
+        </p:cTn>
+      </p:par>
+    </p:tnLst>
+    <p:bldLst>
+      <p:bldP spid="6" grpId="0" animBg="1"/>
+    </p:bldLst>
+  </p:timing>
 </p:sld>
 </file>
 
@@ -17836,14 +17959,803 @@
           <a:chExt cx="0" cy="0"/>
         </a:xfrm>
       </p:grpSpPr>
-      <mc:AlternateContent xmlns:mc="http://schemas.openxmlformats.org/markup-compatibility/2006" xmlns:a14="http://schemas.microsoft.com/office/drawing/2010/main">
-        <mc:Choice Requires="a14">
+      <p:sp>
+        <p:nvSpPr>
+          <p:cNvPr id="2" name="Title 1">
+            <a:extLst>
+              <a:ext uri="{FF2B5EF4-FFF2-40B4-BE49-F238E27FC236}">
+                <a16:creationId xmlns:a16="http://schemas.microsoft.com/office/drawing/2014/main" id="{AAC8749B-6CAF-4AD1-89AA-BB5FD4CE5D59}"/>
+              </a:ext>
+            </a:extLst>
+          </p:cNvPr>
+          <p:cNvSpPr>
+            <a:spLocks noGrp="1"/>
+          </p:cNvSpPr>
+          <p:nvPr>
+            <p:ph type="title"/>
+          </p:nvPr>
+        </p:nvSpPr>
+        <p:spPr/>
+        <p:txBody>
+          <a:bodyPr/>
+          <a:lstStyle/>
+          <a:p>
+            <a:r>
+              <a:rPr lang="en-US" altLang="zh-CN" dirty="0"/>
+              <a:t>A Robust Version</a:t>
+            </a:r>
+            <a:endParaRPr lang="zh-CN" altLang="en-US" dirty="0"/>
+          </a:p>
+        </p:txBody>
+      </p:sp>
+      <p:sp>
+        <p:nvSpPr>
+          <p:cNvPr id="3" name="Text Placeholder 2">
+            <a:extLst>
+              <a:ext uri="{FF2B5EF4-FFF2-40B4-BE49-F238E27FC236}">
+                <a16:creationId xmlns:a16="http://schemas.microsoft.com/office/drawing/2014/main" id="{89414E6C-2AA3-47E0-BF28-01B507BD0500}"/>
+              </a:ext>
+            </a:extLst>
+          </p:cNvPr>
+          <p:cNvSpPr>
+            <a:spLocks noGrp="1"/>
+          </p:cNvSpPr>
+          <p:nvPr>
+            <p:ph type="body" idx="1"/>
+          </p:nvPr>
+        </p:nvSpPr>
+        <p:spPr/>
+        <p:txBody>
+          <a:bodyPr/>
+          <a:lstStyle/>
+          <a:p>
+            <a:r>
+              <a:rPr lang="en-US" altLang="zh-CN" dirty="0"/>
+              <a:t>Generate the weakest assumption</a:t>
+            </a:r>
+            <a:endParaRPr lang="zh-CN" altLang="en-US" dirty="0"/>
+          </a:p>
+        </p:txBody>
+      </p:sp>
+      <p:sp>
+        <p:nvSpPr>
+          <p:cNvPr id="4" name="Slide Number Placeholder 3">
+            <a:extLst>
+              <a:ext uri="{FF2B5EF4-FFF2-40B4-BE49-F238E27FC236}">
+                <a16:creationId xmlns:a16="http://schemas.microsoft.com/office/drawing/2014/main" id="{238E8377-DAD3-4E2D-8794-D9115A621ED3}"/>
+              </a:ext>
+            </a:extLst>
+          </p:cNvPr>
+          <p:cNvSpPr>
+            <a:spLocks noGrp="1"/>
+          </p:cNvSpPr>
+          <p:nvPr>
+            <p:ph type="sldNum" idx="12"/>
+          </p:nvPr>
+        </p:nvSpPr>
+        <p:spPr/>
+        <p:txBody>
+          <a:bodyPr/>
+          <a:lstStyle/>
+          <a:p>
+            <a:pPr marL="0" lvl="0" indent="0" algn="r" rtl="0">
+              <a:spcBef>
+                <a:spcPts val="0"/>
+              </a:spcBef>
+              <a:spcAft>
+                <a:spcPts val="0"/>
+              </a:spcAft>
+              <a:buNone/>
+            </a:pPr>
+            <a:fld id="{00000000-1234-1234-1234-123412341234}" type="slidenum">
+              <a:rPr lang="en" smtClean="0"/>
+              <a:t>33</a:t>
+            </a:fld>
+            <a:endParaRPr lang="en"/>
+          </a:p>
+        </p:txBody>
+      </p:sp>
+      <p:pic>
+        <p:nvPicPr>
+          <p:cNvPr id="2050" name="Picture 2">
+            <a:extLst>
+              <a:ext uri="{FF2B5EF4-FFF2-40B4-BE49-F238E27FC236}">
+                <a16:creationId xmlns:a16="http://schemas.microsoft.com/office/drawing/2014/main" id="{B162F53F-E04A-44D3-8905-D4E73290C1F5}"/>
+              </a:ext>
+            </a:extLst>
+          </p:cNvPr>
+          <p:cNvPicPr>
+            <a:picLocks noChangeAspect="1" noChangeArrowheads="1"/>
+          </p:cNvPicPr>
+          <p:nvPr/>
+        </p:nvPicPr>
+        <p:blipFill>
+          <a:blip r:embed="rId2">
+            <a:extLst>
+              <a:ext uri="{28A0092B-C50C-407E-A947-70E740481C1C}">
+                <a14:useLocalDpi xmlns:a14="http://schemas.microsoft.com/office/drawing/2010/main" val="0"/>
+              </a:ext>
+            </a:extLst>
+          </a:blip>
+          <a:srcRect/>
+          <a:stretch>
+            <a:fillRect/>
+          </a:stretch>
+        </p:blipFill>
+        <p:spPr bwMode="auto">
+          <a:xfrm>
+            <a:off x="874256" y="1636186"/>
+            <a:ext cx="7395487" cy="2964614"/>
+          </a:xfrm>
+          <a:prstGeom prst="rect">
+            <a:avLst/>
+          </a:prstGeom>
+          <a:noFill/>
+          <a:extLst>
+            <a:ext uri="{909E8E84-426E-40DD-AFC4-6F175D3DCCD1}">
+              <a14:hiddenFill xmlns:a14="http://schemas.microsoft.com/office/drawing/2010/main">
+                <a:solidFill>
+                  <a:srgbClr val="FFFFFF"/>
+                </a:solidFill>
+              </a14:hiddenFill>
+            </a:ext>
+          </a:extLst>
+        </p:spPr>
+      </p:pic>
+      <p:sp>
+        <p:nvSpPr>
+          <p:cNvPr id="6" name="Speech Bubble: Oval 5">
+            <a:extLst>
+              <a:ext uri="{FF2B5EF4-FFF2-40B4-BE49-F238E27FC236}">
+                <a16:creationId xmlns:a16="http://schemas.microsoft.com/office/drawing/2014/main" id="{D8CAC738-5E87-4F21-8F9F-DC361E326E70}"/>
+              </a:ext>
+            </a:extLst>
+          </p:cNvPr>
+          <p:cNvSpPr/>
+          <p:nvPr/>
+        </p:nvSpPr>
+        <p:spPr>
+          <a:xfrm>
+            <a:off x="4259922" y="2618400"/>
+            <a:ext cx="2839278" cy="1372625"/>
+          </a:xfrm>
+          <a:prstGeom prst="wedgeEllipseCallout">
+            <a:avLst>
+              <a:gd name="adj1" fmla="val -94099"/>
+              <a:gd name="adj2" fmla="val -33449"/>
+            </a:avLst>
+          </a:prstGeom>
+        </p:spPr>
+        <p:style>
+          <a:lnRef idx="3">
+            <a:schemeClr val="lt1"/>
+          </a:lnRef>
+          <a:fillRef idx="1">
+            <a:schemeClr val="accent3"/>
+          </a:fillRef>
+          <a:effectRef idx="1">
+            <a:schemeClr val="accent3"/>
+          </a:effectRef>
+          <a:fontRef idx="minor">
+            <a:schemeClr val="lt1"/>
+          </a:fontRef>
+        </p:style>
+        <p:txBody>
+          <a:bodyPr rtlCol="0" anchor="ctr"/>
+          <a:lstStyle/>
+          <a:p>
+            <a:pPr algn="ctr"/>
+            <a:r>
+              <a:rPr lang="en-US" altLang="zh-CN" sz="1800" dirty="0"/>
+              <a:t>Allow </a:t>
+            </a:r>
+            <a:r>
+              <a:rPr lang="en-US" altLang="zh-CN" sz="1800" dirty="0" err="1"/>
+              <a:t>hPressBrew</a:t>
+            </a:r>
+            <a:r>
+              <a:rPr lang="en-US" altLang="zh-CN" sz="1800" dirty="0"/>
+              <a:t> when no mug is placed!</a:t>
+            </a:r>
+            <a:endParaRPr lang="zh-CN" altLang="en-US" sz="1800" dirty="0"/>
+          </a:p>
+        </p:txBody>
+      </p:sp>
+    </p:spTree>
+    <p:extLst>
+      <p:ext uri="{BB962C8B-B14F-4D97-AF65-F5344CB8AC3E}">
+        <p14:creationId xmlns:p14="http://schemas.microsoft.com/office/powerpoint/2010/main" val="3469217823"/>
+      </p:ext>
+    </p:extLst>
+  </p:cSld>
+  <p:clrMapOvr>
+    <a:masterClrMapping/>
+  </p:clrMapOvr>
+  <p:timing>
+    <p:tnLst>
+      <p:par>
+        <p:cTn id="1" dur="indefinite" restart="never" nodeType="tmRoot">
+          <p:childTnLst>
+            <p:seq concurrent="1" nextAc="seek">
+              <p:cTn id="2" dur="indefinite" nodeType="mainSeq">
+                <p:childTnLst>
+                  <p:par>
+                    <p:cTn id="3" fill="hold">
+                      <p:stCondLst>
+                        <p:cond delay="indefinite"/>
+                      </p:stCondLst>
+                      <p:childTnLst>
+                        <p:par>
+                          <p:cTn id="4" fill="hold">
+                            <p:stCondLst>
+                              <p:cond delay="0"/>
+                            </p:stCondLst>
+                            <p:childTnLst>
+                              <p:par>
+                                <p:cTn id="5" presetID="1" presetClass="entr" presetSubtype="0" fill="hold" grpId="0" nodeType="clickEffect">
+                                  <p:stCondLst>
+                                    <p:cond delay="0"/>
+                                  </p:stCondLst>
+                                  <p:childTnLst>
+                                    <p:set>
+                                      <p:cBhvr>
+                                        <p:cTn id="6" dur="1" fill="hold">
+                                          <p:stCondLst>
+                                            <p:cond delay="0"/>
+                                          </p:stCondLst>
+                                        </p:cTn>
+                                        <p:tgtEl>
+                                          <p:spTgt spid="6"/>
+                                        </p:tgtEl>
+                                        <p:attrNameLst>
+                                          <p:attrName>style.visibility</p:attrName>
+                                        </p:attrNameLst>
+                                      </p:cBhvr>
+                                      <p:to>
+                                        <p:strVal val="visible"/>
+                                      </p:to>
+                                    </p:set>
+                                  </p:childTnLst>
+                                </p:cTn>
+                              </p:par>
+                            </p:childTnLst>
+                          </p:cTn>
+                        </p:par>
+                      </p:childTnLst>
+                    </p:cTn>
+                  </p:par>
+                </p:childTnLst>
+              </p:cTn>
+              <p:prevCondLst>
+                <p:cond evt="onPrev" delay="0">
+                  <p:tgtEl>
+                    <p:sldTgt/>
+                  </p:tgtEl>
+                </p:cond>
+              </p:prevCondLst>
+              <p:nextCondLst>
+                <p:cond evt="onNext" delay="0">
+                  <p:tgtEl>
+                    <p:sldTgt/>
+                  </p:tgtEl>
+                </p:cond>
+              </p:nextCondLst>
+            </p:seq>
+          </p:childTnLst>
+        </p:cTn>
+      </p:par>
+    </p:tnLst>
+    <p:bldLst>
+      <p:bldP spid="6" grpId="0" animBg="1"/>
+    </p:bldLst>
+  </p:timing>
+</p:sld>
+</file>
+
+<file path=ppt/slides/slide34.xml><?xml version="1.0" encoding="utf-8"?>
+<p:sld xmlns:a="http://schemas.openxmlformats.org/drawingml/2006/main" xmlns:r="http://schemas.openxmlformats.org/officeDocument/2006/relationships" xmlns:p="http://schemas.openxmlformats.org/presentationml/2006/main">
+  <p:cSld>
+    <p:spTree>
+      <p:nvGrpSpPr>
+        <p:cNvPr id="1" name=""/>
+        <p:cNvGrpSpPr/>
+        <p:nvPr/>
+      </p:nvGrpSpPr>
+      <p:grpSpPr>
+        <a:xfrm>
+          <a:off x="0" y="0"/>
+          <a:ext cx="0" cy="0"/>
+          <a:chOff x="0" y="0"/>
+          <a:chExt cx="0" cy="0"/>
+        </a:xfrm>
+      </p:grpSpPr>
+      <p:sp>
+        <p:nvSpPr>
+          <p:cNvPr id="2" name="Title 1">
+            <a:extLst>
+              <a:ext uri="{FF2B5EF4-FFF2-40B4-BE49-F238E27FC236}">
+                <a16:creationId xmlns:a16="http://schemas.microsoft.com/office/drawing/2014/main" id="{7FF927F3-F86F-43EC-A426-85370984CAA0}"/>
+              </a:ext>
+            </a:extLst>
+          </p:cNvPr>
+          <p:cNvSpPr>
+            <a:spLocks noGrp="1"/>
+          </p:cNvSpPr>
+          <p:nvPr>
+            <p:ph type="title"/>
+          </p:nvPr>
+        </p:nvSpPr>
+        <p:spPr>
+          <a:xfrm>
+            <a:off x="311700" y="445025"/>
+            <a:ext cx="8520600" cy="572700"/>
+          </a:xfrm>
+        </p:spPr>
+        <p:txBody>
+          <a:bodyPr/>
+          <a:lstStyle/>
+          <a:p>
+            <a:r>
+              <a:rPr lang="en-US" altLang="zh-CN" dirty="0"/>
+              <a:t>A Robust Version</a:t>
+            </a:r>
+            <a:endParaRPr lang="zh-CN" altLang="en-US" dirty="0"/>
+          </a:p>
+        </p:txBody>
+      </p:sp>
+      <p:sp>
+        <p:nvSpPr>
+          <p:cNvPr id="3" name="Text Placeholder 2">
+            <a:extLst>
+              <a:ext uri="{FF2B5EF4-FFF2-40B4-BE49-F238E27FC236}">
+                <a16:creationId xmlns:a16="http://schemas.microsoft.com/office/drawing/2014/main" id="{8F530E15-E651-47A6-ADA7-D7854C12D23B}"/>
+              </a:ext>
+            </a:extLst>
+          </p:cNvPr>
+          <p:cNvSpPr>
+            <a:spLocks noGrp="1"/>
+          </p:cNvSpPr>
+          <p:nvPr>
+            <p:ph type="body" idx="1"/>
+          </p:nvPr>
+        </p:nvSpPr>
+        <p:spPr/>
+        <p:txBody>
+          <a:bodyPr/>
+          <a:lstStyle/>
+          <a:p>
+            <a:r>
+              <a:rPr lang="en-US" altLang="zh-CN" dirty="0"/>
+              <a:t>What is not allowed</a:t>
+            </a:r>
+            <a:endParaRPr lang="zh-CN" altLang="en-US" dirty="0"/>
+          </a:p>
+        </p:txBody>
+      </p:sp>
+      <p:sp>
+        <p:nvSpPr>
+          <p:cNvPr id="4" name="Slide Number Placeholder 3">
+            <a:extLst>
+              <a:ext uri="{FF2B5EF4-FFF2-40B4-BE49-F238E27FC236}">
+                <a16:creationId xmlns:a16="http://schemas.microsoft.com/office/drawing/2014/main" id="{193E3820-40E4-4E90-BF39-08E3A4198360}"/>
+              </a:ext>
+            </a:extLst>
+          </p:cNvPr>
+          <p:cNvSpPr>
+            <a:spLocks noGrp="1"/>
+          </p:cNvSpPr>
+          <p:nvPr>
+            <p:ph type="sldNum" idx="12"/>
+          </p:nvPr>
+        </p:nvSpPr>
+        <p:spPr/>
+        <p:txBody>
+          <a:bodyPr/>
+          <a:lstStyle/>
+          <a:p>
+            <a:pPr marL="0" lvl="0" indent="0" algn="r" rtl="0">
+              <a:spcBef>
+                <a:spcPts val="0"/>
+              </a:spcBef>
+              <a:spcAft>
+                <a:spcPts val="0"/>
+              </a:spcAft>
+              <a:buNone/>
+            </a:pPr>
+            <a:fld id="{00000000-1234-1234-1234-123412341234}" type="slidenum">
+              <a:rPr lang="en" smtClean="0"/>
+              <a:t>34</a:t>
+            </a:fld>
+            <a:endParaRPr lang="en"/>
+          </a:p>
+        </p:txBody>
+      </p:sp>
+      <p:pic>
+        <p:nvPicPr>
+          <p:cNvPr id="4098" name="Picture 2">
+            <a:extLst>
+              <a:ext uri="{FF2B5EF4-FFF2-40B4-BE49-F238E27FC236}">
+                <a16:creationId xmlns:a16="http://schemas.microsoft.com/office/drawing/2014/main" id="{698A733E-878C-424E-8455-97B5F5DD2A65}"/>
+              </a:ext>
+            </a:extLst>
+          </p:cNvPr>
+          <p:cNvPicPr>
+            <a:picLocks noChangeAspect="1" noChangeArrowheads="1"/>
+          </p:cNvPicPr>
+          <p:nvPr/>
+        </p:nvPicPr>
+        <p:blipFill>
+          <a:blip r:embed="rId2">
+            <a:extLst>
+              <a:ext uri="{28A0092B-C50C-407E-A947-70E740481C1C}">
+                <a14:useLocalDpi xmlns:a14="http://schemas.microsoft.com/office/drawing/2010/main" val="0"/>
+              </a:ext>
+            </a:extLst>
+          </a:blip>
+          <a:srcRect/>
+          <a:stretch>
+            <a:fillRect/>
+          </a:stretch>
+        </p:blipFill>
+        <p:spPr bwMode="auto">
+          <a:xfrm>
+            <a:off x="808200" y="1577275"/>
+            <a:ext cx="7527600" cy="3017574"/>
+          </a:xfrm>
+          <a:prstGeom prst="rect">
+            <a:avLst/>
+          </a:prstGeom>
+          <a:noFill/>
+          <a:extLst>
+            <a:ext uri="{909E8E84-426E-40DD-AFC4-6F175D3DCCD1}">
+              <a14:hiddenFill xmlns:a14="http://schemas.microsoft.com/office/drawing/2010/main">
+                <a:solidFill>
+                  <a:srgbClr val="FFFFFF"/>
+                </a:solidFill>
+              </a14:hiddenFill>
+            </a:ext>
+          </a:extLst>
+        </p:spPr>
+      </p:pic>
+      <p:sp>
+        <p:nvSpPr>
+          <p:cNvPr id="6" name="Speech Bubble: Oval 5">
+            <a:extLst>
+              <a:ext uri="{FF2B5EF4-FFF2-40B4-BE49-F238E27FC236}">
+                <a16:creationId xmlns:a16="http://schemas.microsoft.com/office/drawing/2014/main" id="{FEFB918C-DE04-4C93-BCBE-CD8705263C74}"/>
+              </a:ext>
+            </a:extLst>
+          </p:cNvPr>
+          <p:cNvSpPr/>
+          <p:nvPr/>
+        </p:nvSpPr>
+        <p:spPr>
+          <a:xfrm>
+            <a:off x="4028330" y="331200"/>
+            <a:ext cx="3164470" cy="1458106"/>
+          </a:xfrm>
+          <a:prstGeom prst="wedgeEllipseCallout">
+            <a:avLst>
+              <a:gd name="adj1" fmla="val -4001"/>
+              <a:gd name="adj2" fmla="val 97686"/>
+            </a:avLst>
+          </a:prstGeom>
+        </p:spPr>
+        <p:style>
+          <a:lnRef idx="3">
+            <a:schemeClr val="lt1"/>
+          </a:lnRef>
+          <a:fillRef idx="1">
+            <a:schemeClr val="accent3"/>
+          </a:fillRef>
+          <a:effectRef idx="1">
+            <a:schemeClr val="accent3"/>
+          </a:effectRef>
+          <a:fontRef idx="minor">
+            <a:schemeClr val="lt1"/>
+          </a:fontRef>
+        </p:style>
+        <p:txBody>
+          <a:bodyPr rtlCol="0" anchor="ctr"/>
+          <a:lstStyle/>
+          <a:p>
+            <a:pPr algn="ctr"/>
+            <a:r>
+              <a:rPr lang="en-US" altLang="zh-CN" sz="1800" dirty="0"/>
+              <a:t>Cannot handle the error that the mug is removed during brewing.</a:t>
+            </a:r>
+            <a:endParaRPr lang="zh-CN" altLang="en-US" sz="1800" dirty="0"/>
+          </a:p>
+        </p:txBody>
+      </p:sp>
+      <mc:AlternateContent xmlns:mc="http://schemas.openxmlformats.org/markup-compatibility/2006">
+        <mc:Choice xmlns:a14="http://schemas.microsoft.com/office/drawing/2010/main" Requires="a14">
+          <p:sp>
+            <p:nvSpPr>
+              <p:cNvPr id="7" name="Speech Bubble: Oval 6">
+                <a:extLst>
+                  <a:ext uri="{FF2B5EF4-FFF2-40B4-BE49-F238E27FC236}">
+                    <a16:creationId xmlns:a16="http://schemas.microsoft.com/office/drawing/2014/main" id="{7C04ABCE-7F24-4D26-9E6F-B6C4C61549D2}"/>
+                  </a:ext>
+                </a:extLst>
+              </p:cNvPr>
+              <p:cNvSpPr/>
+              <p:nvPr/>
+            </p:nvSpPr>
+            <p:spPr>
+              <a:xfrm>
+                <a:off x="5704165" y="3528281"/>
+                <a:ext cx="2977270" cy="1066568"/>
+              </a:xfrm>
+              <a:prstGeom prst="wedgeEllipseCallout">
+                <a:avLst>
+                  <a:gd name="adj1" fmla="val -55039"/>
+                  <a:gd name="adj2" fmla="val -89255"/>
+                </a:avLst>
+              </a:prstGeom>
+            </p:spPr>
+            <p:style>
+              <a:lnRef idx="3">
+                <a:schemeClr val="lt1"/>
+              </a:lnRef>
+              <a:fillRef idx="1">
+                <a:schemeClr val="accent3"/>
+              </a:fillRef>
+              <a:effectRef idx="1">
+                <a:schemeClr val="accent3"/>
+              </a:effectRef>
+              <a:fontRef idx="minor">
+                <a:schemeClr val="lt1"/>
+              </a:fontRef>
+            </p:style>
+            <p:txBody>
+              <a:bodyPr rtlCol="0" anchor="ctr"/>
+              <a:lstStyle/>
+              <a:p>
+                <a:pPr algn="ctr"/>
+                <a:r>
+                  <a:rPr lang="en-US" altLang="zh-CN" sz="1800" dirty="0"/>
+                  <a:t>Can also build </a:t>
+                </a:r>
+                <a14:m>
+                  <m:oMath xmlns:m="http://schemas.openxmlformats.org/officeDocument/2006/math">
+                    <m:r>
+                      <a:rPr lang="en-US" altLang="zh-CN" sz="1800" b="0" i="1" smtClean="0">
+                        <a:latin typeface="Cambria Math" panose="02040503050406030204" pitchFamily="18" charset="0"/>
+                      </a:rPr>
+                      <m:t>𝐸</m:t>
+                    </m:r>
+                    <m:r>
+                      <a:rPr lang="en-US" altLang="zh-CN" sz="1800" b="0" i="1" smtClean="0">
+                        <a:latin typeface="Cambria Math" panose="02040503050406030204" pitchFamily="18" charset="0"/>
+                      </a:rPr>
+                      <m:t>′</m:t>
+                    </m:r>
+                  </m:oMath>
+                </a14:m>
+                <a:r>
+                  <a:rPr lang="zh-CN" altLang="en-US" sz="1800" dirty="0"/>
+                  <a:t> </a:t>
+                </a:r>
+                <a:r>
+                  <a:rPr lang="en-US" altLang="zh-CN" sz="1800" dirty="0"/>
+                  <a:t>to verify that.</a:t>
+                </a:r>
+                <a:endParaRPr lang="zh-CN" altLang="en-US" sz="1800" dirty="0"/>
+              </a:p>
+            </p:txBody>
+          </p:sp>
+        </mc:Choice>
+        <mc:Fallback>
+          <p:sp>
+            <p:nvSpPr>
+              <p:cNvPr id="7" name="Speech Bubble: Oval 6">
+                <a:extLst>
+                  <a:ext uri="{FF2B5EF4-FFF2-40B4-BE49-F238E27FC236}">
+                    <a16:creationId xmlns:a16="http://schemas.microsoft.com/office/drawing/2014/main" id="{7C04ABCE-7F24-4D26-9E6F-B6C4C61549D2}"/>
+                  </a:ext>
+                </a:extLst>
+              </p:cNvPr>
+              <p:cNvSpPr>
+                <a:spLocks noRot="1" noChangeAspect="1" noMove="1" noResize="1" noEditPoints="1" noAdjustHandles="1" noChangeArrowheads="1" noChangeShapeType="1" noTextEdit="1"/>
+              </p:cNvSpPr>
+              <p:nvPr/>
+            </p:nvSpPr>
+            <p:spPr>
+              <a:xfrm>
+                <a:off x="5704165" y="3528281"/>
+                <a:ext cx="2977270" cy="1066568"/>
+              </a:xfrm>
+              <a:prstGeom prst="wedgeEllipseCallout">
+                <a:avLst>
+                  <a:gd name="adj1" fmla="val -55039"/>
+                  <a:gd name="adj2" fmla="val -89255"/>
+                </a:avLst>
+              </a:prstGeom>
+              <a:blipFill>
+                <a:blip r:embed="rId3"/>
+                <a:stretch>
+                  <a:fillRect/>
+                </a:stretch>
+              </a:blipFill>
+            </p:spPr>
+            <p:txBody>
+              <a:bodyPr/>
+              <a:lstStyle/>
+              <a:p>
+                <a:r>
+                  <a:rPr lang="zh-CN" altLang="en-US">
+                    <a:noFill/>
+                  </a:rPr>
+                  <a:t> </a:t>
+                </a:r>
+              </a:p>
+            </p:txBody>
+          </p:sp>
+        </mc:Fallback>
+      </mc:AlternateContent>
+    </p:spTree>
+    <p:extLst>
+      <p:ext uri="{BB962C8B-B14F-4D97-AF65-F5344CB8AC3E}">
+        <p14:creationId xmlns:p14="http://schemas.microsoft.com/office/powerpoint/2010/main" val="1542299654"/>
+      </p:ext>
+    </p:extLst>
+  </p:cSld>
+  <p:clrMapOvr>
+    <a:masterClrMapping/>
+  </p:clrMapOvr>
+  <p:timing>
+    <p:tnLst>
+      <p:par>
+        <p:cTn id="1" dur="indefinite" restart="never" nodeType="tmRoot">
+          <p:childTnLst>
+            <p:seq concurrent="1" nextAc="seek">
+              <p:cTn id="2" dur="indefinite" nodeType="mainSeq">
+                <p:childTnLst>
+                  <p:par>
+                    <p:cTn id="3" fill="hold">
+                      <p:stCondLst>
+                        <p:cond delay="indefinite"/>
+                      </p:stCondLst>
+                      <p:childTnLst>
+                        <p:par>
+                          <p:cTn id="4" fill="hold">
+                            <p:stCondLst>
+                              <p:cond delay="0"/>
+                            </p:stCondLst>
+                            <p:childTnLst>
+                              <p:par>
+                                <p:cTn id="5" presetID="1" presetClass="entr" presetSubtype="0" fill="hold" grpId="0" nodeType="clickEffect">
+                                  <p:stCondLst>
+                                    <p:cond delay="0"/>
+                                  </p:stCondLst>
+                                  <p:childTnLst>
+                                    <p:set>
+                                      <p:cBhvr>
+                                        <p:cTn id="6" dur="1" fill="hold">
+                                          <p:stCondLst>
+                                            <p:cond delay="0"/>
+                                          </p:stCondLst>
+                                        </p:cTn>
+                                        <p:tgtEl>
+                                          <p:spTgt spid="6"/>
+                                        </p:tgtEl>
+                                        <p:attrNameLst>
+                                          <p:attrName>style.visibility</p:attrName>
+                                        </p:attrNameLst>
+                                      </p:cBhvr>
+                                      <p:to>
+                                        <p:strVal val="visible"/>
+                                      </p:to>
+                                    </p:set>
+                                  </p:childTnLst>
+                                </p:cTn>
+                              </p:par>
+                            </p:childTnLst>
+                          </p:cTn>
+                        </p:par>
+                      </p:childTnLst>
+                    </p:cTn>
+                  </p:par>
+                  <p:par>
+                    <p:cTn id="7" fill="hold">
+                      <p:stCondLst>
+                        <p:cond delay="indefinite"/>
+                      </p:stCondLst>
+                      <p:childTnLst>
+                        <p:par>
+                          <p:cTn id="8" fill="hold">
+                            <p:stCondLst>
+                              <p:cond delay="0"/>
+                            </p:stCondLst>
+                            <p:childTnLst>
+                              <p:par>
+                                <p:cTn id="9" presetID="1" presetClass="entr" presetSubtype="0" fill="hold" grpId="0" nodeType="clickEffect">
+                                  <p:stCondLst>
+                                    <p:cond delay="0"/>
+                                  </p:stCondLst>
+                                  <p:childTnLst>
+                                    <p:set>
+                                      <p:cBhvr>
+                                        <p:cTn id="10" dur="1" fill="hold">
+                                          <p:stCondLst>
+                                            <p:cond delay="0"/>
+                                          </p:stCondLst>
+                                        </p:cTn>
+                                        <p:tgtEl>
+                                          <p:spTgt spid="7"/>
+                                        </p:tgtEl>
+                                        <p:attrNameLst>
+                                          <p:attrName>style.visibility</p:attrName>
+                                        </p:attrNameLst>
+                                      </p:cBhvr>
+                                      <p:to>
+                                        <p:strVal val="visible"/>
+                                      </p:to>
+                                    </p:set>
+                                  </p:childTnLst>
+                                </p:cTn>
+                              </p:par>
+                            </p:childTnLst>
+                          </p:cTn>
+                        </p:par>
+                      </p:childTnLst>
+                    </p:cTn>
+                  </p:par>
+                </p:childTnLst>
+              </p:cTn>
+              <p:prevCondLst>
+                <p:cond evt="onPrev" delay="0">
+                  <p:tgtEl>
+                    <p:sldTgt/>
+                  </p:tgtEl>
+                </p:cond>
+              </p:prevCondLst>
+              <p:nextCondLst>
+                <p:cond evt="onNext" delay="0">
+                  <p:tgtEl>
+                    <p:sldTgt/>
+                  </p:tgtEl>
+                </p:cond>
+              </p:nextCondLst>
+            </p:seq>
+          </p:childTnLst>
+        </p:cTn>
+      </p:par>
+    </p:tnLst>
+    <p:bldLst>
+      <p:bldP spid="6" grpId="0" animBg="1"/>
+      <p:bldP spid="7" grpId="0" animBg="1"/>
+    </p:bldLst>
+  </p:timing>
+</p:sld>
+</file>
+
+<file path=ppt/slides/slide35.xml><?xml version="1.0" encoding="utf-8"?>
+<p:sld xmlns:a="http://schemas.openxmlformats.org/drawingml/2006/main" xmlns:r="http://schemas.openxmlformats.org/officeDocument/2006/relationships" xmlns:p="http://schemas.openxmlformats.org/presentationml/2006/main">
+  <p:cSld>
+    <p:spTree>
+      <p:nvGrpSpPr>
+        <p:cNvPr id="1" name=""/>
+        <p:cNvGrpSpPr/>
+        <p:nvPr/>
+      </p:nvGrpSpPr>
+      <p:grpSpPr>
+        <a:xfrm>
+          <a:off x="0" y="0"/>
+          <a:ext cx="0" cy="0"/>
+          <a:chOff x="0" y="0"/>
+          <a:chExt cx="0" cy="0"/>
+        </a:xfrm>
+      </p:grpSpPr>
+      <mc:AlternateContent xmlns:mc="http://schemas.openxmlformats.org/markup-compatibility/2006">
+        <mc:Choice xmlns:a14="http://schemas.microsoft.com/office/drawing/2010/main" Requires="a14">
           <p:sp>
             <p:nvSpPr>
               <p:cNvPr id="2" name="Title 1">
                 <a:extLst>
                   <a:ext uri="{FF2B5EF4-FFF2-40B4-BE49-F238E27FC236}">
-                    <a16:creationId xmlns:a16="http://schemas.microsoft.com/office/drawing/2014/main" id="{641F97E9-3046-416B-9AD8-B62B43B03C67}"/>
+                    <a16:creationId xmlns:a16="http://schemas.microsoft.com/office/drawing/2014/main" id="{963FFB87-857D-4C58-A66A-6F93785CCDAF}"/>
                   </a:ext>
                 </a:extLst>
               </p:cNvPr>
@@ -17869,7 +18781,7 @@
                       <m:rPr>
                         <m:sty m:val="p"/>
                       </m:rPr>
-                      <a:rPr lang="en-US" altLang="zh-CN" b="0" i="0" smtClean="0">
+                      <a:rPr lang="en-US" altLang="zh-CN">
                         <a:latin typeface="Cambria Math" panose="02040503050406030204" pitchFamily="18" charset="0"/>
                       </a:rPr>
                       <m:t>Δ</m:t>
@@ -17881,13 +18793,13 @@
             </p:txBody>
           </p:sp>
         </mc:Choice>
-        <mc:Fallback xmlns="">
+        <mc:Fallback>
           <p:sp>
             <p:nvSpPr>
               <p:cNvPr id="2" name="Title 1">
                 <a:extLst>
                   <a:ext uri="{FF2B5EF4-FFF2-40B4-BE49-F238E27FC236}">
-                    <a16:creationId xmlns:a16="http://schemas.microsoft.com/office/drawing/2014/main" id="{641F97E9-3046-416B-9AD8-B62B43B03C67}"/>
+                    <a16:creationId xmlns:a16="http://schemas.microsoft.com/office/drawing/2014/main" id="{963FFB87-857D-4C58-A66A-6F93785CCDAF}"/>
                   </a:ext>
                 </a:extLst>
               </p:cNvPr>
@@ -17921,37 +18833,189 @@
           </p:sp>
         </mc:Fallback>
       </mc:AlternateContent>
-      <p:sp>
-        <p:nvSpPr>
-          <p:cNvPr id="3" name="Text Placeholder 2">
-            <a:extLst>
-              <a:ext uri="{FF2B5EF4-FFF2-40B4-BE49-F238E27FC236}">
-                <a16:creationId xmlns:a16="http://schemas.microsoft.com/office/drawing/2014/main" id="{4DAE527B-C429-4F95-B82F-45C1037AA488}"/>
-              </a:ext>
-            </a:extLst>
-          </p:cNvPr>
-          <p:cNvSpPr>
-            <a:spLocks noGrp="1"/>
-          </p:cNvSpPr>
-          <p:nvPr>
-            <p:ph type="body" idx="1"/>
-          </p:nvPr>
-        </p:nvSpPr>
-        <p:spPr/>
-        <p:txBody>
-          <a:bodyPr/>
-          <a:lstStyle/>
-          <a:p>
-            <a:endParaRPr lang="zh-CN" altLang="en-US" dirty="0"/>
-          </a:p>
-        </p:txBody>
-      </p:sp>
+      <mc:AlternateContent xmlns:mc="http://schemas.openxmlformats.org/markup-compatibility/2006">
+        <mc:Choice xmlns:a14="http://schemas.microsoft.com/office/drawing/2010/main" Requires="a14">
+          <p:sp>
+            <p:nvSpPr>
+              <p:cNvPr id="3" name="Text Placeholder 2">
+                <a:extLst>
+                  <a:ext uri="{FF2B5EF4-FFF2-40B4-BE49-F238E27FC236}">
+                    <a16:creationId xmlns:a16="http://schemas.microsoft.com/office/drawing/2014/main" id="{0963EF92-813D-43EA-B61F-16CD968DF5DA}"/>
+                  </a:ext>
+                </a:extLst>
+              </p:cNvPr>
+              <p:cNvSpPr>
+                <a:spLocks noGrp="1"/>
+              </p:cNvSpPr>
+              <p:nvPr>
+                <p:ph type="body" idx="1"/>
+              </p:nvPr>
+            </p:nvSpPr>
+            <p:spPr/>
+            <p:txBody>
+              <a:bodyPr/>
+              <a:lstStyle/>
+              <a:p>
+                <a:pPr>
+                  <a:spcAft>
+                    <a:spcPts val="1600"/>
+                  </a:spcAft>
+                </a:pPr>
+                <a14:m>
+                  <m:oMath xmlns:m="http://schemas.openxmlformats.org/officeDocument/2006/math">
+                    <m:sSub>
+                      <m:sSubPr>
+                        <m:ctrlPr>
+                          <a:rPr lang="en-US" altLang="zh-CN" b="0" i="1" smtClean="0">
+                            <a:latin typeface="Cambria Math" panose="02040503050406030204" pitchFamily="18" charset="0"/>
+                          </a:rPr>
+                        </m:ctrlPr>
+                      </m:sSubPr>
+                      <m:e>
+                        <m:r>
+                          <m:rPr>
+                            <m:sty m:val="p"/>
+                          </m:rPr>
+                          <a:rPr lang="en-US" altLang="zh-CN" b="0" i="0" smtClean="0">
+                            <a:latin typeface="Cambria Math" panose="02040503050406030204" pitchFamily="18" charset="0"/>
+                          </a:rPr>
+                          <m:t>Δ</m:t>
+                        </m:r>
+                      </m:e>
+                      <m:sub>
+                        <m:r>
+                          <a:rPr lang="en-US" altLang="zh-CN" b="0" i="1" smtClean="0">
+                            <a:latin typeface="Cambria Math" panose="02040503050406030204" pitchFamily="18" charset="0"/>
+                          </a:rPr>
+                          <m:t>𝑆</m:t>
+                        </m:r>
+                      </m:sub>
+                    </m:sSub>
+                  </m:oMath>
+                </a14:m>
+                <a:r>
+                  <a:rPr lang="zh-CN" altLang="en-US" dirty="0"/>
+                  <a:t> </a:t>
+                </a:r>
+                <a:r>
+                  <a:rPr lang="en-US" altLang="zh-CN" dirty="0"/>
+                  <a:t>is a set of traces which can represent the deviations.</a:t>
+                </a:r>
+              </a:p>
+              <a:p>
+                <a:pPr>
+                  <a:spcAft>
+                    <a:spcPts val="1600"/>
+                  </a:spcAft>
+                </a:pPr>
+                <a:r>
+                  <a:rPr lang="en-US" altLang="zh-CN" dirty="0"/>
+                  <a:t>However, a trace could be infinite, </a:t>
+                </a:r>
+                <a14:m>
+                  <m:oMath xmlns:m="http://schemas.openxmlformats.org/officeDocument/2006/math">
+                    <m:sSub>
+                      <m:sSubPr>
+                        <m:ctrlPr>
+                          <a:rPr lang="en-US" altLang="zh-CN" i="1">
+                            <a:latin typeface="Cambria Math" panose="02040503050406030204" pitchFamily="18" charset="0"/>
+                          </a:rPr>
+                        </m:ctrlPr>
+                      </m:sSubPr>
+                      <m:e>
+                        <m:r>
+                          <m:rPr>
+                            <m:sty m:val="p"/>
+                          </m:rPr>
+                          <a:rPr lang="en-US" altLang="zh-CN">
+                            <a:latin typeface="Cambria Math" panose="02040503050406030204" pitchFamily="18" charset="0"/>
+                          </a:rPr>
+                          <m:t>Δ</m:t>
+                        </m:r>
+                      </m:e>
+                      <m:sub>
+                        <m:r>
+                          <a:rPr lang="en-US" altLang="zh-CN" i="1">
+                            <a:latin typeface="Cambria Math" panose="02040503050406030204" pitchFamily="18" charset="0"/>
+                          </a:rPr>
+                          <m:t>𝑆</m:t>
+                        </m:r>
+                      </m:sub>
+                    </m:sSub>
+                  </m:oMath>
+                </a14:m>
+                <a:r>
+                  <a:rPr lang="zh-CN" altLang="en-US" dirty="0"/>
+                  <a:t> </a:t>
+                </a:r>
+                <a:r>
+                  <a:rPr lang="en-US" altLang="zh-CN" dirty="0"/>
+                  <a:t>could include infinite traces.</a:t>
+                </a:r>
+              </a:p>
+              <a:p>
+                <a:pPr>
+                  <a:spcAft>
+                    <a:spcPts val="1600"/>
+                  </a:spcAft>
+                </a:pPr>
+                <a:r>
+                  <a:rPr lang="en-US" altLang="zh-CN" dirty="0"/>
+                  <a:t>IMPORTANT: it is not self-explainable!</a:t>
+                </a:r>
+              </a:p>
+              <a:p>
+                <a:endParaRPr lang="zh-CN" altLang="en-US" dirty="0"/>
+              </a:p>
+            </p:txBody>
+          </p:sp>
+        </mc:Choice>
+        <mc:Fallback>
+          <p:sp>
+            <p:nvSpPr>
+              <p:cNvPr id="3" name="Text Placeholder 2">
+                <a:extLst>
+                  <a:ext uri="{FF2B5EF4-FFF2-40B4-BE49-F238E27FC236}">
+                    <a16:creationId xmlns:a16="http://schemas.microsoft.com/office/drawing/2014/main" id="{0963EF92-813D-43EA-B61F-16CD968DF5DA}"/>
+                  </a:ext>
+                </a:extLst>
+              </p:cNvPr>
+              <p:cNvSpPr>
+                <a:spLocks noGrp="1" noRot="1" noChangeAspect="1" noMove="1" noResize="1" noEditPoints="1" noAdjustHandles="1" noChangeArrowheads="1" noChangeShapeType="1" noTextEdit="1"/>
+              </p:cNvSpPr>
+              <p:nvPr>
+                <p:ph type="body" idx="1"/>
+              </p:nvPr>
+            </p:nvSpPr>
+            <p:spPr>
+              <a:blipFill>
+                <a:blip r:embed="rId3"/>
+                <a:stretch>
+                  <a:fillRect/>
+                </a:stretch>
+              </a:blipFill>
+            </p:spPr>
+            <p:txBody>
+              <a:bodyPr/>
+              <a:lstStyle/>
+              <a:p>
+                <a:r>
+                  <a:rPr lang="zh-CN" altLang="en-US">
+                    <a:noFill/>
+                  </a:rPr>
+                  <a:t> </a:t>
+                </a:r>
+              </a:p>
+            </p:txBody>
+          </p:sp>
+        </mc:Fallback>
+      </mc:AlternateContent>
       <p:sp>
         <p:nvSpPr>
           <p:cNvPr id="4" name="Slide Number Placeholder 3">
             <a:extLst>
               <a:ext uri="{FF2B5EF4-FFF2-40B4-BE49-F238E27FC236}">
-                <a16:creationId xmlns:a16="http://schemas.microsoft.com/office/drawing/2014/main" id="{F6DFE114-04BB-4225-9718-65534DB516A4}"/>
+                <a16:creationId xmlns:a16="http://schemas.microsoft.com/office/drawing/2014/main" id="{7AD69FA9-0CD6-4449-AF51-65FF30E87A39}"/>
               </a:ext>
             </a:extLst>
           </p:cNvPr>
@@ -17978,7 +19042,7 @@
             </a:pPr>
             <a:fld id="{00000000-1234-1234-1234-123412341234}" type="slidenum">
               <a:rPr lang="en" smtClean="0"/>
-              <a:t>33</a:t>
+              <a:t>35</a:t>
             </a:fld>
             <a:endParaRPr lang="en"/>
           </a:p>
@@ -17987,7 +19051,7 @@
     </p:spTree>
     <p:extLst>
       <p:ext uri="{BB962C8B-B14F-4D97-AF65-F5344CB8AC3E}">
-        <p14:creationId xmlns:p14="http://schemas.microsoft.com/office/powerpoint/2010/main" val="2163238516"/>
+        <p14:creationId xmlns:p14="http://schemas.microsoft.com/office/powerpoint/2010/main" val="3784896089"/>
       </p:ext>
     </p:extLst>
   </p:cSld>
@@ -17997,7 +19061,7 @@
 </p:sld>
 </file>
 
-<file path=ppt/slides/slide34.xml><?xml version="1.0" encoding="utf-8"?>
+<file path=ppt/slides/slide36.xml><?xml version="1.0" encoding="utf-8"?>
 <p:sld xmlns:a="http://schemas.openxmlformats.org/drawingml/2006/main" xmlns:r="http://schemas.openxmlformats.org/officeDocument/2006/relationships" xmlns:p="http://schemas.openxmlformats.org/presentationml/2006/main">
   <p:cSld>
     <p:spTree>
@@ -18075,7 +19139,7 @@
             </a:pPr>
             <a:fld id="{00000000-1234-1234-1234-123412341234}" type="slidenum">
               <a:rPr lang="en" smtClean="0"/>
-              <a:t>34</a:t>
+              <a:t>36</a:t>
             </a:fld>
             <a:endParaRPr lang="en"/>
           </a:p>
@@ -18094,7 +19158,7 @@
 </p:sld>
 </file>
 
-<file path=ppt/slides/slide35.xml><?xml version="1.0" encoding="utf-8"?>
+<file path=ppt/slides/slide37.xml><?xml version="1.0" encoding="utf-8"?>
 <p:sld xmlns:a="http://schemas.openxmlformats.org/drawingml/2006/main" xmlns:r="http://schemas.openxmlformats.org/officeDocument/2006/relationships" xmlns:p="http://schemas.openxmlformats.org/presentationml/2006/main">
   <p:cSld>
     <p:spTree>
@@ -18134,7 +19198,7 @@
           <a:p>
             <a:r>
               <a:rPr lang="en-US" altLang="zh-CN" dirty="0"/>
-              <a:t>Representation of Errors/Robustness</a:t>
+              <a:t>Representation of Robustness</a:t>
             </a:r>
             <a:endParaRPr lang="zh-CN" altLang="en-US" dirty="0"/>
           </a:p>
@@ -18165,37 +19229,22 @@
               <a:buNone/>
             </a:pPr>
             <a:r>
-              <a:rPr lang="en-US" altLang="zh-CN" dirty="0"/>
-              <a:t>Based on LTS, errors can be represented by a set of traces, but they are not self-explainable.</a:t>
-            </a:r>
-          </a:p>
-          <a:p>
-            <a:pPr marL="114300" indent="0">
-              <a:buNone/>
-            </a:pPr>
-            <a:endParaRPr lang="en-US" altLang="zh-CN" dirty="0"/>
-          </a:p>
-          <a:p>
-            <a:pPr marL="114300" indent="0">
-              <a:buNone/>
-            </a:pPr>
-            <a:r>
               <a:rPr lang="en-US" altLang="zh-CN" b="1" dirty="0"/>
               <a:t>Existing Work:</a:t>
             </a:r>
           </a:p>
           <a:p>
             <a:r>
-              <a:rPr lang="en-US" altLang="zh-CN" dirty="0"/>
+              <a:rPr lang="en-US" altLang="zh-CN" sz="1400" dirty="0"/>
               <a:t>In distributed systems, different fault models capture varies of failure types (e.g., fail-stop, fail-silent, or fail-arbitrary).</a:t>
             </a:r>
           </a:p>
           <a:p>
             <a:r>
-              <a:rPr lang="en-US" altLang="zh-CN" dirty="0"/>
+              <a:rPr lang="en-US" altLang="zh-CN" sz="1400" dirty="0"/>
               <a:t>In human behavior study, models are developed to classify erroneous human behaviors (e.g., omissions, repetitions, and commissions).</a:t>
             </a:r>
-            <a:endParaRPr lang="zh-CN" altLang="en-US" dirty="0"/>
+            <a:endParaRPr lang="zh-CN" altLang="en-US" sz="1400" dirty="0"/>
           </a:p>
         </p:txBody>
       </p:sp>
@@ -18231,174 +19280,95 @@
             </a:pPr>
             <a:fld id="{00000000-1234-1234-1234-123412341234}" type="slidenum">
               <a:rPr lang="en" smtClean="0"/>
-              <a:t>35</a:t>
+              <a:t>37</a:t>
             </a:fld>
             <a:endParaRPr lang="en"/>
           </a:p>
         </p:txBody>
       </p:sp>
-    </p:spTree>
-    <p:extLst>
-      <p:ext uri="{BB962C8B-B14F-4D97-AF65-F5344CB8AC3E}">
-        <p14:creationId xmlns:p14="http://schemas.microsoft.com/office/powerpoint/2010/main" val="1391659422"/>
-      </p:ext>
-    </p:extLst>
-  </p:cSld>
-  <p:clrMapOvr>
-    <a:masterClrMapping/>
-  </p:clrMapOvr>
-</p:sld>
-</file>
-
-<file path=ppt/slides/slide36.xml><?xml version="1.0" encoding="utf-8"?>
-<p:sld xmlns:a="http://schemas.openxmlformats.org/drawingml/2006/main" xmlns:r="http://schemas.openxmlformats.org/officeDocument/2006/relationships" xmlns:p="http://schemas.openxmlformats.org/presentationml/2006/main">
-  <p:cSld>
-    <p:spTree>
-      <p:nvGrpSpPr>
-        <p:cNvPr id="1" name=""/>
-        <p:cNvGrpSpPr/>
-        <p:nvPr/>
-      </p:nvGrpSpPr>
-      <p:grpSpPr>
-        <a:xfrm>
-          <a:off x="0" y="0"/>
-          <a:ext cx="0" cy="0"/>
-          <a:chOff x="0" y="0"/>
-          <a:chExt cx="0" cy="0"/>
-        </a:xfrm>
-      </p:grpSpPr>
-      <p:sp>
-        <p:nvSpPr>
-          <p:cNvPr id="2" name="Title 1">
+      <p:pic>
+        <p:nvPicPr>
+          <p:cNvPr id="5" name="Picture 2">
             <a:extLst>
               <a:ext uri="{FF2B5EF4-FFF2-40B4-BE49-F238E27FC236}">
-                <a16:creationId xmlns:a16="http://schemas.microsoft.com/office/drawing/2014/main" id="{4E6B06DA-877B-4062-A933-79811513877E}"/>
+                <a16:creationId xmlns:a16="http://schemas.microsoft.com/office/drawing/2014/main" id="{EA8780F8-882F-4DB6-8AF6-54E2FA4DF0C6}"/>
               </a:ext>
             </a:extLst>
           </p:cNvPr>
-          <p:cNvSpPr>
-            <a:spLocks noGrp="1"/>
-          </p:cNvSpPr>
-          <p:nvPr>
-            <p:ph type="title"/>
-          </p:nvPr>
-        </p:nvSpPr>
-        <p:spPr/>
-        <p:txBody>
-          <a:bodyPr/>
-          <a:lstStyle/>
-          <a:p>
-            <a:r>
-              <a:rPr lang="en-US" altLang="zh-CN" dirty="0"/>
-              <a:t>Representation of Errors/Robustness</a:t>
-            </a:r>
-            <a:endParaRPr lang="zh-CN" altLang="en-US" dirty="0"/>
-          </a:p>
-        </p:txBody>
-      </p:sp>
-      <p:sp>
-        <p:nvSpPr>
-          <p:cNvPr id="3" name="Text Placeholder 2">
+          <p:cNvPicPr>
+            <a:picLocks noChangeAspect="1" noChangeArrowheads="1"/>
+          </p:cNvPicPr>
+          <p:nvPr/>
+        </p:nvPicPr>
+        <p:blipFill>
+          <a:blip r:embed="rId3">
+            <a:extLst>
+              <a:ext uri="{28A0092B-C50C-407E-A947-70E740481C1C}">
+                <a14:useLocalDpi xmlns:a14="http://schemas.microsoft.com/office/drawing/2010/main" val="0"/>
+              </a:ext>
+            </a:extLst>
+          </a:blip>
+          <a:srcRect/>
+          <a:stretch>
+            <a:fillRect/>
+          </a:stretch>
+        </p:blipFill>
+        <p:spPr bwMode="auto">
+          <a:xfrm>
+            <a:off x="0" y="2703623"/>
+            <a:ext cx="4339800" cy="1739687"/>
+          </a:xfrm>
+          <a:prstGeom prst="rect">
+            <a:avLst/>
+          </a:prstGeom>
+          <a:noFill/>
+          <a:extLst>
+            <a:ext uri="{909E8E84-426E-40DD-AFC4-6F175D3DCCD1}">
+              <a14:hiddenFill xmlns:a14="http://schemas.microsoft.com/office/drawing/2010/main">
+                <a:solidFill>
+                  <a:srgbClr val="FFFFFF"/>
+                </a:solidFill>
+              </a14:hiddenFill>
+            </a:ext>
+          </a:extLst>
+        </p:spPr>
+      </p:pic>
+      <p:pic>
+        <p:nvPicPr>
+          <p:cNvPr id="7" name="Picture 6">
             <a:extLst>
               <a:ext uri="{FF2B5EF4-FFF2-40B4-BE49-F238E27FC236}">
-                <a16:creationId xmlns:a16="http://schemas.microsoft.com/office/drawing/2014/main" id="{CC852E3B-2351-4789-AF98-15D725B1E59F}"/>
+                <a16:creationId xmlns:a16="http://schemas.microsoft.com/office/drawing/2014/main" id="{7409CF38-0203-4446-98FB-A43B081A0BCE}"/>
               </a:ext>
             </a:extLst>
           </p:cNvPr>
-          <p:cNvSpPr>
-            <a:spLocks noGrp="1"/>
-          </p:cNvSpPr>
-          <p:nvPr>
-            <p:ph type="body" idx="1"/>
-          </p:nvPr>
-        </p:nvSpPr>
-        <p:spPr/>
-        <p:txBody>
-          <a:bodyPr/>
-          <a:lstStyle/>
-          <a:p>
-            <a:pPr marL="114300" indent="0">
-              <a:buNone/>
-            </a:pPr>
-            <a:r>
-              <a:rPr lang="en-US" altLang="zh-CN" dirty="0"/>
-              <a:t>Based on LTS, errors can be represented by a set of traces, but they are not self-explainable.</a:t>
-            </a:r>
-          </a:p>
-          <a:p>
-            <a:pPr marL="114300" indent="0">
-              <a:buNone/>
-            </a:pPr>
-            <a:endParaRPr lang="en-US" altLang="zh-CN" dirty="0"/>
-          </a:p>
-          <a:p>
-            <a:pPr marL="114300" indent="0">
-              <a:buNone/>
-            </a:pPr>
-            <a:r>
-              <a:rPr lang="en-US" altLang="zh-CN" b="1" dirty="0"/>
-              <a:t>Existing Work:</a:t>
-            </a:r>
-          </a:p>
-          <a:p>
-            <a:r>
-              <a:rPr lang="en-US" altLang="zh-CN" dirty="0"/>
-              <a:t>In distributed systems, different fault models capture varies of failure types (e.g., fail-stop, fail-silent, or fail-arbitrary).</a:t>
-            </a:r>
-          </a:p>
-          <a:p>
-            <a:r>
-              <a:rPr lang="en-US" altLang="zh-CN" dirty="0"/>
-              <a:t>In human behavior study, models are developed to classify erroneous human behaviors (e.g., omissions, repetitions, and commissions).</a:t>
-            </a:r>
-            <a:endParaRPr lang="zh-CN" altLang="en-US" dirty="0"/>
-          </a:p>
-        </p:txBody>
-      </p:sp>
+          <p:cNvPicPr>
+            <a:picLocks noChangeAspect="1"/>
+          </p:cNvPicPr>
+          <p:nvPr/>
+        </p:nvPicPr>
+        <p:blipFill>
+          <a:blip r:embed="rId4"/>
+          <a:stretch>
+            <a:fillRect/>
+          </a:stretch>
+        </p:blipFill>
+        <p:spPr>
+          <a:xfrm>
+            <a:off x="5010758" y="2773526"/>
+            <a:ext cx="4010400" cy="1669784"/>
+          </a:xfrm>
+          <a:prstGeom prst="rect">
+            <a:avLst/>
+          </a:prstGeom>
+        </p:spPr>
+      </p:pic>
       <p:sp>
         <p:nvSpPr>
-          <p:cNvPr id="4" name="Slide Number Placeholder 3">
+          <p:cNvPr id="8" name="Arrow: Right 7">
             <a:extLst>
               <a:ext uri="{FF2B5EF4-FFF2-40B4-BE49-F238E27FC236}">
-                <a16:creationId xmlns:a16="http://schemas.microsoft.com/office/drawing/2014/main" id="{EDD7F610-7CDD-4D18-8E2A-F9A82621BEB4}"/>
-              </a:ext>
-            </a:extLst>
-          </p:cNvPr>
-          <p:cNvSpPr>
-            <a:spLocks noGrp="1"/>
-          </p:cNvSpPr>
-          <p:nvPr>
-            <p:ph type="sldNum" idx="12"/>
-          </p:nvPr>
-        </p:nvSpPr>
-        <p:spPr/>
-        <p:txBody>
-          <a:bodyPr/>
-          <a:lstStyle/>
-          <a:p>
-            <a:pPr marL="0" lvl="0" indent="0" algn="r" rtl="0">
-              <a:spcBef>
-                <a:spcPts val="0"/>
-              </a:spcBef>
-              <a:spcAft>
-                <a:spcPts val="0"/>
-              </a:spcAft>
-              <a:buNone/>
-            </a:pPr>
-            <a:fld id="{00000000-1234-1234-1234-123412341234}" type="slidenum">
-              <a:rPr lang="en" smtClean="0"/>
-              <a:t>36</a:t>
-            </a:fld>
-            <a:endParaRPr lang="en"/>
-          </a:p>
-        </p:txBody>
-      </p:sp>
-      <p:sp>
-        <p:nvSpPr>
-          <p:cNvPr id="5" name="Freeform: Shape 4">
-            <a:extLst>
-              <a:ext uri="{FF2B5EF4-FFF2-40B4-BE49-F238E27FC236}">
-                <a16:creationId xmlns:a16="http://schemas.microsoft.com/office/drawing/2014/main" id="{33980DA5-6C3E-4FD1-9C99-860E78F0B491}"/>
+                <a16:creationId xmlns:a16="http://schemas.microsoft.com/office/drawing/2014/main" id="{257AEAB7-309B-4DD8-A527-EA17DE36A1A4}"/>
               </a:ext>
             </a:extLst>
           </p:cNvPr>
@@ -18407,745 +19377,12 @@
         </p:nvSpPr>
         <p:spPr>
           <a:xfrm>
-            <a:off x="1815151" y="1555200"/>
-            <a:ext cx="3203249" cy="1937370"/>
+            <a:off x="4219200" y="3398400"/>
+            <a:ext cx="791558" cy="388800"/>
           </a:xfrm>
-          <a:custGeom>
+          <a:prstGeom prst="rightArrow">
             <a:avLst/>
-            <a:gdLst>
-              <a:gd name="connsiteX0" fmla="*/ 2961457 w 2961457"/>
-              <a:gd name="connsiteY0" fmla="*/ 0 h 1921067"/>
-              <a:gd name="connsiteX1" fmla="*/ 2496188 w 2961457"/>
-              <a:gd name="connsiteY1" fmla="*/ 504289 h 1921067"/>
-              <a:gd name="connsiteX2" fmla="*/ 2738945 w 2961457"/>
-              <a:gd name="connsiteY2" fmla="*/ 862071 h 1921067"/>
-              <a:gd name="connsiteX3" fmla="*/ 2742683 w 2961457"/>
-              <a:gd name="connsiteY3" fmla="*/ 892587 h 1921067"/>
-              <a:gd name="connsiteX4" fmla="*/ 2744052 w 2961457"/>
-              <a:gd name="connsiteY4" fmla="*/ 897693 h 1921067"/>
-              <a:gd name="connsiteX5" fmla="*/ 2744925 w 2961457"/>
-              <a:gd name="connsiteY5" fmla="*/ 910887 h 1921067"/>
-              <a:gd name="connsiteX6" fmla="*/ 2750316 w 2961457"/>
-              <a:gd name="connsiteY6" fmla="*/ 954892 h 1921067"/>
-              <a:gd name="connsiteX7" fmla="*/ 2748971 w 2961457"/>
-              <a:gd name="connsiteY7" fmla="*/ 972046 h 1921067"/>
-              <a:gd name="connsiteX8" fmla="*/ 2750142 w 2961457"/>
-              <a:gd name="connsiteY8" fmla="*/ 989754 h 1921067"/>
-              <a:gd name="connsiteX9" fmla="*/ 2744157 w 2961457"/>
-              <a:gd name="connsiteY9" fmla="*/ 1033419 h 1921067"/>
-              <a:gd name="connsiteX10" fmla="*/ 2743079 w 2961457"/>
-              <a:gd name="connsiteY10" fmla="*/ 1047171 h 1921067"/>
-              <a:gd name="connsiteX11" fmla="*/ 2741491 w 2961457"/>
-              <a:gd name="connsiteY11" fmla="*/ 1052872 h 1921067"/>
-              <a:gd name="connsiteX12" fmla="*/ 2737461 w 2961457"/>
-              <a:gd name="connsiteY12" fmla="*/ 1082276 h 1921067"/>
-              <a:gd name="connsiteX13" fmla="*/ 2581232 w 2961457"/>
-              <a:gd name="connsiteY13" fmla="*/ 1353064 h 1921067"/>
-              <a:gd name="connsiteX14" fmla="*/ 2543932 w 2961457"/>
-              <a:gd name="connsiteY14" fmla="*/ 1386965 h 1921067"/>
-              <a:gd name="connsiteX15" fmla="*/ 2539236 w 2961457"/>
-              <a:gd name="connsiteY15" fmla="*/ 1391944 h 1921067"/>
-              <a:gd name="connsiteX16" fmla="*/ 2531218 w 2961457"/>
-              <a:gd name="connsiteY16" fmla="*/ 1398520 h 1921067"/>
-              <a:gd name="connsiteX17" fmla="*/ 2487905 w 2961457"/>
-              <a:gd name="connsiteY17" fmla="*/ 1437887 h 1921067"/>
-              <a:gd name="connsiteX18" fmla="*/ 2911070 w 2961457"/>
-              <a:gd name="connsiteY18" fmla="*/ 1921067 h 1921067"/>
-              <a:gd name="connsiteX19" fmla="*/ 2104488 w 2961457"/>
-              <a:gd name="connsiteY19" fmla="*/ 1644729 h 1921067"/>
-              <a:gd name="connsiteX20" fmla="*/ 2090818 w 2961457"/>
-              <a:gd name="connsiteY20" fmla="*/ 1649017 h 1921067"/>
-              <a:gd name="connsiteX21" fmla="*/ 2082414 w 2961457"/>
-              <a:gd name="connsiteY21" fmla="*/ 1652347 h 1921067"/>
-              <a:gd name="connsiteX22" fmla="*/ 2032482 w 2961457"/>
-              <a:gd name="connsiteY22" fmla="*/ 1667313 h 1921067"/>
-              <a:gd name="connsiteX23" fmla="*/ 1954810 w 2961457"/>
-              <a:gd name="connsiteY23" fmla="*/ 1691675 h 1921067"/>
-              <a:gd name="connsiteX24" fmla="*/ 1939993 w 2961457"/>
-              <a:gd name="connsiteY24" fmla="*/ 1695036 h 1921067"/>
-              <a:gd name="connsiteX25" fmla="*/ 1932877 w 2961457"/>
-              <a:gd name="connsiteY25" fmla="*/ 1697169 h 1921067"/>
-              <a:gd name="connsiteX26" fmla="*/ 1891809 w 2961457"/>
-              <a:gd name="connsiteY26" fmla="*/ 1705965 h 1921067"/>
-              <a:gd name="connsiteX27" fmla="*/ 1798061 w 2961457"/>
-              <a:gd name="connsiteY27" fmla="*/ 1727230 h 1921067"/>
-              <a:gd name="connsiteX28" fmla="*/ 1779964 w 2961457"/>
-              <a:gd name="connsiteY28" fmla="*/ 1729922 h 1921067"/>
-              <a:gd name="connsiteX29" fmla="*/ 1770325 w 2961457"/>
-              <a:gd name="connsiteY29" fmla="*/ 1731986 h 1921067"/>
-              <a:gd name="connsiteX30" fmla="*/ 1727813 w 2961457"/>
-              <a:gd name="connsiteY30" fmla="*/ 1737679 h 1921067"/>
-              <a:gd name="connsiteX31" fmla="*/ 1636126 w 2961457"/>
-              <a:gd name="connsiteY31" fmla="*/ 1751318 h 1921067"/>
-              <a:gd name="connsiteX32" fmla="*/ 1612668 w 2961457"/>
-              <a:gd name="connsiteY32" fmla="*/ 1753098 h 1921067"/>
-              <a:gd name="connsiteX33" fmla="*/ 1594491 w 2961457"/>
-              <a:gd name="connsiteY33" fmla="*/ 1755532 h 1921067"/>
-              <a:gd name="connsiteX34" fmla="*/ 1541791 w 2961457"/>
-              <a:gd name="connsiteY34" fmla="*/ 1758479 h 1921067"/>
-              <a:gd name="connsiteX35" fmla="*/ 1470891 w 2961457"/>
-              <a:gd name="connsiteY35" fmla="*/ 1763862 h 1921067"/>
-              <a:gd name="connsiteX36" fmla="*/ 1442734 w 2961457"/>
-              <a:gd name="connsiteY36" fmla="*/ 1764018 h 1921067"/>
-              <a:gd name="connsiteX37" fmla="*/ 1417158 w 2961457"/>
-              <a:gd name="connsiteY37" fmla="*/ 1765448 h 1921067"/>
-              <a:gd name="connsiteX38" fmla="*/ 1365484 w 2961457"/>
-              <a:gd name="connsiteY38" fmla="*/ 1764446 h 1921067"/>
-              <a:gd name="connsiteX39" fmla="*/ 1304240 w 2961457"/>
-              <a:gd name="connsiteY39" fmla="*/ 1764786 h 1921067"/>
-              <a:gd name="connsiteX40" fmla="*/ 1270639 w 2961457"/>
-              <a:gd name="connsiteY40" fmla="*/ 1762607 h 1921067"/>
-              <a:gd name="connsiteX41" fmla="*/ 1240506 w 2961457"/>
-              <a:gd name="connsiteY41" fmla="*/ 1762023 h 1921067"/>
-              <a:gd name="connsiteX42" fmla="*/ 1194812 w 2961457"/>
-              <a:gd name="connsiteY42" fmla="*/ 1757692 h 1921067"/>
-              <a:gd name="connsiteX43" fmla="*/ 1138060 w 2961457"/>
-              <a:gd name="connsiteY43" fmla="*/ 1754013 h 1921067"/>
-              <a:gd name="connsiteX44" fmla="*/ 1098355 w 2961457"/>
-              <a:gd name="connsiteY44" fmla="*/ 1748549 h 1921067"/>
-              <a:gd name="connsiteX45" fmla="*/ 1066714 w 2961457"/>
-              <a:gd name="connsiteY45" fmla="*/ 1745549 h 1921067"/>
-              <a:gd name="connsiteX46" fmla="*/ 1028651 w 2961457"/>
-              <a:gd name="connsiteY46" fmla="*/ 1738956 h 1921067"/>
-              <a:gd name="connsiteX47" fmla="*/ 974234 w 2961457"/>
-              <a:gd name="connsiteY47" fmla="*/ 1731467 h 1921067"/>
-              <a:gd name="connsiteX48" fmla="*/ 928437 w 2961457"/>
-              <a:gd name="connsiteY48" fmla="*/ 1721596 h 1921067"/>
-              <a:gd name="connsiteX49" fmla="*/ 897963 w 2961457"/>
-              <a:gd name="connsiteY49" fmla="*/ 1716317 h 1921067"/>
-              <a:gd name="connsiteX50" fmla="*/ 867715 w 2961457"/>
-              <a:gd name="connsiteY50" fmla="*/ 1708509 h 1921067"/>
-              <a:gd name="connsiteX51" fmla="*/ 814649 w 2961457"/>
-              <a:gd name="connsiteY51" fmla="*/ 1697071 h 1921067"/>
-              <a:gd name="connsiteX52" fmla="*/ 764234 w 2961457"/>
-              <a:gd name="connsiteY52" fmla="*/ 1681795 h 1921067"/>
-              <a:gd name="connsiteX53" fmla="*/ 736432 w 2961457"/>
-              <a:gd name="connsiteY53" fmla="*/ 1674618 h 1921067"/>
-              <a:gd name="connsiteX54" fmla="*/ 712038 w 2961457"/>
-              <a:gd name="connsiteY54" fmla="*/ 1665979 h 1921067"/>
-              <a:gd name="connsiteX55" fmla="*/ 652619 w 2961457"/>
-              <a:gd name="connsiteY55" fmla="*/ 1647974 h 1921067"/>
-              <a:gd name="connsiteX56" fmla="*/ 593966 w 2961457"/>
-              <a:gd name="connsiteY56" fmla="*/ 1624165 h 1921067"/>
-              <a:gd name="connsiteX57" fmla="*/ 584301 w 2961457"/>
-              <a:gd name="connsiteY57" fmla="*/ 1620742 h 1921067"/>
-              <a:gd name="connsiteX58" fmla="*/ 576219 w 2961457"/>
-              <a:gd name="connsiteY58" fmla="*/ 1616960 h 1921067"/>
-              <a:gd name="connsiteX59" fmla="*/ 507742 w 2961457"/>
-              <a:gd name="connsiteY59" fmla="*/ 1589163 h 1921067"/>
-              <a:gd name="connsiteX60" fmla="*/ 179137 w 2961457"/>
-              <a:gd name="connsiteY60" fmla="*/ 1365803 h 1921067"/>
-              <a:gd name="connsiteX61" fmla="*/ 136716 w 2961457"/>
-              <a:gd name="connsiteY61" fmla="*/ 1315755 h 1921067"/>
-              <a:gd name="connsiteX62" fmla="*/ 129725 w 2961457"/>
-              <a:gd name="connsiteY62" fmla="*/ 1308427 h 1921067"/>
-              <a:gd name="connsiteX63" fmla="*/ 126399 w 2961457"/>
-              <a:gd name="connsiteY63" fmla="*/ 1303584 h 1921067"/>
-              <a:gd name="connsiteX64" fmla="*/ 105980 w 2961457"/>
-              <a:gd name="connsiteY64" fmla="*/ 1279494 h 1921067"/>
-              <a:gd name="connsiteX65" fmla="*/ 78145 w 2961457"/>
-              <a:gd name="connsiteY65" fmla="*/ 1233307 h 1921067"/>
-              <a:gd name="connsiteX66" fmla="*/ 67032 w 2961457"/>
-              <a:gd name="connsiteY66" fmla="*/ 1217123 h 1921067"/>
-              <a:gd name="connsiteX67" fmla="*/ 63048 w 2961457"/>
-              <a:gd name="connsiteY67" fmla="*/ 1208258 h 1921067"/>
-              <a:gd name="connsiteX68" fmla="*/ 51532 w 2961457"/>
-              <a:gd name="connsiteY68" fmla="*/ 1189150 h 1921067"/>
-              <a:gd name="connsiteX69" fmla="*/ 35505 w 2961457"/>
-              <a:gd name="connsiteY69" fmla="*/ 1146971 h 1921067"/>
-              <a:gd name="connsiteX70" fmla="*/ 24796 w 2961457"/>
-              <a:gd name="connsiteY70" fmla="*/ 1123143 h 1921067"/>
-              <a:gd name="connsiteX71" fmla="*/ 22220 w 2961457"/>
-              <a:gd name="connsiteY71" fmla="*/ 1112011 h 1921067"/>
-              <a:gd name="connsiteX72" fmla="*/ 16101 w 2961457"/>
-              <a:gd name="connsiteY72" fmla="*/ 1095907 h 1921067"/>
-              <a:gd name="connsiteX73" fmla="*/ 9546 w 2961457"/>
-              <a:gd name="connsiteY73" fmla="*/ 1057226 h 1921067"/>
-              <a:gd name="connsiteX74" fmla="*/ 2695 w 2961457"/>
-              <a:gd name="connsiteY74" fmla="*/ 1027614 h 1921067"/>
-              <a:gd name="connsiteX75" fmla="*/ 2396 w 2961457"/>
-              <a:gd name="connsiteY75" fmla="*/ 1015034 h 1921067"/>
-              <a:gd name="connsiteX76" fmla="*/ 0 w 2961457"/>
-              <a:gd name="connsiteY76" fmla="*/ 1000901 h 1921067"/>
-              <a:gd name="connsiteX77" fmla="*/ 1253 w 2961457"/>
-              <a:gd name="connsiteY77" fmla="*/ 967065 h 1921067"/>
-              <a:gd name="connsiteX78" fmla="*/ 410 w 2961457"/>
-              <a:gd name="connsiteY78" fmla="*/ 931666 h 1921067"/>
-              <a:gd name="connsiteX79" fmla="*/ 3118 w 2961457"/>
-              <a:gd name="connsiteY79" fmla="*/ 916678 h 1921067"/>
-              <a:gd name="connsiteX80" fmla="*/ 3540 w 2961457"/>
-              <a:gd name="connsiteY80" fmla="*/ 905269 h 1921067"/>
-              <a:gd name="connsiteX81" fmla="*/ 9650 w 2961457"/>
-              <a:gd name="connsiteY81" fmla="*/ 880527 h 1921067"/>
-              <a:gd name="connsiteX82" fmla="*/ 17618 w 2961457"/>
-              <a:gd name="connsiteY82" fmla="*/ 836429 h 1921067"/>
-              <a:gd name="connsiteX83" fmla="*/ 25600 w 2961457"/>
-              <a:gd name="connsiteY83" fmla="*/ 815937 h 1921067"/>
-              <a:gd name="connsiteX84" fmla="*/ 27031 w 2961457"/>
-              <a:gd name="connsiteY84" fmla="*/ 810145 h 1921067"/>
-              <a:gd name="connsiteX85" fmla="*/ 31954 w 2961457"/>
-              <a:gd name="connsiteY85" fmla="*/ 799625 h 1921067"/>
-              <a:gd name="connsiteX86" fmla="*/ 54000 w 2961457"/>
-              <a:gd name="connsiteY86" fmla="*/ 743032 h 1921067"/>
-              <a:gd name="connsiteX87" fmla="*/ 818574 w 2961457"/>
-              <a:gd name="connsiteY87" fmla="*/ 235616 h 1921067"/>
-              <a:gd name="connsiteX88" fmla="*/ 2116495 w 2961457"/>
-              <a:gd name="connsiteY88" fmla="*/ 293748 h 1921067"/>
-            </a:gdLst>
-            <a:ahLst/>
-            <a:cxnLst>
-              <a:cxn ang="0">
-                <a:pos x="connsiteX0" y="connsiteY0"/>
-              </a:cxn>
-              <a:cxn ang="0">
-                <a:pos x="connsiteX1" y="connsiteY1"/>
-              </a:cxn>
-              <a:cxn ang="0">
-                <a:pos x="connsiteX2" y="connsiteY2"/>
-              </a:cxn>
-              <a:cxn ang="0">
-                <a:pos x="connsiteX3" y="connsiteY3"/>
-              </a:cxn>
-              <a:cxn ang="0">
-                <a:pos x="connsiteX4" y="connsiteY4"/>
-              </a:cxn>
-              <a:cxn ang="0">
-                <a:pos x="connsiteX5" y="connsiteY5"/>
-              </a:cxn>
-              <a:cxn ang="0">
-                <a:pos x="connsiteX6" y="connsiteY6"/>
-              </a:cxn>
-              <a:cxn ang="0">
-                <a:pos x="connsiteX7" y="connsiteY7"/>
-              </a:cxn>
-              <a:cxn ang="0">
-                <a:pos x="connsiteX8" y="connsiteY8"/>
-              </a:cxn>
-              <a:cxn ang="0">
-                <a:pos x="connsiteX9" y="connsiteY9"/>
-              </a:cxn>
-              <a:cxn ang="0">
-                <a:pos x="connsiteX10" y="connsiteY10"/>
-              </a:cxn>
-              <a:cxn ang="0">
-                <a:pos x="connsiteX11" y="connsiteY11"/>
-              </a:cxn>
-              <a:cxn ang="0">
-                <a:pos x="connsiteX12" y="connsiteY12"/>
-              </a:cxn>
-              <a:cxn ang="0">
-                <a:pos x="connsiteX13" y="connsiteY13"/>
-              </a:cxn>
-              <a:cxn ang="0">
-                <a:pos x="connsiteX14" y="connsiteY14"/>
-              </a:cxn>
-              <a:cxn ang="0">
-                <a:pos x="connsiteX15" y="connsiteY15"/>
-              </a:cxn>
-              <a:cxn ang="0">
-                <a:pos x="connsiteX16" y="connsiteY16"/>
-              </a:cxn>
-              <a:cxn ang="0">
-                <a:pos x="connsiteX17" y="connsiteY17"/>
-              </a:cxn>
-              <a:cxn ang="0">
-                <a:pos x="connsiteX18" y="connsiteY18"/>
-              </a:cxn>
-              <a:cxn ang="0">
-                <a:pos x="connsiteX19" y="connsiteY19"/>
-              </a:cxn>
-              <a:cxn ang="0">
-                <a:pos x="connsiteX20" y="connsiteY20"/>
-              </a:cxn>
-              <a:cxn ang="0">
-                <a:pos x="connsiteX21" y="connsiteY21"/>
-              </a:cxn>
-              <a:cxn ang="0">
-                <a:pos x="connsiteX22" y="connsiteY22"/>
-              </a:cxn>
-              <a:cxn ang="0">
-                <a:pos x="connsiteX23" y="connsiteY23"/>
-              </a:cxn>
-              <a:cxn ang="0">
-                <a:pos x="connsiteX24" y="connsiteY24"/>
-              </a:cxn>
-              <a:cxn ang="0">
-                <a:pos x="connsiteX25" y="connsiteY25"/>
-              </a:cxn>
-              <a:cxn ang="0">
-                <a:pos x="connsiteX26" y="connsiteY26"/>
-              </a:cxn>
-              <a:cxn ang="0">
-                <a:pos x="connsiteX27" y="connsiteY27"/>
-              </a:cxn>
-              <a:cxn ang="0">
-                <a:pos x="connsiteX28" y="connsiteY28"/>
-              </a:cxn>
-              <a:cxn ang="0">
-                <a:pos x="connsiteX29" y="connsiteY29"/>
-              </a:cxn>
-              <a:cxn ang="0">
-                <a:pos x="connsiteX30" y="connsiteY30"/>
-              </a:cxn>
-              <a:cxn ang="0">
-                <a:pos x="connsiteX31" y="connsiteY31"/>
-              </a:cxn>
-              <a:cxn ang="0">
-                <a:pos x="connsiteX32" y="connsiteY32"/>
-              </a:cxn>
-              <a:cxn ang="0">
-                <a:pos x="connsiteX33" y="connsiteY33"/>
-              </a:cxn>
-              <a:cxn ang="0">
-                <a:pos x="connsiteX34" y="connsiteY34"/>
-              </a:cxn>
-              <a:cxn ang="0">
-                <a:pos x="connsiteX35" y="connsiteY35"/>
-              </a:cxn>
-              <a:cxn ang="0">
-                <a:pos x="connsiteX36" y="connsiteY36"/>
-              </a:cxn>
-              <a:cxn ang="0">
-                <a:pos x="connsiteX37" y="connsiteY37"/>
-              </a:cxn>
-              <a:cxn ang="0">
-                <a:pos x="connsiteX38" y="connsiteY38"/>
-              </a:cxn>
-              <a:cxn ang="0">
-                <a:pos x="connsiteX39" y="connsiteY39"/>
-              </a:cxn>
-              <a:cxn ang="0">
-                <a:pos x="connsiteX40" y="connsiteY40"/>
-              </a:cxn>
-              <a:cxn ang="0">
-                <a:pos x="connsiteX41" y="connsiteY41"/>
-              </a:cxn>
-              <a:cxn ang="0">
-                <a:pos x="connsiteX42" y="connsiteY42"/>
-              </a:cxn>
-              <a:cxn ang="0">
-                <a:pos x="connsiteX43" y="connsiteY43"/>
-              </a:cxn>
-              <a:cxn ang="0">
-                <a:pos x="connsiteX44" y="connsiteY44"/>
-              </a:cxn>
-              <a:cxn ang="0">
-                <a:pos x="connsiteX45" y="connsiteY45"/>
-              </a:cxn>
-              <a:cxn ang="0">
-                <a:pos x="connsiteX46" y="connsiteY46"/>
-              </a:cxn>
-              <a:cxn ang="0">
-                <a:pos x="connsiteX47" y="connsiteY47"/>
-              </a:cxn>
-              <a:cxn ang="0">
-                <a:pos x="connsiteX48" y="connsiteY48"/>
-              </a:cxn>
-              <a:cxn ang="0">
-                <a:pos x="connsiteX49" y="connsiteY49"/>
-              </a:cxn>
-              <a:cxn ang="0">
-                <a:pos x="connsiteX50" y="connsiteY50"/>
-              </a:cxn>
-              <a:cxn ang="0">
-                <a:pos x="connsiteX51" y="connsiteY51"/>
-              </a:cxn>
-              <a:cxn ang="0">
-                <a:pos x="connsiteX52" y="connsiteY52"/>
-              </a:cxn>
-              <a:cxn ang="0">
-                <a:pos x="connsiteX53" y="connsiteY53"/>
-              </a:cxn>
-              <a:cxn ang="0">
-                <a:pos x="connsiteX54" y="connsiteY54"/>
-              </a:cxn>
-              <a:cxn ang="0">
-                <a:pos x="connsiteX55" y="connsiteY55"/>
-              </a:cxn>
-              <a:cxn ang="0">
-                <a:pos x="connsiteX56" y="connsiteY56"/>
-              </a:cxn>
-              <a:cxn ang="0">
-                <a:pos x="connsiteX57" y="connsiteY57"/>
-              </a:cxn>
-              <a:cxn ang="0">
-                <a:pos x="connsiteX58" y="connsiteY58"/>
-              </a:cxn>
-              <a:cxn ang="0">
-                <a:pos x="connsiteX59" y="connsiteY59"/>
-              </a:cxn>
-              <a:cxn ang="0">
-                <a:pos x="connsiteX60" y="connsiteY60"/>
-              </a:cxn>
-              <a:cxn ang="0">
-                <a:pos x="connsiteX61" y="connsiteY61"/>
-              </a:cxn>
-              <a:cxn ang="0">
-                <a:pos x="connsiteX62" y="connsiteY62"/>
-              </a:cxn>
-              <a:cxn ang="0">
-                <a:pos x="connsiteX63" y="connsiteY63"/>
-              </a:cxn>
-              <a:cxn ang="0">
-                <a:pos x="connsiteX64" y="connsiteY64"/>
-              </a:cxn>
-              <a:cxn ang="0">
-                <a:pos x="connsiteX65" y="connsiteY65"/>
-              </a:cxn>
-              <a:cxn ang="0">
-                <a:pos x="connsiteX66" y="connsiteY66"/>
-              </a:cxn>
-              <a:cxn ang="0">
-                <a:pos x="connsiteX67" y="connsiteY67"/>
-              </a:cxn>
-              <a:cxn ang="0">
-                <a:pos x="connsiteX68" y="connsiteY68"/>
-              </a:cxn>
-              <a:cxn ang="0">
-                <a:pos x="connsiteX69" y="connsiteY69"/>
-              </a:cxn>
-              <a:cxn ang="0">
-                <a:pos x="connsiteX70" y="connsiteY70"/>
-              </a:cxn>
-              <a:cxn ang="0">
-                <a:pos x="connsiteX71" y="connsiteY71"/>
-              </a:cxn>
-              <a:cxn ang="0">
-                <a:pos x="connsiteX72" y="connsiteY72"/>
-              </a:cxn>
-              <a:cxn ang="0">
-                <a:pos x="connsiteX73" y="connsiteY73"/>
-              </a:cxn>
-              <a:cxn ang="0">
-                <a:pos x="connsiteX74" y="connsiteY74"/>
-              </a:cxn>
-              <a:cxn ang="0">
-                <a:pos x="connsiteX75" y="connsiteY75"/>
-              </a:cxn>
-              <a:cxn ang="0">
-                <a:pos x="connsiteX76" y="connsiteY76"/>
-              </a:cxn>
-              <a:cxn ang="0">
-                <a:pos x="connsiteX77" y="connsiteY77"/>
-              </a:cxn>
-              <a:cxn ang="0">
-                <a:pos x="connsiteX78" y="connsiteY78"/>
-              </a:cxn>
-              <a:cxn ang="0">
-                <a:pos x="connsiteX79" y="connsiteY79"/>
-              </a:cxn>
-              <a:cxn ang="0">
-                <a:pos x="connsiteX80" y="connsiteY80"/>
-              </a:cxn>
-              <a:cxn ang="0">
-                <a:pos x="connsiteX81" y="connsiteY81"/>
-              </a:cxn>
-              <a:cxn ang="0">
-                <a:pos x="connsiteX82" y="connsiteY82"/>
-              </a:cxn>
-              <a:cxn ang="0">
-                <a:pos x="connsiteX83" y="connsiteY83"/>
-              </a:cxn>
-              <a:cxn ang="0">
-                <a:pos x="connsiteX84" y="connsiteY84"/>
-              </a:cxn>
-              <a:cxn ang="0">
-                <a:pos x="connsiteX85" y="connsiteY85"/>
-              </a:cxn>
-              <a:cxn ang="0">
-                <a:pos x="connsiteX86" y="connsiteY86"/>
-              </a:cxn>
-              <a:cxn ang="0">
-                <a:pos x="connsiteX87" y="connsiteY87"/>
-              </a:cxn>
-              <a:cxn ang="0">
-                <a:pos x="connsiteX88" y="connsiteY88"/>
-              </a:cxn>
-            </a:cxnLst>
-            <a:rect l="l" t="t" r="r" b="b"/>
-            <a:pathLst>
-              <a:path w="2961457" h="1921067">
-                <a:moveTo>
-                  <a:pt x="2961457" y="0"/>
-                </a:moveTo>
-                <a:lnTo>
-                  <a:pt x="2496188" y="504289"/>
-                </a:lnTo>
-                <a:cubicBezTo>
-                  <a:pt x="2632199" y="615743"/>
-                  <a:pt x="2711129" y="738368"/>
-                  <a:pt x="2738945" y="862071"/>
-                </a:cubicBezTo>
-                <a:lnTo>
-                  <a:pt x="2742683" y="892587"/>
-                </a:lnTo>
-                <a:lnTo>
-                  <a:pt x="2744052" y="897693"/>
-                </a:lnTo>
-                <a:lnTo>
-                  <a:pt x="2744925" y="910887"/>
-                </a:lnTo>
-                <a:lnTo>
-                  <a:pt x="2750316" y="954892"/>
-                </a:lnTo>
-                <a:lnTo>
-                  <a:pt x="2748971" y="972046"/>
-                </a:lnTo>
-                <a:lnTo>
-                  <a:pt x="2750142" y="989754"/>
-                </a:lnTo>
-                <a:lnTo>
-                  <a:pt x="2744157" y="1033419"/>
-                </a:lnTo>
-                <a:lnTo>
-                  <a:pt x="2743079" y="1047171"/>
-                </a:lnTo>
-                <a:lnTo>
-                  <a:pt x="2741491" y="1052872"/>
-                </a:lnTo>
-                <a:lnTo>
-                  <a:pt x="2737461" y="1082276"/>
-                </a:lnTo>
-                <a:cubicBezTo>
-                  <a:pt x="2715210" y="1174710"/>
-                  <a:pt x="2663968" y="1266404"/>
-                  <a:pt x="2581232" y="1353064"/>
-                </a:cubicBezTo>
-                <a:lnTo>
-                  <a:pt x="2543932" y="1386965"/>
-                </a:lnTo>
-                <a:lnTo>
-                  <a:pt x="2539236" y="1391944"/>
-                </a:lnTo>
-                <a:lnTo>
-                  <a:pt x="2531218" y="1398520"/>
-                </a:lnTo>
-                <a:lnTo>
-                  <a:pt x="2487905" y="1437887"/>
-                </a:lnTo>
-                <a:lnTo>
-                  <a:pt x="2911070" y="1921067"/>
-                </a:lnTo>
-                <a:lnTo>
-                  <a:pt x="2104488" y="1644729"/>
-                </a:lnTo>
-                <a:lnTo>
-                  <a:pt x="2090818" y="1649017"/>
-                </a:lnTo>
-                <a:lnTo>
-                  <a:pt x="2082414" y="1652347"/>
-                </a:lnTo>
-                <a:lnTo>
-                  <a:pt x="2032482" y="1667313"/>
-                </a:lnTo>
-                <a:lnTo>
-                  <a:pt x="1954810" y="1691675"/>
-                </a:lnTo>
-                <a:lnTo>
-                  <a:pt x="1939993" y="1695036"/>
-                </a:lnTo>
-                <a:lnTo>
-                  <a:pt x="1932877" y="1697169"/>
-                </a:lnTo>
-                <a:lnTo>
-                  <a:pt x="1891809" y="1705965"/>
-                </a:lnTo>
-                <a:lnTo>
-                  <a:pt x="1798061" y="1727230"/>
-                </a:lnTo>
-                <a:lnTo>
-                  <a:pt x="1779964" y="1729922"/>
-                </a:lnTo>
-                <a:lnTo>
-                  <a:pt x="1770325" y="1731986"/>
-                </a:lnTo>
-                <a:lnTo>
-                  <a:pt x="1727813" y="1737679"/>
-                </a:lnTo>
-                <a:lnTo>
-                  <a:pt x="1636126" y="1751318"/>
-                </a:lnTo>
-                <a:lnTo>
-                  <a:pt x="1612668" y="1753098"/>
-                </a:lnTo>
-                <a:lnTo>
-                  <a:pt x="1594491" y="1755532"/>
-                </a:lnTo>
-                <a:lnTo>
-                  <a:pt x="1541791" y="1758479"/>
-                </a:lnTo>
-                <a:lnTo>
-                  <a:pt x="1470891" y="1763862"/>
-                </a:lnTo>
-                <a:lnTo>
-                  <a:pt x="1442734" y="1764018"/>
-                </a:lnTo>
-                <a:lnTo>
-                  <a:pt x="1417158" y="1765448"/>
-                </a:lnTo>
-                <a:lnTo>
-                  <a:pt x="1365484" y="1764446"/>
-                </a:lnTo>
-                <a:lnTo>
-                  <a:pt x="1304240" y="1764786"/>
-                </a:lnTo>
-                <a:lnTo>
-                  <a:pt x="1270639" y="1762607"/>
-                </a:lnTo>
-                <a:lnTo>
-                  <a:pt x="1240506" y="1762023"/>
-                </a:lnTo>
-                <a:lnTo>
-                  <a:pt x="1194812" y="1757692"/>
-                </a:lnTo>
-                <a:lnTo>
-                  <a:pt x="1138060" y="1754013"/>
-                </a:lnTo>
-                <a:lnTo>
-                  <a:pt x="1098355" y="1748549"/>
-                </a:lnTo>
-                <a:lnTo>
-                  <a:pt x="1066714" y="1745549"/>
-                </a:lnTo>
-                <a:lnTo>
-                  <a:pt x="1028651" y="1738956"/>
-                </a:lnTo>
-                <a:lnTo>
-                  <a:pt x="974234" y="1731467"/>
-                </a:lnTo>
-                <a:lnTo>
-                  <a:pt x="928437" y="1721596"/>
-                </a:lnTo>
-                <a:lnTo>
-                  <a:pt x="897963" y="1716317"/>
-                </a:lnTo>
-                <a:lnTo>
-                  <a:pt x="867715" y="1708509"/>
-                </a:lnTo>
-                <a:lnTo>
-                  <a:pt x="814649" y="1697071"/>
-                </a:lnTo>
-                <a:lnTo>
-                  <a:pt x="764234" y="1681795"/>
-                </a:lnTo>
-                <a:lnTo>
-                  <a:pt x="736432" y="1674618"/>
-                </a:lnTo>
-                <a:lnTo>
-                  <a:pt x="712038" y="1665979"/>
-                </a:lnTo>
-                <a:lnTo>
-                  <a:pt x="652619" y="1647974"/>
-                </a:lnTo>
-                <a:lnTo>
-                  <a:pt x="593966" y="1624165"/>
-                </a:lnTo>
-                <a:lnTo>
-                  <a:pt x="584301" y="1620742"/>
-                </a:lnTo>
-                <a:lnTo>
-                  <a:pt x="576219" y="1616960"/>
-                </a:lnTo>
-                <a:lnTo>
-                  <a:pt x="507742" y="1589163"/>
-                </a:lnTo>
-                <a:cubicBezTo>
-                  <a:pt x="371545" y="1525873"/>
-                  <a:pt x="261543" y="1449716"/>
-                  <a:pt x="179137" y="1365803"/>
-                </a:cubicBezTo>
-                <a:lnTo>
-                  <a:pt x="136716" y="1315755"/>
-                </a:lnTo>
-                <a:lnTo>
-                  <a:pt x="129725" y="1308427"/>
-                </a:lnTo>
-                <a:lnTo>
-                  <a:pt x="126399" y="1303584"/>
-                </a:lnTo>
-                <a:lnTo>
-                  <a:pt x="105980" y="1279494"/>
-                </a:lnTo>
-                <a:lnTo>
-                  <a:pt x="78145" y="1233307"/>
-                </a:lnTo>
-                <a:lnTo>
-                  <a:pt x="67032" y="1217123"/>
-                </a:lnTo>
-                <a:lnTo>
-                  <a:pt x="63048" y="1208258"/>
-                </a:lnTo>
-                <a:lnTo>
-                  <a:pt x="51532" y="1189150"/>
-                </a:lnTo>
-                <a:lnTo>
-                  <a:pt x="35505" y="1146971"/>
-                </a:lnTo>
-                <a:lnTo>
-                  <a:pt x="24796" y="1123143"/>
-                </a:lnTo>
-                <a:lnTo>
-                  <a:pt x="22220" y="1112011"/>
-                </a:lnTo>
-                <a:lnTo>
-                  <a:pt x="16101" y="1095907"/>
-                </a:lnTo>
-                <a:lnTo>
-                  <a:pt x="9546" y="1057226"/>
-                </a:lnTo>
-                <a:lnTo>
-                  <a:pt x="2695" y="1027614"/>
-                </a:lnTo>
-                <a:lnTo>
-                  <a:pt x="2396" y="1015034"/>
-                </a:lnTo>
-                <a:lnTo>
-                  <a:pt x="0" y="1000901"/>
-                </a:lnTo>
-                <a:lnTo>
-                  <a:pt x="1253" y="967065"/>
-                </a:lnTo>
-                <a:lnTo>
-                  <a:pt x="410" y="931666"/>
-                </a:lnTo>
-                <a:lnTo>
-                  <a:pt x="3118" y="916678"/>
-                </a:lnTo>
-                <a:lnTo>
-                  <a:pt x="3540" y="905269"/>
-                </a:lnTo>
-                <a:lnTo>
-                  <a:pt x="9650" y="880527"/>
-                </a:lnTo>
-                <a:lnTo>
-                  <a:pt x="17618" y="836429"/>
-                </a:lnTo>
-                <a:lnTo>
-                  <a:pt x="25600" y="815937"/>
-                </a:lnTo>
-                <a:lnTo>
-                  <a:pt x="27031" y="810145"/>
-                </a:lnTo>
-                <a:lnTo>
-                  <a:pt x="31954" y="799625"/>
-                </a:lnTo>
-                <a:lnTo>
-                  <a:pt x="54000" y="743032"/>
-                </a:lnTo>
-                <a:cubicBezTo>
-                  <a:pt x="161009" y="528129"/>
-                  <a:pt x="421981" y="337472"/>
-                  <a:pt x="818574" y="235616"/>
-                </a:cubicBezTo>
-                <a:cubicBezTo>
-                  <a:pt x="1240600" y="127229"/>
-                  <a:pt x="1728030" y="149060"/>
-                  <a:pt x="2116495" y="293748"/>
-                </a:cubicBezTo>
-                <a:close/>
-              </a:path>
-            </a:pathLst>
-          </a:custGeom>
+          </a:prstGeom>
         </p:spPr>
         <p:style>
           <a:lnRef idx="3">
@@ -19166,18 +19403,14 @@
           <a:lstStyle/>
           <a:p>
             <a:pPr algn="ctr"/>
-            <a:r>
-              <a:rPr lang="en-US" altLang="zh-CN" sz="1800" dirty="0"/>
-              <a:t>Can we map the traces to these models?</a:t>
-            </a:r>
-            <a:endParaRPr lang="zh-CN" altLang="en-US" sz="1800" dirty="0"/>
+            <a:endParaRPr lang="zh-CN" altLang="en-US"/>
           </a:p>
         </p:txBody>
       </p:sp>
     </p:spTree>
     <p:extLst>
       <p:ext uri="{BB962C8B-B14F-4D97-AF65-F5344CB8AC3E}">
-        <p14:creationId xmlns:p14="http://schemas.microsoft.com/office/powerpoint/2010/main" val="3181071499"/>
+        <p14:creationId xmlns:p14="http://schemas.microsoft.com/office/powerpoint/2010/main" val="1391659422"/>
       </p:ext>
     </p:extLst>
   </p:cSld>
@@ -19187,7 +19420,7 @@
 </p:sld>
 </file>
 
-<file path=ppt/slides/slide37.xml><?xml version="1.0" encoding="utf-8"?>
+<file path=ppt/slides/slide38.xml><?xml version="1.0" encoding="utf-8"?>
 <p:sld xmlns:a="http://schemas.openxmlformats.org/drawingml/2006/main" xmlns:r="http://schemas.openxmlformats.org/officeDocument/2006/relationships" xmlns:p="http://schemas.openxmlformats.org/presentationml/2006/main">
   <p:cSld>
     <p:spTree>
@@ -19265,7 +19498,7 @@
             </a:pPr>
             <a:fld id="{00000000-1234-1234-1234-123412341234}" type="slidenum">
               <a:rPr lang="en" smtClean="0"/>
-              <a:t>37</a:t>
+              <a:t>38</a:t>
             </a:fld>
             <a:endParaRPr lang="en"/>
           </a:p>
@@ -19395,171 +19628,6 @@
   <p:clrMapOvr>
     <a:masterClrMapping/>
   </p:clrMapOvr>
-</p:sld>
-</file>
-
-<file path=ppt/slides/slide38.xml><?xml version="1.0" encoding="utf-8"?>
-<p:sld xmlns:a="http://schemas.openxmlformats.org/drawingml/2006/main" xmlns:r="http://schemas.openxmlformats.org/officeDocument/2006/relationships" xmlns:p="http://schemas.openxmlformats.org/presentationml/2006/main" show="0">
-  <p:cSld>
-    <p:spTree>
-      <p:nvGrpSpPr>
-        <p:cNvPr id="1" name=""/>
-        <p:cNvGrpSpPr/>
-        <p:nvPr/>
-      </p:nvGrpSpPr>
-      <p:grpSpPr>
-        <a:xfrm>
-          <a:off x="0" y="0"/>
-          <a:ext cx="0" cy="0"/>
-          <a:chOff x="0" y="0"/>
-          <a:chExt cx="0" cy="0"/>
-        </a:xfrm>
-      </p:grpSpPr>
-      <p:sp>
-        <p:nvSpPr>
-          <p:cNvPr id="2" name="Title 1">
-            <a:extLst>
-              <a:ext uri="{FF2B5EF4-FFF2-40B4-BE49-F238E27FC236}">
-                <a16:creationId xmlns:a16="http://schemas.microsoft.com/office/drawing/2014/main" id="{603837FE-6308-4FBC-ACAD-573832E3EFD0}"/>
-              </a:ext>
-            </a:extLst>
-          </p:cNvPr>
-          <p:cNvSpPr>
-            <a:spLocks noGrp="1"/>
-          </p:cNvSpPr>
-          <p:nvPr>
-            <p:ph type="title"/>
-          </p:nvPr>
-        </p:nvSpPr>
-        <p:spPr/>
-        <p:txBody>
-          <a:bodyPr/>
-          <a:lstStyle/>
-          <a:p>
-            <a:r>
-              <a:rPr lang="en-US" altLang="zh-CN" dirty="0"/>
-              <a:t>Human Behavior Model: EOFM</a:t>
-            </a:r>
-            <a:endParaRPr lang="zh-CN" altLang="en-US" dirty="0"/>
-          </a:p>
-        </p:txBody>
-      </p:sp>
-      <p:pic>
-        <p:nvPicPr>
-          <p:cNvPr id="5" name="Picture 4">
-            <a:extLst>
-              <a:ext uri="{FF2B5EF4-FFF2-40B4-BE49-F238E27FC236}">
-                <a16:creationId xmlns:a16="http://schemas.microsoft.com/office/drawing/2014/main" id="{5FF1629A-1EF9-4145-B813-F231103A74C2}"/>
-              </a:ext>
-            </a:extLst>
-          </p:cNvPr>
-          <p:cNvPicPr>
-            <a:picLocks noChangeAspect="1"/>
-          </p:cNvPicPr>
-          <p:nvPr/>
-        </p:nvPicPr>
-        <p:blipFill>
-          <a:blip r:embed="rId2"/>
-          <a:stretch>
-            <a:fillRect/>
-          </a:stretch>
-        </p:blipFill>
-        <p:spPr>
-          <a:xfrm>
-            <a:off x="3202868" y="633127"/>
-            <a:ext cx="5941132" cy="3864898"/>
-          </a:xfrm>
-          <a:prstGeom prst="rect">
-            <a:avLst/>
-          </a:prstGeom>
-        </p:spPr>
-      </p:pic>
-      <p:sp>
-        <p:nvSpPr>
-          <p:cNvPr id="4" name="Slide Number Placeholder 3">
-            <a:extLst>
-              <a:ext uri="{FF2B5EF4-FFF2-40B4-BE49-F238E27FC236}">
-                <a16:creationId xmlns:a16="http://schemas.microsoft.com/office/drawing/2014/main" id="{1B55DB1A-AF97-4E3A-A3A5-743AA48D8DCA}"/>
-              </a:ext>
-            </a:extLst>
-          </p:cNvPr>
-          <p:cNvSpPr>
-            <a:spLocks noGrp="1"/>
-          </p:cNvSpPr>
-          <p:nvPr>
-            <p:ph type="sldNum" idx="12"/>
-          </p:nvPr>
-        </p:nvSpPr>
-        <p:spPr/>
-        <p:txBody>
-          <a:bodyPr/>
-          <a:lstStyle/>
-          <a:p>
-            <a:pPr marL="0" lvl="0" indent="0" algn="r" rtl="0">
-              <a:spcBef>
-                <a:spcPts val="0"/>
-              </a:spcBef>
-              <a:spcAft>
-                <a:spcPts val="0"/>
-              </a:spcAft>
-              <a:buNone/>
-            </a:pPr>
-            <a:fld id="{00000000-1234-1234-1234-123412341234}" type="slidenum">
-              <a:rPr lang="en" smtClean="0"/>
-              <a:t>38</a:t>
-            </a:fld>
-            <a:endParaRPr lang="en"/>
-          </a:p>
-        </p:txBody>
-      </p:sp>
-      <p:pic>
-        <p:nvPicPr>
-          <p:cNvPr id="6" name="Picture 5">
-            <a:extLst>
-              <a:ext uri="{FF2B5EF4-FFF2-40B4-BE49-F238E27FC236}">
-                <a16:creationId xmlns:a16="http://schemas.microsoft.com/office/drawing/2014/main" id="{3AB18BF4-111B-4201-AC4F-6D6C6C69A3E3}"/>
-              </a:ext>
-            </a:extLst>
-          </p:cNvPr>
-          <p:cNvPicPr>
-            <a:picLocks noChangeAspect="1"/>
-          </p:cNvPicPr>
-          <p:nvPr/>
-        </p:nvPicPr>
-        <p:blipFill>
-          <a:blip r:embed="rId3"/>
-          <a:stretch>
-            <a:fillRect/>
-          </a:stretch>
-        </p:blipFill>
-        <p:spPr>
-          <a:xfrm>
-            <a:off x="0" y="1017725"/>
-            <a:ext cx="3342288" cy="3480300"/>
-          </a:xfrm>
-          <a:prstGeom prst="rect">
-            <a:avLst/>
-          </a:prstGeom>
-        </p:spPr>
-      </p:pic>
-    </p:spTree>
-    <p:extLst>
-      <p:ext uri="{BB962C8B-B14F-4D97-AF65-F5344CB8AC3E}">
-        <p14:creationId xmlns:p14="http://schemas.microsoft.com/office/powerpoint/2010/main" val="1256902783"/>
-      </p:ext>
-    </p:extLst>
-  </p:cSld>
-  <p:clrMapOvr>
-    <a:masterClrMapping/>
-  </p:clrMapOvr>
-  <mc:AlternateContent xmlns:mc="http://schemas.openxmlformats.org/markup-compatibility/2006">
-    <mc:Choice xmlns:p14="http://schemas.microsoft.com/office/powerpoint/2010/main" Requires="p14">
-      <p:transition spd="slow" p14:dur="2000"/>
-    </mc:Choice>
-    <mc:Fallback>
-      <p:transition spd="slow"/>
-    </mc:Fallback>
-  </mc:AlternateContent>
 </p:sld>
 </file>
 
@@ -21817,7 +21885,7 @@
           <p:cNvPr id="2" name="Title 1">
             <a:extLst>
               <a:ext uri="{FF2B5EF4-FFF2-40B4-BE49-F238E27FC236}">
-                <a16:creationId xmlns:a16="http://schemas.microsoft.com/office/drawing/2014/main" id="{54E82AD1-2018-40CF-9F4C-07E1B8B84FB4}"/>
+                <a16:creationId xmlns:a16="http://schemas.microsoft.com/office/drawing/2014/main" id="{603837FE-6308-4FBC-ACAD-573832E3EFD0}"/>
               </a:ext>
             </a:extLst>
           </p:cNvPr>
@@ -21835,7 +21903,7 @@
           <a:p>
             <a:r>
               <a:rPr lang="en-US" altLang="zh-CN" dirty="0"/>
-              <a:t>Current Progress</a:t>
+              <a:t>Instantiate the motivation example</a:t>
             </a:r>
             <a:endParaRPr lang="zh-CN" altLang="en-US" dirty="0"/>
           </a:p>
@@ -21846,7 +21914,7 @@
           <p:cNvPr id="5" name="Picture 4">
             <a:extLst>
               <a:ext uri="{FF2B5EF4-FFF2-40B4-BE49-F238E27FC236}">
-                <a16:creationId xmlns:a16="http://schemas.microsoft.com/office/drawing/2014/main" id="{424025C9-B2FC-485F-A5F3-77117087F31D}"/>
+                <a16:creationId xmlns:a16="http://schemas.microsoft.com/office/drawing/2014/main" id="{5FF1629A-1EF9-4145-B813-F231103A74C2}"/>
               </a:ext>
             </a:extLst>
           </p:cNvPr>
@@ -21856,15 +21924,15 @@
           <p:nvPr/>
         </p:nvPicPr>
         <p:blipFill>
-          <a:blip r:embed="rId3"/>
+          <a:blip r:embed="rId2"/>
           <a:stretch>
             <a:fillRect/>
           </a:stretch>
         </p:blipFill>
         <p:spPr>
           <a:xfrm>
-            <a:off x="122842" y="1855330"/>
-            <a:ext cx="3367500" cy="1432838"/>
+            <a:off x="3416530" y="1152475"/>
+            <a:ext cx="5330278" cy="3467518"/>
           </a:xfrm>
           <a:prstGeom prst="rect">
             <a:avLst/>
@@ -21876,7 +21944,7 @@
           <p:cNvPr id="4" name="Slide Number Placeholder 3">
             <a:extLst>
               <a:ext uri="{FF2B5EF4-FFF2-40B4-BE49-F238E27FC236}">
-                <a16:creationId xmlns:a16="http://schemas.microsoft.com/office/drawing/2014/main" id="{8E058DE1-C6AC-48A9-8903-0A2864096E06}"/>
+                <a16:creationId xmlns:a16="http://schemas.microsoft.com/office/drawing/2014/main" id="{1B55DB1A-AF97-4E3A-A3A5-743AA48D8DCA}"/>
               </a:ext>
             </a:extLst>
           </p:cNvPr>
@@ -21911,10 +21979,10 @@
       </p:sp>
       <p:pic>
         <p:nvPicPr>
-          <p:cNvPr id="6" name="Picture 5">
+          <p:cNvPr id="7" name="Picture 6">
             <a:extLst>
               <a:ext uri="{FF2B5EF4-FFF2-40B4-BE49-F238E27FC236}">
-                <a16:creationId xmlns:a16="http://schemas.microsoft.com/office/drawing/2014/main" id="{A90E0342-0C92-4264-8A64-C466D8532AAC}"/>
+                <a16:creationId xmlns:a16="http://schemas.microsoft.com/office/drawing/2014/main" id="{8B716000-9D68-4A31-8198-B0774BD1A96F}"/>
               </a:ext>
             </a:extLst>
           </p:cNvPr>
@@ -21923,46 +21991,21 @@
           </p:cNvPicPr>
           <p:nvPr/>
         </p:nvPicPr>
-        <p:blipFill>
-          <a:blip r:embed="rId4"/>
-          <a:stretch>
-            <a:fillRect/>
-          </a:stretch>
+        <p:blipFill rotWithShape="1">
+          <a:blip r:embed="rId3">
+            <a:extLst>
+              <a:ext uri="{28A0092B-C50C-407E-A947-70E740481C1C}">
+                <a14:useLocalDpi xmlns:a14="http://schemas.microsoft.com/office/drawing/2010/main" val="0"/>
+              </a:ext>
+            </a:extLst>
+          </a:blip>
+          <a:srcRect l="8726" t="25612" b="13823"/>
+          <a:stretch/>
         </p:blipFill>
         <p:spPr>
           <a:xfrm>
-            <a:off x="3490342" y="660572"/>
-            <a:ext cx="2325743" cy="3822354"/>
-          </a:xfrm>
-          <a:prstGeom prst="rect">
-            <a:avLst/>
-          </a:prstGeom>
-        </p:spPr>
-      </p:pic>
-      <p:pic>
-        <p:nvPicPr>
-          <p:cNvPr id="7" name="Picture 6">
-            <a:extLst>
-              <a:ext uri="{FF2B5EF4-FFF2-40B4-BE49-F238E27FC236}">
-                <a16:creationId xmlns:a16="http://schemas.microsoft.com/office/drawing/2014/main" id="{67992BC7-9C09-4611-B402-DC79EE03E2FA}"/>
-              </a:ext>
-            </a:extLst>
-          </p:cNvPr>
-          <p:cNvPicPr>
-            <a:picLocks noChangeAspect="1"/>
-          </p:cNvPicPr>
-          <p:nvPr/>
-        </p:nvPicPr>
-        <p:blipFill>
-          <a:blip r:embed="rId5"/>
-          <a:stretch>
-            <a:fillRect/>
-          </a:stretch>
-        </p:blipFill>
-        <p:spPr>
-          <a:xfrm>
-            <a:off x="5983340" y="813436"/>
-            <a:ext cx="3037818" cy="3669490"/>
+            <a:off x="311700" y="1152475"/>
+            <a:ext cx="2467768" cy="3467518"/>
           </a:xfrm>
           <a:prstGeom prst="rect">
             <a:avLst/>
@@ -21972,7 +22015,7 @@
     </p:spTree>
     <p:extLst>
       <p:ext uri="{BB962C8B-B14F-4D97-AF65-F5344CB8AC3E}">
-        <p14:creationId xmlns:p14="http://schemas.microsoft.com/office/powerpoint/2010/main" val="3419206140"/>
+        <p14:creationId xmlns:p14="http://schemas.microsoft.com/office/powerpoint/2010/main" val="1256902783"/>
       </p:ext>
     </p:extLst>
   </p:cSld>
@@ -21983,427 +22026,6 @@
 </file>
 
 <file path=ppt/slides/slide44.xml><?xml version="1.0" encoding="utf-8"?>
-<p:sld xmlns:a="http://schemas.openxmlformats.org/drawingml/2006/main" xmlns:r="http://schemas.openxmlformats.org/officeDocument/2006/relationships" xmlns:p="http://schemas.openxmlformats.org/presentationml/2006/main">
-  <p:cSld>
-    <p:spTree>
-      <p:nvGrpSpPr>
-        <p:cNvPr id="1" name=""/>
-        <p:cNvGrpSpPr/>
-        <p:nvPr/>
-      </p:nvGrpSpPr>
-      <p:grpSpPr>
-        <a:xfrm>
-          <a:off x="0" y="0"/>
-          <a:ext cx="0" cy="0"/>
-          <a:chOff x="0" y="0"/>
-          <a:chExt cx="0" cy="0"/>
-        </a:xfrm>
-      </p:grpSpPr>
-      <p:sp>
-        <p:nvSpPr>
-          <p:cNvPr id="2" name="Title 1"/>
-          <p:cNvSpPr>
-            <a:spLocks noGrp="1"/>
-          </p:cNvSpPr>
-          <p:nvPr>
-            <p:ph type="title"/>
-          </p:nvPr>
-        </p:nvSpPr>
-        <p:spPr/>
-        <p:txBody>
-          <a:bodyPr/>
-          <a:lstStyle/>
-          <a:p>
-            <a:r>
-              <a:rPr lang="en-US" dirty="0"/>
-              <a:t>Current Progress</a:t>
-            </a:r>
-          </a:p>
-        </p:txBody>
-      </p:sp>
-      <p:pic>
-        <p:nvPicPr>
-          <p:cNvPr id="7" name="Picture 6"/>
-          <p:cNvPicPr>
-            <a:picLocks noChangeAspect="1"/>
-          </p:cNvPicPr>
-          <p:nvPr/>
-        </p:nvPicPr>
-        <p:blipFill>
-          <a:blip r:embed="rId2"/>
-          <a:stretch>
-            <a:fillRect/>
-          </a:stretch>
-        </p:blipFill>
-        <p:spPr>
-          <a:xfrm>
-            <a:off x="311700" y="3137352"/>
-            <a:ext cx="3942530" cy="818545"/>
-          </a:xfrm>
-          <a:prstGeom prst="rect">
-            <a:avLst/>
-          </a:prstGeom>
-        </p:spPr>
-      </p:pic>
-      <mc:AlternateContent xmlns:mc="http://schemas.openxmlformats.org/markup-compatibility/2006" xmlns:a14="http://schemas.microsoft.com/office/drawing/2010/main">
-        <mc:Choice Requires="a14">
-          <p:sp>
-            <p:nvSpPr>
-              <p:cNvPr id="3" name="Text Placeholder 2"/>
-              <p:cNvSpPr>
-                <a:spLocks noGrp="1"/>
-              </p:cNvSpPr>
-              <p:nvPr>
-                <p:ph type="body" idx="1"/>
-              </p:nvPr>
-            </p:nvSpPr>
-            <p:spPr>
-              <a:xfrm>
-                <a:off x="311700" y="1152474"/>
-                <a:ext cx="8520600" cy="1850129"/>
-              </a:xfrm>
-            </p:spPr>
-            <p:txBody>
-              <a:bodyPr/>
-              <a:lstStyle/>
-              <a:p>
-                <a:r>
-                  <a:rPr lang="en-US" dirty="0"/>
-                  <a:t>Human model requires: </a:t>
-                </a:r>
-                <a14:m>
-                  <m:oMath xmlns:m="http://schemas.openxmlformats.org/officeDocument/2006/math">
-                    <m:r>
-                      <a:rPr lang="en-US" i="1" dirty="0" smtClean="0">
-                        <a:latin typeface="Cambria Math" panose="02040503050406030204" pitchFamily="18" charset="0"/>
-                      </a:rPr>
-                      <m:t>&lt;</m:t>
-                    </m:r>
-                    <m:r>
-                      <a:rPr lang="en-US" i="1" dirty="0" smtClean="0">
-                        <a:latin typeface="Cambria Math" panose="02040503050406030204" pitchFamily="18" charset="0"/>
-                      </a:rPr>
-                      <m:t>𝑎</m:t>
-                    </m:r>
-                    <m:r>
-                      <a:rPr lang="en-US" i="1" dirty="0" smtClean="0">
-                        <a:latin typeface="Cambria Math" panose="02040503050406030204" pitchFamily="18" charset="0"/>
-                      </a:rPr>
-                      <m:t>, </m:t>
-                    </m:r>
-                    <m:r>
-                      <a:rPr lang="en-US" i="1" dirty="0" smtClean="0">
-                        <a:latin typeface="Cambria Math" panose="02040503050406030204" pitchFamily="18" charset="0"/>
-                      </a:rPr>
-                      <m:t>𝑏</m:t>
-                    </m:r>
-                    <m:r>
-                      <a:rPr lang="en-US" i="1" dirty="0" smtClean="0">
-                        <a:latin typeface="Cambria Math" panose="02040503050406030204" pitchFamily="18" charset="0"/>
-                      </a:rPr>
-                      <m:t>, </m:t>
-                    </m:r>
-                    <m:r>
-                      <a:rPr lang="en-US" i="1" dirty="0" smtClean="0">
-                        <a:latin typeface="Cambria Math" panose="02040503050406030204" pitchFamily="18" charset="0"/>
-                      </a:rPr>
-                      <m:t>𝑐</m:t>
-                    </m:r>
-                    <m:r>
-                      <a:rPr lang="en-US" i="1" dirty="0" smtClean="0">
-                        <a:latin typeface="Cambria Math" panose="02040503050406030204" pitchFamily="18" charset="0"/>
-                      </a:rPr>
-                      <m:t>&gt;</m:t>
-                    </m:r>
-                  </m:oMath>
-                </a14:m>
-                <a:endParaRPr lang="en-US" dirty="0"/>
-              </a:p>
-              <a:p>
-                <a:r>
-                  <a:rPr lang="en-US" dirty="0"/>
-                  <a:t>Omission Error: </a:t>
-                </a:r>
-                <a14:m>
-                  <m:oMath xmlns:m="http://schemas.openxmlformats.org/officeDocument/2006/math">
-                    <m:r>
-                      <a:rPr lang="en-US" i="1" dirty="0" smtClean="0">
-                        <a:latin typeface="Cambria Math" panose="02040503050406030204" pitchFamily="18" charset="0"/>
-                      </a:rPr>
-                      <m:t>&lt;</m:t>
-                    </m:r>
-                    <m:r>
-                      <a:rPr lang="en-US" i="1" dirty="0" smtClean="0">
-                        <a:latin typeface="Cambria Math" panose="02040503050406030204" pitchFamily="18" charset="0"/>
-                      </a:rPr>
-                      <m:t>𝑎</m:t>
-                    </m:r>
-                    <m:r>
-                      <a:rPr lang="en-US" i="1" dirty="0" smtClean="0">
-                        <a:latin typeface="Cambria Math" panose="02040503050406030204" pitchFamily="18" charset="0"/>
-                      </a:rPr>
-                      <m:t>, </m:t>
-                    </m:r>
-                    <m:r>
-                      <a:rPr lang="en-US" i="1" dirty="0" smtClean="0">
-                        <a:latin typeface="Cambria Math" panose="02040503050406030204" pitchFamily="18" charset="0"/>
-                      </a:rPr>
-                      <m:t>𝑐</m:t>
-                    </m:r>
-                    <m:r>
-                      <a:rPr lang="en-US" i="1" dirty="0" smtClean="0">
-                        <a:latin typeface="Cambria Math" panose="02040503050406030204" pitchFamily="18" charset="0"/>
-                      </a:rPr>
-                      <m:t>&gt;</m:t>
-                    </m:r>
-                  </m:oMath>
-                </a14:m>
-                <a:r>
-                  <a:rPr lang="en-US" dirty="0"/>
-                  <a:t> (not doing </a:t>
-                </a:r>
-                <a14:m>
-                  <m:oMath xmlns:m="http://schemas.openxmlformats.org/officeDocument/2006/math">
-                    <m:r>
-                      <a:rPr lang="en-US" i="1" dirty="0" smtClean="0">
-                        <a:latin typeface="Cambria Math" panose="02040503050406030204" pitchFamily="18" charset="0"/>
-                      </a:rPr>
-                      <m:t>𝑏</m:t>
-                    </m:r>
-                  </m:oMath>
-                </a14:m>
-                <a:r>
-                  <a:rPr lang="en-US" dirty="0"/>
-                  <a:t>)</a:t>
-                </a:r>
-              </a:p>
-              <a:p>
-                <a:r>
-                  <a:rPr lang="en-US" dirty="0"/>
-                  <a:t>However, the Robust Sys allows </a:t>
-                </a:r>
-                <a14:m>
-                  <m:oMath xmlns:m="http://schemas.openxmlformats.org/officeDocument/2006/math">
-                    <m:r>
-                      <a:rPr lang="en-US" i="1" dirty="0" smtClean="0">
-                        <a:latin typeface="Cambria Math" panose="02040503050406030204" pitchFamily="18" charset="0"/>
-                      </a:rPr>
-                      <m:t>&lt;</m:t>
-                    </m:r>
-                    <m:r>
-                      <a:rPr lang="en-US" i="1" dirty="0" smtClean="0">
-                        <a:latin typeface="Cambria Math" panose="02040503050406030204" pitchFamily="18" charset="0"/>
-                      </a:rPr>
-                      <m:t>𝑎</m:t>
-                    </m:r>
-                    <m:r>
-                      <a:rPr lang="en-US" i="1" dirty="0" smtClean="0">
-                        <a:latin typeface="Cambria Math" panose="02040503050406030204" pitchFamily="18" charset="0"/>
-                      </a:rPr>
-                      <m:t>, </m:t>
-                    </m:r>
-                    <m:r>
-                      <a:rPr lang="en-US" i="1" dirty="0" smtClean="0">
-                        <a:latin typeface="Cambria Math" panose="02040503050406030204" pitchFamily="18" charset="0"/>
-                      </a:rPr>
-                      <m:t>𝑐</m:t>
-                    </m:r>
-                    <m:r>
-                      <a:rPr lang="en-US" i="1" dirty="0" smtClean="0">
-                        <a:latin typeface="Cambria Math" panose="02040503050406030204" pitchFamily="18" charset="0"/>
-                      </a:rPr>
-                      <m:t>&gt; </m:t>
-                    </m:r>
-                  </m:oMath>
-                </a14:m>
-                <a:r>
-                  <a:rPr lang="en-US" dirty="0"/>
-                  <a:t>as well as satisfies the safety property.</a:t>
-                </a:r>
-              </a:p>
-              <a:p>
-                <a:r>
-                  <a:rPr lang="en-US" dirty="0"/>
-                  <a:t>Then, we say the system is robust in the sense of omission error of </a:t>
-                </a:r>
-                <a14:m>
-                  <m:oMath xmlns:m="http://schemas.openxmlformats.org/officeDocument/2006/math">
-                    <m:r>
-                      <a:rPr lang="en-US" i="1" dirty="0" smtClean="0">
-                        <a:latin typeface="Cambria Math" panose="02040503050406030204" pitchFamily="18" charset="0"/>
-                      </a:rPr>
-                      <m:t>𝑏</m:t>
-                    </m:r>
-                  </m:oMath>
-                </a14:m>
-                <a:r>
-                  <a:rPr lang="en-US" dirty="0"/>
-                  <a:t>.</a:t>
-                </a:r>
-              </a:p>
-            </p:txBody>
-          </p:sp>
-        </mc:Choice>
-        <mc:Fallback xmlns="">
-          <p:sp>
-            <p:nvSpPr>
-              <p:cNvPr id="3" name="Text Placeholder 2"/>
-              <p:cNvSpPr>
-                <a:spLocks noGrp="1" noRot="1" noChangeAspect="1" noMove="1" noResize="1" noEditPoints="1" noAdjustHandles="1" noChangeArrowheads="1" noChangeShapeType="1" noTextEdit="1"/>
-              </p:cNvSpPr>
-              <p:nvPr>
-                <p:ph type="body" idx="1"/>
-              </p:nvPr>
-            </p:nvSpPr>
-            <p:spPr>
-              <a:xfrm>
-                <a:off x="311700" y="1152474"/>
-                <a:ext cx="8520600" cy="1850129"/>
-              </a:xfrm>
-              <a:blipFill>
-                <a:blip r:embed="rId3"/>
-                <a:stretch>
-                  <a:fillRect/>
-                </a:stretch>
-              </a:blipFill>
-            </p:spPr>
-            <p:txBody>
-              <a:bodyPr/>
-              <a:lstStyle/>
-              <a:p>
-                <a:r>
-                  <a:rPr lang="en-US">
-                    <a:noFill/>
-                  </a:rPr>
-                  <a:t> </a:t>
-                </a:r>
-              </a:p>
-            </p:txBody>
-          </p:sp>
-        </mc:Fallback>
-      </mc:AlternateContent>
-      <p:sp>
-        <p:nvSpPr>
-          <p:cNvPr id="4" name="Slide Number Placeholder 3"/>
-          <p:cNvSpPr>
-            <a:spLocks noGrp="1"/>
-          </p:cNvSpPr>
-          <p:nvPr>
-            <p:ph type="sldNum" idx="12"/>
-          </p:nvPr>
-        </p:nvSpPr>
-        <p:spPr/>
-        <p:txBody>
-          <a:bodyPr/>
-          <a:lstStyle/>
-          <a:p>
-            <a:pPr marL="0" lvl="0" indent="0" algn="r" rtl="0">
-              <a:spcBef>
-                <a:spcPts val="0"/>
-              </a:spcBef>
-              <a:spcAft>
-                <a:spcPts val="0"/>
-              </a:spcAft>
-              <a:buNone/>
-            </a:pPr>
-            <a:fld id="{00000000-1234-1234-1234-123412341234}" type="slidenum">
-              <a:rPr lang="en" smtClean="0"/>
-              <a:t>44</a:t>
-            </a:fld>
-            <a:endParaRPr lang="en"/>
-          </a:p>
-        </p:txBody>
-      </p:sp>
-      <p:pic>
-        <p:nvPicPr>
-          <p:cNvPr id="8" name="Picture 7"/>
-          <p:cNvPicPr>
-            <a:picLocks noChangeAspect="1"/>
-          </p:cNvPicPr>
-          <p:nvPr/>
-        </p:nvPicPr>
-        <p:blipFill>
-          <a:blip r:embed="rId4"/>
-          <a:stretch>
-            <a:fillRect/>
-          </a:stretch>
-        </p:blipFill>
-        <p:spPr>
-          <a:xfrm>
-            <a:off x="4839609" y="3002603"/>
-            <a:ext cx="3992691" cy="1028019"/>
-          </a:xfrm>
-          <a:prstGeom prst="rect">
-            <a:avLst/>
-          </a:prstGeom>
-        </p:spPr>
-      </p:pic>
-      <p:sp>
-        <p:nvSpPr>
-          <p:cNvPr id="9" name="Oval 8">
-            <a:extLst>
-              <a:ext uri="{FF2B5EF4-FFF2-40B4-BE49-F238E27FC236}">
-                <a16:creationId xmlns:a16="http://schemas.microsoft.com/office/drawing/2014/main" id="{F61AFAAC-93A6-400A-9BB3-C79114D0062B}"/>
-              </a:ext>
-            </a:extLst>
-          </p:cNvPr>
-          <p:cNvSpPr/>
-          <p:nvPr/>
-        </p:nvSpPr>
-        <p:spPr>
-          <a:xfrm>
-            <a:off x="6671634" y="3137352"/>
-            <a:ext cx="1395838" cy="727771"/>
-          </a:xfrm>
-          <a:prstGeom prst="ellipse">
-            <a:avLst/>
-          </a:prstGeom>
-          <a:noFill/>
-          <a:ln>
-            <a:solidFill>
-              <a:srgbClr val="FF0000"/>
-            </a:solidFill>
-          </a:ln>
-        </p:spPr>
-        <p:style>
-          <a:lnRef idx="2">
-            <a:schemeClr val="accent1">
-              <a:shade val="50000"/>
-            </a:schemeClr>
-          </a:lnRef>
-          <a:fillRef idx="1">
-            <a:schemeClr val="accent1"/>
-          </a:fillRef>
-          <a:effectRef idx="0">
-            <a:schemeClr val="accent1"/>
-          </a:effectRef>
-          <a:fontRef idx="minor">
-            <a:schemeClr val="lt1"/>
-          </a:fontRef>
-        </p:style>
-        <p:txBody>
-          <a:bodyPr rtlCol="0" anchor="ctr"/>
-          <a:lstStyle/>
-          <a:p>
-            <a:pPr algn="ctr"/>
-            <a:endParaRPr lang="zh-CN" altLang="en-US"/>
-          </a:p>
-        </p:txBody>
-      </p:sp>
-    </p:spTree>
-    <p:extLst>
-      <p:ext uri="{BB962C8B-B14F-4D97-AF65-F5344CB8AC3E}">
-        <p14:creationId xmlns:p14="http://schemas.microsoft.com/office/powerpoint/2010/main" val="1498270049"/>
-      </p:ext>
-    </p:extLst>
-  </p:cSld>
-  <p:clrMapOvr>
-    <a:masterClrMapping/>
-  </p:clrMapOvr>
-</p:sld>
-</file>
-
-<file path=ppt/slides/slide45.xml><?xml version="1.0" encoding="utf-8"?>
 <p:sld xmlns:a="http://schemas.openxmlformats.org/drawingml/2006/main" xmlns:r="http://schemas.openxmlformats.org/officeDocument/2006/relationships" xmlns:p="http://schemas.openxmlformats.org/presentationml/2006/main">
   <p:cSld>
     <p:spTree>
@@ -22481,7 +22103,7 @@
             </a:pPr>
             <a:fld id="{00000000-1234-1234-1234-123412341234}" type="slidenum">
               <a:rPr lang="en" smtClean="0"/>
-              <a:t>45</a:t>
+              <a:t>44</a:t>
             </a:fld>
             <a:endParaRPr lang="en"/>
           </a:p>
@@ -22500,7 +22122,7 @@
 </p:sld>
 </file>
 
-<file path=ppt/slides/slide46.xml><?xml version="1.0" encoding="utf-8"?>
+<file path=ppt/slides/slide45.xml><?xml version="1.0" encoding="utf-8"?>
 <p:sld xmlns:a="http://schemas.openxmlformats.org/drawingml/2006/main" xmlns:r="http://schemas.openxmlformats.org/officeDocument/2006/relationships" xmlns:p="http://schemas.openxmlformats.org/presentationml/2006/main">
   <p:cSld>
     <p:spTree>
@@ -22546,8 +22168,8 @@
           </a:p>
         </p:txBody>
       </p:sp>
-      <mc:AlternateContent xmlns:mc="http://schemas.openxmlformats.org/markup-compatibility/2006" xmlns:a14="http://schemas.microsoft.com/office/drawing/2010/main">
-        <mc:Choice Requires="a14">
+      <mc:AlternateContent xmlns:mc="http://schemas.openxmlformats.org/markup-compatibility/2006">
+        <mc:Choice xmlns:a14="http://schemas.microsoft.com/office/drawing/2010/main" Requires="a14">
           <p:sp>
             <p:nvSpPr>
               <p:cNvPr id="3" name="Text Placeholder 2">
@@ -22585,7 +22207,7 @@
                 </a14:m>
                 <a:r>
                   <a:rPr lang="en-US" altLang="zh-CN" dirty="0"/>
-                  <a:t> is constrained to the safety property in LTS.</a:t>
+                  <a:t> is limited to the safety property in LTS.</a:t>
                 </a:r>
               </a:p>
               <a:p>
@@ -22631,7 +22253,7 @@
             </p:txBody>
           </p:sp>
         </mc:Choice>
-        <mc:Fallback xmlns="">
+        <mc:Fallback>
           <p:sp>
             <p:nvSpPr>
               <p:cNvPr id="3" name="Text Placeholder 2">
@@ -22703,7 +22325,7 @@
             </a:pPr>
             <a:fld id="{00000000-1234-1234-1234-123412341234}" type="slidenum">
               <a:rPr lang="en" smtClean="0"/>
-              <a:t>46</a:t>
+              <a:t>45</a:t>
             </a:fld>
             <a:endParaRPr lang="en"/>
           </a:p>
@@ -22745,10 +22367,10 @@
       </p:pic>
       <p:pic>
         <p:nvPicPr>
-          <p:cNvPr id="8" name="Picture 7">
+          <p:cNvPr id="9" name="Picture 8">
             <a:extLst>
               <a:ext uri="{FF2B5EF4-FFF2-40B4-BE49-F238E27FC236}">
-                <a16:creationId xmlns:a16="http://schemas.microsoft.com/office/drawing/2014/main" id="{47C0AF53-5DAB-4DB0-927C-350C9122DA81}"/>
+                <a16:creationId xmlns:a16="http://schemas.microsoft.com/office/drawing/2014/main" id="{CF8B4202-84F7-47C3-A811-E934E6897063}"/>
               </a:ext>
             </a:extLst>
           </p:cNvPr>
@@ -22765,8 +22387,8 @@
         </p:blipFill>
         <p:spPr>
           <a:xfrm>
-            <a:off x="1202399" y="3160656"/>
-            <a:ext cx="2793990" cy="892525"/>
+            <a:off x="5449517" y="2818285"/>
+            <a:ext cx="2679247" cy="1577265"/>
           </a:xfrm>
           <a:prstGeom prst="rect">
             <a:avLst/>
@@ -22775,10 +22397,10 @@
       </p:pic>
       <p:pic>
         <p:nvPicPr>
-          <p:cNvPr id="9" name="Picture 8">
+          <p:cNvPr id="10" name="Picture 9">
             <a:extLst>
               <a:ext uri="{FF2B5EF4-FFF2-40B4-BE49-F238E27FC236}">
-                <a16:creationId xmlns:a16="http://schemas.microsoft.com/office/drawing/2014/main" id="{CF8B4202-84F7-47C3-A811-E934E6897063}"/>
+                <a16:creationId xmlns:a16="http://schemas.microsoft.com/office/drawing/2014/main" id="{EF247756-5E90-4DE9-9FA7-F552A22E70FA}"/>
               </a:ext>
             </a:extLst>
           </p:cNvPr>
@@ -22795,8 +22417,8 @@
         </p:blipFill>
         <p:spPr>
           <a:xfrm>
-            <a:off x="5449517" y="2818285"/>
-            <a:ext cx="2679247" cy="1577265"/>
+            <a:off x="790402" y="3264322"/>
+            <a:ext cx="3342398" cy="904657"/>
           </a:xfrm>
           <a:prstGeom prst="rect">
             <a:avLst/>
@@ -22816,7 +22438,7 @@
 </p:sld>
 </file>
 
-<file path=ppt/slides/slide47.xml><?xml version="1.0" encoding="utf-8"?>
+<file path=ppt/slides/slide46.xml><?xml version="1.0" encoding="utf-8"?>
 <p:sld xmlns:a="http://schemas.openxmlformats.org/drawingml/2006/main" xmlns:r="http://schemas.openxmlformats.org/officeDocument/2006/relationships" xmlns:p="http://schemas.openxmlformats.org/presentationml/2006/main">
   <p:cSld>
     <p:spTree>
@@ -22907,7 +22529,7 @@
             </a:pPr>
             <a:r>
               <a:rPr lang="en-US" altLang="zh-CN" dirty="0"/>
-              <a:t>Approach Overview</a:t>
+              <a:t>Motivation Example</a:t>
             </a:r>
           </a:p>
           <a:p>
@@ -22953,7 +22575,10 @@
             </a:r>
           </a:p>
           <a:p>
-            <a:endParaRPr lang="zh-CN" altLang="en-US" b="1" dirty="0"/>
+            <a:endParaRPr lang="en-US" altLang="zh-CN" dirty="0"/>
+          </a:p>
+          <a:p>
+            <a:endParaRPr lang="zh-CN" altLang="en-US" dirty="0"/>
           </a:p>
         </p:txBody>
       </p:sp>
@@ -22989,7 +22614,7 @@
             </a:pPr>
             <a:fld id="{00000000-1234-1234-1234-123412341234}" type="slidenum">
               <a:rPr lang="en" smtClean="0"/>
-              <a:t>47</a:t>
+              <a:t>46</a:t>
             </a:fld>
             <a:endParaRPr lang="en"/>
           </a:p>
@@ -23181,17 +22806,9 @@
               <a:rPr lang="en-US" sz="1600" dirty="0"/>
               <a:t>… (Mostly focus on verification)</a:t>
             </a:r>
-            <a:r>
-              <a:rPr lang="en-US" dirty="0"/>
-              <a:t/>
-            </a:r>
             <a:br>
               <a:rPr lang="en-US" dirty="0"/>
             </a:br>
-            <a:r>
-              <a:rPr lang="en-US" dirty="0"/>
-              <a:t/>
-            </a:r>
             <a:br>
               <a:rPr lang="en-US" dirty="0"/>
             </a:br>
@@ -23422,17 +23039,9 @@
               <a:rPr lang="en-US" sz="1600" dirty="0"/>
               <a:t>… (Mostly focus on verification)</a:t>
             </a:r>
-            <a:r>
-              <a:rPr lang="en-US" dirty="0"/>
-              <a:t/>
-            </a:r>
             <a:br>
               <a:rPr lang="en-US" dirty="0"/>
             </a:br>
-            <a:r>
-              <a:rPr lang="en-US" dirty="0"/>
-              <a:t/>
-            </a:r>
             <a:br>
               <a:rPr lang="en-US" dirty="0"/>
             </a:br>
@@ -23555,13 +23164,6 @@
   <p:clrMapOvr>
     <a:masterClrMapping/>
   </p:clrMapOvr>
-  <p:timing>
-    <p:tnLst>
-      <p:par>
-        <p:cTn id="1" dur="indefinite" restart="never" nodeType="tmRoot"/>
-      </p:par>
-    </p:tnLst>
-  </p:timing>
 </p:sld>
 </file>
 
@@ -23650,7 +23252,29 @@
             </a:pPr>
             <a:r>
               <a:rPr lang="en-US" altLang="zh-CN" dirty="0"/>
-              <a:t>To achieve correct-by-design, can we tell how robust a system is in advance?</a:t>
+              <a:t>To achieve correct-by-design, can we tell how robust a system is in advance? (Just like other quality attributes)</a:t>
+            </a:r>
+          </a:p>
+          <a:p>
+            <a:pPr>
+              <a:spcAft>
+                <a:spcPts val="1600"/>
+              </a:spcAft>
+            </a:pPr>
+            <a:r>
+              <a:rPr lang="en-US" altLang="zh-CN" dirty="0"/>
+              <a:t>Does a design address the concerns with respect to robustness?</a:t>
+            </a:r>
+          </a:p>
+          <a:p>
+            <a:pPr>
+              <a:spcAft>
+                <a:spcPts val="1600"/>
+              </a:spcAft>
+            </a:pPr>
+            <a:r>
+              <a:rPr lang="en-US" altLang="zh-CN" dirty="0"/>
+              <a:t>Is a design consistent with the design intentions?</a:t>
             </a:r>
             <a:endParaRPr lang="zh-CN" altLang="en-US" dirty="0"/>
           </a:p>
@@ -23704,13 +23328,6 @@
   <p:clrMapOvr>
     <a:masterClrMapping/>
   </p:clrMapOvr>
-  <p:timing>
-    <p:tnLst>
-      <p:par>
-        <p:cTn id="1" dur="indefinite" restart="never" nodeType="tmRoot"/>
-      </p:par>
-    </p:tnLst>
-  </p:timing>
 </p:sld>
 </file>
 
@@ -23866,13 +23483,6 @@
   <p:clrMapOvr>
     <a:masterClrMapping/>
   </p:clrMapOvr>
-  <p:timing>
-    <p:tnLst>
-      <p:par>
-        <p:cTn id="1" dur="indefinite" restart="never" nodeType="tmRoot"/>
-      </p:par>
-    </p:tnLst>
-  </p:timing>
 </p:sld>
 </file>
 
@@ -24076,13 +23686,6 @@
   <p:clrMapOvr>
     <a:masterClrMapping/>
   </p:clrMapOvr>
-  <p:timing>
-    <p:tnLst>
-      <p:par>
-        <p:cTn id="1" dur="indefinite" restart="never" nodeType="tmRoot"/>
-      </p:par>
-    </p:tnLst>
-  </p:timing>
 </p:sld>
 </file>
 

--- a/Robustness-SSSG.pptx
+++ b/Robustness-SSSG.pptx
@@ -5,7 +5,7 @@
     <p:sldMasterId id="2147483659" r:id="rId1"/>
   </p:sldMasterIdLst>
   <p:notesMasterIdLst>
-    <p:notesMasterId r:id="rId48"/>
+    <p:notesMasterId r:id="rId51"/>
   </p:notesMasterIdLst>
   <p:sldIdLst>
     <p:sldId id="256" r:id="rId2"/>
@@ -14,7 +14,7 @@
     <p:sldId id="352" r:id="rId5"/>
     <p:sldId id="257" r:id="rId6"/>
     <p:sldId id="353" r:id="rId7"/>
-    <p:sldId id="354" r:id="rId8"/>
+    <p:sldId id="385" r:id="rId8"/>
     <p:sldId id="355" r:id="rId9"/>
     <p:sldId id="315" r:id="rId10"/>
     <p:sldId id="323" r:id="rId11"/>
@@ -22,66 +22,69 @@
     <p:sldId id="362" r:id="rId13"/>
     <p:sldId id="358" r:id="rId14"/>
     <p:sldId id="359" r:id="rId15"/>
-    <p:sldId id="363" r:id="rId16"/>
-    <p:sldId id="360" r:id="rId17"/>
-    <p:sldId id="361" r:id="rId18"/>
+    <p:sldId id="383" r:id="rId16"/>
+    <p:sldId id="363" r:id="rId17"/>
+    <p:sldId id="381" r:id="rId18"/>
     <p:sldId id="364" r:id="rId19"/>
     <p:sldId id="365" r:id="rId20"/>
     <p:sldId id="366" r:id="rId21"/>
     <p:sldId id="367" r:id="rId22"/>
     <p:sldId id="368" r:id="rId23"/>
     <p:sldId id="369" r:id="rId24"/>
-    <p:sldId id="370" r:id="rId25"/>
-    <p:sldId id="319" r:id="rId26"/>
-    <p:sldId id="376" r:id="rId27"/>
-    <p:sldId id="372" r:id="rId28"/>
-    <p:sldId id="320" r:id="rId29"/>
-    <p:sldId id="374" r:id="rId30"/>
-    <p:sldId id="324" r:id="rId31"/>
-    <p:sldId id="282" r:id="rId32"/>
-    <p:sldId id="377" r:id="rId33"/>
-    <p:sldId id="378" r:id="rId34"/>
-    <p:sldId id="379" r:id="rId35"/>
-    <p:sldId id="380" r:id="rId36"/>
-    <p:sldId id="334" r:id="rId37"/>
-    <p:sldId id="335" r:id="rId38"/>
-    <p:sldId id="337" r:id="rId39"/>
-    <p:sldId id="338" r:id="rId40"/>
-    <p:sldId id="340" r:id="rId41"/>
-    <p:sldId id="341" r:id="rId42"/>
-    <p:sldId id="342" r:id="rId43"/>
-    <p:sldId id="350" r:id="rId44"/>
-    <p:sldId id="296" r:id="rId45"/>
-    <p:sldId id="346" r:id="rId46"/>
-    <p:sldId id="347" r:id="rId47"/>
+    <p:sldId id="382" r:id="rId25"/>
+    <p:sldId id="370" r:id="rId26"/>
+    <p:sldId id="319" r:id="rId27"/>
+    <p:sldId id="376" r:id="rId28"/>
+    <p:sldId id="384" r:id="rId29"/>
+    <p:sldId id="372" r:id="rId30"/>
+    <p:sldId id="320" r:id="rId31"/>
+    <p:sldId id="374" r:id="rId32"/>
+    <p:sldId id="324" r:id="rId33"/>
+    <p:sldId id="282" r:id="rId34"/>
+    <p:sldId id="377" r:id="rId35"/>
+    <p:sldId id="378" r:id="rId36"/>
+    <p:sldId id="379" r:id="rId37"/>
+    <p:sldId id="380" r:id="rId38"/>
+    <p:sldId id="334" r:id="rId39"/>
+    <p:sldId id="335" r:id="rId40"/>
+    <p:sldId id="337" r:id="rId41"/>
+    <p:sldId id="338" r:id="rId42"/>
+    <p:sldId id="340" r:id="rId43"/>
+    <p:sldId id="341" r:id="rId44"/>
+    <p:sldId id="342" r:id="rId45"/>
+    <p:sldId id="350" r:id="rId46"/>
+    <p:sldId id="296" r:id="rId47"/>
+    <p:sldId id="386" r:id="rId48"/>
+    <p:sldId id="346" r:id="rId49"/>
+    <p:sldId id="347" r:id="rId50"/>
   </p:sldIdLst>
   <p:sldSz cx="9144000" cy="5143500" type="screen16x9"/>
   <p:notesSz cx="6858000" cy="9144000"/>
   <p:embeddedFontLst>
     <p:embeddedFont>
       <p:font typeface="Cambria Math" panose="02040503050406030204" pitchFamily="18" charset="0"/>
-      <p:regular r:id="rId49"/>
+      <p:regular r:id="rId52"/>
     </p:embeddedFont>
     <p:embeddedFont>
       <p:font typeface="Open Sans" panose="02010600030101010101" charset="0"/>
-      <p:regular r:id="rId50"/>
-      <p:bold r:id="rId51"/>
-      <p:italic r:id="rId52"/>
-      <p:boldItalic r:id="rId53"/>
+      <p:regular r:id="rId53"/>
+      <p:bold r:id="rId54"/>
+      <p:italic r:id="rId55"/>
+      <p:boldItalic r:id="rId56"/>
     </p:embeddedFont>
     <p:embeddedFont>
       <p:font typeface="Open Sans Light" panose="02010600030101010101" charset="0"/>
-      <p:regular r:id="rId54"/>
-      <p:bold r:id="rId55"/>
-      <p:italic r:id="rId56"/>
-      <p:boldItalic r:id="rId57"/>
+      <p:regular r:id="rId57"/>
+      <p:bold r:id="rId58"/>
+      <p:italic r:id="rId59"/>
+      <p:boldItalic r:id="rId60"/>
     </p:embeddedFont>
     <p:embeddedFont>
       <p:font typeface="Open Sans SemiBold" panose="02010600030101010101" charset="0"/>
-      <p:regular r:id="rId58"/>
-      <p:bold r:id="rId59"/>
-      <p:italic r:id="rId60"/>
-      <p:boldItalic r:id="rId61"/>
+      <p:regular r:id="rId61"/>
+      <p:bold r:id="rId62"/>
+      <p:italic r:id="rId63"/>
+      <p:boldItalic r:id="rId64"/>
     </p:embeddedFont>
   </p:embeddedFontLst>
   <p:defaultTextStyle>
@@ -3870,9 +3873,6 @@
           <a:bodyPr/>
           <a:lstStyle/>
           <a:p>
-            <a:pPr marL="158750" indent="0">
-              <a:buNone/>
-            </a:pPr>
             <a:endParaRPr lang="zh-CN" altLang="en-US" dirty="0"/>
           </a:p>
         </p:txBody>
@@ -3880,7 +3880,7 @@
     </p:spTree>
     <p:extLst>
       <p:ext uri="{BB962C8B-B14F-4D97-AF65-F5344CB8AC3E}">
-        <p14:creationId xmlns:p14="http://schemas.microsoft.com/office/powerpoint/2010/main" val="1174819320"/>
+        <p14:creationId xmlns:p14="http://schemas.microsoft.com/office/powerpoint/2010/main" val="3132018796"/>
       </p:ext>
     </p:extLst>
   </p:cSld>
@@ -3939,34 +3939,6 @@
           <a:bodyPr/>
           <a:lstStyle/>
           <a:p>
-            <a:r>
-              <a:rPr lang="en-US" altLang="zh-CN" dirty="0"/>
-              <a:t>In the coffee machine example, we developed an erroneous environment model and verified that it does not satisfy the property.</a:t>
-            </a:r>
-          </a:p>
-          <a:p>
-            <a:r>
-              <a:rPr lang="en-US" altLang="zh-CN" dirty="0"/>
-              <a:t>However, this is just one case, it is often impossible to enumerate all the human behaviors.</a:t>
-            </a:r>
-          </a:p>
-          <a:p>
-            <a:r>
-              <a:rPr lang="en-US" altLang="zh-CN" dirty="0"/>
-              <a:t>Thus, we cannot tell what kind of errors the system can handle and what it cannot.</a:t>
-            </a:r>
-            <a:endParaRPr lang="zh-CN" altLang="en-US" dirty="0"/>
-          </a:p>
-          <a:p>
-            <a:pPr marL="158750" indent="0">
-              <a:buNone/>
-            </a:pPr>
-            <a:endParaRPr lang="zh-CN" altLang="en-US" dirty="0"/>
-          </a:p>
-          <a:p>
-            <a:pPr marL="158750" indent="0">
-              <a:buNone/>
-            </a:pPr>
             <a:endParaRPr lang="zh-CN" altLang="en-US" dirty="0"/>
           </a:p>
         </p:txBody>
@@ -3974,7 +3946,7 @@
     </p:spTree>
     <p:extLst>
       <p:ext uri="{BB962C8B-B14F-4D97-AF65-F5344CB8AC3E}">
-        <p14:creationId xmlns:p14="http://schemas.microsoft.com/office/powerpoint/2010/main" val="963913028"/>
+        <p14:creationId xmlns:p14="http://schemas.microsoft.com/office/powerpoint/2010/main" val="3270550227"/>
       </p:ext>
     </p:extLst>
   </p:cSld>
@@ -4033,9 +4005,16 @@
           <a:bodyPr/>
           <a:lstStyle/>
           <a:p>
-            <a:pPr marL="158750" indent="0">
-              <a:buNone/>
-            </a:pPr>
+            <a:r>
+              <a:rPr lang="en-US" altLang="zh-CN" dirty="0"/>
+              <a:t>The first three events are not aware of the property, thus it keeps in its initial state.</a:t>
+            </a:r>
+          </a:p>
+          <a:p>
+            <a:r>
+              <a:rPr lang="en-US" altLang="zh-CN" dirty="0"/>
+              <a:t>Then, it synchronize on the brew event, which leads to error</a:t>
+            </a:r>
             <a:endParaRPr lang="zh-CN" altLang="en-US" dirty="0"/>
           </a:p>
         </p:txBody>
@@ -4043,7 +4022,7 @@
     </p:spTree>
     <p:extLst>
       <p:ext uri="{BB962C8B-B14F-4D97-AF65-F5344CB8AC3E}">
-        <p14:creationId xmlns:p14="http://schemas.microsoft.com/office/powerpoint/2010/main" val="2882009939"/>
+        <p14:creationId xmlns:p14="http://schemas.microsoft.com/office/powerpoint/2010/main" val="113323232"/>
       </p:ext>
     </p:extLst>
   </p:cSld>
@@ -4102,14 +4081,14 @@
           <a:bodyPr/>
           <a:lstStyle/>
           <a:p>
-            <a:endParaRPr lang="en-US" dirty="0"/>
+            <a:endParaRPr lang="zh-CN" altLang="en-US" dirty="0"/>
           </a:p>
         </p:txBody>
       </p:sp>
     </p:spTree>
     <p:extLst>
       <p:ext uri="{BB962C8B-B14F-4D97-AF65-F5344CB8AC3E}">
-        <p14:creationId xmlns:p14="http://schemas.microsoft.com/office/powerpoint/2010/main" val="1191776298"/>
+        <p14:creationId xmlns:p14="http://schemas.microsoft.com/office/powerpoint/2010/main" val="1561140675"/>
       </p:ext>
     </p:extLst>
   </p:cSld>
@@ -4168,54 +4147,17 @@
           <a:bodyPr/>
           <a:lstStyle/>
           <a:p>
-            <a:pPr marL="457200" indent="-298450"/>
-            <a:r>
-              <a:rPr lang="en-US" altLang="zh-CN" dirty="0"/>
-              <a:t>Why this is useful?</a:t>
-            </a:r>
-          </a:p>
-          <a:p>
-            <a:pPr marL="457200" indent="-298450"/>
-            <a:r>
-              <a:rPr lang="en-US" altLang="zh-CN" dirty="0"/>
-              <a:t>One use case: there’s always a cost to make a system more robust!</a:t>
-            </a:r>
-          </a:p>
-          <a:p>
-            <a:pPr marL="457200" indent="-298450"/>
-            <a:r>
-              <a:rPr lang="en-US" altLang="zh-CN" dirty="0"/>
-              <a:t>In the coffee machine example,</a:t>
-            </a:r>
-          </a:p>
-          <a:p>
-            <a:pPr marL="457200" indent="-298450"/>
-            <a:r>
-              <a:rPr lang="en-US" altLang="zh-CN" dirty="0"/>
-              <a:t>what kind of human error we’d like to prevent?</a:t>
-            </a:r>
-            <a:r>
-              <a:rPr lang="zh-CN" altLang="en-US" dirty="0"/>
-              <a:t> </a:t>
-            </a:r>
-            <a:r>
-              <a:rPr lang="en-US" altLang="zh-CN" dirty="0"/>
-              <a:t>Forgetting to place the mug seems not a valuable error to invest on.</a:t>
-            </a:r>
-          </a:p>
-          <a:p>
-            <a:pPr marL="457200" indent="-298450"/>
-            <a:r>
-              <a:rPr lang="en-US" altLang="zh-CN" dirty="0"/>
-              <a:t>Is the design consistent with our intention? Do we address all the errors we’d like to deal with?</a:t>
-            </a:r>
+            <a:pPr marL="158750" indent="0">
+              <a:buNone/>
+            </a:pPr>
+            <a:endParaRPr lang="zh-CN" altLang="en-US" dirty="0"/>
           </a:p>
         </p:txBody>
       </p:sp>
     </p:spTree>
     <p:extLst>
       <p:ext uri="{BB962C8B-B14F-4D97-AF65-F5344CB8AC3E}">
-        <p14:creationId xmlns:p14="http://schemas.microsoft.com/office/powerpoint/2010/main" val="1883646462"/>
+        <p14:creationId xmlns:p14="http://schemas.microsoft.com/office/powerpoint/2010/main" val="1174819320"/>
       </p:ext>
     </p:extLst>
   </p:cSld>
@@ -4276,20 +4218,32 @@
           <a:p>
             <a:r>
               <a:rPr lang="en-US" altLang="zh-CN" dirty="0"/>
-              <a:t>EOFM is a human task model, it describes that to complete a task, what a human operator should do, when they should perform an action, and when the action is done.</a:t>
+              <a:t>In the coffee machine example, we developed an erroneous environment model and verified that it does not satisfy the property.</a:t>
             </a:r>
           </a:p>
           <a:p>
             <a:r>
               <a:rPr lang="en-US" altLang="zh-CN" dirty="0"/>
-              <a:t>A human activity or action is modeled as a state machine. 3 states: ready refers to the activity is waiting to execute, executing refers to the activity is executing, done refers to the activity is done.</a:t>
+              <a:t>However, this is just one case, it is often impossible to enumerate all the human behaviors.</a:t>
             </a:r>
           </a:p>
           <a:p>
             <a:r>
               <a:rPr lang="en-US" altLang="zh-CN" dirty="0"/>
-              <a:t>Lines refer to the transitions and labels on the lines refer to the condition to execute a transition.</a:t>
-            </a:r>
+              <a:t>Thus, we cannot tell what kind of errors the system can handle and what it cannot.</a:t>
+            </a:r>
+            <a:endParaRPr lang="zh-CN" altLang="en-US" dirty="0"/>
+          </a:p>
+          <a:p>
+            <a:pPr marL="158750" indent="0">
+              <a:buNone/>
+            </a:pPr>
+            <a:endParaRPr lang="zh-CN" altLang="en-US" dirty="0"/>
+          </a:p>
+          <a:p>
+            <a:pPr marL="158750" indent="0">
+              <a:buNone/>
+            </a:pPr>
             <a:endParaRPr lang="zh-CN" altLang="en-US" dirty="0"/>
           </a:p>
         </p:txBody>
@@ -4297,7 +4251,7 @@
     </p:spTree>
     <p:extLst>
       <p:ext uri="{BB962C8B-B14F-4D97-AF65-F5344CB8AC3E}">
-        <p14:creationId xmlns:p14="http://schemas.microsoft.com/office/powerpoint/2010/main" val="1789370288"/>
+        <p14:creationId xmlns:p14="http://schemas.microsoft.com/office/powerpoint/2010/main" val="963913028"/>
       </p:ext>
     </p:extLst>
   </p:cSld>
@@ -4356,22 +4310,9 @@
           <a:bodyPr/>
           <a:lstStyle/>
           <a:p>
-            <a:r>
-              <a:rPr lang="en-US" altLang="zh-CN" dirty="0"/>
-              <a:t>In event-based model, we are talking about after doing a, we should do b.</a:t>
-            </a:r>
-          </a:p>
-          <a:p>
-            <a:r>
-              <a:rPr lang="en-US" altLang="zh-CN" dirty="0"/>
-              <a:t>But in state-based model, we are talking about under what conditions we can do a or b.</a:t>
-            </a:r>
-          </a:p>
-          <a:p>
-            <a:r>
-              <a:rPr lang="en-US" altLang="zh-CN" dirty="0"/>
-              <a:t>They can be used to model the same system, but with different focus. Often, state-based model is more expressive, but we are constrained by the previous work on generating weakest assumption.</a:t>
-            </a:r>
+            <a:pPr marL="158750" indent="0">
+              <a:buNone/>
+            </a:pPr>
             <a:endParaRPr lang="zh-CN" altLang="en-US" dirty="0"/>
           </a:p>
         </p:txBody>
@@ -4379,7 +4320,249 @@
     </p:spTree>
     <p:extLst>
       <p:ext uri="{BB962C8B-B14F-4D97-AF65-F5344CB8AC3E}">
-        <p14:creationId xmlns:p14="http://schemas.microsoft.com/office/powerpoint/2010/main" val="3220188404"/>
+        <p14:creationId xmlns:p14="http://schemas.microsoft.com/office/powerpoint/2010/main" val="2882009939"/>
+      </p:ext>
+    </p:extLst>
+  </p:cSld>
+  <p:clrMapOvr>
+    <a:masterClrMapping/>
+  </p:clrMapOvr>
+</p:notes>
+</file>
+
+<file path=ppt/notesSlides/notesSlide17.xml><?xml version="1.0" encoding="utf-8"?>
+<p:notes xmlns:a="http://schemas.openxmlformats.org/drawingml/2006/main" xmlns:r="http://schemas.openxmlformats.org/officeDocument/2006/relationships" xmlns:p="http://schemas.openxmlformats.org/presentationml/2006/main">
+  <p:cSld>
+    <p:spTree>
+      <p:nvGrpSpPr>
+        <p:cNvPr id="1" name=""/>
+        <p:cNvGrpSpPr/>
+        <p:nvPr/>
+      </p:nvGrpSpPr>
+      <p:grpSpPr>
+        <a:xfrm>
+          <a:off x="0" y="0"/>
+          <a:ext cx="0" cy="0"/>
+          <a:chOff x="0" y="0"/>
+          <a:chExt cx="0" cy="0"/>
+        </a:xfrm>
+      </p:grpSpPr>
+      <p:sp>
+        <p:nvSpPr>
+          <p:cNvPr id="2" name="Slide Image Placeholder 1"/>
+          <p:cNvSpPr>
+            <a:spLocks noGrp="1" noRot="1" noChangeAspect="1"/>
+          </p:cNvSpPr>
+          <p:nvPr>
+            <p:ph type="sldImg"/>
+          </p:nvPr>
+        </p:nvSpPr>
+        <p:spPr>
+          <a:xfrm>
+            <a:off x="381000" y="685800"/>
+            <a:ext cx="6096000" cy="3429000"/>
+          </a:xfrm>
+        </p:spPr>
+      </p:sp>
+      <p:sp>
+        <p:nvSpPr>
+          <p:cNvPr id="3" name="Notes Placeholder 2"/>
+          <p:cNvSpPr>
+            <a:spLocks noGrp="1"/>
+          </p:cNvSpPr>
+          <p:nvPr>
+            <p:ph type="body" idx="1"/>
+          </p:nvPr>
+        </p:nvSpPr>
+        <p:spPr/>
+        <p:txBody>
+          <a:bodyPr/>
+          <a:lstStyle/>
+          <a:p>
+            <a:endParaRPr lang="en-US" dirty="0"/>
+          </a:p>
+        </p:txBody>
+      </p:sp>
+    </p:spTree>
+    <p:extLst>
+      <p:ext uri="{BB962C8B-B14F-4D97-AF65-F5344CB8AC3E}">
+        <p14:creationId xmlns:p14="http://schemas.microsoft.com/office/powerpoint/2010/main" val="1191776298"/>
+      </p:ext>
+    </p:extLst>
+  </p:cSld>
+  <p:clrMapOvr>
+    <a:masterClrMapping/>
+  </p:clrMapOvr>
+</p:notes>
+</file>
+
+<file path=ppt/notesSlides/notesSlide18.xml><?xml version="1.0" encoding="utf-8"?>
+<p:notes xmlns:a="http://schemas.openxmlformats.org/drawingml/2006/main" xmlns:r="http://schemas.openxmlformats.org/officeDocument/2006/relationships" xmlns:p="http://schemas.openxmlformats.org/presentationml/2006/main">
+  <p:cSld>
+    <p:spTree>
+      <p:nvGrpSpPr>
+        <p:cNvPr id="1" name=""/>
+        <p:cNvGrpSpPr/>
+        <p:nvPr/>
+      </p:nvGrpSpPr>
+      <p:grpSpPr>
+        <a:xfrm>
+          <a:off x="0" y="0"/>
+          <a:ext cx="0" cy="0"/>
+          <a:chOff x="0" y="0"/>
+          <a:chExt cx="0" cy="0"/>
+        </a:xfrm>
+      </p:grpSpPr>
+      <p:sp>
+        <p:nvSpPr>
+          <p:cNvPr id="2" name="Slide Image Placeholder 1"/>
+          <p:cNvSpPr>
+            <a:spLocks noGrp="1" noRot="1" noChangeAspect="1"/>
+          </p:cNvSpPr>
+          <p:nvPr>
+            <p:ph type="sldImg"/>
+          </p:nvPr>
+        </p:nvSpPr>
+        <p:spPr>
+          <a:xfrm>
+            <a:off x="381000" y="685800"/>
+            <a:ext cx="6096000" cy="3429000"/>
+          </a:xfrm>
+        </p:spPr>
+      </p:sp>
+      <p:sp>
+        <p:nvSpPr>
+          <p:cNvPr id="3" name="Notes Placeholder 2"/>
+          <p:cNvSpPr>
+            <a:spLocks noGrp="1"/>
+          </p:cNvSpPr>
+          <p:nvPr>
+            <p:ph type="body" idx="1"/>
+          </p:nvPr>
+        </p:nvSpPr>
+        <p:spPr/>
+        <p:txBody>
+          <a:bodyPr/>
+          <a:lstStyle/>
+          <a:p>
+            <a:r>
+              <a:rPr lang="en-US" altLang="zh-CN" dirty="0"/>
+              <a:t>The problem for the original version is that it is not aware of whether the mug is placed.</a:t>
+            </a:r>
+            <a:endParaRPr lang="zh-CN" altLang="en-US" dirty="0"/>
+          </a:p>
+        </p:txBody>
+      </p:sp>
+    </p:spTree>
+    <p:extLst>
+      <p:ext uri="{BB962C8B-B14F-4D97-AF65-F5344CB8AC3E}">
+        <p14:creationId xmlns:p14="http://schemas.microsoft.com/office/powerpoint/2010/main" val="1234941130"/>
+      </p:ext>
+    </p:extLst>
+  </p:cSld>
+  <p:clrMapOvr>
+    <a:masterClrMapping/>
+  </p:clrMapOvr>
+</p:notes>
+</file>
+
+<file path=ppt/notesSlides/notesSlide19.xml><?xml version="1.0" encoding="utf-8"?>
+<p:notes xmlns:a="http://schemas.openxmlformats.org/drawingml/2006/main" xmlns:r="http://schemas.openxmlformats.org/officeDocument/2006/relationships" xmlns:p="http://schemas.openxmlformats.org/presentationml/2006/main">
+  <p:cSld>
+    <p:spTree>
+      <p:nvGrpSpPr>
+        <p:cNvPr id="1" name=""/>
+        <p:cNvGrpSpPr/>
+        <p:nvPr/>
+      </p:nvGrpSpPr>
+      <p:grpSpPr>
+        <a:xfrm>
+          <a:off x="0" y="0"/>
+          <a:ext cx="0" cy="0"/>
+          <a:chOff x="0" y="0"/>
+          <a:chExt cx="0" cy="0"/>
+        </a:xfrm>
+      </p:grpSpPr>
+      <p:sp>
+        <p:nvSpPr>
+          <p:cNvPr id="2" name="Slide Image Placeholder 1"/>
+          <p:cNvSpPr>
+            <a:spLocks noGrp="1" noRot="1" noChangeAspect="1"/>
+          </p:cNvSpPr>
+          <p:nvPr>
+            <p:ph type="sldImg"/>
+          </p:nvPr>
+        </p:nvSpPr>
+        <p:spPr>
+          <a:xfrm>
+            <a:off x="381000" y="685800"/>
+            <a:ext cx="6096000" cy="3429000"/>
+          </a:xfrm>
+        </p:spPr>
+      </p:sp>
+      <p:sp>
+        <p:nvSpPr>
+          <p:cNvPr id="3" name="Notes Placeholder 2"/>
+          <p:cNvSpPr>
+            <a:spLocks noGrp="1"/>
+          </p:cNvSpPr>
+          <p:nvPr>
+            <p:ph type="body" idx="1"/>
+          </p:nvPr>
+        </p:nvSpPr>
+        <p:spPr/>
+        <p:txBody>
+          <a:bodyPr/>
+          <a:lstStyle/>
+          <a:p>
+            <a:pPr marL="457200" indent="-298450"/>
+            <a:r>
+              <a:rPr lang="en-US" altLang="zh-CN" dirty="0"/>
+              <a:t>Why this is useful?</a:t>
+            </a:r>
+          </a:p>
+          <a:p>
+            <a:pPr marL="457200" indent="-298450"/>
+            <a:r>
+              <a:rPr lang="en-US" altLang="zh-CN" dirty="0"/>
+              <a:t>One use case: there’s always a cost to make a system more robust!</a:t>
+            </a:r>
+          </a:p>
+          <a:p>
+            <a:pPr marL="457200" indent="-298450"/>
+            <a:r>
+              <a:rPr lang="en-US" altLang="zh-CN" dirty="0"/>
+              <a:t>In the coffee machine example,</a:t>
+            </a:r>
+          </a:p>
+          <a:p>
+            <a:pPr marL="457200" indent="-298450"/>
+            <a:r>
+              <a:rPr lang="en-US" altLang="zh-CN" dirty="0"/>
+              <a:t>what kind of human error we’d like to prevent?</a:t>
+            </a:r>
+            <a:r>
+              <a:rPr lang="zh-CN" altLang="en-US" dirty="0"/>
+              <a:t> </a:t>
+            </a:r>
+            <a:r>
+              <a:rPr lang="en-US" altLang="zh-CN" dirty="0"/>
+              <a:t>Forgetting to place the mug seems not a valuable error to invest on.</a:t>
+            </a:r>
+          </a:p>
+          <a:p>
+            <a:pPr marL="457200" indent="-298450"/>
+            <a:r>
+              <a:rPr lang="en-US" altLang="zh-CN" dirty="0"/>
+              <a:t>Is the design consistent with our intention? Do we address all the errors we’d like to deal with?</a:t>
+            </a:r>
+          </a:p>
+        </p:txBody>
+      </p:sp>
+    </p:spTree>
+    <p:extLst>
+      <p:ext uri="{BB962C8B-B14F-4D97-AF65-F5344CB8AC3E}">
+        <p14:creationId xmlns:p14="http://schemas.microsoft.com/office/powerpoint/2010/main" val="1883646462"/>
       </p:ext>
     </p:extLst>
   </p:cSld>
@@ -4456,6 +4639,170 @@
     <p:extLst>
       <p:ext uri="{BB962C8B-B14F-4D97-AF65-F5344CB8AC3E}">
         <p14:creationId xmlns:p14="http://schemas.microsoft.com/office/powerpoint/2010/main" val="319380730"/>
+      </p:ext>
+    </p:extLst>
+  </p:cSld>
+  <p:clrMapOvr>
+    <a:masterClrMapping/>
+  </p:clrMapOvr>
+</p:notes>
+</file>
+
+<file path=ppt/notesSlides/notesSlide20.xml><?xml version="1.0" encoding="utf-8"?>
+<p:notes xmlns:a="http://schemas.openxmlformats.org/drawingml/2006/main" xmlns:r="http://schemas.openxmlformats.org/officeDocument/2006/relationships" xmlns:p="http://schemas.openxmlformats.org/presentationml/2006/main">
+  <p:cSld>
+    <p:spTree>
+      <p:nvGrpSpPr>
+        <p:cNvPr id="1" name=""/>
+        <p:cNvGrpSpPr/>
+        <p:nvPr/>
+      </p:nvGrpSpPr>
+      <p:grpSpPr>
+        <a:xfrm>
+          <a:off x="0" y="0"/>
+          <a:ext cx="0" cy="0"/>
+          <a:chOff x="0" y="0"/>
+          <a:chExt cx="0" cy="0"/>
+        </a:xfrm>
+      </p:grpSpPr>
+      <p:sp>
+        <p:nvSpPr>
+          <p:cNvPr id="2" name="Slide Image Placeholder 1"/>
+          <p:cNvSpPr>
+            <a:spLocks noGrp="1" noRot="1" noChangeAspect="1"/>
+          </p:cNvSpPr>
+          <p:nvPr>
+            <p:ph type="sldImg"/>
+          </p:nvPr>
+        </p:nvSpPr>
+        <p:spPr>
+          <a:xfrm>
+            <a:off x="381000" y="685800"/>
+            <a:ext cx="6096000" cy="3429000"/>
+          </a:xfrm>
+        </p:spPr>
+      </p:sp>
+      <p:sp>
+        <p:nvSpPr>
+          <p:cNvPr id="3" name="Notes Placeholder 2"/>
+          <p:cNvSpPr>
+            <a:spLocks noGrp="1"/>
+          </p:cNvSpPr>
+          <p:nvPr>
+            <p:ph type="body" idx="1"/>
+          </p:nvPr>
+        </p:nvSpPr>
+        <p:spPr/>
+        <p:txBody>
+          <a:bodyPr/>
+          <a:lstStyle/>
+          <a:p>
+            <a:r>
+              <a:rPr lang="en-US" altLang="zh-CN" dirty="0"/>
+              <a:t>EOFM is a human task model, it describes that to complete a task, what a human operator should do, when they should perform an action, and when the action is done.</a:t>
+            </a:r>
+          </a:p>
+          <a:p>
+            <a:r>
+              <a:rPr lang="en-US" altLang="zh-CN" dirty="0"/>
+              <a:t>A human activity or action is modeled as a state machine. 3 states: ready refers to the activity is waiting to execute, executing refers to the activity is executing, done refers to the activity is done.</a:t>
+            </a:r>
+          </a:p>
+          <a:p>
+            <a:r>
+              <a:rPr lang="en-US" altLang="zh-CN" dirty="0"/>
+              <a:t>Lines refer to the transitions and labels on the lines refer to the condition to execute a transition.</a:t>
+            </a:r>
+            <a:endParaRPr lang="zh-CN" altLang="en-US" dirty="0"/>
+          </a:p>
+        </p:txBody>
+      </p:sp>
+    </p:spTree>
+    <p:extLst>
+      <p:ext uri="{BB962C8B-B14F-4D97-AF65-F5344CB8AC3E}">
+        <p14:creationId xmlns:p14="http://schemas.microsoft.com/office/powerpoint/2010/main" val="1789370288"/>
+      </p:ext>
+    </p:extLst>
+  </p:cSld>
+  <p:clrMapOvr>
+    <a:masterClrMapping/>
+  </p:clrMapOvr>
+</p:notes>
+</file>
+
+<file path=ppt/notesSlides/notesSlide21.xml><?xml version="1.0" encoding="utf-8"?>
+<p:notes xmlns:a="http://schemas.openxmlformats.org/drawingml/2006/main" xmlns:r="http://schemas.openxmlformats.org/officeDocument/2006/relationships" xmlns:p="http://schemas.openxmlformats.org/presentationml/2006/main">
+  <p:cSld>
+    <p:spTree>
+      <p:nvGrpSpPr>
+        <p:cNvPr id="1" name=""/>
+        <p:cNvGrpSpPr/>
+        <p:nvPr/>
+      </p:nvGrpSpPr>
+      <p:grpSpPr>
+        <a:xfrm>
+          <a:off x="0" y="0"/>
+          <a:ext cx="0" cy="0"/>
+          <a:chOff x="0" y="0"/>
+          <a:chExt cx="0" cy="0"/>
+        </a:xfrm>
+      </p:grpSpPr>
+      <p:sp>
+        <p:nvSpPr>
+          <p:cNvPr id="2" name="Slide Image Placeholder 1"/>
+          <p:cNvSpPr>
+            <a:spLocks noGrp="1" noRot="1" noChangeAspect="1"/>
+          </p:cNvSpPr>
+          <p:nvPr>
+            <p:ph type="sldImg"/>
+          </p:nvPr>
+        </p:nvSpPr>
+        <p:spPr>
+          <a:xfrm>
+            <a:off x="381000" y="685800"/>
+            <a:ext cx="6096000" cy="3429000"/>
+          </a:xfrm>
+        </p:spPr>
+      </p:sp>
+      <p:sp>
+        <p:nvSpPr>
+          <p:cNvPr id="3" name="Notes Placeholder 2"/>
+          <p:cNvSpPr>
+            <a:spLocks noGrp="1"/>
+          </p:cNvSpPr>
+          <p:nvPr>
+            <p:ph type="body" idx="1"/>
+          </p:nvPr>
+        </p:nvSpPr>
+        <p:spPr/>
+        <p:txBody>
+          <a:bodyPr/>
+          <a:lstStyle/>
+          <a:p>
+            <a:r>
+              <a:rPr lang="en-US" altLang="zh-CN" dirty="0"/>
+              <a:t>In event-based model, we are talking about after doing a, we should do b.</a:t>
+            </a:r>
+          </a:p>
+          <a:p>
+            <a:r>
+              <a:rPr lang="en-US" altLang="zh-CN" dirty="0"/>
+              <a:t>But in state-based model, we are talking about under what conditions we can do a or b.</a:t>
+            </a:r>
+          </a:p>
+          <a:p>
+            <a:r>
+              <a:rPr lang="en-US" altLang="zh-CN" dirty="0"/>
+              <a:t>They can be used to model the same system, but with different focus. Often, state-based model is more expressive, but we are constrained by the previous work on generating weakest assumption.</a:t>
+            </a:r>
+            <a:endParaRPr lang="zh-CN" altLang="en-US" dirty="0"/>
+          </a:p>
+        </p:txBody>
+      </p:sp>
+    </p:spTree>
+    <p:extLst>
+      <p:ext uri="{BB962C8B-B14F-4D97-AF65-F5344CB8AC3E}">
+        <p14:creationId xmlns:p14="http://schemas.microsoft.com/office/powerpoint/2010/main" val="3220188404"/>
       </p:ext>
     </p:extLst>
   </p:cSld>
@@ -4869,12 +5216,7 @@
             <p:ph type="sldImg"/>
           </p:nvPr>
         </p:nvSpPr>
-        <p:spPr>
-          <a:xfrm>
-            <a:off x="381000" y="685800"/>
-            <a:ext cx="6096000" cy="3429000"/>
-          </a:xfrm>
-        </p:spPr>
+        <p:spPr/>
       </p:sp>
       <p:sp>
         <p:nvSpPr>
@@ -4903,12 +5245,15 @@
             </a:r>
             <a:endParaRPr lang="zh-CN" altLang="en-US" dirty="0"/>
           </a:p>
+          <a:p>
+            <a:endParaRPr lang="zh-CN" altLang="en-US" dirty="0"/>
+          </a:p>
         </p:txBody>
       </p:sp>
     </p:spTree>
     <p:extLst>
       <p:ext uri="{BB962C8B-B14F-4D97-AF65-F5344CB8AC3E}">
-        <p14:creationId xmlns:p14="http://schemas.microsoft.com/office/powerpoint/2010/main" val="3651031619"/>
+        <p14:creationId xmlns:p14="http://schemas.microsoft.com/office/powerpoint/2010/main" val="3648284964"/>
       </p:ext>
     </p:extLst>
   </p:cSld>
@@ -4967,14 +5312,35 @@
           <a:bodyPr/>
           <a:lstStyle/>
           <a:p>
-            <a:endParaRPr lang="zh-CN" altLang="en-US" dirty="0"/>
+            <a:r>
+              <a:rPr lang="en-US" altLang="zh-CN" dirty="0"/>
+              <a:t>The cost is too high when we find design defects in testing phase</a:t>
+            </a:r>
+          </a:p>
+          <a:p>
+            <a:r>
+              <a:rPr lang="en-US" altLang="zh-CN" dirty="0"/>
+              <a:t>Also, for a system like a medical device, a defect may cause sever consequences.</a:t>
+            </a:r>
+          </a:p>
+          <a:p>
+            <a:r>
+              <a:rPr lang="en-US" altLang="zh-CN" dirty="0"/>
+              <a:t>We can analyze many quality attributes of a system design, like performance, availability.</a:t>
+            </a:r>
+          </a:p>
+          <a:p>
+            <a:r>
+              <a:rPr lang="en-US" altLang="zh-CN" dirty="0"/>
+              <a:t>We also like to do it for robustness!</a:t>
+            </a:r>
           </a:p>
         </p:txBody>
       </p:sp>
     </p:spTree>
     <p:extLst>
       <p:ext uri="{BB962C8B-B14F-4D97-AF65-F5344CB8AC3E}">
-        <p14:creationId xmlns:p14="http://schemas.microsoft.com/office/powerpoint/2010/main" val="3132018796"/>
+        <p14:creationId xmlns:p14="http://schemas.microsoft.com/office/powerpoint/2010/main" val="734156448"/>
       </p:ext>
     </p:extLst>
   </p:cSld>
@@ -5033,6 +5399,10 @@
           <a:bodyPr/>
           <a:lstStyle/>
           <a:p>
+            <a:r>
+              <a:rPr lang="en-US" altLang="zh-CN" dirty="0"/>
+              <a:t>Basically, an LTS describes a state machine</a:t>
+            </a:r>
             <a:endParaRPr lang="zh-CN" altLang="en-US" dirty="0"/>
           </a:p>
         </p:txBody>
@@ -5040,7 +5410,7 @@
     </p:spTree>
     <p:extLst>
       <p:ext uri="{BB962C8B-B14F-4D97-AF65-F5344CB8AC3E}">
-        <p14:creationId xmlns:p14="http://schemas.microsoft.com/office/powerpoint/2010/main" val="3270550227"/>
+        <p14:creationId xmlns:p14="http://schemas.microsoft.com/office/powerpoint/2010/main" val="1547276267"/>
       </p:ext>
     </p:extLst>
   </p:cSld>
@@ -5099,6 +5469,10 @@
           <a:bodyPr/>
           <a:lstStyle/>
           <a:p>
+            <a:r>
+              <a:rPr lang="en-US" altLang="zh-CN" dirty="0"/>
+              <a:t>Later, I’ll use an example to show how this can happen</a:t>
+            </a:r>
             <a:endParaRPr lang="zh-CN" altLang="en-US" dirty="0"/>
           </a:p>
         </p:txBody>
@@ -5106,7 +5480,7 @@
     </p:spTree>
     <p:extLst>
       <p:ext uri="{BB962C8B-B14F-4D97-AF65-F5344CB8AC3E}">
-        <p14:creationId xmlns:p14="http://schemas.microsoft.com/office/powerpoint/2010/main" val="1561140675"/>
+        <p14:creationId xmlns:p14="http://schemas.microsoft.com/office/powerpoint/2010/main" val="3832254359"/>
       </p:ext>
     </p:extLst>
   </p:cSld>
@@ -10967,7 +11341,7 @@
           <p:nvPr/>
         </p:nvPicPr>
         <p:blipFill>
-          <a:blip r:embed="rId2"/>
+          <a:blip r:embed="rId3"/>
           <a:stretch>
             <a:fillRect/>
           </a:stretch>
@@ -10997,7 +11371,7 @@
           <p:nvPr/>
         </p:nvPicPr>
         <p:blipFill>
-          <a:blip r:embed="rId3"/>
+          <a:blip r:embed="rId4"/>
           <a:stretch>
             <a:fillRect/>
           </a:stretch>
@@ -11021,7 +11395,7 @@
           <p:nvPr/>
         </p:nvPicPr>
         <p:blipFill rotWithShape="1">
-          <a:blip r:embed="rId4">
+          <a:blip r:embed="rId5">
             <a:extLst>
               <a:ext uri="{28A0092B-C50C-407E-A947-70E740481C1C}">
                 <a14:useLocalDpi xmlns:a14="http://schemas.microsoft.com/office/drawing/2010/main" val="0"/>
@@ -11787,7 +12161,7 @@
           <a:p>
             <a:r>
               <a:rPr lang="en-US" altLang="zh-CN" dirty="0"/>
-              <a:t>Safety Property</a:t>
+              <a:t>Behavior Model</a:t>
             </a:r>
             <a:endParaRPr lang="zh-CN" altLang="en-US" dirty="0"/>
           </a:p>
@@ -11819,25 +12193,31 @@
           <a:bodyPr/>
           <a:lstStyle/>
           <a:p>
+            <a:pPr marL="114300" indent="0">
+              <a:buNone/>
+            </a:pPr>
             <a:r>
               <a:rPr lang="en-US" altLang="zh-CN" dirty="0"/>
-              <a:t>A </a:t>
+              <a:t>Use </a:t>
             </a:r>
             <a:r>
               <a:rPr lang="en-US" altLang="zh-CN" i="1" dirty="0"/>
-              <a:t>safety property </a:t>
+              <a:t>Labelled transition system </a:t>
             </a:r>
             <a:r>
               <a:rPr lang="en-US" altLang="zh-CN" dirty="0"/>
-              <a:t>is an LTS which describes the acceptable behavior of the system.</a:t>
-            </a:r>
-          </a:p>
-          <a:p>
-            <a:r>
-              <a:rPr lang="en-US" altLang="zh-CN" dirty="0"/>
-              <a:t>E.g., brewing only when the mug is placed.</a:t>
-            </a:r>
-            <a:endParaRPr lang="zh-CN" altLang="en-US" dirty="0"/>
+              <a:t>(</a:t>
+            </a:r>
+            <a:r>
+              <a:rPr lang="en-US" altLang="zh-CN" i="1" dirty="0"/>
+              <a:t>LTS)</a:t>
+            </a:r>
+          </a:p>
+          <a:p>
+            <a:pPr marL="114300" indent="0">
+              <a:buNone/>
+            </a:pPr>
+            <a:endParaRPr lang="zh-CN" altLang="en-US" i="1" dirty="0"/>
           </a:p>
         </p:txBody>
       </p:sp>
@@ -11874,469 +12254,6 @@
             <a:fld id="{00000000-1234-1234-1234-123412341234}" type="slidenum">
               <a:rPr lang="en" smtClean="0"/>
               <a:t>15</a:t>
-            </a:fld>
-            <a:endParaRPr lang="en"/>
-          </a:p>
-        </p:txBody>
-      </p:sp>
-      <p:pic>
-        <p:nvPicPr>
-          <p:cNvPr id="5" name="Picture 4">
-            <a:extLst>
-              <a:ext uri="{FF2B5EF4-FFF2-40B4-BE49-F238E27FC236}">
-                <a16:creationId xmlns:a16="http://schemas.microsoft.com/office/drawing/2014/main" id="{43ED8FA7-69F4-4A6B-A91F-2C9CBC9EE6F0}"/>
-              </a:ext>
-            </a:extLst>
-          </p:cNvPr>
-          <p:cNvPicPr>
-            <a:picLocks noChangeAspect="1"/>
-          </p:cNvPicPr>
-          <p:nvPr/>
-        </p:nvPicPr>
-        <p:blipFill>
-          <a:blip r:embed="rId2"/>
-          <a:stretch>
-            <a:fillRect/>
-          </a:stretch>
-        </p:blipFill>
-        <p:spPr>
-          <a:xfrm>
-            <a:off x="3683704" y="2340104"/>
-            <a:ext cx="4236295" cy="1984571"/>
-          </a:xfrm>
-          <a:prstGeom prst="rect">
-            <a:avLst/>
-          </a:prstGeom>
-        </p:spPr>
-      </p:pic>
-      <p:pic>
-        <p:nvPicPr>
-          <p:cNvPr id="6" name="Picture 5"/>
-          <p:cNvPicPr>
-            <a:picLocks noChangeAspect="1"/>
-          </p:cNvPicPr>
-          <p:nvPr/>
-        </p:nvPicPr>
-        <p:blipFill rotWithShape="1">
-          <a:blip r:embed="rId3">
-            <a:extLst>
-              <a:ext uri="{28A0092B-C50C-407E-A947-70E740481C1C}">
-                <a14:useLocalDpi xmlns:a14="http://schemas.microsoft.com/office/drawing/2010/main" val="0"/>
-              </a:ext>
-            </a:extLst>
-          </a:blip>
-          <a:srcRect t="8336"/>
-          <a:stretch/>
-        </p:blipFill>
-        <p:spPr>
-          <a:xfrm>
-            <a:off x="311700" y="1152475"/>
-            <a:ext cx="1786404" cy="3467519"/>
-          </a:xfrm>
-          <a:prstGeom prst="rect">
-            <a:avLst/>
-          </a:prstGeom>
-        </p:spPr>
-      </p:pic>
-    </p:spTree>
-    <p:extLst>
-      <p:ext uri="{BB962C8B-B14F-4D97-AF65-F5344CB8AC3E}">
-        <p14:creationId xmlns:p14="http://schemas.microsoft.com/office/powerpoint/2010/main" val="1162201653"/>
-      </p:ext>
-    </p:extLst>
-  </p:cSld>
-  <p:clrMapOvr>
-    <a:masterClrMapping/>
-  </p:clrMapOvr>
-</p:sld>
-</file>
-
-<file path=ppt/slides/slide16.xml><?xml version="1.0" encoding="utf-8"?>
-<p:sld xmlns:a="http://schemas.openxmlformats.org/drawingml/2006/main" xmlns:r="http://schemas.openxmlformats.org/officeDocument/2006/relationships" xmlns:p="http://schemas.openxmlformats.org/presentationml/2006/main">
-  <p:cSld>
-    <p:spTree>
-      <p:nvGrpSpPr>
-        <p:cNvPr id="1" name=""/>
-        <p:cNvGrpSpPr/>
-        <p:nvPr/>
-      </p:nvGrpSpPr>
-      <p:grpSpPr>
-        <a:xfrm>
-          <a:off x="0" y="0"/>
-          <a:ext cx="0" cy="0"/>
-          <a:chOff x="0" y="0"/>
-          <a:chExt cx="0" cy="0"/>
-        </a:xfrm>
-      </p:grpSpPr>
-      <p:sp>
-        <p:nvSpPr>
-          <p:cNvPr id="2" name="Title 1">
-            <a:extLst>
-              <a:ext uri="{FF2B5EF4-FFF2-40B4-BE49-F238E27FC236}">
-                <a16:creationId xmlns:a16="http://schemas.microsoft.com/office/drawing/2014/main" id="{3900A79F-FBBB-4C89-AA5E-EDAC1DFC5C34}"/>
-              </a:ext>
-            </a:extLst>
-          </p:cNvPr>
-          <p:cNvSpPr>
-            <a:spLocks noGrp="1"/>
-          </p:cNvSpPr>
-          <p:nvPr>
-            <p:ph type="title"/>
-          </p:nvPr>
-        </p:nvSpPr>
-        <p:spPr/>
-        <p:txBody>
-          <a:bodyPr/>
-          <a:lstStyle/>
-          <a:p>
-            <a:r>
-              <a:rPr lang="en-US" altLang="zh-CN" dirty="0"/>
-              <a:t>Safety Property</a:t>
-            </a:r>
-            <a:endParaRPr lang="zh-CN" altLang="en-US" dirty="0"/>
-          </a:p>
-        </p:txBody>
-      </p:sp>
-      <p:sp>
-        <p:nvSpPr>
-          <p:cNvPr id="3" name="Text Placeholder 2">
-            <a:extLst>
-              <a:ext uri="{FF2B5EF4-FFF2-40B4-BE49-F238E27FC236}">
-                <a16:creationId xmlns:a16="http://schemas.microsoft.com/office/drawing/2014/main" id="{BAB6C8AD-3325-4163-B34C-0A4615F979BF}"/>
-              </a:ext>
-            </a:extLst>
-          </p:cNvPr>
-          <p:cNvSpPr>
-            <a:spLocks noGrp="1"/>
-          </p:cNvSpPr>
-          <p:nvPr>
-            <p:ph type="body" idx="1"/>
-          </p:nvPr>
-        </p:nvSpPr>
-        <p:spPr>
-          <a:xfrm>
-            <a:off x="2764800" y="1152475"/>
-            <a:ext cx="6067500" cy="3172200"/>
-          </a:xfrm>
-        </p:spPr>
-        <p:txBody>
-          <a:bodyPr/>
-          <a:lstStyle/>
-          <a:p>
-            <a:r>
-              <a:rPr lang="en-US" altLang="zh-CN" dirty="0"/>
-              <a:t>A </a:t>
-            </a:r>
-            <a:r>
-              <a:rPr lang="en-US" altLang="zh-CN" i="1" dirty="0"/>
-              <a:t>safety property </a:t>
-            </a:r>
-            <a:r>
-              <a:rPr lang="en-US" altLang="zh-CN" dirty="0"/>
-              <a:t>is an LTS which describes the acceptable behavior of the system.</a:t>
-            </a:r>
-          </a:p>
-          <a:p>
-            <a:r>
-              <a:rPr lang="en-US" altLang="zh-CN" dirty="0"/>
-              <a:t>E.g., brewing only when the mug is placed.</a:t>
-            </a:r>
-            <a:endParaRPr lang="zh-CN" altLang="en-US" dirty="0"/>
-          </a:p>
-        </p:txBody>
-      </p:sp>
-      <p:sp>
-        <p:nvSpPr>
-          <p:cNvPr id="4" name="Slide Number Placeholder 3">
-            <a:extLst>
-              <a:ext uri="{FF2B5EF4-FFF2-40B4-BE49-F238E27FC236}">
-                <a16:creationId xmlns:a16="http://schemas.microsoft.com/office/drawing/2014/main" id="{CEDE00B7-B535-4506-887D-E5A02F82B121}"/>
-              </a:ext>
-            </a:extLst>
-          </p:cNvPr>
-          <p:cNvSpPr>
-            <a:spLocks noGrp="1"/>
-          </p:cNvSpPr>
-          <p:nvPr>
-            <p:ph type="sldNum" idx="12"/>
-          </p:nvPr>
-        </p:nvSpPr>
-        <p:spPr/>
-        <p:txBody>
-          <a:bodyPr/>
-          <a:lstStyle/>
-          <a:p>
-            <a:pPr marL="0" lvl="0" indent="0" algn="r" rtl="0">
-              <a:spcBef>
-                <a:spcPts val="0"/>
-              </a:spcBef>
-              <a:spcAft>
-                <a:spcPts val="0"/>
-              </a:spcAft>
-              <a:buNone/>
-            </a:pPr>
-            <a:fld id="{00000000-1234-1234-1234-123412341234}" type="slidenum">
-              <a:rPr lang="en" smtClean="0"/>
-              <a:t>16</a:t>
-            </a:fld>
-            <a:endParaRPr lang="en"/>
-          </a:p>
-        </p:txBody>
-      </p:sp>
-      <p:pic>
-        <p:nvPicPr>
-          <p:cNvPr id="5" name="Picture 4">
-            <a:extLst>
-              <a:ext uri="{FF2B5EF4-FFF2-40B4-BE49-F238E27FC236}">
-                <a16:creationId xmlns:a16="http://schemas.microsoft.com/office/drawing/2014/main" id="{43ED8FA7-69F4-4A6B-A91F-2C9CBC9EE6F0}"/>
-              </a:ext>
-            </a:extLst>
-          </p:cNvPr>
-          <p:cNvPicPr>
-            <a:picLocks noChangeAspect="1"/>
-          </p:cNvPicPr>
-          <p:nvPr/>
-        </p:nvPicPr>
-        <p:blipFill>
-          <a:blip r:embed="rId2"/>
-          <a:stretch>
-            <a:fillRect/>
-          </a:stretch>
-        </p:blipFill>
-        <p:spPr>
-          <a:xfrm>
-            <a:off x="3683704" y="2340104"/>
-            <a:ext cx="4236295" cy="1984571"/>
-          </a:xfrm>
-          <a:prstGeom prst="rect">
-            <a:avLst/>
-          </a:prstGeom>
-        </p:spPr>
-      </p:pic>
-      <p:sp>
-        <p:nvSpPr>
-          <p:cNvPr id="7" name="Speech Bubble: Oval 6">
-            <a:extLst>
-              <a:ext uri="{FF2B5EF4-FFF2-40B4-BE49-F238E27FC236}">
-                <a16:creationId xmlns:a16="http://schemas.microsoft.com/office/drawing/2014/main" id="{AD0AB162-367D-4F87-8AC4-4206A1E610A0}"/>
-              </a:ext>
-            </a:extLst>
-          </p:cNvPr>
-          <p:cNvSpPr/>
-          <p:nvPr/>
-        </p:nvSpPr>
-        <p:spPr>
-          <a:xfrm>
-            <a:off x="4694400" y="2571750"/>
-            <a:ext cx="4046400" cy="1317600"/>
-          </a:xfrm>
-          <a:prstGeom prst="wedgeEllipseCallout">
-            <a:avLst>
-              <a:gd name="adj1" fmla="val -64661"/>
-              <a:gd name="adj2" fmla="val -26389"/>
-            </a:avLst>
-          </a:prstGeom>
-        </p:spPr>
-        <p:style>
-          <a:lnRef idx="3">
-            <a:schemeClr val="lt1"/>
-          </a:lnRef>
-          <a:fillRef idx="1">
-            <a:schemeClr val="accent3"/>
-          </a:fillRef>
-          <a:effectRef idx="1">
-            <a:schemeClr val="accent3"/>
-          </a:effectRef>
-          <a:fontRef idx="minor">
-            <a:schemeClr val="lt1"/>
-          </a:fontRef>
-        </p:style>
-        <p:txBody>
-          <a:bodyPr rtlCol="0" anchor="ctr"/>
-          <a:lstStyle/>
-          <a:p>
-            <a:pPr marL="285750" indent="-285750">
-              <a:buFont typeface="Arial" panose="020B0604020202020204" pitchFamily="34" charset="0"/>
-              <a:buChar char="•"/>
-            </a:pPr>
-            <a:r>
-              <a:rPr lang="en-US" altLang="zh-CN" sz="1600" dirty="0"/>
-              <a:t>-1 indicates the error state.</a:t>
-            </a:r>
-          </a:p>
-          <a:p>
-            <a:pPr marL="285750" indent="-285750">
-              <a:buFont typeface="Arial" panose="020B0604020202020204" pitchFamily="34" charset="0"/>
-              <a:buChar char="•"/>
-            </a:pPr>
-            <a:r>
-              <a:rPr lang="en-US" altLang="zh-CN" sz="1600" dirty="0"/>
-              <a:t>The system should not reach the error state.</a:t>
-            </a:r>
-            <a:endParaRPr lang="zh-CN" altLang="en-US" sz="1600" dirty="0"/>
-          </a:p>
-        </p:txBody>
-      </p:sp>
-      <p:pic>
-        <p:nvPicPr>
-          <p:cNvPr id="6" name="Picture 5"/>
-          <p:cNvPicPr>
-            <a:picLocks noChangeAspect="1"/>
-          </p:cNvPicPr>
-          <p:nvPr/>
-        </p:nvPicPr>
-        <p:blipFill rotWithShape="1">
-          <a:blip r:embed="rId3">
-            <a:extLst>
-              <a:ext uri="{28A0092B-C50C-407E-A947-70E740481C1C}">
-                <a14:useLocalDpi xmlns:a14="http://schemas.microsoft.com/office/drawing/2010/main" val="0"/>
-              </a:ext>
-            </a:extLst>
-          </a:blip>
-          <a:srcRect l="7315" t="30433" b="9604"/>
-          <a:stretch/>
-        </p:blipFill>
-        <p:spPr>
-          <a:xfrm>
-            <a:off x="311700" y="1152475"/>
-            <a:ext cx="2531104" cy="3467518"/>
-          </a:xfrm>
-          <a:prstGeom prst="rect">
-            <a:avLst/>
-          </a:prstGeom>
-        </p:spPr>
-      </p:pic>
-    </p:spTree>
-    <p:extLst>
-      <p:ext uri="{BB962C8B-B14F-4D97-AF65-F5344CB8AC3E}">
-        <p14:creationId xmlns:p14="http://schemas.microsoft.com/office/powerpoint/2010/main" val="2507134075"/>
-      </p:ext>
-    </p:extLst>
-  </p:cSld>
-  <p:clrMapOvr>
-    <a:masterClrMapping/>
-  </p:clrMapOvr>
-</p:sld>
-</file>
-
-<file path=ppt/slides/slide17.xml><?xml version="1.0" encoding="utf-8"?>
-<p:sld xmlns:a="http://schemas.openxmlformats.org/drawingml/2006/main" xmlns:r="http://schemas.openxmlformats.org/officeDocument/2006/relationships" xmlns:p="http://schemas.openxmlformats.org/presentationml/2006/main">
-  <p:cSld>
-    <p:spTree>
-      <p:nvGrpSpPr>
-        <p:cNvPr id="1" name=""/>
-        <p:cNvGrpSpPr/>
-        <p:nvPr/>
-      </p:nvGrpSpPr>
-      <p:grpSpPr>
-        <a:xfrm>
-          <a:off x="0" y="0"/>
-          <a:ext cx="0" cy="0"/>
-          <a:chOff x="0" y="0"/>
-          <a:chExt cx="0" cy="0"/>
-        </a:xfrm>
-      </p:grpSpPr>
-      <p:sp>
-        <p:nvSpPr>
-          <p:cNvPr id="2" name="Title 1">
-            <a:extLst>
-              <a:ext uri="{FF2B5EF4-FFF2-40B4-BE49-F238E27FC236}">
-                <a16:creationId xmlns:a16="http://schemas.microsoft.com/office/drawing/2014/main" id="{3900A79F-FBBB-4C89-AA5E-EDAC1DFC5C34}"/>
-              </a:ext>
-            </a:extLst>
-          </p:cNvPr>
-          <p:cNvSpPr>
-            <a:spLocks noGrp="1"/>
-          </p:cNvSpPr>
-          <p:nvPr>
-            <p:ph type="title"/>
-          </p:nvPr>
-        </p:nvSpPr>
-        <p:spPr/>
-        <p:txBody>
-          <a:bodyPr/>
-          <a:lstStyle/>
-          <a:p>
-            <a:r>
-              <a:rPr lang="en-US" altLang="zh-CN" dirty="0"/>
-              <a:t>Safety Property Satisfied!</a:t>
-            </a:r>
-            <a:endParaRPr lang="zh-CN" altLang="en-US" dirty="0"/>
-          </a:p>
-        </p:txBody>
-      </p:sp>
-      <p:sp>
-        <p:nvSpPr>
-          <p:cNvPr id="3" name="Text Placeholder 2">
-            <a:extLst>
-              <a:ext uri="{FF2B5EF4-FFF2-40B4-BE49-F238E27FC236}">
-                <a16:creationId xmlns:a16="http://schemas.microsoft.com/office/drawing/2014/main" id="{BAB6C8AD-3325-4163-B34C-0A4615F979BF}"/>
-              </a:ext>
-            </a:extLst>
-          </p:cNvPr>
-          <p:cNvSpPr>
-            <a:spLocks noGrp="1"/>
-          </p:cNvSpPr>
-          <p:nvPr>
-            <p:ph type="body" idx="1"/>
-          </p:nvPr>
-        </p:nvSpPr>
-        <p:spPr>
-          <a:xfrm>
-            <a:off x="2764800" y="1152475"/>
-            <a:ext cx="6067500" cy="3172200"/>
-          </a:xfrm>
-        </p:spPr>
-        <p:txBody>
-          <a:bodyPr/>
-          <a:lstStyle/>
-          <a:p>
-            <a:r>
-              <a:rPr lang="en-US" altLang="zh-CN" dirty="0"/>
-              <a:t>The property is satisfied by model checking.</a:t>
-            </a:r>
-          </a:p>
-          <a:p>
-            <a:pPr marL="114300" indent="0">
-              <a:buNone/>
-            </a:pPr>
-            <a:endParaRPr lang="zh-CN" altLang="en-US" i="1" dirty="0"/>
-          </a:p>
-        </p:txBody>
-      </p:sp>
-      <p:sp>
-        <p:nvSpPr>
-          <p:cNvPr id="4" name="Slide Number Placeholder 3">
-            <a:extLst>
-              <a:ext uri="{FF2B5EF4-FFF2-40B4-BE49-F238E27FC236}">
-                <a16:creationId xmlns:a16="http://schemas.microsoft.com/office/drawing/2014/main" id="{CEDE00B7-B535-4506-887D-E5A02F82B121}"/>
-              </a:ext>
-            </a:extLst>
-          </p:cNvPr>
-          <p:cNvSpPr>
-            <a:spLocks noGrp="1"/>
-          </p:cNvSpPr>
-          <p:nvPr>
-            <p:ph type="sldNum" idx="12"/>
-          </p:nvPr>
-        </p:nvSpPr>
-        <p:spPr/>
-        <p:txBody>
-          <a:bodyPr/>
-          <a:lstStyle/>
-          <a:p>
-            <a:pPr marL="0" lvl="0" indent="0" algn="r" rtl="0">
-              <a:spcBef>
-                <a:spcPts val="0"/>
-              </a:spcBef>
-              <a:spcAft>
-                <a:spcPts val="0"/>
-              </a:spcAft>
-              <a:buNone/>
-            </a:pPr>
-            <a:fld id="{00000000-1234-1234-1234-123412341234}" type="slidenum">
-              <a:rPr lang="en" smtClean="0"/>
-              <a:t>17</a:t>
             </a:fld>
             <a:endParaRPr lang="en"/>
           </a:p>
@@ -12404,7 +12321,517 @@
       </p:pic>
       <p:pic>
         <p:nvPicPr>
-          <p:cNvPr id="6" name="Picture 5"/>
+          <p:cNvPr id="9" name="Picture 8">
+            <a:extLst>
+              <a:ext uri="{FF2B5EF4-FFF2-40B4-BE49-F238E27FC236}">
+                <a16:creationId xmlns:a16="http://schemas.microsoft.com/office/drawing/2014/main" id="{792C5A0A-6945-4680-A931-D5C3A3678EC5}"/>
+              </a:ext>
+            </a:extLst>
+          </p:cNvPr>
+          <p:cNvPicPr>
+            <a:picLocks noChangeAspect="1"/>
+          </p:cNvPicPr>
+          <p:nvPr/>
+        </p:nvPicPr>
+        <p:blipFill rotWithShape="1">
+          <a:blip r:embed="rId4">
+            <a:extLst>
+              <a:ext uri="{28A0092B-C50C-407E-A947-70E740481C1C}">
+                <a14:useLocalDpi xmlns:a14="http://schemas.microsoft.com/office/drawing/2010/main" val="0"/>
+              </a:ext>
+            </a:extLst>
+          </a:blip>
+          <a:srcRect t="8336"/>
+          <a:stretch/>
+        </p:blipFill>
+        <p:spPr>
+          <a:xfrm>
+            <a:off x="311700" y="1152475"/>
+            <a:ext cx="1786404" cy="3467519"/>
+          </a:xfrm>
+          <a:prstGeom prst="rect">
+            <a:avLst/>
+          </a:prstGeom>
+        </p:spPr>
+      </p:pic>
+    </p:spTree>
+    <p:extLst>
+      <p:ext uri="{BB962C8B-B14F-4D97-AF65-F5344CB8AC3E}">
+        <p14:creationId xmlns:p14="http://schemas.microsoft.com/office/powerpoint/2010/main" val="1099298075"/>
+      </p:ext>
+    </p:extLst>
+  </p:cSld>
+  <p:clrMapOvr>
+    <a:masterClrMapping/>
+  </p:clrMapOvr>
+</p:sld>
+</file>
+
+<file path=ppt/slides/slide16.xml><?xml version="1.0" encoding="utf-8"?>
+<p:sld xmlns:a="http://schemas.openxmlformats.org/drawingml/2006/main" xmlns:r="http://schemas.openxmlformats.org/officeDocument/2006/relationships" xmlns:p="http://schemas.openxmlformats.org/presentationml/2006/main">
+  <p:cSld>
+    <p:spTree>
+      <p:nvGrpSpPr>
+        <p:cNvPr id="1" name=""/>
+        <p:cNvGrpSpPr/>
+        <p:nvPr/>
+      </p:nvGrpSpPr>
+      <p:grpSpPr>
+        <a:xfrm>
+          <a:off x="0" y="0"/>
+          <a:ext cx="0" cy="0"/>
+          <a:chOff x="0" y="0"/>
+          <a:chExt cx="0" cy="0"/>
+        </a:xfrm>
+      </p:grpSpPr>
+      <p:pic>
+        <p:nvPicPr>
+          <p:cNvPr id="1028" name="Picture 4">
+            <a:extLst>
+              <a:ext uri="{FF2B5EF4-FFF2-40B4-BE49-F238E27FC236}">
+                <a16:creationId xmlns:a16="http://schemas.microsoft.com/office/drawing/2014/main" id="{779B8432-F1D6-4976-AC6B-0CF14B2334DE}"/>
+              </a:ext>
+            </a:extLst>
+          </p:cNvPr>
+          <p:cNvPicPr>
+            <a:picLocks noChangeAspect="1" noChangeArrowheads="1"/>
+          </p:cNvPicPr>
+          <p:nvPr/>
+        </p:nvPicPr>
+        <p:blipFill>
+          <a:blip r:embed="rId2">
+            <a:extLst>
+              <a:ext uri="{28A0092B-C50C-407E-A947-70E740481C1C}">
+                <a14:useLocalDpi xmlns:a14="http://schemas.microsoft.com/office/drawing/2010/main" val="0"/>
+              </a:ext>
+            </a:extLst>
+          </a:blip>
+          <a:srcRect/>
+          <a:stretch>
+            <a:fillRect/>
+          </a:stretch>
+        </p:blipFill>
+        <p:spPr bwMode="auto">
+          <a:xfrm>
+            <a:off x="3280066" y="2016000"/>
+            <a:ext cx="5042084" cy="2603994"/>
+          </a:xfrm>
+          <a:prstGeom prst="rect">
+            <a:avLst/>
+          </a:prstGeom>
+          <a:noFill/>
+          <a:extLst>
+            <a:ext uri="{909E8E84-426E-40DD-AFC4-6F175D3DCCD1}">
+              <a14:hiddenFill xmlns:a14="http://schemas.microsoft.com/office/drawing/2010/main">
+                <a:solidFill>
+                  <a:srgbClr val="FFFFFF"/>
+                </a:solidFill>
+              </a14:hiddenFill>
+            </a:ext>
+          </a:extLst>
+        </p:spPr>
+      </p:pic>
+      <p:sp>
+        <p:nvSpPr>
+          <p:cNvPr id="2" name="Title 1">
+            <a:extLst>
+              <a:ext uri="{FF2B5EF4-FFF2-40B4-BE49-F238E27FC236}">
+                <a16:creationId xmlns:a16="http://schemas.microsoft.com/office/drawing/2014/main" id="{3900A79F-FBBB-4C89-AA5E-EDAC1DFC5C34}"/>
+              </a:ext>
+            </a:extLst>
+          </p:cNvPr>
+          <p:cNvSpPr>
+            <a:spLocks noGrp="1"/>
+          </p:cNvSpPr>
+          <p:nvPr>
+            <p:ph type="title"/>
+          </p:nvPr>
+        </p:nvSpPr>
+        <p:spPr/>
+        <p:txBody>
+          <a:bodyPr/>
+          <a:lstStyle/>
+          <a:p>
+            <a:r>
+              <a:rPr lang="en-US" altLang="zh-CN" dirty="0"/>
+              <a:t>Safety Property</a:t>
+            </a:r>
+            <a:endParaRPr lang="zh-CN" altLang="en-US" dirty="0"/>
+          </a:p>
+        </p:txBody>
+      </p:sp>
+      <p:sp>
+        <p:nvSpPr>
+          <p:cNvPr id="3" name="Text Placeholder 2">
+            <a:extLst>
+              <a:ext uri="{FF2B5EF4-FFF2-40B4-BE49-F238E27FC236}">
+                <a16:creationId xmlns:a16="http://schemas.microsoft.com/office/drawing/2014/main" id="{BAB6C8AD-3325-4163-B34C-0A4615F979BF}"/>
+              </a:ext>
+            </a:extLst>
+          </p:cNvPr>
+          <p:cNvSpPr>
+            <a:spLocks noGrp="1"/>
+          </p:cNvSpPr>
+          <p:nvPr>
+            <p:ph type="body" idx="1"/>
+          </p:nvPr>
+        </p:nvSpPr>
+        <p:spPr>
+          <a:xfrm>
+            <a:off x="2764800" y="1152475"/>
+            <a:ext cx="6067500" cy="3172200"/>
+          </a:xfrm>
+        </p:spPr>
+        <p:txBody>
+          <a:bodyPr/>
+          <a:lstStyle/>
+          <a:p>
+            <a:r>
+              <a:rPr lang="en-US" altLang="zh-CN" dirty="0"/>
+              <a:t>A </a:t>
+            </a:r>
+            <a:r>
+              <a:rPr lang="en-US" altLang="zh-CN" i="1" dirty="0"/>
+              <a:t>safety property </a:t>
+            </a:r>
+            <a:r>
+              <a:rPr lang="en-US" altLang="zh-CN" dirty="0"/>
+              <a:t>in LTS describes the acceptable behavior of the system.</a:t>
+            </a:r>
+          </a:p>
+          <a:p>
+            <a:r>
+              <a:rPr lang="en-US" altLang="zh-CN" dirty="0"/>
+              <a:t>E.g., brewing only when the mug is placed.</a:t>
+            </a:r>
+            <a:endParaRPr lang="zh-CN" altLang="en-US" dirty="0"/>
+          </a:p>
+        </p:txBody>
+      </p:sp>
+      <p:sp>
+        <p:nvSpPr>
+          <p:cNvPr id="4" name="Slide Number Placeholder 3">
+            <a:extLst>
+              <a:ext uri="{FF2B5EF4-FFF2-40B4-BE49-F238E27FC236}">
+                <a16:creationId xmlns:a16="http://schemas.microsoft.com/office/drawing/2014/main" id="{CEDE00B7-B535-4506-887D-E5A02F82B121}"/>
+              </a:ext>
+            </a:extLst>
+          </p:cNvPr>
+          <p:cNvSpPr>
+            <a:spLocks noGrp="1"/>
+          </p:cNvSpPr>
+          <p:nvPr>
+            <p:ph type="sldNum" idx="12"/>
+          </p:nvPr>
+        </p:nvSpPr>
+        <p:spPr/>
+        <p:txBody>
+          <a:bodyPr/>
+          <a:lstStyle/>
+          <a:p>
+            <a:pPr marL="0" lvl="0" indent="0" algn="r" rtl="0">
+              <a:spcBef>
+                <a:spcPts val="0"/>
+              </a:spcBef>
+              <a:spcAft>
+                <a:spcPts val="0"/>
+              </a:spcAft>
+              <a:buNone/>
+            </a:pPr>
+            <a:fld id="{00000000-1234-1234-1234-123412341234}" type="slidenum">
+              <a:rPr lang="en" smtClean="0"/>
+              <a:t>16</a:t>
+            </a:fld>
+            <a:endParaRPr lang="en"/>
+          </a:p>
+        </p:txBody>
+      </p:sp>
+      <p:pic>
+        <p:nvPicPr>
+          <p:cNvPr id="10" name="Picture 9">
+            <a:extLst>
+              <a:ext uri="{FF2B5EF4-FFF2-40B4-BE49-F238E27FC236}">
+                <a16:creationId xmlns:a16="http://schemas.microsoft.com/office/drawing/2014/main" id="{3E42EF26-101F-4520-8D67-0CDD35E0D5C5}"/>
+              </a:ext>
+            </a:extLst>
+          </p:cNvPr>
+          <p:cNvPicPr>
+            <a:picLocks noChangeAspect="1"/>
+          </p:cNvPicPr>
+          <p:nvPr/>
+        </p:nvPicPr>
+        <p:blipFill rotWithShape="1">
+          <a:blip r:embed="rId3">
+            <a:extLst>
+              <a:ext uri="{28A0092B-C50C-407E-A947-70E740481C1C}">
+                <a14:useLocalDpi xmlns:a14="http://schemas.microsoft.com/office/drawing/2010/main" val="0"/>
+              </a:ext>
+            </a:extLst>
+          </a:blip>
+          <a:srcRect l="7315" t="30433" b="9604"/>
+          <a:stretch/>
+        </p:blipFill>
+        <p:spPr>
+          <a:xfrm>
+            <a:off x="311700" y="1152475"/>
+            <a:ext cx="2531104" cy="3467518"/>
+          </a:xfrm>
+          <a:prstGeom prst="rect">
+            <a:avLst/>
+          </a:prstGeom>
+        </p:spPr>
+      </p:pic>
+    </p:spTree>
+    <p:extLst>
+      <p:ext uri="{BB962C8B-B14F-4D97-AF65-F5344CB8AC3E}">
+        <p14:creationId xmlns:p14="http://schemas.microsoft.com/office/powerpoint/2010/main" val="1162201653"/>
+      </p:ext>
+    </p:extLst>
+  </p:cSld>
+  <p:clrMapOvr>
+    <a:masterClrMapping/>
+  </p:clrMapOvr>
+</p:sld>
+</file>
+
+<file path=ppt/slides/slide17.xml><?xml version="1.0" encoding="utf-8"?>
+<p:sld xmlns:a="http://schemas.openxmlformats.org/drawingml/2006/main" xmlns:r="http://schemas.openxmlformats.org/officeDocument/2006/relationships" xmlns:p="http://schemas.openxmlformats.org/presentationml/2006/main">
+  <p:cSld>
+    <p:spTree>
+      <p:nvGrpSpPr>
+        <p:cNvPr id="1" name=""/>
+        <p:cNvGrpSpPr/>
+        <p:nvPr/>
+      </p:nvGrpSpPr>
+      <p:grpSpPr>
+        <a:xfrm>
+          <a:off x="0" y="0"/>
+          <a:ext cx="0" cy="0"/>
+          <a:chOff x="0" y="0"/>
+          <a:chExt cx="0" cy="0"/>
+        </a:xfrm>
+      </p:grpSpPr>
+      <p:pic>
+        <p:nvPicPr>
+          <p:cNvPr id="10" name="Picture 4">
+            <a:extLst>
+              <a:ext uri="{FF2B5EF4-FFF2-40B4-BE49-F238E27FC236}">
+                <a16:creationId xmlns:a16="http://schemas.microsoft.com/office/drawing/2014/main" id="{1E760341-5474-4CEE-AAB9-92E378458430}"/>
+              </a:ext>
+            </a:extLst>
+          </p:cNvPr>
+          <p:cNvPicPr>
+            <a:picLocks noChangeAspect="1" noChangeArrowheads="1"/>
+          </p:cNvPicPr>
+          <p:nvPr/>
+        </p:nvPicPr>
+        <p:blipFill>
+          <a:blip r:embed="rId3">
+            <a:extLst>
+              <a:ext uri="{28A0092B-C50C-407E-A947-70E740481C1C}">
+                <a14:useLocalDpi xmlns:a14="http://schemas.microsoft.com/office/drawing/2010/main" val="0"/>
+              </a:ext>
+            </a:extLst>
+          </a:blip>
+          <a:srcRect/>
+          <a:stretch>
+            <a:fillRect/>
+          </a:stretch>
+        </p:blipFill>
+        <p:spPr bwMode="auto">
+          <a:xfrm>
+            <a:off x="3280066" y="2016000"/>
+            <a:ext cx="5042084" cy="2603994"/>
+          </a:xfrm>
+          <a:prstGeom prst="rect">
+            <a:avLst/>
+          </a:prstGeom>
+          <a:noFill/>
+          <a:extLst>
+            <a:ext uri="{909E8E84-426E-40DD-AFC4-6F175D3DCCD1}">
+              <a14:hiddenFill xmlns:a14="http://schemas.microsoft.com/office/drawing/2010/main">
+                <a:solidFill>
+                  <a:srgbClr val="FFFFFF"/>
+                </a:solidFill>
+              </a14:hiddenFill>
+            </a:ext>
+          </a:extLst>
+        </p:spPr>
+      </p:pic>
+      <p:sp>
+        <p:nvSpPr>
+          <p:cNvPr id="2" name="Title 1">
+            <a:extLst>
+              <a:ext uri="{FF2B5EF4-FFF2-40B4-BE49-F238E27FC236}">
+                <a16:creationId xmlns:a16="http://schemas.microsoft.com/office/drawing/2014/main" id="{3900A79F-FBBB-4C89-AA5E-EDAC1DFC5C34}"/>
+              </a:ext>
+            </a:extLst>
+          </p:cNvPr>
+          <p:cNvSpPr>
+            <a:spLocks noGrp="1"/>
+          </p:cNvSpPr>
+          <p:nvPr>
+            <p:ph type="title"/>
+          </p:nvPr>
+        </p:nvSpPr>
+        <p:spPr/>
+        <p:txBody>
+          <a:bodyPr/>
+          <a:lstStyle/>
+          <a:p>
+            <a:r>
+              <a:rPr lang="en-US" altLang="zh-CN" dirty="0"/>
+              <a:t>Safety Property</a:t>
+            </a:r>
+            <a:endParaRPr lang="zh-CN" altLang="en-US" dirty="0"/>
+          </a:p>
+        </p:txBody>
+      </p:sp>
+      <p:sp>
+        <p:nvSpPr>
+          <p:cNvPr id="3" name="Text Placeholder 2">
+            <a:extLst>
+              <a:ext uri="{FF2B5EF4-FFF2-40B4-BE49-F238E27FC236}">
+                <a16:creationId xmlns:a16="http://schemas.microsoft.com/office/drawing/2014/main" id="{BAB6C8AD-3325-4163-B34C-0A4615F979BF}"/>
+              </a:ext>
+            </a:extLst>
+          </p:cNvPr>
+          <p:cNvSpPr>
+            <a:spLocks noGrp="1"/>
+          </p:cNvSpPr>
+          <p:nvPr>
+            <p:ph type="body" idx="1"/>
+          </p:nvPr>
+        </p:nvSpPr>
+        <p:spPr>
+          <a:xfrm>
+            <a:off x="2764800" y="1152475"/>
+            <a:ext cx="6067500" cy="3172200"/>
+          </a:xfrm>
+        </p:spPr>
+        <p:txBody>
+          <a:bodyPr/>
+          <a:lstStyle/>
+          <a:p>
+            <a:r>
+              <a:rPr lang="en-US" altLang="zh-CN" dirty="0"/>
+              <a:t>A </a:t>
+            </a:r>
+            <a:r>
+              <a:rPr lang="en-US" altLang="zh-CN" i="1" dirty="0"/>
+              <a:t>safety property </a:t>
+            </a:r>
+            <a:r>
+              <a:rPr lang="en-US" altLang="zh-CN" dirty="0"/>
+              <a:t>in LTS describes the acceptable behavior of the system.</a:t>
+            </a:r>
+          </a:p>
+          <a:p>
+            <a:r>
+              <a:rPr lang="en-US" altLang="zh-CN" dirty="0"/>
+              <a:t>E.g., brewing only when the mug is placed.</a:t>
+            </a:r>
+            <a:endParaRPr lang="zh-CN" altLang="en-US" dirty="0"/>
+          </a:p>
+        </p:txBody>
+      </p:sp>
+      <p:sp>
+        <p:nvSpPr>
+          <p:cNvPr id="4" name="Slide Number Placeholder 3">
+            <a:extLst>
+              <a:ext uri="{FF2B5EF4-FFF2-40B4-BE49-F238E27FC236}">
+                <a16:creationId xmlns:a16="http://schemas.microsoft.com/office/drawing/2014/main" id="{CEDE00B7-B535-4506-887D-E5A02F82B121}"/>
+              </a:ext>
+            </a:extLst>
+          </p:cNvPr>
+          <p:cNvSpPr>
+            <a:spLocks noGrp="1"/>
+          </p:cNvSpPr>
+          <p:nvPr>
+            <p:ph type="sldNum" idx="12"/>
+          </p:nvPr>
+        </p:nvSpPr>
+        <p:spPr/>
+        <p:txBody>
+          <a:bodyPr/>
+          <a:lstStyle/>
+          <a:p>
+            <a:pPr marL="0" lvl="0" indent="0" algn="r" rtl="0">
+              <a:spcBef>
+                <a:spcPts val="0"/>
+              </a:spcBef>
+              <a:spcAft>
+                <a:spcPts val="0"/>
+              </a:spcAft>
+              <a:buNone/>
+            </a:pPr>
+            <a:fld id="{00000000-1234-1234-1234-123412341234}" type="slidenum">
+              <a:rPr lang="en" smtClean="0"/>
+              <a:t>17</a:t>
+            </a:fld>
+            <a:endParaRPr lang="en"/>
+          </a:p>
+        </p:txBody>
+      </p:sp>
+      <p:sp>
+        <p:nvSpPr>
+          <p:cNvPr id="9" name="Speech Bubble: Oval 8">
+            <a:extLst>
+              <a:ext uri="{FF2B5EF4-FFF2-40B4-BE49-F238E27FC236}">
+                <a16:creationId xmlns:a16="http://schemas.microsoft.com/office/drawing/2014/main" id="{A150C821-8AAA-493D-87C6-76E69AFC55E5}"/>
+              </a:ext>
+            </a:extLst>
+          </p:cNvPr>
+          <p:cNvSpPr/>
+          <p:nvPr/>
+        </p:nvSpPr>
+        <p:spPr>
+          <a:xfrm>
+            <a:off x="4495438" y="2973600"/>
+            <a:ext cx="3381362" cy="1715192"/>
+          </a:xfrm>
+          <a:prstGeom prst="wedgeEllipseCallout">
+            <a:avLst>
+              <a:gd name="adj1" fmla="val -14187"/>
+              <a:gd name="adj2" fmla="val -68382"/>
+            </a:avLst>
+          </a:prstGeom>
+        </p:spPr>
+        <p:style>
+          <a:lnRef idx="3">
+            <a:schemeClr val="lt1"/>
+          </a:lnRef>
+          <a:fillRef idx="1">
+            <a:schemeClr val="accent3"/>
+          </a:fillRef>
+          <a:effectRef idx="1">
+            <a:schemeClr val="accent3"/>
+          </a:effectRef>
+          <a:fontRef idx="minor">
+            <a:schemeClr val="lt1"/>
+          </a:fontRef>
+        </p:style>
+        <p:txBody>
+          <a:bodyPr rtlCol="0" anchor="ctr"/>
+          <a:lstStyle/>
+          <a:p>
+            <a:r>
+              <a:rPr lang="en-US" altLang="zh-CN" sz="1600" dirty="0"/>
+              <a:t>Safety property is violated when there’s a trace leading the system to the error state.</a:t>
+            </a:r>
+            <a:endParaRPr lang="zh-CN" altLang="en-US" sz="1600" dirty="0"/>
+          </a:p>
+        </p:txBody>
+      </p:sp>
+      <p:pic>
+        <p:nvPicPr>
+          <p:cNvPr id="11" name="Picture 10">
+            <a:extLst>
+              <a:ext uri="{FF2B5EF4-FFF2-40B4-BE49-F238E27FC236}">
+                <a16:creationId xmlns:a16="http://schemas.microsoft.com/office/drawing/2014/main" id="{E4216756-2711-44E4-8366-3A91B0C5B060}"/>
+              </a:ext>
+            </a:extLst>
+          </p:cNvPr>
           <p:cNvPicPr>
             <a:picLocks noChangeAspect="1"/>
           </p:cNvPicPr>
@@ -12434,7 +12861,7 @@
     </p:spTree>
     <p:extLst>
       <p:ext uri="{BB962C8B-B14F-4D97-AF65-F5344CB8AC3E}">
-        <p14:creationId xmlns:p14="http://schemas.microsoft.com/office/powerpoint/2010/main" val="787786371"/>
+        <p14:creationId xmlns:p14="http://schemas.microsoft.com/office/powerpoint/2010/main" val="2726309651"/>
       </p:ext>
     </p:extLst>
   </p:cSld>
@@ -13808,6 +14235,325 @@
 </file>
 
 <file path=ppt/slides/slide24.xml><?xml version="1.0" encoding="utf-8"?>
+<p:sld xmlns:a="http://schemas.openxmlformats.org/drawingml/2006/main" xmlns:r="http://schemas.openxmlformats.org/officeDocument/2006/relationships" xmlns:p="http://schemas.openxmlformats.org/presentationml/2006/main">
+  <p:cSld>
+    <p:spTree>
+      <p:nvGrpSpPr>
+        <p:cNvPr id="1" name=""/>
+        <p:cNvGrpSpPr/>
+        <p:nvPr/>
+      </p:nvGrpSpPr>
+      <p:grpSpPr>
+        <a:xfrm>
+          <a:off x="0" y="0"/>
+          <a:ext cx="0" cy="0"/>
+          <a:chOff x="0" y="0"/>
+          <a:chExt cx="0" cy="0"/>
+        </a:xfrm>
+      </p:grpSpPr>
+      <p:sp>
+        <p:nvSpPr>
+          <p:cNvPr id="2" name="Title 1">
+            <a:extLst>
+              <a:ext uri="{FF2B5EF4-FFF2-40B4-BE49-F238E27FC236}">
+                <a16:creationId xmlns:a16="http://schemas.microsoft.com/office/drawing/2014/main" id="{3900A79F-FBBB-4C89-AA5E-EDAC1DFC5C34}"/>
+              </a:ext>
+            </a:extLst>
+          </p:cNvPr>
+          <p:cNvSpPr>
+            <a:spLocks noGrp="1"/>
+          </p:cNvSpPr>
+          <p:nvPr>
+            <p:ph type="title"/>
+          </p:nvPr>
+        </p:nvSpPr>
+        <p:spPr/>
+        <p:txBody>
+          <a:bodyPr/>
+          <a:lstStyle/>
+          <a:p>
+            <a:r>
+              <a:rPr lang="en-US" altLang="zh-CN" dirty="0"/>
+              <a:t>Error Trace</a:t>
+            </a:r>
+            <a:endParaRPr lang="zh-CN" altLang="en-US" dirty="0"/>
+          </a:p>
+        </p:txBody>
+      </p:sp>
+      <p:sp>
+        <p:nvSpPr>
+          <p:cNvPr id="4" name="Slide Number Placeholder 3">
+            <a:extLst>
+              <a:ext uri="{FF2B5EF4-FFF2-40B4-BE49-F238E27FC236}">
+                <a16:creationId xmlns:a16="http://schemas.microsoft.com/office/drawing/2014/main" id="{CEDE00B7-B535-4506-887D-E5A02F82B121}"/>
+              </a:ext>
+            </a:extLst>
+          </p:cNvPr>
+          <p:cNvSpPr>
+            <a:spLocks noGrp="1"/>
+          </p:cNvSpPr>
+          <p:nvPr>
+            <p:ph type="sldNum" idx="12"/>
+          </p:nvPr>
+        </p:nvSpPr>
+        <p:spPr/>
+        <p:txBody>
+          <a:bodyPr/>
+          <a:lstStyle/>
+          <a:p>
+            <a:pPr marL="0" lvl="0" indent="0" algn="r" rtl="0">
+              <a:spcBef>
+                <a:spcPts val="0"/>
+              </a:spcBef>
+              <a:spcAft>
+                <a:spcPts val="0"/>
+              </a:spcAft>
+              <a:buNone/>
+            </a:pPr>
+            <a:fld id="{00000000-1234-1234-1234-123412341234}" type="slidenum">
+              <a:rPr lang="en" smtClean="0"/>
+              <a:t>24</a:t>
+            </a:fld>
+            <a:endParaRPr lang="en"/>
+          </a:p>
+        </p:txBody>
+      </p:sp>
+      <p:pic>
+        <p:nvPicPr>
+          <p:cNvPr id="6" name="Picture 5"/>
+          <p:cNvPicPr>
+            <a:picLocks noChangeAspect="1"/>
+          </p:cNvPicPr>
+          <p:nvPr/>
+        </p:nvPicPr>
+        <p:blipFill>
+          <a:blip r:embed="rId3">
+            <a:extLst>
+              <a:ext uri="{28A0092B-C50C-407E-A947-70E740481C1C}">
+                <a14:useLocalDpi xmlns:a14="http://schemas.microsoft.com/office/drawing/2010/main" val="0"/>
+              </a:ext>
+            </a:extLst>
+          </a:blip>
+          <a:stretch>
+            <a:fillRect/>
+          </a:stretch>
+        </p:blipFill>
+        <p:spPr>
+          <a:xfrm>
+            <a:off x="311700" y="1134901"/>
+            <a:ext cx="2438695" cy="3467519"/>
+          </a:xfrm>
+          <a:prstGeom prst="rect">
+            <a:avLst/>
+          </a:prstGeom>
+        </p:spPr>
+      </p:pic>
+      <mc:AlternateContent xmlns:mc="http://schemas.openxmlformats.org/markup-compatibility/2006">
+        <mc:Choice xmlns:a14="http://schemas.microsoft.com/office/drawing/2010/main" Requires="a14">
+          <p:sp>
+            <p:nvSpPr>
+              <p:cNvPr id="8" name="Text Placeholder 2">
+                <a:extLst>
+                  <a:ext uri="{FF2B5EF4-FFF2-40B4-BE49-F238E27FC236}">
+                    <a16:creationId xmlns:a16="http://schemas.microsoft.com/office/drawing/2014/main" id="{497E1C5A-1764-4203-B09D-04455B8C3F52}"/>
+                  </a:ext>
+                </a:extLst>
+              </p:cNvPr>
+              <p:cNvSpPr>
+                <a:spLocks noGrp="1"/>
+              </p:cNvSpPr>
+              <p:nvPr>
+                <p:ph type="body" idx="1"/>
+              </p:nvPr>
+            </p:nvSpPr>
+            <p:spPr>
+              <a:xfrm>
+                <a:off x="2764800" y="1152475"/>
+                <a:ext cx="6067500" cy="3172200"/>
+              </a:xfrm>
+            </p:spPr>
+            <p:txBody>
+              <a:bodyPr/>
+              <a:lstStyle/>
+              <a:p>
+                <a:pPr marL="114300" indent="0">
+                  <a:buNone/>
+                </a:pPr>
+                <a:r>
+                  <a:rPr lang="en-US" altLang="zh-CN" sz="1400" dirty="0"/>
+                  <a:t>Trace: </a:t>
+                </a:r>
+                <a14:m>
+                  <m:oMath xmlns:m="http://schemas.openxmlformats.org/officeDocument/2006/math">
+                    <m:r>
+                      <a:rPr lang="en-US" altLang="zh-CN" sz="1400" i="1" dirty="0" smtClean="0">
+                        <a:latin typeface="Cambria Math" panose="02040503050406030204" pitchFamily="18" charset="0"/>
+                      </a:rPr>
+                      <m:t>&lt;</m:t>
+                    </m:r>
+                    <m:r>
+                      <a:rPr lang="en-US" altLang="zh-CN" sz="1400" i="1" dirty="0" err="1" smtClean="0">
+                        <a:latin typeface="Cambria Math" panose="02040503050406030204" pitchFamily="18" charset="0"/>
+                      </a:rPr>
+                      <m:t>h𝐴𝑑𝑑𝑂𝑟𝑅𝑒𝑝𝑙𝑎𝑐𝑒𝑃𝑜𝑑</m:t>
+                    </m:r>
+                    <m:r>
+                      <a:rPr lang="en-US" altLang="zh-CN" sz="1400" i="1" dirty="0" smtClean="0">
+                        <a:latin typeface="Cambria Math" panose="02040503050406030204" pitchFamily="18" charset="0"/>
+                      </a:rPr>
+                      <m:t>, </m:t>
+                    </m:r>
+                    <m:r>
+                      <a:rPr lang="en-US" altLang="zh-CN" sz="1400" i="1" dirty="0" err="1" smtClean="0">
+                        <a:latin typeface="Cambria Math" panose="02040503050406030204" pitchFamily="18" charset="0"/>
+                      </a:rPr>
+                      <m:t>h𝐿𝑜𝑤𝑒𝑟𝐻𝑎𝑛𝑑𝑙𝑒</m:t>
+                    </m:r>
+                    <m:r>
+                      <a:rPr lang="en-US" altLang="zh-CN" sz="1400" i="1" dirty="0" smtClean="0">
+                        <a:latin typeface="Cambria Math" panose="02040503050406030204" pitchFamily="18" charset="0"/>
+                      </a:rPr>
+                      <m:t>, </m:t>
+                    </m:r>
+                    <m:r>
+                      <a:rPr lang="en-US" altLang="zh-CN" sz="1400" i="1" dirty="0" err="1" smtClean="0">
+                        <a:latin typeface="Cambria Math" panose="02040503050406030204" pitchFamily="18" charset="0"/>
+                      </a:rPr>
+                      <m:t>h𝑃𝑟𝑒𝑠𝑠𝐵𝑟𝑒𝑤</m:t>
+                    </m:r>
+                    <m:r>
+                      <a:rPr lang="en-US" altLang="zh-CN" sz="1400" i="1" dirty="0" smtClean="0">
+                        <a:latin typeface="Cambria Math" panose="02040503050406030204" pitchFamily="18" charset="0"/>
+                      </a:rPr>
+                      <m:t>, </m:t>
+                    </m:r>
+                    <m:r>
+                      <a:rPr lang="en-US" altLang="zh-CN" sz="1400" i="1" dirty="0" smtClean="0">
+                        <a:solidFill>
+                          <a:srgbClr val="FF0000"/>
+                        </a:solidFill>
+                        <a:latin typeface="Cambria Math" panose="02040503050406030204" pitchFamily="18" charset="0"/>
+                      </a:rPr>
+                      <m:t>𝑏𝑟𝑒𝑤</m:t>
+                    </m:r>
+                    <m:r>
+                      <a:rPr lang="en-US" altLang="zh-CN" sz="1400" i="1" dirty="0" smtClean="0">
+                        <a:latin typeface="Cambria Math" panose="02040503050406030204" pitchFamily="18" charset="0"/>
+                      </a:rPr>
+                      <m:t>&gt;</m:t>
+                    </m:r>
+                  </m:oMath>
+                </a14:m>
+                <a:endParaRPr lang="zh-CN" altLang="en-US" sz="1400" dirty="0"/>
+              </a:p>
+            </p:txBody>
+          </p:sp>
+        </mc:Choice>
+        <mc:Fallback>
+          <p:sp>
+            <p:nvSpPr>
+              <p:cNvPr id="8" name="Text Placeholder 2">
+                <a:extLst>
+                  <a:ext uri="{FF2B5EF4-FFF2-40B4-BE49-F238E27FC236}">
+                    <a16:creationId xmlns:a16="http://schemas.microsoft.com/office/drawing/2014/main" id="{497E1C5A-1764-4203-B09D-04455B8C3F52}"/>
+                  </a:ext>
+                </a:extLst>
+              </p:cNvPr>
+              <p:cNvSpPr>
+                <a:spLocks noGrp="1" noRot="1" noChangeAspect="1" noMove="1" noResize="1" noEditPoints="1" noAdjustHandles="1" noChangeArrowheads="1" noChangeShapeType="1" noTextEdit="1"/>
+              </p:cNvSpPr>
+              <p:nvPr>
+                <p:ph type="body" idx="1"/>
+              </p:nvPr>
+            </p:nvSpPr>
+            <p:spPr>
+              <a:xfrm>
+                <a:off x="2764800" y="1152475"/>
+                <a:ext cx="6067500" cy="3172200"/>
+              </a:xfrm>
+              <a:blipFill>
+                <a:blip r:embed="rId4"/>
+                <a:stretch>
+                  <a:fillRect/>
+                </a:stretch>
+              </a:blipFill>
+            </p:spPr>
+            <p:txBody>
+              <a:bodyPr/>
+              <a:lstStyle/>
+              <a:p>
+                <a:r>
+                  <a:rPr lang="zh-CN" altLang="en-US">
+                    <a:noFill/>
+                  </a:rPr>
+                  <a:t> </a:t>
+                </a:r>
+              </a:p>
+            </p:txBody>
+          </p:sp>
+        </mc:Fallback>
+      </mc:AlternateContent>
+      <p:pic>
+        <p:nvPicPr>
+          <p:cNvPr id="2052" name="Picture 4">
+            <a:extLst>
+              <a:ext uri="{FF2B5EF4-FFF2-40B4-BE49-F238E27FC236}">
+                <a16:creationId xmlns:a16="http://schemas.microsoft.com/office/drawing/2014/main" id="{7E4B9199-C5FA-4221-93D0-31BF97F40C2D}"/>
+              </a:ext>
+            </a:extLst>
+          </p:cNvPr>
+          <p:cNvPicPr>
+            <a:picLocks noChangeAspect="1" noChangeArrowheads="1"/>
+          </p:cNvPicPr>
+          <p:nvPr/>
+        </p:nvPicPr>
+        <p:blipFill>
+          <a:blip r:embed="rId5">
+            <a:extLst>
+              <a:ext uri="{28A0092B-C50C-407E-A947-70E740481C1C}">
+                <a14:useLocalDpi xmlns:a14="http://schemas.microsoft.com/office/drawing/2010/main" val="0"/>
+              </a:ext>
+            </a:extLst>
+          </a:blip>
+          <a:srcRect/>
+          <a:stretch>
+            <a:fillRect/>
+          </a:stretch>
+        </p:blipFill>
+        <p:spPr bwMode="auto">
+          <a:xfrm>
+            <a:off x="2820384" y="1628466"/>
+            <a:ext cx="5956332" cy="2973954"/>
+          </a:xfrm>
+          <a:prstGeom prst="rect">
+            <a:avLst/>
+          </a:prstGeom>
+          <a:noFill/>
+          <a:extLst>
+            <a:ext uri="{909E8E84-426E-40DD-AFC4-6F175D3DCCD1}">
+              <a14:hiddenFill xmlns:a14="http://schemas.microsoft.com/office/drawing/2010/main">
+                <a:solidFill>
+                  <a:srgbClr val="FFFFFF"/>
+                </a:solidFill>
+              </a14:hiddenFill>
+            </a:ext>
+          </a:extLst>
+        </p:spPr>
+      </p:pic>
+    </p:spTree>
+    <p:extLst>
+      <p:ext uri="{BB962C8B-B14F-4D97-AF65-F5344CB8AC3E}">
+        <p14:creationId xmlns:p14="http://schemas.microsoft.com/office/powerpoint/2010/main" val="3522440192"/>
+      </p:ext>
+    </p:extLst>
+  </p:cSld>
+  <p:clrMapOvr>
+    <a:masterClrMapping/>
+  </p:clrMapOvr>
+</p:sld>
+</file>
+
+<file path=ppt/slides/slide25.xml><?xml version="1.0" encoding="utf-8"?>
 <p:sld xmlns:a="http://schemas.openxmlformats.org/drawingml/2006/main" xmlns:r="http://schemas.openxmlformats.org/officeDocument/2006/relationships" xmlns:p="http://schemas.openxmlformats.org/presentationml/2006/main">
   <p:cSld>
     <p:spTree>
@@ -14158,7 +14904,7 @@
             </a:pPr>
             <a:fld id="{00000000-1234-1234-1234-123412341234}" type="slidenum">
               <a:rPr lang="en" smtClean="0"/>
-              <a:t>24</a:t>
+              <a:t>25</a:t>
             </a:fld>
             <a:endParaRPr lang="en"/>
           </a:p>
@@ -14177,7 +14923,7 @@
 </p:sld>
 </file>
 
-<file path=ppt/slides/slide25.xml><?xml version="1.0" encoding="utf-8"?>
+<file path=ppt/slides/slide26.xml><?xml version="1.0" encoding="utf-8"?>
 <p:sld xmlns:a="http://schemas.openxmlformats.org/drawingml/2006/main" xmlns:r="http://schemas.openxmlformats.org/officeDocument/2006/relationships" xmlns:p="http://schemas.openxmlformats.org/presentationml/2006/main">
   <p:cSld>
     <p:spTree>
@@ -14686,7 +15432,7 @@
             </a:pPr>
             <a:fld id="{00000000-1234-1234-1234-123412341234}" type="slidenum">
               <a:rPr lang="en" smtClean="0"/>
-              <a:t>25</a:t>
+              <a:t>26</a:t>
             </a:fld>
             <a:endParaRPr lang="en"/>
           </a:p>
@@ -14807,7 +15553,7 @@
 </p:sld>
 </file>
 
-<file path=ppt/slides/slide26.xml><?xml version="1.0" encoding="utf-8"?>
+<file path=ppt/slides/slide27.xml><?xml version="1.0" encoding="utf-8"?>
 <p:sld xmlns:a="http://schemas.openxmlformats.org/drawingml/2006/main" xmlns:r="http://schemas.openxmlformats.org/officeDocument/2006/relationships" xmlns:p="http://schemas.openxmlformats.org/presentationml/2006/main">
   <p:cSld>
     <p:spTree>
@@ -15316,7 +16062,7 @@
             </a:pPr>
             <a:fld id="{00000000-1234-1234-1234-123412341234}" type="slidenum">
               <a:rPr lang="en" smtClean="0"/>
-              <a:t>26</a:t>
+              <a:t>27</a:t>
             </a:fld>
             <a:endParaRPr lang="en"/>
           </a:p>
@@ -15624,7 +16370,286 @@
 </p:sld>
 </file>
 
-<file path=ppt/slides/slide27.xml><?xml version="1.0" encoding="utf-8"?>
+<file path=ppt/slides/slide28.xml><?xml version="1.0" encoding="utf-8"?>
+<p:sld xmlns:a="http://schemas.openxmlformats.org/drawingml/2006/main" xmlns:r="http://schemas.openxmlformats.org/officeDocument/2006/relationships" xmlns:p="http://schemas.openxmlformats.org/presentationml/2006/main">
+  <p:cSld>
+    <p:spTree>
+      <p:nvGrpSpPr>
+        <p:cNvPr id="1" name=""/>
+        <p:cNvGrpSpPr/>
+        <p:nvPr/>
+      </p:nvGrpSpPr>
+      <p:grpSpPr>
+        <a:xfrm>
+          <a:off x="0" y="0"/>
+          <a:ext cx="0" cy="0"/>
+          <a:chOff x="0" y="0"/>
+          <a:chExt cx="0" cy="0"/>
+        </a:xfrm>
+      </p:grpSpPr>
+      <p:sp>
+        <p:nvSpPr>
+          <p:cNvPr id="2" name="Title 1">
+            <a:extLst>
+              <a:ext uri="{FF2B5EF4-FFF2-40B4-BE49-F238E27FC236}">
+                <a16:creationId xmlns:a16="http://schemas.microsoft.com/office/drawing/2014/main" id="{E50E7897-9D5F-4307-80FD-383FF623EBF5}"/>
+              </a:ext>
+            </a:extLst>
+          </p:cNvPr>
+          <p:cNvSpPr>
+            <a:spLocks noGrp="1"/>
+          </p:cNvSpPr>
+          <p:nvPr>
+            <p:ph type="title"/>
+          </p:nvPr>
+        </p:nvSpPr>
+        <p:spPr/>
+        <p:txBody>
+          <a:bodyPr/>
+          <a:lstStyle/>
+          <a:p>
+            <a:r>
+              <a:rPr lang="en-US" altLang="zh-CN" dirty="0"/>
+              <a:t>Another Way Around</a:t>
+            </a:r>
+            <a:endParaRPr lang="zh-CN" altLang="en-US" dirty="0"/>
+          </a:p>
+        </p:txBody>
+      </p:sp>
+      <mc:AlternateContent xmlns:mc="http://schemas.openxmlformats.org/markup-compatibility/2006">
+        <mc:Choice xmlns:a14="http://schemas.microsoft.com/office/drawing/2010/main" Requires="a14">
+          <p:sp>
+            <p:nvSpPr>
+              <p:cNvPr id="3" name="Text Placeholder 2">
+                <a:extLst>
+                  <a:ext uri="{FF2B5EF4-FFF2-40B4-BE49-F238E27FC236}">
+                    <a16:creationId xmlns:a16="http://schemas.microsoft.com/office/drawing/2014/main" id="{1B449BC1-00F1-47D6-B32E-6F0DA0951801}"/>
+                  </a:ext>
+                </a:extLst>
+              </p:cNvPr>
+              <p:cNvSpPr>
+                <a:spLocks noGrp="1"/>
+              </p:cNvSpPr>
+              <p:nvPr>
+                <p:ph type="body" idx="1"/>
+              </p:nvPr>
+            </p:nvSpPr>
+            <p:spPr/>
+            <p:txBody>
+              <a:bodyPr/>
+              <a:lstStyle/>
+              <a:p>
+                <a:pPr>
+                  <a:spcAft>
+                    <a:spcPts val="1600"/>
+                  </a:spcAft>
+                </a:pPr>
+                <a:r>
+                  <a:rPr lang="en-US" altLang="zh-CN" sz="1600" dirty="0"/>
+                  <a:t>Developers often “over-engineer” a system to deal with deviations </a:t>
+                </a:r>
+                <a14:m>
+                  <m:oMath xmlns:m="http://schemas.openxmlformats.org/officeDocument/2006/math">
+                    <m:r>
+                      <m:rPr>
+                        <m:sty m:val="p"/>
+                      </m:rPr>
+                      <a:rPr lang="en-US" altLang="zh-CN" sz="1600" b="0" i="0" smtClean="0">
+                        <a:latin typeface="Cambria Math" panose="02040503050406030204" pitchFamily="18" charset="0"/>
+                      </a:rPr>
+                      <m:t>Δ</m:t>
+                    </m:r>
+                  </m:oMath>
+                </a14:m>
+                <a:r>
+                  <a:rPr lang="en-US" altLang="zh-CN" sz="1600" dirty="0"/>
+                  <a:t> of the real environment compared to the expected one.</a:t>
+                </a:r>
+              </a:p>
+              <a:p>
+                <a:pPr>
+                  <a:spcAft>
+                    <a:spcPts val="1600"/>
+                  </a:spcAft>
+                </a:pPr>
+                <a:r>
+                  <a:rPr lang="en-US" altLang="zh-CN" sz="1600" dirty="0"/>
+                  <a:t>Developers make </a:t>
+                </a:r>
+                <a:r>
+                  <a:rPr lang="en-US" altLang="zh-CN" sz="1600" b="1" i="1" dirty="0"/>
+                  <a:t>assumptions</a:t>
+                </a:r>
+                <a:r>
+                  <a:rPr lang="en-US" altLang="zh-CN" sz="1600" i="1" dirty="0"/>
+                  <a:t> </a:t>
+                </a:r>
+                <a:r>
+                  <a:rPr lang="en-US" altLang="zh-CN" sz="1600" dirty="0"/>
+                  <a:t>about the environment to ensure correct function.</a:t>
+                </a:r>
+              </a:p>
+              <a:p>
+                <a:pPr>
+                  <a:spcAft>
+                    <a:spcPts val="1600"/>
+                  </a:spcAft>
+                </a:pPr>
+                <a:r>
+                  <a:rPr lang="en-US" altLang="zh-CN" sz="1600" b="1" i="1" dirty="0"/>
+                  <a:t>Weaker</a:t>
+                </a:r>
+                <a:r>
+                  <a:rPr lang="en-US" altLang="zh-CN" sz="1600" dirty="0"/>
+                  <a:t> Assumption =&gt; </a:t>
+                </a:r>
+                <a:r>
+                  <a:rPr lang="en-US" altLang="zh-CN" sz="1600" b="1" i="1" dirty="0"/>
+                  <a:t>More</a:t>
+                </a:r>
+                <a:r>
+                  <a:rPr lang="en-US" altLang="zh-CN" sz="1600" dirty="0"/>
+                  <a:t> allowed behavior of environment =&gt; </a:t>
+                </a:r>
+                <a:r>
+                  <a:rPr lang="en-US" altLang="zh-CN" sz="1600" b="1" i="1" dirty="0"/>
+                  <a:t>Larger</a:t>
+                </a:r>
+                <a:r>
+                  <a:rPr lang="en-US" altLang="zh-CN" sz="1600" dirty="0"/>
+                  <a:t> </a:t>
+                </a:r>
+                <a14:m>
+                  <m:oMath xmlns:m="http://schemas.openxmlformats.org/officeDocument/2006/math">
+                    <m:r>
+                      <m:rPr>
+                        <m:sty m:val="p"/>
+                      </m:rPr>
+                      <a:rPr lang="en-US" altLang="zh-CN" sz="1600" b="0" i="0" smtClean="0">
+                        <a:latin typeface="Cambria Math" panose="02040503050406030204" pitchFamily="18" charset="0"/>
+                      </a:rPr>
+                      <m:t>Δ</m:t>
+                    </m:r>
+                  </m:oMath>
+                </a14:m>
+                <a:r>
+                  <a:rPr lang="en-US" altLang="zh-CN" sz="1600" dirty="0"/>
+                  <a:t>.</a:t>
+                </a:r>
+              </a:p>
+              <a:p>
+                <a:pPr>
+                  <a:spcAft>
+                    <a:spcPts val="1600"/>
+                  </a:spcAft>
+                </a:pPr>
+                <a:r>
+                  <a:rPr lang="en-US" altLang="zh-CN" sz="1600" b="1" i="1" dirty="0"/>
+                  <a:t>Weakest assumption </a:t>
+                </a:r>
+                <a:r>
+                  <a:rPr lang="en-US" altLang="zh-CN" sz="1600" dirty="0"/>
+                  <a:t>can capture all the additional behaviors allowed by the system.</a:t>
+                </a:r>
+              </a:p>
+              <a:p>
+                <a:endParaRPr lang="zh-CN" altLang="en-US" sz="1600" dirty="0"/>
+              </a:p>
+            </p:txBody>
+          </p:sp>
+        </mc:Choice>
+        <mc:Fallback>
+          <p:sp>
+            <p:nvSpPr>
+              <p:cNvPr id="3" name="Text Placeholder 2">
+                <a:extLst>
+                  <a:ext uri="{FF2B5EF4-FFF2-40B4-BE49-F238E27FC236}">
+                    <a16:creationId xmlns:a16="http://schemas.microsoft.com/office/drawing/2014/main" id="{1B449BC1-00F1-47D6-B32E-6F0DA0951801}"/>
+                  </a:ext>
+                </a:extLst>
+              </p:cNvPr>
+              <p:cNvSpPr>
+                <a:spLocks noGrp="1" noRot="1" noChangeAspect="1" noMove="1" noResize="1" noEditPoints="1" noAdjustHandles="1" noChangeArrowheads="1" noChangeShapeType="1" noTextEdit="1"/>
+              </p:cNvSpPr>
+              <p:nvPr>
+                <p:ph type="body" idx="1"/>
+              </p:nvPr>
+            </p:nvSpPr>
+            <p:spPr>
+              <a:blipFill>
+                <a:blip r:embed="rId2"/>
+                <a:stretch>
+                  <a:fillRect/>
+                </a:stretch>
+              </a:blipFill>
+            </p:spPr>
+            <p:txBody>
+              <a:bodyPr/>
+              <a:lstStyle/>
+              <a:p>
+                <a:r>
+                  <a:rPr lang="zh-CN" altLang="en-US">
+                    <a:noFill/>
+                  </a:rPr>
+                  <a:t> </a:t>
+                </a:r>
+              </a:p>
+            </p:txBody>
+          </p:sp>
+        </mc:Fallback>
+      </mc:AlternateContent>
+      <p:sp>
+        <p:nvSpPr>
+          <p:cNvPr id="4" name="Slide Number Placeholder 3">
+            <a:extLst>
+              <a:ext uri="{FF2B5EF4-FFF2-40B4-BE49-F238E27FC236}">
+                <a16:creationId xmlns:a16="http://schemas.microsoft.com/office/drawing/2014/main" id="{4F4FA6F6-0494-4F86-B4E4-31CA7A1548C8}"/>
+              </a:ext>
+            </a:extLst>
+          </p:cNvPr>
+          <p:cNvSpPr>
+            <a:spLocks noGrp="1"/>
+          </p:cNvSpPr>
+          <p:nvPr>
+            <p:ph type="sldNum" idx="12"/>
+          </p:nvPr>
+        </p:nvSpPr>
+        <p:spPr/>
+        <p:txBody>
+          <a:bodyPr/>
+          <a:lstStyle/>
+          <a:p>
+            <a:pPr marL="0" lvl="0" indent="0" algn="r" rtl="0">
+              <a:spcBef>
+                <a:spcPts val="0"/>
+              </a:spcBef>
+              <a:spcAft>
+                <a:spcPts val="0"/>
+              </a:spcAft>
+              <a:buNone/>
+            </a:pPr>
+            <a:fld id="{00000000-1234-1234-1234-123412341234}" type="slidenum">
+              <a:rPr lang="en" smtClean="0"/>
+              <a:t>28</a:t>
+            </a:fld>
+            <a:endParaRPr lang="en"/>
+          </a:p>
+        </p:txBody>
+      </p:sp>
+    </p:spTree>
+    <p:extLst>
+      <p:ext uri="{BB962C8B-B14F-4D97-AF65-F5344CB8AC3E}">
+        <p14:creationId xmlns:p14="http://schemas.microsoft.com/office/powerpoint/2010/main" val="1273989293"/>
+      </p:ext>
+    </p:extLst>
+  </p:cSld>
+  <p:clrMapOvr>
+    <a:masterClrMapping/>
+  </p:clrMapOvr>
+</p:sld>
+</file>
+
+<file path=ppt/slides/slide29.xml><?xml version="1.0" encoding="utf-8"?>
 <p:sld xmlns:a="http://schemas.openxmlformats.org/drawingml/2006/main" xmlns:r="http://schemas.openxmlformats.org/officeDocument/2006/relationships" xmlns:p="http://schemas.openxmlformats.org/presentationml/2006/main">
   <p:cSld>
     <p:spTree>
@@ -15998,7 +17023,7 @@
             </a:pPr>
             <a:fld id="{00000000-1234-1234-1234-123412341234}" type="slidenum">
               <a:rPr lang="en" smtClean="0"/>
-              <a:t>27</a:t>
+              <a:t>29</a:t>
             </a:fld>
             <a:endParaRPr lang="en"/>
           </a:p>
@@ -16119,7 +17144,169 @@
 </p:sld>
 </file>
 
-<file path=ppt/slides/slide28.xml><?xml version="1.0" encoding="utf-8"?>
+<file path=ppt/slides/slide3.xml><?xml version="1.0" encoding="utf-8"?>
+<p:sld xmlns:a="http://schemas.openxmlformats.org/drawingml/2006/main" xmlns:r="http://schemas.openxmlformats.org/officeDocument/2006/relationships" xmlns:p="http://schemas.openxmlformats.org/presentationml/2006/main">
+  <p:cSld>
+    <p:spTree>
+      <p:nvGrpSpPr>
+        <p:cNvPr id="1" name=""/>
+        <p:cNvGrpSpPr/>
+        <p:nvPr/>
+      </p:nvGrpSpPr>
+      <p:grpSpPr>
+        <a:xfrm>
+          <a:off x="0" y="0"/>
+          <a:ext cx="0" cy="0"/>
+          <a:chOff x="0" y="0"/>
+          <a:chExt cx="0" cy="0"/>
+        </a:xfrm>
+      </p:grpSpPr>
+      <p:sp>
+        <p:nvSpPr>
+          <p:cNvPr id="2" name="Title 1"/>
+          <p:cNvSpPr>
+            <a:spLocks noGrp="1"/>
+          </p:cNvSpPr>
+          <p:nvPr>
+            <p:ph type="title"/>
+          </p:nvPr>
+        </p:nvSpPr>
+        <p:spPr/>
+        <p:txBody>
+          <a:bodyPr/>
+          <a:lstStyle/>
+          <a:p>
+            <a:r>
+              <a:rPr lang="en-US" dirty="0"/>
+              <a:t>What is Robustness?</a:t>
+            </a:r>
+          </a:p>
+        </p:txBody>
+      </p:sp>
+      <p:sp>
+        <p:nvSpPr>
+          <p:cNvPr id="3" name="Text Placeholder 2"/>
+          <p:cNvSpPr>
+            <a:spLocks noGrp="1"/>
+          </p:cNvSpPr>
+          <p:nvPr>
+            <p:ph type="body" idx="1"/>
+          </p:nvPr>
+        </p:nvSpPr>
+        <p:spPr/>
+        <p:txBody>
+          <a:bodyPr/>
+          <a:lstStyle/>
+          <a:p>
+            <a:pPr>
+              <a:spcBef>
+                <a:spcPts val="800"/>
+              </a:spcBef>
+              <a:spcAft>
+                <a:spcPts val="800"/>
+              </a:spcAft>
+            </a:pPr>
+            <a:r>
+              <a:rPr lang="en-US" dirty="0"/>
+              <a:t>In general, </a:t>
+            </a:r>
+            <a:r>
+              <a:rPr lang="en-US" b="1" i="1" dirty="0"/>
+              <a:t>robustness</a:t>
+            </a:r>
+            <a:r>
+              <a:rPr lang="en-US" dirty="0"/>
+              <a:t> is the capability of a system to deal with </a:t>
+            </a:r>
+            <a:r>
+              <a:rPr lang="en-US" i="1" dirty="0"/>
+              <a:t>uncertainty.</a:t>
+            </a:r>
+            <a:endParaRPr lang="en-US" dirty="0"/>
+          </a:p>
+          <a:p>
+            <a:pPr>
+              <a:spcBef>
+                <a:spcPts val="800"/>
+              </a:spcBef>
+              <a:spcAft>
+                <a:spcPts val="800"/>
+              </a:spcAft>
+            </a:pPr>
+            <a:r>
+              <a:rPr lang="en-US" b="1" i="1" dirty="0"/>
+              <a:t>Uncertainty</a:t>
+            </a:r>
+            <a:r>
+              <a:rPr lang="en-US" i="1" dirty="0"/>
+              <a:t> </a:t>
+            </a:r>
+            <a:r>
+              <a:rPr lang="en-US" dirty="0"/>
+              <a:t>refers to the differences or errors between models and reality, and whatever mechanism is used to express these errors will be called a</a:t>
+            </a:r>
+            <a:r>
+              <a:rPr lang="en-US" i="1" dirty="0"/>
+              <a:t> representation of uncertainty.</a:t>
+            </a:r>
+            <a:r>
+              <a:rPr lang="en-US" dirty="0"/>
+              <a:t> </a:t>
+            </a:r>
+            <a:r>
+              <a:rPr lang="en-US" sz="1400" dirty="0"/>
+              <a:t>[Essential of Robust Control]</a:t>
+            </a:r>
+            <a:endParaRPr lang="en-US" sz="1400" i="1" dirty="0"/>
+          </a:p>
+        </p:txBody>
+      </p:sp>
+      <p:sp>
+        <p:nvSpPr>
+          <p:cNvPr id="4" name="Slide Number Placeholder 3"/>
+          <p:cNvSpPr>
+            <a:spLocks noGrp="1"/>
+          </p:cNvSpPr>
+          <p:nvPr>
+            <p:ph type="sldNum" idx="12"/>
+          </p:nvPr>
+        </p:nvSpPr>
+        <p:spPr/>
+        <p:txBody>
+          <a:bodyPr/>
+          <a:lstStyle/>
+          <a:p>
+            <a:pPr marL="0" lvl="0" indent="0" algn="r" rtl="0">
+              <a:spcBef>
+                <a:spcPts val="0"/>
+              </a:spcBef>
+              <a:spcAft>
+                <a:spcPts val="0"/>
+              </a:spcAft>
+              <a:buNone/>
+            </a:pPr>
+            <a:fld id="{00000000-1234-1234-1234-123412341234}" type="slidenum">
+              <a:rPr lang="en" smtClean="0"/>
+              <a:t>3</a:t>
+            </a:fld>
+            <a:endParaRPr lang="en"/>
+          </a:p>
+        </p:txBody>
+      </p:sp>
+    </p:spTree>
+    <p:extLst>
+      <p:ext uri="{BB962C8B-B14F-4D97-AF65-F5344CB8AC3E}">
+        <p14:creationId xmlns:p14="http://schemas.microsoft.com/office/powerpoint/2010/main" val="2793319361"/>
+      </p:ext>
+    </p:extLst>
+  </p:cSld>
+  <p:clrMapOvr>
+    <a:masterClrMapping/>
+  </p:clrMapOvr>
+</p:sld>
+</file>
+
+<file path=ppt/slides/slide30.xml><?xml version="1.0" encoding="utf-8"?>
 <p:sld xmlns:a="http://schemas.openxmlformats.org/drawingml/2006/main" xmlns:r="http://schemas.openxmlformats.org/officeDocument/2006/relationships" xmlns:p="http://schemas.openxmlformats.org/presentationml/2006/main">
   <p:cSld>
     <p:spTree>
@@ -16427,7 +17614,7 @@
             </a:pPr>
             <a:fld id="{00000000-1234-1234-1234-123412341234}" type="slidenum">
               <a:rPr lang="en" smtClean="0"/>
-              <a:t>28</a:t>
+              <a:t>30</a:t>
             </a:fld>
             <a:endParaRPr lang="en"/>
           </a:p>
@@ -16480,7 +17667,7 @@
 </p:sld>
 </file>
 
-<file path=ppt/slides/slide29.xml><?xml version="1.0" encoding="utf-8"?>
+<file path=ppt/slides/slide31.xml><?xml version="1.0" encoding="utf-8"?>
 <p:sld xmlns:a="http://schemas.openxmlformats.org/drawingml/2006/main" xmlns:r="http://schemas.openxmlformats.org/officeDocument/2006/relationships" xmlns:p="http://schemas.openxmlformats.org/presentationml/2006/main">
   <p:cSld>
     <p:spTree>
@@ -16843,7 +18030,7 @@
             </a:pPr>
             <a:fld id="{00000000-1234-1234-1234-123412341234}" type="slidenum">
               <a:rPr lang="en" smtClean="0"/>
-              <a:t>29</a:t>
+              <a:t>31</a:t>
             </a:fld>
             <a:endParaRPr lang="en"/>
           </a:p>
@@ -17002,169 +18189,7 @@
 </p:sld>
 </file>
 
-<file path=ppt/slides/slide3.xml><?xml version="1.0" encoding="utf-8"?>
-<p:sld xmlns:a="http://schemas.openxmlformats.org/drawingml/2006/main" xmlns:r="http://schemas.openxmlformats.org/officeDocument/2006/relationships" xmlns:p="http://schemas.openxmlformats.org/presentationml/2006/main">
-  <p:cSld>
-    <p:spTree>
-      <p:nvGrpSpPr>
-        <p:cNvPr id="1" name=""/>
-        <p:cNvGrpSpPr/>
-        <p:nvPr/>
-      </p:nvGrpSpPr>
-      <p:grpSpPr>
-        <a:xfrm>
-          <a:off x="0" y="0"/>
-          <a:ext cx="0" cy="0"/>
-          <a:chOff x="0" y="0"/>
-          <a:chExt cx="0" cy="0"/>
-        </a:xfrm>
-      </p:grpSpPr>
-      <p:sp>
-        <p:nvSpPr>
-          <p:cNvPr id="2" name="Title 1"/>
-          <p:cNvSpPr>
-            <a:spLocks noGrp="1"/>
-          </p:cNvSpPr>
-          <p:nvPr>
-            <p:ph type="title"/>
-          </p:nvPr>
-        </p:nvSpPr>
-        <p:spPr/>
-        <p:txBody>
-          <a:bodyPr/>
-          <a:lstStyle/>
-          <a:p>
-            <a:r>
-              <a:rPr lang="en-US" dirty="0"/>
-              <a:t>What is Robustness?</a:t>
-            </a:r>
-          </a:p>
-        </p:txBody>
-      </p:sp>
-      <p:sp>
-        <p:nvSpPr>
-          <p:cNvPr id="3" name="Text Placeholder 2"/>
-          <p:cNvSpPr>
-            <a:spLocks noGrp="1"/>
-          </p:cNvSpPr>
-          <p:nvPr>
-            <p:ph type="body" idx="1"/>
-          </p:nvPr>
-        </p:nvSpPr>
-        <p:spPr/>
-        <p:txBody>
-          <a:bodyPr/>
-          <a:lstStyle/>
-          <a:p>
-            <a:pPr>
-              <a:spcBef>
-                <a:spcPts val="800"/>
-              </a:spcBef>
-              <a:spcAft>
-                <a:spcPts val="800"/>
-              </a:spcAft>
-            </a:pPr>
-            <a:r>
-              <a:rPr lang="en-US" dirty="0"/>
-              <a:t>In general, </a:t>
-            </a:r>
-            <a:r>
-              <a:rPr lang="en-US" b="1" i="1" dirty="0"/>
-              <a:t>robustness</a:t>
-            </a:r>
-            <a:r>
-              <a:rPr lang="en-US" dirty="0"/>
-              <a:t> is the capability of a system to deal with </a:t>
-            </a:r>
-            <a:r>
-              <a:rPr lang="en-US" i="1" dirty="0"/>
-              <a:t>uncertainty.</a:t>
-            </a:r>
-            <a:endParaRPr lang="en-US" dirty="0"/>
-          </a:p>
-          <a:p>
-            <a:pPr>
-              <a:spcBef>
-                <a:spcPts val="800"/>
-              </a:spcBef>
-              <a:spcAft>
-                <a:spcPts val="800"/>
-              </a:spcAft>
-            </a:pPr>
-            <a:r>
-              <a:rPr lang="en-US" b="1" i="1" dirty="0"/>
-              <a:t>Uncertainty</a:t>
-            </a:r>
-            <a:r>
-              <a:rPr lang="en-US" i="1" dirty="0"/>
-              <a:t> </a:t>
-            </a:r>
-            <a:r>
-              <a:rPr lang="en-US" dirty="0"/>
-              <a:t>refers to the differences or errors between models and reality, and whatever mechanism is used to express these errors will be called a</a:t>
-            </a:r>
-            <a:r>
-              <a:rPr lang="en-US" i="1" dirty="0"/>
-              <a:t> representation of uncertainty.</a:t>
-            </a:r>
-            <a:r>
-              <a:rPr lang="en-US" dirty="0"/>
-              <a:t> </a:t>
-            </a:r>
-            <a:r>
-              <a:rPr lang="en-US" sz="1400" dirty="0"/>
-              <a:t>[Essential of Robust Control]</a:t>
-            </a:r>
-            <a:endParaRPr lang="en-US" sz="1400" i="1" dirty="0"/>
-          </a:p>
-        </p:txBody>
-      </p:sp>
-      <p:sp>
-        <p:nvSpPr>
-          <p:cNvPr id="4" name="Slide Number Placeholder 3"/>
-          <p:cNvSpPr>
-            <a:spLocks noGrp="1"/>
-          </p:cNvSpPr>
-          <p:nvPr>
-            <p:ph type="sldNum" idx="12"/>
-          </p:nvPr>
-        </p:nvSpPr>
-        <p:spPr/>
-        <p:txBody>
-          <a:bodyPr/>
-          <a:lstStyle/>
-          <a:p>
-            <a:pPr marL="0" lvl="0" indent="0" algn="r" rtl="0">
-              <a:spcBef>
-                <a:spcPts val="0"/>
-              </a:spcBef>
-              <a:spcAft>
-                <a:spcPts val="0"/>
-              </a:spcAft>
-              <a:buNone/>
-            </a:pPr>
-            <a:fld id="{00000000-1234-1234-1234-123412341234}" type="slidenum">
-              <a:rPr lang="en" smtClean="0"/>
-              <a:t>3</a:t>
-            </a:fld>
-            <a:endParaRPr lang="en"/>
-          </a:p>
-        </p:txBody>
-      </p:sp>
-    </p:spTree>
-    <p:extLst>
-      <p:ext uri="{BB962C8B-B14F-4D97-AF65-F5344CB8AC3E}">
-        <p14:creationId xmlns:p14="http://schemas.microsoft.com/office/powerpoint/2010/main" val="2793319361"/>
-      </p:ext>
-    </p:extLst>
-  </p:cSld>
-  <p:clrMapOvr>
-    <a:masterClrMapping/>
-  </p:clrMapOvr>
-</p:sld>
-</file>
-
-<file path=ppt/slides/slide30.xml><?xml version="1.0" encoding="utf-8"?>
+<file path=ppt/slides/slide32.xml><?xml version="1.0" encoding="utf-8"?>
 <p:sld xmlns:a="http://schemas.openxmlformats.org/drawingml/2006/main" xmlns:r="http://schemas.openxmlformats.org/officeDocument/2006/relationships" xmlns:p="http://schemas.openxmlformats.org/presentationml/2006/main">
   <p:cSld>
     <p:spTree>
@@ -17242,7 +18267,7 @@
             </a:pPr>
             <a:fld id="{00000000-1234-1234-1234-123412341234}" type="slidenum">
               <a:rPr lang="en" smtClean="0"/>
-              <a:t>30</a:t>
+              <a:t>32</a:t>
             </a:fld>
             <a:endParaRPr lang="en"/>
           </a:p>
@@ -17261,7 +18286,7 @@
 </p:sld>
 </file>
 
-<file path=ppt/slides/slide31.xml><?xml version="1.0" encoding="utf-8"?>
+<file path=ppt/slides/slide33.xml><?xml version="1.0" encoding="utf-8"?>
 <p:sld xmlns:a="http://schemas.openxmlformats.org/drawingml/2006/main" xmlns:r="http://schemas.openxmlformats.org/officeDocument/2006/relationships" xmlns:p="http://schemas.openxmlformats.org/presentationml/2006/main">
   <p:cSld>
     <p:spTree>
@@ -17280,10 +18305,10 @@
       </p:grpSpPr>
       <p:pic>
         <p:nvPicPr>
-          <p:cNvPr id="1026" name="Picture 2">
+          <p:cNvPr id="4098" name="Picture 2">
             <a:extLst>
               <a:ext uri="{FF2B5EF4-FFF2-40B4-BE49-F238E27FC236}">
-                <a16:creationId xmlns:a16="http://schemas.microsoft.com/office/drawing/2014/main" id="{1930665B-5FD9-47E6-B678-A01E93DE5E91}"/>
+                <a16:creationId xmlns:a16="http://schemas.microsoft.com/office/drawing/2014/main" id="{C3DCD8E1-D254-4698-9CDE-C35F6D641F52}"/>
               </a:ext>
             </a:extLst>
           </p:cNvPr>
@@ -17300,13 +18325,13 @@
               </a:ext>
             </a:extLst>
           </a:blip>
-          <a:srcRect l="3881" r="3767"/>
+          <a:srcRect l="4279" r="3603"/>
           <a:stretch/>
         </p:blipFill>
         <p:spPr bwMode="auto">
           <a:xfrm>
-            <a:off x="3007500" y="1479323"/>
-            <a:ext cx="6013658" cy="2878261"/>
+            <a:off x="3089618" y="1542218"/>
+            <a:ext cx="6052440" cy="2871117"/>
           </a:xfrm>
           <a:prstGeom prst="rect">
             <a:avLst/>
@@ -17398,7 +18423,7 @@
             </a:pPr>
             <a:fld id="{00000000-1234-1234-1234-123412341234}" type="slidenum">
               <a:rPr lang="en" smtClean="0"/>
-              <a:t>31</a:t>
+              <a:t>33</a:t>
             </a:fld>
             <a:endParaRPr lang="en"/>
           </a:p>
@@ -17576,88 +18601,10 @@
   <p:clrMapOvr>
     <a:masterClrMapping/>
   </p:clrMapOvr>
-  <p:timing>
-    <p:tnLst>
-      <p:par>
-        <p:cTn id="1" dur="indefinite" restart="never" nodeType="tmRoot">
-          <p:childTnLst>
-            <p:seq concurrent="1" nextAc="seek">
-              <p:cTn id="2" dur="indefinite" nodeType="mainSeq">
-                <p:childTnLst>
-                  <p:par>
-                    <p:cTn id="3" fill="hold">
-                      <p:stCondLst>
-                        <p:cond delay="indefinite"/>
-                      </p:stCondLst>
-                      <p:childTnLst>
-                        <p:par>
-                          <p:cTn id="4" fill="hold">
-                            <p:stCondLst>
-                              <p:cond delay="0"/>
-                            </p:stCondLst>
-                            <p:childTnLst>
-                              <p:par>
-                                <p:cTn id="5" presetID="1" presetClass="entr" presetSubtype="0" fill="hold" grpId="0" nodeType="clickEffect">
-                                  <p:stCondLst>
-                                    <p:cond delay="0"/>
-                                  </p:stCondLst>
-                                  <p:childTnLst>
-                                    <p:set>
-                                      <p:cBhvr>
-                                        <p:cTn id="6" dur="1" fill="hold">
-                                          <p:stCondLst>
-                                            <p:cond delay="0"/>
-                                          </p:stCondLst>
-                                        </p:cTn>
-                                        <p:tgtEl>
-                                          <p:spTgt spid="7"/>
-                                        </p:tgtEl>
-                                        <p:attrNameLst>
-                                          <p:attrName>style.visibility</p:attrName>
-                                        </p:attrNameLst>
-                                      </p:cBhvr>
-                                      <p:to>
-                                        <p:strVal val="visible"/>
-                                      </p:to>
-                                    </p:set>
-                                  </p:childTnLst>
-                                </p:cTn>
-                              </p:par>
-                            </p:childTnLst>
-                          </p:cTn>
-                        </p:par>
-                      </p:childTnLst>
-                    </p:cTn>
-                  </p:par>
-                </p:childTnLst>
-              </p:cTn>
-              <p:prevCondLst>
-                <p:cond evt="onPrev" delay="0">
-                  <p:tgtEl>
-                    <p:sldTgt/>
-                  </p:tgtEl>
-                </p:cond>
-              </p:prevCondLst>
-              <p:nextCondLst>
-                <p:cond evt="onNext" delay="0">
-                  <p:tgtEl>
-                    <p:sldTgt/>
-                  </p:tgtEl>
-                </p:cond>
-              </p:nextCondLst>
-            </p:seq>
-          </p:childTnLst>
-        </p:cTn>
-      </p:par>
-    </p:tnLst>
-    <p:bldLst>
-      <p:bldP spid="7" grpId="0" animBg="1"/>
-    </p:bldLst>
-  </p:timing>
 </p:sld>
 </file>
 
-<file path=ppt/slides/slide32.xml><?xml version="1.0" encoding="utf-8"?>
+<file path=ppt/slides/slide34.xml><?xml version="1.0" encoding="utf-8"?>
 <p:sld xmlns:a="http://schemas.openxmlformats.org/drawingml/2006/main" xmlns:r="http://schemas.openxmlformats.org/officeDocument/2006/relationships" xmlns:p="http://schemas.openxmlformats.org/presentationml/2006/main">
   <p:cSld>
     <p:spTree>
@@ -17764,7 +18711,7 @@
             </a:pPr>
             <a:fld id="{00000000-1234-1234-1234-123412341234}" type="slidenum">
               <a:rPr lang="en" smtClean="0"/>
-              <a:t>32</a:t>
+              <a:t>34</a:t>
             </a:fld>
             <a:endParaRPr lang="en"/>
           </a:p>
@@ -17785,7 +18732,7 @@
           <p:nvPr/>
         </p:nvPicPr>
         <p:blipFill>
-          <a:blip r:embed="rId2"/>
+          <a:blip r:embed="rId3"/>
           <a:stretch>
             <a:fillRect/>
           </a:stretch>
@@ -17942,7 +18889,7 @@
 </p:sld>
 </file>
 
-<file path=ppt/slides/slide33.xml><?xml version="1.0" encoding="utf-8"?>
+<file path=ppt/slides/slide35.xml><?xml version="1.0" encoding="utf-8"?>
 <p:sld xmlns:a="http://schemas.openxmlformats.org/drawingml/2006/main" xmlns:r="http://schemas.openxmlformats.org/officeDocument/2006/relationships" xmlns:p="http://schemas.openxmlformats.org/presentationml/2006/main">
   <p:cSld>
     <p:spTree>
@@ -17959,108 +18906,12 @@
           <a:chExt cx="0" cy="0"/>
         </a:xfrm>
       </p:grpSpPr>
-      <p:sp>
-        <p:nvSpPr>
-          <p:cNvPr id="2" name="Title 1">
+      <p:pic>
+        <p:nvPicPr>
+          <p:cNvPr id="6146" name="Picture 2">
             <a:extLst>
               <a:ext uri="{FF2B5EF4-FFF2-40B4-BE49-F238E27FC236}">
-                <a16:creationId xmlns:a16="http://schemas.microsoft.com/office/drawing/2014/main" id="{AAC8749B-6CAF-4AD1-89AA-BB5FD4CE5D59}"/>
-              </a:ext>
-            </a:extLst>
-          </p:cNvPr>
-          <p:cNvSpPr>
-            <a:spLocks noGrp="1"/>
-          </p:cNvSpPr>
-          <p:nvPr>
-            <p:ph type="title"/>
-          </p:nvPr>
-        </p:nvSpPr>
-        <p:spPr/>
-        <p:txBody>
-          <a:bodyPr/>
-          <a:lstStyle/>
-          <a:p>
-            <a:r>
-              <a:rPr lang="en-US" altLang="zh-CN" dirty="0"/>
-              <a:t>A Robust Version</a:t>
-            </a:r>
-            <a:endParaRPr lang="zh-CN" altLang="en-US" dirty="0"/>
-          </a:p>
-        </p:txBody>
-      </p:sp>
-      <p:sp>
-        <p:nvSpPr>
-          <p:cNvPr id="3" name="Text Placeholder 2">
-            <a:extLst>
-              <a:ext uri="{FF2B5EF4-FFF2-40B4-BE49-F238E27FC236}">
-                <a16:creationId xmlns:a16="http://schemas.microsoft.com/office/drawing/2014/main" id="{89414E6C-2AA3-47E0-BF28-01B507BD0500}"/>
-              </a:ext>
-            </a:extLst>
-          </p:cNvPr>
-          <p:cNvSpPr>
-            <a:spLocks noGrp="1"/>
-          </p:cNvSpPr>
-          <p:nvPr>
-            <p:ph type="body" idx="1"/>
-          </p:nvPr>
-        </p:nvSpPr>
-        <p:spPr/>
-        <p:txBody>
-          <a:bodyPr/>
-          <a:lstStyle/>
-          <a:p>
-            <a:r>
-              <a:rPr lang="en-US" altLang="zh-CN" dirty="0"/>
-              <a:t>Generate the weakest assumption</a:t>
-            </a:r>
-            <a:endParaRPr lang="zh-CN" altLang="en-US" dirty="0"/>
-          </a:p>
-        </p:txBody>
-      </p:sp>
-      <p:sp>
-        <p:nvSpPr>
-          <p:cNvPr id="4" name="Slide Number Placeholder 3">
-            <a:extLst>
-              <a:ext uri="{FF2B5EF4-FFF2-40B4-BE49-F238E27FC236}">
-                <a16:creationId xmlns:a16="http://schemas.microsoft.com/office/drawing/2014/main" id="{238E8377-DAD3-4E2D-8794-D9115A621ED3}"/>
-              </a:ext>
-            </a:extLst>
-          </p:cNvPr>
-          <p:cNvSpPr>
-            <a:spLocks noGrp="1"/>
-          </p:cNvSpPr>
-          <p:nvPr>
-            <p:ph type="sldNum" idx="12"/>
-          </p:nvPr>
-        </p:nvSpPr>
-        <p:spPr/>
-        <p:txBody>
-          <a:bodyPr/>
-          <a:lstStyle/>
-          <a:p>
-            <a:pPr marL="0" lvl="0" indent="0" algn="r" rtl="0">
-              <a:spcBef>
-                <a:spcPts val="0"/>
-              </a:spcBef>
-              <a:spcAft>
-                <a:spcPts val="0"/>
-              </a:spcAft>
-              <a:buNone/>
-            </a:pPr>
-            <a:fld id="{00000000-1234-1234-1234-123412341234}" type="slidenum">
-              <a:rPr lang="en" smtClean="0"/>
-              <a:t>33</a:t>
-            </a:fld>
-            <a:endParaRPr lang="en"/>
-          </a:p>
-        </p:txBody>
-      </p:sp>
-      <p:pic>
-        <p:nvPicPr>
-          <p:cNvPr id="2050" name="Picture 2">
-            <a:extLst>
-              <a:ext uri="{FF2B5EF4-FFF2-40B4-BE49-F238E27FC236}">
-                <a16:creationId xmlns:a16="http://schemas.microsoft.com/office/drawing/2014/main" id="{B162F53F-E04A-44D3-8905-D4E73290C1F5}"/>
+                <a16:creationId xmlns:a16="http://schemas.microsoft.com/office/drawing/2014/main" id="{26F39BF5-772E-489D-A684-22E156DA25E3}"/>
               </a:ext>
             </a:extLst>
           </p:cNvPr>
@@ -18084,8 +18935,8 @@
         </p:blipFill>
         <p:spPr bwMode="auto">
           <a:xfrm>
-            <a:off x="874256" y="1636186"/>
-            <a:ext cx="7395487" cy="2964614"/>
+            <a:off x="584250" y="1381842"/>
+            <a:ext cx="7975500" cy="3172200"/>
           </a:xfrm>
           <a:prstGeom prst="rect">
             <a:avLst/>
@@ -18104,6 +18955,102 @@
       </p:pic>
       <p:sp>
         <p:nvSpPr>
+          <p:cNvPr id="2" name="Title 1">
+            <a:extLst>
+              <a:ext uri="{FF2B5EF4-FFF2-40B4-BE49-F238E27FC236}">
+                <a16:creationId xmlns:a16="http://schemas.microsoft.com/office/drawing/2014/main" id="{AAC8749B-6CAF-4AD1-89AA-BB5FD4CE5D59}"/>
+              </a:ext>
+            </a:extLst>
+          </p:cNvPr>
+          <p:cNvSpPr>
+            <a:spLocks noGrp="1"/>
+          </p:cNvSpPr>
+          <p:nvPr>
+            <p:ph type="title"/>
+          </p:nvPr>
+        </p:nvSpPr>
+        <p:spPr/>
+        <p:txBody>
+          <a:bodyPr/>
+          <a:lstStyle/>
+          <a:p>
+            <a:r>
+              <a:rPr lang="en-US" altLang="zh-CN" dirty="0"/>
+              <a:t>A Robust Version</a:t>
+            </a:r>
+            <a:endParaRPr lang="zh-CN" altLang="en-US" dirty="0"/>
+          </a:p>
+        </p:txBody>
+      </p:sp>
+      <p:sp>
+        <p:nvSpPr>
+          <p:cNvPr id="3" name="Text Placeholder 2">
+            <a:extLst>
+              <a:ext uri="{FF2B5EF4-FFF2-40B4-BE49-F238E27FC236}">
+                <a16:creationId xmlns:a16="http://schemas.microsoft.com/office/drawing/2014/main" id="{89414E6C-2AA3-47E0-BF28-01B507BD0500}"/>
+              </a:ext>
+            </a:extLst>
+          </p:cNvPr>
+          <p:cNvSpPr>
+            <a:spLocks noGrp="1"/>
+          </p:cNvSpPr>
+          <p:nvPr>
+            <p:ph type="body" idx="1"/>
+          </p:nvPr>
+        </p:nvSpPr>
+        <p:spPr/>
+        <p:txBody>
+          <a:bodyPr/>
+          <a:lstStyle/>
+          <a:p>
+            <a:r>
+              <a:rPr lang="en-US" altLang="zh-CN" dirty="0"/>
+              <a:t>What is allowed!</a:t>
+            </a:r>
+            <a:endParaRPr lang="zh-CN" altLang="en-US" dirty="0"/>
+          </a:p>
+        </p:txBody>
+      </p:sp>
+      <p:sp>
+        <p:nvSpPr>
+          <p:cNvPr id="4" name="Slide Number Placeholder 3">
+            <a:extLst>
+              <a:ext uri="{FF2B5EF4-FFF2-40B4-BE49-F238E27FC236}">
+                <a16:creationId xmlns:a16="http://schemas.microsoft.com/office/drawing/2014/main" id="{238E8377-DAD3-4E2D-8794-D9115A621ED3}"/>
+              </a:ext>
+            </a:extLst>
+          </p:cNvPr>
+          <p:cNvSpPr>
+            <a:spLocks noGrp="1"/>
+          </p:cNvSpPr>
+          <p:nvPr>
+            <p:ph type="sldNum" idx="12"/>
+          </p:nvPr>
+        </p:nvSpPr>
+        <p:spPr/>
+        <p:txBody>
+          <a:bodyPr/>
+          <a:lstStyle/>
+          <a:p>
+            <a:pPr marL="0" lvl="0" indent="0" algn="r" rtl="0">
+              <a:spcBef>
+                <a:spcPts val="0"/>
+              </a:spcBef>
+              <a:spcAft>
+                <a:spcPts val="0"/>
+              </a:spcAft>
+              <a:buNone/>
+            </a:pPr>
+            <a:fld id="{00000000-1234-1234-1234-123412341234}" type="slidenum">
+              <a:rPr lang="en" smtClean="0"/>
+              <a:t>35</a:t>
+            </a:fld>
+            <a:endParaRPr lang="en"/>
+          </a:p>
+        </p:txBody>
+      </p:sp>
+      <p:sp>
+        <p:nvSpPr>
           <p:cNvPr id="6" name="Speech Bubble: Oval 5">
             <a:extLst>
               <a:ext uri="{FF2B5EF4-FFF2-40B4-BE49-F238E27FC236}">
@@ -18116,13 +19063,13 @@
         </p:nvSpPr>
         <p:spPr>
           <a:xfrm>
-            <a:off x="4259922" y="2618400"/>
+            <a:off x="4331922" y="2398746"/>
             <a:ext cx="2839278" cy="1372625"/>
           </a:xfrm>
           <a:prstGeom prst="wedgeEllipseCallout">
             <a:avLst>
-              <a:gd name="adj1" fmla="val -94099"/>
-              <a:gd name="adj2" fmla="val -33449"/>
+              <a:gd name="adj1" fmla="val -100693"/>
+              <a:gd name="adj2" fmla="val -25056"/>
             </a:avLst>
           </a:prstGeom>
         </p:spPr>
@@ -18171,88 +19118,10 @@
   <p:clrMapOvr>
     <a:masterClrMapping/>
   </p:clrMapOvr>
-  <p:timing>
-    <p:tnLst>
-      <p:par>
-        <p:cTn id="1" dur="indefinite" restart="never" nodeType="tmRoot">
-          <p:childTnLst>
-            <p:seq concurrent="1" nextAc="seek">
-              <p:cTn id="2" dur="indefinite" nodeType="mainSeq">
-                <p:childTnLst>
-                  <p:par>
-                    <p:cTn id="3" fill="hold">
-                      <p:stCondLst>
-                        <p:cond delay="indefinite"/>
-                      </p:stCondLst>
-                      <p:childTnLst>
-                        <p:par>
-                          <p:cTn id="4" fill="hold">
-                            <p:stCondLst>
-                              <p:cond delay="0"/>
-                            </p:stCondLst>
-                            <p:childTnLst>
-                              <p:par>
-                                <p:cTn id="5" presetID="1" presetClass="entr" presetSubtype="0" fill="hold" grpId="0" nodeType="clickEffect">
-                                  <p:stCondLst>
-                                    <p:cond delay="0"/>
-                                  </p:stCondLst>
-                                  <p:childTnLst>
-                                    <p:set>
-                                      <p:cBhvr>
-                                        <p:cTn id="6" dur="1" fill="hold">
-                                          <p:stCondLst>
-                                            <p:cond delay="0"/>
-                                          </p:stCondLst>
-                                        </p:cTn>
-                                        <p:tgtEl>
-                                          <p:spTgt spid="6"/>
-                                        </p:tgtEl>
-                                        <p:attrNameLst>
-                                          <p:attrName>style.visibility</p:attrName>
-                                        </p:attrNameLst>
-                                      </p:cBhvr>
-                                      <p:to>
-                                        <p:strVal val="visible"/>
-                                      </p:to>
-                                    </p:set>
-                                  </p:childTnLst>
-                                </p:cTn>
-                              </p:par>
-                            </p:childTnLst>
-                          </p:cTn>
-                        </p:par>
-                      </p:childTnLst>
-                    </p:cTn>
-                  </p:par>
-                </p:childTnLst>
-              </p:cTn>
-              <p:prevCondLst>
-                <p:cond evt="onPrev" delay="0">
-                  <p:tgtEl>
-                    <p:sldTgt/>
-                  </p:tgtEl>
-                </p:cond>
-              </p:prevCondLst>
-              <p:nextCondLst>
-                <p:cond evt="onNext" delay="0">
-                  <p:tgtEl>
-                    <p:sldTgt/>
-                  </p:tgtEl>
-                </p:cond>
-              </p:nextCondLst>
-            </p:seq>
-          </p:childTnLst>
-        </p:cTn>
-      </p:par>
-    </p:tnLst>
-    <p:bldLst>
-      <p:bldP spid="6" grpId="0" animBg="1"/>
-    </p:bldLst>
-  </p:timing>
 </p:sld>
 </file>
 
-<file path=ppt/slides/slide34.xml><?xml version="1.0" encoding="utf-8"?>
+<file path=ppt/slides/slide36.xml><?xml version="1.0" encoding="utf-8"?>
 <p:sld xmlns:a="http://schemas.openxmlformats.org/drawingml/2006/main" xmlns:r="http://schemas.openxmlformats.org/officeDocument/2006/relationships" xmlns:p="http://schemas.openxmlformats.org/presentationml/2006/main">
   <p:cSld>
     <p:spTree>
@@ -18269,6 +19138,53 @@
           <a:chExt cx="0" cy="0"/>
         </a:xfrm>
       </p:grpSpPr>
+      <p:pic>
+        <p:nvPicPr>
+          <p:cNvPr id="5124" name="Picture 4">
+            <a:extLst>
+              <a:ext uri="{FF2B5EF4-FFF2-40B4-BE49-F238E27FC236}">
+                <a16:creationId xmlns:a16="http://schemas.microsoft.com/office/drawing/2014/main" id="{5649A6EB-1C4D-4A6E-B5D9-CDFB2C94DAC8}"/>
+              </a:ext>
+            </a:extLst>
+          </p:cNvPr>
+          <p:cNvPicPr>
+            <a:picLocks noChangeAspect="1" noChangeArrowheads="1"/>
+          </p:cNvPicPr>
+          <p:nvPr/>
+        </p:nvPicPr>
+        <p:blipFill>
+          <a:blip r:embed="rId2">
+            <a:extLst>
+              <a:ext uri="{28A0092B-C50C-407E-A947-70E740481C1C}">
+                <a14:useLocalDpi xmlns:a14="http://schemas.microsoft.com/office/drawing/2010/main" val="0"/>
+              </a:ext>
+            </a:extLst>
+          </a:blip>
+          <a:srcRect/>
+          <a:stretch>
+            <a:fillRect/>
+          </a:stretch>
+        </p:blipFill>
+        <p:spPr bwMode="auto">
+          <a:xfrm>
+            <a:off x="609900" y="1368792"/>
+            <a:ext cx="8222400" cy="3270403"/>
+          </a:xfrm>
+          <a:prstGeom prst="rect">
+            <a:avLst/>
+          </a:prstGeom>
+          <a:noFill/>
+          <a:extLst>
+            <a:ext uri="{909E8E84-426E-40DD-AFC4-6F175D3DCCD1}">
+              <a14:hiddenFill xmlns:a14="http://schemas.microsoft.com/office/drawing/2010/main">
+                <a:solidFill>
+                  <a:srgbClr val="FFFFFF"/>
+                </a:solidFill>
+              </a14:hiddenFill>
+            </a:ext>
+          </a:extLst>
+        </p:spPr>
+      </p:pic>
       <p:sp>
         <p:nvSpPr>
           <p:cNvPr id="2" name="Title 1">
@@ -18326,7 +19242,15 @@
           <a:p>
             <a:r>
               <a:rPr lang="en-US" altLang="zh-CN" dirty="0"/>
-              <a:t>What is not allowed</a:t>
+              <a:t>What is </a:t>
+            </a:r>
+            <a:r>
+              <a:rPr lang="en-US" altLang="zh-CN" b="1" dirty="0"/>
+              <a:t>NOT</a:t>
+            </a:r>
+            <a:r>
+              <a:rPr lang="en-US" altLang="zh-CN" dirty="0"/>
+              <a:t> allowed!</a:t>
             </a:r>
             <a:endParaRPr lang="zh-CN" altLang="en-US" dirty="0"/>
           </a:p>
@@ -18364,59 +19288,12 @@
             </a:pPr>
             <a:fld id="{00000000-1234-1234-1234-123412341234}" type="slidenum">
               <a:rPr lang="en" smtClean="0"/>
-              <a:t>34</a:t>
+              <a:t>36</a:t>
             </a:fld>
             <a:endParaRPr lang="en"/>
           </a:p>
         </p:txBody>
       </p:sp>
-      <p:pic>
-        <p:nvPicPr>
-          <p:cNvPr id="4098" name="Picture 2">
-            <a:extLst>
-              <a:ext uri="{FF2B5EF4-FFF2-40B4-BE49-F238E27FC236}">
-                <a16:creationId xmlns:a16="http://schemas.microsoft.com/office/drawing/2014/main" id="{698A733E-878C-424E-8455-97B5F5DD2A65}"/>
-              </a:ext>
-            </a:extLst>
-          </p:cNvPr>
-          <p:cNvPicPr>
-            <a:picLocks noChangeAspect="1" noChangeArrowheads="1"/>
-          </p:cNvPicPr>
-          <p:nvPr/>
-        </p:nvPicPr>
-        <p:blipFill>
-          <a:blip r:embed="rId2">
-            <a:extLst>
-              <a:ext uri="{28A0092B-C50C-407E-A947-70E740481C1C}">
-                <a14:useLocalDpi xmlns:a14="http://schemas.microsoft.com/office/drawing/2010/main" val="0"/>
-              </a:ext>
-            </a:extLst>
-          </a:blip>
-          <a:srcRect/>
-          <a:stretch>
-            <a:fillRect/>
-          </a:stretch>
-        </p:blipFill>
-        <p:spPr bwMode="auto">
-          <a:xfrm>
-            <a:off x="808200" y="1577275"/>
-            <a:ext cx="7527600" cy="3017574"/>
-          </a:xfrm>
-          <a:prstGeom prst="rect">
-            <a:avLst/>
-          </a:prstGeom>
-          <a:noFill/>
-          <a:extLst>
-            <a:ext uri="{909E8E84-426E-40DD-AFC4-6F175D3DCCD1}">
-              <a14:hiddenFill xmlns:a14="http://schemas.microsoft.com/office/drawing/2010/main">
-                <a:solidFill>
-                  <a:srgbClr val="FFFFFF"/>
-                </a:solidFill>
-              </a14:hiddenFill>
-            </a:ext>
-          </a:extLst>
-        </p:spPr>
-      </p:pic>
       <p:sp>
         <p:nvSpPr>
           <p:cNvPr id="6" name="Speech Bubble: Oval 5">
@@ -18436,8 +19313,8 @@
           </a:xfrm>
           <a:prstGeom prst="wedgeEllipseCallout">
             <a:avLst>
-              <a:gd name="adj1" fmla="val -4001"/>
-              <a:gd name="adj2" fmla="val 97686"/>
+              <a:gd name="adj1" fmla="val -1499"/>
+              <a:gd name="adj2" fmla="val 82378"/>
             </a:avLst>
           </a:prstGeom>
         </p:spPr>
@@ -18489,8 +19366,8 @@
               </a:xfrm>
               <a:prstGeom prst="wedgeEllipseCallout">
                 <a:avLst>
-                  <a:gd name="adj1" fmla="val -55039"/>
-                  <a:gd name="adj2" fmla="val -89255"/>
+                  <a:gd name="adj1" fmla="val -49235"/>
+                  <a:gd name="adj2" fmla="val -97356"/>
                 </a:avLst>
               </a:prstGeom>
             </p:spPr>
@@ -18568,8 +19445,8 @@
               </a:xfrm>
               <a:prstGeom prst="wedgeEllipseCallout">
                 <a:avLst>
-                  <a:gd name="adj1" fmla="val -55039"/>
-                  <a:gd name="adj2" fmla="val -89255"/>
+                  <a:gd name="adj1" fmla="val -49235"/>
+                  <a:gd name="adj2" fmla="val -97356"/>
                 </a:avLst>
               </a:prstGeom>
               <a:blipFill>
@@ -18604,134 +19481,10 @@
   <p:clrMapOvr>
     <a:masterClrMapping/>
   </p:clrMapOvr>
-  <p:timing>
-    <p:tnLst>
-      <p:par>
-        <p:cTn id="1" dur="indefinite" restart="never" nodeType="tmRoot">
-          <p:childTnLst>
-            <p:seq concurrent="1" nextAc="seek">
-              <p:cTn id="2" dur="indefinite" nodeType="mainSeq">
-                <p:childTnLst>
-                  <p:par>
-                    <p:cTn id="3" fill="hold">
-                      <p:stCondLst>
-                        <p:cond delay="indefinite"/>
-                      </p:stCondLst>
-                      <p:childTnLst>
-                        <p:par>
-                          <p:cTn id="4" fill="hold">
-                            <p:stCondLst>
-                              <p:cond delay="0"/>
-                            </p:stCondLst>
-                            <p:childTnLst>
-                              <p:par>
-                                <p:cTn id="5" presetID="1" presetClass="entr" presetSubtype="0" fill="hold" grpId="0" nodeType="clickEffect">
-                                  <p:stCondLst>
-                                    <p:cond delay="0"/>
-                                  </p:stCondLst>
-                                  <p:childTnLst>
-                                    <p:set>
-                                      <p:cBhvr>
-                                        <p:cTn id="6" dur="1" fill="hold">
-                                          <p:stCondLst>
-                                            <p:cond delay="0"/>
-                                          </p:stCondLst>
-                                        </p:cTn>
-                                        <p:tgtEl>
-                                          <p:spTgt spid="6"/>
-                                        </p:tgtEl>
-                                        <p:attrNameLst>
-                                          <p:attrName>style.visibility</p:attrName>
-                                        </p:attrNameLst>
-                                      </p:cBhvr>
-                                      <p:to>
-                                        <p:strVal val="visible"/>
-                                      </p:to>
-                                    </p:set>
-                                  </p:childTnLst>
-                                </p:cTn>
-                              </p:par>
-                            </p:childTnLst>
-                          </p:cTn>
-                        </p:par>
-                      </p:childTnLst>
-                    </p:cTn>
-                  </p:par>
-                  <p:par>
-                    <p:cTn id="7" fill="hold">
-                      <p:stCondLst>
-                        <p:cond delay="indefinite"/>
-                      </p:stCondLst>
-                      <p:childTnLst>
-                        <p:par>
-                          <p:cTn id="8" fill="hold">
-                            <p:stCondLst>
-                              <p:cond delay="0"/>
-                            </p:stCondLst>
-                            <p:childTnLst>
-                              <p:par>
-                                <p:cTn id="9" presetID="1" presetClass="entr" presetSubtype="0" fill="hold" grpId="0" nodeType="clickEffect">
-                                  <p:stCondLst>
-                                    <p:cond delay="0"/>
-                                  </p:stCondLst>
-                                  <p:childTnLst>
-                                    <p:set>
-                                      <p:cBhvr>
-                                        <p:cTn id="10" dur="1" fill="hold">
-                                          <p:stCondLst>
-                                            <p:cond delay="0"/>
-                                          </p:stCondLst>
-                                        </p:cTn>
-                                        <p:tgtEl>
-                                          <p:spTgt spid="7"/>
-                                        </p:tgtEl>
-                                        <p:attrNameLst>
-                                          <p:attrName>style.visibility</p:attrName>
-                                        </p:attrNameLst>
-                                      </p:cBhvr>
-                                      <p:to>
-                                        <p:strVal val="visible"/>
-                                      </p:to>
-                                    </p:set>
-                                  </p:childTnLst>
-                                </p:cTn>
-                              </p:par>
-                            </p:childTnLst>
-                          </p:cTn>
-                        </p:par>
-                      </p:childTnLst>
-                    </p:cTn>
-                  </p:par>
-                </p:childTnLst>
-              </p:cTn>
-              <p:prevCondLst>
-                <p:cond evt="onPrev" delay="0">
-                  <p:tgtEl>
-                    <p:sldTgt/>
-                  </p:tgtEl>
-                </p:cond>
-              </p:prevCondLst>
-              <p:nextCondLst>
-                <p:cond evt="onNext" delay="0">
-                  <p:tgtEl>
-                    <p:sldTgt/>
-                  </p:tgtEl>
-                </p:cond>
-              </p:nextCondLst>
-            </p:seq>
-          </p:childTnLst>
-        </p:cTn>
-      </p:par>
-    </p:tnLst>
-    <p:bldLst>
-      <p:bldP spid="6" grpId="0" animBg="1"/>
-      <p:bldP spid="7" grpId="0" animBg="1"/>
-    </p:bldLst>
-  </p:timing>
 </p:sld>
 </file>
 
-<file path=ppt/slides/slide35.xml><?xml version="1.0" encoding="utf-8"?>
+<file path=ppt/slides/slide37.xml><?xml version="1.0" encoding="utf-8"?>
 <p:sld xmlns:a="http://schemas.openxmlformats.org/drawingml/2006/main" xmlns:r="http://schemas.openxmlformats.org/officeDocument/2006/relationships" xmlns:p="http://schemas.openxmlformats.org/presentationml/2006/main">
   <p:cSld>
     <p:spTree>
@@ -18748,8 +19501,8 @@
           <a:chExt cx="0" cy="0"/>
         </a:xfrm>
       </p:grpSpPr>
-      <mc:AlternateContent xmlns:mc="http://schemas.openxmlformats.org/markup-compatibility/2006">
-        <mc:Choice xmlns:a14="http://schemas.microsoft.com/office/drawing/2010/main" Requires="a14">
+      <mc:AlternateContent xmlns:mc="http://schemas.openxmlformats.org/markup-compatibility/2006" xmlns:a14="http://schemas.microsoft.com/office/drawing/2010/main">
+        <mc:Choice Requires="a14">
           <p:sp>
             <p:nvSpPr>
               <p:cNvPr id="2" name="Title 1">
@@ -18793,7 +19546,7 @@
             </p:txBody>
           </p:sp>
         </mc:Choice>
-        <mc:Fallback>
+        <mc:Fallback xmlns="">
           <p:sp>
             <p:nvSpPr>
               <p:cNvPr id="2" name="Title 1">
@@ -18910,7 +19663,7 @@
                 </a:pPr>
                 <a:r>
                   <a:rPr lang="en-US" altLang="zh-CN" dirty="0"/>
-                  <a:t>However, a trace could be infinite, </a:t>
+                  <a:t>However, a trace could be infinite, and </a:t>
                 </a:r>
                 <a14:m>
                   <m:oMath xmlns:m="http://schemas.openxmlformats.org/officeDocument/2006/math">
@@ -18961,7 +19714,55 @@
                 </a:pPr>
                 <a:r>
                   <a:rPr lang="en-US" altLang="zh-CN" dirty="0"/>
-                  <a:t>IMPORTANT: it is not self-explainable!</a:t>
+                  <a:t>IMPORTANT: </a:t>
+                </a:r>
+                <a14:m>
+                  <m:oMath xmlns:m="http://schemas.openxmlformats.org/officeDocument/2006/math">
+                    <m:sSub>
+                      <m:sSubPr>
+                        <m:ctrlPr>
+                          <a:rPr lang="en-US" altLang="zh-CN" i="1">
+                            <a:latin typeface="Cambria Math" panose="02040503050406030204" pitchFamily="18" charset="0"/>
+                          </a:rPr>
+                        </m:ctrlPr>
+                      </m:sSubPr>
+                      <m:e>
+                        <m:r>
+                          <m:rPr>
+                            <m:sty m:val="p"/>
+                          </m:rPr>
+                          <a:rPr lang="en-US" altLang="zh-CN">
+                            <a:latin typeface="Cambria Math" panose="02040503050406030204" pitchFamily="18" charset="0"/>
+                          </a:rPr>
+                          <m:t>Δ</m:t>
+                        </m:r>
+                      </m:e>
+                      <m:sub>
+                        <m:r>
+                          <a:rPr lang="en-US" altLang="zh-CN" i="1">
+                            <a:latin typeface="Cambria Math" panose="02040503050406030204" pitchFamily="18" charset="0"/>
+                          </a:rPr>
+                          <m:t>𝑆</m:t>
+                        </m:r>
+                      </m:sub>
+                    </m:sSub>
+                  </m:oMath>
+                </a14:m>
+                <a:r>
+                  <a:rPr lang="zh-CN" altLang="en-US" dirty="0"/>
+                  <a:t> </a:t>
+                </a:r>
+                <a:r>
+                  <a:rPr lang="en-US" altLang="zh-CN" dirty="0"/>
+                  <a:t>is </a:t>
+                </a:r>
+                <a:r>
+                  <a:rPr lang="en-US" altLang="zh-CN" b="1" dirty="0"/>
+                  <a:t>NOT</a:t>
+                </a:r>
+                <a:r>
+                  <a:rPr lang="en-US" altLang="zh-CN" dirty="0"/>
+                  <a:t> self-explainable!</a:t>
                 </a:r>
               </a:p>
               <a:p>
@@ -19042,7 +19843,7 @@
             </a:pPr>
             <a:fld id="{00000000-1234-1234-1234-123412341234}" type="slidenum">
               <a:rPr lang="en" smtClean="0"/>
-              <a:t>35</a:t>
+              <a:t>37</a:t>
             </a:fld>
             <a:endParaRPr lang="en"/>
           </a:p>
@@ -19061,7 +19862,7 @@
 </p:sld>
 </file>
 
-<file path=ppt/slides/slide36.xml><?xml version="1.0" encoding="utf-8"?>
+<file path=ppt/slides/slide38.xml><?xml version="1.0" encoding="utf-8"?>
 <p:sld xmlns:a="http://schemas.openxmlformats.org/drawingml/2006/main" xmlns:r="http://schemas.openxmlformats.org/officeDocument/2006/relationships" xmlns:p="http://schemas.openxmlformats.org/presentationml/2006/main">
   <p:cSld>
     <p:spTree>
@@ -19139,7 +19940,7 @@
             </a:pPr>
             <a:fld id="{00000000-1234-1234-1234-123412341234}" type="slidenum">
               <a:rPr lang="en" smtClean="0"/>
-              <a:t>36</a:t>
+              <a:t>38</a:t>
             </a:fld>
             <a:endParaRPr lang="en"/>
           </a:p>
@@ -19158,7 +19959,7 @@
 </p:sld>
 </file>
 
-<file path=ppt/slides/slide37.xml><?xml version="1.0" encoding="utf-8"?>
+<file path=ppt/slides/slide39.xml><?xml version="1.0" encoding="utf-8"?>
 <p:sld xmlns:a="http://schemas.openxmlformats.org/drawingml/2006/main" xmlns:r="http://schemas.openxmlformats.org/officeDocument/2006/relationships" xmlns:p="http://schemas.openxmlformats.org/presentationml/2006/main">
   <p:cSld>
     <p:spTree>
@@ -19280,7 +20081,7 @@
             </a:pPr>
             <a:fld id="{00000000-1234-1234-1234-123412341234}" type="slidenum">
               <a:rPr lang="en" smtClean="0"/>
-              <a:t>37</a:t>
+              <a:t>39</a:t>
             </a:fld>
             <a:endParaRPr lang="en"/>
           </a:p>
@@ -19411,479 +20212,6 @@
     <p:extLst>
       <p:ext uri="{BB962C8B-B14F-4D97-AF65-F5344CB8AC3E}">
         <p14:creationId xmlns:p14="http://schemas.microsoft.com/office/powerpoint/2010/main" val="1391659422"/>
-      </p:ext>
-    </p:extLst>
-  </p:cSld>
-  <p:clrMapOvr>
-    <a:masterClrMapping/>
-  </p:clrMapOvr>
-</p:sld>
-</file>
-
-<file path=ppt/slides/slide38.xml><?xml version="1.0" encoding="utf-8"?>
-<p:sld xmlns:a="http://schemas.openxmlformats.org/drawingml/2006/main" xmlns:r="http://schemas.openxmlformats.org/officeDocument/2006/relationships" xmlns:p="http://schemas.openxmlformats.org/presentationml/2006/main">
-  <p:cSld>
-    <p:spTree>
-      <p:nvGrpSpPr>
-        <p:cNvPr id="1" name=""/>
-        <p:cNvGrpSpPr/>
-        <p:nvPr/>
-      </p:nvGrpSpPr>
-      <p:grpSpPr>
-        <a:xfrm>
-          <a:off x="0" y="0"/>
-          <a:ext cx="0" cy="0"/>
-          <a:chOff x="0" y="0"/>
-          <a:chExt cx="0" cy="0"/>
-        </a:xfrm>
-      </p:grpSpPr>
-      <p:sp>
-        <p:nvSpPr>
-          <p:cNvPr id="2" name="Title 1">
-            <a:extLst>
-              <a:ext uri="{FF2B5EF4-FFF2-40B4-BE49-F238E27FC236}">
-                <a16:creationId xmlns:a16="http://schemas.microsoft.com/office/drawing/2014/main" id="{5446C8F8-2535-45F5-9E54-79909759610A}"/>
-              </a:ext>
-            </a:extLst>
-          </p:cNvPr>
-          <p:cNvSpPr>
-            <a:spLocks noGrp="1"/>
-          </p:cNvSpPr>
-          <p:nvPr>
-            <p:ph type="title"/>
-          </p:nvPr>
-        </p:nvSpPr>
-        <p:spPr/>
-        <p:txBody>
-          <a:bodyPr/>
-          <a:lstStyle/>
-          <a:p>
-            <a:r>
-              <a:rPr lang="en-US" altLang="zh-CN" dirty="0"/>
-              <a:t>Human Behavior Model: EOFM</a:t>
-            </a:r>
-            <a:endParaRPr lang="zh-CN" altLang="en-US" dirty="0"/>
-          </a:p>
-        </p:txBody>
-      </p:sp>
-      <p:sp>
-        <p:nvSpPr>
-          <p:cNvPr id="4" name="Slide Number Placeholder 3">
-            <a:extLst>
-              <a:ext uri="{FF2B5EF4-FFF2-40B4-BE49-F238E27FC236}">
-                <a16:creationId xmlns:a16="http://schemas.microsoft.com/office/drawing/2014/main" id="{8F4D334F-99EE-40FA-B7B4-8B953BE40E50}"/>
-              </a:ext>
-            </a:extLst>
-          </p:cNvPr>
-          <p:cNvSpPr>
-            <a:spLocks noGrp="1"/>
-          </p:cNvSpPr>
-          <p:nvPr>
-            <p:ph type="sldNum" idx="12"/>
-          </p:nvPr>
-        </p:nvSpPr>
-        <p:spPr/>
-        <p:txBody>
-          <a:bodyPr/>
-          <a:lstStyle/>
-          <a:p>
-            <a:pPr marL="0" lvl="0" indent="0" algn="r" rtl="0">
-              <a:spcBef>
-                <a:spcPts val="0"/>
-              </a:spcBef>
-              <a:spcAft>
-                <a:spcPts val="0"/>
-              </a:spcAft>
-              <a:buNone/>
-            </a:pPr>
-            <a:fld id="{00000000-1234-1234-1234-123412341234}" type="slidenum">
-              <a:rPr lang="en" smtClean="0"/>
-              <a:t>38</a:t>
-            </a:fld>
-            <a:endParaRPr lang="en"/>
-          </a:p>
-        </p:txBody>
-      </p:sp>
-      <p:sp>
-        <p:nvSpPr>
-          <p:cNvPr id="5" name="TextBox 4">
-            <a:extLst>
-              <a:ext uri="{FF2B5EF4-FFF2-40B4-BE49-F238E27FC236}">
-                <a16:creationId xmlns:a16="http://schemas.microsoft.com/office/drawing/2014/main" id="{F3C8B336-0E0A-4CE1-BA47-CE3A28F02337}"/>
-              </a:ext>
-            </a:extLst>
-          </p:cNvPr>
-          <p:cNvSpPr txBox="1"/>
-          <p:nvPr/>
-        </p:nvSpPr>
-        <p:spPr>
-          <a:xfrm>
-            <a:off x="311700" y="4294691"/>
-            <a:ext cx="8520600" cy="507831"/>
-          </a:xfrm>
-          <a:prstGeom prst="rect">
-            <a:avLst/>
-          </a:prstGeom>
-          <a:noFill/>
-        </p:spPr>
-        <p:txBody>
-          <a:bodyPr wrap="square" rtlCol="0">
-            <a:spAutoFit/>
-          </a:bodyPr>
-          <a:lstStyle/>
-          <a:p>
-            <a:r>
-              <a:rPr lang="en-US" sz="900" dirty="0">
-                <a:solidFill>
-                  <a:schemeClr val="bg2"/>
-                </a:solidFill>
-              </a:rPr>
-              <a:t>[Bolton13] </a:t>
-            </a:r>
-            <a:r>
-              <a:rPr lang="en-US" altLang="zh-CN" sz="900" dirty="0">
-                <a:solidFill>
-                  <a:schemeClr val="bg2"/>
-                </a:solidFill>
-              </a:rPr>
-              <a:t>Bolton, M. L., &amp; Bass, E. J. (2013). Generating erroneous human behavior from strategic knowledge in task models and evaluating its impact on system safety with model checking. IEEE Transactions on Systems, Man, and Cybernetics: Systems, 43(6), 1314–1327. https://doi.org/10.1109/TSMC.2013.2256129</a:t>
-            </a:r>
-          </a:p>
-          <a:p>
-            <a:endParaRPr lang="en-US" sz="900" dirty="0">
-              <a:solidFill>
-                <a:schemeClr val="bg2"/>
-              </a:solidFill>
-            </a:endParaRPr>
-          </a:p>
-        </p:txBody>
-      </p:sp>
-      <p:pic>
-        <p:nvPicPr>
-          <p:cNvPr id="6" name="Picture 5">
-            <a:extLst>
-              <a:ext uri="{FF2B5EF4-FFF2-40B4-BE49-F238E27FC236}">
-                <a16:creationId xmlns:a16="http://schemas.microsoft.com/office/drawing/2014/main" id="{274E7AA9-4DE1-4E60-A64E-38B69D3EE30A}"/>
-              </a:ext>
-            </a:extLst>
-          </p:cNvPr>
-          <p:cNvPicPr>
-            <a:picLocks noChangeAspect="1"/>
-          </p:cNvPicPr>
-          <p:nvPr/>
-        </p:nvPicPr>
-        <p:blipFill>
-          <a:blip r:embed="rId3"/>
-          <a:stretch>
-            <a:fillRect/>
-          </a:stretch>
-        </p:blipFill>
-        <p:spPr>
-          <a:xfrm>
-            <a:off x="196028" y="1214776"/>
-            <a:ext cx="4375972" cy="2576122"/>
-          </a:xfrm>
-          <a:prstGeom prst="rect">
-            <a:avLst/>
-          </a:prstGeom>
-        </p:spPr>
-      </p:pic>
-      <p:pic>
-        <p:nvPicPr>
-          <p:cNvPr id="7" name="Picture 6">
-            <a:extLst>
-              <a:ext uri="{FF2B5EF4-FFF2-40B4-BE49-F238E27FC236}">
-                <a16:creationId xmlns:a16="http://schemas.microsoft.com/office/drawing/2014/main" id="{4FDA47CD-19A0-4CF8-8556-5C7E8711AFB4}"/>
-              </a:ext>
-            </a:extLst>
-          </p:cNvPr>
-          <p:cNvPicPr>
-            <a:picLocks noChangeAspect="1"/>
-          </p:cNvPicPr>
-          <p:nvPr/>
-        </p:nvPicPr>
-        <p:blipFill>
-          <a:blip r:embed="rId4"/>
-          <a:stretch>
-            <a:fillRect/>
-          </a:stretch>
-        </p:blipFill>
-        <p:spPr>
-          <a:xfrm>
-            <a:off x="4670674" y="1034221"/>
-            <a:ext cx="4161626" cy="3063419"/>
-          </a:xfrm>
-          <a:prstGeom prst="rect">
-            <a:avLst/>
-          </a:prstGeom>
-        </p:spPr>
-      </p:pic>
-    </p:spTree>
-    <p:extLst>
-      <p:ext uri="{BB962C8B-B14F-4D97-AF65-F5344CB8AC3E}">
-        <p14:creationId xmlns:p14="http://schemas.microsoft.com/office/powerpoint/2010/main" val="3273979655"/>
-      </p:ext>
-    </p:extLst>
-  </p:cSld>
-  <p:clrMapOvr>
-    <a:masterClrMapping/>
-  </p:clrMapOvr>
-</p:sld>
-</file>
-
-<file path=ppt/slides/slide39.xml><?xml version="1.0" encoding="utf-8"?>
-<p:sld xmlns:a="http://schemas.openxmlformats.org/drawingml/2006/main" xmlns:r="http://schemas.openxmlformats.org/officeDocument/2006/relationships" xmlns:p="http://schemas.openxmlformats.org/presentationml/2006/main">
-  <p:cSld>
-    <p:spTree>
-      <p:nvGrpSpPr>
-        <p:cNvPr id="1" name=""/>
-        <p:cNvGrpSpPr/>
-        <p:nvPr/>
-      </p:nvGrpSpPr>
-      <p:grpSpPr>
-        <a:xfrm>
-          <a:off x="0" y="0"/>
-          <a:ext cx="0" cy="0"/>
-          <a:chOff x="0" y="0"/>
-          <a:chExt cx="0" cy="0"/>
-        </a:xfrm>
-      </p:grpSpPr>
-      <p:sp>
-        <p:nvSpPr>
-          <p:cNvPr id="2" name="Title 1">
-            <a:extLst>
-              <a:ext uri="{FF2B5EF4-FFF2-40B4-BE49-F238E27FC236}">
-                <a16:creationId xmlns:a16="http://schemas.microsoft.com/office/drawing/2014/main" id="{5446C8F8-2535-45F5-9E54-79909759610A}"/>
-              </a:ext>
-            </a:extLst>
-          </p:cNvPr>
-          <p:cNvSpPr>
-            <a:spLocks noGrp="1"/>
-          </p:cNvSpPr>
-          <p:nvPr>
-            <p:ph type="title"/>
-          </p:nvPr>
-        </p:nvSpPr>
-        <p:spPr/>
-        <p:txBody>
-          <a:bodyPr/>
-          <a:lstStyle/>
-          <a:p>
-            <a:r>
-              <a:rPr lang="en-US" altLang="zh-CN" dirty="0"/>
-              <a:t>Human Behavior Model: EOFM</a:t>
-            </a:r>
-            <a:endParaRPr lang="zh-CN" altLang="en-US" dirty="0"/>
-          </a:p>
-        </p:txBody>
-      </p:sp>
-      <p:sp>
-        <p:nvSpPr>
-          <p:cNvPr id="4" name="Slide Number Placeholder 3">
-            <a:extLst>
-              <a:ext uri="{FF2B5EF4-FFF2-40B4-BE49-F238E27FC236}">
-                <a16:creationId xmlns:a16="http://schemas.microsoft.com/office/drawing/2014/main" id="{8F4D334F-99EE-40FA-B7B4-8B953BE40E50}"/>
-              </a:ext>
-            </a:extLst>
-          </p:cNvPr>
-          <p:cNvSpPr>
-            <a:spLocks noGrp="1"/>
-          </p:cNvSpPr>
-          <p:nvPr>
-            <p:ph type="sldNum" idx="12"/>
-          </p:nvPr>
-        </p:nvSpPr>
-        <p:spPr/>
-        <p:txBody>
-          <a:bodyPr/>
-          <a:lstStyle/>
-          <a:p>
-            <a:pPr marL="0" lvl="0" indent="0" algn="r" rtl="0">
-              <a:spcBef>
-                <a:spcPts val="0"/>
-              </a:spcBef>
-              <a:spcAft>
-                <a:spcPts val="0"/>
-              </a:spcAft>
-              <a:buNone/>
-            </a:pPr>
-            <a:fld id="{00000000-1234-1234-1234-123412341234}" type="slidenum">
-              <a:rPr lang="en" smtClean="0"/>
-              <a:t>39</a:t>
-            </a:fld>
-            <a:endParaRPr lang="en"/>
-          </a:p>
-        </p:txBody>
-      </p:sp>
-      <p:sp>
-        <p:nvSpPr>
-          <p:cNvPr id="5" name="TextBox 4">
-            <a:extLst>
-              <a:ext uri="{FF2B5EF4-FFF2-40B4-BE49-F238E27FC236}">
-                <a16:creationId xmlns:a16="http://schemas.microsoft.com/office/drawing/2014/main" id="{F3C8B336-0E0A-4CE1-BA47-CE3A28F02337}"/>
-              </a:ext>
-            </a:extLst>
-          </p:cNvPr>
-          <p:cNvSpPr txBox="1"/>
-          <p:nvPr/>
-        </p:nvSpPr>
-        <p:spPr>
-          <a:xfrm>
-            <a:off x="311700" y="4294691"/>
-            <a:ext cx="8520600" cy="507831"/>
-          </a:xfrm>
-          <a:prstGeom prst="rect">
-            <a:avLst/>
-          </a:prstGeom>
-          <a:noFill/>
-        </p:spPr>
-        <p:txBody>
-          <a:bodyPr wrap="square" rtlCol="0">
-            <a:spAutoFit/>
-          </a:bodyPr>
-          <a:lstStyle/>
-          <a:p>
-            <a:r>
-              <a:rPr lang="en-US" sz="900" dirty="0">
-                <a:solidFill>
-                  <a:schemeClr val="bg2"/>
-                </a:solidFill>
-              </a:rPr>
-              <a:t>[Bolton13] </a:t>
-            </a:r>
-            <a:r>
-              <a:rPr lang="en-US" altLang="zh-CN" sz="900" dirty="0">
-                <a:solidFill>
-                  <a:schemeClr val="bg2"/>
-                </a:solidFill>
-              </a:rPr>
-              <a:t>Bolton, M. L., &amp; Bass, E. J. (2013). Generating erroneous human behavior from strategic knowledge in task models and evaluating its impact on system safety with model checking. IEEE Transactions on Systems, Man, and Cybernetics: Systems, 43(6), 1314–1327. https://doi.org/10.1109/TSMC.2013.2256129</a:t>
-            </a:r>
-          </a:p>
-          <a:p>
-            <a:endParaRPr lang="en-US" sz="900" dirty="0">
-              <a:solidFill>
-                <a:schemeClr val="bg2"/>
-              </a:solidFill>
-            </a:endParaRPr>
-          </a:p>
-        </p:txBody>
-      </p:sp>
-      <p:pic>
-        <p:nvPicPr>
-          <p:cNvPr id="6" name="Picture 5">
-            <a:extLst>
-              <a:ext uri="{FF2B5EF4-FFF2-40B4-BE49-F238E27FC236}">
-                <a16:creationId xmlns:a16="http://schemas.microsoft.com/office/drawing/2014/main" id="{274E7AA9-4DE1-4E60-A64E-38B69D3EE30A}"/>
-              </a:ext>
-            </a:extLst>
-          </p:cNvPr>
-          <p:cNvPicPr>
-            <a:picLocks noChangeAspect="1"/>
-          </p:cNvPicPr>
-          <p:nvPr/>
-        </p:nvPicPr>
-        <p:blipFill>
-          <a:blip r:embed="rId2"/>
-          <a:stretch>
-            <a:fillRect/>
-          </a:stretch>
-        </p:blipFill>
-        <p:spPr>
-          <a:xfrm>
-            <a:off x="196028" y="1214776"/>
-            <a:ext cx="4375972" cy="2576122"/>
-          </a:xfrm>
-          <a:prstGeom prst="rect">
-            <a:avLst/>
-          </a:prstGeom>
-        </p:spPr>
-      </p:pic>
-      <p:pic>
-        <p:nvPicPr>
-          <p:cNvPr id="7" name="Picture 6">
-            <a:extLst>
-              <a:ext uri="{FF2B5EF4-FFF2-40B4-BE49-F238E27FC236}">
-                <a16:creationId xmlns:a16="http://schemas.microsoft.com/office/drawing/2014/main" id="{4FDA47CD-19A0-4CF8-8556-5C7E8711AFB4}"/>
-              </a:ext>
-            </a:extLst>
-          </p:cNvPr>
-          <p:cNvPicPr>
-            <a:picLocks noChangeAspect="1"/>
-          </p:cNvPicPr>
-          <p:nvPr/>
-        </p:nvPicPr>
-        <p:blipFill>
-          <a:blip r:embed="rId3"/>
-          <a:stretch>
-            <a:fillRect/>
-          </a:stretch>
-        </p:blipFill>
-        <p:spPr>
-          <a:xfrm>
-            <a:off x="4670674" y="1034221"/>
-            <a:ext cx="4161626" cy="3063419"/>
-          </a:xfrm>
-          <a:prstGeom prst="rect">
-            <a:avLst/>
-          </a:prstGeom>
-        </p:spPr>
-      </p:pic>
-      <p:sp>
-        <p:nvSpPr>
-          <p:cNvPr id="3" name="Speech Bubble: Oval 2">
-            <a:extLst>
-              <a:ext uri="{FF2B5EF4-FFF2-40B4-BE49-F238E27FC236}">
-                <a16:creationId xmlns:a16="http://schemas.microsoft.com/office/drawing/2014/main" id="{93E7B581-E27C-44EC-B74B-5DCBC308C572}"/>
-              </a:ext>
-            </a:extLst>
-          </p:cNvPr>
-          <p:cNvSpPr/>
-          <p:nvPr/>
-        </p:nvSpPr>
-        <p:spPr>
-          <a:xfrm>
-            <a:off x="4392814" y="1685414"/>
-            <a:ext cx="3951986" cy="1776082"/>
-          </a:xfrm>
-          <a:prstGeom prst="wedgeEllipseCallout">
-            <a:avLst>
-              <a:gd name="adj1" fmla="val -119579"/>
-              <a:gd name="adj2" fmla="val -6416"/>
-            </a:avLst>
-          </a:prstGeom>
-        </p:spPr>
-        <p:style>
-          <a:lnRef idx="3">
-            <a:schemeClr val="lt1"/>
-          </a:lnRef>
-          <a:fillRef idx="1">
-            <a:schemeClr val="accent3"/>
-          </a:fillRef>
-          <a:effectRef idx="1">
-            <a:schemeClr val="accent3"/>
-          </a:effectRef>
-          <a:fontRef idx="minor">
-            <a:schemeClr val="lt1"/>
-          </a:fontRef>
-        </p:style>
-        <p:txBody>
-          <a:bodyPr rtlCol="0" anchor="ctr"/>
-          <a:lstStyle/>
-          <a:p>
-            <a:pPr algn="ctr"/>
-            <a:r>
-              <a:rPr lang="en-US" altLang="zh-CN" sz="1800" dirty="0"/>
-              <a:t>Intuitively, a user should perform an action if the precondition is satisfied and it is not completed.</a:t>
-            </a:r>
-            <a:endParaRPr lang="zh-CN" altLang="en-US" sz="1800" dirty="0"/>
-          </a:p>
-        </p:txBody>
-      </p:sp>
-    </p:spTree>
-    <p:extLst>
-      <p:ext uri="{BB962C8B-B14F-4D97-AF65-F5344CB8AC3E}">
-        <p14:creationId xmlns:p14="http://schemas.microsoft.com/office/powerpoint/2010/main" val="1817027678"/>
       </p:ext>
     </p:extLst>
   </p:cSld>
@@ -21230,6 +21558,479 @@
           <p:nvPr/>
         </p:nvPicPr>
         <p:blipFill>
+          <a:blip r:embed="rId3"/>
+          <a:stretch>
+            <a:fillRect/>
+          </a:stretch>
+        </p:blipFill>
+        <p:spPr>
+          <a:xfrm>
+            <a:off x="196028" y="1214776"/>
+            <a:ext cx="4375972" cy="2576122"/>
+          </a:xfrm>
+          <a:prstGeom prst="rect">
+            <a:avLst/>
+          </a:prstGeom>
+        </p:spPr>
+      </p:pic>
+      <p:pic>
+        <p:nvPicPr>
+          <p:cNvPr id="7" name="Picture 6">
+            <a:extLst>
+              <a:ext uri="{FF2B5EF4-FFF2-40B4-BE49-F238E27FC236}">
+                <a16:creationId xmlns:a16="http://schemas.microsoft.com/office/drawing/2014/main" id="{4FDA47CD-19A0-4CF8-8556-5C7E8711AFB4}"/>
+              </a:ext>
+            </a:extLst>
+          </p:cNvPr>
+          <p:cNvPicPr>
+            <a:picLocks noChangeAspect="1"/>
+          </p:cNvPicPr>
+          <p:nvPr/>
+        </p:nvPicPr>
+        <p:blipFill>
+          <a:blip r:embed="rId4"/>
+          <a:stretch>
+            <a:fillRect/>
+          </a:stretch>
+        </p:blipFill>
+        <p:spPr>
+          <a:xfrm>
+            <a:off x="4670674" y="1034221"/>
+            <a:ext cx="4161626" cy="3063419"/>
+          </a:xfrm>
+          <a:prstGeom prst="rect">
+            <a:avLst/>
+          </a:prstGeom>
+        </p:spPr>
+      </p:pic>
+    </p:spTree>
+    <p:extLst>
+      <p:ext uri="{BB962C8B-B14F-4D97-AF65-F5344CB8AC3E}">
+        <p14:creationId xmlns:p14="http://schemas.microsoft.com/office/powerpoint/2010/main" val="3273979655"/>
+      </p:ext>
+    </p:extLst>
+  </p:cSld>
+  <p:clrMapOvr>
+    <a:masterClrMapping/>
+  </p:clrMapOvr>
+</p:sld>
+</file>
+
+<file path=ppt/slides/slide41.xml><?xml version="1.0" encoding="utf-8"?>
+<p:sld xmlns:a="http://schemas.openxmlformats.org/drawingml/2006/main" xmlns:r="http://schemas.openxmlformats.org/officeDocument/2006/relationships" xmlns:p="http://schemas.openxmlformats.org/presentationml/2006/main">
+  <p:cSld>
+    <p:spTree>
+      <p:nvGrpSpPr>
+        <p:cNvPr id="1" name=""/>
+        <p:cNvGrpSpPr/>
+        <p:nvPr/>
+      </p:nvGrpSpPr>
+      <p:grpSpPr>
+        <a:xfrm>
+          <a:off x="0" y="0"/>
+          <a:ext cx="0" cy="0"/>
+          <a:chOff x="0" y="0"/>
+          <a:chExt cx="0" cy="0"/>
+        </a:xfrm>
+      </p:grpSpPr>
+      <p:sp>
+        <p:nvSpPr>
+          <p:cNvPr id="2" name="Title 1">
+            <a:extLst>
+              <a:ext uri="{FF2B5EF4-FFF2-40B4-BE49-F238E27FC236}">
+                <a16:creationId xmlns:a16="http://schemas.microsoft.com/office/drawing/2014/main" id="{5446C8F8-2535-45F5-9E54-79909759610A}"/>
+              </a:ext>
+            </a:extLst>
+          </p:cNvPr>
+          <p:cNvSpPr>
+            <a:spLocks noGrp="1"/>
+          </p:cNvSpPr>
+          <p:nvPr>
+            <p:ph type="title"/>
+          </p:nvPr>
+        </p:nvSpPr>
+        <p:spPr/>
+        <p:txBody>
+          <a:bodyPr/>
+          <a:lstStyle/>
+          <a:p>
+            <a:r>
+              <a:rPr lang="en-US" altLang="zh-CN" dirty="0"/>
+              <a:t>Human Behavior Model: EOFM</a:t>
+            </a:r>
+            <a:endParaRPr lang="zh-CN" altLang="en-US" dirty="0"/>
+          </a:p>
+        </p:txBody>
+      </p:sp>
+      <p:sp>
+        <p:nvSpPr>
+          <p:cNvPr id="4" name="Slide Number Placeholder 3">
+            <a:extLst>
+              <a:ext uri="{FF2B5EF4-FFF2-40B4-BE49-F238E27FC236}">
+                <a16:creationId xmlns:a16="http://schemas.microsoft.com/office/drawing/2014/main" id="{8F4D334F-99EE-40FA-B7B4-8B953BE40E50}"/>
+              </a:ext>
+            </a:extLst>
+          </p:cNvPr>
+          <p:cNvSpPr>
+            <a:spLocks noGrp="1"/>
+          </p:cNvSpPr>
+          <p:nvPr>
+            <p:ph type="sldNum" idx="12"/>
+          </p:nvPr>
+        </p:nvSpPr>
+        <p:spPr/>
+        <p:txBody>
+          <a:bodyPr/>
+          <a:lstStyle/>
+          <a:p>
+            <a:pPr marL="0" lvl="0" indent="0" algn="r" rtl="0">
+              <a:spcBef>
+                <a:spcPts val="0"/>
+              </a:spcBef>
+              <a:spcAft>
+                <a:spcPts val="0"/>
+              </a:spcAft>
+              <a:buNone/>
+            </a:pPr>
+            <a:fld id="{00000000-1234-1234-1234-123412341234}" type="slidenum">
+              <a:rPr lang="en" smtClean="0"/>
+              <a:t>41</a:t>
+            </a:fld>
+            <a:endParaRPr lang="en"/>
+          </a:p>
+        </p:txBody>
+      </p:sp>
+      <p:sp>
+        <p:nvSpPr>
+          <p:cNvPr id="5" name="TextBox 4">
+            <a:extLst>
+              <a:ext uri="{FF2B5EF4-FFF2-40B4-BE49-F238E27FC236}">
+                <a16:creationId xmlns:a16="http://schemas.microsoft.com/office/drawing/2014/main" id="{F3C8B336-0E0A-4CE1-BA47-CE3A28F02337}"/>
+              </a:ext>
+            </a:extLst>
+          </p:cNvPr>
+          <p:cNvSpPr txBox="1"/>
+          <p:nvPr/>
+        </p:nvSpPr>
+        <p:spPr>
+          <a:xfrm>
+            <a:off x="311700" y="4294691"/>
+            <a:ext cx="8520600" cy="507831"/>
+          </a:xfrm>
+          <a:prstGeom prst="rect">
+            <a:avLst/>
+          </a:prstGeom>
+          <a:noFill/>
+        </p:spPr>
+        <p:txBody>
+          <a:bodyPr wrap="square" rtlCol="0">
+            <a:spAutoFit/>
+          </a:bodyPr>
+          <a:lstStyle/>
+          <a:p>
+            <a:r>
+              <a:rPr lang="en-US" sz="900" dirty="0">
+                <a:solidFill>
+                  <a:schemeClr val="bg2"/>
+                </a:solidFill>
+              </a:rPr>
+              <a:t>[Bolton13] </a:t>
+            </a:r>
+            <a:r>
+              <a:rPr lang="en-US" altLang="zh-CN" sz="900" dirty="0">
+                <a:solidFill>
+                  <a:schemeClr val="bg2"/>
+                </a:solidFill>
+              </a:rPr>
+              <a:t>Bolton, M. L., &amp; Bass, E. J. (2013). Generating erroneous human behavior from strategic knowledge in task models and evaluating its impact on system safety with model checking. IEEE Transactions on Systems, Man, and Cybernetics: Systems, 43(6), 1314–1327. https://doi.org/10.1109/TSMC.2013.2256129</a:t>
+            </a:r>
+          </a:p>
+          <a:p>
+            <a:endParaRPr lang="en-US" sz="900" dirty="0">
+              <a:solidFill>
+                <a:schemeClr val="bg2"/>
+              </a:solidFill>
+            </a:endParaRPr>
+          </a:p>
+        </p:txBody>
+      </p:sp>
+      <p:pic>
+        <p:nvPicPr>
+          <p:cNvPr id="6" name="Picture 5">
+            <a:extLst>
+              <a:ext uri="{FF2B5EF4-FFF2-40B4-BE49-F238E27FC236}">
+                <a16:creationId xmlns:a16="http://schemas.microsoft.com/office/drawing/2014/main" id="{274E7AA9-4DE1-4E60-A64E-38B69D3EE30A}"/>
+              </a:ext>
+            </a:extLst>
+          </p:cNvPr>
+          <p:cNvPicPr>
+            <a:picLocks noChangeAspect="1"/>
+          </p:cNvPicPr>
+          <p:nvPr/>
+        </p:nvPicPr>
+        <p:blipFill>
+          <a:blip r:embed="rId2"/>
+          <a:stretch>
+            <a:fillRect/>
+          </a:stretch>
+        </p:blipFill>
+        <p:spPr>
+          <a:xfrm>
+            <a:off x="196028" y="1214776"/>
+            <a:ext cx="4375972" cy="2576122"/>
+          </a:xfrm>
+          <a:prstGeom prst="rect">
+            <a:avLst/>
+          </a:prstGeom>
+        </p:spPr>
+      </p:pic>
+      <p:pic>
+        <p:nvPicPr>
+          <p:cNvPr id="7" name="Picture 6">
+            <a:extLst>
+              <a:ext uri="{FF2B5EF4-FFF2-40B4-BE49-F238E27FC236}">
+                <a16:creationId xmlns:a16="http://schemas.microsoft.com/office/drawing/2014/main" id="{4FDA47CD-19A0-4CF8-8556-5C7E8711AFB4}"/>
+              </a:ext>
+            </a:extLst>
+          </p:cNvPr>
+          <p:cNvPicPr>
+            <a:picLocks noChangeAspect="1"/>
+          </p:cNvPicPr>
+          <p:nvPr/>
+        </p:nvPicPr>
+        <p:blipFill>
+          <a:blip r:embed="rId3"/>
+          <a:stretch>
+            <a:fillRect/>
+          </a:stretch>
+        </p:blipFill>
+        <p:spPr>
+          <a:xfrm>
+            <a:off x="4670674" y="1034221"/>
+            <a:ext cx="4161626" cy="3063419"/>
+          </a:xfrm>
+          <a:prstGeom prst="rect">
+            <a:avLst/>
+          </a:prstGeom>
+        </p:spPr>
+      </p:pic>
+      <p:sp>
+        <p:nvSpPr>
+          <p:cNvPr id="3" name="Speech Bubble: Oval 2">
+            <a:extLst>
+              <a:ext uri="{FF2B5EF4-FFF2-40B4-BE49-F238E27FC236}">
+                <a16:creationId xmlns:a16="http://schemas.microsoft.com/office/drawing/2014/main" id="{93E7B581-E27C-44EC-B74B-5DCBC308C572}"/>
+              </a:ext>
+            </a:extLst>
+          </p:cNvPr>
+          <p:cNvSpPr/>
+          <p:nvPr/>
+        </p:nvSpPr>
+        <p:spPr>
+          <a:xfrm>
+            <a:off x="4392814" y="1685414"/>
+            <a:ext cx="3951986" cy="1776082"/>
+          </a:xfrm>
+          <a:prstGeom prst="wedgeEllipseCallout">
+            <a:avLst>
+              <a:gd name="adj1" fmla="val -119579"/>
+              <a:gd name="adj2" fmla="val -6416"/>
+            </a:avLst>
+          </a:prstGeom>
+        </p:spPr>
+        <p:style>
+          <a:lnRef idx="3">
+            <a:schemeClr val="lt1"/>
+          </a:lnRef>
+          <a:fillRef idx="1">
+            <a:schemeClr val="accent3"/>
+          </a:fillRef>
+          <a:effectRef idx="1">
+            <a:schemeClr val="accent3"/>
+          </a:effectRef>
+          <a:fontRef idx="minor">
+            <a:schemeClr val="lt1"/>
+          </a:fontRef>
+        </p:style>
+        <p:txBody>
+          <a:bodyPr rtlCol="0" anchor="ctr"/>
+          <a:lstStyle/>
+          <a:p>
+            <a:pPr algn="ctr"/>
+            <a:r>
+              <a:rPr lang="en-US" altLang="zh-CN" sz="1800" dirty="0"/>
+              <a:t>Intuitively, a user should perform an action if the precondition is satisfied and it is not completed.</a:t>
+            </a:r>
+            <a:endParaRPr lang="zh-CN" altLang="en-US" sz="1800" dirty="0"/>
+          </a:p>
+        </p:txBody>
+      </p:sp>
+    </p:spTree>
+    <p:extLst>
+      <p:ext uri="{BB962C8B-B14F-4D97-AF65-F5344CB8AC3E}">
+        <p14:creationId xmlns:p14="http://schemas.microsoft.com/office/powerpoint/2010/main" val="1817027678"/>
+      </p:ext>
+    </p:extLst>
+  </p:cSld>
+  <p:clrMapOvr>
+    <a:masterClrMapping/>
+  </p:clrMapOvr>
+</p:sld>
+</file>
+
+<file path=ppt/slides/slide42.xml><?xml version="1.0" encoding="utf-8"?>
+<p:sld xmlns:a="http://schemas.openxmlformats.org/drawingml/2006/main" xmlns:r="http://schemas.openxmlformats.org/officeDocument/2006/relationships" xmlns:p="http://schemas.openxmlformats.org/presentationml/2006/main">
+  <p:cSld>
+    <p:spTree>
+      <p:nvGrpSpPr>
+        <p:cNvPr id="1" name=""/>
+        <p:cNvGrpSpPr/>
+        <p:nvPr/>
+      </p:nvGrpSpPr>
+      <p:grpSpPr>
+        <a:xfrm>
+          <a:off x="0" y="0"/>
+          <a:ext cx="0" cy="0"/>
+          <a:chOff x="0" y="0"/>
+          <a:chExt cx="0" cy="0"/>
+        </a:xfrm>
+      </p:grpSpPr>
+      <p:sp>
+        <p:nvSpPr>
+          <p:cNvPr id="2" name="Title 1">
+            <a:extLst>
+              <a:ext uri="{FF2B5EF4-FFF2-40B4-BE49-F238E27FC236}">
+                <a16:creationId xmlns:a16="http://schemas.microsoft.com/office/drawing/2014/main" id="{5446C8F8-2535-45F5-9E54-79909759610A}"/>
+              </a:ext>
+            </a:extLst>
+          </p:cNvPr>
+          <p:cNvSpPr>
+            <a:spLocks noGrp="1"/>
+          </p:cNvSpPr>
+          <p:nvPr>
+            <p:ph type="title"/>
+          </p:nvPr>
+        </p:nvSpPr>
+        <p:spPr/>
+        <p:txBody>
+          <a:bodyPr/>
+          <a:lstStyle/>
+          <a:p>
+            <a:r>
+              <a:rPr lang="en-US" altLang="zh-CN" dirty="0"/>
+              <a:t>Human Behavior Model: EOFM</a:t>
+            </a:r>
+            <a:endParaRPr lang="zh-CN" altLang="en-US" dirty="0"/>
+          </a:p>
+        </p:txBody>
+      </p:sp>
+      <p:sp>
+        <p:nvSpPr>
+          <p:cNvPr id="4" name="Slide Number Placeholder 3">
+            <a:extLst>
+              <a:ext uri="{FF2B5EF4-FFF2-40B4-BE49-F238E27FC236}">
+                <a16:creationId xmlns:a16="http://schemas.microsoft.com/office/drawing/2014/main" id="{8F4D334F-99EE-40FA-B7B4-8B953BE40E50}"/>
+              </a:ext>
+            </a:extLst>
+          </p:cNvPr>
+          <p:cNvSpPr>
+            <a:spLocks noGrp="1"/>
+          </p:cNvSpPr>
+          <p:nvPr>
+            <p:ph type="sldNum" idx="12"/>
+          </p:nvPr>
+        </p:nvSpPr>
+        <p:spPr/>
+        <p:txBody>
+          <a:bodyPr/>
+          <a:lstStyle/>
+          <a:p>
+            <a:pPr marL="0" lvl="0" indent="0" algn="r" rtl="0">
+              <a:spcBef>
+                <a:spcPts val="0"/>
+              </a:spcBef>
+              <a:spcAft>
+                <a:spcPts val="0"/>
+              </a:spcAft>
+              <a:buNone/>
+            </a:pPr>
+            <a:fld id="{00000000-1234-1234-1234-123412341234}" type="slidenum">
+              <a:rPr lang="en" smtClean="0"/>
+              <a:t>42</a:t>
+            </a:fld>
+            <a:endParaRPr lang="en"/>
+          </a:p>
+        </p:txBody>
+      </p:sp>
+      <p:sp>
+        <p:nvSpPr>
+          <p:cNvPr id="5" name="TextBox 4">
+            <a:extLst>
+              <a:ext uri="{FF2B5EF4-FFF2-40B4-BE49-F238E27FC236}">
+                <a16:creationId xmlns:a16="http://schemas.microsoft.com/office/drawing/2014/main" id="{F3C8B336-0E0A-4CE1-BA47-CE3A28F02337}"/>
+              </a:ext>
+            </a:extLst>
+          </p:cNvPr>
+          <p:cNvSpPr txBox="1"/>
+          <p:nvPr/>
+        </p:nvSpPr>
+        <p:spPr>
+          <a:xfrm>
+            <a:off x="311700" y="4294691"/>
+            <a:ext cx="8520600" cy="507831"/>
+          </a:xfrm>
+          <a:prstGeom prst="rect">
+            <a:avLst/>
+          </a:prstGeom>
+          <a:noFill/>
+        </p:spPr>
+        <p:txBody>
+          <a:bodyPr wrap="square" rtlCol="0">
+            <a:spAutoFit/>
+          </a:bodyPr>
+          <a:lstStyle/>
+          <a:p>
+            <a:r>
+              <a:rPr lang="en-US" sz="900" dirty="0">
+                <a:solidFill>
+                  <a:schemeClr val="bg2"/>
+                </a:solidFill>
+              </a:rPr>
+              <a:t>[Bolton13] </a:t>
+            </a:r>
+            <a:r>
+              <a:rPr lang="en-US" altLang="zh-CN" sz="900" dirty="0">
+                <a:solidFill>
+                  <a:schemeClr val="bg2"/>
+                </a:solidFill>
+              </a:rPr>
+              <a:t>Bolton, M. L., &amp; Bass, E. J. (2013). Generating erroneous human behavior from strategic knowledge in task models and evaluating its impact on system safety with model checking. IEEE Transactions on Systems, Man, and Cybernetics: Systems, 43(6), 1314–1327. https://doi.org/10.1109/TSMC.2013.2256129</a:t>
+            </a:r>
+          </a:p>
+          <a:p>
+            <a:endParaRPr lang="en-US" sz="900" dirty="0">
+              <a:solidFill>
+                <a:schemeClr val="bg2"/>
+              </a:solidFill>
+            </a:endParaRPr>
+          </a:p>
+        </p:txBody>
+      </p:sp>
+      <p:pic>
+        <p:nvPicPr>
+          <p:cNvPr id="6" name="Picture 5">
+            <a:extLst>
+              <a:ext uri="{FF2B5EF4-FFF2-40B4-BE49-F238E27FC236}">
+                <a16:creationId xmlns:a16="http://schemas.microsoft.com/office/drawing/2014/main" id="{274E7AA9-4DE1-4E60-A64E-38B69D3EE30A}"/>
+              </a:ext>
+            </a:extLst>
+          </p:cNvPr>
+          <p:cNvPicPr>
+            <a:picLocks noChangeAspect="1"/>
+          </p:cNvPicPr>
+          <p:nvPr/>
+        </p:nvPicPr>
+        <p:blipFill>
           <a:blip r:embed="rId2"/>
           <a:stretch>
             <a:fillRect/>
@@ -21339,7 +22140,7 @@
 </p:sld>
 </file>
 
-<file path=ppt/slides/slide41.xml><?xml version="1.0" encoding="utf-8"?>
+<file path=ppt/slides/slide43.xml><?xml version="1.0" encoding="utf-8"?>
 <p:sld xmlns:a="http://schemas.openxmlformats.org/drawingml/2006/main" xmlns:r="http://schemas.openxmlformats.org/officeDocument/2006/relationships" xmlns:p="http://schemas.openxmlformats.org/presentationml/2006/main">
   <p:cSld>
     <p:spTree>
@@ -21417,7 +22218,7 @@
             </a:pPr>
             <a:fld id="{00000000-1234-1234-1234-123412341234}" type="slidenum">
               <a:rPr lang="en" smtClean="0"/>
-              <a:t>41</a:t>
+              <a:t>43</a:t>
             </a:fld>
             <a:endParaRPr lang="en"/>
           </a:p>
@@ -21601,7 +22402,7 @@
 </p:sld>
 </file>
 
-<file path=ppt/slides/slide42.xml><?xml version="1.0" encoding="utf-8"?>
+<file path=ppt/slides/slide44.xml><?xml version="1.0" encoding="utf-8"?>
 <p:sld xmlns:a="http://schemas.openxmlformats.org/drawingml/2006/main" xmlns:r="http://schemas.openxmlformats.org/officeDocument/2006/relationships" xmlns:p="http://schemas.openxmlformats.org/presentationml/2006/main">
   <p:cSld>
     <p:spTree>
@@ -21679,7 +22480,7 @@
             </a:pPr>
             <a:fld id="{00000000-1234-1234-1234-123412341234}" type="slidenum">
               <a:rPr lang="en" smtClean="0"/>
-              <a:t>42</a:t>
+              <a:t>44</a:t>
             </a:fld>
             <a:endParaRPr lang="en"/>
           </a:p>
@@ -21863,7 +22664,7 @@
 </p:sld>
 </file>
 
-<file path=ppt/slides/slide43.xml><?xml version="1.0" encoding="utf-8"?>
+<file path=ppt/slides/slide45.xml><?xml version="1.0" encoding="utf-8"?>
 <p:sld xmlns:a="http://schemas.openxmlformats.org/drawingml/2006/main" xmlns:r="http://schemas.openxmlformats.org/officeDocument/2006/relationships" xmlns:p="http://schemas.openxmlformats.org/presentationml/2006/main">
   <p:cSld>
     <p:spTree>
@@ -21971,7 +22772,7 @@
             </a:pPr>
             <a:fld id="{00000000-1234-1234-1234-123412341234}" type="slidenum">
               <a:rPr lang="en" smtClean="0"/>
-              <a:t>43</a:t>
+              <a:t>45</a:t>
             </a:fld>
             <a:endParaRPr lang="en"/>
           </a:p>
@@ -22025,7 +22826,7 @@
 </p:sld>
 </file>
 
-<file path=ppt/slides/slide44.xml><?xml version="1.0" encoding="utf-8"?>
+<file path=ppt/slides/slide46.xml><?xml version="1.0" encoding="utf-8"?>
 <p:sld xmlns:a="http://schemas.openxmlformats.org/drawingml/2006/main" xmlns:r="http://schemas.openxmlformats.org/officeDocument/2006/relationships" xmlns:p="http://schemas.openxmlformats.org/presentationml/2006/main">
   <p:cSld>
     <p:spTree>
@@ -22103,7 +22904,7 @@
             </a:pPr>
             <a:fld id="{00000000-1234-1234-1234-123412341234}" type="slidenum">
               <a:rPr lang="en" smtClean="0"/>
-              <a:t>44</a:t>
+              <a:t>46</a:t>
             </a:fld>
             <a:endParaRPr lang="en"/>
           </a:p>
@@ -22122,7 +22923,174 @@
 </p:sld>
 </file>
 
-<file path=ppt/slides/slide45.xml><?xml version="1.0" encoding="utf-8"?>
+<file path=ppt/slides/slide47.xml><?xml version="1.0" encoding="utf-8"?>
+<p:sld xmlns:a="http://schemas.openxmlformats.org/drawingml/2006/main" xmlns:r="http://schemas.openxmlformats.org/officeDocument/2006/relationships" xmlns:p="http://schemas.openxmlformats.org/presentationml/2006/main">
+  <p:cSld>
+    <p:spTree>
+      <p:nvGrpSpPr>
+        <p:cNvPr id="1" name=""/>
+        <p:cNvGrpSpPr/>
+        <p:nvPr/>
+      </p:nvGrpSpPr>
+      <p:grpSpPr>
+        <a:xfrm>
+          <a:off x="0" y="0"/>
+          <a:ext cx="0" cy="0"/>
+          <a:chOff x="0" y="0"/>
+          <a:chExt cx="0" cy="0"/>
+        </a:xfrm>
+      </p:grpSpPr>
+      <p:sp>
+        <p:nvSpPr>
+          <p:cNvPr id="2" name="Title 1">
+            <a:extLst>
+              <a:ext uri="{FF2B5EF4-FFF2-40B4-BE49-F238E27FC236}">
+                <a16:creationId xmlns:a16="http://schemas.microsoft.com/office/drawing/2014/main" id="{0E7F5F24-2B06-406F-ABEB-0E1DEB94C325}"/>
+              </a:ext>
+            </a:extLst>
+          </p:cNvPr>
+          <p:cNvSpPr>
+            <a:spLocks noGrp="1"/>
+          </p:cNvSpPr>
+          <p:nvPr>
+            <p:ph type="title"/>
+          </p:nvPr>
+        </p:nvSpPr>
+        <p:spPr/>
+        <p:txBody>
+          <a:bodyPr/>
+          <a:lstStyle/>
+          <a:p>
+            <a:r>
+              <a:rPr lang="en-US" altLang="zh-CN" dirty="0"/>
+              <a:t>Limitations and Challenges</a:t>
+            </a:r>
+            <a:endParaRPr lang="zh-CN" altLang="en-US" dirty="0"/>
+          </a:p>
+        </p:txBody>
+      </p:sp>
+      <p:sp>
+        <p:nvSpPr>
+          <p:cNvPr id="3" name="Text Placeholder 2">
+            <a:extLst>
+              <a:ext uri="{FF2B5EF4-FFF2-40B4-BE49-F238E27FC236}">
+                <a16:creationId xmlns:a16="http://schemas.microsoft.com/office/drawing/2014/main" id="{5E6FEB96-2979-48CD-BE08-E8C3AC0785CB}"/>
+              </a:ext>
+            </a:extLst>
+          </p:cNvPr>
+          <p:cNvSpPr>
+            <a:spLocks noGrp="1"/>
+          </p:cNvSpPr>
+          <p:nvPr>
+            <p:ph type="body" idx="1"/>
+          </p:nvPr>
+        </p:nvSpPr>
+        <p:spPr/>
+        <p:txBody>
+          <a:bodyPr/>
+          <a:lstStyle/>
+          <a:p>
+            <a:pPr>
+              <a:spcAft>
+                <a:spcPts val="1600"/>
+              </a:spcAft>
+            </a:pPr>
+            <a:r>
+              <a:rPr lang="en-US" altLang="zh-CN" sz="1600" dirty="0"/>
+              <a:t>Generated weakest assumption can capture the maximum allowed behavior.</a:t>
+            </a:r>
+          </a:p>
+          <a:p>
+            <a:pPr>
+              <a:spcAft>
+                <a:spcPts val="1600"/>
+              </a:spcAft>
+            </a:pPr>
+            <a:r>
+              <a:rPr lang="en-US" altLang="zh-CN" sz="1600" dirty="0"/>
+              <a:t>However, the alphabet is limited to the defined interface between the system and environment.</a:t>
+            </a:r>
+          </a:p>
+          <a:p>
+            <a:pPr>
+              <a:spcAft>
+                <a:spcPts val="1600"/>
+              </a:spcAft>
+            </a:pPr>
+            <a:r>
+              <a:rPr lang="en-US" altLang="zh-CN" sz="1600" dirty="0"/>
+              <a:t>CANNOT handle:</a:t>
+            </a:r>
+          </a:p>
+          <a:p>
+            <a:pPr lvl="1"/>
+            <a:r>
+              <a:rPr lang="en-US" altLang="zh-CN" dirty="0"/>
+              <a:t>Coffee machine example: plug out the machine during brewing.</a:t>
+            </a:r>
+          </a:p>
+          <a:p>
+            <a:pPr lvl="1"/>
+            <a:r>
+              <a:rPr lang="en-US" altLang="zh-CN" dirty="0"/>
+              <a:t>Security: attackers find a new side-channel or a new 0-day exploit.</a:t>
+            </a:r>
+            <a:endParaRPr lang="zh-CN" altLang="en-US" dirty="0"/>
+          </a:p>
+        </p:txBody>
+      </p:sp>
+      <p:sp>
+        <p:nvSpPr>
+          <p:cNvPr id="4" name="Slide Number Placeholder 3">
+            <a:extLst>
+              <a:ext uri="{FF2B5EF4-FFF2-40B4-BE49-F238E27FC236}">
+                <a16:creationId xmlns:a16="http://schemas.microsoft.com/office/drawing/2014/main" id="{C9CD0930-B4E3-47A2-8E92-1CBF50B4F5AF}"/>
+              </a:ext>
+            </a:extLst>
+          </p:cNvPr>
+          <p:cNvSpPr>
+            <a:spLocks noGrp="1"/>
+          </p:cNvSpPr>
+          <p:nvPr>
+            <p:ph type="sldNum" idx="12"/>
+          </p:nvPr>
+        </p:nvSpPr>
+        <p:spPr/>
+        <p:txBody>
+          <a:bodyPr/>
+          <a:lstStyle/>
+          <a:p>
+            <a:pPr marL="0" lvl="0" indent="0" algn="r" rtl="0">
+              <a:spcBef>
+                <a:spcPts val="0"/>
+              </a:spcBef>
+              <a:spcAft>
+                <a:spcPts val="0"/>
+              </a:spcAft>
+              <a:buNone/>
+            </a:pPr>
+            <a:fld id="{00000000-1234-1234-1234-123412341234}" type="slidenum">
+              <a:rPr lang="en" smtClean="0"/>
+              <a:t>47</a:t>
+            </a:fld>
+            <a:endParaRPr lang="en"/>
+          </a:p>
+        </p:txBody>
+      </p:sp>
+    </p:spTree>
+    <p:extLst>
+      <p:ext uri="{BB962C8B-B14F-4D97-AF65-F5344CB8AC3E}">
+        <p14:creationId xmlns:p14="http://schemas.microsoft.com/office/powerpoint/2010/main" val="1483327231"/>
+      </p:ext>
+    </p:extLst>
+  </p:cSld>
+  <p:clrMapOvr>
+    <a:masterClrMapping/>
+  </p:clrMapOvr>
+</p:sld>
+</file>
+
+<file path=ppt/slides/slide48.xml><?xml version="1.0" encoding="utf-8"?>
 <p:sld xmlns:a="http://schemas.openxmlformats.org/drawingml/2006/main" xmlns:r="http://schemas.openxmlformats.org/officeDocument/2006/relationships" xmlns:p="http://schemas.openxmlformats.org/presentationml/2006/main">
   <p:cSld>
     <p:spTree>
@@ -22162,14 +23130,14 @@
           <a:p>
             <a:r>
               <a:rPr lang="en-US" altLang="zh-CN" dirty="0"/>
-              <a:t>Current Limitations and Challenges</a:t>
+              <a:t>Limitations and Challenges</a:t>
             </a:r>
             <a:endParaRPr lang="zh-CN" altLang="en-US" dirty="0"/>
           </a:p>
         </p:txBody>
       </p:sp>
-      <mc:AlternateContent xmlns:mc="http://schemas.openxmlformats.org/markup-compatibility/2006">
-        <mc:Choice xmlns:a14="http://schemas.microsoft.com/office/drawing/2010/main" Requires="a14">
+      <mc:AlternateContent xmlns:mc="http://schemas.openxmlformats.org/markup-compatibility/2006" xmlns:a14="http://schemas.microsoft.com/office/drawing/2010/main">
+        <mc:Choice Requires="a14">
           <p:sp>
             <p:nvSpPr>
               <p:cNvPr id="3" name="Text Placeholder 2">
@@ -22253,7 +23221,7 @@
             </p:txBody>
           </p:sp>
         </mc:Choice>
-        <mc:Fallback>
+        <mc:Fallback xmlns="">
           <p:sp>
             <p:nvSpPr>
               <p:cNvPr id="3" name="Text Placeholder 2">
@@ -22325,7 +23293,7 @@
             </a:pPr>
             <a:fld id="{00000000-1234-1234-1234-123412341234}" type="slidenum">
               <a:rPr lang="en" smtClean="0"/>
-              <a:t>45</a:t>
+              <a:t>48</a:t>
             </a:fld>
             <a:endParaRPr lang="en"/>
           </a:p>
@@ -22438,7 +23406,7 @@
 </p:sld>
 </file>
 
-<file path=ppt/slides/slide46.xml><?xml version="1.0" encoding="utf-8"?>
+<file path=ppt/slides/slide49.xml><?xml version="1.0" encoding="utf-8"?>
 <p:sld xmlns:a="http://schemas.openxmlformats.org/drawingml/2006/main" xmlns:r="http://schemas.openxmlformats.org/officeDocument/2006/relationships" xmlns:p="http://schemas.openxmlformats.org/presentationml/2006/main">
   <p:cSld>
     <p:spTree>
@@ -22614,7 +23582,7 @@
             </a:pPr>
             <a:fld id="{00000000-1234-1234-1234-123412341234}" type="slidenum">
               <a:rPr lang="en" smtClean="0"/>
-              <a:t>46</a:t>
+              <a:t>49</a:t>
             </a:fld>
             <a:endParaRPr lang="en"/>
           </a:p>
@@ -23106,7 +24074,7 @@
         <p:spPr>
           <a:xfrm>
             <a:off x="3578400" y="2793600"/>
-            <a:ext cx="4298400" cy="1344050"/>
+            <a:ext cx="4341600" cy="1461600"/>
           </a:xfrm>
           <a:prstGeom prst="wedgeEllipseCallout">
             <a:avLst>
@@ -23132,6 +24100,16 @@
         <p:txBody>
           <a:bodyPr rtlCol="0" anchor="ctr"/>
           <a:lstStyle/>
+          <a:p>
+            <a:pPr marL="285750" indent="-285750">
+              <a:buFont typeface="Arial" panose="020B0604020202020204" pitchFamily="34" charset="0"/>
+              <a:buChar char="•"/>
+            </a:pPr>
+            <a:r>
+              <a:rPr lang="en-US" altLang="zh-CN" sz="1600" dirty="0"/>
+              <a:t>Trial-and-Error</a:t>
+            </a:r>
+          </a:p>
           <a:p>
             <a:pPr marL="285750" indent="-285750">
               <a:buFont typeface="Arial" panose="020B0604020202020204" pitchFamily="34" charset="0"/>
@@ -23189,7 +24167,7 @@
           <p:cNvPr id="2" name="Title 1">
             <a:extLst>
               <a:ext uri="{FF2B5EF4-FFF2-40B4-BE49-F238E27FC236}">
-                <a16:creationId xmlns:a16="http://schemas.microsoft.com/office/drawing/2014/main" id="{6C1F9992-97D5-4FD9-81C6-25AD1655782E}"/>
+                <a16:creationId xmlns:a16="http://schemas.microsoft.com/office/drawing/2014/main" id="{93AC3106-3622-470F-94AC-464FD41DC847}"/>
               </a:ext>
             </a:extLst>
           </p:cNvPr>
@@ -23218,7 +24196,7 @@
           <p:cNvPr id="3" name="Text Placeholder 2">
             <a:extLst>
               <a:ext uri="{FF2B5EF4-FFF2-40B4-BE49-F238E27FC236}">
-                <a16:creationId xmlns:a16="http://schemas.microsoft.com/office/drawing/2014/main" id="{6E6557EE-02B7-4CF8-93A1-2ED682732739}"/>
+                <a16:creationId xmlns:a16="http://schemas.microsoft.com/office/drawing/2014/main" id="{A5A63D98-0052-42E6-BD29-3F227BDA1261}"/>
               </a:ext>
             </a:extLst>
           </p:cNvPr>
@@ -23241,7 +24219,7 @@
             </a:pPr>
             <a:r>
               <a:rPr lang="en-US" altLang="zh-CN" dirty="0"/>
-              <a:t>For a given system, can we tell what a system can do/cannot do without using trial-and-error?</a:t>
+              <a:t>Instead of trial-and-error, can we directly analyze what a system can/cannot do?</a:t>
             </a:r>
           </a:p>
           <a:p>
@@ -23252,7 +24230,7 @@
             </a:pPr>
             <a:r>
               <a:rPr lang="en-US" altLang="zh-CN" dirty="0"/>
-              <a:t>To achieve correct-by-design, can we tell how robust a system is in advance? (Just like other quality attributes)</a:t>
+              <a:t>Can we determine the robustness of a system in design phase rather than in testing phase, just like other quality attributes? (Correct-by-design)</a:t>
             </a:r>
           </a:p>
           <a:p>
@@ -23267,15 +24245,9 @@
             </a:r>
           </a:p>
           <a:p>
-            <a:pPr>
-              <a:spcAft>
-                <a:spcPts val="1600"/>
-              </a:spcAft>
-            </a:pPr>
-            <a:r>
-              <a:rPr lang="en-US" altLang="zh-CN" dirty="0"/>
-              <a:t>Is a design consistent with the design intentions?</a:t>
-            </a:r>
+            <a:endParaRPr lang="en-US" altLang="zh-CN" dirty="0"/>
+          </a:p>
+          <a:p>
             <a:endParaRPr lang="zh-CN" altLang="en-US" dirty="0"/>
           </a:p>
         </p:txBody>
@@ -23285,7 +24257,7 @@
           <p:cNvPr id="4" name="Slide Number Placeholder 3">
             <a:extLst>
               <a:ext uri="{FF2B5EF4-FFF2-40B4-BE49-F238E27FC236}">
-                <a16:creationId xmlns:a16="http://schemas.microsoft.com/office/drawing/2014/main" id="{E78DE9C4-F97C-4270-82B6-61307A815108}"/>
+                <a16:creationId xmlns:a16="http://schemas.microsoft.com/office/drawing/2014/main" id="{B58EA178-5DE4-4033-ABC5-049926815253}"/>
               </a:ext>
             </a:extLst>
           </p:cNvPr>
@@ -23321,7 +24293,7 @@
     </p:spTree>
     <p:extLst>
       <p:ext uri="{BB962C8B-B14F-4D97-AF65-F5344CB8AC3E}">
-        <p14:creationId xmlns:p14="http://schemas.microsoft.com/office/powerpoint/2010/main" val="2594950094"/>
+        <p14:creationId xmlns:p14="http://schemas.microsoft.com/office/powerpoint/2010/main" val="1827034133"/>
       </p:ext>
     </p:extLst>
   </p:cSld>
@@ -23371,7 +24343,7 @@
           <a:p>
             <a:r>
               <a:rPr lang="en-US" altLang="zh-CN" dirty="0"/>
-              <a:t>Motivation</a:t>
+              <a:t>Correct-by-design</a:t>
             </a:r>
             <a:endParaRPr lang="zh-CN" altLang="en-US" dirty="0"/>
           </a:p>

--- a/Robustness-SSSG.pptx
+++ b/Robustness-SSSG.pptx
@@ -62,29 +62,33 @@
   <p:notesSz cx="6858000" cy="9144000"/>
   <p:embeddedFontLst>
     <p:embeddedFont>
-      <p:font typeface="Cambria Math" panose="02040503050406030204" pitchFamily="18" charset="0"/>
+      <p:font typeface="Open Sans" panose="020B0604020202020204" charset="0"/>
       <p:regular r:id="rId52"/>
+      <p:bold r:id="rId53"/>
+      <p:italic r:id="rId54"/>
+      <p:boldItalic r:id="rId55"/>
     </p:embeddedFont>
     <p:embeddedFont>
-      <p:font typeface="Open Sans" panose="02010600030101010101" charset="0"/>
-      <p:regular r:id="rId53"/>
-      <p:bold r:id="rId54"/>
-      <p:italic r:id="rId55"/>
-      <p:boldItalic r:id="rId56"/>
+      <p:font typeface="宋体" panose="02010600030101010101" pitchFamily="2" charset="-122"/>
+      <p:regular r:id="rId56"/>
     </p:embeddedFont>
     <p:embeddedFont>
-      <p:font typeface="Open Sans Light" panose="02010600030101010101" charset="0"/>
+      <p:font typeface="Cambria Math" panose="02040503050406030204" pitchFamily="18" charset="0"/>
       <p:regular r:id="rId57"/>
-      <p:bold r:id="rId58"/>
-      <p:italic r:id="rId59"/>
-      <p:boldItalic r:id="rId60"/>
     </p:embeddedFont>
     <p:embeddedFont>
-      <p:font typeface="Open Sans SemiBold" panose="02010600030101010101" charset="0"/>
-      <p:regular r:id="rId61"/>
-      <p:bold r:id="rId62"/>
-      <p:italic r:id="rId63"/>
-      <p:boldItalic r:id="rId64"/>
+      <p:font typeface="Open Sans Light" panose="020B0604020202020204" charset="0"/>
+      <p:regular r:id="rId58"/>
+      <p:bold r:id="rId59"/>
+      <p:italic r:id="rId60"/>
+      <p:boldItalic r:id="rId61"/>
+    </p:embeddedFont>
+    <p:embeddedFont>
+      <p:font typeface="Open Sans SemiBold" panose="020B0604020202020204" charset="0"/>
+      <p:regular r:id="rId62"/>
+      <p:bold r:id="rId63"/>
+      <p:italic r:id="rId64"/>
+      <p:boldItalic r:id="rId65"/>
     </p:embeddedFont>
   </p:embeddedFontLst>
   <p:defaultTextStyle>
@@ -337,6 +341,881 @@
 </file>
 
 <file path=ppt/diagrams/colors1.xml><?xml version="1.0" encoding="utf-8"?>
+<dgm:colorsDef xmlns:dgm="http://schemas.openxmlformats.org/drawingml/2006/diagram" xmlns:a="http://schemas.openxmlformats.org/drawingml/2006/main" uniqueId="urn:microsoft.com/office/officeart/2005/8/colors/accent3_3">
+  <dgm:title val=""/>
+  <dgm:desc val=""/>
+  <dgm:catLst>
+    <dgm:cat type="accent3" pri="11300"/>
+  </dgm:catLst>
+  <dgm:styleLbl name="node0">
+    <dgm:fillClrLst meth="repeat">
+      <a:schemeClr val="accent3">
+        <a:shade val="80000"/>
+      </a:schemeClr>
+    </dgm:fillClrLst>
+    <dgm:linClrLst meth="repeat">
+      <a:schemeClr val="lt1"/>
+    </dgm:linClrLst>
+    <dgm:effectClrLst/>
+    <dgm:txLinClrLst/>
+    <dgm:txFillClrLst/>
+    <dgm:txEffectClrLst/>
+  </dgm:styleLbl>
+  <dgm:styleLbl name="node1">
+    <dgm:fillClrLst>
+      <a:schemeClr val="accent3">
+        <a:shade val="80000"/>
+      </a:schemeClr>
+      <a:schemeClr val="accent3">
+        <a:tint val="70000"/>
+      </a:schemeClr>
+    </dgm:fillClrLst>
+    <dgm:linClrLst meth="repeat">
+      <a:schemeClr val="lt1"/>
+    </dgm:linClrLst>
+    <dgm:effectClrLst/>
+    <dgm:txLinClrLst/>
+    <dgm:txFillClrLst/>
+    <dgm:txEffectClrLst/>
+  </dgm:styleLbl>
+  <dgm:styleLbl name="alignNode1">
+    <dgm:fillClrLst>
+      <a:schemeClr val="accent3">
+        <a:shade val="80000"/>
+      </a:schemeClr>
+      <a:schemeClr val="accent3">
+        <a:tint val="70000"/>
+      </a:schemeClr>
+    </dgm:fillClrLst>
+    <dgm:linClrLst>
+      <a:schemeClr val="accent3">
+        <a:shade val="80000"/>
+      </a:schemeClr>
+      <a:schemeClr val="accent3">
+        <a:tint val="70000"/>
+      </a:schemeClr>
+    </dgm:linClrLst>
+    <dgm:effectClrLst/>
+    <dgm:txLinClrLst/>
+    <dgm:txFillClrLst/>
+    <dgm:txEffectClrLst/>
+  </dgm:styleLbl>
+  <dgm:styleLbl name="lnNode1">
+    <dgm:fillClrLst>
+      <a:schemeClr val="accent3">
+        <a:shade val="80000"/>
+      </a:schemeClr>
+      <a:schemeClr val="accent3">
+        <a:tint val="70000"/>
+      </a:schemeClr>
+    </dgm:fillClrLst>
+    <dgm:linClrLst meth="repeat">
+      <a:schemeClr val="lt1"/>
+    </dgm:linClrLst>
+    <dgm:effectClrLst/>
+    <dgm:txLinClrLst/>
+    <dgm:txFillClrLst/>
+    <dgm:txEffectClrLst/>
+  </dgm:styleLbl>
+  <dgm:styleLbl name="vennNode1">
+    <dgm:fillClrLst>
+      <a:schemeClr val="accent3">
+        <a:shade val="80000"/>
+        <a:alpha val="50000"/>
+      </a:schemeClr>
+      <a:schemeClr val="accent3">
+        <a:tint val="70000"/>
+        <a:alpha val="50000"/>
+      </a:schemeClr>
+    </dgm:fillClrLst>
+    <dgm:linClrLst meth="repeat">
+      <a:schemeClr val="lt1"/>
+    </dgm:linClrLst>
+    <dgm:effectClrLst/>
+    <dgm:txLinClrLst/>
+    <dgm:txFillClrLst/>
+    <dgm:txEffectClrLst/>
+  </dgm:styleLbl>
+  <dgm:styleLbl name="node2">
+    <dgm:fillClrLst>
+      <a:schemeClr val="accent3">
+        <a:tint val="99000"/>
+      </a:schemeClr>
+    </dgm:fillClrLst>
+    <dgm:linClrLst meth="repeat">
+      <a:schemeClr val="lt1"/>
+    </dgm:linClrLst>
+    <dgm:effectClrLst/>
+    <dgm:txLinClrLst/>
+    <dgm:txFillClrLst/>
+    <dgm:txEffectClrLst/>
+  </dgm:styleLbl>
+  <dgm:styleLbl name="node3">
+    <dgm:fillClrLst>
+      <a:schemeClr val="accent3">
+        <a:tint val="80000"/>
+      </a:schemeClr>
+    </dgm:fillClrLst>
+    <dgm:linClrLst meth="repeat">
+      <a:schemeClr val="lt1"/>
+    </dgm:linClrLst>
+    <dgm:effectClrLst/>
+    <dgm:txLinClrLst/>
+    <dgm:txFillClrLst/>
+    <dgm:txEffectClrLst/>
+  </dgm:styleLbl>
+  <dgm:styleLbl name="node4">
+    <dgm:fillClrLst>
+      <a:schemeClr val="accent3">
+        <a:tint val="70000"/>
+      </a:schemeClr>
+    </dgm:fillClrLst>
+    <dgm:linClrLst meth="repeat">
+      <a:schemeClr val="lt1"/>
+    </dgm:linClrLst>
+    <dgm:effectClrLst/>
+    <dgm:txLinClrLst/>
+    <dgm:txFillClrLst/>
+    <dgm:txEffectClrLst/>
+  </dgm:styleLbl>
+  <dgm:styleLbl name="fgImgPlace1">
+    <dgm:fillClrLst>
+      <a:schemeClr val="accent3">
+        <a:tint val="50000"/>
+      </a:schemeClr>
+      <a:schemeClr val="accent3">
+        <a:tint val="20000"/>
+      </a:schemeClr>
+    </dgm:fillClrLst>
+    <dgm:linClrLst meth="repeat">
+      <a:schemeClr val="lt1"/>
+    </dgm:linClrLst>
+    <dgm:effectClrLst/>
+    <dgm:txLinClrLst/>
+    <dgm:txFillClrLst meth="repeat">
+      <a:schemeClr val="lt1"/>
+    </dgm:txFillClrLst>
+    <dgm:txEffectClrLst/>
+  </dgm:styleLbl>
+  <dgm:styleLbl name="alignImgPlace1">
+    <dgm:fillClrLst>
+      <a:schemeClr val="accent3">
+        <a:tint val="50000"/>
+      </a:schemeClr>
+      <a:schemeClr val="accent3">
+        <a:tint val="20000"/>
+      </a:schemeClr>
+    </dgm:fillClrLst>
+    <dgm:linClrLst meth="repeat">
+      <a:schemeClr val="lt1"/>
+    </dgm:linClrLst>
+    <dgm:effectClrLst/>
+    <dgm:txLinClrLst/>
+    <dgm:txFillClrLst meth="repeat">
+      <a:schemeClr val="lt1"/>
+    </dgm:txFillClrLst>
+    <dgm:txEffectClrLst/>
+  </dgm:styleLbl>
+  <dgm:styleLbl name="bgImgPlace1">
+    <dgm:fillClrLst>
+      <a:schemeClr val="accent3">
+        <a:tint val="50000"/>
+      </a:schemeClr>
+      <a:schemeClr val="accent3">
+        <a:tint val="20000"/>
+      </a:schemeClr>
+    </dgm:fillClrLst>
+    <dgm:linClrLst meth="repeat">
+      <a:schemeClr val="lt1"/>
+    </dgm:linClrLst>
+    <dgm:effectClrLst/>
+    <dgm:txLinClrLst/>
+    <dgm:txFillClrLst meth="repeat">
+      <a:schemeClr val="lt1"/>
+    </dgm:txFillClrLst>
+    <dgm:txEffectClrLst/>
+  </dgm:styleLbl>
+  <dgm:styleLbl name="sibTrans2D1">
+    <dgm:fillClrLst>
+      <a:schemeClr val="accent3">
+        <a:shade val="90000"/>
+      </a:schemeClr>
+      <a:schemeClr val="accent3">
+        <a:tint val="70000"/>
+      </a:schemeClr>
+    </dgm:fillClrLst>
+    <dgm:linClrLst>
+      <a:schemeClr val="accent3">
+        <a:shade val="90000"/>
+      </a:schemeClr>
+      <a:schemeClr val="accent3">
+        <a:tint val="70000"/>
+      </a:schemeClr>
+    </dgm:linClrLst>
+    <dgm:effectClrLst/>
+    <dgm:txLinClrLst/>
+    <dgm:txFillClrLst/>
+    <dgm:txEffectClrLst/>
+  </dgm:styleLbl>
+  <dgm:styleLbl name="fgSibTrans2D1">
+    <dgm:fillClrLst>
+      <a:schemeClr val="accent3">
+        <a:shade val="90000"/>
+      </a:schemeClr>
+      <a:schemeClr val="accent3">
+        <a:tint val="70000"/>
+      </a:schemeClr>
+    </dgm:fillClrLst>
+    <dgm:linClrLst>
+      <a:schemeClr val="accent3">
+        <a:shade val="90000"/>
+      </a:schemeClr>
+      <a:schemeClr val="accent3">
+        <a:tint val="70000"/>
+      </a:schemeClr>
+    </dgm:linClrLst>
+    <dgm:effectClrLst/>
+    <dgm:txLinClrLst/>
+    <dgm:txFillClrLst meth="repeat">
+      <a:schemeClr val="lt1"/>
+    </dgm:txFillClrLst>
+    <dgm:txEffectClrLst/>
+  </dgm:styleLbl>
+  <dgm:styleLbl name="bgSibTrans2D1">
+    <dgm:fillClrLst>
+      <a:schemeClr val="accent3">
+        <a:shade val="90000"/>
+      </a:schemeClr>
+      <a:schemeClr val="accent3">
+        <a:tint val="70000"/>
+      </a:schemeClr>
+    </dgm:fillClrLst>
+    <dgm:linClrLst>
+      <a:schemeClr val="accent3">
+        <a:shade val="90000"/>
+      </a:schemeClr>
+      <a:schemeClr val="accent3">
+        <a:tint val="70000"/>
+      </a:schemeClr>
+    </dgm:linClrLst>
+    <dgm:effectClrLst/>
+    <dgm:txLinClrLst/>
+    <dgm:txFillClrLst meth="repeat">
+      <a:schemeClr val="lt1"/>
+    </dgm:txFillClrLst>
+    <dgm:txEffectClrLst/>
+  </dgm:styleLbl>
+  <dgm:styleLbl name="sibTrans1D1">
+    <dgm:fillClrLst>
+      <a:schemeClr val="accent3">
+        <a:shade val="90000"/>
+      </a:schemeClr>
+      <a:schemeClr val="accent3">
+        <a:tint val="70000"/>
+      </a:schemeClr>
+    </dgm:fillClrLst>
+    <dgm:linClrLst>
+      <a:schemeClr val="accent3">
+        <a:shade val="90000"/>
+      </a:schemeClr>
+      <a:schemeClr val="accent3">
+        <a:tint val="70000"/>
+      </a:schemeClr>
+    </dgm:linClrLst>
+    <dgm:effectClrLst/>
+    <dgm:txLinClrLst/>
+    <dgm:txFillClrLst meth="repeat">
+      <a:schemeClr val="tx1"/>
+    </dgm:txFillClrLst>
+    <dgm:txEffectClrLst/>
+  </dgm:styleLbl>
+  <dgm:styleLbl name="callout">
+    <dgm:fillClrLst meth="repeat">
+      <a:schemeClr val="accent3"/>
+    </dgm:fillClrLst>
+    <dgm:linClrLst meth="repeat">
+      <a:schemeClr val="accent3"/>
+    </dgm:linClrLst>
+    <dgm:effectClrLst/>
+    <dgm:txLinClrLst/>
+    <dgm:txFillClrLst meth="repeat">
+      <a:schemeClr val="tx1"/>
+    </dgm:txFillClrLst>
+    <dgm:txEffectClrLst/>
+  </dgm:styleLbl>
+  <dgm:styleLbl name="asst0">
+    <dgm:fillClrLst meth="repeat">
+      <a:schemeClr val="accent3">
+        <a:shade val="80000"/>
+      </a:schemeClr>
+    </dgm:fillClrLst>
+    <dgm:linClrLst meth="repeat">
+      <a:schemeClr val="lt1"/>
+    </dgm:linClrLst>
+    <dgm:effectClrLst/>
+    <dgm:txLinClrLst/>
+    <dgm:txFillClrLst/>
+    <dgm:txEffectClrLst/>
+  </dgm:styleLbl>
+  <dgm:styleLbl name="asst1">
+    <dgm:fillClrLst meth="repeat">
+      <a:schemeClr val="accent3">
+        <a:shade val="80000"/>
+      </a:schemeClr>
+    </dgm:fillClrLst>
+    <dgm:linClrLst meth="repeat">
+      <a:schemeClr val="lt1"/>
+    </dgm:linClrLst>
+    <dgm:effectClrLst/>
+    <dgm:txLinClrLst/>
+    <dgm:txFillClrLst/>
+    <dgm:txEffectClrLst/>
+  </dgm:styleLbl>
+  <dgm:styleLbl name="asst2">
+    <dgm:fillClrLst>
+      <a:schemeClr val="accent3">
+        <a:tint val="99000"/>
+      </a:schemeClr>
+    </dgm:fillClrLst>
+    <dgm:linClrLst meth="repeat">
+      <a:schemeClr val="lt1"/>
+    </dgm:linClrLst>
+    <dgm:effectClrLst/>
+    <dgm:txLinClrLst/>
+    <dgm:txFillClrLst/>
+    <dgm:txEffectClrLst/>
+  </dgm:styleLbl>
+  <dgm:styleLbl name="asst3">
+    <dgm:fillClrLst>
+      <a:schemeClr val="accent3">
+        <a:tint val="80000"/>
+      </a:schemeClr>
+    </dgm:fillClrLst>
+    <dgm:linClrLst meth="repeat">
+      <a:schemeClr val="lt1"/>
+    </dgm:linClrLst>
+    <dgm:effectClrLst/>
+    <dgm:txLinClrLst/>
+    <dgm:txFillClrLst/>
+    <dgm:txEffectClrLst/>
+  </dgm:styleLbl>
+  <dgm:styleLbl name="asst4">
+    <dgm:fillClrLst>
+      <a:schemeClr val="accent3">
+        <a:tint val="70000"/>
+      </a:schemeClr>
+    </dgm:fillClrLst>
+    <dgm:linClrLst meth="repeat">
+      <a:schemeClr val="lt1"/>
+    </dgm:linClrLst>
+    <dgm:effectClrLst/>
+    <dgm:txLinClrLst/>
+    <dgm:txFillClrLst/>
+    <dgm:txEffectClrLst/>
+  </dgm:styleLbl>
+  <dgm:styleLbl name="parChTrans2D1">
+    <dgm:fillClrLst meth="repeat">
+      <a:schemeClr val="accent3">
+        <a:tint val="60000"/>
+      </a:schemeClr>
+    </dgm:fillClrLst>
+    <dgm:linClrLst meth="repeat">
+      <a:schemeClr val="accent3">
+        <a:tint val="60000"/>
+      </a:schemeClr>
+    </dgm:linClrLst>
+    <dgm:effectClrLst/>
+    <dgm:txLinClrLst/>
+    <dgm:txFillClrLst meth="repeat">
+      <a:schemeClr val="lt1"/>
+    </dgm:txFillClrLst>
+    <dgm:txEffectClrLst/>
+  </dgm:styleLbl>
+  <dgm:styleLbl name="parChTrans2D2">
+    <dgm:fillClrLst meth="repeat">
+      <a:schemeClr val="accent3">
+        <a:tint val="90000"/>
+      </a:schemeClr>
+    </dgm:fillClrLst>
+    <dgm:linClrLst meth="repeat">
+      <a:schemeClr val="accent3">
+        <a:tint val="90000"/>
+      </a:schemeClr>
+    </dgm:linClrLst>
+    <dgm:effectClrLst/>
+    <dgm:txLinClrLst/>
+    <dgm:txFillClrLst/>
+    <dgm:txEffectClrLst/>
+  </dgm:styleLbl>
+  <dgm:styleLbl name="parChTrans2D3">
+    <dgm:fillClrLst meth="repeat">
+      <a:schemeClr val="accent3">
+        <a:tint val="70000"/>
+      </a:schemeClr>
+    </dgm:fillClrLst>
+    <dgm:linClrLst meth="repeat">
+      <a:schemeClr val="accent3">
+        <a:tint val="70000"/>
+      </a:schemeClr>
+    </dgm:linClrLst>
+    <dgm:effectClrLst/>
+    <dgm:txLinClrLst/>
+    <dgm:txFillClrLst/>
+    <dgm:txEffectClrLst/>
+  </dgm:styleLbl>
+  <dgm:styleLbl name="parChTrans2D4">
+    <dgm:fillClrLst meth="repeat">
+      <a:schemeClr val="accent3">
+        <a:tint val="50000"/>
+      </a:schemeClr>
+    </dgm:fillClrLst>
+    <dgm:linClrLst meth="repeat">
+      <a:schemeClr val="accent3">
+        <a:tint val="50000"/>
+      </a:schemeClr>
+    </dgm:linClrLst>
+    <dgm:effectClrLst/>
+    <dgm:txLinClrLst/>
+    <dgm:txFillClrLst meth="repeat">
+      <a:schemeClr val="lt1"/>
+    </dgm:txFillClrLst>
+    <dgm:txEffectClrLst/>
+  </dgm:styleLbl>
+  <dgm:styleLbl name="parChTrans1D1">
+    <dgm:fillClrLst meth="repeat">
+      <a:schemeClr val="accent3">
+        <a:shade val="80000"/>
+      </a:schemeClr>
+    </dgm:fillClrLst>
+    <dgm:linClrLst meth="repeat">
+      <a:schemeClr val="accent3">
+        <a:shade val="80000"/>
+      </a:schemeClr>
+    </dgm:linClrLst>
+    <dgm:effectClrLst/>
+    <dgm:txLinClrLst/>
+    <dgm:txFillClrLst meth="repeat">
+      <a:schemeClr val="tx1"/>
+    </dgm:txFillClrLst>
+    <dgm:txEffectClrLst/>
+  </dgm:styleLbl>
+  <dgm:styleLbl name="parChTrans1D2">
+    <dgm:fillClrLst meth="repeat">
+      <a:schemeClr val="accent3">
+        <a:tint val="99000"/>
+      </a:schemeClr>
+    </dgm:fillClrLst>
+    <dgm:linClrLst meth="repeat">
+      <a:schemeClr val="accent3">
+        <a:tint val="99000"/>
+      </a:schemeClr>
+    </dgm:linClrLst>
+    <dgm:effectClrLst/>
+    <dgm:txLinClrLst/>
+    <dgm:txFillClrLst meth="repeat">
+      <a:schemeClr val="tx1"/>
+    </dgm:txFillClrLst>
+    <dgm:txEffectClrLst/>
+  </dgm:styleLbl>
+  <dgm:styleLbl name="parChTrans1D3">
+    <dgm:fillClrLst meth="repeat">
+      <a:schemeClr val="accent3">
+        <a:tint val="80000"/>
+      </a:schemeClr>
+    </dgm:fillClrLst>
+    <dgm:linClrLst meth="repeat">
+      <a:schemeClr val="accent3">
+        <a:tint val="80000"/>
+      </a:schemeClr>
+    </dgm:linClrLst>
+    <dgm:effectClrLst/>
+    <dgm:txLinClrLst/>
+    <dgm:txFillClrLst meth="repeat">
+      <a:schemeClr val="tx1"/>
+    </dgm:txFillClrLst>
+    <dgm:txEffectClrLst/>
+  </dgm:styleLbl>
+  <dgm:styleLbl name="parChTrans1D4">
+    <dgm:fillClrLst meth="repeat">
+      <a:schemeClr val="accent3">
+        <a:tint val="70000"/>
+      </a:schemeClr>
+    </dgm:fillClrLst>
+    <dgm:linClrLst meth="repeat">
+      <a:schemeClr val="accent3">
+        <a:tint val="70000"/>
+      </a:schemeClr>
+    </dgm:linClrLst>
+    <dgm:effectClrLst/>
+    <dgm:txLinClrLst/>
+    <dgm:txFillClrLst meth="repeat">
+      <a:schemeClr val="tx1"/>
+    </dgm:txFillClrLst>
+    <dgm:txEffectClrLst/>
+  </dgm:styleLbl>
+  <dgm:styleLbl name="fgAcc1">
+    <dgm:fillClrLst meth="repeat">
+      <a:schemeClr val="lt1">
+        <a:alpha val="90000"/>
+      </a:schemeClr>
+    </dgm:fillClrLst>
+    <dgm:linClrLst>
+      <a:schemeClr val="accent3">
+        <a:shade val="80000"/>
+      </a:schemeClr>
+      <a:schemeClr val="accent3">
+        <a:tint val="70000"/>
+      </a:schemeClr>
+    </dgm:linClrLst>
+    <dgm:effectClrLst/>
+    <dgm:txLinClrLst/>
+    <dgm:txFillClrLst meth="repeat">
+      <a:schemeClr val="dk1"/>
+    </dgm:txFillClrLst>
+    <dgm:txEffectClrLst/>
+  </dgm:styleLbl>
+  <dgm:styleLbl name="conFgAcc1">
+    <dgm:fillClrLst meth="repeat">
+      <a:schemeClr val="lt1">
+        <a:alpha val="90000"/>
+      </a:schemeClr>
+    </dgm:fillClrLst>
+    <dgm:linClrLst>
+      <a:schemeClr val="accent3">
+        <a:shade val="80000"/>
+      </a:schemeClr>
+      <a:schemeClr val="accent3">
+        <a:tint val="70000"/>
+      </a:schemeClr>
+    </dgm:linClrLst>
+    <dgm:effectClrLst/>
+    <dgm:txLinClrLst/>
+    <dgm:txFillClrLst meth="repeat">
+      <a:schemeClr val="dk1"/>
+    </dgm:txFillClrLst>
+    <dgm:txEffectClrLst/>
+  </dgm:styleLbl>
+  <dgm:styleLbl name="alignAcc1">
+    <dgm:fillClrLst meth="repeat">
+      <a:schemeClr val="lt1">
+        <a:alpha val="90000"/>
+      </a:schemeClr>
+    </dgm:fillClrLst>
+    <dgm:linClrLst>
+      <a:schemeClr val="accent3">
+        <a:shade val="80000"/>
+      </a:schemeClr>
+      <a:schemeClr val="accent3">
+        <a:tint val="70000"/>
+      </a:schemeClr>
+    </dgm:linClrLst>
+    <dgm:effectClrLst/>
+    <dgm:txLinClrLst/>
+    <dgm:txFillClrLst meth="repeat">
+      <a:schemeClr val="dk1"/>
+    </dgm:txFillClrLst>
+    <dgm:txEffectClrLst/>
+  </dgm:styleLbl>
+  <dgm:styleLbl name="trAlignAcc1">
+    <dgm:fillClrLst meth="repeat">
+      <a:schemeClr val="lt1">
+        <a:alpha val="40000"/>
+      </a:schemeClr>
+    </dgm:fillClrLst>
+    <dgm:linClrLst meth="repeat">
+      <a:schemeClr val="accent3"/>
+    </dgm:linClrLst>
+    <dgm:effectClrLst/>
+    <dgm:txLinClrLst/>
+    <dgm:txFillClrLst meth="repeat">
+      <a:schemeClr val="dk1"/>
+    </dgm:txFillClrLst>
+    <dgm:txEffectClrLst/>
+  </dgm:styleLbl>
+  <dgm:styleLbl name="bgAcc1">
+    <dgm:fillClrLst meth="repeat">
+      <a:schemeClr val="lt1">
+        <a:alpha val="90000"/>
+      </a:schemeClr>
+    </dgm:fillClrLst>
+    <dgm:linClrLst>
+      <a:schemeClr val="accent3">
+        <a:shade val="80000"/>
+      </a:schemeClr>
+      <a:schemeClr val="accent3">
+        <a:tint val="70000"/>
+      </a:schemeClr>
+    </dgm:linClrLst>
+    <dgm:effectClrLst/>
+    <dgm:txLinClrLst/>
+    <dgm:txFillClrLst meth="repeat">
+      <a:schemeClr val="dk1"/>
+    </dgm:txFillClrLst>
+    <dgm:txEffectClrLst/>
+  </dgm:styleLbl>
+  <dgm:styleLbl name="solidFgAcc1">
+    <dgm:fillClrLst meth="repeat">
+      <a:schemeClr val="lt1"/>
+    </dgm:fillClrLst>
+    <dgm:linClrLst>
+      <a:schemeClr val="accent3">
+        <a:shade val="80000"/>
+      </a:schemeClr>
+      <a:schemeClr val="accent3">
+        <a:tint val="70000"/>
+      </a:schemeClr>
+    </dgm:linClrLst>
+    <dgm:effectClrLst/>
+    <dgm:txLinClrLst/>
+    <dgm:txFillClrLst meth="repeat">
+      <a:schemeClr val="dk1"/>
+    </dgm:txFillClrLst>
+    <dgm:txEffectClrLst/>
+  </dgm:styleLbl>
+  <dgm:styleLbl name="solidAlignAcc1">
+    <dgm:fillClrLst meth="repeat">
+      <a:schemeClr val="lt1"/>
+    </dgm:fillClrLst>
+    <dgm:linClrLst meth="repeat">
+      <a:schemeClr val="accent3"/>
+    </dgm:linClrLst>
+    <dgm:effectClrLst/>
+    <dgm:txLinClrLst/>
+    <dgm:txFillClrLst meth="repeat">
+      <a:schemeClr val="dk1"/>
+    </dgm:txFillClrLst>
+    <dgm:txEffectClrLst/>
+  </dgm:styleLbl>
+  <dgm:styleLbl name="solidBgAcc1">
+    <dgm:fillClrLst meth="repeat">
+      <a:schemeClr val="lt1"/>
+    </dgm:fillClrLst>
+    <dgm:linClrLst meth="repeat">
+      <a:schemeClr val="accent3"/>
+    </dgm:linClrLst>
+    <dgm:effectClrLst/>
+    <dgm:txLinClrLst/>
+    <dgm:txFillClrLst meth="repeat">
+      <a:schemeClr val="dk1"/>
+    </dgm:txFillClrLst>
+    <dgm:txEffectClrLst/>
+  </dgm:styleLbl>
+  <dgm:styleLbl name="fgAccFollowNode1">
+    <dgm:fillClrLst meth="repeat">
+      <a:schemeClr val="accent3">
+        <a:alpha val="90000"/>
+        <a:tint val="40000"/>
+      </a:schemeClr>
+    </dgm:fillClrLst>
+    <dgm:linClrLst meth="repeat">
+      <a:schemeClr val="accent3">
+        <a:alpha val="90000"/>
+        <a:tint val="40000"/>
+      </a:schemeClr>
+    </dgm:linClrLst>
+    <dgm:effectClrLst/>
+    <dgm:txLinClrLst/>
+    <dgm:txFillClrLst meth="repeat">
+      <a:schemeClr val="dk1"/>
+    </dgm:txFillClrLst>
+    <dgm:txEffectClrLst/>
+  </dgm:styleLbl>
+  <dgm:styleLbl name="alignAccFollowNode1">
+    <dgm:fillClrLst meth="repeat">
+      <a:schemeClr val="accent3">
+        <a:alpha val="90000"/>
+        <a:tint val="40000"/>
+      </a:schemeClr>
+    </dgm:fillClrLst>
+    <dgm:linClrLst meth="repeat">
+      <a:schemeClr val="accent3">
+        <a:alpha val="90000"/>
+        <a:tint val="40000"/>
+      </a:schemeClr>
+    </dgm:linClrLst>
+    <dgm:effectClrLst/>
+    <dgm:txLinClrLst/>
+    <dgm:txFillClrLst meth="repeat">
+      <a:schemeClr val="dk1"/>
+    </dgm:txFillClrLst>
+    <dgm:txEffectClrLst/>
+  </dgm:styleLbl>
+  <dgm:styleLbl name="bgAccFollowNode1">
+    <dgm:fillClrLst meth="repeat">
+      <a:schemeClr val="accent3">
+        <a:alpha val="90000"/>
+        <a:tint val="40000"/>
+      </a:schemeClr>
+    </dgm:fillClrLst>
+    <dgm:linClrLst meth="repeat">
+      <a:schemeClr val="lt1"/>
+    </dgm:linClrLst>
+    <dgm:effectClrLst/>
+    <dgm:txLinClrLst/>
+    <dgm:txFillClrLst meth="repeat">
+      <a:schemeClr val="dk1"/>
+    </dgm:txFillClrLst>
+    <dgm:txEffectClrLst/>
+  </dgm:styleLbl>
+  <dgm:styleLbl name="fgAcc0">
+    <dgm:fillClrLst meth="repeat">
+      <a:schemeClr val="lt1">
+        <a:alpha val="90000"/>
+      </a:schemeClr>
+    </dgm:fillClrLst>
+    <dgm:linClrLst meth="repeat">
+      <a:schemeClr val="accent3">
+        <a:shade val="80000"/>
+      </a:schemeClr>
+    </dgm:linClrLst>
+    <dgm:effectClrLst/>
+    <dgm:txLinClrLst/>
+    <dgm:txFillClrLst meth="repeat">
+      <a:schemeClr val="dk1"/>
+    </dgm:txFillClrLst>
+    <dgm:txEffectClrLst/>
+  </dgm:styleLbl>
+  <dgm:styleLbl name="fgAcc2">
+    <dgm:fillClrLst meth="repeat">
+      <a:schemeClr val="lt1">
+        <a:alpha val="90000"/>
+      </a:schemeClr>
+    </dgm:fillClrLst>
+    <dgm:linClrLst meth="repeat">
+      <a:schemeClr val="accent3">
+        <a:tint val="99000"/>
+      </a:schemeClr>
+    </dgm:linClrLst>
+    <dgm:effectClrLst/>
+    <dgm:txLinClrLst/>
+    <dgm:txFillClrLst meth="repeat">
+      <a:schemeClr val="dk1"/>
+    </dgm:txFillClrLst>
+    <dgm:txEffectClrLst/>
+  </dgm:styleLbl>
+  <dgm:styleLbl name="fgAcc3">
+    <dgm:fillClrLst meth="repeat">
+      <a:schemeClr val="lt1">
+        <a:alpha val="90000"/>
+      </a:schemeClr>
+    </dgm:fillClrLst>
+    <dgm:linClrLst meth="repeat">
+      <a:schemeClr val="accent3">
+        <a:tint val="80000"/>
+      </a:schemeClr>
+    </dgm:linClrLst>
+    <dgm:effectClrLst/>
+    <dgm:txLinClrLst/>
+    <dgm:txFillClrLst meth="repeat">
+      <a:schemeClr val="dk1"/>
+    </dgm:txFillClrLst>
+    <dgm:txEffectClrLst/>
+  </dgm:styleLbl>
+  <dgm:styleLbl name="fgAcc4">
+    <dgm:fillClrLst meth="repeat">
+      <a:schemeClr val="lt1">
+        <a:alpha val="90000"/>
+      </a:schemeClr>
+    </dgm:fillClrLst>
+    <dgm:linClrLst meth="repeat">
+      <a:schemeClr val="accent3">
+        <a:tint val="70000"/>
+      </a:schemeClr>
+    </dgm:linClrLst>
+    <dgm:effectClrLst/>
+    <dgm:txLinClrLst/>
+    <dgm:txFillClrLst meth="repeat">
+      <a:schemeClr val="dk1"/>
+    </dgm:txFillClrLst>
+    <dgm:txEffectClrLst/>
+  </dgm:styleLbl>
+  <dgm:styleLbl name="bgShp">
+    <dgm:fillClrLst meth="repeat">
+      <a:schemeClr val="accent3">
+        <a:tint val="40000"/>
+      </a:schemeClr>
+    </dgm:fillClrLst>
+    <dgm:linClrLst meth="repeat">
+      <a:schemeClr val="dk1"/>
+    </dgm:linClrLst>
+    <dgm:effectClrLst/>
+    <dgm:txLinClrLst/>
+    <dgm:txFillClrLst meth="repeat">
+      <a:schemeClr val="dk1"/>
+    </dgm:txFillClrLst>
+    <dgm:txEffectClrLst/>
+  </dgm:styleLbl>
+  <dgm:styleLbl name="dkBgShp">
+    <dgm:fillClrLst meth="repeat">
+      <a:schemeClr val="accent3">
+        <a:shade val="90000"/>
+      </a:schemeClr>
+    </dgm:fillClrLst>
+    <dgm:linClrLst meth="repeat">
+      <a:schemeClr val="dk1"/>
+    </dgm:linClrLst>
+    <dgm:effectClrLst/>
+    <dgm:txLinClrLst/>
+    <dgm:txFillClrLst meth="repeat">
+      <a:schemeClr val="lt1"/>
+    </dgm:txFillClrLst>
+    <dgm:txEffectClrLst/>
+  </dgm:styleLbl>
+  <dgm:styleLbl name="trBgShp">
+    <dgm:fillClrLst meth="repeat">
+      <a:schemeClr val="accent3">
+        <a:tint val="50000"/>
+        <a:alpha val="40000"/>
+      </a:schemeClr>
+    </dgm:fillClrLst>
+    <dgm:linClrLst meth="repeat">
+      <a:schemeClr val="accent3"/>
+    </dgm:linClrLst>
+    <dgm:effectClrLst/>
+    <dgm:txLinClrLst/>
+    <dgm:txFillClrLst meth="repeat">
+      <a:schemeClr val="lt1"/>
+    </dgm:txFillClrLst>
+    <dgm:txEffectClrLst/>
+  </dgm:styleLbl>
+  <dgm:styleLbl name="fgShp">
+    <dgm:fillClrLst meth="repeat">
+      <a:schemeClr val="accent3">
+        <a:tint val="40000"/>
+      </a:schemeClr>
+    </dgm:fillClrLst>
+    <dgm:linClrLst meth="repeat">
+      <a:schemeClr val="lt1"/>
+    </dgm:linClrLst>
+    <dgm:effectClrLst/>
+    <dgm:txLinClrLst/>
+    <dgm:txFillClrLst meth="repeat">
+      <a:schemeClr val="dk1"/>
+    </dgm:txFillClrLst>
+    <dgm:txEffectClrLst/>
+  </dgm:styleLbl>
+  <dgm:styleLbl name="revTx">
+    <dgm:fillClrLst meth="repeat">
+      <a:schemeClr val="lt1">
+        <a:alpha val="0"/>
+      </a:schemeClr>
+    </dgm:fillClrLst>
+    <dgm:linClrLst meth="repeat">
+      <a:schemeClr val="dk1">
+        <a:alpha val="0"/>
+      </a:schemeClr>
+    </dgm:linClrLst>
+    <dgm:effectClrLst/>
+    <dgm:txLinClrLst/>
+    <dgm:txFillClrLst meth="repeat">
+      <a:schemeClr val="tx1"/>
+    </dgm:txFillClrLst>
+    <dgm:txEffectClrLst/>
+  </dgm:styleLbl>
+</dgm:colorsDef>
+</file>
+
+<file path=ppt/diagrams/colors2.xml><?xml version="1.0" encoding="utf-8"?>
 <dgm:colorsDef xmlns:dgm="http://schemas.openxmlformats.org/drawingml/2006/diagram" xmlns:a="http://schemas.openxmlformats.org/drawingml/2006/main" uniqueId="urn:microsoft.com/office/officeart/2005/8/colors/accent1_2">
   <dgm:title val=""/>
   <dgm:desc val=""/>
@@ -1086,6 +1965,217 @@
 <file path=ppt/diagrams/data1.xml><?xml version="1.0" encoding="utf-8"?>
 <dgm:dataModel xmlns:dgm="http://schemas.openxmlformats.org/drawingml/2006/diagram" xmlns:a="http://schemas.openxmlformats.org/drawingml/2006/main">
   <dgm:ptLst>
+    <dgm:pt modelId="{F202BABD-B732-4DA8-83EF-41D6FA6F3D28}" type="doc">
+      <dgm:prSet loTypeId="urn:microsoft.com/office/officeart/2005/8/layout/process2" loCatId="process" qsTypeId="urn:microsoft.com/office/officeart/2005/8/quickstyle/simple1" qsCatId="simple" csTypeId="urn:microsoft.com/office/officeart/2005/8/colors/accent3_3" csCatId="accent3" phldr="1"/>
+      <dgm:spPr/>
+    </dgm:pt>
+    <dgm:pt modelId="{4E9F245D-6757-4C89-9F8C-64D90C686FD5}">
+      <dgm:prSet phldrT="[Text]"/>
+      <dgm:spPr/>
+      <dgm:t>
+        <a:bodyPr/>
+        <a:lstStyle/>
+        <a:p>
+          <a:r>
+            <a:rPr lang="en-US" dirty="0" smtClean="0"/>
+            <a:t>Requirements</a:t>
+          </a:r>
+          <a:endParaRPr lang="en-US" dirty="0"/>
+        </a:p>
+      </dgm:t>
+    </dgm:pt>
+    <dgm:pt modelId="{703A834B-BBD7-4BB5-B20F-E547C8746EA0}" type="parTrans" cxnId="{B135517C-B95D-471B-B18A-0A7D43B9FC9E}">
+      <dgm:prSet/>
+      <dgm:spPr/>
+      <dgm:t>
+        <a:bodyPr/>
+        <a:lstStyle/>
+        <a:p>
+          <a:endParaRPr lang="en-US"/>
+        </a:p>
+      </dgm:t>
+    </dgm:pt>
+    <dgm:pt modelId="{B7E0B08A-A644-454A-9758-D5CAFB28A3CA}" type="sibTrans" cxnId="{B135517C-B95D-471B-B18A-0A7D43B9FC9E}">
+      <dgm:prSet/>
+      <dgm:spPr/>
+      <dgm:t>
+        <a:bodyPr/>
+        <a:lstStyle/>
+        <a:p>
+          <a:endParaRPr lang="en-US"/>
+        </a:p>
+      </dgm:t>
+    </dgm:pt>
+    <dgm:pt modelId="{086413C2-C785-403D-99D3-834A0245019F}">
+      <dgm:prSet phldrT="[Text]"/>
+      <dgm:spPr/>
+      <dgm:t>
+        <a:bodyPr/>
+        <a:lstStyle/>
+        <a:p>
+          <a:r>
+            <a:rPr lang="en-US" dirty="0" smtClean="0"/>
+            <a:t>Formal Models</a:t>
+          </a:r>
+          <a:endParaRPr lang="en-US" dirty="0"/>
+        </a:p>
+      </dgm:t>
+    </dgm:pt>
+    <dgm:pt modelId="{F3D23565-456D-4A7E-A256-0AA176BAD525}" type="parTrans" cxnId="{FB8FD60E-DF3D-4406-A670-FF0871AEEAC0}">
+      <dgm:prSet/>
+      <dgm:spPr/>
+      <dgm:t>
+        <a:bodyPr/>
+        <a:lstStyle/>
+        <a:p>
+          <a:endParaRPr lang="en-US"/>
+        </a:p>
+      </dgm:t>
+    </dgm:pt>
+    <dgm:pt modelId="{44A1F245-36D7-4328-AAF3-9698D37D82A9}" type="sibTrans" cxnId="{FB8FD60E-DF3D-4406-A670-FF0871AEEAC0}">
+      <dgm:prSet/>
+      <dgm:spPr/>
+      <dgm:t>
+        <a:bodyPr/>
+        <a:lstStyle/>
+        <a:p>
+          <a:endParaRPr lang="en-US"/>
+        </a:p>
+      </dgm:t>
+    </dgm:pt>
+    <dgm:pt modelId="{20705E99-54D4-43DC-B43F-32B12B29B9DD}">
+      <dgm:prSet phldrT="[Text]"/>
+      <dgm:spPr/>
+      <dgm:t>
+        <a:bodyPr/>
+        <a:lstStyle/>
+        <a:p>
+          <a:r>
+            <a:rPr lang="en-US" dirty="0" smtClean="0"/>
+            <a:t>Implementation</a:t>
+          </a:r>
+          <a:endParaRPr lang="en-US" dirty="0"/>
+        </a:p>
+      </dgm:t>
+    </dgm:pt>
+    <dgm:pt modelId="{DB71EF53-8CF8-445B-BFE1-680420C0D91E}" type="parTrans" cxnId="{1F8DB29C-97BD-427F-8C21-A403045A1414}">
+      <dgm:prSet/>
+      <dgm:spPr/>
+      <dgm:t>
+        <a:bodyPr/>
+        <a:lstStyle/>
+        <a:p>
+          <a:endParaRPr lang="en-US"/>
+        </a:p>
+      </dgm:t>
+    </dgm:pt>
+    <dgm:pt modelId="{B06D6090-41F4-4E1F-BE92-602ACEA0C745}" type="sibTrans" cxnId="{1F8DB29C-97BD-427F-8C21-A403045A1414}">
+      <dgm:prSet/>
+      <dgm:spPr/>
+      <dgm:t>
+        <a:bodyPr/>
+        <a:lstStyle/>
+        <a:p>
+          <a:endParaRPr lang="en-US"/>
+        </a:p>
+      </dgm:t>
+    </dgm:pt>
+    <dgm:pt modelId="{CE60B819-AB82-49EA-BA97-417BBB8C6101}" type="pres">
+      <dgm:prSet presAssocID="{F202BABD-B732-4DA8-83EF-41D6FA6F3D28}" presName="linearFlow" presStyleCnt="0">
+        <dgm:presLayoutVars>
+          <dgm:resizeHandles val="exact"/>
+        </dgm:presLayoutVars>
+      </dgm:prSet>
+      <dgm:spPr/>
+    </dgm:pt>
+    <dgm:pt modelId="{F574793B-4AA5-4E02-8858-068A6227A427}" type="pres">
+      <dgm:prSet presAssocID="{4E9F245D-6757-4C89-9F8C-64D90C686FD5}" presName="node" presStyleLbl="node1" presStyleIdx="0" presStyleCnt="3">
+        <dgm:presLayoutVars>
+          <dgm:bulletEnabled val="1"/>
+        </dgm:presLayoutVars>
+      </dgm:prSet>
+      <dgm:spPr/>
+      <dgm:t>
+        <a:bodyPr/>
+        <a:lstStyle/>
+        <a:p>
+          <a:endParaRPr lang="en-US"/>
+        </a:p>
+      </dgm:t>
+    </dgm:pt>
+    <dgm:pt modelId="{71DCDA3D-F6AC-477E-8277-8B1A049BA441}" type="pres">
+      <dgm:prSet presAssocID="{B7E0B08A-A644-454A-9758-D5CAFB28A3CA}" presName="sibTrans" presStyleLbl="sibTrans2D1" presStyleIdx="0" presStyleCnt="2"/>
+      <dgm:spPr/>
+    </dgm:pt>
+    <dgm:pt modelId="{2F4EE405-88C1-4AF6-B24F-D6226C26F8F3}" type="pres">
+      <dgm:prSet presAssocID="{B7E0B08A-A644-454A-9758-D5CAFB28A3CA}" presName="connectorText" presStyleLbl="sibTrans2D1" presStyleIdx="0" presStyleCnt="2"/>
+      <dgm:spPr/>
+    </dgm:pt>
+    <dgm:pt modelId="{F72B6CF8-105B-410B-AC54-DA7464EB14C1}" type="pres">
+      <dgm:prSet presAssocID="{086413C2-C785-403D-99D3-834A0245019F}" presName="node" presStyleLbl="node1" presStyleIdx="1" presStyleCnt="3">
+        <dgm:presLayoutVars>
+          <dgm:bulletEnabled val="1"/>
+        </dgm:presLayoutVars>
+      </dgm:prSet>
+      <dgm:spPr/>
+      <dgm:t>
+        <a:bodyPr/>
+        <a:lstStyle/>
+        <a:p>
+          <a:endParaRPr lang="en-US"/>
+        </a:p>
+      </dgm:t>
+    </dgm:pt>
+    <dgm:pt modelId="{11530BA9-3DC9-4A49-BA20-8431D4462ED4}" type="pres">
+      <dgm:prSet presAssocID="{44A1F245-36D7-4328-AAF3-9698D37D82A9}" presName="sibTrans" presStyleLbl="sibTrans2D1" presStyleIdx="1" presStyleCnt="2"/>
+      <dgm:spPr/>
+    </dgm:pt>
+    <dgm:pt modelId="{AEF80222-AA16-430E-A2E9-0EC4A65729F9}" type="pres">
+      <dgm:prSet presAssocID="{44A1F245-36D7-4328-AAF3-9698D37D82A9}" presName="connectorText" presStyleLbl="sibTrans2D1" presStyleIdx="1" presStyleCnt="2"/>
+      <dgm:spPr/>
+    </dgm:pt>
+    <dgm:pt modelId="{B2EC2A35-DAD0-47D9-A89D-EB5C8F343AF9}" type="pres">
+      <dgm:prSet presAssocID="{20705E99-54D4-43DC-B43F-32B12B29B9DD}" presName="node" presStyleLbl="node1" presStyleIdx="2" presStyleCnt="3">
+        <dgm:presLayoutVars>
+          <dgm:bulletEnabled val="1"/>
+        </dgm:presLayoutVars>
+      </dgm:prSet>
+      <dgm:spPr/>
+    </dgm:pt>
+  </dgm:ptLst>
+  <dgm:cxnLst>
+    <dgm:cxn modelId="{B135517C-B95D-471B-B18A-0A7D43B9FC9E}" srcId="{F202BABD-B732-4DA8-83EF-41D6FA6F3D28}" destId="{4E9F245D-6757-4C89-9F8C-64D90C686FD5}" srcOrd="0" destOrd="0" parTransId="{703A834B-BBD7-4BB5-B20F-E547C8746EA0}" sibTransId="{B7E0B08A-A644-454A-9758-D5CAFB28A3CA}"/>
+    <dgm:cxn modelId="{E071F2AD-3D8D-4B22-ABBC-E2CEA0D3C579}" type="presOf" srcId="{B7E0B08A-A644-454A-9758-D5CAFB28A3CA}" destId="{71DCDA3D-F6AC-477E-8277-8B1A049BA441}" srcOrd="0" destOrd="0" presId="urn:microsoft.com/office/officeart/2005/8/layout/process2"/>
+    <dgm:cxn modelId="{516A2FCE-C12E-4205-8703-6C318A4BFFC8}" type="presOf" srcId="{44A1F245-36D7-4328-AAF3-9698D37D82A9}" destId="{AEF80222-AA16-430E-A2E9-0EC4A65729F9}" srcOrd="1" destOrd="0" presId="urn:microsoft.com/office/officeart/2005/8/layout/process2"/>
+    <dgm:cxn modelId="{7D6D11B2-AA89-4350-A431-19054A44BE48}" type="presOf" srcId="{B7E0B08A-A644-454A-9758-D5CAFB28A3CA}" destId="{2F4EE405-88C1-4AF6-B24F-D6226C26F8F3}" srcOrd="1" destOrd="0" presId="urn:microsoft.com/office/officeart/2005/8/layout/process2"/>
+    <dgm:cxn modelId="{9F649B62-ED53-4C2D-808D-01833CF85BB7}" type="presOf" srcId="{086413C2-C785-403D-99D3-834A0245019F}" destId="{F72B6CF8-105B-410B-AC54-DA7464EB14C1}" srcOrd="0" destOrd="0" presId="urn:microsoft.com/office/officeart/2005/8/layout/process2"/>
+    <dgm:cxn modelId="{3046A9D1-74FA-40AF-8AE7-3A78376625D1}" type="presOf" srcId="{F202BABD-B732-4DA8-83EF-41D6FA6F3D28}" destId="{CE60B819-AB82-49EA-BA97-417BBB8C6101}" srcOrd="0" destOrd="0" presId="urn:microsoft.com/office/officeart/2005/8/layout/process2"/>
+    <dgm:cxn modelId="{1F8DB29C-97BD-427F-8C21-A403045A1414}" srcId="{F202BABD-B732-4DA8-83EF-41D6FA6F3D28}" destId="{20705E99-54D4-43DC-B43F-32B12B29B9DD}" srcOrd="2" destOrd="0" parTransId="{DB71EF53-8CF8-445B-BFE1-680420C0D91E}" sibTransId="{B06D6090-41F4-4E1F-BE92-602ACEA0C745}"/>
+    <dgm:cxn modelId="{9D0B07D3-5117-4655-A382-CD93D1FF683B}" type="presOf" srcId="{4E9F245D-6757-4C89-9F8C-64D90C686FD5}" destId="{F574793B-4AA5-4E02-8858-068A6227A427}" srcOrd="0" destOrd="0" presId="urn:microsoft.com/office/officeart/2005/8/layout/process2"/>
+    <dgm:cxn modelId="{A4E0155F-62A4-4996-96F1-E6AC3D4A6BBE}" type="presOf" srcId="{20705E99-54D4-43DC-B43F-32B12B29B9DD}" destId="{B2EC2A35-DAD0-47D9-A89D-EB5C8F343AF9}" srcOrd="0" destOrd="0" presId="urn:microsoft.com/office/officeart/2005/8/layout/process2"/>
+    <dgm:cxn modelId="{533A0D8E-8547-4692-A924-8F81E00AC74C}" type="presOf" srcId="{44A1F245-36D7-4328-AAF3-9698D37D82A9}" destId="{11530BA9-3DC9-4A49-BA20-8431D4462ED4}" srcOrd="0" destOrd="0" presId="urn:microsoft.com/office/officeart/2005/8/layout/process2"/>
+    <dgm:cxn modelId="{FB8FD60E-DF3D-4406-A670-FF0871AEEAC0}" srcId="{F202BABD-B732-4DA8-83EF-41D6FA6F3D28}" destId="{086413C2-C785-403D-99D3-834A0245019F}" srcOrd="1" destOrd="0" parTransId="{F3D23565-456D-4A7E-A256-0AA176BAD525}" sibTransId="{44A1F245-36D7-4328-AAF3-9698D37D82A9}"/>
+    <dgm:cxn modelId="{8F24B9B9-2DF6-4730-A5D8-B923FB4CDEEF}" type="presParOf" srcId="{CE60B819-AB82-49EA-BA97-417BBB8C6101}" destId="{F574793B-4AA5-4E02-8858-068A6227A427}" srcOrd="0" destOrd="0" presId="urn:microsoft.com/office/officeart/2005/8/layout/process2"/>
+    <dgm:cxn modelId="{95C5C9C1-D195-4057-8BBF-51321BB4CDCB}" type="presParOf" srcId="{CE60B819-AB82-49EA-BA97-417BBB8C6101}" destId="{71DCDA3D-F6AC-477E-8277-8B1A049BA441}" srcOrd="1" destOrd="0" presId="urn:microsoft.com/office/officeart/2005/8/layout/process2"/>
+    <dgm:cxn modelId="{4ADC17B1-2EE6-4BA3-940D-2836B8323508}" type="presParOf" srcId="{71DCDA3D-F6AC-477E-8277-8B1A049BA441}" destId="{2F4EE405-88C1-4AF6-B24F-D6226C26F8F3}" srcOrd="0" destOrd="0" presId="urn:microsoft.com/office/officeart/2005/8/layout/process2"/>
+    <dgm:cxn modelId="{FB8ADFF7-C1AD-42AF-9011-05D06F726B6F}" type="presParOf" srcId="{CE60B819-AB82-49EA-BA97-417BBB8C6101}" destId="{F72B6CF8-105B-410B-AC54-DA7464EB14C1}" srcOrd="2" destOrd="0" presId="urn:microsoft.com/office/officeart/2005/8/layout/process2"/>
+    <dgm:cxn modelId="{C5D3A325-E87A-44F2-8575-F121F919F1B4}" type="presParOf" srcId="{CE60B819-AB82-49EA-BA97-417BBB8C6101}" destId="{11530BA9-3DC9-4A49-BA20-8431D4462ED4}" srcOrd="3" destOrd="0" presId="urn:microsoft.com/office/officeart/2005/8/layout/process2"/>
+    <dgm:cxn modelId="{4F1C4AF8-B5BA-49BD-A36B-EBA74FAA3A21}" type="presParOf" srcId="{11530BA9-3DC9-4A49-BA20-8431D4462ED4}" destId="{AEF80222-AA16-430E-A2E9-0EC4A65729F9}" srcOrd="0" destOrd="0" presId="urn:microsoft.com/office/officeart/2005/8/layout/process2"/>
+    <dgm:cxn modelId="{50E251B4-A376-4205-8254-119A41356796}" type="presParOf" srcId="{CE60B819-AB82-49EA-BA97-417BBB8C6101}" destId="{B2EC2A35-DAD0-47D9-A89D-EB5C8F343AF9}" srcOrd="4" destOrd="0" presId="urn:microsoft.com/office/officeart/2005/8/layout/process2"/>
+  </dgm:cxnLst>
+  <dgm:bg/>
+  <dgm:whole/>
+  <dgm:extLst>
+    <a:ext uri="http://schemas.microsoft.com/office/drawing/2008/diagram">
+      <dsp:dataModelExt xmlns:dsp="http://schemas.microsoft.com/office/drawing/2008/diagram" relId="rId7" minVer="http://schemas.openxmlformats.org/drawingml/2006/diagram"/>
+    </a:ext>
+  </dgm:extLst>
+</dgm:dataModel>
+</file>
+
+<file path=ppt/diagrams/data2.xml><?xml version="1.0" encoding="utf-8"?>
+<dgm:dataModel xmlns:dgm="http://schemas.openxmlformats.org/drawingml/2006/diagram" xmlns:a="http://schemas.openxmlformats.org/drawingml/2006/main">
+  <dgm:ptLst>
     <dgm:pt modelId="{7F6B5A0A-0F54-4B18-951E-1A0CFC44F6C4}" type="doc">
       <dgm:prSet loTypeId="urn:microsoft.com/office/officeart/2005/8/layout/equation2" loCatId="process" qsTypeId="urn:microsoft.com/office/officeart/2005/8/quickstyle/simple1" qsCatId="simple" csTypeId="urn:microsoft.com/office/officeart/2005/8/colors/accent1_2" csCatId="accent1" phldr="1"/>
       <dgm:spPr/>
@@ -1363,6 +2453,13 @@
         </dgm:presLayoutVars>
       </dgm:prSet>
       <dgm:spPr/>
+      <dgm:t>
+        <a:bodyPr/>
+        <a:lstStyle/>
+        <a:p>
+          <a:endParaRPr lang="en-US"/>
+        </a:p>
+      </dgm:t>
     </dgm:pt>
     <dgm:pt modelId="{FE9B7B2D-6E0A-451B-A6B6-B7A47F0A4ED4}" type="pres">
       <dgm:prSet presAssocID="{3D7B3E38-995E-45E6-B8E3-FB502DA80652}" presName="spacerT" presStyleCnt="0"/>
@@ -1371,6 +2468,13 @@
     <dgm:pt modelId="{CAE67F45-C242-4CA0-9A93-1CF54DC6A4B2}" type="pres">
       <dgm:prSet presAssocID="{3D7B3E38-995E-45E6-B8E3-FB502DA80652}" presName="sibTrans" presStyleLbl="sibTrans2D1" presStyleIdx="0" presStyleCnt="3"/>
       <dgm:spPr/>
+      <dgm:t>
+        <a:bodyPr/>
+        <a:lstStyle/>
+        <a:p>
+          <a:endParaRPr lang="en-US"/>
+        </a:p>
+      </dgm:t>
     </dgm:pt>
     <dgm:pt modelId="{2F6879B7-6BBF-4D4F-9AF5-9C6DFF4C5A4B}" type="pres">
       <dgm:prSet presAssocID="{3D7B3E38-995E-45E6-B8E3-FB502DA80652}" presName="spacerB" presStyleCnt="0"/>
@@ -1383,6 +2487,13 @@
         </dgm:presLayoutVars>
       </dgm:prSet>
       <dgm:spPr/>
+      <dgm:t>
+        <a:bodyPr/>
+        <a:lstStyle/>
+        <a:p>
+          <a:endParaRPr lang="en-US"/>
+        </a:p>
+      </dgm:t>
     </dgm:pt>
     <dgm:pt modelId="{37E56C71-CDC9-4B39-92CB-FECEABBAF583}" type="pres">
       <dgm:prSet presAssocID="{22CC6DC0-3F9A-46C5-B765-A8692E00B968}" presName="spacerT" presStyleCnt="0"/>
@@ -1391,6 +2502,13 @@
     <dgm:pt modelId="{A4F524BC-5044-43E9-9ED4-F28F50329C8E}" type="pres">
       <dgm:prSet presAssocID="{22CC6DC0-3F9A-46C5-B765-A8692E00B968}" presName="sibTrans" presStyleLbl="sibTrans2D1" presStyleIdx="1" presStyleCnt="3"/>
       <dgm:spPr/>
+      <dgm:t>
+        <a:bodyPr/>
+        <a:lstStyle/>
+        <a:p>
+          <a:endParaRPr lang="en-US"/>
+        </a:p>
+      </dgm:t>
     </dgm:pt>
     <dgm:pt modelId="{68B319BC-7EE2-42A3-B838-9339FF0A3099}" type="pres">
       <dgm:prSet presAssocID="{22CC6DC0-3F9A-46C5-B765-A8692E00B968}" presName="spacerB" presStyleCnt="0"/>
@@ -1403,14 +2521,35 @@
         </dgm:presLayoutVars>
       </dgm:prSet>
       <dgm:spPr/>
+      <dgm:t>
+        <a:bodyPr/>
+        <a:lstStyle/>
+        <a:p>
+          <a:endParaRPr lang="en-US"/>
+        </a:p>
+      </dgm:t>
     </dgm:pt>
     <dgm:pt modelId="{8C167BF4-3B48-4E48-B7EB-402E1EBCD4C4}" type="pres">
       <dgm:prSet presAssocID="{7F6B5A0A-0F54-4B18-951E-1A0CFC44F6C4}" presName="sibTransLast" presStyleLbl="sibTrans2D1" presStyleIdx="2" presStyleCnt="3"/>
       <dgm:spPr/>
+      <dgm:t>
+        <a:bodyPr/>
+        <a:lstStyle/>
+        <a:p>
+          <a:endParaRPr lang="en-US"/>
+        </a:p>
+      </dgm:t>
     </dgm:pt>
     <dgm:pt modelId="{6D3D89C7-2463-4B65-8B98-57E4FF79799E}" type="pres">
       <dgm:prSet presAssocID="{7F6B5A0A-0F54-4B18-951E-1A0CFC44F6C4}" presName="connectorText" presStyleLbl="sibTrans2D1" presStyleIdx="2" presStyleCnt="3"/>
       <dgm:spPr/>
+      <dgm:t>
+        <a:bodyPr/>
+        <a:lstStyle/>
+        <a:p>
+          <a:endParaRPr lang="en-US"/>
+        </a:p>
+      </dgm:t>
     </dgm:pt>
     <dgm:pt modelId="{019AF5E6-0576-4F30-AF54-C6ABA9F8714D}" type="pres">
       <dgm:prSet presAssocID="{7F6B5A0A-0F54-4B18-951E-1A0CFC44F6C4}" presName="lastNode" presStyleLbl="node1" presStyleIdx="3" presStyleCnt="4">
@@ -1419,22 +2558,29 @@
         </dgm:presLayoutVars>
       </dgm:prSet>
       <dgm:spPr/>
+      <dgm:t>
+        <a:bodyPr/>
+        <a:lstStyle/>
+        <a:p>
+          <a:endParaRPr lang="en-US"/>
+        </a:p>
+      </dgm:t>
     </dgm:pt>
   </dgm:ptLst>
   <dgm:cxnLst>
+    <dgm:cxn modelId="{C4EE0257-8F26-40B8-98FD-28E7D13A18FE}" type="presOf" srcId="{788FFD9D-7404-4CCE-A245-0BD6B0E93B24}" destId="{ADDE6D51-0326-48FC-8262-22DC9FF00928}" srcOrd="0" destOrd="0" presId="urn:microsoft.com/office/officeart/2005/8/layout/equation2"/>
+    <dgm:cxn modelId="{9DF4F15D-83DA-4A81-AC99-DAAA7154E8FC}" type="presOf" srcId="{3D7B3E38-995E-45E6-B8E3-FB502DA80652}" destId="{CAE67F45-C242-4CA0-9A93-1CF54DC6A4B2}" srcOrd="0" destOrd="0" presId="urn:microsoft.com/office/officeart/2005/8/layout/equation2"/>
     <dgm:cxn modelId="{3074BA33-5E6B-4CD8-B00C-4B1D75F82156}" type="presOf" srcId="{22CC6DC0-3F9A-46C5-B765-A8692E00B968}" destId="{A4F524BC-5044-43E9-9ED4-F28F50329C8E}" srcOrd="0" destOrd="0" presId="urn:microsoft.com/office/officeart/2005/8/layout/equation2"/>
     <dgm:cxn modelId="{129B2235-A666-4972-9C81-A32268B29CC3}" srcId="{7F6B5A0A-0F54-4B18-951E-1A0CFC44F6C4}" destId="{788FFD9D-7404-4CCE-A245-0BD6B0E93B24}" srcOrd="0" destOrd="0" parTransId="{5E24E0D7-ADE3-4230-995A-808460C79C74}" sibTransId="{3D7B3E38-995E-45E6-B8E3-FB502DA80652}"/>
+    <dgm:cxn modelId="{2E697D6D-F056-4088-9E32-833B4B75A03C}" type="presOf" srcId="{09353CC5-9DAE-40D9-A6ED-AC3D6931F2A5}" destId="{019AF5E6-0576-4F30-AF54-C6ABA9F8714D}" srcOrd="0" destOrd="0" presId="urn:microsoft.com/office/officeart/2005/8/layout/equation2"/>
+    <dgm:cxn modelId="{8A82D260-762D-4E67-B9C2-EE27803E73AC}" type="presOf" srcId="{CDEEB3D3-689E-413A-B48B-3B4C259D2CDA}" destId="{19F58809-13FA-49CC-AECD-B6EA26B8D0F9}" srcOrd="0" destOrd="0" presId="urn:microsoft.com/office/officeart/2005/8/layout/equation2"/>
+    <dgm:cxn modelId="{683C64B8-0BF0-4A2E-9133-256426DBA86B}" srcId="{7F6B5A0A-0F54-4B18-951E-1A0CFC44F6C4}" destId="{09353CC5-9DAE-40D9-A6ED-AC3D6931F2A5}" srcOrd="3" destOrd="0" parTransId="{DAF3A442-BF4D-4AC2-A3B6-6C05624A55CE}" sibTransId="{00373967-E678-4682-81B8-B346B7B1880E}"/>
+    <dgm:cxn modelId="{348596DD-86F7-4CC5-9998-9E16C8F5357F}" type="presOf" srcId="{E7CA5D59-5D6A-4850-A24E-CB6E32D1EA89}" destId="{6D3D89C7-2463-4B65-8B98-57E4FF79799E}" srcOrd="1" destOrd="0" presId="urn:microsoft.com/office/officeart/2005/8/layout/equation2"/>
+    <dgm:cxn modelId="{DA7D3650-E88E-4310-A3CB-787262591F55}" type="presOf" srcId="{E7CA5D59-5D6A-4850-A24E-CB6E32D1EA89}" destId="{8C167BF4-3B48-4E48-B7EB-402E1EBCD4C4}" srcOrd="0" destOrd="0" presId="urn:microsoft.com/office/officeart/2005/8/layout/equation2"/>
     <dgm:cxn modelId="{204A073C-B394-4995-92B2-29EDC5B85EE2}" type="presOf" srcId="{13DFDD1A-F857-4873-9289-F89CB29F0AE3}" destId="{CEF2E0B5-9AB4-4780-9ABF-357ADA3D91CB}" srcOrd="0" destOrd="0" presId="urn:microsoft.com/office/officeart/2005/8/layout/equation2"/>
+    <dgm:cxn modelId="{1BFB0EA2-22FF-498D-A19E-FD59F187BE85}" type="presOf" srcId="{7F6B5A0A-0F54-4B18-951E-1A0CFC44F6C4}" destId="{600386E9-DD67-4413-8FD7-D7B9E299B8F1}" srcOrd="0" destOrd="0" presId="urn:microsoft.com/office/officeart/2005/8/layout/equation2"/>
+    <dgm:cxn modelId="{CC6B26CB-7305-494E-80B1-A99DB7744352}" srcId="{7F6B5A0A-0F54-4B18-951E-1A0CFC44F6C4}" destId="{13DFDD1A-F857-4873-9289-F89CB29F0AE3}" srcOrd="2" destOrd="0" parTransId="{35071CC0-26AC-4257-906B-C57E6550F4D8}" sibTransId="{E7CA5D59-5D6A-4850-A24E-CB6E32D1EA89}"/>
     <dgm:cxn modelId="{19C8C83D-641A-494E-A8D8-62E4FE557EF4}" srcId="{7F6B5A0A-0F54-4B18-951E-1A0CFC44F6C4}" destId="{CDEEB3D3-689E-413A-B48B-3B4C259D2CDA}" srcOrd="1" destOrd="0" parTransId="{F27EFF3B-7C66-4921-A60B-0490F7F05817}" sibTransId="{22CC6DC0-3F9A-46C5-B765-A8692E00B968}"/>
-    <dgm:cxn modelId="{9DF4F15D-83DA-4A81-AC99-DAAA7154E8FC}" type="presOf" srcId="{3D7B3E38-995E-45E6-B8E3-FB502DA80652}" destId="{CAE67F45-C242-4CA0-9A93-1CF54DC6A4B2}" srcOrd="0" destOrd="0" presId="urn:microsoft.com/office/officeart/2005/8/layout/equation2"/>
-    <dgm:cxn modelId="{8A82D260-762D-4E67-B9C2-EE27803E73AC}" type="presOf" srcId="{CDEEB3D3-689E-413A-B48B-3B4C259D2CDA}" destId="{19F58809-13FA-49CC-AECD-B6EA26B8D0F9}" srcOrd="0" destOrd="0" presId="urn:microsoft.com/office/officeart/2005/8/layout/equation2"/>
-    <dgm:cxn modelId="{2E697D6D-F056-4088-9E32-833B4B75A03C}" type="presOf" srcId="{09353CC5-9DAE-40D9-A6ED-AC3D6931F2A5}" destId="{019AF5E6-0576-4F30-AF54-C6ABA9F8714D}" srcOrd="0" destOrd="0" presId="urn:microsoft.com/office/officeart/2005/8/layout/equation2"/>
-    <dgm:cxn modelId="{DA7D3650-E88E-4310-A3CB-787262591F55}" type="presOf" srcId="{E7CA5D59-5D6A-4850-A24E-CB6E32D1EA89}" destId="{8C167BF4-3B48-4E48-B7EB-402E1EBCD4C4}" srcOrd="0" destOrd="0" presId="urn:microsoft.com/office/officeart/2005/8/layout/equation2"/>
-    <dgm:cxn modelId="{C4EE0257-8F26-40B8-98FD-28E7D13A18FE}" type="presOf" srcId="{788FFD9D-7404-4CCE-A245-0BD6B0E93B24}" destId="{ADDE6D51-0326-48FC-8262-22DC9FF00928}" srcOrd="0" destOrd="0" presId="urn:microsoft.com/office/officeart/2005/8/layout/equation2"/>
-    <dgm:cxn modelId="{1BFB0EA2-22FF-498D-A19E-FD59F187BE85}" type="presOf" srcId="{7F6B5A0A-0F54-4B18-951E-1A0CFC44F6C4}" destId="{600386E9-DD67-4413-8FD7-D7B9E299B8F1}" srcOrd="0" destOrd="0" presId="urn:microsoft.com/office/officeart/2005/8/layout/equation2"/>
-    <dgm:cxn modelId="{683C64B8-0BF0-4A2E-9133-256426DBA86B}" srcId="{7F6B5A0A-0F54-4B18-951E-1A0CFC44F6C4}" destId="{09353CC5-9DAE-40D9-A6ED-AC3D6931F2A5}" srcOrd="3" destOrd="0" parTransId="{DAF3A442-BF4D-4AC2-A3B6-6C05624A55CE}" sibTransId="{00373967-E678-4682-81B8-B346B7B1880E}"/>
-    <dgm:cxn modelId="{CC6B26CB-7305-494E-80B1-A99DB7744352}" srcId="{7F6B5A0A-0F54-4B18-951E-1A0CFC44F6C4}" destId="{13DFDD1A-F857-4873-9289-F89CB29F0AE3}" srcOrd="2" destOrd="0" parTransId="{35071CC0-26AC-4257-906B-C57E6550F4D8}" sibTransId="{E7CA5D59-5D6A-4850-A24E-CB6E32D1EA89}"/>
-    <dgm:cxn modelId="{348596DD-86F7-4CC5-9998-9E16C8F5357F}" type="presOf" srcId="{E7CA5D59-5D6A-4850-A24E-CB6E32D1EA89}" destId="{6D3D89C7-2463-4B65-8B98-57E4FF79799E}" srcOrd="1" destOrd="0" presId="urn:microsoft.com/office/officeart/2005/8/layout/equation2"/>
     <dgm:cxn modelId="{814D597A-20A3-45B0-BCA8-CE4F71C3F6F8}" type="presParOf" srcId="{600386E9-DD67-4413-8FD7-D7B9E299B8F1}" destId="{19697C7A-B482-43A6-ADF5-AAB6958C65CD}" srcOrd="0" destOrd="0" presId="urn:microsoft.com/office/officeart/2005/8/layout/equation2"/>
     <dgm:cxn modelId="{7433A93E-5832-4E98-A452-511F15FD99D7}" type="presParOf" srcId="{19697C7A-B482-43A6-ADF5-AAB6958C65CD}" destId="{ADDE6D51-0326-48FC-8262-22DC9FF00928}" srcOrd="0" destOrd="0" presId="urn:microsoft.com/office/officeart/2005/8/layout/equation2"/>
     <dgm:cxn modelId="{DD4AE222-CE87-40E7-ACA8-0B228B1FEF42}" type="presParOf" srcId="{19697C7A-B482-43A6-ADF5-AAB6958C65CD}" destId="{FE9B7B2D-6E0A-451B-A6B6-B7A47F0A4ED4}" srcOrd="1" destOrd="0" presId="urn:microsoft.com/office/officeart/2005/8/layout/equation2"/>
@@ -1460,6 +2606,396 @@
 </file>
 
 <file path=ppt/diagrams/drawing1.xml><?xml version="1.0" encoding="utf-8"?>
+<dsp:drawing xmlns:dgm="http://schemas.openxmlformats.org/drawingml/2006/diagram" xmlns:dsp="http://schemas.microsoft.com/office/drawing/2008/diagram" xmlns:a="http://schemas.openxmlformats.org/drawingml/2006/main">
+  <dsp:spTree>
+    <dsp:nvGrpSpPr>
+      <dsp:cNvPr id="0" name=""/>
+      <dsp:cNvGrpSpPr/>
+    </dsp:nvGrpSpPr>
+    <dsp:grpSpPr/>
+    <dsp:sp modelId="{F574793B-4AA5-4E02-8858-068A6227A427}">
+      <dsp:nvSpPr>
+        <dsp:cNvPr id="0" name=""/>
+        <dsp:cNvSpPr/>
+      </dsp:nvSpPr>
+      <dsp:spPr>
+        <a:xfrm>
+          <a:off x="564640" y="0"/>
+          <a:ext cx="1801043" cy="870677"/>
+        </a:xfrm>
+        <a:prstGeom prst="roundRect">
+          <a:avLst>
+            <a:gd name="adj" fmla="val 10000"/>
+          </a:avLst>
+        </a:prstGeom>
+        <a:solidFill>
+          <a:schemeClr val="accent3">
+            <a:shade val="80000"/>
+            <a:hueOff val="0"/>
+            <a:satOff val="0"/>
+            <a:lumOff val="0"/>
+            <a:alphaOff val="0"/>
+          </a:schemeClr>
+        </a:solidFill>
+        <a:ln w="25400" cap="flat" cmpd="sng" algn="ctr">
+          <a:solidFill>
+            <a:schemeClr val="lt1">
+              <a:hueOff val="0"/>
+              <a:satOff val="0"/>
+              <a:lumOff val="0"/>
+              <a:alphaOff val="0"/>
+            </a:schemeClr>
+          </a:solidFill>
+          <a:prstDash val="solid"/>
+        </a:ln>
+        <a:effectLst/>
+      </dsp:spPr>
+      <dsp:style>
+        <a:lnRef idx="2">
+          <a:scrgbClr r="0" g="0" b="0"/>
+        </a:lnRef>
+        <a:fillRef idx="1">
+          <a:scrgbClr r="0" g="0" b="0"/>
+        </a:fillRef>
+        <a:effectRef idx="0">
+          <a:scrgbClr r="0" g="0" b="0"/>
+        </a:effectRef>
+        <a:fontRef idx="minor">
+          <a:schemeClr val="lt1"/>
+        </a:fontRef>
+      </dsp:style>
+      <dsp:txBody>
+        <a:bodyPr spcFirstLastPara="0" vert="horz" wrap="square" lIns="68580" tIns="68580" rIns="68580" bIns="68580" numCol="1" spcCol="1270" anchor="ctr" anchorCtr="0">
+          <a:noAutofit/>
+        </a:bodyPr>
+        <a:lstStyle/>
+        <a:p>
+          <a:pPr lvl="0" algn="ctr" defTabSz="800100">
+            <a:lnSpc>
+              <a:spcPct val="90000"/>
+            </a:lnSpc>
+            <a:spcBef>
+              <a:spcPct val="0"/>
+            </a:spcBef>
+            <a:spcAft>
+              <a:spcPct val="35000"/>
+            </a:spcAft>
+          </a:pPr>
+          <a:r>
+            <a:rPr lang="en-US" sz="1800" kern="1200" dirty="0" smtClean="0"/>
+            <a:t>Requirements</a:t>
+          </a:r>
+          <a:endParaRPr lang="en-US" sz="1800" kern="1200" dirty="0"/>
+        </a:p>
+      </dsp:txBody>
+      <dsp:txXfrm>
+        <a:off x="590141" y="25501"/>
+        <a:ext cx="1750041" cy="819675"/>
+      </dsp:txXfrm>
+    </dsp:sp>
+    <dsp:sp modelId="{71DCDA3D-F6AC-477E-8277-8B1A049BA441}">
+      <dsp:nvSpPr>
+        <dsp:cNvPr id="0" name=""/>
+        <dsp:cNvSpPr/>
+      </dsp:nvSpPr>
+      <dsp:spPr>
+        <a:xfrm rot="5400000">
+          <a:off x="1301910" y="892444"/>
+          <a:ext cx="326503" cy="391804"/>
+        </a:xfrm>
+        <a:prstGeom prst="rightArrow">
+          <a:avLst>
+            <a:gd name="adj1" fmla="val 60000"/>
+            <a:gd name="adj2" fmla="val 50000"/>
+          </a:avLst>
+        </a:prstGeom>
+        <a:solidFill>
+          <a:schemeClr val="accent3">
+            <a:shade val="90000"/>
+            <a:hueOff val="0"/>
+            <a:satOff val="0"/>
+            <a:lumOff val="0"/>
+            <a:alphaOff val="0"/>
+          </a:schemeClr>
+        </a:solidFill>
+        <a:ln>
+          <a:noFill/>
+        </a:ln>
+        <a:effectLst/>
+      </dsp:spPr>
+      <dsp:style>
+        <a:lnRef idx="0">
+          <a:scrgbClr r="0" g="0" b="0"/>
+        </a:lnRef>
+        <a:fillRef idx="1">
+          <a:scrgbClr r="0" g="0" b="0"/>
+        </a:fillRef>
+        <a:effectRef idx="0">
+          <a:scrgbClr r="0" g="0" b="0"/>
+        </a:effectRef>
+        <a:fontRef idx="minor">
+          <a:schemeClr val="lt1"/>
+        </a:fontRef>
+      </dsp:style>
+      <dsp:txBody>
+        <a:bodyPr spcFirstLastPara="0" vert="horz" wrap="square" lIns="0" tIns="0" rIns="0" bIns="0" numCol="1" spcCol="1270" anchor="ctr" anchorCtr="0">
+          <a:noAutofit/>
+        </a:bodyPr>
+        <a:lstStyle/>
+        <a:p>
+          <a:pPr lvl="0" algn="ctr" defTabSz="622300">
+            <a:lnSpc>
+              <a:spcPct val="90000"/>
+            </a:lnSpc>
+            <a:spcBef>
+              <a:spcPct val="0"/>
+            </a:spcBef>
+            <a:spcAft>
+              <a:spcPct val="35000"/>
+            </a:spcAft>
+          </a:pPr>
+          <a:endParaRPr lang="en-US" sz="1400" kern="1200"/>
+        </a:p>
+      </dsp:txBody>
+      <dsp:txXfrm rot="-5400000">
+        <a:off x="1347621" y="925095"/>
+        <a:ext cx="235082" cy="228552"/>
+      </dsp:txXfrm>
+    </dsp:sp>
+    <dsp:sp modelId="{F72B6CF8-105B-410B-AC54-DA7464EB14C1}">
+      <dsp:nvSpPr>
+        <dsp:cNvPr id="0" name=""/>
+        <dsp:cNvSpPr/>
+      </dsp:nvSpPr>
+      <dsp:spPr>
+        <a:xfrm>
+          <a:off x="564640" y="1306015"/>
+          <a:ext cx="1801043" cy="870677"/>
+        </a:xfrm>
+        <a:prstGeom prst="roundRect">
+          <a:avLst>
+            <a:gd name="adj" fmla="val 10000"/>
+          </a:avLst>
+        </a:prstGeom>
+        <a:solidFill>
+          <a:schemeClr val="accent3">
+            <a:shade val="80000"/>
+            <a:hueOff val="41176"/>
+            <a:satOff val="-442"/>
+            <a:lumOff val="11707"/>
+            <a:alphaOff val="0"/>
+          </a:schemeClr>
+        </a:solidFill>
+        <a:ln w="25400" cap="flat" cmpd="sng" algn="ctr">
+          <a:solidFill>
+            <a:schemeClr val="lt1">
+              <a:hueOff val="0"/>
+              <a:satOff val="0"/>
+              <a:lumOff val="0"/>
+              <a:alphaOff val="0"/>
+            </a:schemeClr>
+          </a:solidFill>
+          <a:prstDash val="solid"/>
+        </a:ln>
+        <a:effectLst/>
+      </dsp:spPr>
+      <dsp:style>
+        <a:lnRef idx="2">
+          <a:scrgbClr r="0" g="0" b="0"/>
+        </a:lnRef>
+        <a:fillRef idx="1">
+          <a:scrgbClr r="0" g="0" b="0"/>
+        </a:fillRef>
+        <a:effectRef idx="0">
+          <a:scrgbClr r="0" g="0" b="0"/>
+        </a:effectRef>
+        <a:fontRef idx="minor">
+          <a:schemeClr val="lt1"/>
+        </a:fontRef>
+      </dsp:style>
+      <dsp:txBody>
+        <a:bodyPr spcFirstLastPara="0" vert="horz" wrap="square" lIns="68580" tIns="68580" rIns="68580" bIns="68580" numCol="1" spcCol="1270" anchor="ctr" anchorCtr="0">
+          <a:noAutofit/>
+        </a:bodyPr>
+        <a:lstStyle/>
+        <a:p>
+          <a:pPr lvl="0" algn="ctr" defTabSz="800100">
+            <a:lnSpc>
+              <a:spcPct val="90000"/>
+            </a:lnSpc>
+            <a:spcBef>
+              <a:spcPct val="0"/>
+            </a:spcBef>
+            <a:spcAft>
+              <a:spcPct val="35000"/>
+            </a:spcAft>
+          </a:pPr>
+          <a:r>
+            <a:rPr lang="en-US" sz="1800" kern="1200" dirty="0" smtClean="0"/>
+            <a:t>Formal Models</a:t>
+          </a:r>
+          <a:endParaRPr lang="en-US" sz="1800" kern="1200" dirty="0"/>
+        </a:p>
+      </dsp:txBody>
+      <dsp:txXfrm>
+        <a:off x="590141" y="1331516"/>
+        <a:ext cx="1750041" cy="819675"/>
+      </dsp:txXfrm>
+    </dsp:sp>
+    <dsp:sp modelId="{11530BA9-3DC9-4A49-BA20-8431D4462ED4}">
+      <dsp:nvSpPr>
+        <dsp:cNvPr id="0" name=""/>
+        <dsp:cNvSpPr/>
+      </dsp:nvSpPr>
+      <dsp:spPr>
+        <a:xfrm rot="5400000">
+          <a:off x="1301910" y="2198460"/>
+          <a:ext cx="326503" cy="391804"/>
+        </a:xfrm>
+        <a:prstGeom prst="rightArrow">
+          <a:avLst>
+            <a:gd name="adj1" fmla="val 60000"/>
+            <a:gd name="adj2" fmla="val 50000"/>
+          </a:avLst>
+        </a:prstGeom>
+        <a:solidFill>
+          <a:schemeClr val="accent3">
+            <a:shade val="90000"/>
+            <a:hueOff val="82333"/>
+            <a:satOff val="-1656"/>
+            <a:lumOff val="20682"/>
+            <a:alphaOff val="0"/>
+          </a:schemeClr>
+        </a:solidFill>
+        <a:ln>
+          <a:noFill/>
+        </a:ln>
+        <a:effectLst/>
+      </dsp:spPr>
+      <dsp:style>
+        <a:lnRef idx="0">
+          <a:scrgbClr r="0" g="0" b="0"/>
+        </a:lnRef>
+        <a:fillRef idx="1">
+          <a:scrgbClr r="0" g="0" b="0"/>
+        </a:fillRef>
+        <a:effectRef idx="0">
+          <a:scrgbClr r="0" g="0" b="0"/>
+        </a:effectRef>
+        <a:fontRef idx="minor">
+          <a:schemeClr val="lt1"/>
+        </a:fontRef>
+      </dsp:style>
+      <dsp:txBody>
+        <a:bodyPr spcFirstLastPara="0" vert="horz" wrap="square" lIns="0" tIns="0" rIns="0" bIns="0" numCol="1" spcCol="1270" anchor="ctr" anchorCtr="0">
+          <a:noAutofit/>
+        </a:bodyPr>
+        <a:lstStyle/>
+        <a:p>
+          <a:pPr lvl="0" algn="ctr" defTabSz="622300">
+            <a:lnSpc>
+              <a:spcPct val="90000"/>
+            </a:lnSpc>
+            <a:spcBef>
+              <a:spcPct val="0"/>
+            </a:spcBef>
+            <a:spcAft>
+              <a:spcPct val="35000"/>
+            </a:spcAft>
+          </a:pPr>
+          <a:endParaRPr lang="en-US" sz="1400" kern="1200"/>
+        </a:p>
+      </dsp:txBody>
+      <dsp:txXfrm rot="-5400000">
+        <a:off x="1347621" y="2231111"/>
+        <a:ext cx="235082" cy="228552"/>
+      </dsp:txXfrm>
+    </dsp:sp>
+    <dsp:sp modelId="{B2EC2A35-DAD0-47D9-A89D-EB5C8F343AF9}">
+      <dsp:nvSpPr>
+        <dsp:cNvPr id="0" name=""/>
+        <dsp:cNvSpPr/>
+      </dsp:nvSpPr>
+      <dsp:spPr>
+        <a:xfrm>
+          <a:off x="564640" y="2612031"/>
+          <a:ext cx="1801043" cy="870677"/>
+        </a:xfrm>
+        <a:prstGeom prst="roundRect">
+          <a:avLst>
+            <a:gd name="adj" fmla="val 10000"/>
+          </a:avLst>
+        </a:prstGeom>
+        <a:solidFill>
+          <a:schemeClr val="accent3">
+            <a:shade val="80000"/>
+            <a:hueOff val="82353"/>
+            <a:satOff val="-883"/>
+            <a:lumOff val="23414"/>
+            <a:alphaOff val="0"/>
+          </a:schemeClr>
+        </a:solidFill>
+        <a:ln w="25400" cap="flat" cmpd="sng" algn="ctr">
+          <a:solidFill>
+            <a:schemeClr val="lt1">
+              <a:hueOff val="0"/>
+              <a:satOff val="0"/>
+              <a:lumOff val="0"/>
+              <a:alphaOff val="0"/>
+            </a:schemeClr>
+          </a:solidFill>
+          <a:prstDash val="solid"/>
+        </a:ln>
+        <a:effectLst/>
+      </dsp:spPr>
+      <dsp:style>
+        <a:lnRef idx="2">
+          <a:scrgbClr r="0" g="0" b="0"/>
+        </a:lnRef>
+        <a:fillRef idx="1">
+          <a:scrgbClr r="0" g="0" b="0"/>
+        </a:fillRef>
+        <a:effectRef idx="0">
+          <a:scrgbClr r="0" g="0" b="0"/>
+        </a:effectRef>
+        <a:fontRef idx="minor">
+          <a:schemeClr val="lt1"/>
+        </a:fontRef>
+      </dsp:style>
+      <dsp:txBody>
+        <a:bodyPr spcFirstLastPara="0" vert="horz" wrap="square" lIns="68580" tIns="68580" rIns="68580" bIns="68580" numCol="1" spcCol="1270" anchor="ctr" anchorCtr="0">
+          <a:noAutofit/>
+        </a:bodyPr>
+        <a:lstStyle/>
+        <a:p>
+          <a:pPr lvl="0" algn="ctr" defTabSz="800100">
+            <a:lnSpc>
+              <a:spcPct val="90000"/>
+            </a:lnSpc>
+            <a:spcBef>
+              <a:spcPct val="0"/>
+            </a:spcBef>
+            <a:spcAft>
+              <a:spcPct val="35000"/>
+            </a:spcAft>
+          </a:pPr>
+          <a:r>
+            <a:rPr lang="en-US" sz="1800" kern="1200" dirty="0" smtClean="0"/>
+            <a:t>Implementation</a:t>
+          </a:r>
+          <a:endParaRPr lang="en-US" sz="1800" kern="1200" dirty="0"/>
+        </a:p>
+      </dsp:txBody>
+      <dsp:txXfrm>
+        <a:off x="590141" y="2637532"/>
+        <a:ext cx="1750041" cy="819675"/>
+      </dsp:txXfrm>
+    </dsp:sp>
+  </dsp:spTree>
+</dsp:drawing>
+</file>
+
+<file path=ppt/diagrams/drawing2.xml><?xml version="1.0" encoding="utf-8"?>
 <dsp:drawing xmlns:dgm="http://schemas.openxmlformats.org/drawingml/2006/diagram" xmlns:dsp="http://schemas.microsoft.com/office/drawing/2008/diagram" xmlns:a="http://schemas.openxmlformats.org/drawingml/2006/main">
   <dsp:spTree>
     <dsp:nvGrpSpPr>
@@ -1517,7 +3053,7 @@
         </a:bodyPr>
         <a:lstStyle/>
         <a:p>
-          <a:pPr marL="0" lvl="0" indent="0" algn="ctr" defTabSz="355600">
+          <a:pPr lvl="0" algn="ctr" defTabSz="355600">
             <a:lnSpc>
               <a:spcPct val="90000"/>
             </a:lnSpc>
@@ -1527,7 +3063,6 @@
             <a:spcAft>
               <a:spcPct val="35000"/>
             </a:spcAft>
-            <a:buNone/>
           </a:pPr>
           <a:r>
             <a:rPr lang="en-US" sz="800" kern="1200" dirty="0"/>
@@ -1590,7 +3125,7 @@
         </a:bodyPr>
         <a:lstStyle/>
         <a:p>
-          <a:pPr marL="0" lvl="0" indent="0" algn="ctr" defTabSz="266700">
+          <a:pPr lvl="0" algn="ctr" defTabSz="266700">
             <a:lnSpc>
               <a:spcPct val="90000"/>
             </a:lnSpc>
@@ -1600,7 +3135,6 @@
             <a:spcAft>
               <a:spcPct val="35000"/>
             </a:spcAft>
-            <a:buNone/>
           </a:pPr>
           <a:endParaRPr lang="en-US" sz="600" kern="1200"/>
         </a:p>
@@ -1660,7 +3194,7 @@
         </a:bodyPr>
         <a:lstStyle/>
         <a:p>
-          <a:pPr marL="0" lvl="0" indent="0" algn="ctr" defTabSz="355600">
+          <a:pPr lvl="0" algn="ctr" defTabSz="355600">
             <a:lnSpc>
               <a:spcPct val="90000"/>
             </a:lnSpc>
@@ -1670,7 +3204,6 @@
             <a:spcAft>
               <a:spcPct val="35000"/>
             </a:spcAft>
-            <a:buNone/>
           </a:pPr>
           <a:r>
             <a:rPr lang="en-US" sz="800" kern="1200" dirty="0" err="1"/>
@@ -1737,7 +3270,7 @@
         </a:bodyPr>
         <a:lstStyle/>
         <a:p>
-          <a:pPr marL="0" lvl="0" indent="0" algn="ctr" defTabSz="266700">
+          <a:pPr lvl="0" algn="ctr" defTabSz="266700">
             <a:lnSpc>
               <a:spcPct val="90000"/>
             </a:lnSpc>
@@ -1747,7 +3280,6 @@
             <a:spcAft>
               <a:spcPct val="35000"/>
             </a:spcAft>
-            <a:buNone/>
           </a:pPr>
           <a:endParaRPr lang="en-US" sz="600" kern="1200"/>
         </a:p>
@@ -1807,7 +3339,7 @@
         </a:bodyPr>
         <a:lstStyle/>
         <a:p>
-          <a:pPr marL="0" lvl="0" indent="0" algn="ctr" defTabSz="355600">
+          <a:pPr lvl="0" algn="ctr" defTabSz="355600">
             <a:lnSpc>
               <a:spcPct val="90000"/>
             </a:lnSpc>
@@ -1817,7 +3349,6 @@
             <a:spcAft>
               <a:spcPct val="35000"/>
             </a:spcAft>
-            <a:buNone/>
           </a:pPr>
           <a:r>
             <a:rPr lang="en-US" sz="800" kern="1200" dirty="0"/>
@@ -1883,7 +3414,7 @@
         </a:bodyPr>
         <a:lstStyle/>
         <a:p>
-          <a:pPr marL="0" lvl="0" indent="0" algn="ctr" defTabSz="311150">
+          <a:pPr lvl="0" algn="ctr" defTabSz="311150">
             <a:lnSpc>
               <a:spcPct val="90000"/>
             </a:lnSpc>
@@ -1893,7 +3424,6 @@
             <a:spcAft>
               <a:spcPct val="35000"/>
             </a:spcAft>
-            <a:buNone/>
           </a:pPr>
           <a:endParaRPr lang="en-US" sz="700" kern="1200"/>
         </a:p>
@@ -1953,7 +3483,7 @@
         </a:bodyPr>
         <a:lstStyle/>
         <a:p>
-          <a:pPr marL="0" lvl="0" indent="0" algn="ctr" defTabSz="533400">
+          <a:pPr lvl="0" algn="ctr" defTabSz="533400">
             <a:lnSpc>
               <a:spcPct val="90000"/>
             </a:lnSpc>
@@ -1963,7 +3493,6 @@
             <a:spcAft>
               <a:spcPct val="35000"/>
             </a:spcAft>
-            <a:buNone/>
           </a:pPr>
           <a:r>
             <a:rPr lang="en-US" sz="1200" kern="1200" dirty="0"/>
@@ -1981,6 +3510,155 @@
 </file>
 
 <file path=ppt/diagrams/layout1.xml><?xml version="1.0" encoding="utf-8"?>
+<dgm:layoutDef xmlns:dgm="http://schemas.openxmlformats.org/drawingml/2006/diagram" xmlns:a="http://schemas.openxmlformats.org/drawingml/2006/main" uniqueId="urn:microsoft.com/office/officeart/2005/8/layout/process2">
+  <dgm:title val=""/>
+  <dgm:desc val=""/>
+  <dgm:catLst>
+    <dgm:cat type="process" pri="13000"/>
+  </dgm:catLst>
+  <dgm:sampData useDef="1">
+    <dgm:dataModel>
+      <dgm:ptLst/>
+      <dgm:bg/>
+      <dgm:whole/>
+    </dgm:dataModel>
+  </dgm:sampData>
+  <dgm:styleData>
+    <dgm:dataModel>
+      <dgm:ptLst>
+        <dgm:pt modelId="0" type="doc"/>
+        <dgm:pt modelId="1"/>
+        <dgm:pt modelId="2"/>
+      </dgm:ptLst>
+      <dgm:cxnLst>
+        <dgm:cxn modelId="3" srcId="0" destId="1" srcOrd="0" destOrd="0"/>
+        <dgm:cxn modelId="4" srcId="0" destId="2" srcOrd="1" destOrd="0"/>
+      </dgm:cxnLst>
+      <dgm:bg/>
+      <dgm:whole/>
+    </dgm:dataModel>
+  </dgm:styleData>
+  <dgm:clrData>
+    <dgm:dataModel>
+      <dgm:ptLst>
+        <dgm:pt modelId="0" type="doc"/>
+        <dgm:pt modelId="1"/>
+        <dgm:pt modelId="2"/>
+        <dgm:pt modelId="3"/>
+        <dgm:pt modelId="4"/>
+      </dgm:ptLst>
+      <dgm:cxnLst>
+        <dgm:cxn modelId="5" srcId="0" destId="1" srcOrd="0" destOrd="0"/>
+        <dgm:cxn modelId="6" srcId="0" destId="2" srcOrd="1" destOrd="0"/>
+        <dgm:cxn modelId="7" srcId="0" destId="3" srcOrd="2" destOrd="0"/>
+        <dgm:cxn modelId="8" srcId="0" destId="4" srcOrd="3" destOrd="0"/>
+      </dgm:cxnLst>
+      <dgm:bg/>
+      <dgm:whole/>
+    </dgm:dataModel>
+  </dgm:clrData>
+  <dgm:layoutNode name="linearFlow">
+    <dgm:varLst>
+      <dgm:resizeHandles val="exact"/>
+    </dgm:varLst>
+    <dgm:alg type="lin">
+      <dgm:param type="linDir" val="fromT"/>
+    </dgm:alg>
+    <dgm:shape xmlns:r="http://schemas.openxmlformats.org/officeDocument/2006/relationships" r:blip="">
+      <dgm:adjLst/>
+    </dgm:shape>
+    <dgm:presOf/>
+    <dgm:constrLst>
+      <dgm:constr type="h" for="ch" ptType="node" refType="h"/>
+      <dgm:constr type="h" for="ch" ptType="sibTrans" refType="h" refFor="ch" refPtType="node" fact="0.5"/>
+      <dgm:constr type="w" for="ch" ptType="node" op="equ"/>
+      <dgm:constr type="primFontSz" for="ch" ptType="node" op="equ" val="65"/>
+      <dgm:constr type="primFontSz" for="des" forName="connectorText" op="equ" val="55"/>
+      <dgm:constr type="primFontSz" for="des" forName="connectorText" refType="primFontSz" refFor="ch" refPtType="node" op="lte" fact="0.8"/>
+    </dgm:constrLst>
+    <dgm:ruleLst/>
+    <dgm:forEach name="nodesForEach" axis="ch" ptType="node">
+      <dgm:layoutNode name="node">
+        <dgm:varLst>
+          <dgm:bulletEnabled val="1"/>
+        </dgm:varLst>
+        <dgm:choose name="Name0">
+          <dgm:if name="Name1" axis="root des" ptType="all node" func="maxDepth" op="gt" val="1">
+            <dgm:alg type="tx">
+              <dgm:param type="parTxLTRAlign" val="l"/>
+              <dgm:param type="parTxRTLAlign" val="r"/>
+              <dgm:param type="txAnchorVertCh" val="mid"/>
+            </dgm:alg>
+          </dgm:if>
+          <dgm:else name="Name2">
+            <dgm:alg type="tx"/>
+          </dgm:else>
+        </dgm:choose>
+        <dgm:shape xmlns:r="http://schemas.openxmlformats.org/officeDocument/2006/relationships" type="roundRect" r:blip="">
+          <dgm:adjLst>
+            <dgm:adj idx="1" val="0.1"/>
+          </dgm:adjLst>
+        </dgm:shape>
+        <dgm:presOf axis="desOrSelf" ptType="node"/>
+        <dgm:constrLst>
+          <dgm:constr type="w" refType="h" fact="1.8"/>
+          <dgm:constr type="tMarg" refType="primFontSz" fact="0.3"/>
+          <dgm:constr type="bMarg" refType="primFontSz" fact="0.3"/>
+          <dgm:constr type="lMarg" refType="primFontSz" fact="0.3"/>
+          <dgm:constr type="rMarg" refType="primFontSz" fact="0.3"/>
+        </dgm:constrLst>
+        <dgm:ruleLst>
+          <dgm:rule type="primFontSz" val="18" fact="NaN" max="NaN"/>
+          <dgm:rule type="w" val="NaN" fact="4" max="NaN"/>
+          <dgm:rule type="primFontSz" val="5" fact="NaN" max="NaN"/>
+        </dgm:ruleLst>
+      </dgm:layoutNode>
+      <dgm:forEach name="sibTransForEach" axis="followSib" ptType="sibTrans" cnt="1">
+        <dgm:layoutNode name="sibTrans">
+          <dgm:alg type="conn">
+            <dgm:param type="begPts" val="auto"/>
+            <dgm:param type="endPts" val="auto"/>
+          </dgm:alg>
+          <dgm:shape xmlns:r="http://schemas.openxmlformats.org/officeDocument/2006/relationships" type="conn" r:blip="">
+            <dgm:adjLst/>
+          </dgm:shape>
+          <dgm:presOf axis="self"/>
+          <dgm:constrLst>
+            <dgm:constr type="w" refType="h" fact="0.9"/>
+            <dgm:constr type="connDist"/>
+            <dgm:constr type="wArH" refType="w" fact="0.5"/>
+            <dgm:constr type="hArH" refType="w"/>
+            <dgm:constr type="stemThick" refType="w" fact="0.6"/>
+            <dgm:constr type="begPad" refType="connDist" fact="0.125"/>
+            <dgm:constr type="endPad" refType="connDist" fact="0.125"/>
+          </dgm:constrLst>
+          <dgm:ruleLst/>
+          <dgm:layoutNode name="connectorText">
+            <dgm:alg type="tx">
+              <dgm:param type="autoTxRot" val="upr"/>
+            </dgm:alg>
+            <dgm:shape xmlns:r="http://schemas.openxmlformats.org/officeDocument/2006/relationships" type="conn" r:blip="" hideGeom="1">
+              <dgm:adjLst/>
+            </dgm:shape>
+            <dgm:presOf axis="self"/>
+            <dgm:constrLst>
+              <dgm:constr type="lMarg"/>
+              <dgm:constr type="rMarg"/>
+              <dgm:constr type="tMarg"/>
+              <dgm:constr type="bMarg"/>
+            </dgm:constrLst>
+            <dgm:ruleLst>
+              <dgm:rule type="primFontSz" val="5" fact="NaN" max="NaN"/>
+            </dgm:ruleLst>
+          </dgm:layoutNode>
+        </dgm:layoutNode>
+      </dgm:forEach>
+    </dgm:forEach>
+  </dgm:layoutNode>
+</dgm:layoutDef>
+</file>
+
+<file path=ppt/diagrams/layout2.xml><?xml version="1.0" encoding="utf-8"?>
 <dgm:layoutDef xmlns:dgm="http://schemas.openxmlformats.org/drawingml/2006/diagram" xmlns:a="http://schemas.openxmlformats.org/drawingml/2006/main" uniqueId="urn:microsoft.com/office/officeart/2005/8/layout/equation2">
   <dgm:title val=""/>
   <dgm:desc val=""/>
@@ -2246,6 +3924,1040 @@
 </file>
 
 <file path=ppt/diagrams/quickStyle1.xml><?xml version="1.0" encoding="utf-8"?>
+<dgm:styleDef xmlns:dgm="http://schemas.openxmlformats.org/drawingml/2006/diagram" xmlns:a="http://schemas.openxmlformats.org/drawingml/2006/main" uniqueId="urn:microsoft.com/office/officeart/2005/8/quickstyle/simple1">
+  <dgm:title val=""/>
+  <dgm:desc val=""/>
+  <dgm:catLst>
+    <dgm:cat type="simple" pri="10100"/>
+  </dgm:catLst>
+  <dgm:scene3d>
+    <a:camera prst="orthographicFront"/>
+    <a:lightRig rig="threePt" dir="t"/>
+  </dgm:scene3d>
+  <dgm:styleLbl name="node0">
+    <dgm:scene3d>
+      <a:camera prst="orthographicFront"/>
+      <a:lightRig rig="threePt" dir="t"/>
+    </dgm:scene3d>
+    <dgm:sp3d/>
+    <dgm:txPr/>
+    <dgm:style>
+      <a:lnRef idx="2">
+        <a:scrgbClr r="0" g="0" b="0"/>
+      </a:lnRef>
+      <a:fillRef idx="1">
+        <a:scrgbClr r="0" g="0" b="0"/>
+      </a:fillRef>
+      <a:effectRef idx="0">
+        <a:scrgbClr r="0" g="0" b="0"/>
+      </a:effectRef>
+      <a:fontRef idx="minor">
+        <a:schemeClr val="lt1"/>
+      </a:fontRef>
+    </dgm:style>
+  </dgm:styleLbl>
+  <dgm:styleLbl name="lnNode1">
+    <dgm:scene3d>
+      <a:camera prst="orthographicFront"/>
+      <a:lightRig rig="threePt" dir="t"/>
+    </dgm:scene3d>
+    <dgm:sp3d/>
+    <dgm:txPr/>
+    <dgm:style>
+      <a:lnRef idx="2">
+        <a:scrgbClr r="0" g="0" b="0"/>
+      </a:lnRef>
+      <a:fillRef idx="1">
+        <a:scrgbClr r="0" g="0" b="0"/>
+      </a:fillRef>
+      <a:effectRef idx="0">
+        <a:scrgbClr r="0" g="0" b="0"/>
+      </a:effectRef>
+      <a:fontRef idx="minor">
+        <a:schemeClr val="lt1"/>
+      </a:fontRef>
+    </dgm:style>
+  </dgm:styleLbl>
+  <dgm:styleLbl name="vennNode1">
+    <dgm:scene3d>
+      <a:camera prst="orthographicFront"/>
+      <a:lightRig rig="threePt" dir="t"/>
+    </dgm:scene3d>
+    <dgm:sp3d/>
+    <dgm:txPr/>
+    <dgm:style>
+      <a:lnRef idx="2">
+        <a:scrgbClr r="0" g="0" b="0"/>
+      </a:lnRef>
+      <a:fillRef idx="1">
+        <a:scrgbClr r="0" g="0" b="0"/>
+      </a:fillRef>
+      <a:effectRef idx="0">
+        <a:scrgbClr r="0" g="0" b="0"/>
+      </a:effectRef>
+      <a:fontRef idx="minor">
+        <a:schemeClr val="tx1"/>
+      </a:fontRef>
+    </dgm:style>
+  </dgm:styleLbl>
+  <dgm:styleLbl name="alignNode1">
+    <dgm:scene3d>
+      <a:camera prst="orthographicFront"/>
+      <a:lightRig rig="threePt" dir="t"/>
+    </dgm:scene3d>
+    <dgm:sp3d/>
+    <dgm:txPr/>
+    <dgm:style>
+      <a:lnRef idx="2">
+        <a:scrgbClr r="0" g="0" b="0"/>
+      </a:lnRef>
+      <a:fillRef idx="1">
+        <a:scrgbClr r="0" g="0" b="0"/>
+      </a:fillRef>
+      <a:effectRef idx="0">
+        <a:scrgbClr r="0" g="0" b="0"/>
+      </a:effectRef>
+      <a:fontRef idx="minor">
+        <a:schemeClr val="lt1"/>
+      </a:fontRef>
+    </dgm:style>
+  </dgm:styleLbl>
+  <dgm:styleLbl name="node1">
+    <dgm:scene3d>
+      <a:camera prst="orthographicFront"/>
+      <a:lightRig rig="threePt" dir="t"/>
+    </dgm:scene3d>
+    <dgm:sp3d/>
+    <dgm:txPr/>
+    <dgm:style>
+      <a:lnRef idx="2">
+        <a:scrgbClr r="0" g="0" b="0"/>
+      </a:lnRef>
+      <a:fillRef idx="1">
+        <a:scrgbClr r="0" g="0" b="0"/>
+      </a:fillRef>
+      <a:effectRef idx="0">
+        <a:scrgbClr r="0" g="0" b="0"/>
+      </a:effectRef>
+      <a:fontRef idx="minor">
+        <a:schemeClr val="lt1"/>
+      </a:fontRef>
+    </dgm:style>
+  </dgm:styleLbl>
+  <dgm:styleLbl name="node2">
+    <dgm:scene3d>
+      <a:camera prst="orthographicFront"/>
+      <a:lightRig rig="threePt" dir="t"/>
+    </dgm:scene3d>
+    <dgm:sp3d/>
+    <dgm:txPr/>
+    <dgm:style>
+      <a:lnRef idx="2">
+        <a:scrgbClr r="0" g="0" b="0"/>
+      </a:lnRef>
+      <a:fillRef idx="1">
+        <a:scrgbClr r="0" g="0" b="0"/>
+      </a:fillRef>
+      <a:effectRef idx="0">
+        <a:scrgbClr r="0" g="0" b="0"/>
+      </a:effectRef>
+      <a:fontRef idx="minor">
+        <a:schemeClr val="lt1"/>
+      </a:fontRef>
+    </dgm:style>
+  </dgm:styleLbl>
+  <dgm:styleLbl name="node3">
+    <dgm:scene3d>
+      <a:camera prst="orthographicFront"/>
+      <a:lightRig rig="threePt" dir="t"/>
+    </dgm:scene3d>
+    <dgm:sp3d/>
+    <dgm:txPr/>
+    <dgm:style>
+      <a:lnRef idx="2">
+        <a:scrgbClr r="0" g="0" b="0"/>
+      </a:lnRef>
+      <a:fillRef idx="1">
+        <a:scrgbClr r="0" g="0" b="0"/>
+      </a:fillRef>
+      <a:effectRef idx="0">
+        <a:scrgbClr r="0" g="0" b="0"/>
+      </a:effectRef>
+      <a:fontRef idx="minor">
+        <a:schemeClr val="lt1"/>
+      </a:fontRef>
+    </dgm:style>
+  </dgm:styleLbl>
+  <dgm:styleLbl name="node4">
+    <dgm:scene3d>
+      <a:camera prst="orthographicFront"/>
+      <a:lightRig rig="threePt" dir="t"/>
+    </dgm:scene3d>
+    <dgm:sp3d/>
+    <dgm:txPr/>
+    <dgm:style>
+      <a:lnRef idx="2">
+        <a:scrgbClr r="0" g="0" b="0"/>
+      </a:lnRef>
+      <a:fillRef idx="1">
+        <a:scrgbClr r="0" g="0" b="0"/>
+      </a:fillRef>
+      <a:effectRef idx="0">
+        <a:scrgbClr r="0" g="0" b="0"/>
+      </a:effectRef>
+      <a:fontRef idx="minor">
+        <a:schemeClr val="lt1"/>
+      </a:fontRef>
+    </dgm:style>
+  </dgm:styleLbl>
+  <dgm:styleLbl name="fgImgPlace1">
+    <dgm:scene3d>
+      <a:camera prst="orthographicFront"/>
+      <a:lightRig rig="threePt" dir="t"/>
+    </dgm:scene3d>
+    <dgm:sp3d/>
+    <dgm:txPr/>
+    <dgm:style>
+      <a:lnRef idx="2">
+        <a:scrgbClr r="0" g="0" b="0"/>
+      </a:lnRef>
+      <a:fillRef idx="1">
+        <a:scrgbClr r="0" g="0" b="0"/>
+      </a:fillRef>
+      <a:effectRef idx="0">
+        <a:scrgbClr r="0" g="0" b="0"/>
+      </a:effectRef>
+      <a:fontRef idx="minor"/>
+    </dgm:style>
+  </dgm:styleLbl>
+  <dgm:styleLbl name="alignImgPlace1">
+    <dgm:scene3d>
+      <a:camera prst="orthographicFront"/>
+      <a:lightRig rig="threePt" dir="t"/>
+    </dgm:scene3d>
+    <dgm:sp3d/>
+    <dgm:txPr/>
+    <dgm:style>
+      <a:lnRef idx="2">
+        <a:scrgbClr r="0" g="0" b="0"/>
+      </a:lnRef>
+      <a:fillRef idx="1">
+        <a:scrgbClr r="0" g="0" b="0"/>
+      </a:fillRef>
+      <a:effectRef idx="0">
+        <a:scrgbClr r="0" g="0" b="0"/>
+      </a:effectRef>
+      <a:fontRef idx="minor"/>
+    </dgm:style>
+  </dgm:styleLbl>
+  <dgm:styleLbl name="bgImgPlace1">
+    <dgm:scene3d>
+      <a:camera prst="orthographicFront"/>
+      <a:lightRig rig="threePt" dir="t"/>
+    </dgm:scene3d>
+    <dgm:sp3d/>
+    <dgm:txPr/>
+    <dgm:style>
+      <a:lnRef idx="2">
+        <a:scrgbClr r="0" g="0" b="0"/>
+      </a:lnRef>
+      <a:fillRef idx="1">
+        <a:scrgbClr r="0" g="0" b="0"/>
+      </a:fillRef>
+      <a:effectRef idx="0">
+        <a:scrgbClr r="0" g="0" b="0"/>
+      </a:effectRef>
+      <a:fontRef idx="minor"/>
+    </dgm:style>
+  </dgm:styleLbl>
+  <dgm:styleLbl name="sibTrans2D1">
+    <dgm:scene3d>
+      <a:camera prst="orthographicFront"/>
+      <a:lightRig rig="threePt" dir="t"/>
+    </dgm:scene3d>
+    <dgm:sp3d/>
+    <dgm:txPr/>
+    <dgm:style>
+      <a:lnRef idx="0">
+        <a:scrgbClr r="0" g="0" b="0"/>
+      </a:lnRef>
+      <a:fillRef idx="1">
+        <a:scrgbClr r="0" g="0" b="0"/>
+      </a:fillRef>
+      <a:effectRef idx="0">
+        <a:scrgbClr r="0" g="0" b="0"/>
+      </a:effectRef>
+      <a:fontRef idx="minor">
+        <a:schemeClr val="lt1"/>
+      </a:fontRef>
+    </dgm:style>
+  </dgm:styleLbl>
+  <dgm:styleLbl name="fgSibTrans2D1">
+    <dgm:scene3d>
+      <a:camera prst="orthographicFront"/>
+      <a:lightRig rig="threePt" dir="t"/>
+    </dgm:scene3d>
+    <dgm:sp3d/>
+    <dgm:txPr/>
+    <dgm:style>
+      <a:lnRef idx="0">
+        <a:scrgbClr r="0" g="0" b="0"/>
+      </a:lnRef>
+      <a:fillRef idx="1">
+        <a:scrgbClr r="0" g="0" b="0"/>
+      </a:fillRef>
+      <a:effectRef idx="0">
+        <a:scrgbClr r="0" g="0" b="0"/>
+      </a:effectRef>
+      <a:fontRef idx="minor">
+        <a:schemeClr val="lt1"/>
+      </a:fontRef>
+    </dgm:style>
+  </dgm:styleLbl>
+  <dgm:styleLbl name="bgSibTrans2D1">
+    <dgm:scene3d>
+      <a:camera prst="orthographicFront"/>
+      <a:lightRig rig="threePt" dir="t"/>
+    </dgm:scene3d>
+    <dgm:sp3d/>
+    <dgm:txPr/>
+    <dgm:style>
+      <a:lnRef idx="0">
+        <a:scrgbClr r="0" g="0" b="0"/>
+      </a:lnRef>
+      <a:fillRef idx="1">
+        <a:scrgbClr r="0" g="0" b="0"/>
+      </a:fillRef>
+      <a:effectRef idx="0">
+        <a:scrgbClr r="0" g="0" b="0"/>
+      </a:effectRef>
+      <a:fontRef idx="minor">
+        <a:schemeClr val="lt1"/>
+      </a:fontRef>
+    </dgm:style>
+  </dgm:styleLbl>
+  <dgm:styleLbl name="sibTrans1D1">
+    <dgm:scene3d>
+      <a:camera prst="orthographicFront"/>
+      <a:lightRig rig="threePt" dir="t"/>
+    </dgm:scene3d>
+    <dgm:sp3d/>
+    <dgm:txPr/>
+    <dgm:style>
+      <a:lnRef idx="1">
+        <a:scrgbClr r="0" g="0" b="0"/>
+      </a:lnRef>
+      <a:fillRef idx="0">
+        <a:scrgbClr r="0" g="0" b="0"/>
+      </a:fillRef>
+      <a:effectRef idx="0">
+        <a:scrgbClr r="0" g="0" b="0"/>
+      </a:effectRef>
+      <a:fontRef idx="minor"/>
+    </dgm:style>
+  </dgm:styleLbl>
+  <dgm:styleLbl name="callout">
+    <dgm:scene3d>
+      <a:camera prst="orthographicFront"/>
+      <a:lightRig rig="threePt" dir="t"/>
+    </dgm:scene3d>
+    <dgm:sp3d/>
+    <dgm:txPr/>
+    <dgm:style>
+      <a:lnRef idx="2">
+        <a:scrgbClr r="0" g="0" b="0"/>
+      </a:lnRef>
+      <a:fillRef idx="1">
+        <a:scrgbClr r="0" g="0" b="0"/>
+      </a:fillRef>
+      <a:effectRef idx="0">
+        <a:scrgbClr r="0" g="0" b="0"/>
+      </a:effectRef>
+      <a:fontRef idx="minor"/>
+    </dgm:style>
+  </dgm:styleLbl>
+  <dgm:styleLbl name="asst0">
+    <dgm:scene3d>
+      <a:camera prst="orthographicFront"/>
+      <a:lightRig rig="threePt" dir="t"/>
+    </dgm:scene3d>
+    <dgm:sp3d/>
+    <dgm:txPr/>
+    <dgm:style>
+      <a:lnRef idx="2">
+        <a:scrgbClr r="0" g="0" b="0"/>
+      </a:lnRef>
+      <a:fillRef idx="1">
+        <a:scrgbClr r="0" g="0" b="0"/>
+      </a:fillRef>
+      <a:effectRef idx="0">
+        <a:scrgbClr r="0" g="0" b="0"/>
+      </a:effectRef>
+      <a:fontRef idx="minor">
+        <a:schemeClr val="lt1"/>
+      </a:fontRef>
+    </dgm:style>
+  </dgm:styleLbl>
+  <dgm:styleLbl name="asst1">
+    <dgm:scene3d>
+      <a:camera prst="orthographicFront"/>
+      <a:lightRig rig="threePt" dir="t"/>
+    </dgm:scene3d>
+    <dgm:sp3d/>
+    <dgm:txPr/>
+    <dgm:style>
+      <a:lnRef idx="2">
+        <a:scrgbClr r="0" g="0" b="0"/>
+      </a:lnRef>
+      <a:fillRef idx="1">
+        <a:scrgbClr r="0" g="0" b="0"/>
+      </a:fillRef>
+      <a:effectRef idx="0">
+        <a:scrgbClr r="0" g="0" b="0"/>
+      </a:effectRef>
+      <a:fontRef idx="minor">
+        <a:schemeClr val="lt1"/>
+      </a:fontRef>
+    </dgm:style>
+  </dgm:styleLbl>
+  <dgm:styleLbl name="asst2">
+    <dgm:scene3d>
+      <a:camera prst="orthographicFront"/>
+      <a:lightRig rig="threePt" dir="t"/>
+    </dgm:scene3d>
+    <dgm:sp3d/>
+    <dgm:txPr/>
+    <dgm:style>
+      <a:lnRef idx="2">
+        <a:scrgbClr r="0" g="0" b="0"/>
+      </a:lnRef>
+      <a:fillRef idx="1">
+        <a:scrgbClr r="0" g="0" b="0"/>
+      </a:fillRef>
+      <a:effectRef idx="0">
+        <a:scrgbClr r="0" g="0" b="0"/>
+      </a:effectRef>
+      <a:fontRef idx="minor">
+        <a:schemeClr val="lt1"/>
+      </a:fontRef>
+    </dgm:style>
+  </dgm:styleLbl>
+  <dgm:styleLbl name="asst3">
+    <dgm:scene3d>
+      <a:camera prst="orthographicFront"/>
+      <a:lightRig rig="threePt" dir="t"/>
+    </dgm:scene3d>
+    <dgm:sp3d/>
+    <dgm:txPr/>
+    <dgm:style>
+      <a:lnRef idx="2">
+        <a:scrgbClr r="0" g="0" b="0"/>
+      </a:lnRef>
+      <a:fillRef idx="1">
+        <a:scrgbClr r="0" g="0" b="0"/>
+      </a:fillRef>
+      <a:effectRef idx="0">
+        <a:scrgbClr r="0" g="0" b="0"/>
+      </a:effectRef>
+      <a:fontRef idx="minor">
+        <a:schemeClr val="lt1"/>
+      </a:fontRef>
+    </dgm:style>
+  </dgm:styleLbl>
+  <dgm:styleLbl name="asst4">
+    <dgm:scene3d>
+      <a:camera prst="orthographicFront"/>
+      <a:lightRig rig="threePt" dir="t"/>
+    </dgm:scene3d>
+    <dgm:sp3d/>
+    <dgm:txPr/>
+    <dgm:style>
+      <a:lnRef idx="2">
+        <a:scrgbClr r="0" g="0" b="0"/>
+      </a:lnRef>
+      <a:fillRef idx="1">
+        <a:scrgbClr r="0" g="0" b="0"/>
+      </a:fillRef>
+      <a:effectRef idx="0">
+        <a:scrgbClr r="0" g="0" b="0"/>
+      </a:effectRef>
+      <a:fontRef idx="minor">
+        <a:schemeClr val="lt1"/>
+      </a:fontRef>
+    </dgm:style>
+  </dgm:styleLbl>
+  <dgm:styleLbl name="parChTrans2D1">
+    <dgm:scene3d>
+      <a:camera prst="orthographicFront"/>
+      <a:lightRig rig="threePt" dir="t"/>
+    </dgm:scene3d>
+    <dgm:sp3d/>
+    <dgm:txPr/>
+    <dgm:style>
+      <a:lnRef idx="2">
+        <a:scrgbClr r="0" g="0" b="0"/>
+      </a:lnRef>
+      <a:fillRef idx="1">
+        <a:scrgbClr r="0" g="0" b="0"/>
+      </a:fillRef>
+      <a:effectRef idx="0">
+        <a:scrgbClr r="0" g="0" b="0"/>
+      </a:effectRef>
+      <a:fontRef idx="minor">
+        <a:schemeClr val="lt1"/>
+      </a:fontRef>
+    </dgm:style>
+  </dgm:styleLbl>
+  <dgm:styleLbl name="parChTrans2D2">
+    <dgm:scene3d>
+      <a:camera prst="orthographicFront"/>
+      <a:lightRig rig="threePt" dir="t"/>
+    </dgm:scene3d>
+    <dgm:sp3d/>
+    <dgm:txPr/>
+    <dgm:style>
+      <a:lnRef idx="2">
+        <a:scrgbClr r="0" g="0" b="0"/>
+      </a:lnRef>
+      <a:fillRef idx="1">
+        <a:scrgbClr r="0" g="0" b="0"/>
+      </a:fillRef>
+      <a:effectRef idx="0">
+        <a:scrgbClr r="0" g="0" b="0"/>
+      </a:effectRef>
+      <a:fontRef idx="minor">
+        <a:schemeClr val="lt1"/>
+      </a:fontRef>
+    </dgm:style>
+  </dgm:styleLbl>
+  <dgm:styleLbl name="parChTrans2D3">
+    <dgm:scene3d>
+      <a:camera prst="orthographicFront"/>
+      <a:lightRig rig="threePt" dir="t"/>
+    </dgm:scene3d>
+    <dgm:sp3d/>
+    <dgm:txPr/>
+    <dgm:style>
+      <a:lnRef idx="2">
+        <a:scrgbClr r="0" g="0" b="0"/>
+      </a:lnRef>
+      <a:fillRef idx="1">
+        <a:scrgbClr r="0" g="0" b="0"/>
+      </a:fillRef>
+      <a:effectRef idx="0">
+        <a:scrgbClr r="0" g="0" b="0"/>
+      </a:effectRef>
+      <a:fontRef idx="minor">
+        <a:schemeClr val="lt1"/>
+      </a:fontRef>
+    </dgm:style>
+  </dgm:styleLbl>
+  <dgm:styleLbl name="parChTrans2D4">
+    <dgm:scene3d>
+      <a:camera prst="orthographicFront"/>
+      <a:lightRig rig="threePt" dir="t"/>
+    </dgm:scene3d>
+    <dgm:sp3d/>
+    <dgm:txPr/>
+    <dgm:style>
+      <a:lnRef idx="2">
+        <a:scrgbClr r="0" g="0" b="0"/>
+      </a:lnRef>
+      <a:fillRef idx="1">
+        <a:scrgbClr r="0" g="0" b="0"/>
+      </a:fillRef>
+      <a:effectRef idx="0">
+        <a:scrgbClr r="0" g="0" b="0"/>
+      </a:effectRef>
+      <a:fontRef idx="minor">
+        <a:schemeClr val="lt1"/>
+      </a:fontRef>
+    </dgm:style>
+  </dgm:styleLbl>
+  <dgm:styleLbl name="parChTrans1D1">
+    <dgm:scene3d>
+      <a:camera prst="orthographicFront"/>
+      <a:lightRig rig="threePt" dir="t"/>
+    </dgm:scene3d>
+    <dgm:sp3d/>
+    <dgm:txPr/>
+    <dgm:style>
+      <a:lnRef idx="2">
+        <a:scrgbClr r="0" g="0" b="0"/>
+      </a:lnRef>
+      <a:fillRef idx="0">
+        <a:scrgbClr r="0" g="0" b="0"/>
+      </a:fillRef>
+      <a:effectRef idx="0">
+        <a:scrgbClr r="0" g="0" b="0"/>
+      </a:effectRef>
+      <a:fontRef idx="minor"/>
+    </dgm:style>
+  </dgm:styleLbl>
+  <dgm:styleLbl name="parChTrans1D2">
+    <dgm:scene3d>
+      <a:camera prst="orthographicFront"/>
+      <a:lightRig rig="threePt" dir="t"/>
+    </dgm:scene3d>
+    <dgm:sp3d/>
+    <dgm:txPr/>
+    <dgm:style>
+      <a:lnRef idx="2">
+        <a:scrgbClr r="0" g="0" b="0"/>
+      </a:lnRef>
+      <a:fillRef idx="0">
+        <a:scrgbClr r="0" g="0" b="0"/>
+      </a:fillRef>
+      <a:effectRef idx="0">
+        <a:scrgbClr r="0" g="0" b="0"/>
+      </a:effectRef>
+      <a:fontRef idx="minor"/>
+    </dgm:style>
+  </dgm:styleLbl>
+  <dgm:styleLbl name="parChTrans1D3">
+    <dgm:scene3d>
+      <a:camera prst="orthographicFront"/>
+      <a:lightRig rig="threePt" dir="t"/>
+    </dgm:scene3d>
+    <dgm:sp3d/>
+    <dgm:txPr/>
+    <dgm:style>
+      <a:lnRef idx="2">
+        <a:scrgbClr r="0" g="0" b="0"/>
+      </a:lnRef>
+      <a:fillRef idx="0">
+        <a:scrgbClr r="0" g="0" b="0"/>
+      </a:fillRef>
+      <a:effectRef idx="0">
+        <a:scrgbClr r="0" g="0" b="0"/>
+      </a:effectRef>
+      <a:fontRef idx="minor"/>
+    </dgm:style>
+  </dgm:styleLbl>
+  <dgm:styleLbl name="parChTrans1D4">
+    <dgm:scene3d>
+      <a:camera prst="orthographicFront"/>
+      <a:lightRig rig="threePt" dir="t"/>
+    </dgm:scene3d>
+    <dgm:sp3d/>
+    <dgm:txPr/>
+    <dgm:style>
+      <a:lnRef idx="2">
+        <a:scrgbClr r="0" g="0" b="0"/>
+      </a:lnRef>
+      <a:fillRef idx="0">
+        <a:scrgbClr r="0" g="0" b="0"/>
+      </a:fillRef>
+      <a:effectRef idx="0">
+        <a:scrgbClr r="0" g="0" b="0"/>
+      </a:effectRef>
+      <a:fontRef idx="minor"/>
+    </dgm:style>
+  </dgm:styleLbl>
+  <dgm:styleLbl name="fgAcc1">
+    <dgm:scene3d>
+      <a:camera prst="orthographicFront"/>
+      <a:lightRig rig="threePt" dir="t"/>
+    </dgm:scene3d>
+    <dgm:sp3d/>
+    <dgm:txPr/>
+    <dgm:style>
+      <a:lnRef idx="2">
+        <a:scrgbClr r="0" g="0" b="0"/>
+      </a:lnRef>
+      <a:fillRef idx="1">
+        <a:scrgbClr r="0" g="0" b="0"/>
+      </a:fillRef>
+      <a:effectRef idx="0">
+        <a:scrgbClr r="0" g="0" b="0"/>
+      </a:effectRef>
+      <a:fontRef idx="minor"/>
+    </dgm:style>
+  </dgm:styleLbl>
+  <dgm:styleLbl name="conFgAcc1">
+    <dgm:scene3d>
+      <a:camera prst="orthographicFront"/>
+      <a:lightRig rig="threePt" dir="t"/>
+    </dgm:scene3d>
+    <dgm:sp3d/>
+    <dgm:txPr/>
+    <dgm:style>
+      <a:lnRef idx="2">
+        <a:scrgbClr r="0" g="0" b="0"/>
+      </a:lnRef>
+      <a:fillRef idx="1">
+        <a:scrgbClr r="0" g="0" b="0"/>
+      </a:fillRef>
+      <a:effectRef idx="0">
+        <a:scrgbClr r="0" g="0" b="0"/>
+      </a:effectRef>
+      <a:fontRef idx="minor"/>
+    </dgm:style>
+  </dgm:styleLbl>
+  <dgm:styleLbl name="alignAcc1">
+    <dgm:scene3d>
+      <a:camera prst="orthographicFront"/>
+      <a:lightRig rig="threePt" dir="t"/>
+    </dgm:scene3d>
+    <dgm:sp3d/>
+    <dgm:txPr/>
+    <dgm:style>
+      <a:lnRef idx="2">
+        <a:scrgbClr r="0" g="0" b="0"/>
+      </a:lnRef>
+      <a:fillRef idx="1">
+        <a:scrgbClr r="0" g="0" b="0"/>
+      </a:fillRef>
+      <a:effectRef idx="0">
+        <a:scrgbClr r="0" g="0" b="0"/>
+      </a:effectRef>
+      <a:fontRef idx="minor"/>
+    </dgm:style>
+  </dgm:styleLbl>
+  <dgm:styleLbl name="trAlignAcc1">
+    <dgm:scene3d>
+      <a:camera prst="orthographicFront"/>
+      <a:lightRig rig="threePt" dir="t"/>
+    </dgm:scene3d>
+    <dgm:sp3d/>
+    <dgm:txPr/>
+    <dgm:style>
+      <a:lnRef idx="1">
+        <a:scrgbClr r="0" g="0" b="0"/>
+      </a:lnRef>
+      <a:fillRef idx="1">
+        <a:scrgbClr r="0" g="0" b="0"/>
+      </a:fillRef>
+      <a:effectRef idx="0">
+        <a:scrgbClr r="0" g="0" b="0"/>
+      </a:effectRef>
+      <a:fontRef idx="minor"/>
+    </dgm:style>
+  </dgm:styleLbl>
+  <dgm:styleLbl name="bgAcc1">
+    <dgm:scene3d>
+      <a:camera prst="orthographicFront"/>
+      <a:lightRig rig="threePt" dir="t"/>
+    </dgm:scene3d>
+    <dgm:sp3d/>
+    <dgm:txPr/>
+    <dgm:style>
+      <a:lnRef idx="2">
+        <a:scrgbClr r="0" g="0" b="0"/>
+      </a:lnRef>
+      <a:fillRef idx="1">
+        <a:scrgbClr r="0" g="0" b="0"/>
+      </a:fillRef>
+      <a:effectRef idx="0">
+        <a:scrgbClr r="0" g="0" b="0"/>
+      </a:effectRef>
+      <a:fontRef idx="minor"/>
+    </dgm:style>
+  </dgm:styleLbl>
+  <dgm:styleLbl name="solidFgAcc1">
+    <dgm:scene3d>
+      <a:camera prst="orthographicFront"/>
+      <a:lightRig rig="threePt" dir="t"/>
+    </dgm:scene3d>
+    <dgm:sp3d/>
+    <dgm:txPr/>
+    <dgm:style>
+      <a:lnRef idx="2">
+        <a:scrgbClr r="0" g="0" b="0"/>
+      </a:lnRef>
+      <a:fillRef idx="1">
+        <a:scrgbClr r="0" g="0" b="0"/>
+      </a:fillRef>
+      <a:effectRef idx="0">
+        <a:scrgbClr r="0" g="0" b="0"/>
+      </a:effectRef>
+      <a:fontRef idx="minor"/>
+    </dgm:style>
+  </dgm:styleLbl>
+  <dgm:styleLbl name="solidAlignAcc1">
+    <dgm:scene3d>
+      <a:camera prst="orthographicFront"/>
+      <a:lightRig rig="threePt" dir="t"/>
+    </dgm:scene3d>
+    <dgm:sp3d/>
+    <dgm:txPr/>
+    <dgm:style>
+      <a:lnRef idx="2">
+        <a:scrgbClr r="0" g="0" b="0"/>
+      </a:lnRef>
+      <a:fillRef idx="1">
+        <a:scrgbClr r="0" g="0" b="0"/>
+      </a:fillRef>
+      <a:effectRef idx="0">
+        <a:scrgbClr r="0" g="0" b="0"/>
+      </a:effectRef>
+      <a:fontRef idx="minor"/>
+    </dgm:style>
+  </dgm:styleLbl>
+  <dgm:styleLbl name="solidBgAcc1">
+    <dgm:scene3d>
+      <a:camera prst="orthographicFront"/>
+      <a:lightRig rig="threePt" dir="t"/>
+    </dgm:scene3d>
+    <dgm:sp3d/>
+    <dgm:txPr/>
+    <dgm:style>
+      <a:lnRef idx="2">
+        <a:scrgbClr r="0" g="0" b="0"/>
+      </a:lnRef>
+      <a:fillRef idx="1">
+        <a:scrgbClr r="0" g="0" b="0"/>
+      </a:fillRef>
+      <a:effectRef idx="0">
+        <a:scrgbClr r="0" g="0" b="0"/>
+      </a:effectRef>
+      <a:fontRef idx="minor"/>
+    </dgm:style>
+  </dgm:styleLbl>
+  <dgm:styleLbl name="fgAccFollowNode1">
+    <dgm:scene3d>
+      <a:camera prst="orthographicFront"/>
+      <a:lightRig rig="threePt" dir="t"/>
+    </dgm:scene3d>
+    <dgm:sp3d/>
+    <dgm:txPr/>
+    <dgm:style>
+      <a:lnRef idx="2">
+        <a:scrgbClr r="0" g="0" b="0"/>
+      </a:lnRef>
+      <a:fillRef idx="1">
+        <a:scrgbClr r="0" g="0" b="0"/>
+      </a:fillRef>
+      <a:effectRef idx="0">
+        <a:scrgbClr r="0" g="0" b="0"/>
+      </a:effectRef>
+      <a:fontRef idx="minor"/>
+    </dgm:style>
+  </dgm:styleLbl>
+  <dgm:styleLbl name="alignAccFollowNode1">
+    <dgm:scene3d>
+      <a:camera prst="orthographicFront"/>
+      <a:lightRig rig="threePt" dir="t"/>
+    </dgm:scene3d>
+    <dgm:sp3d/>
+    <dgm:txPr/>
+    <dgm:style>
+      <a:lnRef idx="2">
+        <a:scrgbClr r="0" g="0" b="0"/>
+      </a:lnRef>
+      <a:fillRef idx="1">
+        <a:scrgbClr r="0" g="0" b="0"/>
+      </a:fillRef>
+      <a:effectRef idx="0">
+        <a:scrgbClr r="0" g="0" b="0"/>
+      </a:effectRef>
+      <a:fontRef idx="minor"/>
+    </dgm:style>
+  </dgm:styleLbl>
+  <dgm:styleLbl name="bgAccFollowNode1">
+    <dgm:scene3d>
+      <a:camera prst="orthographicFront"/>
+      <a:lightRig rig="threePt" dir="t"/>
+    </dgm:scene3d>
+    <dgm:sp3d/>
+    <dgm:txPr/>
+    <dgm:style>
+      <a:lnRef idx="2">
+        <a:scrgbClr r="0" g="0" b="0"/>
+      </a:lnRef>
+      <a:fillRef idx="1">
+        <a:scrgbClr r="0" g="0" b="0"/>
+      </a:fillRef>
+      <a:effectRef idx="0">
+        <a:scrgbClr r="0" g="0" b="0"/>
+      </a:effectRef>
+      <a:fontRef idx="minor"/>
+    </dgm:style>
+  </dgm:styleLbl>
+  <dgm:styleLbl name="fgAcc0">
+    <dgm:scene3d>
+      <a:camera prst="orthographicFront"/>
+      <a:lightRig rig="threePt" dir="t"/>
+    </dgm:scene3d>
+    <dgm:sp3d/>
+    <dgm:txPr/>
+    <dgm:style>
+      <a:lnRef idx="2">
+        <a:scrgbClr r="0" g="0" b="0"/>
+      </a:lnRef>
+      <a:fillRef idx="1">
+        <a:scrgbClr r="0" g="0" b="0"/>
+      </a:fillRef>
+      <a:effectRef idx="0">
+        <a:scrgbClr r="0" g="0" b="0"/>
+      </a:effectRef>
+      <a:fontRef idx="minor"/>
+    </dgm:style>
+  </dgm:styleLbl>
+  <dgm:styleLbl name="fgAcc2">
+    <dgm:scene3d>
+      <a:camera prst="orthographicFront"/>
+      <a:lightRig rig="threePt" dir="t"/>
+    </dgm:scene3d>
+    <dgm:sp3d/>
+    <dgm:txPr/>
+    <dgm:style>
+      <a:lnRef idx="2">
+        <a:scrgbClr r="0" g="0" b="0"/>
+      </a:lnRef>
+      <a:fillRef idx="1">
+        <a:scrgbClr r="0" g="0" b="0"/>
+      </a:fillRef>
+      <a:effectRef idx="0">
+        <a:scrgbClr r="0" g="0" b="0"/>
+      </a:effectRef>
+      <a:fontRef idx="minor"/>
+    </dgm:style>
+  </dgm:styleLbl>
+  <dgm:styleLbl name="fgAcc3">
+    <dgm:scene3d>
+      <a:camera prst="orthographicFront"/>
+      <a:lightRig rig="threePt" dir="t"/>
+    </dgm:scene3d>
+    <dgm:sp3d/>
+    <dgm:txPr/>
+    <dgm:style>
+      <a:lnRef idx="2">
+        <a:scrgbClr r="0" g="0" b="0"/>
+      </a:lnRef>
+      <a:fillRef idx="1">
+        <a:scrgbClr r="0" g="0" b="0"/>
+      </a:fillRef>
+      <a:effectRef idx="0">
+        <a:scrgbClr r="0" g="0" b="0"/>
+      </a:effectRef>
+      <a:fontRef idx="minor"/>
+    </dgm:style>
+  </dgm:styleLbl>
+  <dgm:styleLbl name="fgAcc4">
+    <dgm:scene3d>
+      <a:camera prst="orthographicFront"/>
+      <a:lightRig rig="threePt" dir="t"/>
+    </dgm:scene3d>
+    <dgm:sp3d/>
+    <dgm:txPr/>
+    <dgm:style>
+      <a:lnRef idx="2">
+        <a:scrgbClr r="0" g="0" b="0"/>
+      </a:lnRef>
+      <a:fillRef idx="1">
+        <a:scrgbClr r="0" g="0" b="0"/>
+      </a:fillRef>
+      <a:effectRef idx="0">
+        <a:scrgbClr r="0" g="0" b="0"/>
+      </a:effectRef>
+      <a:fontRef idx="minor"/>
+    </dgm:style>
+  </dgm:styleLbl>
+  <dgm:styleLbl name="bgShp">
+    <dgm:scene3d>
+      <a:camera prst="orthographicFront"/>
+      <a:lightRig rig="threePt" dir="t"/>
+    </dgm:scene3d>
+    <dgm:sp3d/>
+    <dgm:txPr/>
+    <dgm:style>
+      <a:lnRef idx="0">
+        <a:scrgbClr r="0" g="0" b="0"/>
+      </a:lnRef>
+      <a:fillRef idx="1">
+        <a:scrgbClr r="0" g="0" b="0"/>
+      </a:fillRef>
+      <a:effectRef idx="0">
+        <a:scrgbClr r="0" g="0" b="0"/>
+      </a:effectRef>
+      <a:fontRef idx="minor"/>
+    </dgm:style>
+  </dgm:styleLbl>
+  <dgm:styleLbl name="dkBgShp">
+    <dgm:scene3d>
+      <a:camera prst="orthographicFront"/>
+      <a:lightRig rig="threePt" dir="t"/>
+    </dgm:scene3d>
+    <dgm:sp3d/>
+    <dgm:txPr/>
+    <dgm:style>
+      <a:lnRef idx="0">
+        <a:scrgbClr r="0" g="0" b="0"/>
+      </a:lnRef>
+      <a:fillRef idx="1">
+        <a:scrgbClr r="0" g="0" b="0"/>
+      </a:fillRef>
+      <a:effectRef idx="0">
+        <a:scrgbClr r="0" g="0" b="0"/>
+      </a:effectRef>
+      <a:fontRef idx="minor"/>
+    </dgm:style>
+  </dgm:styleLbl>
+  <dgm:styleLbl name="trBgShp">
+    <dgm:scene3d>
+      <a:camera prst="orthographicFront"/>
+      <a:lightRig rig="threePt" dir="t"/>
+    </dgm:scene3d>
+    <dgm:sp3d/>
+    <dgm:txPr/>
+    <dgm:style>
+      <a:lnRef idx="0">
+        <a:scrgbClr r="0" g="0" b="0"/>
+      </a:lnRef>
+      <a:fillRef idx="1">
+        <a:scrgbClr r="0" g="0" b="0"/>
+      </a:fillRef>
+      <a:effectRef idx="0">
+        <a:scrgbClr r="0" g="0" b="0"/>
+      </a:effectRef>
+      <a:fontRef idx="minor"/>
+    </dgm:style>
+  </dgm:styleLbl>
+  <dgm:styleLbl name="fgShp">
+    <dgm:scene3d>
+      <a:camera prst="orthographicFront"/>
+      <a:lightRig rig="threePt" dir="t"/>
+    </dgm:scene3d>
+    <dgm:sp3d/>
+    <dgm:txPr/>
+    <dgm:style>
+      <a:lnRef idx="2">
+        <a:scrgbClr r="0" g="0" b="0"/>
+      </a:lnRef>
+      <a:fillRef idx="1">
+        <a:scrgbClr r="0" g="0" b="0"/>
+      </a:fillRef>
+      <a:effectRef idx="0">
+        <a:scrgbClr r="0" g="0" b="0"/>
+      </a:effectRef>
+      <a:fontRef idx="minor"/>
+    </dgm:style>
+  </dgm:styleLbl>
+  <dgm:styleLbl name="revTx">
+    <dgm:scene3d>
+      <a:camera prst="orthographicFront"/>
+      <a:lightRig rig="threePt" dir="t"/>
+    </dgm:scene3d>
+    <dgm:sp3d/>
+    <dgm:txPr/>
+    <dgm:style>
+      <a:lnRef idx="0">
+        <a:scrgbClr r="0" g="0" b="0"/>
+      </a:lnRef>
+      <a:fillRef idx="0">
+        <a:scrgbClr r="0" g="0" b="0"/>
+      </a:fillRef>
+      <a:effectRef idx="0">
+        <a:scrgbClr r="0" g="0" b="0"/>
+      </a:effectRef>
+      <a:fontRef idx="minor"/>
+    </dgm:style>
+  </dgm:styleLbl>
+</dgm:styleDef>
+</file>
+
+<file path=ppt/diagrams/quickStyle2.xml><?xml version="1.0" encoding="utf-8"?>
 <dgm:styleDef xmlns:dgm="http://schemas.openxmlformats.org/drawingml/2006/diagram" xmlns:a="http://schemas.openxmlformats.org/drawingml/2006/main" uniqueId="urn:microsoft.com/office/officeart/2005/8/quickstyle/simple1">
   <dgm:title val=""/>
   <dgm:desc val=""/>
@@ -3873,6 +6585,10 @@
           <a:bodyPr/>
           <a:lstStyle/>
           <a:p>
+            <a:r>
+              <a:rPr lang="en-US" altLang="zh-CN" dirty="0"/>
+              <a:t>Later, I’ll use an example to show how this can happen</a:t>
+            </a:r>
             <a:endParaRPr lang="zh-CN" altLang="en-US" dirty="0"/>
           </a:p>
         </p:txBody>
@@ -3880,7 +6596,7 @@
     </p:spTree>
     <p:extLst>
       <p:ext uri="{BB962C8B-B14F-4D97-AF65-F5344CB8AC3E}">
-        <p14:creationId xmlns:p14="http://schemas.microsoft.com/office/powerpoint/2010/main" val="3132018796"/>
+        <p14:creationId xmlns:p14="http://schemas.microsoft.com/office/powerpoint/2010/main" val="3832254359"/>
       </p:ext>
     </p:extLst>
   </p:cSld>
@@ -3946,7 +6662,7 @@
     </p:spTree>
     <p:extLst>
       <p:ext uri="{BB962C8B-B14F-4D97-AF65-F5344CB8AC3E}">
-        <p14:creationId xmlns:p14="http://schemas.microsoft.com/office/powerpoint/2010/main" val="3270550227"/>
+        <p14:creationId xmlns:p14="http://schemas.microsoft.com/office/powerpoint/2010/main" val="3132018796"/>
       </p:ext>
     </p:extLst>
   </p:cSld>
@@ -4005,16 +6721,6 @@
           <a:bodyPr/>
           <a:lstStyle/>
           <a:p>
-            <a:r>
-              <a:rPr lang="en-US" altLang="zh-CN" dirty="0"/>
-              <a:t>The first three events are not aware of the property, thus it keeps in its initial state.</a:t>
-            </a:r>
-          </a:p>
-          <a:p>
-            <a:r>
-              <a:rPr lang="en-US" altLang="zh-CN" dirty="0"/>
-              <a:t>Then, it synchronize on the brew event, which leads to error</a:t>
-            </a:r>
             <a:endParaRPr lang="zh-CN" altLang="en-US" dirty="0"/>
           </a:p>
         </p:txBody>
@@ -4022,7 +6728,7 @@
     </p:spTree>
     <p:extLst>
       <p:ext uri="{BB962C8B-B14F-4D97-AF65-F5344CB8AC3E}">
-        <p14:creationId xmlns:p14="http://schemas.microsoft.com/office/powerpoint/2010/main" val="113323232"/>
+        <p14:creationId xmlns:p14="http://schemas.microsoft.com/office/powerpoint/2010/main" val="3270550227"/>
       </p:ext>
     </p:extLst>
   </p:cSld>
@@ -4081,6 +6787,16 @@
           <a:bodyPr/>
           <a:lstStyle/>
           <a:p>
+            <a:r>
+              <a:rPr lang="en-US" altLang="zh-CN" dirty="0"/>
+              <a:t>The first three events are not aware of the property, thus it keeps in its initial state.</a:t>
+            </a:r>
+          </a:p>
+          <a:p>
+            <a:r>
+              <a:rPr lang="en-US" altLang="zh-CN" dirty="0"/>
+              <a:t>Then, it synchronize on the brew event, which leads to error</a:t>
+            </a:r>
             <a:endParaRPr lang="zh-CN" altLang="en-US" dirty="0"/>
           </a:p>
         </p:txBody>
@@ -4088,7 +6804,7 @@
     </p:spTree>
     <p:extLst>
       <p:ext uri="{BB962C8B-B14F-4D97-AF65-F5344CB8AC3E}">
-        <p14:creationId xmlns:p14="http://schemas.microsoft.com/office/powerpoint/2010/main" val="1561140675"/>
+        <p14:creationId xmlns:p14="http://schemas.microsoft.com/office/powerpoint/2010/main" val="113323232"/>
       </p:ext>
     </p:extLst>
   </p:cSld>
@@ -4147,9 +6863,6 @@
           <a:bodyPr/>
           <a:lstStyle/>
           <a:p>
-            <a:pPr marL="158750" indent="0">
-              <a:buNone/>
-            </a:pPr>
             <a:endParaRPr lang="zh-CN" altLang="en-US" dirty="0"/>
           </a:p>
         </p:txBody>
@@ -4157,7 +6870,7 @@
     </p:spTree>
     <p:extLst>
       <p:ext uri="{BB962C8B-B14F-4D97-AF65-F5344CB8AC3E}">
-        <p14:creationId xmlns:p14="http://schemas.microsoft.com/office/powerpoint/2010/main" val="1174819320"/>
+        <p14:creationId xmlns:p14="http://schemas.microsoft.com/office/powerpoint/2010/main" val="1561140675"/>
       </p:ext>
     </p:extLst>
   </p:cSld>
@@ -4216,34 +6929,13 @@
           <a:bodyPr/>
           <a:lstStyle/>
           <a:p>
+            <a:pPr marL="158750" indent="0">
+              <a:buNone/>
+            </a:pPr>
             <a:r>
-              <a:rPr lang="en-US" altLang="zh-CN" dirty="0"/>
-              <a:t>In the coffee machine example, we developed an erroneous environment model and verified that it does not satisfy the property.</a:t>
+              <a:rPr lang="en-US" altLang="zh-CN" dirty="0" smtClean="0"/>
+              <a:t>Show a set diagram what is delta</a:t>
             </a:r>
-          </a:p>
-          <a:p>
-            <a:r>
-              <a:rPr lang="en-US" altLang="zh-CN" dirty="0"/>
-              <a:t>However, this is just one case, it is often impossible to enumerate all the human behaviors.</a:t>
-            </a:r>
-          </a:p>
-          <a:p>
-            <a:r>
-              <a:rPr lang="en-US" altLang="zh-CN" dirty="0"/>
-              <a:t>Thus, we cannot tell what kind of errors the system can handle and what it cannot.</a:t>
-            </a:r>
-            <a:endParaRPr lang="zh-CN" altLang="en-US" dirty="0"/>
-          </a:p>
-          <a:p>
-            <a:pPr marL="158750" indent="0">
-              <a:buNone/>
-            </a:pPr>
-            <a:endParaRPr lang="zh-CN" altLang="en-US" dirty="0"/>
-          </a:p>
-          <a:p>
-            <a:pPr marL="158750" indent="0">
-              <a:buNone/>
-            </a:pPr>
             <a:endParaRPr lang="zh-CN" altLang="en-US" dirty="0"/>
           </a:p>
         </p:txBody>
@@ -4251,7 +6943,7 @@
     </p:spTree>
     <p:extLst>
       <p:ext uri="{BB962C8B-B14F-4D97-AF65-F5344CB8AC3E}">
-        <p14:creationId xmlns:p14="http://schemas.microsoft.com/office/powerpoint/2010/main" val="963913028"/>
+        <p14:creationId xmlns:p14="http://schemas.microsoft.com/office/powerpoint/2010/main" val="1174819320"/>
       </p:ext>
     </p:extLst>
   </p:cSld>
@@ -4310,6 +7002,31 @@
           <a:bodyPr/>
           <a:lstStyle/>
           <a:p>
+            <a:r>
+              <a:rPr lang="en-US" altLang="zh-CN" dirty="0"/>
+              <a:t>In the coffee machine example, we developed an erroneous environment model and verified that it does not satisfy the property.</a:t>
+            </a:r>
+          </a:p>
+          <a:p>
+            <a:r>
+              <a:rPr lang="en-US" altLang="zh-CN" dirty="0"/>
+              <a:t>However, this is just one case, it is often impossible to enumerate all the human behaviors.</a:t>
+            </a:r>
+          </a:p>
+          <a:p>
+            <a:r>
+              <a:rPr lang="en-US" altLang="zh-CN" dirty="0"/>
+              <a:t>Thus, we cannot tell what kind of errors the system can handle and what it cannot.</a:t>
+            </a:r>
+            <a:endParaRPr lang="zh-CN" altLang="en-US" dirty="0"/>
+          </a:p>
+          <a:p>
+            <a:pPr marL="158750" indent="0">
+              <a:buNone/>
+            </a:pPr>
+            <a:endParaRPr lang="zh-CN" altLang="en-US" dirty="0"/>
+          </a:p>
+          <a:p>
             <a:pPr marL="158750" indent="0">
               <a:buNone/>
             </a:pPr>
@@ -4320,7 +7037,7 @@
     </p:spTree>
     <p:extLst>
       <p:ext uri="{BB962C8B-B14F-4D97-AF65-F5344CB8AC3E}">
-        <p14:creationId xmlns:p14="http://schemas.microsoft.com/office/powerpoint/2010/main" val="2882009939"/>
+        <p14:creationId xmlns:p14="http://schemas.microsoft.com/office/powerpoint/2010/main" val="963913028"/>
       </p:ext>
     </p:extLst>
   </p:cSld>
@@ -4379,14 +7096,17 @@
           <a:bodyPr/>
           <a:lstStyle/>
           <a:p>
-            <a:endParaRPr lang="en-US" dirty="0"/>
+            <a:pPr marL="158750" indent="0">
+              <a:buNone/>
+            </a:pPr>
+            <a:endParaRPr lang="zh-CN" altLang="en-US" dirty="0"/>
           </a:p>
         </p:txBody>
       </p:sp>
     </p:spTree>
     <p:extLst>
       <p:ext uri="{BB962C8B-B14F-4D97-AF65-F5344CB8AC3E}">
-        <p14:creationId xmlns:p14="http://schemas.microsoft.com/office/powerpoint/2010/main" val="1191776298"/>
+        <p14:creationId xmlns:p14="http://schemas.microsoft.com/office/powerpoint/2010/main" val="2882009939"/>
       </p:ext>
     </p:extLst>
   </p:cSld>
@@ -4445,18 +7165,14 @@
           <a:bodyPr/>
           <a:lstStyle/>
           <a:p>
-            <a:r>
-              <a:rPr lang="en-US" altLang="zh-CN" dirty="0"/>
-              <a:t>The problem for the original version is that it is not aware of whether the mug is placed.</a:t>
-            </a:r>
-            <a:endParaRPr lang="zh-CN" altLang="en-US" dirty="0"/>
+            <a:endParaRPr lang="en-US" dirty="0"/>
           </a:p>
         </p:txBody>
       </p:sp>
     </p:spTree>
     <p:extLst>
       <p:ext uri="{BB962C8B-B14F-4D97-AF65-F5344CB8AC3E}">
-        <p14:creationId xmlns:p14="http://schemas.microsoft.com/office/powerpoint/2010/main" val="1234941130"/>
+        <p14:creationId xmlns:p14="http://schemas.microsoft.com/office/powerpoint/2010/main" val="1191776298"/>
       </p:ext>
     </p:extLst>
   </p:cSld>
@@ -4515,54 +7231,18 @@
           <a:bodyPr/>
           <a:lstStyle/>
           <a:p>
-            <a:pPr marL="457200" indent="-298450"/>
             <a:r>
               <a:rPr lang="en-US" altLang="zh-CN" dirty="0"/>
-              <a:t>Why this is useful?</a:t>
+              <a:t>The problem for the original version is that it is not aware of whether the mug is placed.</a:t>
             </a:r>
-          </a:p>
-          <a:p>
-            <a:pPr marL="457200" indent="-298450"/>
-            <a:r>
-              <a:rPr lang="en-US" altLang="zh-CN" dirty="0"/>
-              <a:t>One use case: there’s always a cost to make a system more robust!</a:t>
-            </a:r>
-          </a:p>
-          <a:p>
-            <a:pPr marL="457200" indent="-298450"/>
-            <a:r>
-              <a:rPr lang="en-US" altLang="zh-CN" dirty="0"/>
-              <a:t>In the coffee machine example,</a:t>
-            </a:r>
-          </a:p>
-          <a:p>
-            <a:pPr marL="457200" indent="-298450"/>
-            <a:r>
-              <a:rPr lang="en-US" altLang="zh-CN" dirty="0"/>
-              <a:t>what kind of human error we’d like to prevent?</a:t>
-            </a:r>
-            <a:r>
-              <a:rPr lang="zh-CN" altLang="en-US" dirty="0"/>
-              <a:t> </a:t>
-            </a:r>
-            <a:r>
-              <a:rPr lang="en-US" altLang="zh-CN" dirty="0"/>
-              <a:t>Forgetting to place the mug seems not a valuable error to invest on.</a:t>
-            </a:r>
-          </a:p>
-          <a:p>
-            <a:pPr marL="457200" indent="-298450"/>
-            <a:r>
-              <a:rPr lang="en-US" altLang="zh-CN" dirty="0"/>
-              <a:t>Is the design consistent with our intention? Do we address all the errors we’d like to deal with?</a:t>
-            </a:r>
+            <a:endParaRPr lang="zh-CN" altLang="en-US" dirty="0"/>
           </a:p>
         </p:txBody>
       </p:sp>
     </p:spTree>
     <p:extLst>
       <p:ext uri="{BB962C8B-B14F-4D97-AF65-F5344CB8AC3E}">
-        <p14:creationId xmlns:p14="http://schemas.microsoft.com/office/powerpoint/2010/main" val="1883646462"/>
+        <p14:creationId xmlns:p14="http://schemas.microsoft.com/office/powerpoint/2010/main" val="1234941130"/>
       </p:ext>
     </p:extLst>
   </p:cSld>
@@ -4697,6 +7377,112 @@
           <a:bodyPr/>
           <a:lstStyle/>
           <a:p>
+            <a:pPr marL="457200" indent="-298450"/>
+            <a:r>
+              <a:rPr lang="en-US" altLang="zh-CN" dirty="0"/>
+              <a:t>Why this is useful?</a:t>
+            </a:r>
+          </a:p>
+          <a:p>
+            <a:pPr marL="457200" indent="-298450"/>
+            <a:r>
+              <a:rPr lang="en-US" altLang="zh-CN" dirty="0"/>
+              <a:t>One use case: there’s always a cost to make a system more robust!</a:t>
+            </a:r>
+          </a:p>
+          <a:p>
+            <a:pPr marL="457200" indent="-298450"/>
+            <a:r>
+              <a:rPr lang="en-US" altLang="zh-CN" dirty="0"/>
+              <a:t>In the coffee machine example,</a:t>
+            </a:r>
+          </a:p>
+          <a:p>
+            <a:pPr marL="457200" indent="-298450"/>
+            <a:r>
+              <a:rPr lang="en-US" altLang="zh-CN" dirty="0"/>
+              <a:t>what kind of human error we’d like to prevent?</a:t>
+            </a:r>
+            <a:r>
+              <a:rPr lang="zh-CN" altLang="en-US" dirty="0"/>
+              <a:t> </a:t>
+            </a:r>
+            <a:r>
+              <a:rPr lang="en-US" altLang="zh-CN" dirty="0"/>
+              <a:t>Forgetting to place the mug seems not a valuable error to invest on.</a:t>
+            </a:r>
+          </a:p>
+          <a:p>
+            <a:pPr marL="457200" indent="-298450"/>
+            <a:r>
+              <a:rPr lang="en-US" altLang="zh-CN" dirty="0"/>
+              <a:t>Is the design consistent with our intention? Do we address all the errors we’d like to deal with?</a:t>
+            </a:r>
+          </a:p>
+        </p:txBody>
+      </p:sp>
+    </p:spTree>
+    <p:extLst>
+      <p:ext uri="{BB962C8B-B14F-4D97-AF65-F5344CB8AC3E}">
+        <p14:creationId xmlns:p14="http://schemas.microsoft.com/office/powerpoint/2010/main" val="1883646462"/>
+      </p:ext>
+    </p:extLst>
+  </p:cSld>
+  <p:clrMapOvr>
+    <a:masterClrMapping/>
+  </p:clrMapOvr>
+</p:notes>
+</file>
+
+<file path=ppt/notesSlides/notesSlide21.xml><?xml version="1.0" encoding="utf-8"?>
+<p:notes xmlns:a="http://schemas.openxmlformats.org/drawingml/2006/main" xmlns:r="http://schemas.openxmlformats.org/officeDocument/2006/relationships" xmlns:p="http://schemas.openxmlformats.org/presentationml/2006/main">
+  <p:cSld>
+    <p:spTree>
+      <p:nvGrpSpPr>
+        <p:cNvPr id="1" name=""/>
+        <p:cNvGrpSpPr/>
+        <p:nvPr/>
+      </p:nvGrpSpPr>
+      <p:grpSpPr>
+        <a:xfrm>
+          <a:off x="0" y="0"/>
+          <a:ext cx="0" cy="0"/>
+          <a:chOff x="0" y="0"/>
+          <a:chExt cx="0" cy="0"/>
+        </a:xfrm>
+      </p:grpSpPr>
+      <p:sp>
+        <p:nvSpPr>
+          <p:cNvPr id="2" name="Slide Image Placeholder 1"/>
+          <p:cNvSpPr>
+            <a:spLocks noGrp="1" noRot="1" noChangeAspect="1"/>
+          </p:cNvSpPr>
+          <p:nvPr>
+            <p:ph type="sldImg"/>
+          </p:nvPr>
+        </p:nvSpPr>
+        <p:spPr>
+          <a:xfrm>
+            <a:off x="381000" y="685800"/>
+            <a:ext cx="6096000" cy="3429000"/>
+          </a:xfrm>
+        </p:spPr>
+      </p:sp>
+      <p:sp>
+        <p:nvSpPr>
+          <p:cNvPr id="3" name="Notes Placeholder 2"/>
+          <p:cNvSpPr>
+            <a:spLocks noGrp="1"/>
+          </p:cNvSpPr>
+          <p:nvPr>
+            <p:ph type="body" idx="1"/>
+          </p:nvPr>
+        </p:nvSpPr>
+        <p:spPr/>
+        <p:txBody>
+          <a:bodyPr/>
+          <a:lstStyle/>
+          <a:p>
             <a:r>
               <a:rPr lang="en-US" altLang="zh-CN" dirty="0"/>
               <a:t>EOFM is a human task model, it describes that to complete a task, what a human operator should do, when they should perform an action, and when the action is done.</a:t>
@@ -4730,7 +7516,7 @@
 </p:notes>
 </file>
 
-<file path=ppt/notesSlides/notesSlide21.xml><?xml version="1.0" encoding="utf-8"?>
+<file path=ppt/notesSlides/notesSlide22.xml><?xml version="1.0" encoding="utf-8"?>
 <p:notes xmlns:a="http://schemas.openxmlformats.org/drawingml/2006/main" xmlns:r="http://schemas.openxmlformats.org/officeDocument/2006/relationships" xmlns:p="http://schemas.openxmlformats.org/presentationml/2006/main">
   <p:cSld>
     <p:spTree>
@@ -5216,7 +8002,12 @@
             <p:ph type="sldImg"/>
           </p:nvPr>
         </p:nvSpPr>
-        <p:spPr/>
+        <p:spPr>
+          <a:xfrm>
+            <a:off x="381000" y="685800"/>
+            <a:ext cx="6096000" cy="3429000"/>
+          </a:xfrm>
+        </p:spPr>
       </p:sp>
       <p:sp>
         <p:nvSpPr>
@@ -5246,6 +8037,14 @@
             <a:endParaRPr lang="zh-CN" altLang="en-US" dirty="0"/>
           </a:p>
           <a:p>
+            <a:r>
+              <a:rPr lang="en-US" altLang="zh-CN" dirty="0" smtClean="0"/>
+              <a:t>Part of the correct-by-design,</a:t>
+            </a:r>
+            <a:r>
+              <a:rPr lang="en-US" altLang="zh-CN" baseline="0" dirty="0" smtClean="0"/>
+              <a:t> a full story.</a:t>
+            </a:r>
             <a:endParaRPr lang="zh-CN" altLang="en-US" dirty="0"/>
           </a:p>
         </p:txBody>
@@ -5400,17 +8199,29 @@
           <a:lstStyle/>
           <a:p>
             <a:r>
-              <a:rPr lang="en-US" altLang="zh-CN" dirty="0"/>
-              <a:t>Basically, an LTS describes a state machine</a:t>
+              <a:rPr lang="en-US" dirty="0" smtClean="0"/>
+              <a:t>Give</a:t>
             </a:r>
-            <a:endParaRPr lang="zh-CN" altLang="en-US" dirty="0"/>
+            <a:r>
+              <a:rPr lang="en-US" baseline="0" dirty="0" smtClean="0"/>
+              <a:t> one or two </a:t>
+            </a:r>
+            <a:r>
+              <a:rPr lang="en-US" baseline="0" dirty="0" err="1" smtClean="0"/>
+              <a:t>exmples</a:t>
+            </a:r>
+            <a:r>
+              <a:rPr lang="en-US" baseline="0" dirty="0" smtClean="0"/>
+              <a:t>.</a:t>
+            </a:r>
+            <a:endParaRPr lang="en-US" dirty="0"/>
           </a:p>
         </p:txBody>
       </p:sp>
     </p:spTree>
     <p:extLst>
       <p:ext uri="{BB962C8B-B14F-4D97-AF65-F5344CB8AC3E}">
-        <p14:creationId xmlns:p14="http://schemas.microsoft.com/office/powerpoint/2010/main" val="1547276267"/>
+        <p14:creationId xmlns:p14="http://schemas.microsoft.com/office/powerpoint/2010/main" val="2149993869"/>
       </p:ext>
     </p:extLst>
   </p:cSld>
@@ -5471,7 +8282,21 @@
           <a:p>
             <a:r>
               <a:rPr lang="en-US" altLang="zh-CN" dirty="0"/>
-              <a:t>Later, I’ll use an example to show how this can happen</a:t>
+              <a:t>Basically, an LTS describes a state </a:t>
+            </a:r>
+            <a:r>
+              <a:rPr lang="en-US" altLang="zh-CN" dirty="0" smtClean="0"/>
+              <a:t>machine</a:t>
+            </a:r>
+          </a:p>
+          <a:p>
+            <a:r>
+              <a:rPr lang="en-US" altLang="zh-CN" dirty="0" smtClean="0"/>
+              <a:t>For</a:t>
+            </a:r>
+            <a:r>
+              <a:rPr lang="en-US" altLang="zh-CN" baseline="0" dirty="0" smtClean="0"/>
+              <a:t> events start with h, it refers to an event by a user.</a:t>
             </a:r>
             <a:endParaRPr lang="zh-CN" altLang="en-US" dirty="0"/>
           </a:p>
@@ -5480,7 +8305,7 @@
     </p:spTree>
     <p:extLst>
       <p:ext uri="{BB962C8B-B14F-4D97-AF65-F5344CB8AC3E}">
-        <p14:creationId xmlns:p14="http://schemas.microsoft.com/office/powerpoint/2010/main" val="3832254359"/>
+        <p14:creationId xmlns:p14="http://schemas.microsoft.com/office/powerpoint/2010/main" val="1547276267"/>
       </p:ext>
     </p:extLst>
   </p:cSld>
@@ -11079,8 +13904,13 @@
           <a:p>
             <a:r>
               <a:rPr lang="en-US" altLang="zh-CN" dirty="0"/>
-              <a:t>Environment: Human operator.</a:t>
+              <a:t>Environment: </a:t>
             </a:r>
+            <a:r>
+              <a:rPr lang="en-US" altLang="zh-CN" dirty="0" smtClean="0"/>
+              <a:t>Users.</a:t>
+            </a:r>
+            <a:endParaRPr lang="en-US" altLang="zh-CN" dirty="0"/>
           </a:p>
           <a:p>
             <a:endParaRPr lang="en-US" altLang="zh-CN" dirty="0"/>
@@ -11155,7 +13985,7 @@
           <p:nvPr/>
         </p:nvPicPr>
         <p:blipFill rotWithShape="1">
-          <a:blip r:embed="rId2">
+          <a:blip r:embed="rId3">
             <a:extLst>
               <a:ext uri="{28A0092B-C50C-407E-A947-70E740481C1C}">
                 <a14:useLocalDpi xmlns:a14="http://schemas.microsoft.com/office/drawing/2010/main" val="0"/>
@@ -14235,7 +17065,7 @@
 </file>
 
 <file path=ppt/slides/slide24.xml><?xml version="1.0" encoding="utf-8"?>
-<p:sld xmlns:a="http://schemas.openxmlformats.org/drawingml/2006/main" xmlns:r="http://schemas.openxmlformats.org/officeDocument/2006/relationships" xmlns:p="http://schemas.openxmlformats.org/presentationml/2006/main">
+<p:sld xmlns:a="http://schemas.openxmlformats.org/drawingml/2006/main" xmlns:r="http://schemas.openxmlformats.org/officeDocument/2006/relationships" xmlns:p="http://schemas.openxmlformats.org/presentationml/2006/main" show="0">
   <p:cSld>
     <p:spTree>
       <p:nvGrpSpPr>
@@ -14348,8 +17178,8 @@
           </a:prstGeom>
         </p:spPr>
       </p:pic>
-      <mc:AlternateContent xmlns:mc="http://schemas.openxmlformats.org/markup-compatibility/2006">
-        <mc:Choice xmlns:a14="http://schemas.microsoft.com/office/drawing/2010/main" Requires="a14">
+      <mc:AlternateContent xmlns:mc="http://schemas.openxmlformats.org/markup-compatibility/2006" xmlns:a14="http://schemas.microsoft.com/office/drawing/2010/main">
+        <mc:Choice Requires="a14">
           <p:sp>
             <p:nvSpPr>
               <p:cNvPr id="8" name="Text Placeholder 2">
@@ -14449,7 +17279,7 @@
             </p:txBody>
           </p:sp>
         </mc:Choice>
-        <mc:Fallback>
+        <mc:Fallback xmlns="">
           <p:sp>
             <p:nvSpPr>
               <p:cNvPr id="8" name="Text Placeholder 2">
@@ -14550,6 +17380,14 @@
   <p:clrMapOvr>
     <a:masterClrMapping/>
   </p:clrMapOvr>
+  <mc:AlternateContent xmlns:mc="http://schemas.openxmlformats.org/markup-compatibility/2006" xmlns:p14="http://schemas.microsoft.com/office/powerpoint/2010/main">
+    <mc:Choice Requires="p14">
+      <p:transition spd="slow" p14:dur="2000"/>
+    </mc:Choice>
+    <mc:Fallback xmlns="">
+      <p:transition spd="slow"/>
+    </mc:Fallback>
+  </mc:AlternateContent>
 </p:sld>
 </file>
 
@@ -15508,13 +18346,7 @@
       </p:pic>
       <p:pic>
         <p:nvPicPr>
-          <p:cNvPr id="26" name="Picture 25">
-            <a:extLst>
-              <a:ext uri="{FF2B5EF4-FFF2-40B4-BE49-F238E27FC236}">
-                <a16:creationId xmlns:a16="http://schemas.microsoft.com/office/drawing/2014/main" id="{F1B44020-DD80-47FA-B9D0-F6091DB5B25F}"/>
-              </a:ext>
-            </a:extLst>
-          </p:cNvPr>
+          <p:cNvPr id="5" name="Picture 4"/>
           <p:cNvPicPr>
             <a:picLocks noChangeAspect="1"/>
           </p:cNvPicPr>
@@ -15525,15 +18357,21 @@
           </p:nvPr>
         </p:nvPicPr>
         <p:blipFill>
-          <a:blip r:embed="rId9"/>
+          <a:blip r:embed="rId9">
+            <a:extLst>
+              <a:ext uri="{28A0092B-C50C-407E-A947-70E740481C1C}">
+                <a14:useLocalDpi xmlns:a14="http://schemas.microsoft.com/office/drawing/2010/main" val="0"/>
+              </a:ext>
+            </a:extLst>
+          </a:blip>
           <a:stretch>
             <a:fillRect/>
           </a:stretch>
         </p:blipFill>
         <p:spPr>
           <a:xfrm>
-            <a:off x="3173829" y="4052446"/>
-            <a:ext cx="2362971" cy="229029"/>
+            <a:off x="3173829" y="4052447"/>
+            <a:ext cx="2298513" cy="229029"/>
           </a:xfrm>
           <a:prstGeom prst="rect">
             <a:avLst/>
@@ -15550,6 +18388,13 @@
   <p:clrMapOvr>
     <a:masterClrMapping/>
   </p:clrMapOvr>
+  <p:timing>
+    <p:tnLst>
+      <p:par>
+        <p:cTn id="1" dur="indefinite" restart="never" nodeType="tmRoot"/>
+      </p:par>
+    </p:tnLst>
+  </p:timing>
 </p:sld>
 </file>
 
@@ -16136,15 +18981,60 @@
           </a:prstGeom>
         </p:spPr>
       </p:pic>
-      <p:pic>
-        <p:nvPicPr>
-          <p:cNvPr id="26" name="Picture 25">
+      <p:sp>
+        <p:nvSpPr>
+          <p:cNvPr id="9" name="Speech Bubble: Oval 8">
             <a:extLst>
               <a:ext uri="{FF2B5EF4-FFF2-40B4-BE49-F238E27FC236}">
-                <a16:creationId xmlns:a16="http://schemas.microsoft.com/office/drawing/2014/main" id="{F1B44020-DD80-47FA-B9D0-F6091DB5B25F}"/>
+                <a16:creationId xmlns:a16="http://schemas.microsoft.com/office/drawing/2014/main" id="{C5A16ACA-320F-4E4C-80B4-B6344554C488}"/>
               </a:ext>
             </a:extLst>
           </p:cNvPr>
+          <p:cNvSpPr/>
+          <p:nvPr/>
+        </p:nvSpPr>
+        <p:spPr>
+          <a:xfrm>
+            <a:off x="4571999" y="897262"/>
+            <a:ext cx="2559629" cy="1441568"/>
+          </a:xfrm>
+          <a:prstGeom prst="wedgeEllipseCallout">
+            <a:avLst>
+              <a:gd name="adj1" fmla="val -103379"/>
+              <a:gd name="adj2" fmla="val 63018"/>
+            </a:avLst>
+          </a:prstGeom>
+        </p:spPr>
+        <p:style>
+          <a:lnRef idx="3">
+            <a:schemeClr val="lt1"/>
+          </a:lnRef>
+          <a:fillRef idx="1">
+            <a:schemeClr val="accent3"/>
+          </a:fillRef>
+          <a:effectRef idx="1">
+            <a:schemeClr val="accent3"/>
+          </a:effectRef>
+          <a:fontRef idx="minor">
+            <a:schemeClr val="lt1"/>
+          </a:fontRef>
+        </p:style>
+        <p:txBody>
+          <a:bodyPr rtlCol="0" anchor="ctr"/>
+          <a:lstStyle/>
+          <a:p>
+            <a:pPr algn="ctr"/>
+            <a:r>
+              <a:rPr lang="en-US" altLang="zh-CN" sz="1600" dirty="0"/>
+              <a:t>Hard to explore all the possible deviations!</a:t>
+            </a:r>
+            <a:endParaRPr lang="zh-CN" altLang="en-US" sz="1600" dirty="0"/>
+          </a:p>
+        </p:txBody>
+      </p:sp>
+      <p:pic>
+        <p:nvPicPr>
+          <p:cNvPr id="10" name="Picture 9"/>
           <p:cNvPicPr>
             <a:picLocks noChangeAspect="1"/>
           </p:cNvPicPr>
@@ -16155,15 +19045,21 @@
           </p:nvPr>
         </p:nvPicPr>
         <p:blipFill>
-          <a:blip r:embed="rId9"/>
+          <a:blip r:embed="rId9">
+            <a:extLst>
+              <a:ext uri="{28A0092B-C50C-407E-A947-70E740481C1C}">
+                <a14:useLocalDpi xmlns:a14="http://schemas.microsoft.com/office/drawing/2010/main" val="0"/>
+              </a:ext>
+            </a:extLst>
+          </a:blip>
           <a:stretch>
             <a:fillRect/>
           </a:stretch>
         </p:blipFill>
         <p:spPr>
           <a:xfrm>
-            <a:off x="3173829" y="4052446"/>
-            <a:ext cx="2362971" cy="229029"/>
+            <a:off x="3173829" y="4052447"/>
+            <a:ext cx="2298513" cy="229029"/>
           </a:xfrm>
           <a:prstGeom prst="rect">
             <a:avLst/>
@@ -16186,7 +19082,7 @@
             </p:nvSpPr>
             <p:spPr>
               <a:xfrm>
-                <a:off x="3098381" y="3525186"/>
+                <a:off x="3098380" y="3489796"/>
                 <a:ext cx="2947237" cy="1512577"/>
               </a:xfrm>
               <a:prstGeom prst="wedgeEllipseCallout">
@@ -16275,7 +19171,7 @@
             </p:nvSpPr>
             <p:spPr>
               <a:xfrm>
-                <a:off x="3098381" y="3525186"/>
+                <a:off x="3098380" y="3489796"/>
                 <a:ext cx="2947237" cy="1512577"/>
               </a:xfrm>
               <a:prstGeom prst="wedgeEllipseCallout">
@@ -16306,57 +19202,6 @@
           </p:sp>
         </mc:Fallback>
       </mc:AlternateContent>
-      <p:sp>
-        <p:nvSpPr>
-          <p:cNvPr id="9" name="Speech Bubble: Oval 8">
-            <a:extLst>
-              <a:ext uri="{FF2B5EF4-FFF2-40B4-BE49-F238E27FC236}">
-                <a16:creationId xmlns:a16="http://schemas.microsoft.com/office/drawing/2014/main" id="{C5A16ACA-320F-4E4C-80B4-B6344554C488}"/>
-              </a:ext>
-            </a:extLst>
-          </p:cNvPr>
-          <p:cNvSpPr/>
-          <p:nvPr/>
-        </p:nvSpPr>
-        <p:spPr>
-          <a:xfrm>
-            <a:off x="4571999" y="897262"/>
-            <a:ext cx="2559629" cy="1441568"/>
-          </a:xfrm>
-          <a:prstGeom prst="wedgeEllipseCallout">
-            <a:avLst>
-              <a:gd name="adj1" fmla="val -103379"/>
-              <a:gd name="adj2" fmla="val 63018"/>
-            </a:avLst>
-          </a:prstGeom>
-        </p:spPr>
-        <p:style>
-          <a:lnRef idx="3">
-            <a:schemeClr val="lt1"/>
-          </a:lnRef>
-          <a:fillRef idx="1">
-            <a:schemeClr val="accent3"/>
-          </a:fillRef>
-          <a:effectRef idx="1">
-            <a:schemeClr val="accent3"/>
-          </a:effectRef>
-          <a:fontRef idx="minor">
-            <a:schemeClr val="lt1"/>
-          </a:fontRef>
-        </p:style>
-        <p:txBody>
-          <a:bodyPr rtlCol="0" anchor="ctr"/>
-          <a:lstStyle/>
-          <a:p>
-            <a:pPr algn="ctr"/>
-            <a:r>
-              <a:rPr lang="en-US" altLang="zh-CN" sz="1600" dirty="0"/>
-              <a:t>Hard to explore all the possible deviations!</a:t>
-            </a:r>
-            <a:endParaRPr lang="zh-CN" altLang="en-US" sz="1600" dirty="0"/>
-          </a:p>
-        </p:txBody>
-      </p:sp>
     </p:spTree>
     <p:extLst>
       <p:ext uri="{BB962C8B-B14F-4D97-AF65-F5344CB8AC3E}">
@@ -16416,8 +19261,8 @@
           </a:p>
         </p:txBody>
       </p:sp>
-      <mc:AlternateContent xmlns:mc="http://schemas.openxmlformats.org/markup-compatibility/2006">
-        <mc:Choice xmlns:a14="http://schemas.microsoft.com/office/drawing/2010/main" Requires="a14">
+      <mc:AlternateContent xmlns:mc="http://schemas.openxmlformats.org/markup-compatibility/2006" xmlns:a14="http://schemas.microsoft.com/office/drawing/2010/main">
+        <mc:Choice Requires="a14">
           <p:sp>
             <p:nvSpPr>
               <p:cNvPr id="3" name="Text Placeholder 2">
@@ -16558,7 +19403,7 @@
             </p:txBody>
           </p:sp>
         </mc:Choice>
-        <mc:Fallback>
+        <mc:Fallback xmlns="">
           <p:sp>
             <p:nvSpPr>
               <p:cNvPr id="3" name="Text Placeholder 2">
@@ -17099,13 +19944,7 @@
       </p:pic>
       <p:pic>
         <p:nvPicPr>
-          <p:cNvPr id="16" name="Picture 15">
-            <a:extLst>
-              <a:ext uri="{FF2B5EF4-FFF2-40B4-BE49-F238E27FC236}">
-                <a16:creationId xmlns:a16="http://schemas.microsoft.com/office/drawing/2014/main" id="{6FBED998-A5FF-4F7F-B4B3-6DE41545B1E5}"/>
-              </a:ext>
-            </a:extLst>
-          </p:cNvPr>
+          <p:cNvPr id="5" name="Picture 4"/>
           <p:cNvPicPr>
             <a:picLocks noChangeAspect="1"/>
           </p:cNvPicPr>
@@ -17116,15 +19955,21 @@
           </p:nvPr>
         </p:nvPicPr>
         <p:blipFill>
-          <a:blip r:embed="rId9"/>
+          <a:blip r:embed="rId9">
+            <a:extLst>
+              <a:ext uri="{28A0092B-C50C-407E-A947-70E740481C1C}">
+                <a14:useLocalDpi xmlns:a14="http://schemas.microsoft.com/office/drawing/2010/main" val="0"/>
+              </a:ext>
+            </a:extLst>
+          </a:blip>
           <a:stretch>
             <a:fillRect/>
           </a:stretch>
         </p:blipFill>
         <p:spPr>
           <a:xfrm>
-            <a:off x="3173823" y="3222783"/>
-            <a:ext cx="2796343" cy="229029"/>
+            <a:off x="3173823" y="3222784"/>
+            <a:ext cx="2731886" cy="229029"/>
           </a:xfrm>
           <a:prstGeom prst="rect">
             <a:avLst/>
@@ -17141,6 +19986,13 @@
   <p:clrMapOvr>
     <a:masterClrMapping/>
   </p:clrMapOvr>
+  <p:timing>
+    <p:tnLst>
+      <p:par>
+        <p:cTn id="1" dur="indefinite" restart="never" nodeType="tmRoot"/>
+      </p:par>
+    </p:tnLst>
+  </p:timing>
 </p:sld>
 </file>
 
@@ -19345,8 +22197,8 @@
           </a:p>
         </p:txBody>
       </p:sp>
-      <mc:AlternateContent xmlns:mc="http://schemas.openxmlformats.org/markup-compatibility/2006">
-        <mc:Choice xmlns:a14="http://schemas.microsoft.com/office/drawing/2010/main" Requires="a14">
+      <mc:AlternateContent xmlns:mc="http://schemas.openxmlformats.org/markup-compatibility/2006" xmlns:a14="http://schemas.microsoft.com/office/drawing/2010/main">
+        <mc:Choice Requires="a14">
           <p:sp>
             <p:nvSpPr>
               <p:cNvPr id="7" name="Speech Bubble: Oval 6">
@@ -19423,7 +22275,7 @@
             </p:txBody>
           </p:sp>
         </mc:Choice>
-        <mc:Fallback>
+        <mc:Fallback xmlns="">
           <p:sp>
             <p:nvSpPr>
               <p:cNvPr id="7" name="Speech Bubble: Oval 6">
@@ -19586,8 +22438,8 @@
           </p:sp>
         </mc:Fallback>
       </mc:AlternateContent>
-      <mc:AlternateContent xmlns:mc="http://schemas.openxmlformats.org/markup-compatibility/2006">
-        <mc:Choice xmlns:a14="http://schemas.microsoft.com/office/drawing/2010/main" Requires="a14">
+      <mc:AlternateContent xmlns:mc="http://schemas.openxmlformats.org/markup-compatibility/2006" xmlns:a14="http://schemas.microsoft.com/office/drawing/2010/main">
+        <mc:Choice Requires="a14">
           <p:sp>
             <p:nvSpPr>
               <p:cNvPr id="3" name="Text Placeholder 2">
@@ -19771,7 +22623,7 @@
             </p:txBody>
           </p:sp>
         </mc:Choice>
-        <mc:Fallback>
+        <mc:Fallback xmlns="">
           <p:sp>
             <p:nvSpPr>
               <p:cNvPr id="3" name="Text Placeholder 2">
@@ -23774,9 +26626,17 @@
               <a:rPr lang="en-US" sz="1600" dirty="0"/>
               <a:t>… (Mostly focus on verification)</a:t>
             </a:r>
+            <a:r>
+              <a:rPr lang="en-US" dirty="0"/>
+              <a:t/>
+            </a:r>
             <a:br>
               <a:rPr lang="en-US" dirty="0"/>
             </a:br>
+            <a:r>
+              <a:rPr lang="en-US" dirty="0"/>
+              <a:t/>
+            </a:r>
             <a:br>
               <a:rPr lang="en-US" dirty="0"/>
             </a:br>
@@ -24007,9 +26867,17 @@
               <a:rPr lang="en-US" sz="1600" dirty="0"/>
               <a:t>… (Mostly focus on verification)</a:t>
             </a:r>
+            <a:r>
+              <a:rPr lang="en-US" dirty="0"/>
+              <a:t/>
+            </a:r>
             <a:br>
               <a:rPr lang="en-US" dirty="0"/>
             </a:br>
+            <a:r>
+              <a:rPr lang="en-US" dirty="0"/>
+              <a:t/>
+            </a:r>
             <a:br>
               <a:rPr lang="en-US" dirty="0"/>
             </a:br>
@@ -24207,7 +27075,12 @@
             <p:ph type="body" idx="1"/>
           </p:nvPr>
         </p:nvSpPr>
-        <p:spPr/>
+        <p:spPr>
+          <a:xfrm>
+            <a:off x="311700" y="1152475"/>
+            <a:ext cx="5779134" cy="3172200"/>
+          </a:xfrm>
+        </p:spPr>
         <p:txBody>
           <a:bodyPr/>
           <a:lstStyle/>
@@ -24290,6 +27163,72 @@
           </a:p>
         </p:txBody>
       </p:sp>
+      <p:graphicFrame>
+        <p:nvGraphicFramePr>
+          <p:cNvPr id="5" name="Diagram 4"/>
+          <p:cNvGraphicFramePr/>
+          <p:nvPr>
+            <p:extLst>
+              <p:ext uri="{D42A27DB-BD31-4B8C-83A1-F6EECF244321}">
+                <p14:modId xmlns:p14="http://schemas.microsoft.com/office/powerpoint/2010/main" val="1958605196"/>
+              </p:ext>
+            </p:extLst>
+          </p:nvPr>
+        </p:nvGraphicFramePr>
+        <p:xfrm>
+          <a:off x="6090835" y="1074549"/>
+          <a:ext cx="2930324" cy="3482709"/>
+        </p:xfrm>
+        <a:graphic>
+          <a:graphicData uri="http://schemas.openxmlformats.org/drawingml/2006/diagram">
+            <dgm:relIds xmlns:dgm="http://schemas.openxmlformats.org/drawingml/2006/diagram" xmlns:r="http://schemas.openxmlformats.org/officeDocument/2006/relationships" r:dm="rId3" r:lo="rId4" r:qs="rId5" r:cs="rId6"/>
+          </a:graphicData>
+        </a:graphic>
+      </p:graphicFrame>
+      <p:sp>
+        <p:nvSpPr>
+          <p:cNvPr id="6" name="Rounded Rectangle 5"/>
+          <p:cNvSpPr/>
+          <p:nvPr/>
+        </p:nvSpPr>
+        <p:spPr>
+          <a:xfrm>
+            <a:off x="6633275" y="2366075"/>
+            <a:ext cx="1839183" cy="904067"/>
+          </a:xfrm>
+          <a:prstGeom prst="roundRect">
+            <a:avLst/>
+          </a:prstGeom>
+          <a:noFill/>
+          <a:ln w="76200">
+            <a:solidFill>
+              <a:srgbClr val="FF0000"/>
+            </a:solidFill>
+          </a:ln>
+        </p:spPr>
+        <p:style>
+          <a:lnRef idx="2">
+            <a:schemeClr val="accent1"/>
+          </a:lnRef>
+          <a:fillRef idx="1">
+            <a:schemeClr val="lt1"/>
+          </a:fillRef>
+          <a:effectRef idx="0">
+            <a:schemeClr val="accent1"/>
+          </a:effectRef>
+          <a:fontRef idx="minor">
+            <a:schemeClr val="dk1"/>
+          </a:fontRef>
+        </p:style>
+        <p:txBody>
+          <a:bodyPr rtlCol="0" anchor="ctr"/>
+          <a:lstStyle/>
+          <a:p>
+            <a:pPr algn="ctr"/>
+            <a:endParaRPr lang="en-US"/>
+          </a:p>
+        </p:txBody>
+      </p:sp>
     </p:spTree>
     <p:extLst>
       <p:ext uri="{BB962C8B-B14F-4D97-AF65-F5344CB8AC3E}">
@@ -24304,7 +27243,7 @@
 </file>
 
 <file path=ppt/slides/slide8.xml><?xml version="1.0" encoding="utf-8"?>
-<p:sld xmlns:a="http://schemas.openxmlformats.org/drawingml/2006/main" xmlns:r="http://schemas.openxmlformats.org/officeDocument/2006/relationships" xmlns:p="http://schemas.openxmlformats.org/presentationml/2006/main">
+<p:sld xmlns:a="http://schemas.openxmlformats.org/drawingml/2006/main" xmlns:r="http://schemas.openxmlformats.org/officeDocument/2006/relationships" xmlns:p="http://schemas.openxmlformats.org/presentationml/2006/main" show="0">
   <p:cSld>
     <p:spTree>
       <p:nvGrpSpPr>
@@ -24455,6 +27394,14 @@
   <p:clrMapOvr>
     <a:masterClrMapping/>
   </p:clrMapOvr>
+  <mc:AlternateContent xmlns:mc="http://schemas.openxmlformats.org/markup-compatibility/2006">
+    <mc:Choice xmlns:p14="http://schemas.microsoft.com/office/powerpoint/2010/main" Requires="p14">
+      <p:transition spd="slow" p14:dur="2000"/>
+    </mc:Choice>
+    <mc:Fallback>
+      <p:transition spd="slow"/>
+    </mc:Fallback>
+  </mc:AlternateContent>
 </p:sld>
 </file>
 
@@ -24760,10 +27707,10 @@
 <p:tagLst xmlns:a="http://schemas.openxmlformats.org/drawingml/2006/main" xmlns:r="http://schemas.openxmlformats.org/officeDocument/2006/relationships" xmlns:p="http://schemas.openxmlformats.org/presentationml/2006/main">
   <p:tag name="OUTPUTDPI" val="1200"/>
   <p:tag name="ORIGINALHEIGHT" val="125.2343"/>
-  <p:tag name="ORIGINALWIDTH" val="1292.089"/>
-  <p:tag name="LATEXADDIN" val="\documentclass{article}&#10;\usepackage{amsmath}&#10;\pagestyle{empty}&#10;\begin{document}&#10;&#10;$\Delta = Beh(E') - Beh(E)$&#10;&#10;&#10;\end{document}"/>
+  <p:tag name="ORIGINALWIDTH" val="1256.843"/>
+  <p:tag name="LATEXADDIN" val="\documentclass{article}&#10;\usepackage{amsmath}&#10;\pagestyle{empty}&#10;\begin{document}&#10;&#10;$\Delta = Beh(E') \setminus Beh(E)$&#10;&#10;&#10;\end{document}"/>
   <p:tag name="IGUANATEXSIZE" val="18"/>
-  <p:tag name="IGUANATEXCURSOR" val="103"/>
+  <p:tag name="IGUANATEXCURSOR" val="108"/>
   <p:tag name="TRANSPARENCY" val="True"/>
   <p:tag name="FILENAME" val=""/>
   <p:tag name="LATEXENGINEID" val="0"/>
@@ -24817,10 +27764,10 @@
 <p:tagLst xmlns:a="http://schemas.openxmlformats.org/drawingml/2006/main" xmlns:r="http://schemas.openxmlformats.org/officeDocument/2006/relationships" xmlns:p="http://schemas.openxmlformats.org/presentationml/2006/main">
   <p:tag name="OUTPUTDPI" val="1200"/>
   <p:tag name="ORIGINALHEIGHT" val="125.2343"/>
-  <p:tag name="ORIGINALWIDTH" val="1292.089"/>
-  <p:tag name="LATEXADDIN" val="\documentclass{article}&#10;\usepackage{amsmath}&#10;\pagestyle{empty}&#10;\begin{document}&#10;&#10;$\Delta = Beh(E') - Beh(E)$&#10;&#10;&#10;\end{document}"/>
+  <p:tag name="ORIGINALWIDTH" val="1256.843"/>
+  <p:tag name="LATEXADDIN" val="\documentclass{article}&#10;\usepackage{amsmath}&#10;\pagestyle{empty}&#10;\begin{document}&#10;&#10;$\Delta = Beh(E') \setminus Beh(E)$&#10;&#10;&#10;\end{document}"/>
   <p:tag name="IGUANATEXSIZE" val="18"/>
-  <p:tag name="IGUANATEXCURSOR" val="103"/>
+  <p:tag name="IGUANATEXCURSOR" val="108"/>
   <p:tag name="TRANSPARENCY" val="True"/>
   <p:tag name="FILENAME" val=""/>
   <p:tag name="LATEXENGINEID" val="0"/>
@@ -24874,10 +27821,10 @@
 <p:tagLst xmlns:a="http://schemas.openxmlformats.org/drawingml/2006/main" xmlns:r="http://schemas.openxmlformats.org/officeDocument/2006/relationships" xmlns:p="http://schemas.openxmlformats.org/presentationml/2006/main">
   <p:tag name="OUTPUTDPI" val="1200"/>
   <p:tag name="ORIGINALHEIGHT" val="125.2343"/>
-  <p:tag name="ORIGINALWIDTH" val="1529.059"/>
-  <p:tag name="LATEXADDIN" val="\documentclass{article}&#10;\usepackage{amsmath}&#10;\pagestyle{empty}&#10;\begin{document}&#10;&#10;$\Delta_S = Beh(WE_S) - Beh(E)$&#10;&#10;&#10;\end{document}"/>
+  <p:tag name="ORIGINALWIDTH" val="1493.813"/>
+  <p:tag name="LATEXADDIN" val="\documentclass{article}&#10;\usepackage{amsmath}&#10;\pagestyle{empty}&#10;\begin{document}&#10;&#10;$\Delta_S = Beh(WE_S) \setminus Beh(E)$&#10;&#10;&#10;\end{document}"/>
   <p:tag name="IGUANATEXSIZE" val="18"/>
-  <p:tag name="IGUANATEXCURSOR" val="111"/>
+  <p:tag name="IGUANATEXCURSOR" val="112"/>
   <p:tag name="TRANSPARENCY" val="True"/>
   <p:tag name="FILENAME" val=""/>
   <p:tag name="LATEXENGINEID" val="0"/>

--- a/Robustness-SSSG.pptx
+++ b/Robustness-SSSG.pptx
@@ -58,33 +58,29 @@
   <p:notesSz cx="6858000" cy="9144000"/>
   <p:embeddedFontLst>
     <p:embeddedFont>
-      <p:font typeface="Open Sans" panose="020B0604020202020204" charset="0"/>
+      <p:font typeface="Cambria Math" panose="02040503050406030204" pitchFamily="18" charset="0"/>
       <p:regular r:id="rId48"/>
-      <p:bold r:id="rId49"/>
-      <p:italic r:id="rId50"/>
-      <p:boldItalic r:id="rId51"/>
     </p:embeddedFont>
     <p:embeddedFont>
-      <p:font typeface="宋体" panose="02010600030101010101" pitchFamily="2" charset="-122"/>
-      <p:regular r:id="rId52"/>
+      <p:font typeface="Open Sans" panose="02010600030101010101" charset="0"/>
+      <p:regular r:id="rId49"/>
+      <p:bold r:id="rId50"/>
+      <p:italic r:id="rId51"/>
+      <p:boldItalic r:id="rId52"/>
     </p:embeddedFont>
     <p:embeddedFont>
-      <p:font typeface="Cambria Math" panose="02040503050406030204" pitchFamily="18" charset="0"/>
+      <p:font typeface="Open Sans Light" panose="02010600030101010101" charset="0"/>
       <p:regular r:id="rId53"/>
+      <p:bold r:id="rId54"/>
+      <p:italic r:id="rId55"/>
+      <p:boldItalic r:id="rId56"/>
     </p:embeddedFont>
     <p:embeddedFont>
-      <p:font typeface="Open Sans Light" panose="020B0604020202020204" charset="0"/>
-      <p:regular r:id="rId54"/>
-      <p:bold r:id="rId55"/>
-      <p:italic r:id="rId56"/>
-      <p:boldItalic r:id="rId57"/>
-    </p:embeddedFont>
-    <p:embeddedFont>
-      <p:font typeface="Open Sans SemiBold" panose="020B0604020202020204" charset="0"/>
-      <p:regular r:id="rId58"/>
-      <p:bold r:id="rId59"/>
-      <p:italic r:id="rId60"/>
-      <p:boldItalic r:id="rId61"/>
+      <p:font typeface="Open Sans SemiBold" panose="02010600030101010101" charset="0"/>
+      <p:regular r:id="rId57"/>
+      <p:bold r:id="rId58"/>
+      <p:italic r:id="rId59"/>
+      <p:boldItalic r:id="rId60"/>
     </p:embeddedFont>
   </p:embeddedFontLst>
   <p:defaultTextStyle>
@@ -1973,10 +1969,9 @@
         <a:lstStyle/>
         <a:p>
           <a:r>
-            <a:rPr lang="en-US" dirty="0" smtClean="0"/>
+            <a:rPr lang="en-US" dirty="0"/>
             <a:t>Requirements</a:t>
           </a:r>
-          <a:endParaRPr lang="en-US" dirty="0"/>
         </a:p>
       </dgm:t>
     </dgm:pt>
@@ -2010,10 +2005,9 @@
         <a:lstStyle/>
         <a:p>
           <a:r>
-            <a:rPr lang="en-US" dirty="0" smtClean="0"/>
+            <a:rPr lang="en-US" dirty="0"/>
             <a:t>Formal Models</a:t>
           </a:r>
-          <a:endParaRPr lang="en-US" dirty="0"/>
         </a:p>
       </dgm:t>
     </dgm:pt>
@@ -2047,10 +2041,9 @@
         <a:lstStyle/>
         <a:p>
           <a:r>
-            <a:rPr lang="en-US" dirty="0" smtClean="0"/>
+            <a:rPr lang="en-US" dirty="0"/>
             <a:t>Implementation</a:t>
           </a:r>
-          <a:endParaRPr lang="en-US" dirty="0"/>
         </a:p>
       </dgm:t>
     </dgm:pt>
@@ -2091,35 +2084,14 @@
         </dgm:presLayoutVars>
       </dgm:prSet>
       <dgm:spPr/>
-      <dgm:t>
-        <a:bodyPr/>
-        <a:lstStyle/>
-        <a:p>
-          <a:endParaRPr lang="en-US"/>
-        </a:p>
-      </dgm:t>
     </dgm:pt>
     <dgm:pt modelId="{71DCDA3D-F6AC-477E-8277-8B1A049BA441}" type="pres">
       <dgm:prSet presAssocID="{B7E0B08A-A644-454A-9758-D5CAFB28A3CA}" presName="sibTrans" presStyleLbl="sibTrans2D1" presStyleIdx="0" presStyleCnt="2"/>
       <dgm:spPr/>
-      <dgm:t>
-        <a:bodyPr/>
-        <a:lstStyle/>
-        <a:p>
-          <a:endParaRPr lang="en-US"/>
-        </a:p>
-      </dgm:t>
     </dgm:pt>
     <dgm:pt modelId="{2F4EE405-88C1-4AF6-B24F-D6226C26F8F3}" type="pres">
       <dgm:prSet presAssocID="{B7E0B08A-A644-454A-9758-D5CAFB28A3CA}" presName="connectorText" presStyleLbl="sibTrans2D1" presStyleIdx="0" presStyleCnt="2"/>
       <dgm:spPr/>
-      <dgm:t>
-        <a:bodyPr/>
-        <a:lstStyle/>
-        <a:p>
-          <a:endParaRPr lang="en-US"/>
-        </a:p>
-      </dgm:t>
     </dgm:pt>
     <dgm:pt modelId="{F72B6CF8-105B-410B-AC54-DA7464EB14C1}" type="pres">
       <dgm:prSet presAssocID="{086413C2-C785-403D-99D3-834A0245019F}" presName="node" presStyleLbl="node1" presStyleIdx="1" presStyleCnt="3">
@@ -2128,35 +2100,14 @@
         </dgm:presLayoutVars>
       </dgm:prSet>
       <dgm:spPr/>
-      <dgm:t>
-        <a:bodyPr/>
-        <a:lstStyle/>
-        <a:p>
-          <a:endParaRPr lang="en-US"/>
-        </a:p>
-      </dgm:t>
     </dgm:pt>
     <dgm:pt modelId="{11530BA9-3DC9-4A49-BA20-8431D4462ED4}" type="pres">
       <dgm:prSet presAssocID="{44A1F245-36D7-4328-AAF3-9698D37D82A9}" presName="sibTrans" presStyleLbl="sibTrans2D1" presStyleIdx="1" presStyleCnt="2" custLinFactNeighborY="14507"/>
       <dgm:spPr/>
-      <dgm:t>
-        <a:bodyPr/>
-        <a:lstStyle/>
-        <a:p>
-          <a:endParaRPr lang="en-US"/>
-        </a:p>
-      </dgm:t>
     </dgm:pt>
     <dgm:pt modelId="{AEF80222-AA16-430E-A2E9-0EC4A65729F9}" type="pres">
       <dgm:prSet presAssocID="{44A1F245-36D7-4328-AAF3-9698D37D82A9}" presName="connectorText" presStyleLbl="sibTrans2D1" presStyleIdx="1" presStyleCnt="2"/>
       <dgm:spPr/>
-      <dgm:t>
-        <a:bodyPr/>
-        <a:lstStyle/>
-        <a:p>
-          <a:endParaRPr lang="en-US"/>
-        </a:p>
-      </dgm:t>
     </dgm:pt>
     <dgm:pt modelId="{B2EC2A35-DAD0-47D9-A89D-EB5C8F343AF9}" type="pres">
       <dgm:prSet presAssocID="{20705E99-54D4-43DC-B43F-32B12B29B9DD}" presName="node" presStyleLbl="node1" presStyleIdx="2" presStyleCnt="3">
@@ -2165,27 +2116,20 @@
         </dgm:presLayoutVars>
       </dgm:prSet>
       <dgm:spPr/>
-      <dgm:t>
-        <a:bodyPr/>
-        <a:lstStyle/>
-        <a:p>
-          <a:endParaRPr lang="en-US"/>
-        </a:p>
-      </dgm:t>
     </dgm:pt>
   </dgm:ptLst>
   <dgm:cxnLst>
+    <dgm:cxn modelId="{FB8FD60E-DF3D-4406-A670-FF0871AEEAC0}" srcId="{F202BABD-B732-4DA8-83EF-41D6FA6F3D28}" destId="{086413C2-C785-403D-99D3-834A0245019F}" srcOrd="1" destOrd="0" parTransId="{F3D23565-456D-4A7E-A256-0AA176BAD525}" sibTransId="{44A1F245-36D7-4328-AAF3-9698D37D82A9}"/>
+    <dgm:cxn modelId="{A4E0155F-62A4-4996-96F1-E6AC3D4A6BBE}" type="presOf" srcId="{20705E99-54D4-43DC-B43F-32B12B29B9DD}" destId="{B2EC2A35-DAD0-47D9-A89D-EB5C8F343AF9}" srcOrd="0" destOrd="0" presId="urn:microsoft.com/office/officeart/2005/8/layout/process2"/>
+    <dgm:cxn modelId="{9F649B62-ED53-4C2D-808D-01833CF85BB7}" type="presOf" srcId="{086413C2-C785-403D-99D3-834A0245019F}" destId="{F72B6CF8-105B-410B-AC54-DA7464EB14C1}" srcOrd="0" destOrd="0" presId="urn:microsoft.com/office/officeart/2005/8/layout/process2"/>
     <dgm:cxn modelId="{B135517C-B95D-471B-B18A-0A7D43B9FC9E}" srcId="{F202BABD-B732-4DA8-83EF-41D6FA6F3D28}" destId="{4E9F245D-6757-4C89-9F8C-64D90C686FD5}" srcOrd="0" destOrd="0" parTransId="{703A834B-BBD7-4BB5-B20F-E547C8746EA0}" sibTransId="{B7E0B08A-A644-454A-9758-D5CAFB28A3CA}"/>
+    <dgm:cxn modelId="{533A0D8E-8547-4692-A924-8F81E00AC74C}" type="presOf" srcId="{44A1F245-36D7-4328-AAF3-9698D37D82A9}" destId="{11530BA9-3DC9-4A49-BA20-8431D4462ED4}" srcOrd="0" destOrd="0" presId="urn:microsoft.com/office/officeart/2005/8/layout/process2"/>
+    <dgm:cxn modelId="{1F8DB29C-97BD-427F-8C21-A403045A1414}" srcId="{F202BABD-B732-4DA8-83EF-41D6FA6F3D28}" destId="{20705E99-54D4-43DC-B43F-32B12B29B9DD}" srcOrd="2" destOrd="0" parTransId="{DB71EF53-8CF8-445B-BFE1-680420C0D91E}" sibTransId="{B06D6090-41F4-4E1F-BE92-602ACEA0C745}"/>
+    <dgm:cxn modelId="{E071F2AD-3D8D-4B22-ABBC-E2CEA0D3C579}" type="presOf" srcId="{B7E0B08A-A644-454A-9758-D5CAFB28A3CA}" destId="{71DCDA3D-F6AC-477E-8277-8B1A049BA441}" srcOrd="0" destOrd="0" presId="urn:microsoft.com/office/officeart/2005/8/layout/process2"/>
     <dgm:cxn modelId="{7D6D11B2-AA89-4350-A431-19054A44BE48}" type="presOf" srcId="{B7E0B08A-A644-454A-9758-D5CAFB28A3CA}" destId="{2F4EE405-88C1-4AF6-B24F-D6226C26F8F3}" srcOrd="1" destOrd="0" presId="urn:microsoft.com/office/officeart/2005/8/layout/process2"/>
     <dgm:cxn modelId="{516A2FCE-C12E-4205-8703-6C318A4BFFC8}" type="presOf" srcId="{44A1F245-36D7-4328-AAF3-9698D37D82A9}" destId="{AEF80222-AA16-430E-A2E9-0EC4A65729F9}" srcOrd="1" destOrd="0" presId="urn:microsoft.com/office/officeart/2005/8/layout/process2"/>
+    <dgm:cxn modelId="{3046A9D1-74FA-40AF-8AE7-3A78376625D1}" type="presOf" srcId="{F202BABD-B732-4DA8-83EF-41D6FA6F3D28}" destId="{CE60B819-AB82-49EA-BA97-417BBB8C6101}" srcOrd="0" destOrd="0" presId="urn:microsoft.com/office/officeart/2005/8/layout/process2"/>
     <dgm:cxn modelId="{9D0B07D3-5117-4655-A382-CD93D1FF683B}" type="presOf" srcId="{4E9F245D-6757-4C89-9F8C-64D90C686FD5}" destId="{F574793B-4AA5-4E02-8858-068A6227A427}" srcOrd="0" destOrd="0" presId="urn:microsoft.com/office/officeart/2005/8/layout/process2"/>
-    <dgm:cxn modelId="{A4E0155F-62A4-4996-96F1-E6AC3D4A6BBE}" type="presOf" srcId="{20705E99-54D4-43DC-B43F-32B12B29B9DD}" destId="{B2EC2A35-DAD0-47D9-A89D-EB5C8F343AF9}" srcOrd="0" destOrd="0" presId="urn:microsoft.com/office/officeart/2005/8/layout/process2"/>
-    <dgm:cxn modelId="{3046A9D1-74FA-40AF-8AE7-3A78376625D1}" type="presOf" srcId="{F202BABD-B732-4DA8-83EF-41D6FA6F3D28}" destId="{CE60B819-AB82-49EA-BA97-417BBB8C6101}" srcOrd="0" destOrd="0" presId="urn:microsoft.com/office/officeart/2005/8/layout/process2"/>
-    <dgm:cxn modelId="{E071F2AD-3D8D-4B22-ABBC-E2CEA0D3C579}" type="presOf" srcId="{B7E0B08A-A644-454A-9758-D5CAFB28A3CA}" destId="{71DCDA3D-F6AC-477E-8277-8B1A049BA441}" srcOrd="0" destOrd="0" presId="urn:microsoft.com/office/officeart/2005/8/layout/process2"/>
-    <dgm:cxn modelId="{533A0D8E-8547-4692-A924-8F81E00AC74C}" type="presOf" srcId="{44A1F245-36D7-4328-AAF3-9698D37D82A9}" destId="{11530BA9-3DC9-4A49-BA20-8431D4462ED4}" srcOrd="0" destOrd="0" presId="urn:microsoft.com/office/officeart/2005/8/layout/process2"/>
-    <dgm:cxn modelId="{1F8DB29C-97BD-427F-8C21-A403045A1414}" srcId="{F202BABD-B732-4DA8-83EF-41D6FA6F3D28}" destId="{20705E99-54D4-43DC-B43F-32B12B29B9DD}" srcOrd="2" destOrd="0" parTransId="{DB71EF53-8CF8-445B-BFE1-680420C0D91E}" sibTransId="{B06D6090-41F4-4E1F-BE92-602ACEA0C745}"/>
-    <dgm:cxn modelId="{9F649B62-ED53-4C2D-808D-01833CF85BB7}" type="presOf" srcId="{086413C2-C785-403D-99D3-834A0245019F}" destId="{F72B6CF8-105B-410B-AC54-DA7464EB14C1}" srcOrd="0" destOrd="0" presId="urn:microsoft.com/office/officeart/2005/8/layout/process2"/>
-    <dgm:cxn modelId="{FB8FD60E-DF3D-4406-A670-FF0871AEEAC0}" srcId="{F202BABD-B732-4DA8-83EF-41D6FA6F3D28}" destId="{086413C2-C785-403D-99D3-834A0245019F}" srcOrd="1" destOrd="0" parTransId="{F3D23565-456D-4A7E-A256-0AA176BAD525}" sibTransId="{44A1F245-36D7-4328-AAF3-9698D37D82A9}"/>
     <dgm:cxn modelId="{8F24B9B9-2DF6-4730-A5D8-B923FB4CDEEF}" type="presParOf" srcId="{CE60B819-AB82-49EA-BA97-417BBB8C6101}" destId="{F574793B-4AA5-4E02-8858-068A6227A427}" srcOrd="0" destOrd="0" presId="urn:microsoft.com/office/officeart/2005/8/layout/process2"/>
     <dgm:cxn modelId="{95C5C9C1-D195-4057-8BBF-51321BB4CDCB}" type="presParOf" srcId="{CE60B819-AB82-49EA-BA97-417BBB8C6101}" destId="{71DCDA3D-F6AC-477E-8277-8B1A049BA441}" srcOrd="1" destOrd="0" presId="urn:microsoft.com/office/officeart/2005/8/layout/process2"/>
     <dgm:cxn modelId="{4ADC17B1-2EE6-4BA3-940D-2836B8323508}" type="presParOf" srcId="{71DCDA3D-F6AC-477E-8277-8B1A049BA441}" destId="{2F4EE405-88C1-4AF6-B24F-D6226C26F8F3}" srcOrd="0" destOrd="0" presId="urn:microsoft.com/office/officeart/2005/8/layout/process2"/>
@@ -2484,13 +2428,6 @@
         </dgm:presLayoutVars>
       </dgm:prSet>
       <dgm:spPr/>
-      <dgm:t>
-        <a:bodyPr/>
-        <a:lstStyle/>
-        <a:p>
-          <a:endParaRPr lang="en-US"/>
-        </a:p>
-      </dgm:t>
     </dgm:pt>
     <dgm:pt modelId="{FE9B7B2D-6E0A-451B-A6B6-B7A47F0A4ED4}" type="pres">
       <dgm:prSet presAssocID="{3D7B3E38-995E-45E6-B8E3-FB502DA80652}" presName="spacerT" presStyleCnt="0"/>
@@ -2499,13 +2436,6 @@
     <dgm:pt modelId="{CAE67F45-C242-4CA0-9A93-1CF54DC6A4B2}" type="pres">
       <dgm:prSet presAssocID="{3D7B3E38-995E-45E6-B8E3-FB502DA80652}" presName="sibTrans" presStyleLbl="sibTrans2D1" presStyleIdx="0" presStyleCnt="3"/>
       <dgm:spPr/>
-      <dgm:t>
-        <a:bodyPr/>
-        <a:lstStyle/>
-        <a:p>
-          <a:endParaRPr lang="en-US"/>
-        </a:p>
-      </dgm:t>
     </dgm:pt>
     <dgm:pt modelId="{2F6879B7-6BBF-4D4F-9AF5-9C6DFF4C5A4B}" type="pres">
       <dgm:prSet presAssocID="{3D7B3E38-995E-45E6-B8E3-FB502DA80652}" presName="spacerB" presStyleCnt="0"/>
@@ -2518,13 +2448,6 @@
         </dgm:presLayoutVars>
       </dgm:prSet>
       <dgm:spPr/>
-      <dgm:t>
-        <a:bodyPr/>
-        <a:lstStyle/>
-        <a:p>
-          <a:endParaRPr lang="en-US"/>
-        </a:p>
-      </dgm:t>
     </dgm:pt>
     <dgm:pt modelId="{37E56C71-CDC9-4B39-92CB-FECEABBAF583}" type="pres">
       <dgm:prSet presAssocID="{22CC6DC0-3F9A-46C5-B765-A8692E00B968}" presName="spacerT" presStyleCnt="0"/>
@@ -2533,13 +2456,6 @@
     <dgm:pt modelId="{A4F524BC-5044-43E9-9ED4-F28F50329C8E}" type="pres">
       <dgm:prSet presAssocID="{22CC6DC0-3F9A-46C5-B765-A8692E00B968}" presName="sibTrans" presStyleLbl="sibTrans2D1" presStyleIdx="1" presStyleCnt="3"/>
       <dgm:spPr/>
-      <dgm:t>
-        <a:bodyPr/>
-        <a:lstStyle/>
-        <a:p>
-          <a:endParaRPr lang="en-US"/>
-        </a:p>
-      </dgm:t>
     </dgm:pt>
     <dgm:pt modelId="{68B319BC-7EE2-42A3-B838-9339FF0A3099}" type="pres">
       <dgm:prSet presAssocID="{22CC6DC0-3F9A-46C5-B765-A8692E00B968}" presName="spacerB" presStyleCnt="0"/>
@@ -2552,35 +2468,14 @@
         </dgm:presLayoutVars>
       </dgm:prSet>
       <dgm:spPr/>
-      <dgm:t>
-        <a:bodyPr/>
-        <a:lstStyle/>
-        <a:p>
-          <a:endParaRPr lang="en-US"/>
-        </a:p>
-      </dgm:t>
     </dgm:pt>
     <dgm:pt modelId="{8C167BF4-3B48-4E48-B7EB-402E1EBCD4C4}" type="pres">
       <dgm:prSet presAssocID="{7F6B5A0A-0F54-4B18-951E-1A0CFC44F6C4}" presName="sibTransLast" presStyleLbl="sibTrans2D1" presStyleIdx="2" presStyleCnt="3"/>
       <dgm:spPr/>
-      <dgm:t>
-        <a:bodyPr/>
-        <a:lstStyle/>
-        <a:p>
-          <a:endParaRPr lang="en-US"/>
-        </a:p>
-      </dgm:t>
     </dgm:pt>
     <dgm:pt modelId="{6D3D89C7-2463-4B65-8B98-57E4FF79799E}" type="pres">
       <dgm:prSet presAssocID="{7F6B5A0A-0F54-4B18-951E-1A0CFC44F6C4}" presName="connectorText" presStyleLbl="sibTrans2D1" presStyleIdx="2" presStyleCnt="3"/>
       <dgm:spPr/>
-      <dgm:t>
-        <a:bodyPr/>
-        <a:lstStyle/>
-        <a:p>
-          <a:endParaRPr lang="en-US"/>
-        </a:p>
-      </dgm:t>
     </dgm:pt>
     <dgm:pt modelId="{019AF5E6-0576-4F30-AF54-C6ABA9F8714D}" type="pres">
       <dgm:prSet presAssocID="{7F6B5A0A-0F54-4B18-951E-1A0CFC44F6C4}" presName="lastNode" presStyleLbl="node1" presStyleIdx="3" presStyleCnt="4">
@@ -2589,29 +2484,22 @@
         </dgm:presLayoutVars>
       </dgm:prSet>
       <dgm:spPr/>
-      <dgm:t>
-        <a:bodyPr/>
-        <a:lstStyle/>
-        <a:p>
-          <a:endParaRPr lang="en-US"/>
-        </a:p>
-      </dgm:t>
     </dgm:pt>
   </dgm:ptLst>
   <dgm:cxnLst>
-    <dgm:cxn modelId="{C4EE0257-8F26-40B8-98FD-28E7D13A18FE}" type="presOf" srcId="{788FFD9D-7404-4CCE-A245-0BD6B0E93B24}" destId="{ADDE6D51-0326-48FC-8262-22DC9FF00928}" srcOrd="0" destOrd="0" presId="urn:microsoft.com/office/officeart/2005/8/layout/equation2"/>
-    <dgm:cxn modelId="{9DF4F15D-83DA-4A81-AC99-DAAA7154E8FC}" type="presOf" srcId="{3D7B3E38-995E-45E6-B8E3-FB502DA80652}" destId="{CAE67F45-C242-4CA0-9A93-1CF54DC6A4B2}" srcOrd="0" destOrd="0" presId="urn:microsoft.com/office/officeart/2005/8/layout/equation2"/>
     <dgm:cxn modelId="{3074BA33-5E6B-4CD8-B00C-4B1D75F82156}" type="presOf" srcId="{22CC6DC0-3F9A-46C5-B765-A8692E00B968}" destId="{A4F524BC-5044-43E9-9ED4-F28F50329C8E}" srcOrd="0" destOrd="0" presId="urn:microsoft.com/office/officeart/2005/8/layout/equation2"/>
     <dgm:cxn modelId="{129B2235-A666-4972-9C81-A32268B29CC3}" srcId="{7F6B5A0A-0F54-4B18-951E-1A0CFC44F6C4}" destId="{788FFD9D-7404-4CCE-A245-0BD6B0E93B24}" srcOrd="0" destOrd="0" parTransId="{5E24E0D7-ADE3-4230-995A-808460C79C74}" sibTransId="{3D7B3E38-995E-45E6-B8E3-FB502DA80652}"/>
+    <dgm:cxn modelId="{204A073C-B394-4995-92B2-29EDC5B85EE2}" type="presOf" srcId="{13DFDD1A-F857-4873-9289-F89CB29F0AE3}" destId="{CEF2E0B5-9AB4-4780-9ABF-357ADA3D91CB}" srcOrd="0" destOrd="0" presId="urn:microsoft.com/office/officeart/2005/8/layout/equation2"/>
+    <dgm:cxn modelId="{19C8C83D-641A-494E-A8D8-62E4FE557EF4}" srcId="{7F6B5A0A-0F54-4B18-951E-1A0CFC44F6C4}" destId="{CDEEB3D3-689E-413A-B48B-3B4C259D2CDA}" srcOrd="1" destOrd="0" parTransId="{F27EFF3B-7C66-4921-A60B-0490F7F05817}" sibTransId="{22CC6DC0-3F9A-46C5-B765-A8692E00B968}"/>
+    <dgm:cxn modelId="{9DF4F15D-83DA-4A81-AC99-DAAA7154E8FC}" type="presOf" srcId="{3D7B3E38-995E-45E6-B8E3-FB502DA80652}" destId="{CAE67F45-C242-4CA0-9A93-1CF54DC6A4B2}" srcOrd="0" destOrd="0" presId="urn:microsoft.com/office/officeart/2005/8/layout/equation2"/>
+    <dgm:cxn modelId="{8A82D260-762D-4E67-B9C2-EE27803E73AC}" type="presOf" srcId="{CDEEB3D3-689E-413A-B48B-3B4C259D2CDA}" destId="{19F58809-13FA-49CC-AECD-B6EA26B8D0F9}" srcOrd="0" destOrd="0" presId="urn:microsoft.com/office/officeart/2005/8/layout/equation2"/>
     <dgm:cxn modelId="{2E697D6D-F056-4088-9E32-833B4B75A03C}" type="presOf" srcId="{09353CC5-9DAE-40D9-A6ED-AC3D6931F2A5}" destId="{019AF5E6-0576-4F30-AF54-C6ABA9F8714D}" srcOrd="0" destOrd="0" presId="urn:microsoft.com/office/officeart/2005/8/layout/equation2"/>
-    <dgm:cxn modelId="{8A82D260-762D-4E67-B9C2-EE27803E73AC}" type="presOf" srcId="{CDEEB3D3-689E-413A-B48B-3B4C259D2CDA}" destId="{19F58809-13FA-49CC-AECD-B6EA26B8D0F9}" srcOrd="0" destOrd="0" presId="urn:microsoft.com/office/officeart/2005/8/layout/equation2"/>
+    <dgm:cxn modelId="{DA7D3650-E88E-4310-A3CB-787262591F55}" type="presOf" srcId="{E7CA5D59-5D6A-4850-A24E-CB6E32D1EA89}" destId="{8C167BF4-3B48-4E48-B7EB-402E1EBCD4C4}" srcOrd="0" destOrd="0" presId="urn:microsoft.com/office/officeart/2005/8/layout/equation2"/>
+    <dgm:cxn modelId="{C4EE0257-8F26-40B8-98FD-28E7D13A18FE}" type="presOf" srcId="{788FFD9D-7404-4CCE-A245-0BD6B0E93B24}" destId="{ADDE6D51-0326-48FC-8262-22DC9FF00928}" srcOrd="0" destOrd="0" presId="urn:microsoft.com/office/officeart/2005/8/layout/equation2"/>
+    <dgm:cxn modelId="{1BFB0EA2-22FF-498D-A19E-FD59F187BE85}" type="presOf" srcId="{7F6B5A0A-0F54-4B18-951E-1A0CFC44F6C4}" destId="{600386E9-DD67-4413-8FD7-D7B9E299B8F1}" srcOrd="0" destOrd="0" presId="urn:microsoft.com/office/officeart/2005/8/layout/equation2"/>
     <dgm:cxn modelId="{683C64B8-0BF0-4A2E-9133-256426DBA86B}" srcId="{7F6B5A0A-0F54-4B18-951E-1A0CFC44F6C4}" destId="{09353CC5-9DAE-40D9-A6ED-AC3D6931F2A5}" srcOrd="3" destOrd="0" parTransId="{DAF3A442-BF4D-4AC2-A3B6-6C05624A55CE}" sibTransId="{00373967-E678-4682-81B8-B346B7B1880E}"/>
+    <dgm:cxn modelId="{CC6B26CB-7305-494E-80B1-A99DB7744352}" srcId="{7F6B5A0A-0F54-4B18-951E-1A0CFC44F6C4}" destId="{13DFDD1A-F857-4873-9289-F89CB29F0AE3}" srcOrd="2" destOrd="0" parTransId="{35071CC0-26AC-4257-906B-C57E6550F4D8}" sibTransId="{E7CA5D59-5D6A-4850-A24E-CB6E32D1EA89}"/>
     <dgm:cxn modelId="{348596DD-86F7-4CC5-9998-9E16C8F5357F}" type="presOf" srcId="{E7CA5D59-5D6A-4850-A24E-CB6E32D1EA89}" destId="{6D3D89C7-2463-4B65-8B98-57E4FF79799E}" srcOrd="1" destOrd="0" presId="urn:microsoft.com/office/officeart/2005/8/layout/equation2"/>
-    <dgm:cxn modelId="{DA7D3650-E88E-4310-A3CB-787262591F55}" type="presOf" srcId="{E7CA5D59-5D6A-4850-A24E-CB6E32D1EA89}" destId="{8C167BF4-3B48-4E48-B7EB-402E1EBCD4C4}" srcOrd="0" destOrd="0" presId="urn:microsoft.com/office/officeart/2005/8/layout/equation2"/>
-    <dgm:cxn modelId="{204A073C-B394-4995-92B2-29EDC5B85EE2}" type="presOf" srcId="{13DFDD1A-F857-4873-9289-F89CB29F0AE3}" destId="{CEF2E0B5-9AB4-4780-9ABF-357ADA3D91CB}" srcOrd="0" destOrd="0" presId="urn:microsoft.com/office/officeart/2005/8/layout/equation2"/>
-    <dgm:cxn modelId="{1BFB0EA2-22FF-498D-A19E-FD59F187BE85}" type="presOf" srcId="{7F6B5A0A-0F54-4B18-951E-1A0CFC44F6C4}" destId="{600386E9-DD67-4413-8FD7-D7B9E299B8F1}" srcOrd="0" destOrd="0" presId="urn:microsoft.com/office/officeart/2005/8/layout/equation2"/>
-    <dgm:cxn modelId="{CC6B26CB-7305-494E-80B1-A99DB7744352}" srcId="{7F6B5A0A-0F54-4B18-951E-1A0CFC44F6C4}" destId="{13DFDD1A-F857-4873-9289-F89CB29F0AE3}" srcOrd="2" destOrd="0" parTransId="{35071CC0-26AC-4257-906B-C57E6550F4D8}" sibTransId="{E7CA5D59-5D6A-4850-A24E-CB6E32D1EA89}"/>
-    <dgm:cxn modelId="{19C8C83D-641A-494E-A8D8-62E4FE557EF4}" srcId="{7F6B5A0A-0F54-4B18-951E-1A0CFC44F6C4}" destId="{CDEEB3D3-689E-413A-B48B-3B4C259D2CDA}" srcOrd="1" destOrd="0" parTransId="{F27EFF3B-7C66-4921-A60B-0490F7F05817}" sibTransId="{22CC6DC0-3F9A-46C5-B765-A8692E00B968}"/>
     <dgm:cxn modelId="{814D597A-20A3-45B0-BCA8-CE4F71C3F6F8}" type="presParOf" srcId="{600386E9-DD67-4413-8FD7-D7B9E299B8F1}" destId="{19697C7A-B482-43A6-ADF5-AAB6958C65CD}" srcOrd="0" destOrd="0" presId="urn:microsoft.com/office/officeart/2005/8/layout/equation2"/>
     <dgm:cxn modelId="{7433A93E-5832-4E98-A452-511F15FD99D7}" type="presParOf" srcId="{19697C7A-B482-43A6-ADF5-AAB6958C65CD}" destId="{ADDE6D51-0326-48FC-8262-22DC9FF00928}" srcOrd="0" destOrd="0" presId="urn:microsoft.com/office/officeart/2005/8/layout/equation2"/>
     <dgm:cxn modelId="{DD4AE222-CE87-40E7-ACA8-0B228B1FEF42}" type="presParOf" srcId="{19697C7A-B482-43A6-ADF5-AAB6958C65CD}" destId="{FE9B7B2D-6E0A-451B-A6B6-B7A47F0A4ED4}" srcOrd="1" destOrd="0" presId="urn:microsoft.com/office/officeart/2005/8/layout/equation2"/>
@@ -2701,7 +2589,7 @@
         </a:bodyPr>
         <a:lstStyle/>
         <a:p>
-          <a:pPr lvl="0" algn="ctr" defTabSz="800100">
+          <a:pPr marL="0" lvl="0" indent="0" algn="ctr" defTabSz="800100">
             <a:lnSpc>
               <a:spcPct val="90000"/>
             </a:lnSpc>
@@ -2711,12 +2599,12 @@
             <a:spcAft>
               <a:spcPct val="35000"/>
             </a:spcAft>
+            <a:buNone/>
           </a:pPr>
           <a:r>
-            <a:rPr lang="en-US" sz="1800" kern="1200" dirty="0" smtClean="0"/>
+            <a:rPr lang="en-US" sz="1800" kern="1200" dirty="0"/>
             <a:t>Requirements</a:t>
           </a:r>
-          <a:endParaRPr lang="en-US" sz="1800" kern="1200" dirty="0"/>
         </a:p>
       </dsp:txBody>
       <dsp:txXfrm>
@@ -2774,7 +2662,7 @@
         </a:bodyPr>
         <a:lstStyle/>
         <a:p>
-          <a:pPr lvl="0" algn="ctr" defTabSz="622300">
+          <a:pPr marL="0" lvl="0" indent="0" algn="ctr" defTabSz="622300">
             <a:lnSpc>
               <a:spcPct val="90000"/>
             </a:lnSpc>
@@ -2784,6 +2672,7 @@
             <a:spcAft>
               <a:spcPct val="35000"/>
             </a:spcAft>
+            <a:buNone/>
           </a:pPr>
           <a:endParaRPr lang="en-US" sz="1400" kern="1200"/>
         </a:p>
@@ -2850,7 +2739,7 @@
         </a:bodyPr>
         <a:lstStyle/>
         <a:p>
-          <a:pPr lvl="0" algn="ctr" defTabSz="800100">
+          <a:pPr marL="0" lvl="0" indent="0" algn="ctr" defTabSz="800100">
             <a:lnSpc>
               <a:spcPct val="90000"/>
             </a:lnSpc>
@@ -2860,12 +2749,12 @@
             <a:spcAft>
               <a:spcPct val="35000"/>
             </a:spcAft>
+            <a:buNone/>
           </a:pPr>
           <a:r>
-            <a:rPr lang="en-US" sz="1800" kern="1200" dirty="0" smtClean="0"/>
+            <a:rPr lang="en-US" sz="1800" kern="1200" dirty="0"/>
             <a:t>Formal Models</a:t>
           </a:r>
-          <a:endParaRPr lang="en-US" sz="1800" kern="1200" dirty="0"/>
         </a:p>
       </dsp:txBody>
       <dsp:txXfrm>
@@ -2923,7 +2812,7 @@
         </a:bodyPr>
         <a:lstStyle/>
         <a:p>
-          <a:pPr lvl="0" algn="ctr" defTabSz="622300">
+          <a:pPr marL="0" lvl="0" indent="0" algn="ctr" defTabSz="622300">
             <a:lnSpc>
               <a:spcPct val="90000"/>
             </a:lnSpc>
@@ -2933,6 +2822,7 @@
             <a:spcAft>
               <a:spcPct val="35000"/>
             </a:spcAft>
+            <a:buNone/>
           </a:pPr>
           <a:endParaRPr lang="en-US" sz="1400" kern="1200"/>
         </a:p>
@@ -2999,7 +2889,7 @@
         </a:bodyPr>
         <a:lstStyle/>
         <a:p>
-          <a:pPr lvl="0" algn="ctr" defTabSz="800100">
+          <a:pPr marL="0" lvl="0" indent="0" algn="ctr" defTabSz="800100">
             <a:lnSpc>
               <a:spcPct val="90000"/>
             </a:lnSpc>
@@ -3009,12 +2899,12 @@
             <a:spcAft>
               <a:spcPct val="35000"/>
             </a:spcAft>
+            <a:buNone/>
           </a:pPr>
           <a:r>
-            <a:rPr lang="en-US" sz="1800" kern="1200" dirty="0" smtClean="0"/>
+            <a:rPr lang="en-US" sz="1800" kern="1200" dirty="0"/>
             <a:t>Implementation</a:t>
           </a:r>
-          <a:endParaRPr lang="en-US" sz="1800" kern="1200" dirty="0"/>
         </a:p>
       </dsp:txBody>
       <dsp:txXfrm>
@@ -3084,7 +2974,7 @@
         </a:bodyPr>
         <a:lstStyle/>
         <a:p>
-          <a:pPr lvl="0" algn="ctr" defTabSz="355600">
+          <a:pPr marL="0" lvl="0" indent="0" algn="ctr" defTabSz="355600">
             <a:lnSpc>
               <a:spcPct val="90000"/>
             </a:lnSpc>
@@ -3094,6 +2984,7 @@
             <a:spcAft>
               <a:spcPct val="35000"/>
             </a:spcAft>
+            <a:buNone/>
           </a:pPr>
           <a:r>
             <a:rPr lang="en-US" sz="800" kern="1200" dirty="0"/>
@@ -3156,7 +3047,7 @@
         </a:bodyPr>
         <a:lstStyle/>
         <a:p>
-          <a:pPr lvl="0" algn="ctr" defTabSz="266700">
+          <a:pPr marL="0" lvl="0" indent="0" algn="ctr" defTabSz="266700">
             <a:lnSpc>
               <a:spcPct val="90000"/>
             </a:lnSpc>
@@ -3166,6 +3057,7 @@
             <a:spcAft>
               <a:spcPct val="35000"/>
             </a:spcAft>
+            <a:buNone/>
           </a:pPr>
           <a:endParaRPr lang="en-US" sz="600" kern="1200"/>
         </a:p>
@@ -3225,7 +3117,7 @@
         </a:bodyPr>
         <a:lstStyle/>
         <a:p>
-          <a:pPr lvl="0" algn="ctr" defTabSz="355600">
+          <a:pPr marL="0" lvl="0" indent="0" algn="ctr" defTabSz="355600">
             <a:lnSpc>
               <a:spcPct val="90000"/>
             </a:lnSpc>
@@ -3235,6 +3127,7 @@
             <a:spcAft>
               <a:spcPct val="35000"/>
             </a:spcAft>
+            <a:buNone/>
           </a:pPr>
           <a:r>
             <a:rPr lang="en-US" sz="800" kern="1200" dirty="0" err="1"/>
@@ -3301,7 +3194,7 @@
         </a:bodyPr>
         <a:lstStyle/>
         <a:p>
-          <a:pPr lvl="0" algn="ctr" defTabSz="266700">
+          <a:pPr marL="0" lvl="0" indent="0" algn="ctr" defTabSz="266700">
             <a:lnSpc>
               <a:spcPct val="90000"/>
             </a:lnSpc>
@@ -3311,6 +3204,7 @@
             <a:spcAft>
               <a:spcPct val="35000"/>
             </a:spcAft>
+            <a:buNone/>
           </a:pPr>
           <a:endParaRPr lang="en-US" sz="600" kern="1200"/>
         </a:p>
@@ -3370,7 +3264,7 @@
         </a:bodyPr>
         <a:lstStyle/>
         <a:p>
-          <a:pPr lvl="0" algn="ctr" defTabSz="355600">
+          <a:pPr marL="0" lvl="0" indent="0" algn="ctr" defTabSz="355600">
             <a:lnSpc>
               <a:spcPct val="90000"/>
             </a:lnSpc>
@@ -3380,6 +3274,7 @@
             <a:spcAft>
               <a:spcPct val="35000"/>
             </a:spcAft>
+            <a:buNone/>
           </a:pPr>
           <a:r>
             <a:rPr lang="en-US" sz="800" kern="1200" dirty="0"/>
@@ -3445,7 +3340,7 @@
         </a:bodyPr>
         <a:lstStyle/>
         <a:p>
-          <a:pPr lvl="0" algn="ctr" defTabSz="311150">
+          <a:pPr marL="0" lvl="0" indent="0" algn="ctr" defTabSz="311150">
             <a:lnSpc>
               <a:spcPct val="90000"/>
             </a:lnSpc>
@@ -3455,6 +3350,7 @@
             <a:spcAft>
               <a:spcPct val="35000"/>
             </a:spcAft>
+            <a:buNone/>
           </a:pPr>
           <a:endParaRPr lang="en-US" sz="700" kern="1200"/>
         </a:p>
@@ -3514,7 +3410,7 @@
         </a:bodyPr>
         <a:lstStyle/>
         <a:p>
-          <a:pPr lvl="0" algn="ctr" defTabSz="533400">
+          <a:pPr marL="0" lvl="0" indent="0" algn="ctr" defTabSz="533400">
             <a:lnSpc>
               <a:spcPct val="90000"/>
             </a:lnSpc>
@@ -3524,6 +3420,7 @@
             <a:spcAft>
               <a:spcPct val="35000"/>
             </a:spcAft>
+            <a:buNone/>
           </a:pPr>
           <a:r>
             <a:rPr lang="en-US" sz="1200" kern="1200" dirty="0"/>
@@ -6618,7 +6515,17 @@
           <a:p>
             <a:r>
               <a:rPr lang="en-US" altLang="zh-CN" dirty="0"/>
-              <a:t>Later, I’ll use an example to show how this can happen</a:t>
+              <a:t>Basically, an LTS describes a state machine</a:t>
+            </a:r>
+          </a:p>
+          <a:p>
+            <a:r>
+              <a:rPr lang="en-US" altLang="zh-CN" dirty="0"/>
+              <a:t>For</a:t>
+            </a:r>
+            <a:r>
+              <a:rPr lang="en-US" altLang="zh-CN" baseline="0" dirty="0"/>
+              <a:t> events start with h, it refers to an event by a user.</a:t>
             </a:r>
             <a:endParaRPr lang="zh-CN" altLang="en-US" dirty="0"/>
           </a:p>
@@ -6627,7 +6534,7 @@
     </p:spTree>
     <p:extLst>
       <p:ext uri="{BB962C8B-B14F-4D97-AF65-F5344CB8AC3E}">
-        <p14:creationId xmlns:p14="http://schemas.microsoft.com/office/powerpoint/2010/main" val="3832254359"/>
+        <p14:creationId xmlns:p14="http://schemas.microsoft.com/office/powerpoint/2010/main" val="1547276267"/>
       </p:ext>
     </p:extLst>
   </p:cSld>
@@ -6687,17 +6594,17 @@
           <a:lstStyle/>
           <a:p>
             <a:r>
-              <a:rPr lang="en-US" dirty="0" smtClean="0"/>
-              <a:t>Miss-behaving human</a:t>
+              <a:rPr lang="en-US" altLang="zh-CN" dirty="0"/>
+              <a:t>Later, I’ll use an example to show how this can happen</a:t>
             </a:r>
-            <a:endParaRPr lang="en-US" dirty="0"/>
+            <a:endParaRPr lang="zh-CN" altLang="en-US" dirty="0"/>
           </a:p>
         </p:txBody>
       </p:sp>
     </p:spTree>
     <p:extLst>
       <p:ext uri="{BB962C8B-B14F-4D97-AF65-F5344CB8AC3E}">
-        <p14:creationId xmlns:p14="http://schemas.microsoft.com/office/powerpoint/2010/main" val="815507627"/>
+        <p14:creationId xmlns:p14="http://schemas.microsoft.com/office/powerpoint/2010/main" val="3832254359"/>
       </p:ext>
     </p:extLst>
   </p:cSld>
@@ -6756,14 +6663,17 @@
           <a:bodyPr/>
           <a:lstStyle/>
           <a:p>
-            <a:endParaRPr lang="zh-CN" altLang="en-US" dirty="0"/>
+            <a:r>
+              <a:rPr lang="en-US" dirty="0"/>
+              <a:t>Miss-behaving human</a:t>
+            </a:r>
           </a:p>
         </p:txBody>
       </p:sp>
     </p:spTree>
     <p:extLst>
       <p:ext uri="{BB962C8B-B14F-4D97-AF65-F5344CB8AC3E}">
-        <p14:creationId xmlns:p14="http://schemas.microsoft.com/office/powerpoint/2010/main" val="3132018796"/>
+        <p14:creationId xmlns:p14="http://schemas.microsoft.com/office/powerpoint/2010/main" val="815507627"/>
       </p:ext>
     </p:extLst>
   </p:cSld>
@@ -6822,14 +6732,6 @@
           <a:bodyPr/>
           <a:lstStyle/>
           <a:p>
-            <a:r>
-              <a:rPr lang="en-US" altLang="zh-CN" dirty="0" smtClean="0"/>
-              <a:t>One example</a:t>
-            </a:r>
-            <a:r>
-              <a:rPr lang="en-US" altLang="zh-CN" baseline="0" dirty="0" smtClean="0"/>
-              <a:t> of errors in the environment which violates the property.</a:t>
-            </a:r>
             <a:endParaRPr lang="zh-CN" altLang="en-US" dirty="0"/>
           </a:p>
         </p:txBody>
@@ -6837,7 +6739,7 @@
     </p:spTree>
     <p:extLst>
       <p:ext uri="{BB962C8B-B14F-4D97-AF65-F5344CB8AC3E}">
-        <p14:creationId xmlns:p14="http://schemas.microsoft.com/office/powerpoint/2010/main" val="3270550227"/>
+        <p14:creationId xmlns:p14="http://schemas.microsoft.com/office/powerpoint/2010/main" val="3132018796"/>
       </p:ext>
     </p:extLst>
   </p:cSld>
@@ -6896,6 +6798,14 @@
           <a:bodyPr/>
           <a:lstStyle/>
           <a:p>
+            <a:r>
+              <a:rPr lang="en-US" altLang="zh-CN" dirty="0"/>
+              <a:t>One example</a:t>
+            </a:r>
+            <a:r>
+              <a:rPr lang="en-US" altLang="zh-CN" baseline="0" dirty="0"/>
+              <a:t> of errors in the environment which violates the property.</a:t>
+            </a:r>
             <a:endParaRPr lang="zh-CN" altLang="en-US" dirty="0"/>
           </a:p>
         </p:txBody>
@@ -6903,7 +6813,7 @@
     </p:spTree>
     <p:extLst>
       <p:ext uri="{BB962C8B-B14F-4D97-AF65-F5344CB8AC3E}">
-        <p14:creationId xmlns:p14="http://schemas.microsoft.com/office/powerpoint/2010/main" val="1561140675"/>
+        <p14:creationId xmlns:p14="http://schemas.microsoft.com/office/powerpoint/2010/main" val="3270550227"/>
       </p:ext>
     </p:extLst>
   </p:cSld>
@@ -6962,25 +6872,6 @@
           <a:bodyPr/>
           <a:lstStyle/>
           <a:p>
-            <a:pPr marL="158750" indent="0">
-              <a:buNone/>
-            </a:pPr>
-            <a:r>
-              <a:rPr lang="en-US" altLang="zh-CN" dirty="0" smtClean="0"/>
-              <a:t>Show a </a:t>
-            </a:r>
-            <a:r>
-              <a:rPr lang="en-US" altLang="zh-CN" dirty="0" err="1" smtClean="0"/>
-              <a:t>venn</a:t>
-            </a:r>
-            <a:r>
-              <a:rPr lang="en-US" altLang="zh-CN" dirty="0" smtClean="0"/>
-              <a:t> what </a:t>
-            </a:r>
-            <a:r>
-              <a:rPr lang="en-US" altLang="zh-CN" dirty="0" smtClean="0"/>
-              <a:t>is delta</a:t>
-            </a:r>
             <a:endParaRPr lang="zh-CN" altLang="en-US" dirty="0"/>
           </a:p>
         </p:txBody>
@@ -6988,7 +6879,7 @@
     </p:spTree>
     <p:extLst>
       <p:ext uri="{BB962C8B-B14F-4D97-AF65-F5344CB8AC3E}">
-        <p14:creationId xmlns:p14="http://schemas.microsoft.com/office/powerpoint/2010/main" val="1174819320"/>
+        <p14:creationId xmlns:p14="http://schemas.microsoft.com/office/powerpoint/2010/main" val="1561140675"/>
       </p:ext>
     </p:extLst>
   </p:cSld>
@@ -7047,21 +6938,20 @@
           <a:bodyPr/>
           <a:lstStyle/>
           <a:p>
+            <a:pPr marL="158750" indent="0">
+              <a:buNone/>
+            </a:pPr>
             <a:r>
-              <a:rPr lang="en-US" altLang="zh-CN" dirty="0" smtClean="0"/>
-              <a:t>In the coffee machine example, we developed an erroneous environment model and verified that it does not satisfy the property.</a:t>
+              <a:rPr lang="en-US" altLang="zh-CN" dirty="0"/>
+              <a:t>Show a </a:t>
             </a:r>
-          </a:p>
-          <a:p>
             <a:r>
-              <a:rPr lang="en-US" altLang="zh-CN" dirty="0" smtClean="0"/>
-              <a:t>However, this is just one case, it is often impossible to enumerate all the human behaviors.</a:t>
+              <a:rPr lang="en-US" altLang="zh-CN" dirty="0" err="1"/>
+              <a:t>venn</a:t>
             </a:r>
-          </a:p>
-          <a:p>
             <a:r>
-              <a:rPr lang="en-US" altLang="zh-CN" dirty="0" smtClean="0"/>
-              <a:t>Thus, we cannot tell what kind of errors the system can handle and what it cannot.</a:t>
+              <a:rPr lang="en-US" altLang="zh-CN" dirty="0"/>
+              <a:t> what is delta</a:t>
             </a:r>
             <a:endParaRPr lang="zh-CN" altLang="en-US" dirty="0"/>
           </a:p>
@@ -7070,7 +6960,7 @@
     </p:spTree>
     <p:extLst>
       <p:ext uri="{BB962C8B-B14F-4D97-AF65-F5344CB8AC3E}">
-        <p14:creationId xmlns:p14="http://schemas.microsoft.com/office/powerpoint/2010/main" val="954646274"/>
+        <p14:creationId xmlns:p14="http://schemas.microsoft.com/office/powerpoint/2010/main" val="1174819320"/>
       </p:ext>
     </p:extLst>
   </p:cSld>
@@ -7129,14 +7019,30 @@
           <a:bodyPr/>
           <a:lstStyle/>
           <a:p>
-            <a:endParaRPr lang="en-US" dirty="0"/>
+            <a:r>
+              <a:rPr lang="en-US" altLang="zh-CN" dirty="0"/>
+              <a:t>In the coffee machine example, we developed an erroneous environment model and verified that it does not satisfy the property.</a:t>
+            </a:r>
+          </a:p>
+          <a:p>
+            <a:r>
+              <a:rPr lang="en-US" altLang="zh-CN" dirty="0"/>
+              <a:t>However, this is just one case, it is often impossible to enumerate all the human behaviors.</a:t>
+            </a:r>
+          </a:p>
+          <a:p>
+            <a:r>
+              <a:rPr lang="en-US" altLang="zh-CN" dirty="0"/>
+              <a:t>Thus, we cannot tell what kind of errors the system can handle and what it cannot.</a:t>
+            </a:r>
+            <a:endParaRPr lang="zh-CN" altLang="en-US" dirty="0"/>
           </a:p>
         </p:txBody>
       </p:sp>
     </p:spTree>
     <p:extLst>
       <p:ext uri="{BB962C8B-B14F-4D97-AF65-F5344CB8AC3E}">
-        <p14:creationId xmlns:p14="http://schemas.microsoft.com/office/powerpoint/2010/main" val="2258562081"/>
+        <p14:creationId xmlns:p14="http://schemas.microsoft.com/office/powerpoint/2010/main" val="954646274"/>
       </p:ext>
     </p:extLst>
   </p:cSld>
@@ -7195,17 +7101,14 @@
           <a:bodyPr/>
           <a:lstStyle/>
           <a:p>
-            <a:pPr marL="158750" indent="0">
-              <a:buNone/>
-            </a:pPr>
-            <a:endParaRPr lang="zh-CN" altLang="en-US" dirty="0"/>
+            <a:endParaRPr lang="en-US" dirty="0"/>
           </a:p>
         </p:txBody>
       </p:sp>
     </p:spTree>
     <p:extLst>
       <p:ext uri="{BB962C8B-B14F-4D97-AF65-F5344CB8AC3E}">
-        <p14:creationId xmlns:p14="http://schemas.microsoft.com/office/powerpoint/2010/main" val="2882009939"/>
+        <p14:creationId xmlns:p14="http://schemas.microsoft.com/office/powerpoint/2010/main" val="2258562081"/>
       </p:ext>
     </p:extLst>
   </p:cSld>
@@ -7264,14 +7167,17 @@
           <a:bodyPr/>
           <a:lstStyle/>
           <a:p>
-            <a:endParaRPr lang="en-US" dirty="0"/>
+            <a:pPr marL="158750" indent="0">
+              <a:buNone/>
+            </a:pPr>
+            <a:endParaRPr lang="zh-CN" altLang="en-US" dirty="0"/>
           </a:p>
         </p:txBody>
       </p:sp>
     </p:spTree>
     <p:extLst>
       <p:ext uri="{BB962C8B-B14F-4D97-AF65-F5344CB8AC3E}">
-        <p14:creationId xmlns:p14="http://schemas.microsoft.com/office/powerpoint/2010/main" val="1191776298"/>
+        <p14:creationId xmlns:p14="http://schemas.microsoft.com/office/powerpoint/2010/main" val="2882009939"/>
       </p:ext>
     </p:extLst>
   </p:cSld>
@@ -7406,54 +7312,14 @@
           <a:bodyPr/>
           <a:lstStyle/>
           <a:p>
-            <a:pPr marL="457200" indent="-298450"/>
-            <a:r>
-              <a:rPr lang="en-US" altLang="zh-CN" dirty="0"/>
-              <a:t>Why this is useful?</a:t>
-            </a:r>
-          </a:p>
-          <a:p>
-            <a:pPr marL="457200" indent="-298450"/>
-            <a:r>
-              <a:rPr lang="en-US" altLang="zh-CN" dirty="0"/>
-              <a:t>One use case: there’s always a cost to make a system more robust!</a:t>
-            </a:r>
-          </a:p>
-          <a:p>
-            <a:pPr marL="457200" indent="-298450"/>
-            <a:r>
-              <a:rPr lang="en-US" altLang="zh-CN" dirty="0"/>
-              <a:t>In the coffee machine example,</a:t>
-            </a:r>
-          </a:p>
-          <a:p>
-            <a:pPr marL="457200" indent="-298450"/>
-            <a:r>
-              <a:rPr lang="en-US" altLang="zh-CN" dirty="0"/>
-              <a:t>what kind of human error we’d like to prevent?</a:t>
-            </a:r>
-            <a:r>
-              <a:rPr lang="zh-CN" altLang="en-US" dirty="0"/>
-              <a:t> </a:t>
-            </a:r>
-            <a:r>
-              <a:rPr lang="en-US" altLang="zh-CN" dirty="0"/>
-              <a:t>Forgetting to place the mug seems not a valuable error to invest on.</a:t>
-            </a:r>
-          </a:p>
-          <a:p>
-            <a:pPr marL="457200" indent="-298450"/>
-            <a:r>
-              <a:rPr lang="en-US" altLang="zh-CN" dirty="0"/>
-              <a:t>Is the design consistent with our intention? Do we address all the errors we’d like to deal with?</a:t>
-            </a:r>
+            <a:endParaRPr lang="en-US" dirty="0"/>
           </a:p>
         </p:txBody>
       </p:sp>
     </p:spTree>
     <p:extLst>
       <p:ext uri="{BB962C8B-B14F-4D97-AF65-F5344CB8AC3E}">
-        <p14:creationId xmlns:p14="http://schemas.microsoft.com/office/powerpoint/2010/main" val="1883646462"/>
+        <p14:creationId xmlns:p14="http://schemas.microsoft.com/office/powerpoint/2010/main" val="1191776298"/>
       </p:ext>
     </p:extLst>
   </p:cSld>
@@ -7512,6 +7378,112 @@
           <a:bodyPr/>
           <a:lstStyle/>
           <a:p>
+            <a:pPr marL="457200" indent="-298450"/>
+            <a:r>
+              <a:rPr lang="en-US" altLang="zh-CN" dirty="0"/>
+              <a:t>Why this is useful?</a:t>
+            </a:r>
+          </a:p>
+          <a:p>
+            <a:pPr marL="457200" indent="-298450"/>
+            <a:r>
+              <a:rPr lang="en-US" altLang="zh-CN" dirty="0"/>
+              <a:t>One use case: there’s always a cost to make a system more robust!</a:t>
+            </a:r>
+          </a:p>
+          <a:p>
+            <a:pPr marL="457200" indent="-298450"/>
+            <a:r>
+              <a:rPr lang="en-US" altLang="zh-CN" dirty="0"/>
+              <a:t>In the coffee machine example,</a:t>
+            </a:r>
+          </a:p>
+          <a:p>
+            <a:pPr marL="457200" indent="-298450"/>
+            <a:r>
+              <a:rPr lang="en-US" altLang="zh-CN" dirty="0"/>
+              <a:t>what kind of human error we’d like to prevent?</a:t>
+            </a:r>
+            <a:r>
+              <a:rPr lang="zh-CN" altLang="en-US" dirty="0"/>
+              <a:t> </a:t>
+            </a:r>
+            <a:r>
+              <a:rPr lang="en-US" altLang="zh-CN" dirty="0"/>
+              <a:t>Forgetting to place the mug seems not a valuable error to invest on.</a:t>
+            </a:r>
+          </a:p>
+          <a:p>
+            <a:pPr marL="457200" indent="-298450"/>
+            <a:r>
+              <a:rPr lang="en-US" altLang="zh-CN" dirty="0"/>
+              <a:t>Is the design consistent with our intention? Do we address all the errors we’d like to deal with?</a:t>
+            </a:r>
+          </a:p>
+        </p:txBody>
+      </p:sp>
+    </p:spTree>
+    <p:extLst>
+      <p:ext uri="{BB962C8B-B14F-4D97-AF65-F5344CB8AC3E}">
+        <p14:creationId xmlns:p14="http://schemas.microsoft.com/office/powerpoint/2010/main" val="1883646462"/>
+      </p:ext>
+    </p:extLst>
+  </p:cSld>
+  <p:clrMapOvr>
+    <a:masterClrMapping/>
+  </p:clrMapOvr>
+</p:notes>
+</file>
+
+<file path=ppt/notesSlides/notesSlide22.xml><?xml version="1.0" encoding="utf-8"?>
+<p:notes xmlns:a="http://schemas.openxmlformats.org/drawingml/2006/main" xmlns:r="http://schemas.openxmlformats.org/officeDocument/2006/relationships" xmlns:p="http://schemas.openxmlformats.org/presentationml/2006/main">
+  <p:cSld>
+    <p:spTree>
+      <p:nvGrpSpPr>
+        <p:cNvPr id="1" name=""/>
+        <p:cNvGrpSpPr/>
+        <p:nvPr/>
+      </p:nvGrpSpPr>
+      <p:grpSpPr>
+        <a:xfrm>
+          <a:off x="0" y="0"/>
+          <a:ext cx="0" cy="0"/>
+          <a:chOff x="0" y="0"/>
+          <a:chExt cx="0" cy="0"/>
+        </a:xfrm>
+      </p:grpSpPr>
+      <p:sp>
+        <p:nvSpPr>
+          <p:cNvPr id="2" name="Slide Image Placeholder 1"/>
+          <p:cNvSpPr>
+            <a:spLocks noGrp="1" noRot="1" noChangeAspect="1"/>
+          </p:cNvSpPr>
+          <p:nvPr>
+            <p:ph type="sldImg"/>
+          </p:nvPr>
+        </p:nvSpPr>
+        <p:spPr>
+          <a:xfrm>
+            <a:off x="381000" y="685800"/>
+            <a:ext cx="6096000" cy="3429000"/>
+          </a:xfrm>
+        </p:spPr>
+      </p:sp>
+      <p:sp>
+        <p:nvSpPr>
+          <p:cNvPr id="3" name="Notes Placeholder 2"/>
+          <p:cNvSpPr>
+            <a:spLocks noGrp="1"/>
+          </p:cNvSpPr>
+          <p:nvPr>
+            <p:ph type="body" idx="1"/>
+          </p:nvPr>
+        </p:nvSpPr>
+        <p:spPr/>
+        <p:txBody>
+          <a:bodyPr/>
+          <a:lstStyle/>
+          <a:p>
             <a:r>
               <a:rPr lang="en-US" altLang="zh-CN" dirty="0"/>
               <a:t>EOFM is a human task model, it describes that to complete a task, what a human operator should do, when they should perform an action, and when the action is done.</a:t>
@@ -7545,7 +7517,7 @@
 </p:notes>
 </file>
 
-<file path=ppt/notesSlides/notesSlide22.xml><?xml version="1.0" encoding="utf-8"?>
+<file path=ppt/notesSlides/notesSlide23.xml><?xml version="1.0" encoding="utf-8"?>
 <p:notes xmlns:a="http://schemas.openxmlformats.org/drawingml/2006/main" xmlns:r="http://schemas.openxmlformats.org/officeDocument/2006/relationships" xmlns:p="http://schemas.openxmlformats.org/presentationml/2006/main">
   <p:cSld>
     <p:spTree>
@@ -7978,31 +7950,60 @@
           </a:bodyPr>
           <a:lstStyle/>
           <a:p>
-            <a:pPr marL="0" lvl="0" indent="0" algn="l" rtl="0">
+            <a:pPr marL="171450" lvl="0" indent="-171450" algn="l" rtl="0">
               <a:spcBef>
                 <a:spcPts val="0"/>
               </a:spcBef>
               <a:spcAft>
                 <a:spcPts val="0"/>
               </a:spcAft>
-              <a:buNone/>
             </a:pPr>
             <a:r>
-              <a:rPr lang="en-US" dirty="0" smtClean="0"/>
+              <a:rPr lang="en-US" dirty="0"/>
               <a:t>In</a:t>
             </a:r>
             <a:r>
-              <a:rPr lang="en-US" baseline="0" dirty="0" smtClean="0"/>
-              <a:t> fuzz testing/chaos engineering just randomize input or </a:t>
+              <a:rPr lang="en-US" baseline="0" dirty="0"/>
+              <a:t> fuzz testing/chaos engineering just randomize input or env to fail the system.</a:t>
             </a:r>
+          </a:p>
+          <a:p>
+            <a:pPr marL="171450" lvl="0" indent="-171450" algn="l" rtl="0">
+              <a:spcBef>
+                <a:spcPts val="0"/>
+              </a:spcBef>
+              <a:spcAft>
+                <a:spcPts val="0"/>
+              </a:spcAft>
+            </a:pPr>
             <a:r>
-              <a:rPr lang="en-US" baseline="0" dirty="0" err="1" smtClean="0"/>
-              <a:t>env</a:t>
+              <a:rPr lang="en-US" baseline="0" dirty="0"/>
+              <a:t>Cannot say lower error rate refers to a more robust system,</a:t>
             </a:r>
+          </a:p>
+          <a:p>
+            <a:pPr marL="171450" lvl="0" indent="-171450" algn="l" rtl="0">
+              <a:spcBef>
+                <a:spcPts val="0"/>
+              </a:spcBef>
+              <a:spcAft>
+                <a:spcPts val="0"/>
+              </a:spcAft>
+            </a:pPr>
             <a:r>
-              <a:rPr lang="en-US" baseline="0" dirty="0" smtClean="0"/>
-              <a:t> to fail the system.</a:t>
+              <a:rPr lang="en-US" baseline="0" dirty="0"/>
+              <a:t>Also, cannot tell what kind of errors the system can handle or not</a:t>
             </a:r>
+          </a:p>
+          <a:p>
+            <a:pPr marL="171450" lvl="0" indent="-171450" algn="l" rtl="0">
+              <a:spcBef>
+                <a:spcPts val="0"/>
+              </a:spcBef>
+              <a:spcAft>
+                <a:spcPts val="0"/>
+              </a:spcAft>
+            </a:pPr>
             <a:endParaRPr lang="en-US" dirty="0"/>
           </a:p>
         </p:txBody>
@@ -8070,17 +8071,17 @@
           <a:lstStyle/>
           <a:p>
             <a:r>
-              <a:rPr lang="en-US" altLang="zh-CN" dirty="0" smtClean="0"/>
+              <a:rPr lang="en-US" altLang="zh-CN" dirty="0"/>
               <a:t>For formal</a:t>
             </a:r>
             <a:r>
-              <a:rPr lang="en-US" altLang="zh-CN" baseline="0" dirty="0" smtClean="0"/>
+              <a:rPr lang="en-US" altLang="zh-CN" baseline="0" dirty="0"/>
               <a:t> methods guys, we build a bridge between requirements and implementation.</a:t>
             </a:r>
           </a:p>
           <a:p>
             <a:r>
-              <a:rPr lang="en-US" altLang="zh-CN" baseline="0" dirty="0" smtClean="0"/>
+              <a:rPr lang="en-US" altLang="zh-CN" baseline="0" dirty="0"/>
               <a:t>And ensure the properties of a system by formal analysis.</a:t>
             </a:r>
             <a:endParaRPr lang="zh-CN" altLang="en-US" dirty="0"/>
@@ -8101,67 +8102,6 @@
 </file>
 
 <file path=ppt/notesSlides/notesSlide7.xml><?xml version="1.0" encoding="utf-8"?>
-<p:notes xmlns:a="http://schemas.openxmlformats.org/drawingml/2006/main" xmlns:r="http://schemas.openxmlformats.org/officeDocument/2006/relationships" xmlns:p="http://schemas.openxmlformats.org/presentationml/2006/main">
-  <p:cSld>
-    <p:spTree>
-      <p:nvGrpSpPr>
-        <p:cNvPr id="1" name=""/>
-        <p:cNvGrpSpPr/>
-        <p:nvPr/>
-      </p:nvGrpSpPr>
-      <p:grpSpPr>
-        <a:xfrm>
-          <a:off x="0" y="0"/>
-          <a:ext cx="0" cy="0"/>
-          <a:chOff x="0" y="0"/>
-          <a:chExt cx="0" cy="0"/>
-        </a:xfrm>
-      </p:grpSpPr>
-      <p:sp>
-        <p:nvSpPr>
-          <p:cNvPr id="2" name="Slide Image Placeholder 1"/>
-          <p:cNvSpPr>
-            <a:spLocks noGrp="1" noRot="1" noChangeAspect="1"/>
-          </p:cNvSpPr>
-          <p:nvPr>
-            <p:ph type="sldImg"/>
-          </p:nvPr>
-        </p:nvSpPr>
-        <p:spPr/>
-      </p:sp>
-      <p:sp>
-        <p:nvSpPr>
-          <p:cNvPr id="3" name="Notes Placeholder 2"/>
-          <p:cNvSpPr>
-            <a:spLocks noGrp="1"/>
-          </p:cNvSpPr>
-          <p:nvPr>
-            <p:ph type="body" idx="1"/>
-          </p:nvPr>
-        </p:nvSpPr>
-        <p:spPr/>
-        <p:txBody>
-          <a:bodyPr/>
-          <a:lstStyle/>
-          <a:p>
-            <a:endParaRPr lang="en-US" dirty="0"/>
-          </a:p>
-        </p:txBody>
-      </p:sp>
-    </p:spTree>
-    <p:extLst>
-      <p:ext uri="{BB962C8B-B14F-4D97-AF65-F5344CB8AC3E}">
-        <p14:creationId xmlns:p14="http://schemas.microsoft.com/office/powerpoint/2010/main" val="209170875"/>
-      </p:ext>
-    </p:extLst>
-  </p:cSld>
-  <p:clrMapOvr>
-    <a:masterClrMapping/>
-  </p:clrMapOvr>
-</p:notes>
-</file>
-
-<file path=ppt/notesSlides/notesSlide8.xml><?xml version="1.0" encoding="utf-8"?>
 <p:notes xmlns:a="http://schemas.openxmlformats.org/drawingml/2006/main" xmlns:r="http://schemas.openxmlformats.org/officeDocument/2006/relationships" xmlns:p="http://schemas.openxmlformats.org/presentationml/2006/main">
   <p:cSld>
     <p:spTree>
@@ -8211,29 +8151,78 @@
           <a:lstStyle/>
           <a:p>
             <a:r>
-              <a:rPr lang="en-US" dirty="0" smtClean="0"/>
-              <a:t>Give</a:t>
+              <a:rPr lang="en-US" altLang="zh-CN" dirty="0"/>
+              <a:t>For instance, when design a communication protocol</a:t>
             </a:r>
-            <a:r>
-              <a:rPr lang="en-US" baseline="0" dirty="0" smtClean="0"/>
-              <a:t> one or two </a:t>
-            </a:r>
-            <a:r>
-              <a:rPr lang="en-US" baseline="0" dirty="0" err="1" smtClean="0"/>
-              <a:t>exmples</a:t>
-            </a:r>
-            <a:r>
-              <a:rPr lang="en-US" baseline="0" dirty="0" smtClean="0"/>
-              <a:t>.</a:t>
-            </a:r>
-            <a:endParaRPr lang="en-US" dirty="0"/>
+            <a:endParaRPr lang="zh-CN" altLang="en-US" dirty="0"/>
           </a:p>
         </p:txBody>
       </p:sp>
     </p:spTree>
     <p:extLst>
       <p:ext uri="{BB962C8B-B14F-4D97-AF65-F5344CB8AC3E}">
-        <p14:creationId xmlns:p14="http://schemas.microsoft.com/office/powerpoint/2010/main" val="2149993869"/>
+        <p14:creationId xmlns:p14="http://schemas.microsoft.com/office/powerpoint/2010/main" val="507233868"/>
+      </p:ext>
+    </p:extLst>
+  </p:cSld>
+  <p:clrMapOvr>
+    <a:masterClrMapping/>
+  </p:clrMapOvr>
+</p:notes>
+</file>
+
+<file path=ppt/notesSlides/notesSlide8.xml><?xml version="1.0" encoding="utf-8"?>
+<p:notes xmlns:a="http://schemas.openxmlformats.org/drawingml/2006/main" xmlns:r="http://schemas.openxmlformats.org/officeDocument/2006/relationships" xmlns:p="http://schemas.openxmlformats.org/presentationml/2006/main">
+  <p:cSld>
+    <p:spTree>
+      <p:nvGrpSpPr>
+        <p:cNvPr id="1" name=""/>
+        <p:cNvGrpSpPr/>
+        <p:nvPr/>
+      </p:nvGrpSpPr>
+      <p:grpSpPr>
+        <a:xfrm>
+          <a:off x="0" y="0"/>
+          <a:ext cx="0" cy="0"/>
+          <a:chOff x="0" y="0"/>
+          <a:chExt cx="0" cy="0"/>
+        </a:xfrm>
+      </p:grpSpPr>
+      <p:sp>
+        <p:nvSpPr>
+          <p:cNvPr id="2" name="Slide Image Placeholder 1"/>
+          <p:cNvSpPr>
+            <a:spLocks noGrp="1" noRot="1" noChangeAspect="1"/>
+          </p:cNvSpPr>
+          <p:nvPr>
+            <p:ph type="sldImg"/>
+          </p:nvPr>
+        </p:nvSpPr>
+        <p:spPr/>
+      </p:sp>
+      <p:sp>
+        <p:nvSpPr>
+          <p:cNvPr id="3" name="Notes Placeholder 2"/>
+          <p:cNvSpPr>
+            <a:spLocks noGrp="1"/>
+          </p:cNvSpPr>
+          <p:nvPr>
+            <p:ph type="body" idx="1"/>
+          </p:nvPr>
+        </p:nvSpPr>
+        <p:spPr/>
+        <p:txBody>
+          <a:bodyPr/>
+          <a:lstStyle/>
+          <a:p>
+            <a:endParaRPr lang="en-US" dirty="0"/>
+          </a:p>
+        </p:txBody>
+      </p:sp>
+    </p:spTree>
+    <p:extLst>
+      <p:ext uri="{BB962C8B-B14F-4D97-AF65-F5344CB8AC3E}">
+        <p14:creationId xmlns:p14="http://schemas.microsoft.com/office/powerpoint/2010/main" val="209170875"/>
       </p:ext>
     </p:extLst>
   </p:cSld>
@@ -8293,31 +8282,29 @@
           <a:lstStyle/>
           <a:p>
             <a:r>
-              <a:rPr lang="en-US" altLang="zh-CN" dirty="0"/>
-              <a:t>Basically, an LTS describes a state </a:t>
+              <a:rPr lang="en-US" dirty="0"/>
+              <a:t>Give</a:t>
             </a:r>
             <a:r>
-              <a:rPr lang="en-US" altLang="zh-CN" dirty="0" smtClean="0"/>
-              <a:t>machine</a:t>
-            </a:r>
-          </a:p>
-          <a:p>
-            <a:r>
-              <a:rPr lang="en-US" altLang="zh-CN" dirty="0" smtClean="0"/>
-              <a:t>For</a:t>
+              <a:rPr lang="en-US" baseline="0" dirty="0"/>
+              <a:t> one or two </a:t>
             </a:r>
             <a:r>
-              <a:rPr lang="en-US" altLang="zh-CN" baseline="0" dirty="0" smtClean="0"/>
-              <a:t> events start with h, it refers to an event by a user.</a:t>
+              <a:rPr lang="en-US" baseline="0" dirty="0" err="1"/>
+              <a:t>exmples</a:t>
             </a:r>
-            <a:endParaRPr lang="zh-CN" altLang="en-US" dirty="0"/>
+            <a:r>
+              <a:rPr lang="en-US" baseline="0" dirty="0"/>
+              <a:t>.</a:t>
+            </a:r>
+            <a:endParaRPr lang="en-US" dirty="0"/>
           </a:p>
         </p:txBody>
       </p:sp>
     </p:spTree>
     <p:extLst>
       <p:ext uri="{BB962C8B-B14F-4D97-AF65-F5344CB8AC3E}">
-        <p14:creationId xmlns:p14="http://schemas.microsoft.com/office/powerpoint/2010/main" val="1547276267"/>
+        <p14:creationId xmlns:p14="http://schemas.microsoft.com/office/powerpoint/2010/main" val="2149993869"/>
       </p:ext>
     </p:extLst>
   </p:cSld>
@@ -13736,13 +13723,6 @@
   <p:clrMapOvr>
     <a:masterClrMapping/>
   </p:clrMapOvr>
-  <p:timing>
-    <p:tnLst>
-      <p:par>
-        <p:cTn id="1" dur="indefinite" restart="never" nodeType="tmRoot"/>
-      </p:par>
-    </p:tnLst>
-  </p:timing>
 </p:sld>
 </file>
 
@@ -13779,10 +13759,9 @@
           <a:lstStyle/>
           <a:p>
             <a:r>
-              <a:rPr lang="en-US" dirty="0" smtClean="0"/>
+              <a:rPr lang="en-US" dirty="0"/>
               <a:t>Approach Overview</a:t>
             </a:r>
-            <a:endParaRPr lang="en-US" dirty="0"/>
           </a:p>
         </p:txBody>
       </p:sp>
@@ -13853,10 +13832,9 @@
           <a:p>
             <a:pPr algn="ctr"/>
             <a:r>
-              <a:rPr lang="en-US" sz="1200" dirty="0" smtClean="0"/>
+              <a:rPr lang="en-US" sz="1200" dirty="0"/>
               <a:t>System Behavior Model</a:t>
             </a:r>
-            <a:endParaRPr lang="en-US" sz="1200" dirty="0"/>
           </a:p>
         </p:txBody>
       </p:sp>
@@ -13895,10 +13873,9 @@
           <a:p>
             <a:pPr algn="ctr"/>
             <a:r>
-              <a:rPr lang="en-US" sz="1200" dirty="0" smtClean="0"/>
+              <a:rPr lang="en-US" sz="1200" dirty="0"/>
               <a:t>Environment Behavior Model</a:t>
             </a:r>
-            <a:endParaRPr lang="en-US" sz="1200" dirty="0"/>
           </a:p>
         </p:txBody>
       </p:sp>
@@ -13937,10 +13914,9 @@
           <a:p>
             <a:pPr algn="ctr"/>
             <a:r>
-              <a:rPr lang="en-US" sz="1200" dirty="0" smtClean="0"/>
+              <a:rPr lang="en-US" sz="1200" dirty="0"/>
               <a:t>Properties</a:t>
             </a:r>
-            <a:endParaRPr lang="en-US" sz="1200" dirty="0"/>
           </a:p>
         </p:txBody>
       </p:sp>
@@ -13979,10 +13955,9 @@
           <a:p>
             <a:pPr algn="ctr"/>
             <a:r>
-              <a:rPr lang="en-US" sz="1200" dirty="0" smtClean="0"/>
+              <a:rPr lang="en-US" sz="1200" dirty="0"/>
               <a:t>Robustness Computer</a:t>
             </a:r>
-            <a:endParaRPr lang="en-US" sz="1200" dirty="0"/>
           </a:p>
         </p:txBody>
       </p:sp>
@@ -14021,10 +13996,9 @@
           <a:p>
             <a:pPr algn="ctr"/>
             <a:r>
-              <a:rPr lang="en-US" sz="1200" dirty="0" smtClean="0"/>
+              <a:rPr lang="en-US" sz="1200" dirty="0"/>
               <a:t>Errors/ Deviations can handle</a:t>
             </a:r>
-            <a:endParaRPr lang="en-US" sz="1200" dirty="0"/>
           </a:p>
         </p:txBody>
       </p:sp>
@@ -14063,10 +14037,9 @@
           <a:p>
             <a:pPr algn="ctr"/>
             <a:r>
-              <a:rPr lang="en-US" sz="1200" dirty="0" smtClean="0"/>
+              <a:rPr lang="en-US" sz="1200" dirty="0"/>
               <a:t>Existing Fault/Error Models</a:t>
             </a:r>
-            <a:endParaRPr lang="en-US" sz="1200" dirty="0"/>
           </a:p>
         </p:txBody>
       </p:sp>
@@ -14105,10 +14078,9 @@
           <a:p>
             <a:pPr algn="ctr"/>
             <a:r>
-              <a:rPr lang="en-US" sz="1200" dirty="0" smtClean="0"/>
+              <a:rPr lang="en-US" sz="1200" dirty="0"/>
               <a:t>A Profile of System Robustness</a:t>
             </a:r>
-            <a:endParaRPr lang="en-US" sz="1200" dirty="0"/>
           </a:p>
         </p:txBody>
       </p:sp>
@@ -14395,10 +14367,9 @@
           <a:p>
             <a:pPr algn="ctr"/>
             <a:r>
-              <a:rPr lang="en-US" dirty="0" smtClean="0"/>
-              <a:t>How to represent robustness from such errors and deviations?</a:t>
+              <a:rPr lang="en-US" dirty="0"/>
+              <a:t>How to map such errors/deviations to existing fault models?</a:t>
             </a:r>
-            <a:endParaRPr lang="en-US" dirty="0"/>
           </a:p>
         </p:txBody>
       </p:sp>
@@ -14526,10 +14497,9 @@
           <a:lstStyle/>
           <a:p>
             <a:r>
-              <a:rPr lang="en-US" dirty="0" smtClean="0"/>
+              <a:rPr lang="en-US" dirty="0"/>
               <a:t>Where are we?</a:t>
             </a:r>
-            <a:endParaRPr lang="en-US" dirty="0"/>
           </a:p>
         </p:txBody>
       </p:sp>
@@ -14600,10 +14570,9 @@
           <a:p>
             <a:pPr algn="ctr"/>
             <a:r>
-              <a:rPr lang="en-US" sz="1200" dirty="0" smtClean="0"/>
+              <a:rPr lang="en-US" sz="1200" dirty="0"/>
               <a:t>System Behavior Model</a:t>
             </a:r>
-            <a:endParaRPr lang="en-US" sz="1200" dirty="0"/>
           </a:p>
         </p:txBody>
       </p:sp>
@@ -14642,10 +14611,9 @@
           <a:p>
             <a:pPr algn="ctr"/>
             <a:r>
-              <a:rPr lang="en-US" sz="1200" dirty="0" smtClean="0"/>
+              <a:rPr lang="en-US" sz="1200" dirty="0"/>
               <a:t>Environment Behavior Model</a:t>
             </a:r>
-            <a:endParaRPr lang="en-US" sz="1200" dirty="0"/>
           </a:p>
         </p:txBody>
       </p:sp>
@@ -14684,10 +14652,9 @@
           <a:p>
             <a:pPr algn="ctr"/>
             <a:r>
-              <a:rPr lang="en-US" sz="1200" dirty="0" smtClean="0"/>
+              <a:rPr lang="en-US" sz="1200" dirty="0"/>
               <a:t>Properties</a:t>
             </a:r>
-            <a:endParaRPr lang="en-US" sz="1200" dirty="0"/>
           </a:p>
         </p:txBody>
       </p:sp>
@@ -14726,10 +14693,9 @@
           <a:p>
             <a:pPr algn="ctr"/>
             <a:r>
-              <a:rPr lang="en-US" sz="1200" dirty="0" smtClean="0"/>
+              <a:rPr lang="en-US" sz="1200" dirty="0"/>
               <a:t>Robustness Computer</a:t>
             </a:r>
-            <a:endParaRPr lang="en-US" sz="1200" dirty="0"/>
           </a:p>
         </p:txBody>
       </p:sp>
@@ -14768,10 +14734,9 @@
           <a:p>
             <a:pPr algn="ctr"/>
             <a:r>
-              <a:rPr lang="en-US" sz="1200" dirty="0" smtClean="0"/>
+              <a:rPr lang="en-US" sz="1200" dirty="0"/>
               <a:t>Errors/ Deviations can handle</a:t>
             </a:r>
-            <a:endParaRPr lang="en-US" sz="1200" dirty="0"/>
           </a:p>
         </p:txBody>
       </p:sp>
@@ -14810,10 +14775,9 @@
           <a:p>
             <a:pPr algn="ctr"/>
             <a:r>
-              <a:rPr lang="en-US" sz="1200" dirty="0" smtClean="0"/>
+              <a:rPr lang="en-US" sz="1200" dirty="0"/>
               <a:t>Existing Fault/Error Models</a:t>
             </a:r>
-            <a:endParaRPr lang="en-US" sz="1200" dirty="0"/>
           </a:p>
         </p:txBody>
       </p:sp>
@@ -14852,10 +14816,9 @@
           <a:p>
             <a:pPr algn="ctr"/>
             <a:r>
-              <a:rPr lang="en-US" sz="1200" dirty="0" smtClean="0"/>
+              <a:rPr lang="en-US" sz="1200" dirty="0"/>
               <a:t>A Profile of System Robustness</a:t>
             </a:r>
-            <a:endParaRPr lang="en-US" sz="1200" dirty="0"/>
           </a:p>
         </p:txBody>
       </p:sp>
@@ -15097,10 +15060,9 @@
           <a:p>
             <a:pPr algn="ctr"/>
             <a:r>
-              <a:rPr lang="en-US" dirty="0" smtClean="0"/>
+              <a:rPr lang="en-US" dirty="0"/>
               <a:t>How to model these behaviors?</a:t>
             </a:r>
-            <a:endParaRPr lang="en-US" dirty="0"/>
           </a:p>
         </p:txBody>
       </p:sp>
@@ -15159,13 +15121,6 @@
   <p:clrMapOvr>
     <a:masterClrMapping/>
   </p:clrMapOvr>
-  <p:timing>
-    <p:tnLst>
-      <p:par>
-        <p:cTn id="1" dur="indefinite" restart="never" nodeType="tmRoot"/>
-      </p:par>
-    </p:tnLst>
-  </p:timing>
 </p:sld>
 </file>
 
@@ -15249,13 +15204,8 @@
           <a:p>
             <a:r>
               <a:rPr lang="en-US" altLang="zh-CN" dirty="0"/>
-              <a:t>Environment: </a:t>
+              <a:t>Environment: Users.</a:t>
             </a:r>
-            <a:r>
-              <a:rPr lang="en-US" altLang="zh-CN" dirty="0" smtClean="0"/>
-              <a:t>Users.</a:t>
-            </a:r>
-            <a:endParaRPr lang="en-US" altLang="zh-CN" dirty="0"/>
           </a:p>
           <a:p>
             <a:endParaRPr lang="en-US" altLang="zh-CN" dirty="0"/>
@@ -15270,23 +15220,14 @@
             <a:pPr lvl="1"/>
             <a:r>
               <a:rPr lang="en-US" altLang="zh-CN" sz="1600" dirty="0"/>
-              <a:t>Safety Property: the system should not do </a:t>
+              <a:t>Safety Property: the system should not do something bad.</a:t>
             </a:r>
-            <a:r>
-              <a:rPr lang="en-US" altLang="zh-CN" sz="1600" dirty="0" smtClean="0"/>
-              <a:t>something bad.</a:t>
-            </a:r>
-            <a:endParaRPr lang="en-US" altLang="zh-CN" sz="1600" dirty="0"/>
           </a:p>
           <a:p>
             <a:pPr lvl="1"/>
             <a:r>
               <a:rPr lang="en-US" altLang="zh-CN" sz="1600" dirty="0"/>
-              <a:t>Liveness Property: the system should do </a:t>
-            </a:r>
-            <a:r>
-              <a:rPr lang="en-US" altLang="zh-CN" sz="1600" dirty="0" smtClean="0"/>
-              <a:t>something good.</a:t>
+              <a:t>Liveness Property: the system should do something good.</a:t>
             </a:r>
             <a:endParaRPr lang="zh-CN" altLang="en-US" sz="1600" dirty="0"/>
           </a:p>
@@ -15369,13 +15310,6 @@
   <p:clrMapOvr>
     <a:masterClrMapping/>
   </p:clrMapOvr>
-  <p:timing>
-    <p:tnLst>
-      <p:par>
-        <p:cTn id="1" dur="indefinite" restart="never" nodeType="tmRoot"/>
-      </p:par>
-    </p:tnLst>
-  </p:timing>
 </p:sld>
 </file>
 
@@ -15616,13 +15550,6 @@
   <p:clrMapOvr>
     <a:masterClrMapping/>
   </p:clrMapOvr>
-  <p:timing>
-    <p:tnLst>
-      <p:par>
-        <p:cTn id="1" dur="indefinite" restart="never" nodeType="tmRoot"/>
-      </p:par>
-    </p:tnLst>
-  </p:timing>
 </p:sld>
 </file>
 
@@ -15927,13 +15854,6 @@
   <p:clrMapOvr>
     <a:masterClrMapping/>
   </p:clrMapOvr>
-  <p:timing>
-    <p:tnLst>
-      <p:par>
-        <p:cTn id="1" dur="indefinite" restart="never" nodeType="tmRoot"/>
-      </p:par>
-    </p:tnLst>
-  </p:timing>
 </p:sld>
 </file>
 
@@ -16323,13 +16243,6 @@
   <p:clrMapOvr>
     <a:masterClrMapping/>
   </p:clrMapOvr>
-  <p:timing>
-    <p:tnLst>
-      <p:par>
-        <p:cTn id="1" dur="indefinite" restart="never" nodeType="tmRoot"/>
-      </p:par>
-    </p:tnLst>
-  </p:timing>
 </p:sld>
 </file>
 
@@ -16576,13 +16489,6 @@
   <p:clrMapOvr>
     <a:masterClrMapping/>
   </p:clrMapOvr>
-  <p:timing>
-    <p:tnLst>
-      <p:par>
-        <p:cTn id="1" dur="indefinite" restart="never" nodeType="tmRoot"/>
-      </p:par>
-    </p:tnLst>
-  </p:timing>
 </p:sld>
 </file>
 
@@ -16724,11 +16630,11 @@
               <a:t>E.g., </a:t>
             </a:r>
             <a:r>
-              <a:rPr lang="en-US" altLang="zh-CN" b="1" i="1" dirty="0" smtClean="0"/>
+              <a:rPr lang="en-US" altLang="zh-CN" b="1" i="1" dirty="0"/>
               <a:t>brew only when the mug is placed</a:t>
             </a:r>
             <a:r>
-              <a:rPr lang="en-US" altLang="zh-CN" dirty="0" smtClean="0"/>
+              <a:rPr lang="en-US" altLang="zh-CN" dirty="0"/>
               <a:t>.</a:t>
             </a:r>
             <a:endParaRPr lang="zh-CN" altLang="en-US" dirty="0"/>
@@ -16818,13 +16724,6 @@
   <p:clrMapOvr>
     <a:masterClrMapping/>
   </p:clrMapOvr>
-  <p:timing>
-    <p:tnLst>
-      <p:par>
-        <p:cTn id="1" dur="indefinite" restart="never" nodeType="tmRoot"/>
-      </p:par>
-    </p:tnLst>
-  </p:timing>
 </p:sld>
 </file>
 
@@ -16966,12 +16865,8 @@
               <a:t>E.g., </a:t>
             </a:r>
             <a:r>
-              <a:rPr lang="en-US" altLang="zh-CN" b="1" i="1" dirty="0" smtClean="0"/>
-              <a:t>brew </a:t>
-            </a:r>
-            <a:r>
               <a:rPr lang="en-US" altLang="zh-CN" b="1" i="1" dirty="0"/>
-              <a:t>only when the mug is placed</a:t>
+              <a:t>brew only when the mug is placed</a:t>
             </a:r>
             <a:r>
               <a:rPr lang="en-US" altLang="zh-CN" dirty="0"/>
@@ -17114,13 +17009,6 @@
   <p:clrMapOvr>
     <a:masterClrMapping/>
   </p:clrMapOvr>
-  <p:timing>
-    <p:tnLst>
-      <p:par>
-        <p:cTn id="1" dur="indefinite" restart="never" nodeType="tmRoot"/>
-      </p:par>
-    </p:tnLst>
-  </p:timing>
 </p:sld>
 </file>
 
@@ -17358,13 +17246,6 @@
   <p:clrMapOvr>
     <a:masterClrMapping/>
   </p:clrMapOvr>
-  <p:timing>
-    <p:tnLst>
-      <p:par>
-        <p:cTn id="1" dur="indefinite" restart="never" nodeType="tmRoot"/>
-      </p:par>
-    </p:tnLst>
-  </p:timing>
 </p:sld>
 </file>
 
@@ -17527,13 +17408,6 @@
   <p:clrMapOvr>
     <a:masterClrMapping/>
   </p:clrMapOvr>
-  <p:timing>
-    <p:tnLst>
-      <p:par>
-        <p:cTn id="1" dur="indefinite" restart="never" nodeType="tmRoot"/>
-      </p:par>
-    </p:tnLst>
-  </p:timing>
 </p:sld>
 </file>
 
@@ -17720,13 +17594,6 @@
   <p:clrMapOvr>
     <a:masterClrMapping/>
   </p:clrMapOvr>
-  <p:timing>
-    <p:tnLst>
-      <p:par>
-        <p:cTn id="1" dur="indefinite" restart="never" nodeType="tmRoot"/>
-      </p:par>
-    </p:tnLst>
-  </p:timing>
 </p:sld>
 </file>
 
@@ -17913,13 +17780,6 @@
   <p:clrMapOvr>
     <a:masterClrMapping/>
   </p:clrMapOvr>
-  <p:timing>
-    <p:tnLst>
-      <p:par>
-        <p:cTn id="1" dur="indefinite" restart="never" nodeType="tmRoot"/>
-      </p:par>
-    </p:tnLst>
-  </p:timing>
 </p:sld>
 </file>
 
@@ -18106,13 +17966,6 @@
   <p:clrMapOvr>
     <a:masterClrMapping/>
   </p:clrMapOvr>
-  <p:timing>
-    <p:tnLst>
-      <p:par>
-        <p:cTn id="1" dur="indefinite" restart="never" nodeType="tmRoot"/>
-      </p:par>
-    </p:tnLst>
-  </p:timing>
 </p:sld>
 </file>
 
@@ -18299,13 +18152,6 @@
   <p:clrMapOvr>
     <a:masterClrMapping/>
   </p:clrMapOvr>
-  <p:timing>
-    <p:tnLst>
-      <p:par>
-        <p:cTn id="1" dur="indefinite" restart="never" nodeType="tmRoot"/>
-      </p:par>
-    </p:tnLst>
-  </p:timing>
 </p:sld>
 </file>
 
@@ -18527,7 +18373,7 @@
           <a:p>
             <a:pPr algn="ctr"/>
             <a:r>
-              <a:rPr lang="en-US" altLang="zh-CN" sz="1800" dirty="0" smtClean="0"/>
+              <a:rPr lang="en-US" altLang="zh-CN" sz="1800" dirty="0"/>
               <a:t>Brewing when NO mug is placed!!!</a:t>
             </a:r>
             <a:endParaRPr lang="zh-CN" altLang="en-US" sz="1800" dirty="0"/>
@@ -18544,13 +18390,6 @@
   <p:clrMapOvr>
     <a:masterClrMapping/>
   </p:clrMapOvr>
-  <p:timing>
-    <p:tnLst>
-      <p:par>
-        <p:cTn id="1" dur="indefinite" restart="never" nodeType="tmRoot"/>
-      </p:par>
-    </p:tnLst>
-  </p:timing>
 </p:sld>
 </file>
 
@@ -18587,10 +18426,9 @@
           <a:lstStyle/>
           <a:p>
             <a:r>
-              <a:rPr lang="en-US" dirty="0" smtClean="0"/>
+              <a:rPr lang="en-US" dirty="0"/>
               <a:t>Where are we?</a:t>
             </a:r>
-            <a:endParaRPr lang="en-US" dirty="0"/>
           </a:p>
         </p:txBody>
       </p:sp>
@@ -18661,10 +18499,9 @@
           <a:p>
             <a:pPr algn="ctr"/>
             <a:r>
-              <a:rPr lang="en-US" sz="1200" dirty="0" smtClean="0"/>
+              <a:rPr lang="en-US" sz="1200" dirty="0"/>
               <a:t>System Behavior Model</a:t>
             </a:r>
-            <a:endParaRPr lang="en-US" sz="1200" dirty="0"/>
           </a:p>
         </p:txBody>
       </p:sp>
@@ -18703,10 +18540,9 @@
           <a:p>
             <a:pPr algn="ctr"/>
             <a:r>
-              <a:rPr lang="en-US" sz="1200" dirty="0" smtClean="0"/>
+              <a:rPr lang="en-US" sz="1200" dirty="0"/>
               <a:t>Environment Behavior Model</a:t>
             </a:r>
-            <a:endParaRPr lang="en-US" sz="1200" dirty="0"/>
           </a:p>
         </p:txBody>
       </p:sp>
@@ -18745,10 +18581,9 @@
           <a:p>
             <a:pPr algn="ctr"/>
             <a:r>
-              <a:rPr lang="en-US" sz="1200" dirty="0" smtClean="0"/>
+              <a:rPr lang="en-US" sz="1200" dirty="0"/>
               <a:t>Properties</a:t>
             </a:r>
-            <a:endParaRPr lang="en-US" sz="1200" dirty="0"/>
           </a:p>
         </p:txBody>
       </p:sp>
@@ -18787,10 +18622,9 @@
           <a:p>
             <a:pPr algn="ctr"/>
             <a:r>
-              <a:rPr lang="en-US" sz="1200" dirty="0" smtClean="0"/>
+              <a:rPr lang="en-US" sz="1200" dirty="0"/>
               <a:t>Robustness Computer</a:t>
             </a:r>
-            <a:endParaRPr lang="en-US" sz="1200" dirty="0"/>
           </a:p>
         </p:txBody>
       </p:sp>
@@ -18829,10 +18663,9 @@
           <a:p>
             <a:pPr algn="ctr"/>
             <a:r>
-              <a:rPr lang="en-US" sz="1200" dirty="0" smtClean="0"/>
+              <a:rPr lang="en-US" sz="1200" dirty="0"/>
               <a:t>Errors/ Deviations can handle</a:t>
             </a:r>
-            <a:endParaRPr lang="en-US" sz="1200" dirty="0"/>
           </a:p>
         </p:txBody>
       </p:sp>
@@ -18871,10 +18704,9 @@
           <a:p>
             <a:pPr algn="ctr"/>
             <a:r>
-              <a:rPr lang="en-US" sz="1200" dirty="0" smtClean="0"/>
+              <a:rPr lang="en-US" sz="1200" dirty="0"/>
               <a:t>Existing Fault/Error Models</a:t>
             </a:r>
-            <a:endParaRPr lang="en-US" sz="1200" dirty="0"/>
           </a:p>
         </p:txBody>
       </p:sp>
@@ -18913,10 +18745,9 @@
           <a:p>
             <a:pPr algn="ctr"/>
             <a:r>
-              <a:rPr lang="en-US" sz="1200" dirty="0" smtClean="0"/>
+              <a:rPr lang="en-US" sz="1200" dirty="0"/>
               <a:t>A Profile of System Robustness</a:t>
             </a:r>
-            <a:endParaRPr lang="en-US" sz="1200" dirty="0"/>
           </a:p>
         </p:txBody>
       </p:sp>
@@ -19158,10 +18989,9 @@
           <a:p>
             <a:pPr algn="ctr"/>
             <a:r>
-              <a:rPr lang="en-US" dirty="0" smtClean="0"/>
+              <a:rPr lang="en-US" dirty="0"/>
               <a:t>How to compute the errors/deviations allowed by a system?</a:t>
             </a:r>
-            <a:endParaRPr lang="en-US" dirty="0"/>
           </a:p>
         </p:txBody>
       </p:sp>
@@ -19220,13 +19050,6 @@
   <p:clrMapOvr>
     <a:masterClrMapping/>
   </p:clrMapOvr>
-  <p:timing>
-    <p:tnLst>
-      <p:par>
-        <p:cTn id="1" dur="indefinite" restart="never" nodeType="tmRoot"/>
-      </p:par>
-    </p:tnLst>
-  </p:timing>
 </p:sld>
 </file>
 
@@ -19597,13 +19420,6 @@
   <p:clrMapOvr>
     <a:masterClrMapping/>
   </p:clrMapOvr>
-  <p:timing>
-    <p:tnLst>
-      <p:par>
-        <p:cTn id="1" dur="indefinite" restart="never" nodeType="tmRoot"/>
-      </p:par>
-    </p:tnLst>
-  </p:timing>
 </p:sld>
 </file>
 
@@ -19653,8 +19469,8 @@
           </a:p>
         </p:txBody>
       </p:sp>
-      <mc:AlternateContent xmlns:mc="http://schemas.openxmlformats.org/markup-compatibility/2006">
-        <mc:Choice xmlns:a14="http://schemas.microsoft.com/office/drawing/2010/main" Requires="a14">
+      <mc:AlternateContent xmlns:mc="http://schemas.openxmlformats.org/markup-compatibility/2006" xmlns:a14="http://schemas.microsoft.com/office/drawing/2010/main">
+        <mc:Choice Requires="a14">
           <p:sp>
             <p:nvSpPr>
               <p:cNvPr id="3" name="Text Placeholder 2">
@@ -19685,7 +19501,7 @@
                   <a:buNone/>
                 </a:pPr>
                 <a:r>
-                  <a:rPr lang="en-US" altLang="zh-CN" sz="1600" dirty="0" smtClean="0"/>
+                  <a:rPr lang="en-US" altLang="zh-CN" sz="1600" dirty="0"/>
                   <a:t>Let </a:t>
                 </a:r>
                 <a14:m>
@@ -19818,19 +19634,15 @@
                 <a:pPr marL="114300" indent="0">
                   <a:buNone/>
                 </a:pPr>
-                <a:endParaRPr lang="en-US" altLang="zh-CN" sz="1600" dirty="0" smtClean="0"/>
+                <a:endParaRPr lang="en-US" altLang="zh-CN" sz="1600" dirty="0"/>
               </a:p>
               <a:p>
                 <a:pPr marL="114300" indent="0">
                   <a:buNone/>
                 </a:pPr>
                 <a:r>
-                  <a:rPr lang="en-US" altLang="zh-CN" sz="1600" dirty="0" smtClean="0"/>
-                  <a:t>If it does, then </a:t>
-                </a:r>
-                <a:r>
                   <a:rPr lang="en-US" altLang="zh-CN" sz="1600" dirty="0"/>
-                  <a:t>we say system </a:t>
+                  <a:t>If it does, then we say system </a:t>
                 </a:r>
                 <a14:m>
                   <m:oMath xmlns:m="http://schemas.openxmlformats.org/officeDocument/2006/math">
@@ -19860,7 +19672,7 @@
                   </m:oMath>
                 </a14:m>
                 <a:r>
-                  <a:rPr lang="en-US" altLang="zh-CN" dirty="0" smtClean="0"/>
+                  <a:rPr lang="en-US" altLang="zh-CN" dirty="0"/>
                   <a:t>,</a:t>
                 </a:r>
                 <a:endParaRPr lang="zh-CN" altLang="en-US" dirty="0"/>
@@ -19869,17 +19681,16 @@
                 <a:pPr marL="114300" indent="0">
                   <a:buNone/>
                 </a:pPr>
-                <a:endParaRPr lang="en-US" altLang="zh-CN" sz="1600" dirty="0" smtClean="0"/>
+                <a:endParaRPr lang="en-US" altLang="zh-CN" sz="1600" dirty="0"/>
               </a:p>
               <a:p>
                 <a:pPr marL="114300" indent="0">
                   <a:buNone/>
                 </a:pPr>
                 <a:r>
-                  <a:rPr lang="en-US" altLang="zh-CN" sz="1600" dirty="0" smtClean="0"/>
+                  <a:rPr lang="en-US" altLang="zh-CN" sz="1600" dirty="0"/>
                   <a:t>where </a:t>
                 </a:r>
-                <a:endParaRPr lang="en-US" altLang="zh-CN" sz="1600" dirty="0"/>
               </a:p>
               <a:p>
                 <a:pPr marL="114300" indent="0">
@@ -19890,7 +19701,7 @@
             </p:txBody>
           </p:sp>
         </mc:Choice>
-        <mc:Fallback>
+        <mc:Fallback xmlns="">
           <p:sp>
             <p:nvSpPr>
               <p:cNvPr id="3" name="Text Placeholder 2">
@@ -20102,8 +19913,8 @@
               <a:chExt cx="1880462" cy="821413"/>
             </a:xfrm>
           </p:grpSpPr>
-          <mc:AlternateContent xmlns:mc="http://schemas.openxmlformats.org/markup-compatibility/2006">
-            <mc:Choice xmlns:a14="http://schemas.microsoft.com/office/drawing/2010/main" Requires="a14">
+          <mc:AlternateContent xmlns:mc="http://schemas.openxmlformats.org/markup-compatibility/2006" xmlns:a14="http://schemas.microsoft.com/office/drawing/2010/main">
+            <mc:Choice Requires="a14">
               <p:sp>
                 <p:nvSpPr>
                   <p:cNvPr id="16" name="Freeform 15"/>
@@ -20277,7 +20088,7 @@
                 </p:txBody>
               </p:sp>
             </mc:Choice>
-            <mc:Fallback>
+            <mc:Fallback xmlns="">
               <p:sp>
                 <p:nvSpPr>
                   <p:cNvPr id="16" name="Freeform 15"/>
@@ -20506,8 +20317,8 @@
             </p:txBody>
           </p:sp>
         </p:grpSp>
-        <mc:AlternateContent xmlns:mc="http://schemas.openxmlformats.org/markup-compatibility/2006">
-          <mc:Choice xmlns:a14="http://schemas.microsoft.com/office/drawing/2010/main" Requires="a14">
+        <mc:AlternateContent xmlns:mc="http://schemas.openxmlformats.org/markup-compatibility/2006" xmlns:a14="http://schemas.microsoft.com/office/drawing/2010/main">
+          <mc:Choice Requires="a14">
             <p:sp>
               <p:nvSpPr>
                 <p:cNvPr id="17" name="TextBox 16"/>
@@ -20530,6 +20341,7 @@
                 </a:bodyPr>
                 <a:lstStyle/>
                 <a:p>
+                  <a:pPr/>
                   <a14:m>
                     <m:oMathPara xmlns:m="http://schemas.openxmlformats.org/officeDocument/2006/math">
                       <m:oMathParaPr>
@@ -20581,7 +20393,7 @@
               </p:txBody>
             </p:sp>
           </mc:Choice>
-          <mc:Fallback>
+          <mc:Fallback xmlns="">
             <p:sp>
               <p:nvSpPr>
                 <p:cNvPr id="17" name="TextBox 16"/>
@@ -20631,13 +20443,6 @@
   <p:clrMapOvr>
     <a:masterClrMapping/>
   </p:clrMapOvr>
-  <p:timing>
-    <p:tnLst>
-      <p:par>
-        <p:cTn id="1" dur="indefinite" restart="never" nodeType="tmRoot"/>
-      </p:par>
-    </p:tnLst>
-  </p:timing>
 </p:sld>
 </file>
 
@@ -20687,8 +20492,8 @@
           </a:p>
         </p:txBody>
       </p:sp>
-      <mc:AlternateContent xmlns:mc="http://schemas.openxmlformats.org/markup-compatibility/2006">
-        <mc:Choice xmlns:a14="http://schemas.microsoft.com/office/drawing/2010/main" Requires="a14">
+      <mc:AlternateContent xmlns:mc="http://schemas.openxmlformats.org/markup-compatibility/2006" xmlns:a14="http://schemas.microsoft.com/office/drawing/2010/main">
+        <mc:Choice Requires="a14">
           <p:sp>
             <p:nvSpPr>
               <p:cNvPr id="3" name="Text Placeholder 2">
@@ -20719,7 +20524,7 @@
                   <a:buNone/>
                 </a:pPr>
                 <a:r>
-                  <a:rPr lang="en-US" altLang="zh-CN" sz="1600" dirty="0" smtClean="0"/>
+                  <a:rPr lang="en-US" altLang="zh-CN" sz="1600" dirty="0"/>
                   <a:t>Let </a:t>
                 </a:r>
                 <a14:m>
@@ -20852,19 +20657,15 @@
                 <a:pPr marL="114300" indent="0">
                   <a:buNone/>
                 </a:pPr>
-                <a:endParaRPr lang="en-US" altLang="zh-CN" sz="1600" dirty="0" smtClean="0"/>
+                <a:endParaRPr lang="en-US" altLang="zh-CN" sz="1600" dirty="0"/>
               </a:p>
               <a:p>
                 <a:pPr marL="114300" indent="0">
                   <a:buNone/>
                 </a:pPr>
                 <a:r>
-                  <a:rPr lang="en-US" altLang="zh-CN" sz="1600" dirty="0" smtClean="0"/>
-                  <a:t>If it does, then </a:t>
-                </a:r>
-                <a:r>
                   <a:rPr lang="en-US" altLang="zh-CN" sz="1600" dirty="0"/>
-                  <a:t>we say system </a:t>
+                  <a:t>If it does, then we say system </a:t>
                 </a:r>
                 <a14:m>
                   <m:oMath xmlns:m="http://schemas.openxmlformats.org/officeDocument/2006/math">
@@ -20894,7 +20695,7 @@
                   </m:oMath>
                 </a14:m>
                 <a:r>
-                  <a:rPr lang="en-US" altLang="zh-CN" dirty="0" smtClean="0"/>
+                  <a:rPr lang="en-US" altLang="zh-CN" dirty="0"/>
                   <a:t>,</a:t>
                 </a:r>
                 <a:endParaRPr lang="zh-CN" altLang="en-US" dirty="0"/>
@@ -20903,17 +20704,16 @@
                 <a:pPr marL="114300" indent="0">
                   <a:buNone/>
                 </a:pPr>
-                <a:endParaRPr lang="en-US" altLang="zh-CN" sz="1600" dirty="0" smtClean="0"/>
+                <a:endParaRPr lang="en-US" altLang="zh-CN" sz="1600" dirty="0"/>
               </a:p>
               <a:p>
                 <a:pPr marL="114300" indent="0">
                   <a:buNone/>
                 </a:pPr>
                 <a:r>
-                  <a:rPr lang="en-US" altLang="zh-CN" sz="1600" dirty="0" smtClean="0"/>
+                  <a:rPr lang="en-US" altLang="zh-CN" sz="1600" dirty="0"/>
                   <a:t>where </a:t>
                 </a:r>
-                <a:endParaRPr lang="en-US" altLang="zh-CN" sz="1600" dirty="0"/>
               </a:p>
               <a:p>
                 <a:pPr marL="114300" indent="0">
@@ -20924,7 +20724,7 @@
             </p:txBody>
           </p:sp>
         </mc:Choice>
-        <mc:Fallback>
+        <mc:Fallback xmlns="">
           <p:sp>
             <p:nvSpPr>
               <p:cNvPr id="3" name="Text Placeholder 2">
@@ -21187,8 +20987,8 @@
               <a:chExt cx="1880462" cy="821413"/>
             </a:xfrm>
           </p:grpSpPr>
-          <mc:AlternateContent xmlns:mc="http://schemas.openxmlformats.org/markup-compatibility/2006">
-            <mc:Choice xmlns:a14="http://schemas.microsoft.com/office/drawing/2010/main" Requires="a14">
+          <mc:AlternateContent xmlns:mc="http://schemas.openxmlformats.org/markup-compatibility/2006" xmlns:a14="http://schemas.microsoft.com/office/drawing/2010/main">
+            <mc:Choice Requires="a14">
               <p:sp>
                 <p:nvSpPr>
                   <p:cNvPr id="14" name="Freeform 13"/>
@@ -21362,7 +21162,7 @@
                 </p:txBody>
               </p:sp>
             </mc:Choice>
-            <mc:Fallback>
+            <mc:Fallback xmlns="">
               <p:sp>
                 <p:nvSpPr>
                   <p:cNvPr id="14" name="Freeform 13"/>
@@ -21591,8 +21391,8 @@
             </p:txBody>
           </p:sp>
         </p:grpSp>
-        <mc:AlternateContent xmlns:mc="http://schemas.openxmlformats.org/markup-compatibility/2006">
-          <mc:Choice xmlns:a14="http://schemas.microsoft.com/office/drawing/2010/main" Requires="a14">
+        <mc:AlternateContent xmlns:mc="http://schemas.openxmlformats.org/markup-compatibility/2006" xmlns:a14="http://schemas.microsoft.com/office/drawing/2010/main">
+          <mc:Choice Requires="a14">
             <p:sp>
               <p:nvSpPr>
                 <p:cNvPr id="13" name="TextBox 12"/>
@@ -21615,6 +21415,7 @@
                 </a:bodyPr>
                 <a:lstStyle/>
                 <a:p>
+                  <a:pPr/>
                   <a14:m>
                     <m:oMathPara xmlns:m="http://schemas.openxmlformats.org/officeDocument/2006/math">
                       <m:oMathParaPr>
@@ -21666,7 +21467,7 @@
               </p:txBody>
             </p:sp>
           </mc:Choice>
-          <mc:Fallback>
+          <mc:Fallback xmlns="">
             <p:sp>
               <p:nvSpPr>
                 <p:cNvPr id="13" name="TextBox 12"/>
@@ -21716,13 +21517,6 @@
   <p:clrMapOvr>
     <a:masterClrMapping/>
   </p:clrMapOvr>
-  <p:timing>
-    <p:tnLst>
-      <p:par>
-        <p:cTn id="1" dur="indefinite" restart="never" nodeType="tmRoot"/>
-      </p:par>
-    </p:tnLst>
-  </p:timing>
 </p:sld>
 </file>
 
@@ -21800,21 +21594,8 @@
             </a:pPr>
             <a:r>
               <a:rPr lang="en-US" altLang="zh-CN" sz="1600" dirty="0"/>
-              <a:t>Developers </a:t>
+              <a:t>Developers “over-engineer” a system =&gt; Consider errors/deviations in the real environment compared to the expected.</a:t>
             </a:r>
-            <a:r>
-              <a:rPr lang="en-US" altLang="zh-CN" sz="1600" dirty="0" smtClean="0"/>
-              <a:t>“over-engineer</a:t>
-            </a:r>
-            <a:r>
-              <a:rPr lang="en-US" altLang="zh-CN" sz="1600" dirty="0"/>
-              <a:t>” a </a:t>
-            </a:r>
-            <a:r>
-              <a:rPr lang="en-US" altLang="zh-CN" sz="1600" dirty="0" smtClean="0"/>
-              <a:t>system =&gt; Consider errors/deviations of the real environment compared to the expected.</a:t>
-            </a:r>
-            <a:endParaRPr lang="en-US" altLang="zh-CN" sz="1600" dirty="0"/>
           </a:p>
           <a:p>
             <a:pPr>
@@ -21823,12 +21604,8 @@
               </a:spcAft>
             </a:pPr>
             <a:r>
-              <a:rPr lang="en-US" altLang="zh-CN" sz="1600" dirty="0" smtClean="0"/>
-              <a:t>Developers </a:t>
-            </a:r>
-            <a:r>
               <a:rPr lang="en-US" altLang="zh-CN" sz="1600" dirty="0"/>
-              <a:t>make </a:t>
+              <a:t>Developers make </a:t>
             </a:r>
             <a:r>
               <a:rPr lang="en-US" altLang="zh-CN" sz="1600" b="1" i="1" dirty="0"/>
@@ -21863,13 +21640,8 @@
             </a:r>
             <a:r>
               <a:rPr lang="en-US" altLang="zh-CN" sz="1600" dirty="0"/>
-              <a:t> allowed behavior of </a:t>
+              <a:t> allowed behavior of environment.</a:t>
             </a:r>
-            <a:r>
-              <a:rPr lang="en-US" altLang="zh-CN" sz="1600" dirty="0" smtClean="0"/>
-              <a:t>environment.</a:t>
-            </a:r>
-            <a:endParaRPr lang="en-US" altLang="zh-CN" sz="1600" dirty="0"/>
           </a:p>
           <a:p>
             <a:pPr>
@@ -21882,24 +21654,8 @@
               <a:t>Weakest assumption </a:t>
             </a:r>
             <a:r>
-              <a:rPr lang="en-US" altLang="zh-CN" sz="1600" dirty="0" smtClean="0"/>
-              <a:t>describes</a:t>
-            </a:r>
-            <a:r>
-              <a:rPr lang="en-US" altLang="zh-CN" sz="1600" dirty="0" smtClean="0"/>
-              <a:t> </a:t>
-            </a:r>
-            <a:r>
               <a:rPr lang="en-US" altLang="zh-CN" sz="1600" dirty="0"/>
-              <a:t>all the </a:t>
-            </a:r>
-            <a:r>
-              <a:rPr lang="en-US" altLang="zh-CN" sz="1600" dirty="0" smtClean="0"/>
-              <a:t>behaviors of the environment allowed </a:t>
-            </a:r>
-            <a:r>
-              <a:rPr lang="en-US" altLang="zh-CN" sz="1600" dirty="0"/>
-              <a:t>by the system.</a:t>
+              <a:t>describes all the behaviors of the environment allowed by the system.</a:t>
             </a:r>
           </a:p>
           <a:p>
@@ -21955,13 +21711,6 @@
   <p:clrMapOvr>
     <a:masterClrMapping/>
   </p:clrMapOvr>
-  <p:timing>
-    <p:tnLst>
-      <p:par>
-        <p:cTn id="1" dur="indefinite" restart="never" nodeType="tmRoot"/>
-      </p:par>
-    </p:tnLst>
-  </p:timing>
 </p:sld>
 </file>
 
@@ -22217,18 +21966,6 @@
                     <a:p>
                       <a:pPr algn="ctr"/>
                       <a:r>
-                        <a:rPr lang="en-US" altLang="zh-CN" sz="1600" b="1" i="0" u="none" strike="noStrike" cap="none" dirty="0" smtClean="0">
-                          <a:solidFill>
-                            <a:schemeClr val="dk2"/>
-                          </a:solidFill>
-                          <a:latin typeface="Open Sans Light"/>
-                          <a:ea typeface="Open Sans Light"/>
-                          <a:cs typeface="Open Sans Light"/>
-                          <a:sym typeface="Open Sans Light"/>
-                        </a:rPr>
-                        <a:t>Errs/Diffs </a:t>
-                      </a:r>
-                      <a:r>
                         <a:rPr lang="en-US" altLang="zh-CN" sz="1600" b="1" i="0" u="none" strike="noStrike" cap="none" dirty="0">
                           <a:solidFill>
                             <a:schemeClr val="dk2"/>
@@ -22238,7 +21975,7 @@
                           <a:cs typeface="Open Sans Light"/>
                           <a:sym typeface="Open Sans Light"/>
                         </a:rPr>
-                        <a:t>in Reality</a:t>
+                        <a:t>Errs/Diffs in Reality</a:t>
                       </a:r>
                       <a:endParaRPr lang="zh-CN" altLang="en-US" sz="1600" b="1" i="0" u="none" strike="noStrike" cap="none" dirty="0">
                         <a:solidFill>
@@ -23158,13 +22895,6 @@
   <p:clrMapOvr>
     <a:masterClrMapping/>
   </p:clrMapOvr>
-  <p:timing>
-    <p:tnLst>
-      <p:par>
-        <p:cTn id="1" dur="indefinite" restart="never" nodeType="tmRoot"/>
-      </p:par>
-    </p:tnLst>
-  </p:timing>
 </p:sld>
 </file>
 
@@ -23207,15 +22937,15 @@
           <a:lstStyle/>
           <a:p>
             <a:r>
-              <a:rPr lang="en-US" altLang="zh-CN" dirty="0" smtClean="0"/>
+              <a:rPr lang="en-US" altLang="zh-CN" dirty="0"/>
               <a:t>Our approach to characterize robustness</a:t>
             </a:r>
             <a:endParaRPr lang="zh-CN" altLang="en-US" dirty="0"/>
           </a:p>
         </p:txBody>
       </p:sp>
-      <mc:AlternateContent xmlns:mc="http://schemas.openxmlformats.org/markup-compatibility/2006">
-        <mc:Choice xmlns:a14="http://schemas.microsoft.com/office/drawing/2010/main" Requires="a14">
+      <mc:AlternateContent xmlns:mc="http://schemas.openxmlformats.org/markup-compatibility/2006" xmlns:a14="http://schemas.microsoft.com/office/drawing/2010/main">
+        <mc:Choice Requires="a14">
           <p:sp>
             <p:nvSpPr>
               <p:cNvPr id="3" name="Text Placeholder 2">
@@ -23432,15 +23162,7 @@
                 </a14:m>
                 <a:r>
                   <a:rPr lang="en-US" altLang="zh-CN" sz="1600" dirty="0"/>
-                  <a:t>indicates the maximum </a:t>
-                </a:r>
-                <a:r>
-                  <a:rPr lang="en-US" altLang="zh-CN" sz="1600" dirty="0" smtClean="0"/>
-                  <a:t>allowed deviations </a:t>
-                </a:r>
-                <a:r>
-                  <a:rPr lang="en-US" altLang="zh-CN" sz="1600" dirty="0"/>
-                  <a:t>that </a:t>
+                  <a:t>indicates the maximum allowed deviations that </a:t>
                 </a:r>
                 <a14:m>
                   <m:oMath xmlns:m="http://schemas.openxmlformats.org/officeDocument/2006/math">
@@ -23474,7 +23196,7 @@
             </p:txBody>
           </p:sp>
         </mc:Choice>
-        <mc:Fallback>
+        <mc:Fallback xmlns="">
           <p:sp>
             <p:nvSpPr>
               <p:cNvPr id="3" name="Text Placeholder 2">
@@ -24056,13 +23778,6 @@
   <p:clrMapOvr>
     <a:masterClrMapping/>
   </p:clrMapOvr>
-  <p:timing>
-    <p:tnLst>
-      <p:par>
-        <p:cTn id="1" dur="indefinite" restart="never" nodeType="tmRoot"/>
-      </p:par>
-    </p:tnLst>
-  </p:timing>
 </p:sld>
 </file>
 
@@ -24099,10 +23814,9 @@
           <a:lstStyle/>
           <a:p>
             <a:r>
-              <a:rPr lang="en-US" dirty="0" smtClean="0"/>
+              <a:rPr lang="en-US" dirty="0"/>
               <a:t>What a system allows</a:t>
             </a:r>
-            <a:endParaRPr lang="en-US" dirty="0"/>
           </a:p>
         </p:txBody>
       </p:sp>
@@ -24207,8 +23921,8 @@
           </a:prstGeom>
         </p:spPr>
       </p:pic>
-      <mc:AlternateContent xmlns:mc="http://schemas.openxmlformats.org/markup-compatibility/2006">
-        <mc:Choice xmlns:a14="http://schemas.microsoft.com/office/drawing/2010/main" Requires="a14">
+      <mc:AlternateContent xmlns:mc="http://schemas.openxmlformats.org/markup-compatibility/2006" xmlns:a14="http://schemas.microsoft.com/office/drawing/2010/main">
+        <mc:Choice Requires="a14">
           <p:sp>
             <p:nvSpPr>
               <p:cNvPr id="8" name="Text Placeholder 2"/>
@@ -24233,11 +23947,11 @@
                   <a:buNone/>
                 </a:pPr>
                 <a:r>
-                  <a:rPr lang="en-US" sz="1600" i="1" dirty="0" smtClean="0"/>
+                  <a:rPr lang="en-US" sz="1600" i="1" dirty="0"/>
                   <a:t>A trace that is allowed:</a:t>
                 </a:r>
                 <a:r>
-                  <a:rPr lang="en-US" sz="1600" dirty="0" smtClean="0"/>
+                  <a:rPr lang="en-US" sz="1600" dirty="0"/>
                   <a:t> </a:t>
                 </a:r>
               </a:p>
@@ -24245,7 +23959,7 @@
                 <a:pPr marL="114300" indent="0">
                   <a:buNone/>
                 </a:pPr>
-                <a:endParaRPr lang="en-US" sz="1600" i="1" dirty="0" smtClean="0">
+                <a:endParaRPr lang="en-US" sz="1600" i="1" dirty="0">
                   <a:latin typeface="Cambria Math" panose="02040503050406030204" pitchFamily="18" charset="0"/>
                 </a:endParaRPr>
               </a:p>
@@ -24280,7 +23994,7 @@
                     </m:oMath>
                   </m:oMathPara>
                 </a14:m>
-                <a:endParaRPr lang="en-US" sz="1600" i="1" dirty="0" smtClean="0">
+                <a:endParaRPr lang="en-US" sz="1600" i="1" dirty="0">
                   <a:latin typeface="Cambria Math" panose="02040503050406030204" pitchFamily="18" charset="0"/>
                 </a:endParaRPr>
               </a:p>
@@ -24309,7 +24023,7 @@
                     </m:oMath>
                   </m:oMathPara>
                 </a14:m>
-                <a:endParaRPr lang="en-US" sz="1600" i="1" dirty="0" smtClean="0">
+                <a:endParaRPr lang="en-US" sz="1600" i="1" dirty="0">
                   <a:latin typeface="Cambria Math" panose="02040503050406030204" pitchFamily="18" charset="0"/>
                 </a:endParaRPr>
               </a:p>
@@ -24338,7 +24052,7 @@
                     </m:oMath>
                   </m:oMathPara>
                 </a14:m>
-                <a:endParaRPr lang="en-US" sz="1600" i="1" dirty="0" smtClean="0">
+                <a:endParaRPr lang="en-US" sz="1600" i="1" dirty="0">
                   <a:latin typeface="Cambria Math" panose="02040503050406030204" pitchFamily="18" charset="0"/>
                 </a:endParaRPr>
               </a:p>
@@ -24367,7 +24081,7 @@
                     </m:oMath>
                   </m:oMathPara>
                 </a14:m>
-                <a:endParaRPr lang="en-US" sz="1600" i="1" dirty="0" smtClean="0">
+                <a:endParaRPr lang="en-US" sz="1600" i="1" dirty="0">
                   <a:latin typeface="Cambria Math" panose="02040503050406030204" pitchFamily="18" charset="0"/>
                 </a:endParaRPr>
               </a:p>
@@ -24395,7 +24109,7 @@
             </p:txBody>
           </p:sp>
         </mc:Choice>
-        <mc:Fallback>
+        <mc:Fallback xmlns="">
           <p:sp>
             <p:nvSpPr>
               <p:cNvPr id="8" name="Text Placeholder 2"/>
@@ -24443,13 +24157,6 @@
   <p:clrMapOvr>
     <a:masterClrMapping/>
   </p:clrMapOvr>
-  <p:timing>
-    <p:tnLst>
-      <p:par>
-        <p:cTn id="1" dur="indefinite" restart="never" nodeType="tmRoot"/>
-      </p:par>
-    </p:tnLst>
-  </p:timing>
 </p:sld>
 </file>
 
@@ -24486,10 +24193,9 @@
           <a:lstStyle/>
           <a:p>
             <a:r>
-              <a:rPr lang="en-US" dirty="0" smtClean="0"/>
+              <a:rPr lang="en-US" dirty="0"/>
               <a:t>What a system disallows</a:t>
             </a:r>
-            <a:endParaRPr lang="en-US" dirty="0"/>
           </a:p>
         </p:txBody>
       </p:sp>
@@ -24555,8 +24261,8 @@
           </a:prstGeom>
         </p:spPr>
       </p:pic>
-      <mc:AlternateContent xmlns:mc="http://schemas.openxmlformats.org/markup-compatibility/2006">
-        <mc:Choice xmlns:a14="http://schemas.microsoft.com/office/drawing/2010/main" Requires="a14">
+      <mc:AlternateContent xmlns:mc="http://schemas.openxmlformats.org/markup-compatibility/2006" xmlns:a14="http://schemas.microsoft.com/office/drawing/2010/main">
+        <mc:Choice Requires="a14">
           <p:sp>
             <p:nvSpPr>
               <p:cNvPr id="8" name="Text Placeholder 2"/>
@@ -24581,11 +24287,11 @@
                   <a:buNone/>
                 </a:pPr>
                 <a:r>
-                  <a:rPr lang="en-US" sz="1600" i="1" dirty="0" smtClean="0"/>
+                  <a:rPr lang="en-US" sz="1600" i="1" dirty="0"/>
                   <a:t>A trace that is NOT allowed:</a:t>
                 </a:r>
                 <a:r>
-                  <a:rPr lang="en-US" sz="1600" dirty="0" smtClean="0"/>
+                  <a:rPr lang="en-US" sz="1600" dirty="0"/>
                   <a:t> </a:t>
                 </a:r>
               </a:p>
@@ -24593,7 +24299,7 @@
                 <a:pPr marL="114300" indent="0">
                   <a:buNone/>
                 </a:pPr>
-                <a:endParaRPr lang="en-US" sz="1600" i="1" dirty="0" smtClean="0">
+                <a:endParaRPr lang="en-US" sz="1600" i="1" dirty="0">
                   <a:latin typeface="Cambria Math" panose="02040503050406030204" pitchFamily="18" charset="0"/>
                 </a:endParaRPr>
               </a:p>
@@ -24628,7 +24334,7 @@
                     </m:oMath>
                   </m:oMathPara>
                 </a14:m>
-                <a:endParaRPr lang="en-US" sz="1600" i="1" dirty="0" smtClean="0">
+                <a:endParaRPr lang="en-US" sz="1600" i="1" dirty="0">
                   <a:latin typeface="Cambria Math" panose="02040503050406030204" pitchFamily="18" charset="0"/>
                 </a:endParaRPr>
               </a:p>
@@ -24657,7 +24363,7 @@
                     </m:oMath>
                   </m:oMathPara>
                 </a14:m>
-                <a:endParaRPr lang="en-US" sz="1600" i="1" dirty="0" smtClean="0">
+                <a:endParaRPr lang="en-US" sz="1600" i="1" dirty="0">
                   <a:latin typeface="Cambria Math" panose="02040503050406030204" pitchFamily="18" charset="0"/>
                 </a:endParaRPr>
               </a:p>
@@ -24689,7 +24395,7 @@
                     </m:oMath>
                   </m:oMathPara>
                 </a14:m>
-                <a:endParaRPr lang="en-US" sz="1600" i="1" dirty="0" smtClean="0">
+                <a:endParaRPr lang="en-US" sz="1600" i="1" dirty="0">
                   <a:latin typeface="Cambria Math" panose="02040503050406030204" pitchFamily="18" charset="0"/>
                 </a:endParaRPr>
               </a:p>
@@ -24717,7 +24423,7 @@
             </p:txBody>
           </p:sp>
         </mc:Choice>
-        <mc:Fallback>
+        <mc:Fallback xmlns="">
           <p:sp>
             <p:nvSpPr>
               <p:cNvPr id="8" name="Text Placeholder 2"/>
@@ -24804,13 +24510,6 @@
   <p:clrMapOvr>
     <a:masterClrMapping/>
   </p:clrMapOvr>
-  <p:timing>
-    <p:tnLst>
-      <p:par>
-        <p:cTn id="1" dur="indefinite" restart="never" nodeType="tmRoot"/>
-      </p:par>
-    </p:tnLst>
-  </p:timing>
 </p:sld>
 </file>
 
@@ -24847,10 +24546,9 @@
           <a:lstStyle/>
           <a:p>
             <a:r>
-              <a:rPr lang="en-US" dirty="0" smtClean="0"/>
+              <a:rPr lang="en-US" dirty="0"/>
               <a:t>Where are we?</a:t>
             </a:r>
-            <a:endParaRPr lang="en-US" dirty="0"/>
           </a:p>
         </p:txBody>
       </p:sp>
@@ -24921,10 +24619,9 @@
           <a:p>
             <a:pPr algn="ctr"/>
             <a:r>
-              <a:rPr lang="en-US" sz="1200" dirty="0" smtClean="0"/>
+              <a:rPr lang="en-US" sz="1200" dirty="0"/>
               <a:t>System Behavior Model</a:t>
             </a:r>
-            <a:endParaRPr lang="en-US" sz="1200" dirty="0"/>
           </a:p>
         </p:txBody>
       </p:sp>
@@ -24963,10 +24660,9 @@
           <a:p>
             <a:pPr algn="ctr"/>
             <a:r>
-              <a:rPr lang="en-US" sz="1200" dirty="0" smtClean="0"/>
+              <a:rPr lang="en-US" sz="1200" dirty="0"/>
               <a:t>Environment Behavior Model</a:t>
             </a:r>
-            <a:endParaRPr lang="en-US" sz="1200" dirty="0"/>
           </a:p>
         </p:txBody>
       </p:sp>
@@ -25005,10 +24701,9 @@
           <a:p>
             <a:pPr algn="ctr"/>
             <a:r>
-              <a:rPr lang="en-US" sz="1200" dirty="0" smtClean="0"/>
+              <a:rPr lang="en-US" sz="1200" dirty="0"/>
               <a:t>Properties</a:t>
             </a:r>
-            <a:endParaRPr lang="en-US" sz="1200" dirty="0"/>
           </a:p>
         </p:txBody>
       </p:sp>
@@ -25047,10 +24742,9 @@
           <a:p>
             <a:pPr algn="ctr"/>
             <a:r>
-              <a:rPr lang="en-US" sz="1200" dirty="0" smtClean="0"/>
+              <a:rPr lang="en-US" sz="1200" dirty="0"/>
               <a:t>Robustness Computer</a:t>
             </a:r>
-            <a:endParaRPr lang="en-US" sz="1200" dirty="0"/>
           </a:p>
         </p:txBody>
       </p:sp>
@@ -25089,10 +24783,9 @@
           <a:p>
             <a:pPr algn="ctr"/>
             <a:r>
-              <a:rPr lang="en-US" sz="1200" dirty="0" smtClean="0"/>
+              <a:rPr lang="en-US" sz="1200" dirty="0"/>
               <a:t>Errors/ Deviations can handle</a:t>
             </a:r>
-            <a:endParaRPr lang="en-US" sz="1200" dirty="0"/>
           </a:p>
         </p:txBody>
       </p:sp>
@@ -25131,10 +24824,9 @@
           <a:p>
             <a:pPr algn="ctr"/>
             <a:r>
-              <a:rPr lang="en-US" sz="1200" dirty="0" smtClean="0"/>
+              <a:rPr lang="en-US" sz="1200" dirty="0"/>
               <a:t>Existing Fault/Error Models</a:t>
             </a:r>
-            <a:endParaRPr lang="en-US" sz="1200" dirty="0"/>
           </a:p>
         </p:txBody>
       </p:sp>
@@ -25173,10 +24865,9 @@
           <a:p>
             <a:pPr algn="ctr"/>
             <a:r>
-              <a:rPr lang="en-US" sz="1200" dirty="0" smtClean="0"/>
+              <a:rPr lang="en-US" sz="1200" dirty="0"/>
               <a:t>A Profile of System Robustness</a:t>
             </a:r>
-            <a:endParaRPr lang="en-US" sz="1200" dirty="0"/>
           </a:p>
         </p:txBody>
       </p:sp>
@@ -25463,10 +25154,9 @@
           <a:p>
             <a:pPr algn="ctr"/>
             <a:r>
-              <a:rPr lang="en-US" dirty="0" smtClean="0"/>
+              <a:rPr lang="en-US" dirty="0"/>
               <a:t>How to represent robustness from such errors and deviations?</a:t>
             </a:r>
-            <a:endParaRPr lang="en-US" dirty="0"/>
           </a:p>
         </p:txBody>
       </p:sp>
@@ -25480,13 +25170,6 @@
   <p:clrMapOvr>
     <a:masterClrMapping/>
   </p:clrMapOvr>
-  <p:timing>
-    <p:tnLst>
-      <p:par>
-        <p:cTn id="1" dur="indefinite" restart="never" nodeType="tmRoot"/>
-      </p:par>
-    </p:tnLst>
-  </p:timing>
 </p:sld>
 </file>
 
@@ -25743,13 +25426,6 @@
   <p:clrMapOvr>
     <a:masterClrMapping/>
   </p:clrMapOvr>
-  <p:timing>
-    <p:tnLst>
-      <p:par>
-        <p:cTn id="1" dur="indefinite" restart="never" nodeType="tmRoot"/>
-      </p:par>
-    </p:tnLst>
-  </p:timing>
 </p:sld>
 </file>
 
@@ -25961,13 +25637,6 @@
   <p:clrMapOvr>
     <a:masterClrMapping/>
   </p:clrMapOvr>
-  <p:timing>
-    <p:tnLst>
-      <p:par>
-        <p:cTn id="1" dur="indefinite" restart="never" nodeType="tmRoot"/>
-      </p:par>
-    </p:tnLst>
-  </p:timing>
 </p:sld>
 </file>
 
@@ -26130,13 +25799,6 @@
   <p:clrMapOvr>
     <a:masterClrMapping/>
   </p:clrMapOvr>
-  <p:timing>
-    <p:tnLst>
-      <p:par>
-        <p:cTn id="1" dur="indefinite" restart="never" nodeType="tmRoot"/>
-      </p:par>
-    </p:tnLst>
-  </p:timing>
 </p:sld>
 </file>
 
@@ -26234,13 +25896,6 @@
   <p:clrMapOvr>
     <a:masterClrMapping/>
   </p:clrMapOvr>
-  <p:timing>
-    <p:tnLst>
-      <p:par>
-        <p:cTn id="1" dur="indefinite" restart="never" nodeType="tmRoot"/>
-      </p:par>
-    </p:tnLst>
-  </p:timing>
 </p:sld>
 </file>
 
@@ -26408,13 +26063,6 @@
   <p:clrMapOvr>
     <a:masterClrMapping/>
   </p:clrMapOvr>
-  <p:timing>
-    <p:tnLst>
-      <p:par>
-        <p:cTn id="1" dur="indefinite" restart="never" nodeType="tmRoot"/>
-      </p:par>
-    </p:tnLst>
-  </p:timing>
 </p:sld>
 </file>
 
@@ -26589,23 +26237,11 @@
             </a:pPr>
             <a:r>
               <a:rPr lang="en-US" sz="1600" dirty="0"/>
-              <a:t>… (Mostly focus on </a:t>
-            </a:r>
-            <a:r>
-              <a:rPr lang="en-US" sz="1600" dirty="0" smtClean="0"/>
-              <a:t>testing)</a:t>
-            </a:r>
-            <a:r>
-              <a:rPr lang="en-US" dirty="0"/>
-              <a:t/>
+              <a:t>… (Mostly focus on testing)</a:t>
             </a:r>
             <a:br>
               <a:rPr lang="en-US" dirty="0"/>
             </a:br>
-            <a:r>
-              <a:rPr lang="en-US" dirty="0"/>
-              <a:t/>
-            </a:r>
             <a:br>
               <a:rPr lang="en-US" dirty="0"/>
             </a:br>
@@ -26660,13 +26296,6 @@
   <p:clrMapOvr>
     <a:masterClrMapping/>
   </p:clrMapOvr>
-  <p:timing>
-    <p:tnLst>
-      <p:par>
-        <p:cTn id="1" dur="indefinite" restart="never" nodeType="tmRoot"/>
-      </p:par>
-    </p:tnLst>
-  </p:timing>
 </p:sld>
 </file>
 
@@ -26716,8 +26345,8 @@
           </a:p>
         </p:txBody>
       </p:sp>
-      <mc:AlternateContent xmlns:mc="http://schemas.openxmlformats.org/markup-compatibility/2006" xmlns:a14="http://schemas.microsoft.com/office/drawing/2010/main">
-        <mc:Choice Requires="a14">
+      <mc:AlternateContent xmlns:mc="http://schemas.openxmlformats.org/markup-compatibility/2006">
+        <mc:Choice xmlns:a14="http://schemas.microsoft.com/office/drawing/2010/main" Requires="a14">
           <p:sp>
             <p:nvSpPr>
               <p:cNvPr id="3" name="Text Placeholder 2">
@@ -26786,22 +26415,10 @@
                   <a:t>What about other properties (e.g., liveness properties)?</a:t>
                 </a:r>
               </a:p>
-              <a:p>
-                <a:r>
-                  <a:rPr lang="en-US" altLang="zh-CN" dirty="0"/>
-                  <a:t>The mismatch between event-based model (LTS) and stated-based model.</a:t>
-                </a:r>
-              </a:p>
-              <a:p>
-                <a:r>
-                  <a:rPr lang="en-US" altLang="zh-CN" dirty="0"/>
-                  <a:t>Event-based:			State-based:</a:t>
-                </a:r>
-              </a:p>
             </p:txBody>
           </p:sp>
         </mc:Choice>
-        <mc:Fallback xmlns="">
+        <mc:Fallback>
           <p:sp>
             <p:nvSpPr>
               <p:cNvPr id="3" name="Text Placeholder 2">
@@ -26822,7 +26439,7 @@
               <a:blipFill>
                 <a:blip r:embed="rId4"/>
                 <a:stretch>
-                  <a:fillRect r="-429"/>
+                  <a:fillRect/>
                 </a:stretch>
               </a:blipFill>
             </p:spPr>
@@ -26913,66 +26530,6 @@
           </a:prstGeom>
         </p:spPr>
       </p:pic>
-      <p:pic>
-        <p:nvPicPr>
-          <p:cNvPr id="9" name="Picture 8">
-            <a:extLst>
-              <a:ext uri="{FF2B5EF4-FFF2-40B4-BE49-F238E27FC236}">
-                <a16:creationId xmlns:a16="http://schemas.microsoft.com/office/drawing/2014/main" id="{CF8B4202-84F7-47C3-A811-E934E6897063}"/>
-              </a:ext>
-            </a:extLst>
-          </p:cNvPr>
-          <p:cNvPicPr>
-            <a:picLocks noChangeAspect="1"/>
-          </p:cNvPicPr>
-          <p:nvPr/>
-        </p:nvPicPr>
-        <p:blipFill>
-          <a:blip r:embed="rId6"/>
-          <a:stretch>
-            <a:fillRect/>
-          </a:stretch>
-        </p:blipFill>
-        <p:spPr>
-          <a:xfrm>
-            <a:off x="5449517" y="2818285"/>
-            <a:ext cx="2679247" cy="1577265"/>
-          </a:xfrm>
-          <a:prstGeom prst="rect">
-            <a:avLst/>
-          </a:prstGeom>
-        </p:spPr>
-      </p:pic>
-      <p:pic>
-        <p:nvPicPr>
-          <p:cNvPr id="10" name="Picture 9">
-            <a:extLst>
-              <a:ext uri="{FF2B5EF4-FFF2-40B4-BE49-F238E27FC236}">
-                <a16:creationId xmlns:a16="http://schemas.microsoft.com/office/drawing/2014/main" id="{EF247756-5E90-4DE9-9FA7-F552A22E70FA}"/>
-              </a:ext>
-            </a:extLst>
-          </p:cNvPr>
-          <p:cNvPicPr>
-            <a:picLocks noChangeAspect="1"/>
-          </p:cNvPicPr>
-          <p:nvPr/>
-        </p:nvPicPr>
-        <p:blipFill>
-          <a:blip r:embed="rId7"/>
-          <a:stretch>
-            <a:fillRect/>
-          </a:stretch>
-        </p:blipFill>
-        <p:spPr>
-          <a:xfrm>
-            <a:off x="790402" y="3264322"/>
-            <a:ext cx="3342398" cy="904657"/>
-          </a:xfrm>
-          <a:prstGeom prst="rect">
-            <a:avLst/>
-          </a:prstGeom>
-        </p:spPr>
-      </p:pic>
     </p:spTree>
     <p:extLst>
       <p:ext uri="{BB962C8B-B14F-4D97-AF65-F5344CB8AC3E}">
@@ -26983,13 +26540,6 @@
   <p:clrMapOvr>
     <a:masterClrMapping/>
   </p:clrMapOvr>
-  <p:timing>
-    <p:tnLst>
-      <p:par>
-        <p:cTn id="1" dur="indefinite" restart="never" nodeType="tmRoot"/>
-      </p:par>
-    </p:tnLst>
-  </p:timing>
 </p:sld>
 </file>
 
@@ -27026,10 +26576,9 @@
           <a:lstStyle/>
           <a:p>
             <a:r>
-              <a:rPr lang="en-US" dirty="0" smtClean="0"/>
+              <a:rPr lang="en-US" dirty="0"/>
               <a:t>Thank you!</a:t>
             </a:r>
-            <a:endParaRPr lang="en-US" dirty="0"/>
           </a:p>
         </p:txBody>
       </p:sp>
@@ -27100,10 +26649,9 @@
           <a:p>
             <a:pPr algn="ctr"/>
             <a:r>
-              <a:rPr lang="en-US" sz="1200" dirty="0" smtClean="0"/>
+              <a:rPr lang="en-US" sz="1200" dirty="0"/>
               <a:t>System Behavior Model</a:t>
             </a:r>
-            <a:endParaRPr lang="en-US" sz="1200" dirty="0"/>
           </a:p>
         </p:txBody>
       </p:sp>
@@ -27142,10 +26690,9 @@
           <a:p>
             <a:pPr algn="ctr"/>
             <a:r>
-              <a:rPr lang="en-US" sz="1200" dirty="0" smtClean="0"/>
+              <a:rPr lang="en-US" sz="1200" dirty="0"/>
               <a:t>Environment Behavior Model</a:t>
             </a:r>
-            <a:endParaRPr lang="en-US" sz="1200" dirty="0"/>
           </a:p>
         </p:txBody>
       </p:sp>
@@ -27184,10 +26731,9 @@
           <a:p>
             <a:pPr algn="ctr"/>
             <a:r>
-              <a:rPr lang="en-US" sz="1200" dirty="0" smtClean="0"/>
+              <a:rPr lang="en-US" sz="1200" dirty="0"/>
               <a:t>Properties</a:t>
             </a:r>
-            <a:endParaRPr lang="en-US" sz="1200" dirty="0"/>
           </a:p>
         </p:txBody>
       </p:sp>
@@ -27226,10 +26772,9 @@
           <a:p>
             <a:pPr algn="ctr"/>
             <a:r>
-              <a:rPr lang="en-US" sz="1200" dirty="0" smtClean="0"/>
+              <a:rPr lang="en-US" sz="1200" dirty="0"/>
               <a:t>Robustness Computer</a:t>
             </a:r>
-            <a:endParaRPr lang="en-US" sz="1200" dirty="0"/>
           </a:p>
         </p:txBody>
       </p:sp>
@@ -27268,10 +26813,9 @@
           <a:p>
             <a:pPr algn="ctr"/>
             <a:r>
-              <a:rPr lang="en-US" sz="1200" dirty="0" smtClean="0"/>
+              <a:rPr lang="en-US" sz="1200" dirty="0"/>
               <a:t>Errors/ Deviations can handle</a:t>
             </a:r>
-            <a:endParaRPr lang="en-US" sz="1200" dirty="0"/>
           </a:p>
         </p:txBody>
       </p:sp>
@@ -27310,10 +26854,9 @@
           <a:p>
             <a:pPr algn="ctr"/>
             <a:r>
-              <a:rPr lang="en-US" sz="1200" dirty="0" smtClean="0"/>
+              <a:rPr lang="en-US" sz="1200" dirty="0"/>
               <a:t>Existing Fault/Error Models</a:t>
             </a:r>
-            <a:endParaRPr lang="en-US" sz="1200" dirty="0"/>
           </a:p>
         </p:txBody>
       </p:sp>
@@ -27352,10 +26895,9 @@
           <a:p>
             <a:pPr algn="ctr"/>
             <a:r>
-              <a:rPr lang="en-US" sz="1200" dirty="0" smtClean="0"/>
+              <a:rPr lang="en-US" sz="1200" dirty="0"/>
               <a:t>A Profile of System Robustness</a:t>
             </a:r>
-            <a:endParaRPr lang="en-US" sz="1200" dirty="0"/>
           </a:p>
         </p:txBody>
       </p:sp>
@@ -27569,13 +27111,6 @@
   <p:clrMapOvr>
     <a:masterClrMapping/>
   </p:clrMapOvr>
-  <p:timing>
-    <p:tnLst>
-      <p:par>
-        <p:cTn id="1" dur="indefinite" restart="never" nodeType="tmRoot"/>
-      </p:par>
-    </p:tnLst>
-  </p:timing>
 </p:sld>
 </file>
 
@@ -27838,21 +27373,6 @@
   <p:clrMapOvr>
     <a:masterClrMapping/>
   </p:clrMapOvr>
-  <mc:AlternateContent xmlns:mc="http://schemas.openxmlformats.org/markup-compatibility/2006">
-    <mc:Choice xmlns:p14="http://schemas.microsoft.com/office/powerpoint/2010/main" Requires="p14">
-      <p:transition spd="slow" p14:dur="2000"/>
-    </mc:Choice>
-    <mc:Fallback>
-      <p:transition spd="slow"/>
-    </mc:Fallback>
-  </mc:AlternateContent>
-  <p:timing>
-    <p:tnLst>
-      <p:par>
-        <p:cTn id="1" dur="indefinite" restart="never" nodeType="tmRoot"/>
-      </p:par>
-    </p:tnLst>
-  </p:timing>
 </p:sld>
 </file>
 
@@ -28115,21 +27635,6 @@
   <p:clrMapOvr>
     <a:masterClrMapping/>
   </p:clrMapOvr>
-  <mc:AlternateContent xmlns:mc="http://schemas.openxmlformats.org/markup-compatibility/2006">
-    <mc:Choice xmlns:p14="http://schemas.microsoft.com/office/powerpoint/2010/main" Requires="p14">
-      <p:transition spd="slow" p14:dur="2000"/>
-    </mc:Choice>
-    <mc:Fallback>
-      <p:transition spd="slow"/>
-    </mc:Fallback>
-  </mc:AlternateContent>
-  <p:timing>
-    <p:tnLst>
-      <p:par>
-        <p:cTn id="1" dur="indefinite" restart="never" nodeType="tmRoot"/>
-      </p:par>
-    </p:tnLst>
-  </p:timing>
 </p:sld>
 </file>
 
@@ -28392,21 +27897,6 @@
   <p:clrMapOvr>
     <a:masterClrMapping/>
   </p:clrMapOvr>
-  <mc:AlternateContent xmlns:mc="http://schemas.openxmlformats.org/markup-compatibility/2006">
-    <mc:Choice xmlns:p14="http://schemas.microsoft.com/office/powerpoint/2010/main" Requires="p14">
-      <p:transition spd="slow" p14:dur="2000"/>
-    </mc:Choice>
-    <mc:Fallback>
-      <p:transition spd="slow"/>
-    </mc:Fallback>
-  </mc:AlternateContent>
-  <p:timing>
-    <p:tnLst>
-      <p:par>
-        <p:cTn id="1" dur="indefinite" restart="never" nodeType="tmRoot"/>
-      </p:par>
-    </p:tnLst>
-  </p:timing>
 </p:sld>
 </file>
 
@@ -28669,21 +28159,6 @@
   <p:clrMapOvr>
     <a:masterClrMapping/>
   </p:clrMapOvr>
-  <mc:AlternateContent xmlns:mc="http://schemas.openxmlformats.org/markup-compatibility/2006">
-    <mc:Choice xmlns:p14="http://schemas.microsoft.com/office/powerpoint/2010/main" Requires="p14">
-      <p:transition spd="slow" p14:dur="2000"/>
-    </mc:Choice>
-    <mc:Fallback>
-      <p:transition spd="slow"/>
-    </mc:Fallback>
-  </mc:AlternateContent>
-  <p:timing>
-    <p:tnLst>
-      <p:par>
-        <p:cTn id="1" dur="indefinite" restart="never" nodeType="tmRoot"/>
-      </p:par>
-    </p:tnLst>
-  </p:timing>
 </p:sld>
 </file>
 
@@ -28860,10 +28335,6 @@
               <a:rPr lang="en-US" sz="1600" dirty="0"/>
               <a:t>… (Mostly focus on testing)</a:t>
             </a:r>
-            <a:r>
-              <a:rPr lang="en-US" dirty="0"/>
-              <a:t/>
-            </a:r>
             <a:br>
               <a:rPr lang="en-US" dirty="0"/>
             </a:br>
@@ -28996,13 +28467,6 @@
   <p:clrMapOvr>
     <a:masterClrMapping/>
   </p:clrMapOvr>
-  <p:timing>
-    <p:tnLst>
-      <p:par>
-        <p:cTn id="1" dur="indefinite" restart="never" nodeType="tmRoot"/>
-      </p:par>
-    </p:tnLst>
-  </p:timing>
 </p:sld>
 </file>
 
@@ -29096,13 +28560,8 @@
             </a:pPr>
             <a:r>
               <a:rPr lang="en-US" altLang="zh-CN" dirty="0"/>
-              <a:t>Can we determine the robustness of a system in design phase rather than in testing phase, just like other quality attributes? (Correct-by-design</a:t>
+              <a:t>Can we determine the robustness of a system in design phase rather than in testing phase, just like other quality attributes? (Correct-by-design)</a:t>
             </a:r>
-            <a:r>
-              <a:rPr lang="en-US" altLang="zh-CN" dirty="0" smtClean="0"/>
-              <a:t>)</a:t>
-            </a:r>
-            <a:endParaRPr lang="en-US" altLang="zh-CN" dirty="0"/>
           </a:p>
           <a:p>
             <a:endParaRPr lang="zh-CN" altLang="en-US" dirty="0"/>
@@ -29223,13 +28682,6 @@
   <p:clrMapOvr>
     <a:masterClrMapping/>
   </p:clrMapOvr>
-  <p:timing>
-    <p:tnLst>
-      <p:par>
-        <p:cTn id="1" dur="indefinite" restart="never" nodeType="tmRoot"/>
-      </p:par>
-    </p:tnLst>
-  </p:timing>
 </p:sld>
 </file>
 
@@ -29272,7 +28724,7 @@
           <a:lstStyle/>
           <a:p>
             <a:r>
-              <a:rPr lang="en-US" altLang="zh-CN" dirty="0" smtClean="0"/>
+              <a:rPr lang="en-US" altLang="zh-CN" dirty="0"/>
               <a:t>Motivation</a:t>
             </a:r>
             <a:endParaRPr lang="zh-CN" altLang="en-US" dirty="0"/>
@@ -29334,16 +28786,6 @@
               <a:t> function against </a:t>
             </a:r>
             <a:r>
-              <a:rPr lang="en-US" altLang="zh-CN" i="1" u="sng" dirty="0" smtClean="0">
-                <a:solidFill>
-                  <a:schemeClr val="bg2">
-                    <a:lumMod val="50000"/>
-                  </a:schemeClr>
-                </a:solidFill>
-              </a:rPr>
-              <a:t>erroneous/deviated </a:t>
-            </a:r>
-            <a:r>
               <a:rPr lang="en-US" altLang="zh-CN" i="1" u="sng" dirty="0">
                 <a:solidFill>
                   <a:schemeClr val="bg2">
@@ -29351,7 +28793,7 @@
                   </a:schemeClr>
                 </a:solidFill>
               </a:rPr>
-              <a:t>behaviors</a:t>
+              <a:t>erroneous/deviated behaviors</a:t>
             </a:r>
             <a:r>
               <a:rPr lang="en-US" altLang="zh-CN" dirty="0">
@@ -29374,7 +28816,7 @@
               <a:t>environment</a:t>
             </a:r>
             <a:r>
-              <a:rPr lang="en-US" altLang="zh-CN" dirty="0" smtClean="0">
+              <a:rPr lang="en-US" altLang="zh-CN" dirty="0">
                 <a:solidFill>
                   <a:schemeClr val="bg2">
                     <a:lumMod val="50000"/>
@@ -29395,7 +28837,7 @@
             </a:pPr>
             <a:r>
               <a:rPr lang="en-US" altLang="zh-CN" sz="1600" dirty="0"/>
-              <a:t>Developers often “over-engineer” a system to deal with errors/deviations of the </a:t>
+              <a:t>Developers often “over-engineer” a system to deal with errors/deviations in the </a:t>
             </a:r>
             <a:r>
               <a:rPr lang="en-US" altLang="zh-CN" sz="1600" b="1" i="1" dirty="0"/>
@@ -29411,11 +28853,7 @@
             </a:r>
             <a:r>
               <a:rPr lang="en-US" altLang="zh-CN" sz="1600" dirty="0"/>
-              <a:t> one</a:t>
-            </a:r>
-            <a:r>
-              <a:rPr lang="en-US" altLang="zh-CN" sz="1600" dirty="0" smtClean="0"/>
-              <a:t>.</a:t>
+              <a:t> one.</a:t>
             </a:r>
           </a:p>
           <a:p>
@@ -29428,10 +28866,9 @@
               </a:spcAft>
             </a:pPr>
             <a:r>
-              <a:rPr lang="en-US" altLang="zh-CN" sz="1600" dirty="0" smtClean="0"/>
+              <a:rPr lang="en-US" altLang="zh-CN" sz="1600" dirty="0"/>
               <a:t>Can we extract these errors/deviations allowed by a system to represent system robustness?</a:t>
             </a:r>
-            <a:endParaRPr lang="en-US" altLang="zh-CN" sz="1600" dirty="0"/>
           </a:p>
           <a:p>
             <a:endParaRPr lang="en-US" altLang="zh-CN" sz="2000" dirty="0"/>
@@ -29486,13 +28923,6 @@
   <p:clrMapOvr>
     <a:masterClrMapping/>
   </p:clrMapOvr>
-  <p:timing>
-    <p:tnLst>
-      <p:par>
-        <p:cTn id="1" dur="indefinite" restart="never" nodeType="tmRoot"/>
-      </p:par>
-    </p:tnLst>
-  </p:timing>
 </p:sld>
 </file>
 
@@ -29529,10 +28959,9 @@
           <a:lstStyle/>
           <a:p>
             <a:r>
-              <a:rPr lang="en-US" dirty="0" smtClean="0"/>
+              <a:rPr lang="en-US" dirty="0"/>
               <a:t>Approach Overview</a:t>
             </a:r>
-            <a:endParaRPr lang="en-US" dirty="0"/>
           </a:p>
         </p:txBody>
       </p:sp>
@@ -29603,10 +29032,9 @@
           <a:p>
             <a:pPr algn="ctr"/>
             <a:r>
-              <a:rPr lang="en-US" sz="1200" dirty="0" smtClean="0"/>
+              <a:rPr lang="en-US" sz="1200" dirty="0"/>
               <a:t>System Behavior Model</a:t>
             </a:r>
-            <a:endParaRPr lang="en-US" sz="1200" dirty="0"/>
           </a:p>
         </p:txBody>
       </p:sp>
@@ -29645,10 +29073,9 @@
           <a:p>
             <a:pPr algn="ctr"/>
             <a:r>
-              <a:rPr lang="en-US" sz="1200" dirty="0" smtClean="0"/>
+              <a:rPr lang="en-US" sz="1200" dirty="0"/>
               <a:t>Environment Behavior Model</a:t>
             </a:r>
-            <a:endParaRPr lang="en-US" sz="1200" dirty="0"/>
           </a:p>
         </p:txBody>
       </p:sp>
@@ -29687,10 +29114,9 @@
           <a:p>
             <a:pPr algn="ctr"/>
             <a:r>
-              <a:rPr lang="en-US" sz="1200" dirty="0" smtClean="0"/>
+              <a:rPr lang="en-US" sz="1200" dirty="0"/>
               <a:t>Properties</a:t>
             </a:r>
-            <a:endParaRPr lang="en-US" sz="1200" dirty="0"/>
           </a:p>
         </p:txBody>
       </p:sp>
@@ -29729,10 +29155,9 @@
           <a:p>
             <a:pPr algn="ctr"/>
             <a:r>
-              <a:rPr lang="en-US" sz="1200" dirty="0" smtClean="0"/>
+              <a:rPr lang="en-US" sz="1200" dirty="0"/>
               <a:t>Robustness Computer</a:t>
             </a:r>
-            <a:endParaRPr lang="en-US" sz="1200" dirty="0"/>
           </a:p>
         </p:txBody>
       </p:sp>
@@ -29771,10 +29196,9 @@
           <a:p>
             <a:pPr algn="ctr"/>
             <a:r>
-              <a:rPr lang="en-US" sz="1200" dirty="0" smtClean="0"/>
+              <a:rPr lang="en-US" sz="1200" dirty="0"/>
               <a:t>Errors/ Deviations can handle</a:t>
             </a:r>
-            <a:endParaRPr lang="en-US" sz="1200" dirty="0"/>
           </a:p>
         </p:txBody>
       </p:sp>
@@ -29813,10 +29237,9 @@
           <a:p>
             <a:pPr algn="ctr"/>
             <a:r>
-              <a:rPr lang="en-US" sz="1200" dirty="0" smtClean="0"/>
+              <a:rPr lang="en-US" sz="1200" dirty="0"/>
               <a:t>Existing Fault/Error Models</a:t>
             </a:r>
-            <a:endParaRPr lang="en-US" sz="1200" dirty="0"/>
           </a:p>
         </p:txBody>
       </p:sp>
@@ -29855,10 +29278,9 @@
           <a:p>
             <a:pPr algn="ctr"/>
             <a:r>
-              <a:rPr lang="en-US" sz="1200" dirty="0" smtClean="0"/>
+              <a:rPr lang="en-US" sz="1200" dirty="0"/>
               <a:t>A Profile of System Robustness</a:t>
             </a:r>
-            <a:endParaRPr lang="en-US" sz="1200" dirty="0"/>
           </a:p>
         </p:txBody>
       </p:sp>
@@ -30072,13 +29494,6 @@
   <p:clrMapOvr>
     <a:masterClrMapping/>
   </p:clrMapOvr>
-  <p:timing>
-    <p:tnLst>
-      <p:par>
-        <p:cTn id="1" dur="indefinite" restart="never" nodeType="tmRoot"/>
-      </p:par>
-    </p:tnLst>
-  </p:timing>
 </p:sld>
 </file>
 
@@ -30115,10 +29530,9 @@
           <a:lstStyle/>
           <a:p>
             <a:r>
-              <a:rPr lang="en-US" dirty="0" smtClean="0"/>
+              <a:rPr lang="en-US" dirty="0"/>
               <a:t>Approach Overview</a:t>
             </a:r>
-            <a:endParaRPr lang="en-US" dirty="0"/>
           </a:p>
         </p:txBody>
       </p:sp>
@@ -30189,10 +29603,9 @@
           <a:p>
             <a:pPr algn="ctr"/>
             <a:r>
-              <a:rPr lang="en-US" sz="1200" dirty="0" smtClean="0"/>
+              <a:rPr lang="en-US" sz="1200" dirty="0"/>
               <a:t>System Behavior Model</a:t>
             </a:r>
-            <a:endParaRPr lang="en-US" sz="1200" dirty="0"/>
           </a:p>
         </p:txBody>
       </p:sp>
@@ -30231,10 +29644,9 @@
           <a:p>
             <a:pPr algn="ctr"/>
             <a:r>
-              <a:rPr lang="en-US" sz="1200" dirty="0" smtClean="0"/>
+              <a:rPr lang="en-US" sz="1200" dirty="0"/>
               <a:t>Environment Behavior Model</a:t>
             </a:r>
-            <a:endParaRPr lang="en-US" sz="1200" dirty="0"/>
           </a:p>
         </p:txBody>
       </p:sp>
@@ -30273,10 +29685,9 @@
           <a:p>
             <a:pPr algn="ctr"/>
             <a:r>
-              <a:rPr lang="en-US" sz="1200" dirty="0" smtClean="0"/>
+              <a:rPr lang="en-US" sz="1200" dirty="0"/>
               <a:t>Properties</a:t>
             </a:r>
-            <a:endParaRPr lang="en-US" sz="1200" dirty="0"/>
           </a:p>
         </p:txBody>
       </p:sp>
@@ -30315,10 +29726,9 @@
           <a:p>
             <a:pPr algn="ctr"/>
             <a:r>
-              <a:rPr lang="en-US" sz="1200" dirty="0" smtClean="0"/>
+              <a:rPr lang="en-US" sz="1200" dirty="0"/>
               <a:t>Robustness Computer</a:t>
             </a:r>
-            <a:endParaRPr lang="en-US" sz="1200" dirty="0"/>
           </a:p>
         </p:txBody>
       </p:sp>
@@ -30357,10 +29767,9 @@
           <a:p>
             <a:pPr algn="ctr"/>
             <a:r>
-              <a:rPr lang="en-US" sz="1200" dirty="0" smtClean="0"/>
+              <a:rPr lang="en-US" sz="1200" dirty="0"/>
               <a:t>Errors/ Deviations can handle</a:t>
             </a:r>
-            <a:endParaRPr lang="en-US" sz="1200" dirty="0"/>
           </a:p>
         </p:txBody>
       </p:sp>
@@ -30399,10 +29808,9 @@
           <a:p>
             <a:pPr algn="ctr"/>
             <a:r>
-              <a:rPr lang="en-US" sz="1200" dirty="0" smtClean="0"/>
+              <a:rPr lang="en-US" sz="1200" dirty="0"/>
               <a:t>Existing Fault/Error Models</a:t>
             </a:r>
-            <a:endParaRPr lang="en-US" sz="1200" dirty="0"/>
           </a:p>
         </p:txBody>
       </p:sp>
@@ -30441,10 +29849,9 @@
           <a:p>
             <a:pPr algn="ctr"/>
             <a:r>
-              <a:rPr lang="en-US" sz="1200" dirty="0" smtClean="0"/>
+              <a:rPr lang="en-US" sz="1200" dirty="0"/>
               <a:t>A Profile of System Robustness</a:t>
             </a:r>
-            <a:endParaRPr lang="en-US" sz="1200" dirty="0"/>
           </a:p>
         </p:txBody>
       </p:sp>
@@ -30686,10 +30093,9 @@
           <a:p>
             <a:pPr algn="ctr"/>
             <a:r>
-              <a:rPr lang="en-US" dirty="0" smtClean="0"/>
+              <a:rPr lang="en-US" dirty="0"/>
               <a:t>How to compute the errors/deviations allowed by a system?</a:t>
             </a:r>
-            <a:endParaRPr lang="en-US" dirty="0"/>
           </a:p>
         </p:txBody>
       </p:sp>
@@ -30935,10 +30341,9 @@
           <a:p>
             <a:pPr algn="ctr"/>
             <a:r>
-              <a:rPr lang="en-US" dirty="0" smtClean="0"/>
+              <a:rPr lang="en-US" dirty="0"/>
               <a:t>How to model these behaviors?</a:t>
             </a:r>
-            <a:endParaRPr lang="en-US" dirty="0"/>
           </a:p>
         </p:txBody>
       </p:sp>

--- a/Robustness-SSSG.pptx
+++ b/Robustness-SSSG.pptx
@@ -58,29 +58,33 @@
   <p:notesSz cx="6858000" cy="9144000"/>
   <p:embeddedFontLst>
     <p:embeddedFont>
-      <p:font typeface="Cambria Math" panose="02040503050406030204" pitchFamily="18" charset="0"/>
+      <p:font typeface="宋体" panose="02010600030101010101" pitchFamily="2" charset="-122"/>
       <p:regular r:id="rId48"/>
     </p:embeddedFont>
     <p:embeddedFont>
-      <p:font typeface="Open Sans" panose="02010600030101010101" charset="0"/>
+      <p:font typeface="Open Sans Light" panose="020B0604020202020204" charset="0"/>
       <p:regular r:id="rId49"/>
       <p:bold r:id="rId50"/>
       <p:italic r:id="rId51"/>
       <p:boldItalic r:id="rId52"/>
     </p:embeddedFont>
     <p:embeddedFont>
-      <p:font typeface="Open Sans Light" panose="02010600030101010101" charset="0"/>
+      <p:font typeface="Cambria Math" panose="02040503050406030204" pitchFamily="18" charset="0"/>
       <p:regular r:id="rId53"/>
-      <p:bold r:id="rId54"/>
-      <p:italic r:id="rId55"/>
-      <p:boldItalic r:id="rId56"/>
     </p:embeddedFont>
     <p:embeddedFont>
-      <p:font typeface="Open Sans SemiBold" panose="02010600030101010101" charset="0"/>
-      <p:regular r:id="rId57"/>
-      <p:bold r:id="rId58"/>
-      <p:italic r:id="rId59"/>
-      <p:boldItalic r:id="rId60"/>
+      <p:font typeface="Open Sans SemiBold" panose="020B0604020202020204" charset="0"/>
+      <p:regular r:id="rId54"/>
+      <p:bold r:id="rId55"/>
+      <p:italic r:id="rId56"/>
+      <p:boldItalic r:id="rId57"/>
+    </p:embeddedFont>
+    <p:embeddedFont>
+      <p:font typeface="Open Sans" panose="020B0604020202020204" charset="0"/>
+      <p:regular r:id="rId58"/>
+      <p:bold r:id="rId59"/>
+      <p:italic r:id="rId60"/>
+      <p:boldItalic r:id="rId61"/>
     </p:embeddedFont>
   </p:embeddedFontLst>
   <p:defaultTextStyle>
@@ -2084,14 +2088,35 @@
         </dgm:presLayoutVars>
       </dgm:prSet>
       <dgm:spPr/>
+      <dgm:t>
+        <a:bodyPr/>
+        <a:lstStyle/>
+        <a:p>
+          <a:endParaRPr lang="en-US"/>
+        </a:p>
+      </dgm:t>
     </dgm:pt>
     <dgm:pt modelId="{71DCDA3D-F6AC-477E-8277-8B1A049BA441}" type="pres">
       <dgm:prSet presAssocID="{B7E0B08A-A644-454A-9758-D5CAFB28A3CA}" presName="sibTrans" presStyleLbl="sibTrans2D1" presStyleIdx="0" presStyleCnt="2"/>
       <dgm:spPr/>
+      <dgm:t>
+        <a:bodyPr/>
+        <a:lstStyle/>
+        <a:p>
+          <a:endParaRPr lang="en-US"/>
+        </a:p>
+      </dgm:t>
     </dgm:pt>
     <dgm:pt modelId="{2F4EE405-88C1-4AF6-B24F-D6226C26F8F3}" type="pres">
       <dgm:prSet presAssocID="{B7E0B08A-A644-454A-9758-D5CAFB28A3CA}" presName="connectorText" presStyleLbl="sibTrans2D1" presStyleIdx="0" presStyleCnt="2"/>
       <dgm:spPr/>
+      <dgm:t>
+        <a:bodyPr/>
+        <a:lstStyle/>
+        <a:p>
+          <a:endParaRPr lang="en-US"/>
+        </a:p>
+      </dgm:t>
     </dgm:pt>
     <dgm:pt modelId="{F72B6CF8-105B-410B-AC54-DA7464EB14C1}" type="pres">
       <dgm:prSet presAssocID="{086413C2-C785-403D-99D3-834A0245019F}" presName="node" presStyleLbl="node1" presStyleIdx="1" presStyleCnt="3">
@@ -2100,14 +2125,35 @@
         </dgm:presLayoutVars>
       </dgm:prSet>
       <dgm:spPr/>
+      <dgm:t>
+        <a:bodyPr/>
+        <a:lstStyle/>
+        <a:p>
+          <a:endParaRPr lang="en-US"/>
+        </a:p>
+      </dgm:t>
     </dgm:pt>
     <dgm:pt modelId="{11530BA9-3DC9-4A49-BA20-8431D4462ED4}" type="pres">
       <dgm:prSet presAssocID="{44A1F245-36D7-4328-AAF3-9698D37D82A9}" presName="sibTrans" presStyleLbl="sibTrans2D1" presStyleIdx="1" presStyleCnt="2" custLinFactNeighborY="14507"/>
       <dgm:spPr/>
+      <dgm:t>
+        <a:bodyPr/>
+        <a:lstStyle/>
+        <a:p>
+          <a:endParaRPr lang="en-US"/>
+        </a:p>
+      </dgm:t>
     </dgm:pt>
     <dgm:pt modelId="{AEF80222-AA16-430E-A2E9-0EC4A65729F9}" type="pres">
       <dgm:prSet presAssocID="{44A1F245-36D7-4328-AAF3-9698D37D82A9}" presName="connectorText" presStyleLbl="sibTrans2D1" presStyleIdx="1" presStyleCnt="2"/>
       <dgm:spPr/>
+      <dgm:t>
+        <a:bodyPr/>
+        <a:lstStyle/>
+        <a:p>
+          <a:endParaRPr lang="en-US"/>
+        </a:p>
+      </dgm:t>
     </dgm:pt>
     <dgm:pt modelId="{B2EC2A35-DAD0-47D9-A89D-EB5C8F343AF9}" type="pres">
       <dgm:prSet presAssocID="{20705E99-54D4-43DC-B43F-32B12B29B9DD}" presName="node" presStyleLbl="node1" presStyleIdx="2" presStyleCnt="3">
@@ -2116,20 +2162,27 @@
         </dgm:presLayoutVars>
       </dgm:prSet>
       <dgm:spPr/>
+      <dgm:t>
+        <a:bodyPr/>
+        <a:lstStyle/>
+        <a:p>
+          <a:endParaRPr lang="en-US"/>
+        </a:p>
+      </dgm:t>
     </dgm:pt>
   </dgm:ptLst>
   <dgm:cxnLst>
-    <dgm:cxn modelId="{FB8FD60E-DF3D-4406-A670-FF0871AEEAC0}" srcId="{F202BABD-B732-4DA8-83EF-41D6FA6F3D28}" destId="{086413C2-C785-403D-99D3-834A0245019F}" srcOrd="1" destOrd="0" parTransId="{F3D23565-456D-4A7E-A256-0AA176BAD525}" sibTransId="{44A1F245-36D7-4328-AAF3-9698D37D82A9}"/>
+    <dgm:cxn modelId="{B135517C-B95D-471B-B18A-0A7D43B9FC9E}" srcId="{F202BABD-B732-4DA8-83EF-41D6FA6F3D28}" destId="{4E9F245D-6757-4C89-9F8C-64D90C686FD5}" srcOrd="0" destOrd="0" parTransId="{703A834B-BBD7-4BB5-B20F-E547C8746EA0}" sibTransId="{B7E0B08A-A644-454A-9758-D5CAFB28A3CA}"/>
+    <dgm:cxn modelId="{7D6D11B2-AA89-4350-A431-19054A44BE48}" type="presOf" srcId="{B7E0B08A-A644-454A-9758-D5CAFB28A3CA}" destId="{2F4EE405-88C1-4AF6-B24F-D6226C26F8F3}" srcOrd="1" destOrd="0" presId="urn:microsoft.com/office/officeart/2005/8/layout/process2"/>
+    <dgm:cxn modelId="{516A2FCE-C12E-4205-8703-6C318A4BFFC8}" type="presOf" srcId="{44A1F245-36D7-4328-AAF3-9698D37D82A9}" destId="{AEF80222-AA16-430E-A2E9-0EC4A65729F9}" srcOrd="1" destOrd="0" presId="urn:microsoft.com/office/officeart/2005/8/layout/process2"/>
+    <dgm:cxn modelId="{9D0B07D3-5117-4655-A382-CD93D1FF683B}" type="presOf" srcId="{4E9F245D-6757-4C89-9F8C-64D90C686FD5}" destId="{F574793B-4AA5-4E02-8858-068A6227A427}" srcOrd="0" destOrd="0" presId="urn:microsoft.com/office/officeart/2005/8/layout/process2"/>
     <dgm:cxn modelId="{A4E0155F-62A4-4996-96F1-E6AC3D4A6BBE}" type="presOf" srcId="{20705E99-54D4-43DC-B43F-32B12B29B9DD}" destId="{B2EC2A35-DAD0-47D9-A89D-EB5C8F343AF9}" srcOrd="0" destOrd="0" presId="urn:microsoft.com/office/officeart/2005/8/layout/process2"/>
-    <dgm:cxn modelId="{9F649B62-ED53-4C2D-808D-01833CF85BB7}" type="presOf" srcId="{086413C2-C785-403D-99D3-834A0245019F}" destId="{F72B6CF8-105B-410B-AC54-DA7464EB14C1}" srcOrd="0" destOrd="0" presId="urn:microsoft.com/office/officeart/2005/8/layout/process2"/>
-    <dgm:cxn modelId="{B135517C-B95D-471B-B18A-0A7D43B9FC9E}" srcId="{F202BABD-B732-4DA8-83EF-41D6FA6F3D28}" destId="{4E9F245D-6757-4C89-9F8C-64D90C686FD5}" srcOrd="0" destOrd="0" parTransId="{703A834B-BBD7-4BB5-B20F-E547C8746EA0}" sibTransId="{B7E0B08A-A644-454A-9758-D5CAFB28A3CA}"/>
+    <dgm:cxn modelId="{3046A9D1-74FA-40AF-8AE7-3A78376625D1}" type="presOf" srcId="{F202BABD-B732-4DA8-83EF-41D6FA6F3D28}" destId="{CE60B819-AB82-49EA-BA97-417BBB8C6101}" srcOrd="0" destOrd="0" presId="urn:microsoft.com/office/officeart/2005/8/layout/process2"/>
+    <dgm:cxn modelId="{E071F2AD-3D8D-4B22-ABBC-E2CEA0D3C579}" type="presOf" srcId="{B7E0B08A-A644-454A-9758-D5CAFB28A3CA}" destId="{71DCDA3D-F6AC-477E-8277-8B1A049BA441}" srcOrd="0" destOrd="0" presId="urn:microsoft.com/office/officeart/2005/8/layout/process2"/>
     <dgm:cxn modelId="{533A0D8E-8547-4692-A924-8F81E00AC74C}" type="presOf" srcId="{44A1F245-36D7-4328-AAF3-9698D37D82A9}" destId="{11530BA9-3DC9-4A49-BA20-8431D4462ED4}" srcOrd="0" destOrd="0" presId="urn:microsoft.com/office/officeart/2005/8/layout/process2"/>
     <dgm:cxn modelId="{1F8DB29C-97BD-427F-8C21-A403045A1414}" srcId="{F202BABD-B732-4DA8-83EF-41D6FA6F3D28}" destId="{20705E99-54D4-43DC-B43F-32B12B29B9DD}" srcOrd="2" destOrd="0" parTransId="{DB71EF53-8CF8-445B-BFE1-680420C0D91E}" sibTransId="{B06D6090-41F4-4E1F-BE92-602ACEA0C745}"/>
-    <dgm:cxn modelId="{E071F2AD-3D8D-4B22-ABBC-E2CEA0D3C579}" type="presOf" srcId="{B7E0B08A-A644-454A-9758-D5CAFB28A3CA}" destId="{71DCDA3D-F6AC-477E-8277-8B1A049BA441}" srcOrd="0" destOrd="0" presId="urn:microsoft.com/office/officeart/2005/8/layout/process2"/>
-    <dgm:cxn modelId="{7D6D11B2-AA89-4350-A431-19054A44BE48}" type="presOf" srcId="{B7E0B08A-A644-454A-9758-D5CAFB28A3CA}" destId="{2F4EE405-88C1-4AF6-B24F-D6226C26F8F3}" srcOrd="1" destOrd="0" presId="urn:microsoft.com/office/officeart/2005/8/layout/process2"/>
-    <dgm:cxn modelId="{516A2FCE-C12E-4205-8703-6C318A4BFFC8}" type="presOf" srcId="{44A1F245-36D7-4328-AAF3-9698D37D82A9}" destId="{AEF80222-AA16-430E-A2E9-0EC4A65729F9}" srcOrd="1" destOrd="0" presId="urn:microsoft.com/office/officeart/2005/8/layout/process2"/>
-    <dgm:cxn modelId="{3046A9D1-74FA-40AF-8AE7-3A78376625D1}" type="presOf" srcId="{F202BABD-B732-4DA8-83EF-41D6FA6F3D28}" destId="{CE60B819-AB82-49EA-BA97-417BBB8C6101}" srcOrd="0" destOrd="0" presId="urn:microsoft.com/office/officeart/2005/8/layout/process2"/>
-    <dgm:cxn modelId="{9D0B07D3-5117-4655-A382-CD93D1FF683B}" type="presOf" srcId="{4E9F245D-6757-4C89-9F8C-64D90C686FD5}" destId="{F574793B-4AA5-4E02-8858-068A6227A427}" srcOrd="0" destOrd="0" presId="urn:microsoft.com/office/officeart/2005/8/layout/process2"/>
+    <dgm:cxn modelId="{9F649B62-ED53-4C2D-808D-01833CF85BB7}" type="presOf" srcId="{086413C2-C785-403D-99D3-834A0245019F}" destId="{F72B6CF8-105B-410B-AC54-DA7464EB14C1}" srcOrd="0" destOrd="0" presId="urn:microsoft.com/office/officeart/2005/8/layout/process2"/>
+    <dgm:cxn modelId="{FB8FD60E-DF3D-4406-A670-FF0871AEEAC0}" srcId="{F202BABD-B732-4DA8-83EF-41D6FA6F3D28}" destId="{086413C2-C785-403D-99D3-834A0245019F}" srcOrd="1" destOrd="0" parTransId="{F3D23565-456D-4A7E-A256-0AA176BAD525}" sibTransId="{44A1F245-36D7-4328-AAF3-9698D37D82A9}"/>
     <dgm:cxn modelId="{8F24B9B9-2DF6-4730-A5D8-B923FB4CDEEF}" type="presParOf" srcId="{CE60B819-AB82-49EA-BA97-417BBB8C6101}" destId="{F574793B-4AA5-4E02-8858-068A6227A427}" srcOrd="0" destOrd="0" presId="urn:microsoft.com/office/officeart/2005/8/layout/process2"/>
     <dgm:cxn modelId="{95C5C9C1-D195-4057-8BBF-51321BB4CDCB}" type="presParOf" srcId="{CE60B819-AB82-49EA-BA97-417BBB8C6101}" destId="{71DCDA3D-F6AC-477E-8277-8B1A049BA441}" srcOrd="1" destOrd="0" presId="urn:microsoft.com/office/officeart/2005/8/layout/process2"/>
     <dgm:cxn modelId="{4ADC17B1-2EE6-4BA3-940D-2836B8323508}" type="presParOf" srcId="{71DCDA3D-F6AC-477E-8277-8B1A049BA441}" destId="{2F4EE405-88C1-4AF6-B24F-D6226C26F8F3}" srcOrd="0" destOrd="0" presId="urn:microsoft.com/office/officeart/2005/8/layout/process2"/>
@@ -2428,6 +2481,13 @@
         </dgm:presLayoutVars>
       </dgm:prSet>
       <dgm:spPr/>
+      <dgm:t>
+        <a:bodyPr/>
+        <a:lstStyle/>
+        <a:p>
+          <a:endParaRPr lang="en-US"/>
+        </a:p>
+      </dgm:t>
     </dgm:pt>
     <dgm:pt modelId="{FE9B7B2D-6E0A-451B-A6B6-B7A47F0A4ED4}" type="pres">
       <dgm:prSet presAssocID="{3D7B3E38-995E-45E6-B8E3-FB502DA80652}" presName="spacerT" presStyleCnt="0"/>
@@ -2436,6 +2496,13 @@
     <dgm:pt modelId="{CAE67F45-C242-4CA0-9A93-1CF54DC6A4B2}" type="pres">
       <dgm:prSet presAssocID="{3D7B3E38-995E-45E6-B8E3-FB502DA80652}" presName="sibTrans" presStyleLbl="sibTrans2D1" presStyleIdx="0" presStyleCnt="3"/>
       <dgm:spPr/>
+      <dgm:t>
+        <a:bodyPr/>
+        <a:lstStyle/>
+        <a:p>
+          <a:endParaRPr lang="en-US"/>
+        </a:p>
+      </dgm:t>
     </dgm:pt>
     <dgm:pt modelId="{2F6879B7-6BBF-4D4F-9AF5-9C6DFF4C5A4B}" type="pres">
       <dgm:prSet presAssocID="{3D7B3E38-995E-45E6-B8E3-FB502DA80652}" presName="spacerB" presStyleCnt="0"/>
@@ -2448,6 +2515,13 @@
         </dgm:presLayoutVars>
       </dgm:prSet>
       <dgm:spPr/>
+      <dgm:t>
+        <a:bodyPr/>
+        <a:lstStyle/>
+        <a:p>
+          <a:endParaRPr lang="en-US"/>
+        </a:p>
+      </dgm:t>
     </dgm:pt>
     <dgm:pt modelId="{37E56C71-CDC9-4B39-92CB-FECEABBAF583}" type="pres">
       <dgm:prSet presAssocID="{22CC6DC0-3F9A-46C5-B765-A8692E00B968}" presName="spacerT" presStyleCnt="0"/>
@@ -2456,6 +2530,13 @@
     <dgm:pt modelId="{A4F524BC-5044-43E9-9ED4-F28F50329C8E}" type="pres">
       <dgm:prSet presAssocID="{22CC6DC0-3F9A-46C5-B765-A8692E00B968}" presName="sibTrans" presStyleLbl="sibTrans2D1" presStyleIdx="1" presStyleCnt="3"/>
       <dgm:spPr/>
+      <dgm:t>
+        <a:bodyPr/>
+        <a:lstStyle/>
+        <a:p>
+          <a:endParaRPr lang="en-US"/>
+        </a:p>
+      </dgm:t>
     </dgm:pt>
     <dgm:pt modelId="{68B319BC-7EE2-42A3-B838-9339FF0A3099}" type="pres">
       <dgm:prSet presAssocID="{22CC6DC0-3F9A-46C5-B765-A8692E00B968}" presName="spacerB" presStyleCnt="0"/>
@@ -2468,14 +2549,35 @@
         </dgm:presLayoutVars>
       </dgm:prSet>
       <dgm:spPr/>
+      <dgm:t>
+        <a:bodyPr/>
+        <a:lstStyle/>
+        <a:p>
+          <a:endParaRPr lang="en-US"/>
+        </a:p>
+      </dgm:t>
     </dgm:pt>
     <dgm:pt modelId="{8C167BF4-3B48-4E48-B7EB-402E1EBCD4C4}" type="pres">
       <dgm:prSet presAssocID="{7F6B5A0A-0F54-4B18-951E-1A0CFC44F6C4}" presName="sibTransLast" presStyleLbl="sibTrans2D1" presStyleIdx="2" presStyleCnt="3"/>
       <dgm:spPr/>
+      <dgm:t>
+        <a:bodyPr/>
+        <a:lstStyle/>
+        <a:p>
+          <a:endParaRPr lang="en-US"/>
+        </a:p>
+      </dgm:t>
     </dgm:pt>
     <dgm:pt modelId="{6D3D89C7-2463-4B65-8B98-57E4FF79799E}" type="pres">
       <dgm:prSet presAssocID="{7F6B5A0A-0F54-4B18-951E-1A0CFC44F6C4}" presName="connectorText" presStyleLbl="sibTrans2D1" presStyleIdx="2" presStyleCnt="3"/>
       <dgm:spPr/>
+      <dgm:t>
+        <a:bodyPr/>
+        <a:lstStyle/>
+        <a:p>
+          <a:endParaRPr lang="en-US"/>
+        </a:p>
+      </dgm:t>
     </dgm:pt>
     <dgm:pt modelId="{019AF5E6-0576-4F30-AF54-C6ABA9F8714D}" type="pres">
       <dgm:prSet presAssocID="{7F6B5A0A-0F54-4B18-951E-1A0CFC44F6C4}" presName="lastNode" presStyleLbl="node1" presStyleIdx="3" presStyleCnt="4">
@@ -2484,22 +2586,29 @@
         </dgm:presLayoutVars>
       </dgm:prSet>
       <dgm:spPr/>
+      <dgm:t>
+        <a:bodyPr/>
+        <a:lstStyle/>
+        <a:p>
+          <a:endParaRPr lang="en-US"/>
+        </a:p>
+      </dgm:t>
     </dgm:pt>
   </dgm:ptLst>
   <dgm:cxnLst>
+    <dgm:cxn modelId="{C4EE0257-8F26-40B8-98FD-28E7D13A18FE}" type="presOf" srcId="{788FFD9D-7404-4CCE-A245-0BD6B0E93B24}" destId="{ADDE6D51-0326-48FC-8262-22DC9FF00928}" srcOrd="0" destOrd="0" presId="urn:microsoft.com/office/officeart/2005/8/layout/equation2"/>
+    <dgm:cxn modelId="{9DF4F15D-83DA-4A81-AC99-DAAA7154E8FC}" type="presOf" srcId="{3D7B3E38-995E-45E6-B8E3-FB502DA80652}" destId="{CAE67F45-C242-4CA0-9A93-1CF54DC6A4B2}" srcOrd="0" destOrd="0" presId="urn:microsoft.com/office/officeart/2005/8/layout/equation2"/>
     <dgm:cxn modelId="{3074BA33-5E6B-4CD8-B00C-4B1D75F82156}" type="presOf" srcId="{22CC6DC0-3F9A-46C5-B765-A8692E00B968}" destId="{A4F524BC-5044-43E9-9ED4-F28F50329C8E}" srcOrd="0" destOrd="0" presId="urn:microsoft.com/office/officeart/2005/8/layout/equation2"/>
     <dgm:cxn modelId="{129B2235-A666-4972-9C81-A32268B29CC3}" srcId="{7F6B5A0A-0F54-4B18-951E-1A0CFC44F6C4}" destId="{788FFD9D-7404-4CCE-A245-0BD6B0E93B24}" srcOrd="0" destOrd="0" parTransId="{5E24E0D7-ADE3-4230-995A-808460C79C74}" sibTransId="{3D7B3E38-995E-45E6-B8E3-FB502DA80652}"/>
+    <dgm:cxn modelId="{2E697D6D-F056-4088-9E32-833B4B75A03C}" type="presOf" srcId="{09353CC5-9DAE-40D9-A6ED-AC3D6931F2A5}" destId="{019AF5E6-0576-4F30-AF54-C6ABA9F8714D}" srcOrd="0" destOrd="0" presId="urn:microsoft.com/office/officeart/2005/8/layout/equation2"/>
+    <dgm:cxn modelId="{8A82D260-762D-4E67-B9C2-EE27803E73AC}" type="presOf" srcId="{CDEEB3D3-689E-413A-B48B-3B4C259D2CDA}" destId="{19F58809-13FA-49CC-AECD-B6EA26B8D0F9}" srcOrd="0" destOrd="0" presId="urn:microsoft.com/office/officeart/2005/8/layout/equation2"/>
+    <dgm:cxn modelId="{683C64B8-0BF0-4A2E-9133-256426DBA86B}" srcId="{7F6B5A0A-0F54-4B18-951E-1A0CFC44F6C4}" destId="{09353CC5-9DAE-40D9-A6ED-AC3D6931F2A5}" srcOrd="3" destOrd="0" parTransId="{DAF3A442-BF4D-4AC2-A3B6-6C05624A55CE}" sibTransId="{00373967-E678-4682-81B8-B346B7B1880E}"/>
+    <dgm:cxn modelId="{348596DD-86F7-4CC5-9998-9E16C8F5357F}" type="presOf" srcId="{E7CA5D59-5D6A-4850-A24E-CB6E32D1EA89}" destId="{6D3D89C7-2463-4B65-8B98-57E4FF79799E}" srcOrd="1" destOrd="0" presId="urn:microsoft.com/office/officeart/2005/8/layout/equation2"/>
+    <dgm:cxn modelId="{DA7D3650-E88E-4310-A3CB-787262591F55}" type="presOf" srcId="{E7CA5D59-5D6A-4850-A24E-CB6E32D1EA89}" destId="{8C167BF4-3B48-4E48-B7EB-402E1EBCD4C4}" srcOrd="0" destOrd="0" presId="urn:microsoft.com/office/officeart/2005/8/layout/equation2"/>
     <dgm:cxn modelId="{204A073C-B394-4995-92B2-29EDC5B85EE2}" type="presOf" srcId="{13DFDD1A-F857-4873-9289-F89CB29F0AE3}" destId="{CEF2E0B5-9AB4-4780-9ABF-357ADA3D91CB}" srcOrd="0" destOrd="0" presId="urn:microsoft.com/office/officeart/2005/8/layout/equation2"/>
+    <dgm:cxn modelId="{1BFB0EA2-22FF-498D-A19E-FD59F187BE85}" type="presOf" srcId="{7F6B5A0A-0F54-4B18-951E-1A0CFC44F6C4}" destId="{600386E9-DD67-4413-8FD7-D7B9E299B8F1}" srcOrd="0" destOrd="0" presId="urn:microsoft.com/office/officeart/2005/8/layout/equation2"/>
+    <dgm:cxn modelId="{CC6B26CB-7305-494E-80B1-A99DB7744352}" srcId="{7F6B5A0A-0F54-4B18-951E-1A0CFC44F6C4}" destId="{13DFDD1A-F857-4873-9289-F89CB29F0AE3}" srcOrd="2" destOrd="0" parTransId="{35071CC0-26AC-4257-906B-C57E6550F4D8}" sibTransId="{E7CA5D59-5D6A-4850-A24E-CB6E32D1EA89}"/>
     <dgm:cxn modelId="{19C8C83D-641A-494E-A8D8-62E4FE557EF4}" srcId="{7F6B5A0A-0F54-4B18-951E-1A0CFC44F6C4}" destId="{CDEEB3D3-689E-413A-B48B-3B4C259D2CDA}" srcOrd="1" destOrd="0" parTransId="{F27EFF3B-7C66-4921-A60B-0490F7F05817}" sibTransId="{22CC6DC0-3F9A-46C5-B765-A8692E00B968}"/>
-    <dgm:cxn modelId="{9DF4F15D-83DA-4A81-AC99-DAAA7154E8FC}" type="presOf" srcId="{3D7B3E38-995E-45E6-B8E3-FB502DA80652}" destId="{CAE67F45-C242-4CA0-9A93-1CF54DC6A4B2}" srcOrd="0" destOrd="0" presId="urn:microsoft.com/office/officeart/2005/8/layout/equation2"/>
-    <dgm:cxn modelId="{8A82D260-762D-4E67-B9C2-EE27803E73AC}" type="presOf" srcId="{CDEEB3D3-689E-413A-B48B-3B4C259D2CDA}" destId="{19F58809-13FA-49CC-AECD-B6EA26B8D0F9}" srcOrd="0" destOrd="0" presId="urn:microsoft.com/office/officeart/2005/8/layout/equation2"/>
-    <dgm:cxn modelId="{2E697D6D-F056-4088-9E32-833B4B75A03C}" type="presOf" srcId="{09353CC5-9DAE-40D9-A6ED-AC3D6931F2A5}" destId="{019AF5E6-0576-4F30-AF54-C6ABA9F8714D}" srcOrd="0" destOrd="0" presId="urn:microsoft.com/office/officeart/2005/8/layout/equation2"/>
-    <dgm:cxn modelId="{DA7D3650-E88E-4310-A3CB-787262591F55}" type="presOf" srcId="{E7CA5D59-5D6A-4850-A24E-CB6E32D1EA89}" destId="{8C167BF4-3B48-4E48-B7EB-402E1EBCD4C4}" srcOrd="0" destOrd="0" presId="urn:microsoft.com/office/officeart/2005/8/layout/equation2"/>
-    <dgm:cxn modelId="{C4EE0257-8F26-40B8-98FD-28E7D13A18FE}" type="presOf" srcId="{788FFD9D-7404-4CCE-A245-0BD6B0E93B24}" destId="{ADDE6D51-0326-48FC-8262-22DC9FF00928}" srcOrd="0" destOrd="0" presId="urn:microsoft.com/office/officeart/2005/8/layout/equation2"/>
-    <dgm:cxn modelId="{1BFB0EA2-22FF-498D-A19E-FD59F187BE85}" type="presOf" srcId="{7F6B5A0A-0F54-4B18-951E-1A0CFC44F6C4}" destId="{600386E9-DD67-4413-8FD7-D7B9E299B8F1}" srcOrd="0" destOrd="0" presId="urn:microsoft.com/office/officeart/2005/8/layout/equation2"/>
-    <dgm:cxn modelId="{683C64B8-0BF0-4A2E-9133-256426DBA86B}" srcId="{7F6B5A0A-0F54-4B18-951E-1A0CFC44F6C4}" destId="{09353CC5-9DAE-40D9-A6ED-AC3D6931F2A5}" srcOrd="3" destOrd="0" parTransId="{DAF3A442-BF4D-4AC2-A3B6-6C05624A55CE}" sibTransId="{00373967-E678-4682-81B8-B346B7B1880E}"/>
-    <dgm:cxn modelId="{CC6B26CB-7305-494E-80B1-A99DB7744352}" srcId="{7F6B5A0A-0F54-4B18-951E-1A0CFC44F6C4}" destId="{13DFDD1A-F857-4873-9289-F89CB29F0AE3}" srcOrd="2" destOrd="0" parTransId="{35071CC0-26AC-4257-906B-C57E6550F4D8}" sibTransId="{E7CA5D59-5D6A-4850-A24E-CB6E32D1EA89}"/>
-    <dgm:cxn modelId="{348596DD-86F7-4CC5-9998-9E16C8F5357F}" type="presOf" srcId="{E7CA5D59-5D6A-4850-A24E-CB6E32D1EA89}" destId="{6D3D89C7-2463-4B65-8B98-57E4FF79799E}" srcOrd="1" destOrd="0" presId="urn:microsoft.com/office/officeart/2005/8/layout/equation2"/>
     <dgm:cxn modelId="{814D597A-20A3-45B0-BCA8-CE4F71C3F6F8}" type="presParOf" srcId="{600386E9-DD67-4413-8FD7-D7B9E299B8F1}" destId="{19697C7A-B482-43A6-ADF5-AAB6958C65CD}" srcOrd="0" destOrd="0" presId="urn:microsoft.com/office/officeart/2005/8/layout/equation2"/>
     <dgm:cxn modelId="{7433A93E-5832-4E98-A452-511F15FD99D7}" type="presParOf" srcId="{19697C7A-B482-43A6-ADF5-AAB6958C65CD}" destId="{ADDE6D51-0326-48FC-8262-22DC9FF00928}" srcOrd="0" destOrd="0" presId="urn:microsoft.com/office/officeart/2005/8/layout/equation2"/>
     <dgm:cxn modelId="{DD4AE222-CE87-40E7-ACA8-0B228B1FEF42}" type="presParOf" srcId="{19697C7A-B482-43A6-ADF5-AAB6958C65CD}" destId="{FE9B7B2D-6E0A-451B-A6B6-B7A47F0A4ED4}" srcOrd="1" destOrd="0" presId="urn:microsoft.com/office/officeart/2005/8/layout/equation2"/>
@@ -2589,7 +2698,7 @@
         </a:bodyPr>
         <a:lstStyle/>
         <a:p>
-          <a:pPr marL="0" lvl="0" indent="0" algn="ctr" defTabSz="800100">
+          <a:pPr lvl="0" algn="ctr" defTabSz="800100">
             <a:lnSpc>
               <a:spcPct val="90000"/>
             </a:lnSpc>
@@ -2599,7 +2708,6 @@
             <a:spcAft>
               <a:spcPct val="35000"/>
             </a:spcAft>
-            <a:buNone/>
           </a:pPr>
           <a:r>
             <a:rPr lang="en-US" sz="1800" kern="1200" dirty="0"/>
@@ -2662,7 +2770,7 @@
         </a:bodyPr>
         <a:lstStyle/>
         <a:p>
-          <a:pPr marL="0" lvl="0" indent="0" algn="ctr" defTabSz="622300">
+          <a:pPr lvl="0" algn="ctr" defTabSz="622300">
             <a:lnSpc>
               <a:spcPct val="90000"/>
             </a:lnSpc>
@@ -2672,7 +2780,6 @@
             <a:spcAft>
               <a:spcPct val="35000"/>
             </a:spcAft>
-            <a:buNone/>
           </a:pPr>
           <a:endParaRPr lang="en-US" sz="1400" kern="1200"/>
         </a:p>
@@ -2739,7 +2846,7 @@
         </a:bodyPr>
         <a:lstStyle/>
         <a:p>
-          <a:pPr marL="0" lvl="0" indent="0" algn="ctr" defTabSz="800100">
+          <a:pPr lvl="0" algn="ctr" defTabSz="800100">
             <a:lnSpc>
               <a:spcPct val="90000"/>
             </a:lnSpc>
@@ -2749,7 +2856,6 @@
             <a:spcAft>
               <a:spcPct val="35000"/>
             </a:spcAft>
-            <a:buNone/>
           </a:pPr>
           <a:r>
             <a:rPr lang="en-US" sz="1800" kern="1200" dirty="0"/>
@@ -2812,7 +2918,7 @@
         </a:bodyPr>
         <a:lstStyle/>
         <a:p>
-          <a:pPr marL="0" lvl="0" indent="0" algn="ctr" defTabSz="622300">
+          <a:pPr lvl="0" algn="ctr" defTabSz="622300">
             <a:lnSpc>
               <a:spcPct val="90000"/>
             </a:lnSpc>
@@ -2822,7 +2928,6 @@
             <a:spcAft>
               <a:spcPct val="35000"/>
             </a:spcAft>
-            <a:buNone/>
           </a:pPr>
           <a:endParaRPr lang="en-US" sz="1400" kern="1200"/>
         </a:p>
@@ -2889,7 +2994,7 @@
         </a:bodyPr>
         <a:lstStyle/>
         <a:p>
-          <a:pPr marL="0" lvl="0" indent="0" algn="ctr" defTabSz="800100">
+          <a:pPr lvl="0" algn="ctr" defTabSz="800100">
             <a:lnSpc>
               <a:spcPct val="90000"/>
             </a:lnSpc>
@@ -2899,7 +3004,6 @@
             <a:spcAft>
               <a:spcPct val="35000"/>
             </a:spcAft>
-            <a:buNone/>
           </a:pPr>
           <a:r>
             <a:rPr lang="en-US" sz="1800" kern="1200" dirty="0"/>
@@ -2974,7 +3078,7 @@
         </a:bodyPr>
         <a:lstStyle/>
         <a:p>
-          <a:pPr marL="0" lvl="0" indent="0" algn="ctr" defTabSz="355600">
+          <a:pPr lvl="0" algn="ctr" defTabSz="355600">
             <a:lnSpc>
               <a:spcPct val="90000"/>
             </a:lnSpc>
@@ -2984,7 +3088,6 @@
             <a:spcAft>
               <a:spcPct val="35000"/>
             </a:spcAft>
-            <a:buNone/>
           </a:pPr>
           <a:r>
             <a:rPr lang="en-US" sz="800" kern="1200" dirty="0"/>
@@ -3047,7 +3150,7 @@
         </a:bodyPr>
         <a:lstStyle/>
         <a:p>
-          <a:pPr marL="0" lvl="0" indent="0" algn="ctr" defTabSz="266700">
+          <a:pPr lvl="0" algn="ctr" defTabSz="266700">
             <a:lnSpc>
               <a:spcPct val="90000"/>
             </a:lnSpc>
@@ -3057,7 +3160,6 @@
             <a:spcAft>
               <a:spcPct val="35000"/>
             </a:spcAft>
-            <a:buNone/>
           </a:pPr>
           <a:endParaRPr lang="en-US" sz="600" kern="1200"/>
         </a:p>
@@ -3117,7 +3219,7 @@
         </a:bodyPr>
         <a:lstStyle/>
         <a:p>
-          <a:pPr marL="0" lvl="0" indent="0" algn="ctr" defTabSz="355600">
+          <a:pPr lvl="0" algn="ctr" defTabSz="355600">
             <a:lnSpc>
               <a:spcPct val="90000"/>
             </a:lnSpc>
@@ -3127,7 +3229,6 @@
             <a:spcAft>
               <a:spcPct val="35000"/>
             </a:spcAft>
-            <a:buNone/>
           </a:pPr>
           <a:r>
             <a:rPr lang="en-US" sz="800" kern="1200" dirty="0" err="1"/>
@@ -3194,7 +3295,7 @@
         </a:bodyPr>
         <a:lstStyle/>
         <a:p>
-          <a:pPr marL="0" lvl="0" indent="0" algn="ctr" defTabSz="266700">
+          <a:pPr lvl="0" algn="ctr" defTabSz="266700">
             <a:lnSpc>
               <a:spcPct val="90000"/>
             </a:lnSpc>
@@ -3204,7 +3305,6 @@
             <a:spcAft>
               <a:spcPct val="35000"/>
             </a:spcAft>
-            <a:buNone/>
           </a:pPr>
           <a:endParaRPr lang="en-US" sz="600" kern="1200"/>
         </a:p>
@@ -3264,7 +3364,7 @@
         </a:bodyPr>
         <a:lstStyle/>
         <a:p>
-          <a:pPr marL="0" lvl="0" indent="0" algn="ctr" defTabSz="355600">
+          <a:pPr lvl="0" algn="ctr" defTabSz="355600">
             <a:lnSpc>
               <a:spcPct val="90000"/>
             </a:lnSpc>
@@ -3274,7 +3374,6 @@
             <a:spcAft>
               <a:spcPct val="35000"/>
             </a:spcAft>
-            <a:buNone/>
           </a:pPr>
           <a:r>
             <a:rPr lang="en-US" sz="800" kern="1200" dirty="0"/>
@@ -3340,7 +3439,7 @@
         </a:bodyPr>
         <a:lstStyle/>
         <a:p>
-          <a:pPr marL="0" lvl="0" indent="0" algn="ctr" defTabSz="311150">
+          <a:pPr lvl="0" algn="ctr" defTabSz="311150">
             <a:lnSpc>
               <a:spcPct val="90000"/>
             </a:lnSpc>
@@ -3350,7 +3449,6 @@
             <a:spcAft>
               <a:spcPct val="35000"/>
             </a:spcAft>
-            <a:buNone/>
           </a:pPr>
           <a:endParaRPr lang="en-US" sz="700" kern="1200"/>
         </a:p>
@@ -3410,7 +3508,7 @@
         </a:bodyPr>
         <a:lstStyle/>
         <a:p>
-          <a:pPr marL="0" lvl="0" indent="0" algn="ctr" defTabSz="533400">
+          <a:pPr lvl="0" algn="ctr" defTabSz="533400">
             <a:lnSpc>
               <a:spcPct val="90000"/>
             </a:lnSpc>
@@ -3420,7 +3518,6 @@
             <a:spcAft>
               <a:spcPct val="35000"/>
             </a:spcAft>
-            <a:buNone/>
           </a:pPr>
           <a:r>
             <a:rPr lang="en-US" sz="1200" kern="1200" dirty="0"/>
@@ -14386,80 +14483,9 @@
   <p:timing>
     <p:tnLst>
       <p:par>
-        <p:cTn id="1" dur="indefinite" restart="never" nodeType="tmRoot">
-          <p:childTnLst>
-            <p:seq concurrent="1" nextAc="seek">
-              <p:cTn id="2" dur="indefinite" nodeType="mainSeq">
-                <p:childTnLst>
-                  <p:par>
-                    <p:cTn id="3" fill="hold">
-                      <p:stCondLst>
-                        <p:cond delay="indefinite"/>
-                      </p:stCondLst>
-                      <p:childTnLst>
-                        <p:par>
-                          <p:cTn id="4" fill="hold">
-                            <p:stCondLst>
-                              <p:cond delay="0"/>
-                            </p:stCondLst>
-                            <p:childTnLst>
-                              <p:par>
-                                <p:cTn id="5" presetID="1" presetClass="entr" presetSubtype="0" fill="hold" grpId="0" nodeType="clickEffect">
-                                  <p:stCondLst>
-                                    <p:cond delay="0"/>
-                                  </p:stCondLst>
-                                  <p:childTnLst>
-                                    <p:set>
-                                      <p:cBhvr>
-                                        <p:cTn id="6" dur="1" fill="hold">
-                                          <p:stCondLst>
-                                            <p:cond delay="0"/>
-                                          </p:stCondLst>
-                                        </p:cTn>
-                                        <p:tgtEl>
-                                          <p:spTgt spid="18"/>
-                                        </p:tgtEl>
-                                        <p:attrNameLst>
-                                          <p:attrName>style.visibility</p:attrName>
-                                        </p:attrNameLst>
-                                      </p:cBhvr>
-                                      <p:to>
-                                        <p:strVal val="visible"/>
-                                      </p:to>
-                                    </p:set>
-                                  </p:childTnLst>
-                                </p:cTn>
-                              </p:par>
-                            </p:childTnLst>
-                          </p:cTn>
-                        </p:par>
-                      </p:childTnLst>
-                    </p:cTn>
-                  </p:par>
-                </p:childTnLst>
-              </p:cTn>
-              <p:prevCondLst>
-                <p:cond evt="onPrev" delay="0">
-                  <p:tgtEl>
-                    <p:sldTgt/>
-                  </p:tgtEl>
-                </p:cond>
-              </p:prevCondLst>
-              <p:nextCondLst>
-                <p:cond evt="onNext" delay="0">
-                  <p:tgtEl>
-                    <p:sldTgt/>
-                  </p:tgtEl>
-                </p:cond>
-              </p:nextCondLst>
-            </p:seq>
-          </p:childTnLst>
-        </p:cTn>
+        <p:cTn id="1" dur="indefinite" restart="never" nodeType="tmRoot"/>
       </p:par>
     </p:tnLst>
-    <p:bldLst>
-      <p:bldP spid="18" grpId="0" animBg="1"/>
-    </p:bldLst>
   </p:timing>
 </p:sld>
 </file>
@@ -15121,6 +15147,13 @@
   <p:clrMapOvr>
     <a:masterClrMapping/>
   </p:clrMapOvr>
+  <p:timing>
+    <p:tnLst>
+      <p:par>
+        <p:cTn id="1" dur="indefinite" restart="never" nodeType="tmRoot"/>
+      </p:par>
+    </p:tnLst>
+  </p:timing>
 </p:sld>
 </file>
 
@@ -15310,6 +15343,13 @@
   <p:clrMapOvr>
     <a:masterClrMapping/>
   </p:clrMapOvr>
+  <p:timing>
+    <p:tnLst>
+      <p:par>
+        <p:cTn id="1" dur="indefinite" restart="never" nodeType="tmRoot"/>
+      </p:par>
+    </p:tnLst>
+  </p:timing>
 </p:sld>
 </file>
 
@@ -15550,6 +15590,13 @@
   <p:clrMapOvr>
     <a:masterClrMapping/>
   </p:clrMapOvr>
+  <p:timing>
+    <p:tnLst>
+      <p:par>
+        <p:cTn id="1" dur="indefinite" restart="never" nodeType="tmRoot"/>
+      </p:par>
+    </p:tnLst>
+  </p:timing>
 </p:sld>
 </file>
 
@@ -15854,6 +15901,13 @@
   <p:clrMapOvr>
     <a:masterClrMapping/>
   </p:clrMapOvr>
+  <p:timing>
+    <p:tnLst>
+      <p:par>
+        <p:cTn id="1" dur="indefinite" restart="never" nodeType="tmRoot"/>
+      </p:par>
+    </p:tnLst>
+  </p:timing>
 </p:sld>
 </file>
 
@@ -16243,6 +16297,13 @@
   <p:clrMapOvr>
     <a:masterClrMapping/>
   </p:clrMapOvr>
+  <p:timing>
+    <p:tnLst>
+      <p:par>
+        <p:cTn id="1" dur="indefinite" restart="never" nodeType="tmRoot"/>
+      </p:par>
+    </p:tnLst>
+  </p:timing>
 </p:sld>
 </file>
 
@@ -16489,6 +16550,13 @@
   <p:clrMapOvr>
     <a:masterClrMapping/>
   </p:clrMapOvr>
+  <p:timing>
+    <p:tnLst>
+      <p:par>
+        <p:cTn id="1" dur="indefinite" restart="never" nodeType="tmRoot"/>
+      </p:par>
+    </p:tnLst>
+  </p:timing>
 </p:sld>
 </file>
 
@@ -16724,6 +16792,13 @@
   <p:clrMapOvr>
     <a:masterClrMapping/>
   </p:clrMapOvr>
+  <p:timing>
+    <p:tnLst>
+      <p:par>
+        <p:cTn id="1" dur="indefinite" restart="never" nodeType="tmRoot"/>
+      </p:par>
+    </p:tnLst>
+  </p:timing>
 </p:sld>
 </file>
 
@@ -17009,6 +17084,13 @@
   <p:clrMapOvr>
     <a:masterClrMapping/>
   </p:clrMapOvr>
+  <p:timing>
+    <p:tnLst>
+      <p:par>
+        <p:cTn id="1" dur="indefinite" restart="never" nodeType="tmRoot"/>
+      </p:par>
+    </p:tnLst>
+  </p:timing>
 </p:sld>
 </file>
 
@@ -17246,6 +17328,13 @@
   <p:clrMapOvr>
     <a:masterClrMapping/>
   </p:clrMapOvr>
+  <p:timing>
+    <p:tnLst>
+      <p:par>
+        <p:cTn id="1" dur="indefinite" restart="never" nodeType="tmRoot"/>
+      </p:par>
+    </p:tnLst>
+  </p:timing>
 </p:sld>
 </file>
 
@@ -17594,6 +17683,13 @@
   <p:clrMapOvr>
     <a:masterClrMapping/>
   </p:clrMapOvr>
+  <p:timing>
+    <p:tnLst>
+      <p:par>
+        <p:cTn id="1" dur="indefinite" restart="never" nodeType="tmRoot"/>
+      </p:par>
+    </p:tnLst>
+  </p:timing>
 </p:sld>
 </file>
 
@@ -17780,6 +17876,13 @@
   <p:clrMapOvr>
     <a:masterClrMapping/>
   </p:clrMapOvr>
+  <p:timing>
+    <p:tnLst>
+      <p:par>
+        <p:cTn id="1" dur="indefinite" restart="never" nodeType="tmRoot"/>
+      </p:par>
+    </p:tnLst>
+  </p:timing>
 </p:sld>
 </file>
 
@@ -17966,6 +18069,13 @@
   <p:clrMapOvr>
     <a:masterClrMapping/>
   </p:clrMapOvr>
+  <p:timing>
+    <p:tnLst>
+      <p:par>
+        <p:cTn id="1" dur="indefinite" restart="never" nodeType="tmRoot"/>
+      </p:par>
+    </p:tnLst>
+  </p:timing>
 </p:sld>
 </file>
 
@@ -18152,6 +18262,13 @@
   <p:clrMapOvr>
     <a:masterClrMapping/>
   </p:clrMapOvr>
+  <p:timing>
+    <p:tnLst>
+      <p:par>
+        <p:cTn id="1" dur="indefinite" restart="never" nodeType="tmRoot"/>
+      </p:par>
+    </p:tnLst>
+  </p:timing>
 </p:sld>
 </file>
 
@@ -18390,6 +18507,13 @@
   <p:clrMapOvr>
     <a:masterClrMapping/>
   </p:clrMapOvr>
+  <p:timing>
+    <p:tnLst>
+      <p:par>
+        <p:cTn id="1" dur="indefinite" restart="never" nodeType="tmRoot"/>
+      </p:par>
+    </p:tnLst>
+  </p:timing>
 </p:sld>
 </file>
 
@@ -19050,6 +19174,13 @@
   <p:clrMapOvr>
     <a:masterClrMapping/>
   </p:clrMapOvr>
+  <p:timing>
+    <p:tnLst>
+      <p:par>
+        <p:cTn id="1" dur="indefinite" restart="never" nodeType="tmRoot"/>
+      </p:par>
+    </p:tnLst>
+  </p:timing>
 </p:sld>
 </file>
 
@@ -19420,6 +19551,13 @@
   <p:clrMapOvr>
     <a:masterClrMapping/>
   </p:clrMapOvr>
+  <p:timing>
+    <p:tnLst>
+      <p:par>
+        <p:cTn id="1" dur="indefinite" restart="never" nodeType="tmRoot"/>
+      </p:par>
+    </p:tnLst>
+  </p:timing>
 </p:sld>
 </file>
 
@@ -20443,6 +20581,13 @@
   <p:clrMapOvr>
     <a:masterClrMapping/>
   </p:clrMapOvr>
+  <p:timing>
+    <p:tnLst>
+      <p:par>
+        <p:cTn id="1" dur="indefinite" restart="never" nodeType="tmRoot"/>
+      </p:par>
+    </p:tnLst>
+  </p:timing>
 </p:sld>
 </file>
 
@@ -21517,6 +21662,13 @@
   <p:clrMapOvr>
     <a:masterClrMapping/>
   </p:clrMapOvr>
+  <p:timing>
+    <p:tnLst>
+      <p:par>
+        <p:cTn id="1" dur="indefinite" restart="never" nodeType="tmRoot"/>
+      </p:par>
+    </p:tnLst>
+  </p:timing>
 </p:sld>
 </file>
 
@@ -21711,6 +21863,13 @@
   <p:clrMapOvr>
     <a:masterClrMapping/>
   </p:clrMapOvr>
+  <p:timing>
+    <p:tnLst>
+      <p:par>
+        <p:cTn id="1" dur="indefinite" restart="never" nodeType="tmRoot"/>
+      </p:par>
+    </p:tnLst>
+  </p:timing>
 </p:sld>
 </file>
 
@@ -23778,6 +23937,13 @@
   <p:clrMapOvr>
     <a:masterClrMapping/>
   </p:clrMapOvr>
+  <p:timing>
+    <p:tnLst>
+      <p:par>
+        <p:cTn id="1" dur="indefinite" restart="never" nodeType="tmRoot"/>
+      </p:par>
+    </p:tnLst>
+  </p:timing>
 </p:sld>
 </file>
 
@@ -24157,6 +24323,13 @@
   <p:clrMapOvr>
     <a:masterClrMapping/>
   </p:clrMapOvr>
+  <p:timing>
+    <p:tnLst>
+      <p:par>
+        <p:cTn id="1" dur="indefinite" restart="never" nodeType="tmRoot"/>
+      </p:par>
+    </p:tnLst>
+  </p:timing>
 </p:sld>
 </file>
 
@@ -24510,6 +24683,13 @@
   <p:clrMapOvr>
     <a:masterClrMapping/>
   </p:clrMapOvr>
+  <p:timing>
+    <p:tnLst>
+      <p:par>
+        <p:cTn id="1" dur="indefinite" restart="never" nodeType="tmRoot"/>
+      </p:par>
+    </p:tnLst>
+  </p:timing>
 </p:sld>
 </file>
 
@@ -25170,6 +25350,13 @@
   <p:clrMapOvr>
     <a:masterClrMapping/>
   </p:clrMapOvr>
+  <p:timing>
+    <p:tnLst>
+      <p:par>
+        <p:cTn id="1" dur="indefinite" restart="never" nodeType="tmRoot"/>
+      </p:par>
+    </p:tnLst>
+  </p:timing>
 </p:sld>
 </file>
 
@@ -25426,6 +25613,13 @@
   <p:clrMapOvr>
     <a:masterClrMapping/>
   </p:clrMapOvr>
+  <p:timing>
+    <p:tnLst>
+      <p:par>
+        <p:cTn id="1" dur="indefinite" restart="never" nodeType="tmRoot"/>
+      </p:par>
+    </p:tnLst>
+  </p:timing>
 </p:sld>
 </file>
 
@@ -25637,6 +25831,13 @@
   <p:clrMapOvr>
     <a:masterClrMapping/>
   </p:clrMapOvr>
+  <p:timing>
+    <p:tnLst>
+      <p:par>
+        <p:cTn id="1" dur="indefinite" restart="never" nodeType="tmRoot"/>
+      </p:par>
+    </p:tnLst>
+  </p:timing>
 </p:sld>
 </file>
 
@@ -25799,6 +26000,13 @@
   <p:clrMapOvr>
     <a:masterClrMapping/>
   </p:clrMapOvr>
+  <p:timing>
+    <p:tnLst>
+      <p:par>
+        <p:cTn id="1" dur="indefinite" restart="never" nodeType="tmRoot"/>
+      </p:par>
+    </p:tnLst>
+  </p:timing>
 </p:sld>
 </file>
 
@@ -25896,6 +26104,13 @@
   <p:clrMapOvr>
     <a:masterClrMapping/>
   </p:clrMapOvr>
+  <p:timing>
+    <p:tnLst>
+      <p:par>
+        <p:cTn id="1" dur="indefinite" restart="never" nodeType="tmRoot"/>
+      </p:par>
+    </p:tnLst>
+  </p:timing>
 </p:sld>
 </file>
 
@@ -26063,6 +26278,13 @@
   <p:clrMapOvr>
     <a:masterClrMapping/>
   </p:clrMapOvr>
+  <p:timing>
+    <p:tnLst>
+      <p:par>
+        <p:cTn id="1" dur="indefinite" restart="never" nodeType="tmRoot"/>
+      </p:par>
+    </p:tnLst>
+  </p:timing>
 </p:sld>
 </file>
 
@@ -26239,9 +26461,17 @@
               <a:rPr lang="en-US" sz="1600" dirty="0"/>
               <a:t>… (Mostly focus on testing)</a:t>
             </a:r>
+            <a:r>
+              <a:rPr lang="en-US" dirty="0"/>
+              <a:t/>
+            </a:r>
             <a:br>
               <a:rPr lang="en-US" dirty="0"/>
             </a:br>
+            <a:r>
+              <a:rPr lang="en-US" dirty="0"/>
+              <a:t/>
+            </a:r>
             <a:br>
               <a:rPr lang="en-US" dirty="0"/>
             </a:br>
@@ -26345,8 +26575,8 @@
           </a:p>
         </p:txBody>
       </p:sp>
-      <mc:AlternateContent xmlns:mc="http://schemas.openxmlformats.org/markup-compatibility/2006">
-        <mc:Choice xmlns:a14="http://schemas.microsoft.com/office/drawing/2010/main" Requires="a14">
+      <mc:AlternateContent xmlns:mc="http://schemas.openxmlformats.org/markup-compatibility/2006" xmlns:a14="http://schemas.microsoft.com/office/drawing/2010/main">
+        <mc:Choice Requires="a14">
           <p:sp>
             <p:nvSpPr>
               <p:cNvPr id="3" name="Text Placeholder 2">
@@ -26418,7 +26648,7 @@
             </p:txBody>
           </p:sp>
         </mc:Choice>
-        <mc:Fallback>
+        <mc:Fallback xmlns="">
           <p:sp>
             <p:nvSpPr>
               <p:cNvPr id="3" name="Text Placeholder 2">
@@ -26540,6 +26770,13 @@
   <p:clrMapOvr>
     <a:masterClrMapping/>
   </p:clrMapOvr>
+  <p:timing>
+    <p:tnLst>
+      <p:par>
+        <p:cTn id="1" dur="indefinite" restart="never" nodeType="tmRoot"/>
+      </p:par>
+    </p:tnLst>
+  </p:timing>
 </p:sld>
 </file>
 
@@ -27111,6 +27348,13 @@
   <p:clrMapOvr>
     <a:masterClrMapping/>
   </p:clrMapOvr>
+  <p:timing>
+    <p:tnLst>
+      <p:par>
+        <p:cTn id="1" dur="indefinite" restart="never" nodeType="tmRoot"/>
+      </p:par>
+    </p:tnLst>
+  </p:timing>
 </p:sld>
 </file>
 
@@ -27373,6 +27617,21 @@
   <p:clrMapOvr>
     <a:masterClrMapping/>
   </p:clrMapOvr>
+  <mc:AlternateContent xmlns:mc="http://schemas.openxmlformats.org/markup-compatibility/2006">
+    <mc:Choice xmlns:p14="http://schemas.microsoft.com/office/powerpoint/2010/main" Requires="p14">
+      <p:transition spd="slow" p14:dur="2000"/>
+    </mc:Choice>
+    <mc:Fallback>
+      <p:transition spd="slow"/>
+    </mc:Fallback>
+  </mc:AlternateContent>
+  <p:timing>
+    <p:tnLst>
+      <p:par>
+        <p:cTn id="1" dur="indefinite" restart="never" nodeType="tmRoot"/>
+      </p:par>
+    </p:tnLst>
+  </p:timing>
 </p:sld>
 </file>
 
@@ -27635,6 +27894,21 @@
   <p:clrMapOvr>
     <a:masterClrMapping/>
   </p:clrMapOvr>
+  <mc:AlternateContent xmlns:mc="http://schemas.openxmlformats.org/markup-compatibility/2006">
+    <mc:Choice xmlns:p14="http://schemas.microsoft.com/office/powerpoint/2010/main" Requires="p14">
+      <p:transition spd="slow" p14:dur="2000"/>
+    </mc:Choice>
+    <mc:Fallback>
+      <p:transition spd="slow"/>
+    </mc:Fallback>
+  </mc:AlternateContent>
+  <p:timing>
+    <p:tnLst>
+      <p:par>
+        <p:cTn id="1" dur="indefinite" restart="never" nodeType="tmRoot"/>
+      </p:par>
+    </p:tnLst>
+  </p:timing>
 </p:sld>
 </file>
 
@@ -27897,6 +28171,21 @@
   <p:clrMapOvr>
     <a:masterClrMapping/>
   </p:clrMapOvr>
+  <mc:AlternateContent xmlns:mc="http://schemas.openxmlformats.org/markup-compatibility/2006">
+    <mc:Choice xmlns:p14="http://schemas.microsoft.com/office/powerpoint/2010/main" Requires="p14">
+      <p:transition spd="slow" p14:dur="2000"/>
+    </mc:Choice>
+    <mc:Fallback>
+      <p:transition spd="slow"/>
+    </mc:Fallback>
+  </mc:AlternateContent>
+  <p:timing>
+    <p:tnLst>
+      <p:par>
+        <p:cTn id="1" dur="indefinite" restart="never" nodeType="tmRoot"/>
+      </p:par>
+    </p:tnLst>
+  </p:timing>
 </p:sld>
 </file>
 
@@ -28159,6 +28448,21 @@
   <p:clrMapOvr>
     <a:masterClrMapping/>
   </p:clrMapOvr>
+  <mc:AlternateContent xmlns:mc="http://schemas.openxmlformats.org/markup-compatibility/2006">
+    <mc:Choice xmlns:p14="http://schemas.microsoft.com/office/powerpoint/2010/main" Requires="p14">
+      <p:transition spd="slow" p14:dur="2000"/>
+    </mc:Choice>
+    <mc:Fallback>
+      <p:transition spd="slow"/>
+    </mc:Fallback>
+  </mc:AlternateContent>
+  <p:timing>
+    <p:tnLst>
+      <p:par>
+        <p:cTn id="1" dur="indefinite" restart="never" nodeType="tmRoot"/>
+      </p:par>
+    </p:tnLst>
+  </p:timing>
 </p:sld>
 </file>
 
@@ -28334,6 +28638,10 @@
             <a:r>
               <a:rPr lang="en-US" sz="1600" dirty="0"/>
               <a:t>… (Mostly focus on testing)</a:t>
+            </a:r>
+            <a:r>
+              <a:rPr lang="en-US" dirty="0"/>
+              <a:t/>
             </a:r>
             <a:br>
               <a:rPr lang="en-US" dirty="0"/>
@@ -28682,6 +28990,13 @@
   <p:clrMapOvr>
     <a:masterClrMapping/>
   </p:clrMapOvr>
+  <p:timing>
+    <p:tnLst>
+      <p:par>
+        <p:cTn id="1" dur="indefinite" restart="never" nodeType="tmRoot"/>
+      </p:par>
+    </p:tnLst>
+  </p:timing>
 </p:sld>
 </file>
 
@@ -28836,8 +29151,42 @@
               </a:spcAft>
             </a:pPr>
             <a:r>
+              <a:rPr lang="en-US" altLang="zh-CN" sz="1600" dirty="0" smtClean="0"/>
+              <a:t>A system should </a:t>
+            </a:r>
+            <a:r>
+              <a:rPr lang="en-US" altLang="zh-CN" sz="1600" smtClean="0"/>
+              <a:t>work correctly under </a:t>
+            </a:r>
+            <a:r>
+              <a:rPr lang="en-US" altLang="zh-CN" sz="1600" dirty="0" smtClean="0"/>
+              <a:t>certain </a:t>
+            </a:r>
+            <a:r>
+              <a:rPr lang="en-US" altLang="zh-CN" sz="1600" b="1" i="1" dirty="0" smtClean="0"/>
+              <a:t>expected</a:t>
+            </a:r>
+            <a:r>
+              <a:rPr lang="en-US" altLang="zh-CN" sz="1600" dirty="0" smtClean="0"/>
+              <a:t> environment.</a:t>
+            </a:r>
+          </a:p>
+          <a:p>
+            <a:pPr>
+              <a:spcBef>
+                <a:spcPts val="800"/>
+              </a:spcBef>
+              <a:spcAft>
+                <a:spcPts val="1600"/>
+              </a:spcAft>
+            </a:pPr>
+            <a:r>
+              <a:rPr lang="en-US" altLang="zh-CN" sz="1600" dirty="0" smtClean="0"/>
+              <a:t>Developers </a:t>
+            </a:r>
+            <a:r>
               <a:rPr lang="en-US" altLang="zh-CN" sz="1600" dirty="0"/>
-              <a:t>Developers often “over-engineer” a system to deal with errors/deviations in the </a:t>
+              <a:t>often “over-engineer” a system to deal with errors/deviations in the </a:t>
             </a:r>
             <a:r>
               <a:rPr lang="en-US" altLang="zh-CN" sz="1600" b="1" i="1" dirty="0"/>
@@ -28923,6 +29272,13 @@
   <p:clrMapOvr>
     <a:masterClrMapping/>
   </p:clrMapOvr>
+  <p:timing>
+    <p:tnLst>
+      <p:par>
+        <p:cTn id="1" dur="indefinite" restart="never" nodeType="tmRoot"/>
+      </p:par>
+    </p:tnLst>
+  </p:timing>
 </p:sld>
 </file>
 
@@ -29494,6 +29850,13 @@
   <p:clrMapOvr>
     <a:masterClrMapping/>
   </p:clrMapOvr>
+  <p:timing>
+    <p:tnLst>
+      <p:par>
+        <p:cTn id="1" dur="indefinite" restart="never" nodeType="tmRoot"/>
+      </p:par>
+    </p:tnLst>
+  </p:timing>
 </p:sld>
 </file>
 
